--- a/Presentation.pptx
+++ b/Presentation.pptx
@@ -5,21 +5,32 @@
     <p:sldMasterId id="2147483648" r:id="rId1"/>
   </p:sldMasterIdLst>
   <p:notesMasterIdLst>
-    <p:notesMasterId r:id="rId14"/>
+    <p:notesMasterId r:id="rId25"/>
   </p:notesMasterIdLst>
   <p:sldIdLst>
-    <p:sldId id="256" r:id="rId2"/>
-    <p:sldId id="257" r:id="rId3"/>
-    <p:sldId id="258" r:id="rId4"/>
-    <p:sldId id="259" r:id="rId5"/>
-    <p:sldId id="264" r:id="rId6"/>
-    <p:sldId id="265" r:id="rId7"/>
-    <p:sldId id="260" r:id="rId8"/>
-    <p:sldId id="262" r:id="rId9"/>
-    <p:sldId id="261" r:id="rId10"/>
-    <p:sldId id="266" r:id="rId11"/>
-    <p:sldId id="267" r:id="rId12"/>
-    <p:sldId id="268" r:id="rId13"/>
+    <p:sldId id="269" r:id="rId2"/>
+    <p:sldId id="256" r:id="rId3"/>
+    <p:sldId id="270" r:id="rId4"/>
+    <p:sldId id="257" r:id="rId5"/>
+    <p:sldId id="258" r:id="rId6"/>
+    <p:sldId id="274" r:id="rId7"/>
+    <p:sldId id="273" r:id="rId8"/>
+    <p:sldId id="271" r:id="rId9"/>
+    <p:sldId id="272" r:id="rId10"/>
+    <p:sldId id="264" r:id="rId11"/>
+    <p:sldId id="265" r:id="rId12"/>
+    <p:sldId id="260" r:id="rId13"/>
+    <p:sldId id="262" r:id="rId14"/>
+    <p:sldId id="261" r:id="rId15"/>
+    <p:sldId id="266" r:id="rId16"/>
+    <p:sldId id="267" r:id="rId17"/>
+    <p:sldId id="275" r:id="rId18"/>
+    <p:sldId id="268" r:id="rId19"/>
+    <p:sldId id="277" r:id="rId20"/>
+    <p:sldId id="278" r:id="rId21"/>
+    <p:sldId id="279" r:id="rId22"/>
+    <p:sldId id="280" r:id="rId23"/>
+    <p:sldId id="276" r:id="rId24"/>
   </p:sldIdLst>
   <p:sldSz cx="12192000" cy="6858000"/>
   <p:notesSz cx="6858000" cy="9144000"/>
@@ -884,7 +895,7 @@
       <dgm:prSet phldrT="[Text]" custT="1"/>
       <dgm:spPr>
         <a:solidFill>
-          <a:srgbClr val="FF0000"/>
+          <a:srgbClr val="FFFF00"/>
         </a:solidFill>
       </dgm:spPr>
       <dgm:t>
@@ -964,7 +975,7 @@
       <dgm:prSet phldrT="[Text]" custT="1"/>
       <dgm:spPr>
         <a:solidFill>
-          <a:srgbClr val="92D050"/>
+          <a:srgbClr val="00B050"/>
         </a:solidFill>
       </dgm:spPr>
       <dgm:t>
@@ -1012,7 +1023,7 @@
       <dgm:prSet custT="1"/>
       <dgm:spPr>
         <a:solidFill>
-          <a:srgbClr val="00B050"/>
+          <a:srgbClr val="00B0F0"/>
         </a:solidFill>
       </dgm:spPr>
       <dgm:t>
@@ -1208,7 +1219,7 @@
           </a:avLst>
         </a:prstGeom>
         <a:solidFill>
-          <a:srgbClr val="FF0000"/>
+          <a:srgbClr val="FFFF00"/>
         </a:solidFill>
         <a:ln w="15875" cap="flat" cmpd="sng" algn="ctr">
           <a:solidFill>
@@ -1356,7 +1367,7 @@
           </a:avLst>
         </a:prstGeom>
         <a:solidFill>
-          <a:srgbClr val="92D050"/>
+          <a:srgbClr val="00B050"/>
         </a:solidFill>
         <a:ln w="15875" cap="flat" cmpd="sng" algn="ctr">
           <a:solidFill>
@@ -1438,7 +1449,7 @@
           </a:avLst>
         </a:prstGeom>
         <a:solidFill>
-          <a:srgbClr val="00B050"/>
+          <a:srgbClr val="00B0F0"/>
         </a:solidFill>
         <a:ln w="15875" cap="flat" cmpd="sng" algn="ctr">
           <a:solidFill>
@@ -2848,7 +2859,7 @@
           <a:p>
             <a:fld id="{72D9CB7B-650F-8246-A3D9-0A62D3A19714}" type="datetimeFigureOut">
               <a:rPr lang="en-US" smtClean="0"/>
-              <a:t>8/19/18</a:t>
+              <a:t>8/27/18</a:t>
             </a:fld>
             <a:endParaRPr lang="en-US"/>
           </a:p>
@@ -3159,17 +3170,23 @@
           <a:bodyPr/>
           <a:lstStyle/>
           <a:p>
+            <a:pPr marL="171450" indent="-171450">
+              <a:buFontTx/>
+              <a:buChar char="-"/>
+            </a:pPr>
             <a:r>
               <a:rPr lang="en-US" dirty="0"/>
-              <a:t>- </a:t>
-            </a:r>
-            <a:r>
-              <a:rPr lang="en-US" dirty="0" err="1"/>
-              <a:t>tvOS</a:t>
-            </a:r>
+              <a:t>Welcome</a:t>
+            </a:r>
+          </a:p>
+          <a:p>
+            <a:pPr marL="171450" indent="-171450">
+              <a:buFontTx/>
+              <a:buChar char="-"/>
+            </a:pPr>
             <a:r>
               <a:rPr lang="en-US" dirty="0"/>
-              <a:t> 9 is 95% base on iOS 9</a:t>
+              <a:t>Introduce about myself</a:t>
             </a:r>
           </a:p>
         </p:txBody>
@@ -3191,7 +3208,7 @@
           <a:p>
             <a:fld id="{021361DD-1E38-BB4A-B605-BA873CC7A43C}" type="slidenum">
               <a:rPr lang="en-US" smtClean="0"/>
-              <a:t>4</a:t>
+              <a:t>1</a:t>
             </a:fld>
             <a:endParaRPr lang="en-US"/>
           </a:p>
@@ -3200,7 +3217,299 @@
     </p:spTree>
     <p:extLst>
       <p:ext uri="{BB962C8B-B14F-4D97-AF65-F5344CB8AC3E}">
-        <p14:creationId xmlns:p14="http://schemas.microsoft.com/office/powerpoint/2010/main" val="1679376677"/>
+        <p14:creationId xmlns:p14="http://schemas.microsoft.com/office/powerpoint/2010/main" val="1425227910"/>
+      </p:ext>
+    </p:extLst>
+  </p:cSld>
+  <p:clrMapOvr>
+    <a:masterClrMapping/>
+  </p:clrMapOvr>
+</p:notes>
+</file>
+
+<file path=ppt/notesSlides/notesSlide10.xml><?xml version="1.0" encoding="utf-8"?>
+<p:notes xmlns:a="http://schemas.openxmlformats.org/drawingml/2006/main" xmlns:r="http://schemas.openxmlformats.org/officeDocument/2006/relationships" xmlns:p="http://schemas.openxmlformats.org/presentationml/2006/main">
+  <p:cSld>
+    <p:spTree>
+      <p:nvGrpSpPr>
+        <p:cNvPr id="1" name=""/>
+        <p:cNvGrpSpPr/>
+        <p:nvPr/>
+      </p:nvGrpSpPr>
+      <p:grpSpPr>
+        <a:xfrm>
+          <a:off x="0" y="0"/>
+          <a:ext cx="0" cy="0"/>
+          <a:chOff x="0" y="0"/>
+          <a:chExt cx="0" cy="0"/>
+        </a:xfrm>
+      </p:grpSpPr>
+      <p:sp>
+        <p:nvSpPr>
+          <p:cNvPr id="2" name="Slide Image Placeholder 1"/>
+          <p:cNvSpPr>
+            <a:spLocks noGrp="1" noRot="1" noChangeAspect="1"/>
+          </p:cNvSpPr>
+          <p:nvPr>
+            <p:ph type="sldImg"/>
+          </p:nvPr>
+        </p:nvSpPr>
+        <p:spPr/>
+      </p:sp>
+      <p:sp>
+        <p:nvSpPr>
+          <p:cNvPr id="3" name="Notes Placeholder 2"/>
+          <p:cNvSpPr>
+            <a:spLocks noGrp="1"/>
+          </p:cNvSpPr>
+          <p:nvPr>
+            <p:ph type="body" idx="1"/>
+          </p:nvPr>
+        </p:nvSpPr>
+        <p:spPr/>
+        <p:txBody>
+          <a:bodyPr/>
+          <a:lstStyle/>
+          <a:p>
+            <a:pPr marL="171450" indent="-171450">
+              <a:buFontTx/>
+              <a:buChar char="-"/>
+            </a:pPr>
+            <a:r>
+              <a:rPr lang="en-US" dirty="0"/>
+              <a:t>Different devices, one use touch on the screen, and one use the remote</a:t>
+            </a:r>
+          </a:p>
+          <a:p>
+            <a:pPr marL="171450" indent="-171450">
+              <a:buFontTx/>
+              <a:buChar char="-"/>
+            </a:pPr>
+            <a:r>
+              <a:rPr lang="en-US" dirty="0"/>
+              <a:t>Layout is different, size and color. iOS scroll vertical mostly meanwhile on Apple TV prefer to scroll horizontally</a:t>
+            </a:r>
+          </a:p>
+          <a:p>
+            <a:pPr marL="171450" indent="-171450">
+              <a:buFontTx/>
+              <a:buChar char="-"/>
+            </a:pPr>
+            <a:r>
+              <a:rPr lang="en-US" dirty="0"/>
+              <a:t>iOS need to care with orientation as well as multitasking on iPad (compact and regular) meanwhile on </a:t>
+            </a:r>
+            <a:r>
+              <a:rPr lang="en-US" dirty="0" err="1"/>
+              <a:t>tvOS</a:t>
+            </a:r>
+            <a:r>
+              <a:rPr lang="en-US" dirty="0"/>
+              <a:t> need to care about light and dark</a:t>
+            </a:r>
+          </a:p>
+          <a:p>
+            <a:pPr marL="171450" indent="-171450">
+              <a:buFontTx/>
+              <a:buChar char="-"/>
+            </a:pPr>
+            <a:endParaRPr lang="en-US" dirty="0"/>
+          </a:p>
+          <a:p>
+            <a:endParaRPr lang="en-US" dirty="0"/>
+          </a:p>
+        </p:txBody>
+      </p:sp>
+      <p:sp>
+        <p:nvSpPr>
+          <p:cNvPr id="4" name="Slide Number Placeholder 3"/>
+          <p:cNvSpPr>
+            <a:spLocks noGrp="1"/>
+          </p:cNvSpPr>
+          <p:nvPr>
+            <p:ph type="sldNum" sz="quarter" idx="5"/>
+          </p:nvPr>
+        </p:nvSpPr>
+        <p:spPr/>
+        <p:txBody>
+          <a:bodyPr/>
+          <a:lstStyle/>
+          <a:p>
+            <a:fld id="{021361DD-1E38-BB4A-B605-BA873CC7A43C}" type="slidenum">
+              <a:rPr lang="en-US" smtClean="0"/>
+              <a:t>16</a:t>
+            </a:fld>
+            <a:endParaRPr lang="en-US"/>
+          </a:p>
+        </p:txBody>
+      </p:sp>
+    </p:spTree>
+    <p:extLst>
+      <p:ext uri="{BB962C8B-B14F-4D97-AF65-F5344CB8AC3E}">
+        <p14:creationId xmlns:p14="http://schemas.microsoft.com/office/powerpoint/2010/main" val="1786426012"/>
+      </p:ext>
+    </p:extLst>
+  </p:cSld>
+  <p:clrMapOvr>
+    <a:masterClrMapping/>
+  </p:clrMapOvr>
+</p:notes>
+</file>
+
+<file path=ppt/notesSlides/notesSlide11.xml><?xml version="1.0" encoding="utf-8"?>
+<p:notes xmlns:a="http://schemas.openxmlformats.org/drawingml/2006/main" xmlns:r="http://schemas.openxmlformats.org/officeDocument/2006/relationships" xmlns:p="http://schemas.openxmlformats.org/presentationml/2006/main">
+  <p:cSld>
+    <p:spTree>
+      <p:nvGrpSpPr>
+        <p:cNvPr id="1" name=""/>
+        <p:cNvGrpSpPr/>
+        <p:nvPr/>
+      </p:nvGrpSpPr>
+      <p:grpSpPr>
+        <a:xfrm>
+          <a:off x="0" y="0"/>
+          <a:ext cx="0" cy="0"/>
+          <a:chOff x="0" y="0"/>
+          <a:chExt cx="0" cy="0"/>
+        </a:xfrm>
+      </p:grpSpPr>
+      <p:sp>
+        <p:nvSpPr>
+          <p:cNvPr id="2" name="Slide Image Placeholder 1"/>
+          <p:cNvSpPr>
+            <a:spLocks noGrp="1" noRot="1" noChangeAspect="1"/>
+          </p:cNvSpPr>
+          <p:nvPr>
+            <p:ph type="sldImg"/>
+          </p:nvPr>
+        </p:nvSpPr>
+        <p:spPr/>
+      </p:sp>
+      <p:sp>
+        <p:nvSpPr>
+          <p:cNvPr id="3" name="Notes Placeholder 2"/>
+          <p:cNvSpPr>
+            <a:spLocks noGrp="1"/>
+          </p:cNvSpPr>
+          <p:nvPr>
+            <p:ph type="body" idx="1"/>
+          </p:nvPr>
+        </p:nvSpPr>
+        <p:spPr/>
+        <p:txBody>
+          <a:bodyPr/>
+          <a:lstStyle/>
+          <a:p>
+            <a:pPr marL="0" marR="0" lvl="0" indent="0" algn="l" defTabSz="914400" rtl="0" eaLnBrk="1" fontAlgn="auto" latinLnBrk="0" hangingPunct="1">
+              <a:lnSpc>
+                <a:spcPct val="100000"/>
+              </a:lnSpc>
+              <a:spcBef>
+                <a:spcPts val="0"/>
+              </a:spcBef>
+              <a:spcAft>
+                <a:spcPts val="0"/>
+              </a:spcAft>
+              <a:buClrTx/>
+              <a:buSzTx/>
+              <a:buFontTx/>
+              <a:buNone/>
+              <a:tabLst/>
+              <a:defRPr/>
+            </a:pPr>
+            <a:r>
+              <a:rPr lang="en-US" dirty="0"/>
+              <a:t>@default = [:</a:t>
+            </a:r>
+            <a:r>
+              <a:rPr lang="en-US" dirty="0" err="1"/>
+              <a:t>ios</a:t>
+            </a:r>
+            <a:r>
+              <a:rPr lang="en-US" dirty="0"/>
+              <a:t>, :mac, :android]</a:t>
+            </a:r>
+          </a:p>
+          <a:p>
+            <a:r>
+              <a:rPr lang="en-US" dirty="0"/>
+              <a:t>https://</a:t>
+            </a:r>
+            <a:r>
+              <a:rPr lang="en-US" dirty="0" err="1"/>
+              <a:t>github.com</a:t>
+            </a:r>
+            <a:r>
+              <a:rPr lang="en-US" dirty="0"/>
+              <a:t>/</a:t>
+            </a:r>
+            <a:r>
+              <a:rPr lang="en-US" dirty="0" err="1"/>
+              <a:t>fastlane</a:t>
+            </a:r>
+            <a:r>
+              <a:rPr lang="en-US" dirty="0"/>
+              <a:t>/</a:t>
+            </a:r>
+            <a:r>
+              <a:rPr lang="en-US" dirty="0" err="1"/>
+              <a:t>fastlane</a:t>
+            </a:r>
+            <a:r>
+              <a:rPr lang="en-US" dirty="0"/>
+              <a:t>/blob/master/</a:t>
+            </a:r>
+            <a:r>
+              <a:rPr lang="en-US" dirty="0" err="1"/>
+              <a:t>fastlane</a:t>
+            </a:r>
+            <a:r>
+              <a:rPr lang="en-US" dirty="0"/>
+              <a:t>/lib/</a:t>
+            </a:r>
+            <a:r>
+              <a:rPr lang="en-US" dirty="0" err="1"/>
+              <a:t>fastlane</a:t>
+            </a:r>
+            <a:r>
+              <a:rPr lang="en-US" dirty="0"/>
+              <a:t>/</a:t>
+            </a:r>
+            <a:r>
+              <a:rPr lang="en-US" dirty="0" err="1"/>
+              <a:t>supported_platforms.rb</a:t>
+            </a:r>
+            <a:endParaRPr lang="en-US" dirty="0"/>
+          </a:p>
+        </p:txBody>
+      </p:sp>
+      <p:sp>
+        <p:nvSpPr>
+          <p:cNvPr id="4" name="Slide Number Placeholder 3"/>
+          <p:cNvSpPr>
+            <a:spLocks noGrp="1"/>
+          </p:cNvSpPr>
+          <p:nvPr>
+            <p:ph type="sldNum" sz="quarter" idx="5"/>
+          </p:nvPr>
+        </p:nvSpPr>
+        <p:spPr/>
+        <p:txBody>
+          <a:bodyPr/>
+          <a:lstStyle/>
+          <a:p>
+            <a:fld id="{021361DD-1E38-BB4A-B605-BA873CC7A43C}" type="slidenum">
+              <a:rPr lang="en-US" smtClean="0"/>
+              <a:t>18</a:t>
+            </a:fld>
+            <a:endParaRPr lang="en-US"/>
+          </a:p>
+        </p:txBody>
+      </p:sp>
+    </p:spTree>
+    <p:extLst>
+      <p:ext uri="{BB962C8B-B14F-4D97-AF65-F5344CB8AC3E}">
+        <p14:creationId xmlns:p14="http://schemas.microsoft.com/office/powerpoint/2010/main" val="498594565"/>
       </p:ext>
     </p:extLst>
   </p:cSld>
@@ -3259,84 +3568,25 @@
               <a:buChar char="-"/>
             </a:pPr>
             <a:r>
-              <a:rPr lang="en-US" sz="1200" b="0" i="0" u="none" strike="noStrike" kern="1200" dirty="0">
-                <a:solidFill>
-                  <a:schemeClr val="tx1"/>
-                </a:solidFill>
-                <a:effectLst/>
-                <a:latin typeface="+mn-lt"/>
-                <a:ea typeface="+mn-ea"/>
-                <a:cs typeface="+mn-cs"/>
-              </a:rPr>
-              <a:t>iPhone 1</a:t>
-            </a:r>
-            <a:r>
-              <a:rPr lang="en-US" sz="1200" b="0" i="0" u="none" strike="noStrike" kern="1200" baseline="30000" dirty="0">
-                <a:solidFill>
-                  <a:schemeClr val="tx1"/>
-                </a:solidFill>
-                <a:effectLst/>
-                <a:latin typeface="+mn-lt"/>
-                <a:ea typeface="+mn-ea"/>
-                <a:cs typeface="+mn-cs"/>
-              </a:rPr>
-              <a:t>st</a:t>
-            </a:r>
-            <a:r>
-              <a:rPr lang="en-US" sz="1200" b="0" i="0" u="none" strike="noStrike" kern="1200" dirty="0">
-                <a:solidFill>
-                  <a:schemeClr val="tx1"/>
-                </a:solidFill>
-                <a:effectLst/>
-                <a:latin typeface="+mn-lt"/>
-                <a:ea typeface="+mn-ea"/>
-                <a:cs typeface="+mn-cs"/>
-              </a:rPr>
-              <a:t> Gen runs iPhone OS 1, CPU: Samsung 32-but ARM</a:t>
-            </a:r>
-          </a:p>
-          <a:p>
-            <a:pPr marL="171450" indent="-171450">
-              <a:buFontTx/>
-              <a:buChar char="-"/>
-            </a:pPr>
-            <a:r>
-              <a:rPr lang="en-US" sz="1200" b="0" i="0" u="none" strike="noStrike" kern="1200" dirty="0">
-                <a:solidFill>
-                  <a:schemeClr val="tx1"/>
-                </a:solidFill>
-                <a:effectLst/>
-                <a:latin typeface="+mn-lt"/>
-                <a:ea typeface="+mn-ea"/>
-                <a:cs typeface="+mn-cs"/>
-              </a:rPr>
-              <a:t>Apple TV 1</a:t>
-            </a:r>
-            <a:r>
-              <a:rPr lang="en-US" sz="1200" b="0" i="0" u="none" strike="noStrike" kern="1200" baseline="30000" dirty="0">
-                <a:solidFill>
-                  <a:schemeClr val="tx1"/>
-                </a:solidFill>
-                <a:effectLst/>
-                <a:latin typeface="+mn-lt"/>
-                <a:ea typeface="+mn-ea"/>
-                <a:cs typeface="+mn-cs"/>
-              </a:rPr>
-              <a:t>st</a:t>
-            </a:r>
-            <a:r>
-              <a:rPr lang="en-US" sz="1200" b="0" i="0" u="none" strike="noStrike" kern="1200" dirty="0">
-                <a:solidFill>
-                  <a:schemeClr val="tx1"/>
-                </a:solidFill>
-                <a:effectLst/>
-                <a:latin typeface="+mn-lt"/>
-                <a:ea typeface="+mn-ea"/>
-                <a:cs typeface="+mn-cs"/>
-              </a:rPr>
-              <a:t> Gen runs on MacOS X 10.3.9, CPU: Intel Pentium</a:t>
-            </a:r>
-            <a:endParaRPr lang="en-US" dirty="0"/>
+              <a:rPr lang="en-US" dirty="0"/>
+              <a:t>Today I’m </a:t>
+            </a:r>
+            <a:r>
+              <a:rPr lang="en-US" dirty="0" err="1"/>
+              <a:t>gonna</a:t>
+            </a:r>
+            <a:r>
+              <a:rPr lang="en-US" dirty="0"/>
+              <a:t> talk about </a:t>
+            </a:r>
+            <a:r>
+              <a:rPr lang="en-US" dirty="0" err="1"/>
+              <a:t>tvOS</a:t>
+            </a:r>
+            <a:r>
+              <a:rPr lang="en-US" dirty="0"/>
+              <a:t> and how to implement it on scratch or in an iOS application which is already built and already working</a:t>
+            </a:r>
           </a:p>
         </p:txBody>
       </p:sp>
@@ -3357,7 +3607,7 @@
           <a:p>
             <a:fld id="{021361DD-1E38-BB4A-B605-BA873CC7A43C}" type="slidenum">
               <a:rPr lang="en-US" smtClean="0"/>
-              <a:t>7</a:t>
+              <a:t>2</a:t>
             </a:fld>
             <a:endParaRPr lang="en-US"/>
           </a:p>
@@ -3366,7 +3616,7 @@
     </p:spTree>
     <p:extLst>
       <p:ext uri="{BB962C8B-B14F-4D97-AF65-F5344CB8AC3E}">
-        <p14:creationId xmlns:p14="http://schemas.microsoft.com/office/powerpoint/2010/main" val="2272586853"/>
+        <p14:creationId xmlns:p14="http://schemas.microsoft.com/office/powerpoint/2010/main" val="2850820186"/>
       </p:ext>
     </p:extLst>
   </p:cSld>
@@ -3420,91 +3670,29 @@
           <a:bodyPr/>
           <a:lstStyle/>
           <a:p>
-            <a:pPr fontAlgn="base"/>
-            <a:r>
-              <a:rPr lang="en-US" sz="1200" kern="1200" dirty="0">
-                <a:solidFill>
-                  <a:schemeClr val="tx1"/>
-                </a:solidFill>
-                <a:effectLst/>
-                <a:latin typeface="+mn-lt"/>
-                <a:ea typeface="+mn-ea"/>
-                <a:cs typeface="+mn-cs"/>
-              </a:rPr>
-              <a:t>The process for creating apps for Apple TV is similar to the process for creating iOS apps. You can create games, utility apps, media apps, and more using the same techniques and frameworks used by iOS. New and existing apps can target both iOS and the new Apple TV, allowing for unprecedented multiplayer options.</a:t>
-            </a:r>
-          </a:p>
-          <a:p>
-            <a:endParaRPr lang="en-US" sz="1200" b="0" i="0" kern="1200" dirty="0">
-              <a:solidFill>
-                <a:schemeClr val="tx1"/>
-              </a:solidFill>
-              <a:effectLst/>
-              <a:latin typeface="+mn-lt"/>
-              <a:ea typeface="+mn-ea"/>
-              <a:cs typeface="+mn-cs"/>
-            </a:endParaRPr>
-          </a:p>
-          <a:p>
-            <a:r>
-              <a:rPr lang="en-US" sz="1200" b="0" i="0" kern="1200" dirty="0">
-                <a:solidFill>
-                  <a:schemeClr val="tx1"/>
-                </a:solidFill>
-                <a:effectLst/>
-                <a:latin typeface="+mn-lt"/>
-                <a:ea typeface="+mn-ea"/>
-                <a:cs typeface="+mn-cs"/>
-              </a:rPr>
-              <a:t>Apple TV makes it easier to create client-server apps, whose primary purpose is to stream media, using web technologies such as HTTPS, </a:t>
-            </a:r>
-            <a:r>
-              <a:rPr lang="en-US" sz="1200" b="0" i="0" kern="1200" dirty="0" err="1">
-                <a:solidFill>
-                  <a:schemeClr val="tx1"/>
-                </a:solidFill>
-                <a:effectLst/>
-                <a:latin typeface="+mn-lt"/>
-                <a:ea typeface="+mn-ea"/>
-                <a:cs typeface="+mn-cs"/>
-              </a:rPr>
-              <a:t>XMLHTTPRequest</a:t>
-            </a:r>
-            <a:r>
-              <a:rPr lang="en-US" sz="1200" b="0" i="0" kern="1200" dirty="0">
-                <a:solidFill>
-                  <a:schemeClr val="tx1"/>
-                </a:solidFill>
-                <a:effectLst/>
-                <a:latin typeface="+mn-lt"/>
-                <a:ea typeface="+mn-ea"/>
-                <a:cs typeface="+mn-cs"/>
-              </a:rPr>
-              <a:t>, DOM, and JavaScript. You use Apple’s custom markup language, TVML, to create interfaces, and you specify app behaviors using JavaScript. The </a:t>
-            </a:r>
-            <a:r>
-              <a:rPr lang="en-US" sz="1200" b="0" i="0" kern="1200" dirty="0" err="1">
-                <a:solidFill>
-                  <a:schemeClr val="tx1"/>
-                </a:solidFill>
-                <a:effectLst/>
-                <a:latin typeface="+mn-lt"/>
-                <a:ea typeface="+mn-ea"/>
-                <a:cs typeface="+mn-cs"/>
-              </a:rPr>
-              <a:t>TVMLKit</a:t>
-            </a:r>
-            <a:r>
-              <a:rPr lang="en-US" sz="1200" b="0" i="0" kern="1200" dirty="0">
-                <a:solidFill>
-                  <a:schemeClr val="tx1"/>
-                </a:solidFill>
-                <a:effectLst/>
-                <a:latin typeface="+mn-lt"/>
-                <a:ea typeface="+mn-ea"/>
-                <a:cs typeface="+mn-cs"/>
-              </a:rPr>
-              <a:t> framework provides the bridge between your native code and the JavaScript code in your user interface</a:t>
+            <a:pPr marL="171450" indent="-171450">
+              <a:buFontTx/>
+              <a:buChar char="-"/>
+            </a:pPr>
+            <a:r>
+              <a:rPr lang="en-US" dirty="0"/>
+              <a:t>Today I’m </a:t>
+            </a:r>
+            <a:r>
+              <a:rPr lang="en-US" dirty="0" err="1"/>
+              <a:t>gonna</a:t>
+            </a:r>
+            <a:r>
+              <a:rPr lang="en-US" dirty="0"/>
+              <a:t> talk about </a:t>
+            </a:r>
+            <a:r>
+              <a:rPr lang="en-US" dirty="0" err="1"/>
+              <a:t>tvOS</a:t>
+            </a:r>
+            <a:r>
+              <a:rPr lang="en-US" dirty="0"/>
+              <a:t> and how to implement it on scratch or in an iOS application which is already built and already working</a:t>
             </a:r>
           </a:p>
         </p:txBody>
@@ -3526,7 +3714,7 @@
           <a:p>
             <a:fld id="{021361DD-1E38-BB4A-B605-BA873CC7A43C}" type="slidenum">
               <a:rPr lang="en-US" smtClean="0"/>
-              <a:t>8</a:t>
+              <a:t>3</a:t>
             </a:fld>
             <a:endParaRPr lang="en-US"/>
           </a:p>
@@ -3535,7 +3723,7 @@
     </p:spTree>
     <p:extLst>
       <p:ext uri="{BB962C8B-B14F-4D97-AF65-F5344CB8AC3E}">
-        <p14:creationId xmlns:p14="http://schemas.microsoft.com/office/powerpoint/2010/main" val="2363464583"/>
+        <p14:creationId xmlns:p14="http://schemas.microsoft.com/office/powerpoint/2010/main" val="3925543866"/>
       </p:ext>
     </p:extLst>
   </p:cSld>
@@ -3589,114 +3777,7 @@
           <a:bodyPr/>
           <a:lstStyle/>
           <a:p>
-            <a:pPr marL="0" marR="0" lvl="0" indent="0" algn="l" defTabSz="914400" rtl="0" eaLnBrk="1" fontAlgn="auto" latinLnBrk="0" hangingPunct="1">
-              <a:lnSpc>
-                <a:spcPct val="100000"/>
-              </a:lnSpc>
-              <a:spcBef>
-                <a:spcPts val="0"/>
-              </a:spcBef>
-              <a:spcAft>
-                <a:spcPts val="0"/>
-              </a:spcAft>
-              <a:buClrTx/>
-              <a:buSzTx/>
-              <a:buFontTx/>
-              <a:buNone/>
-              <a:tabLst/>
-              <a:defRPr/>
-            </a:pPr>
-            <a:r>
-              <a:rPr lang="en-US" sz="1200" b="1" i="0" u="none" strike="noStrike" kern="1200" dirty="0">
-                <a:solidFill>
-                  <a:schemeClr val="tx1"/>
-                </a:solidFill>
-                <a:effectLst/>
-                <a:latin typeface="+mn-lt"/>
-                <a:ea typeface="+mn-ea"/>
-                <a:cs typeface="+mn-cs"/>
-              </a:rPr>
-              <a:t>3</a:t>
-            </a:r>
-            <a:r>
-              <a:rPr lang="en-US" sz="1200" b="1" i="0" u="none" strike="noStrike" kern="1200" baseline="30000" dirty="0">
-                <a:solidFill>
-                  <a:schemeClr val="tx1"/>
-                </a:solidFill>
-                <a:effectLst/>
-                <a:latin typeface="+mn-lt"/>
-                <a:ea typeface="+mn-ea"/>
-                <a:cs typeface="+mn-cs"/>
-              </a:rPr>
-              <a:t>rd</a:t>
-            </a:r>
-            <a:r>
-              <a:rPr lang="en-US" sz="1200" b="1" i="0" u="none" strike="noStrike" kern="1200" dirty="0">
-                <a:solidFill>
-                  <a:schemeClr val="tx1"/>
-                </a:solidFill>
-                <a:effectLst/>
-                <a:latin typeface="+mn-lt"/>
-                <a:ea typeface="+mn-ea"/>
-                <a:cs typeface="+mn-cs"/>
-              </a:rPr>
-              <a:t> Libs: from Pod, Carthage, or framework directly</a:t>
-            </a:r>
-          </a:p>
-          <a:p>
-            <a:pPr marL="0" marR="0" lvl="0" indent="0" algn="l" defTabSz="914400" rtl="0" eaLnBrk="1" fontAlgn="auto" latinLnBrk="0" hangingPunct="1">
-              <a:lnSpc>
-                <a:spcPct val="100000"/>
-              </a:lnSpc>
-              <a:spcBef>
-                <a:spcPts val="0"/>
-              </a:spcBef>
-              <a:spcAft>
-                <a:spcPts val="0"/>
-              </a:spcAft>
-              <a:buClrTx/>
-              <a:buSzTx/>
-              <a:buFontTx/>
-              <a:buNone/>
-              <a:tabLst/>
-              <a:defRPr/>
-            </a:pPr>
-            <a:r>
-              <a:rPr lang="en-US" sz="1200" b="1" i="0" u="none" strike="noStrike" kern="1200" dirty="0">
-                <a:solidFill>
-                  <a:schemeClr val="tx1"/>
-                </a:solidFill>
-                <a:effectLst/>
-                <a:latin typeface="+mn-lt"/>
-                <a:ea typeface="+mn-ea"/>
-                <a:cs typeface="+mn-cs"/>
-              </a:rPr>
-              <a:t>Core framework from Cocoa Touch framework, such as Foundation, </a:t>
-            </a:r>
-            <a:r>
-              <a:rPr lang="en-US" sz="1200" b="1" i="0" u="none" strike="noStrike" kern="1200" dirty="0" err="1">
-                <a:solidFill>
-                  <a:schemeClr val="tx1"/>
-                </a:solidFill>
-                <a:effectLst/>
-                <a:latin typeface="+mn-lt"/>
-                <a:ea typeface="+mn-ea"/>
-                <a:cs typeface="+mn-cs"/>
-              </a:rPr>
-              <a:t>UIKit</a:t>
-            </a:r>
-            <a:r>
-              <a:rPr lang="en-US" sz="1200" b="1" i="0" u="none" strike="noStrike" kern="1200" dirty="0">
-                <a:solidFill>
-                  <a:schemeClr val="tx1"/>
-                </a:solidFill>
-                <a:effectLst/>
-                <a:latin typeface="+mn-lt"/>
-                <a:ea typeface="+mn-ea"/>
-                <a:cs typeface="+mn-cs"/>
-              </a:rPr>
-              <a:t>, … </a:t>
-            </a:r>
+            <a:endParaRPr lang="en-US" dirty="0"/>
           </a:p>
         </p:txBody>
       </p:sp>
@@ -3717,7 +3798,7 @@
           <a:p>
             <a:fld id="{021361DD-1E38-BB4A-B605-BA873CC7A43C}" type="slidenum">
               <a:rPr lang="en-US" smtClean="0"/>
-              <a:t>10</a:t>
+              <a:t>4</a:t>
             </a:fld>
             <a:endParaRPr lang="en-US"/>
           </a:p>
@@ -3726,7 +3807,7 @@
     </p:spTree>
     <p:extLst>
       <p:ext uri="{BB962C8B-B14F-4D97-AF65-F5344CB8AC3E}">
-        <p14:creationId xmlns:p14="http://schemas.microsoft.com/office/powerpoint/2010/main" val="147061149"/>
+        <p14:creationId xmlns:p14="http://schemas.microsoft.com/office/powerpoint/2010/main" val="2191562467"/>
       </p:ext>
     </p:extLst>
   </p:cSld>
@@ -3780,7 +3861,10 @@
           <a:bodyPr/>
           <a:lstStyle/>
           <a:p>
-            <a:endParaRPr lang="en-US" dirty="0"/>
+            <a:r>
+              <a:rPr lang="en-US" dirty="0"/>
+              <a:t>- To make it easier to imagine, there are 1.2b iPhone + … meanwhile only have 75m Apple TV in end of 2017. (quite humble?)</a:t>
+            </a:r>
           </a:p>
         </p:txBody>
       </p:sp>
@@ -3801,7 +3885,7 @@
           <a:p>
             <a:fld id="{021361DD-1E38-BB4A-B605-BA873CC7A43C}" type="slidenum">
               <a:rPr lang="en-US" smtClean="0"/>
-              <a:t>11</a:t>
+              <a:t>8</a:t>
             </a:fld>
             <a:endParaRPr lang="en-US"/>
           </a:p>
@@ -3810,7 +3894,7 @@
     </p:spTree>
     <p:extLst>
       <p:ext uri="{BB962C8B-B14F-4D97-AF65-F5344CB8AC3E}">
-        <p14:creationId xmlns:p14="http://schemas.microsoft.com/office/powerpoint/2010/main" val="1786426012"/>
+        <p14:creationId xmlns:p14="http://schemas.microsoft.com/office/powerpoint/2010/main" val="739553071"/>
       </p:ext>
     </p:extLst>
   </p:cSld>
@@ -3864,6 +3948,436 @@
           <a:bodyPr/>
           <a:lstStyle/>
           <a:p>
+            <a:r>
+              <a:rPr lang="en-US" dirty="0"/>
+              <a:t>- </a:t>
+            </a:r>
+            <a:r>
+              <a:rPr lang="en-US" dirty="0" err="1"/>
+              <a:t>tvOS</a:t>
+            </a:r>
+            <a:r>
+              <a:rPr lang="en-US" dirty="0"/>
+              <a:t> 9 is 95% base on iOS 9</a:t>
+            </a:r>
+          </a:p>
+        </p:txBody>
+      </p:sp>
+      <p:sp>
+        <p:nvSpPr>
+          <p:cNvPr id="4" name="Slide Number Placeholder 3"/>
+          <p:cNvSpPr>
+            <a:spLocks noGrp="1"/>
+          </p:cNvSpPr>
+          <p:nvPr>
+            <p:ph type="sldNum" sz="quarter" idx="5"/>
+          </p:nvPr>
+        </p:nvSpPr>
+        <p:spPr/>
+        <p:txBody>
+          <a:bodyPr/>
+          <a:lstStyle/>
+          <a:p>
+            <a:fld id="{021361DD-1E38-BB4A-B605-BA873CC7A43C}" type="slidenum">
+              <a:rPr lang="en-US" smtClean="0"/>
+              <a:t>9</a:t>
+            </a:fld>
+            <a:endParaRPr lang="en-US"/>
+          </a:p>
+        </p:txBody>
+      </p:sp>
+    </p:spTree>
+    <p:extLst>
+      <p:ext uri="{BB962C8B-B14F-4D97-AF65-F5344CB8AC3E}">
+        <p14:creationId xmlns:p14="http://schemas.microsoft.com/office/powerpoint/2010/main" val="3638344804"/>
+      </p:ext>
+    </p:extLst>
+  </p:cSld>
+  <p:clrMapOvr>
+    <a:masterClrMapping/>
+  </p:clrMapOvr>
+</p:notes>
+</file>
+
+<file path=ppt/notesSlides/notesSlide7.xml><?xml version="1.0" encoding="utf-8"?>
+<p:notes xmlns:a="http://schemas.openxmlformats.org/drawingml/2006/main" xmlns:r="http://schemas.openxmlformats.org/officeDocument/2006/relationships" xmlns:p="http://schemas.openxmlformats.org/presentationml/2006/main">
+  <p:cSld>
+    <p:spTree>
+      <p:nvGrpSpPr>
+        <p:cNvPr id="1" name=""/>
+        <p:cNvGrpSpPr/>
+        <p:nvPr/>
+      </p:nvGrpSpPr>
+      <p:grpSpPr>
+        <a:xfrm>
+          <a:off x="0" y="0"/>
+          <a:ext cx="0" cy="0"/>
+          <a:chOff x="0" y="0"/>
+          <a:chExt cx="0" cy="0"/>
+        </a:xfrm>
+      </p:grpSpPr>
+      <p:sp>
+        <p:nvSpPr>
+          <p:cNvPr id="2" name="Slide Image Placeholder 1"/>
+          <p:cNvSpPr>
+            <a:spLocks noGrp="1" noRot="1" noChangeAspect="1"/>
+          </p:cNvSpPr>
+          <p:nvPr>
+            <p:ph type="sldImg"/>
+          </p:nvPr>
+        </p:nvSpPr>
+        <p:spPr/>
+      </p:sp>
+      <p:sp>
+        <p:nvSpPr>
+          <p:cNvPr id="3" name="Notes Placeholder 2"/>
+          <p:cNvSpPr>
+            <a:spLocks noGrp="1"/>
+          </p:cNvSpPr>
+          <p:nvPr>
+            <p:ph type="body" idx="1"/>
+          </p:nvPr>
+        </p:nvSpPr>
+        <p:spPr/>
+        <p:txBody>
+          <a:bodyPr/>
+          <a:lstStyle/>
+          <a:p>
+            <a:pPr marL="171450" indent="-171450">
+              <a:buFontTx/>
+              <a:buChar char="-"/>
+            </a:pPr>
+            <a:r>
+              <a:rPr lang="en-US" sz="1200" b="0" i="0" u="none" strike="noStrike" kern="1200" dirty="0">
+                <a:solidFill>
+                  <a:schemeClr val="tx1"/>
+                </a:solidFill>
+                <a:effectLst/>
+                <a:latin typeface="+mn-lt"/>
+                <a:ea typeface="+mn-ea"/>
+                <a:cs typeface="+mn-cs"/>
+              </a:rPr>
+              <a:t>iPhone 1</a:t>
+            </a:r>
+            <a:r>
+              <a:rPr lang="en-US" sz="1200" b="0" i="0" u="none" strike="noStrike" kern="1200" baseline="30000" dirty="0">
+                <a:solidFill>
+                  <a:schemeClr val="tx1"/>
+                </a:solidFill>
+                <a:effectLst/>
+                <a:latin typeface="+mn-lt"/>
+                <a:ea typeface="+mn-ea"/>
+                <a:cs typeface="+mn-cs"/>
+              </a:rPr>
+              <a:t>st</a:t>
+            </a:r>
+            <a:r>
+              <a:rPr lang="en-US" sz="1200" b="0" i="0" u="none" strike="noStrike" kern="1200" dirty="0">
+                <a:solidFill>
+                  <a:schemeClr val="tx1"/>
+                </a:solidFill>
+                <a:effectLst/>
+                <a:latin typeface="+mn-lt"/>
+                <a:ea typeface="+mn-ea"/>
+                <a:cs typeface="+mn-cs"/>
+              </a:rPr>
+              <a:t> Gen runs iPhone OS 1, CPU: Samsung 32-but ARM</a:t>
+            </a:r>
+          </a:p>
+          <a:p>
+            <a:pPr marL="171450" indent="-171450">
+              <a:buFontTx/>
+              <a:buChar char="-"/>
+            </a:pPr>
+            <a:r>
+              <a:rPr lang="en-US" sz="1200" b="0" i="0" u="none" strike="noStrike" kern="1200" dirty="0">
+                <a:solidFill>
+                  <a:schemeClr val="tx1"/>
+                </a:solidFill>
+                <a:effectLst/>
+                <a:latin typeface="+mn-lt"/>
+                <a:ea typeface="+mn-ea"/>
+                <a:cs typeface="+mn-cs"/>
+              </a:rPr>
+              <a:t>Apple TV 1</a:t>
+            </a:r>
+            <a:r>
+              <a:rPr lang="en-US" sz="1200" b="0" i="0" u="none" strike="noStrike" kern="1200" baseline="30000" dirty="0">
+                <a:solidFill>
+                  <a:schemeClr val="tx1"/>
+                </a:solidFill>
+                <a:effectLst/>
+                <a:latin typeface="+mn-lt"/>
+                <a:ea typeface="+mn-ea"/>
+                <a:cs typeface="+mn-cs"/>
+              </a:rPr>
+              <a:t>st</a:t>
+            </a:r>
+            <a:r>
+              <a:rPr lang="en-US" sz="1200" b="0" i="0" u="none" strike="noStrike" kern="1200" dirty="0">
+                <a:solidFill>
+                  <a:schemeClr val="tx1"/>
+                </a:solidFill>
+                <a:effectLst/>
+                <a:latin typeface="+mn-lt"/>
+                <a:ea typeface="+mn-ea"/>
+                <a:cs typeface="+mn-cs"/>
+              </a:rPr>
+              <a:t> Gen runs on MacOS X 10.3.9, CPU: Intel Pentium</a:t>
+            </a:r>
+            <a:endParaRPr lang="en-US" dirty="0"/>
+          </a:p>
+        </p:txBody>
+      </p:sp>
+      <p:sp>
+        <p:nvSpPr>
+          <p:cNvPr id="4" name="Slide Number Placeholder 3"/>
+          <p:cNvSpPr>
+            <a:spLocks noGrp="1"/>
+          </p:cNvSpPr>
+          <p:nvPr>
+            <p:ph type="sldNum" sz="quarter" idx="5"/>
+          </p:nvPr>
+        </p:nvSpPr>
+        <p:spPr/>
+        <p:txBody>
+          <a:bodyPr/>
+          <a:lstStyle/>
+          <a:p>
+            <a:fld id="{021361DD-1E38-BB4A-B605-BA873CC7A43C}" type="slidenum">
+              <a:rPr lang="en-US" smtClean="0"/>
+              <a:t>12</a:t>
+            </a:fld>
+            <a:endParaRPr lang="en-US"/>
+          </a:p>
+        </p:txBody>
+      </p:sp>
+    </p:spTree>
+    <p:extLst>
+      <p:ext uri="{BB962C8B-B14F-4D97-AF65-F5344CB8AC3E}">
+        <p14:creationId xmlns:p14="http://schemas.microsoft.com/office/powerpoint/2010/main" val="2272586853"/>
+      </p:ext>
+    </p:extLst>
+  </p:cSld>
+  <p:clrMapOvr>
+    <a:masterClrMapping/>
+  </p:clrMapOvr>
+</p:notes>
+</file>
+
+<file path=ppt/notesSlides/notesSlide8.xml><?xml version="1.0" encoding="utf-8"?>
+<p:notes xmlns:a="http://schemas.openxmlformats.org/drawingml/2006/main" xmlns:r="http://schemas.openxmlformats.org/officeDocument/2006/relationships" xmlns:p="http://schemas.openxmlformats.org/presentationml/2006/main">
+  <p:cSld>
+    <p:spTree>
+      <p:nvGrpSpPr>
+        <p:cNvPr id="1" name=""/>
+        <p:cNvGrpSpPr/>
+        <p:nvPr/>
+      </p:nvGrpSpPr>
+      <p:grpSpPr>
+        <a:xfrm>
+          <a:off x="0" y="0"/>
+          <a:ext cx="0" cy="0"/>
+          <a:chOff x="0" y="0"/>
+          <a:chExt cx="0" cy="0"/>
+        </a:xfrm>
+      </p:grpSpPr>
+      <p:sp>
+        <p:nvSpPr>
+          <p:cNvPr id="2" name="Slide Image Placeholder 1"/>
+          <p:cNvSpPr>
+            <a:spLocks noGrp="1" noRot="1" noChangeAspect="1"/>
+          </p:cNvSpPr>
+          <p:nvPr>
+            <p:ph type="sldImg"/>
+          </p:nvPr>
+        </p:nvSpPr>
+        <p:spPr/>
+      </p:sp>
+      <p:sp>
+        <p:nvSpPr>
+          <p:cNvPr id="3" name="Notes Placeholder 2"/>
+          <p:cNvSpPr>
+            <a:spLocks noGrp="1"/>
+          </p:cNvSpPr>
+          <p:nvPr>
+            <p:ph type="body" idx="1"/>
+          </p:nvPr>
+        </p:nvSpPr>
+        <p:spPr/>
+        <p:txBody>
+          <a:bodyPr/>
+          <a:lstStyle/>
+          <a:p>
+            <a:pPr fontAlgn="base"/>
+            <a:r>
+              <a:rPr lang="en-US" sz="1200" kern="1200" dirty="0">
+                <a:solidFill>
+                  <a:schemeClr val="tx1"/>
+                </a:solidFill>
+                <a:effectLst/>
+                <a:latin typeface="+mn-lt"/>
+                <a:ea typeface="+mn-ea"/>
+                <a:cs typeface="+mn-cs"/>
+              </a:rPr>
+              <a:t>The process for creating apps for Apple TV is similar to the process for creating iOS apps. You can create games, utility apps, media apps, and more using the same techniques and frameworks used by iOS. New and existing apps can target both iOS and the new Apple TV, allowing for unprecedented multiplayer options.</a:t>
+            </a:r>
+          </a:p>
+          <a:p>
+            <a:endParaRPr lang="en-US" sz="1200" b="0" i="0" kern="1200" dirty="0">
+              <a:solidFill>
+                <a:schemeClr val="tx1"/>
+              </a:solidFill>
+              <a:effectLst/>
+              <a:latin typeface="+mn-lt"/>
+              <a:ea typeface="+mn-ea"/>
+              <a:cs typeface="+mn-cs"/>
+            </a:endParaRPr>
+          </a:p>
+          <a:p>
+            <a:r>
+              <a:rPr lang="en-US" sz="1200" b="0" i="0" kern="1200" dirty="0">
+                <a:solidFill>
+                  <a:schemeClr val="tx1"/>
+                </a:solidFill>
+                <a:effectLst/>
+                <a:latin typeface="+mn-lt"/>
+                <a:ea typeface="+mn-ea"/>
+                <a:cs typeface="+mn-cs"/>
+              </a:rPr>
+              <a:t>Apple TV makes it easier to create client-server apps, whose primary purpose is to stream media, using web technologies such as HTTPS, </a:t>
+            </a:r>
+            <a:r>
+              <a:rPr lang="en-US" sz="1200" b="0" i="0" kern="1200" dirty="0" err="1">
+                <a:solidFill>
+                  <a:schemeClr val="tx1"/>
+                </a:solidFill>
+                <a:effectLst/>
+                <a:latin typeface="+mn-lt"/>
+                <a:ea typeface="+mn-ea"/>
+                <a:cs typeface="+mn-cs"/>
+              </a:rPr>
+              <a:t>XMLHTTPRequest</a:t>
+            </a:r>
+            <a:r>
+              <a:rPr lang="en-US" sz="1200" b="0" i="0" kern="1200" dirty="0">
+                <a:solidFill>
+                  <a:schemeClr val="tx1"/>
+                </a:solidFill>
+                <a:effectLst/>
+                <a:latin typeface="+mn-lt"/>
+                <a:ea typeface="+mn-ea"/>
+                <a:cs typeface="+mn-cs"/>
+              </a:rPr>
+              <a:t>, DOM, and JavaScript. You use Apple’s custom markup language, TVML, to create interfaces, and you specify app behaviors using JavaScript. The </a:t>
+            </a:r>
+            <a:r>
+              <a:rPr lang="en-US" sz="1200" b="0" i="0" kern="1200" dirty="0" err="1">
+                <a:solidFill>
+                  <a:schemeClr val="tx1"/>
+                </a:solidFill>
+                <a:effectLst/>
+                <a:latin typeface="+mn-lt"/>
+                <a:ea typeface="+mn-ea"/>
+                <a:cs typeface="+mn-cs"/>
+              </a:rPr>
+              <a:t>TVMLKit</a:t>
+            </a:r>
+            <a:r>
+              <a:rPr lang="en-US" sz="1200" b="0" i="0" kern="1200" dirty="0">
+                <a:solidFill>
+                  <a:schemeClr val="tx1"/>
+                </a:solidFill>
+                <a:effectLst/>
+                <a:latin typeface="+mn-lt"/>
+                <a:ea typeface="+mn-ea"/>
+                <a:cs typeface="+mn-cs"/>
+              </a:rPr>
+              <a:t> framework provides the bridge between your native code and the JavaScript code in your user interface</a:t>
+            </a:r>
+          </a:p>
+        </p:txBody>
+      </p:sp>
+      <p:sp>
+        <p:nvSpPr>
+          <p:cNvPr id="4" name="Slide Number Placeholder 3"/>
+          <p:cNvSpPr>
+            <a:spLocks noGrp="1"/>
+          </p:cNvSpPr>
+          <p:nvPr>
+            <p:ph type="sldNum" sz="quarter" idx="5"/>
+          </p:nvPr>
+        </p:nvSpPr>
+        <p:spPr/>
+        <p:txBody>
+          <a:bodyPr/>
+          <a:lstStyle/>
+          <a:p>
+            <a:fld id="{021361DD-1E38-BB4A-B605-BA873CC7A43C}" type="slidenum">
+              <a:rPr lang="en-US" smtClean="0"/>
+              <a:t>13</a:t>
+            </a:fld>
+            <a:endParaRPr lang="en-US"/>
+          </a:p>
+        </p:txBody>
+      </p:sp>
+    </p:spTree>
+    <p:extLst>
+      <p:ext uri="{BB962C8B-B14F-4D97-AF65-F5344CB8AC3E}">
+        <p14:creationId xmlns:p14="http://schemas.microsoft.com/office/powerpoint/2010/main" val="2363464583"/>
+      </p:ext>
+    </p:extLst>
+  </p:cSld>
+  <p:clrMapOvr>
+    <a:masterClrMapping/>
+  </p:clrMapOvr>
+</p:notes>
+</file>
+
+<file path=ppt/notesSlides/notesSlide9.xml><?xml version="1.0" encoding="utf-8"?>
+<p:notes xmlns:a="http://schemas.openxmlformats.org/drawingml/2006/main" xmlns:r="http://schemas.openxmlformats.org/officeDocument/2006/relationships" xmlns:p="http://schemas.openxmlformats.org/presentationml/2006/main">
+  <p:cSld>
+    <p:spTree>
+      <p:nvGrpSpPr>
+        <p:cNvPr id="1" name=""/>
+        <p:cNvGrpSpPr/>
+        <p:nvPr/>
+      </p:nvGrpSpPr>
+      <p:grpSpPr>
+        <a:xfrm>
+          <a:off x="0" y="0"/>
+          <a:ext cx="0" cy="0"/>
+          <a:chOff x="0" y="0"/>
+          <a:chExt cx="0" cy="0"/>
+        </a:xfrm>
+      </p:grpSpPr>
+      <p:sp>
+        <p:nvSpPr>
+          <p:cNvPr id="2" name="Slide Image Placeholder 1"/>
+          <p:cNvSpPr>
+            <a:spLocks noGrp="1" noRot="1" noChangeAspect="1"/>
+          </p:cNvSpPr>
+          <p:nvPr>
+            <p:ph type="sldImg"/>
+          </p:nvPr>
+        </p:nvSpPr>
+        <p:spPr/>
+      </p:sp>
+      <p:sp>
+        <p:nvSpPr>
+          <p:cNvPr id="3" name="Notes Placeholder 2"/>
+          <p:cNvSpPr>
+            <a:spLocks noGrp="1"/>
+          </p:cNvSpPr>
+          <p:nvPr>
+            <p:ph type="body" idx="1"/>
+          </p:nvPr>
+        </p:nvSpPr>
+        <p:spPr/>
+        <p:txBody>
+          <a:bodyPr/>
+          <a:lstStyle/>
+          <a:p>
             <a:pPr marL="0" marR="0" lvl="0" indent="0" algn="l" defTabSz="914400" rtl="0" eaLnBrk="1" fontAlgn="auto" latinLnBrk="0" hangingPunct="1">
               <a:lnSpc>
                 <a:spcPct val="100000"/>
@@ -3882,68 +4396,96 @@
               <a:defRPr/>
             </a:pPr>
             <a:r>
-              <a:rPr lang="en-US" dirty="0"/>
-              <a:t>@default = [:</a:t>
-            </a:r>
-            <a:r>
-              <a:rPr lang="en-US" dirty="0" err="1"/>
-              <a:t>ios</a:t>
-            </a:r>
-            <a:r>
-              <a:rPr lang="en-US" dirty="0"/>
-              <a:t>, :mac, :android]</a:t>
-            </a:r>
-          </a:p>
-          <a:p>
-            <a:r>
-              <a:rPr lang="en-US" dirty="0"/>
-              <a:t>https://</a:t>
-            </a:r>
-            <a:r>
-              <a:rPr lang="en-US" dirty="0" err="1"/>
-              <a:t>github.com</a:t>
-            </a:r>
-            <a:r>
-              <a:rPr lang="en-US" dirty="0"/>
-              <a:t>/</a:t>
-            </a:r>
-            <a:r>
-              <a:rPr lang="en-US" dirty="0" err="1"/>
-              <a:t>fastlane</a:t>
-            </a:r>
-            <a:r>
-              <a:rPr lang="en-US" dirty="0"/>
-              <a:t>/</a:t>
-            </a:r>
-            <a:r>
-              <a:rPr lang="en-US" dirty="0" err="1"/>
-              <a:t>fastlane</a:t>
-            </a:r>
-            <a:r>
-              <a:rPr lang="en-US" dirty="0"/>
-              <a:t>/blob/master/</a:t>
-            </a:r>
-            <a:r>
-              <a:rPr lang="en-US" dirty="0" err="1"/>
-              <a:t>fastlane</a:t>
-            </a:r>
-            <a:r>
-              <a:rPr lang="en-US" dirty="0"/>
-              <a:t>/lib/</a:t>
-            </a:r>
-            <a:r>
-              <a:rPr lang="en-US" dirty="0" err="1"/>
-              <a:t>fastlane</a:t>
-            </a:r>
-            <a:r>
-              <a:rPr lang="en-US" dirty="0"/>
-              <a:t>/</a:t>
-            </a:r>
-            <a:r>
-              <a:rPr lang="en-US" dirty="0" err="1"/>
-              <a:t>supported_platforms.rb</a:t>
-            </a:r>
-            <a:endParaRPr lang="en-US" dirty="0"/>
+              <a:rPr lang="en-US" sz="1200" b="1" i="0" u="none" strike="noStrike" kern="1200" dirty="0">
+                <a:solidFill>
+                  <a:schemeClr val="tx1"/>
+                </a:solidFill>
+                <a:effectLst/>
+                <a:latin typeface="+mn-lt"/>
+                <a:ea typeface="+mn-ea"/>
+                <a:cs typeface="+mn-cs"/>
+              </a:rPr>
+              <a:t>3</a:t>
+            </a:r>
+            <a:r>
+              <a:rPr lang="en-US" sz="1200" b="1" i="0" u="none" strike="noStrike" kern="1200" baseline="30000" dirty="0">
+                <a:solidFill>
+                  <a:schemeClr val="tx1"/>
+                </a:solidFill>
+                <a:effectLst/>
+                <a:latin typeface="+mn-lt"/>
+                <a:ea typeface="+mn-ea"/>
+                <a:cs typeface="+mn-cs"/>
+              </a:rPr>
+              <a:t>rd</a:t>
+            </a:r>
+            <a:r>
+              <a:rPr lang="en-US" sz="1200" b="1" i="0" u="none" strike="noStrike" kern="1200" dirty="0">
+                <a:solidFill>
+                  <a:schemeClr val="tx1"/>
+                </a:solidFill>
+                <a:effectLst/>
+                <a:latin typeface="+mn-lt"/>
+                <a:ea typeface="+mn-ea"/>
+                <a:cs typeface="+mn-cs"/>
+              </a:rPr>
+              <a:t> Libs: from Pod, Carthage, or adding framework directly</a:t>
+            </a:r>
+          </a:p>
+          <a:p>
+            <a:pPr marL="0" marR="0" lvl="0" indent="0" algn="l" defTabSz="914400" rtl="0" eaLnBrk="1" fontAlgn="auto" latinLnBrk="0" hangingPunct="1">
+              <a:lnSpc>
+                <a:spcPct val="100000"/>
+              </a:lnSpc>
+              <a:spcBef>
+                <a:spcPts val="0"/>
+              </a:spcBef>
+              <a:spcAft>
+                <a:spcPts val="0"/>
+              </a:spcAft>
+              <a:buClrTx/>
+              <a:buSzTx/>
+              <a:buFontTx/>
+              <a:buNone/>
+              <a:tabLst/>
+              <a:defRPr/>
+            </a:pPr>
+            <a:r>
+              <a:rPr lang="en-US" sz="1200" b="1" i="0" u="none" strike="noStrike" kern="1200" dirty="0">
+                <a:solidFill>
+                  <a:schemeClr val="tx1"/>
+                </a:solidFill>
+                <a:effectLst/>
+                <a:latin typeface="+mn-lt"/>
+                <a:ea typeface="+mn-ea"/>
+                <a:cs typeface="+mn-cs"/>
+              </a:rPr>
+              <a:t>Core framework from Cocoa Touch framework, such as Foundation, </a:t>
+            </a:r>
+            <a:r>
+              <a:rPr lang="en-US" sz="1200" b="1" i="0" u="none" strike="noStrike" kern="1200" dirty="0" err="1">
+                <a:solidFill>
+                  <a:schemeClr val="tx1"/>
+                </a:solidFill>
+                <a:effectLst/>
+                <a:latin typeface="+mn-lt"/>
+                <a:ea typeface="+mn-ea"/>
+                <a:cs typeface="+mn-cs"/>
+              </a:rPr>
+              <a:t>UIKit</a:t>
+            </a:r>
+            <a:r>
+              <a:rPr lang="en-US" sz="1200" b="1" i="0" u="none" strike="noStrike" kern="1200" dirty="0">
+                <a:solidFill>
+                  <a:schemeClr val="tx1"/>
+                </a:solidFill>
+                <a:effectLst/>
+                <a:latin typeface="+mn-lt"/>
+                <a:ea typeface="+mn-ea"/>
+                <a:cs typeface="+mn-cs"/>
+              </a:rPr>
+              <a:t>, … </a:t>
+            </a:r>
           </a:p>
         </p:txBody>
       </p:sp>
@@ -3964,7 +4506,7 @@
           <a:p>
             <a:fld id="{021361DD-1E38-BB4A-B605-BA873CC7A43C}" type="slidenum">
               <a:rPr lang="en-US" smtClean="0"/>
-              <a:t>12</a:t>
+              <a:t>15</a:t>
             </a:fld>
             <a:endParaRPr lang="en-US"/>
           </a:p>
@@ -3973,7 +4515,7 @@
     </p:spTree>
     <p:extLst>
       <p:ext uri="{BB962C8B-B14F-4D97-AF65-F5344CB8AC3E}">
-        <p14:creationId xmlns:p14="http://schemas.microsoft.com/office/powerpoint/2010/main" val="498594565"/>
+        <p14:creationId xmlns:p14="http://schemas.microsoft.com/office/powerpoint/2010/main" val="147061149"/>
       </p:ext>
     </p:extLst>
   </p:cSld>
@@ -4122,7 +4664,7 @@
           <a:p>
             <a:fld id="{48A87A34-81AB-432B-8DAE-1953F412C126}" type="datetimeFigureOut">
               <a:rPr lang="en-US" dirty="0"/>
-              <a:t>8/19/18</a:t>
+              <a:t>8/27/18</a:t>
             </a:fld>
             <a:endParaRPr lang="en-US" dirty="0"/>
           </a:p>
@@ -4328,7 +4870,7 @@
           <a:p>
             <a:fld id="{48A87A34-81AB-432B-8DAE-1953F412C126}" type="datetimeFigureOut">
               <a:rPr lang="en-US" dirty="0"/>
-              <a:t>8/19/18</a:t>
+              <a:t>8/27/18</a:t>
             </a:fld>
             <a:endParaRPr lang="en-US" dirty="0"/>
           </a:p>
@@ -4538,7 +5080,7 @@
           <a:p>
             <a:fld id="{48A87A34-81AB-432B-8DAE-1953F412C126}" type="datetimeFigureOut">
               <a:rPr lang="en-US" dirty="0"/>
-              <a:t>8/19/18</a:t>
+              <a:t>8/27/18</a:t>
             </a:fld>
             <a:endParaRPr lang="en-US" dirty="0"/>
           </a:p>
@@ -4734,7 +5276,7 @@
           <a:p>
             <a:fld id="{48A87A34-81AB-432B-8DAE-1953F412C126}" type="datetimeFigureOut">
               <a:rPr lang="en-US" dirty="0"/>
-              <a:t>8/19/18</a:t>
+              <a:t>8/27/18</a:t>
             </a:fld>
             <a:endParaRPr lang="en-US" dirty="0"/>
           </a:p>
@@ -5008,7 +5550,7 @@
           <a:p>
             <a:fld id="{48A87A34-81AB-432B-8DAE-1953F412C126}" type="datetimeFigureOut">
               <a:rPr lang="en-US" dirty="0"/>
-              <a:t>8/19/18</a:t>
+              <a:t>8/27/18</a:t>
             </a:fld>
             <a:endParaRPr lang="en-US" dirty="0"/>
           </a:p>
@@ -5271,7 +5813,7 @@
           <a:p>
             <a:fld id="{48A87A34-81AB-432B-8DAE-1953F412C126}" type="datetimeFigureOut">
               <a:rPr lang="en-US" dirty="0"/>
-              <a:t>8/19/18</a:t>
+              <a:t>8/27/18</a:t>
             </a:fld>
             <a:endParaRPr lang="en-US" dirty="0"/>
           </a:p>
@@ -5682,7 +6224,7 @@
           <a:p>
             <a:fld id="{48A87A34-81AB-432B-8DAE-1953F412C126}" type="datetimeFigureOut">
               <a:rPr lang="en-US" dirty="0"/>
-              <a:t>8/19/18</a:t>
+              <a:t>8/27/18</a:t>
             </a:fld>
             <a:endParaRPr lang="en-US" dirty="0"/>
           </a:p>
@@ -5826,7 +6368,7 @@
           <a:p>
             <a:fld id="{48A87A34-81AB-432B-8DAE-1953F412C126}" type="datetimeFigureOut">
               <a:rPr lang="en-US" dirty="0"/>
-              <a:t>8/19/18</a:t>
+              <a:t>8/27/18</a:t>
             </a:fld>
             <a:endParaRPr lang="en-US" dirty="0"/>
           </a:p>
@@ -5947,7 +6489,7 @@
           <a:p>
             <a:fld id="{48A87A34-81AB-432B-8DAE-1953F412C126}" type="datetimeFigureOut">
               <a:rPr lang="en-US" dirty="0"/>
-              <a:t>8/19/18</a:t>
+              <a:t>8/27/18</a:t>
             </a:fld>
             <a:endParaRPr lang="en-US" dirty="0"/>
           </a:p>
@@ -6193,7 +6735,7 @@
           <a:p>
             <a:fld id="{48A87A34-81AB-432B-8DAE-1953F412C126}" type="datetimeFigureOut">
               <a:rPr lang="en-US" dirty="0"/>
-              <a:t>8/19/18</a:t>
+              <a:t>8/27/18</a:t>
             </a:fld>
             <a:endParaRPr lang="en-US" dirty="0"/>
           </a:p>
@@ -6634,7 +7176,7 @@
             <a:fld id="{48A87A34-81AB-432B-8DAE-1953F412C126}" type="datetimeFigureOut">
               <a:rPr lang="en-US" dirty="0"/>
               <a:pPr/>
-              <a:t>8/19/18</a:t>
+              <a:t>8/27/18</a:t>
             </a:fld>
             <a:endParaRPr lang="en-US" dirty="0"/>
           </a:p>
@@ -6956,7 +7498,7 @@
             <a:fld id="{48A87A34-81AB-432B-8DAE-1953F412C126}" type="datetimeFigureOut">
               <a:rPr lang="en-US" dirty="0"/>
               <a:pPr/>
-              <a:t>8/19/18</a:t>
+              <a:t>8/27/18</a:t>
             </a:fld>
             <a:endParaRPr lang="en-US" dirty="0"/>
           </a:p>
@@ -7443,7 +7985,7 @@
           <p:cNvPr id="2" name="Title 1">
             <a:extLst>
               <a:ext uri="{FF2B5EF4-FFF2-40B4-BE49-F238E27FC236}">
-                <a16:creationId xmlns:a16="http://schemas.microsoft.com/office/drawing/2014/main" id="{E9564D8B-C7F0-2A49-BA30-FEF953E55AF4}"/>
+                <a16:creationId xmlns:a16="http://schemas.microsoft.com/office/drawing/2014/main" id="{60520854-28F4-0C4A-9648-EE26DB14A378}"/>
               </a:ext>
             </a:extLst>
           </p:cNvPr>
@@ -7451,29 +7993,29 @@
             <a:spLocks noGrp="1"/>
           </p:cNvSpPr>
           <p:nvPr>
-            <p:ph type="ctrTitle"/>
+            <p:ph type="title"/>
           </p:nvPr>
         </p:nvSpPr>
         <p:spPr/>
         <p:txBody>
           <a:bodyPr>
-            <a:normAutofit fontScale="90000"/>
+            <a:normAutofit/>
           </a:bodyPr>
           <a:lstStyle/>
           <a:p>
             <a:r>
-              <a:rPr lang="en-US" dirty="0"/>
-              <a:t>How to Build a SINGLE PROJECT For BOTH iOS and TVOS</a:t>
+              <a:rPr lang="en-US" sz="4800" dirty="0"/>
+              <a:t>Thanh</a:t>
             </a:r>
           </a:p>
         </p:txBody>
       </p:sp>
       <p:sp>
         <p:nvSpPr>
-          <p:cNvPr id="3" name="Subtitle 2">
+          <p:cNvPr id="3" name="Content Placeholder 2">
             <a:extLst>
               <a:ext uri="{FF2B5EF4-FFF2-40B4-BE49-F238E27FC236}">
-                <a16:creationId xmlns:a16="http://schemas.microsoft.com/office/drawing/2014/main" id="{6C66A61E-C536-A442-8F8F-51EFA663ABB4}"/>
+                <a16:creationId xmlns:a16="http://schemas.microsoft.com/office/drawing/2014/main" id="{9F89656E-D126-4941-927C-FC527C0D7694}"/>
               </a:ext>
             </a:extLst>
           </p:cNvPr>
@@ -7481,7 +8023,7 @@
             <a:spLocks noGrp="1"/>
           </p:cNvSpPr>
           <p:nvPr>
-            <p:ph type="subTitle" idx="1"/>
+            <p:ph idx="1"/>
           </p:nvPr>
         </p:nvSpPr>
         <p:spPr/>
@@ -7489,6 +8031,45 @@
           <a:bodyPr/>
           <a:lstStyle/>
           <a:p>
+            <a:r>
+              <a:rPr lang="en-US" sz="3200" dirty="0"/>
+              <a:t>Software Engineer</a:t>
+            </a:r>
+          </a:p>
+          <a:p>
+            <a:r>
+              <a:rPr lang="en-US" sz="3200" dirty="0"/>
+              <a:t>Rakuten Viki</a:t>
+            </a:r>
+          </a:p>
+          <a:p>
+            <a:r>
+              <a:rPr lang="en-US" sz="3200" dirty="0">
+                <a:hlinkClick r:id="rId3"/>
+              </a:rPr>
+              <a:t>thanh.ta@rakuten.com</a:t>
+            </a:r>
+            <a:endParaRPr lang="en-US" sz="3200" dirty="0"/>
+          </a:p>
+          <a:p>
+            <a:r>
+              <a:rPr lang="en-US" sz="3200" dirty="0" err="1"/>
+              <a:t>linkedin.com</a:t>
+            </a:r>
+            <a:r>
+              <a:rPr lang="en-US" sz="3200" dirty="0"/>
+              <a:t>/in/</a:t>
+            </a:r>
+            <a:r>
+              <a:rPr lang="en-US" sz="3200" dirty="0" err="1"/>
+              <a:t>thanhturin</a:t>
+            </a:r>
+            <a:r>
+              <a:rPr lang="en-US" sz="3200" dirty="0"/>
+              <a:t>/</a:t>
+            </a:r>
+          </a:p>
+          <a:p>
             <a:endParaRPr lang="en-US" dirty="0"/>
           </a:p>
         </p:txBody>
@@ -7496,7 +8077,7 @@
     </p:spTree>
     <p:extLst>
       <p:ext uri="{BB962C8B-B14F-4D97-AF65-F5344CB8AC3E}">
-        <p14:creationId xmlns:p14="http://schemas.microsoft.com/office/powerpoint/2010/main" val="1271437351"/>
+        <p14:creationId xmlns:p14="http://schemas.microsoft.com/office/powerpoint/2010/main" val="2612358014"/>
       </p:ext>
     </p:extLst>
   </p:cSld>
@@ -7507,6 +8088,2062 @@
 </file>
 
 <file path=ppt/slides/slide10.xml><?xml version="1.0" encoding="utf-8"?>
+<p:sld xmlns:a="http://schemas.openxmlformats.org/drawingml/2006/main" xmlns:r="http://schemas.openxmlformats.org/officeDocument/2006/relationships" xmlns:p="http://schemas.openxmlformats.org/presentationml/2006/main">
+  <p:cSld>
+    <p:bg>
+      <p:bgPr>
+        <a:gradFill rotWithShape="1">
+          <a:gsLst>
+            <a:gs pos="0">
+              <a:schemeClr val="bg2">
+                <a:tint val="94000"/>
+                <a:satMod val="80000"/>
+                <a:lumMod val="106000"/>
+              </a:schemeClr>
+            </a:gs>
+            <a:gs pos="100000">
+              <a:schemeClr val="bg2">
+                <a:shade val="80000"/>
+              </a:schemeClr>
+            </a:gs>
+          </a:gsLst>
+          <a:path path="circle">
+            <a:fillToRect l="43000" r="43000" b="100000"/>
+          </a:path>
+        </a:gradFill>
+        <a:effectLst/>
+      </p:bgPr>
+    </p:bg>
+    <p:spTree>
+      <p:nvGrpSpPr>
+        <p:cNvPr id="1" name=""/>
+        <p:cNvGrpSpPr/>
+        <p:nvPr/>
+      </p:nvGrpSpPr>
+      <p:grpSpPr>
+        <a:xfrm>
+          <a:off x="0" y="0"/>
+          <a:ext cx="0" cy="0"/>
+          <a:chOff x="0" y="0"/>
+          <a:chExt cx="0" cy="0"/>
+        </a:xfrm>
+      </p:grpSpPr>
+      <p:sp>
+        <p:nvSpPr>
+          <p:cNvPr id="40" name="Rectangle 21">
+            <a:extLst>
+              <a:ext uri="{FF2B5EF4-FFF2-40B4-BE49-F238E27FC236}">
+                <a16:creationId xmlns:a16="http://schemas.microsoft.com/office/drawing/2014/main" id="{0CABCAE3-64FC-4149-819F-2C1812824154}"/>
+              </a:ext>
+              <a:ext uri="{C183D7F6-B498-43B3-948B-1728B52AA6E4}">
+                <adec:decorative xmlns:adec="http://schemas.microsoft.com/office/drawing/2017/decorative" val="1"/>
+              </a:ext>
+            </a:extLst>
+          </p:cNvPr>
+          <p:cNvSpPr>
+            <a:spLocks noGrp="1" noRot="1" noChangeAspect="1" noMove="1" noResize="1" noEditPoints="1" noAdjustHandles="1" noChangeArrowheads="1" noChangeShapeType="1" noTextEdit="1"/>
+          </p:cNvSpPr>
+          <p:nvPr>
+            <p:extLst>
+              <p:ext uri="{386F3935-93C4-4BCD-93E2-E3B085C9AB24}">
+                <p16:designElem xmlns:p16="http://schemas.microsoft.com/office/powerpoint/2015/main" val="1"/>
+              </p:ext>
+            </p:extLst>
+          </p:nvPr>
+        </p:nvSpPr>
+        <p:spPr>
+          <a:xfrm>
+            <a:off x="0" y="2019476"/>
+            <a:ext cx="12192000" cy="4105941"/>
+          </a:xfrm>
+          <a:prstGeom prst="rect">
+            <a:avLst/>
+          </a:prstGeom>
+          <a:gradFill flip="none" rotWithShape="1">
+            <a:gsLst>
+              <a:gs pos="0">
+                <a:schemeClr val="bg2">
+                  <a:alpha val="0"/>
+                </a:schemeClr>
+              </a:gs>
+              <a:gs pos="100000">
+                <a:schemeClr val="bg2"/>
+              </a:gs>
+            </a:gsLst>
+            <a:lin ang="5400000" scaled="0"/>
+            <a:tileRect/>
+          </a:gradFill>
+          <a:ln>
+            <a:noFill/>
+          </a:ln>
+        </p:spPr>
+        <p:style>
+          <a:lnRef idx="2">
+            <a:schemeClr val="accent1">
+              <a:shade val="50000"/>
+            </a:schemeClr>
+          </a:lnRef>
+          <a:fillRef idx="1">
+            <a:schemeClr val="accent1"/>
+          </a:fillRef>
+          <a:effectRef idx="0">
+            <a:schemeClr val="accent1"/>
+          </a:effectRef>
+          <a:fontRef idx="minor">
+            <a:schemeClr val="lt1"/>
+          </a:fontRef>
+        </p:style>
+      </p:sp>
+      <p:pic>
+        <p:nvPicPr>
+          <p:cNvPr id="41" name="Picture 23">
+            <a:extLst>
+              <a:ext uri="{FF2B5EF4-FFF2-40B4-BE49-F238E27FC236}">
+                <a16:creationId xmlns:a16="http://schemas.microsoft.com/office/drawing/2014/main" id="{012FDCFE-9AD2-4D8A-8CBF-B3AA37EBF6DD}"/>
+              </a:ext>
+              <a:ext uri="{C183D7F6-B498-43B3-948B-1728B52AA6E4}">
+                <adec:decorative xmlns:adec="http://schemas.microsoft.com/office/drawing/2017/decorative" val="1"/>
+              </a:ext>
+            </a:extLst>
+          </p:cNvPr>
+          <p:cNvPicPr>
+            <a:picLocks noGrp="1" noRot="1" noChangeAspect="1" noMove="1" noResize="1" noEditPoints="1" noAdjustHandles="1" noChangeArrowheads="1" noChangeShapeType="1" noCrop="1"/>
+          </p:cNvPicPr>
+          <p:nvPr>
+            <p:extLst>
+              <p:ext uri="{386F3935-93C4-4BCD-93E2-E3B085C9AB24}">
+                <p16:designElem xmlns:p16="http://schemas.microsoft.com/office/powerpoint/2015/main" val="1"/>
+              </p:ext>
+            </p:extLst>
+          </p:nvPr>
+        </p:nvPicPr>
+        <p:blipFill rotWithShape="1">
+          <a:blip r:embed="rId2">
+            <a:extLst>
+              <a:ext uri="{28A0092B-C50C-407E-A947-70E740481C1C}">
+                <a14:useLocalDpi xmlns:a14="http://schemas.microsoft.com/office/drawing/2010/main" val="0"/>
+              </a:ext>
+            </a:extLst>
+          </a:blip>
+          <a:srcRect t="1538" b="-1538"/>
+          <a:stretch/>
+        </p:blipFill>
+        <p:spPr bwMode="black">
+          <a:xfrm>
+            <a:off x="0" y="6126480"/>
+            <a:ext cx="12192000" cy="742950"/>
+          </a:xfrm>
+          <a:prstGeom prst="rect">
+            <a:avLst/>
+          </a:prstGeom>
+        </p:spPr>
+      </p:pic>
+      <p:cxnSp>
+        <p:nvCxnSpPr>
+          <p:cNvPr id="42" name="Straight Connector 25">
+            <a:extLst>
+              <a:ext uri="{FF2B5EF4-FFF2-40B4-BE49-F238E27FC236}">
+                <a16:creationId xmlns:a16="http://schemas.microsoft.com/office/drawing/2014/main" id="{FBD463FC-4CA8-4FF4-85A3-AF9F4B98D210}"/>
+              </a:ext>
+              <a:ext uri="{C183D7F6-B498-43B3-948B-1728B52AA6E4}">
+                <adec:decorative xmlns:adec="http://schemas.microsoft.com/office/drawing/2017/decorative" val="1"/>
+              </a:ext>
+            </a:extLst>
+          </p:cNvPr>
+          <p:cNvCxnSpPr>
+            <a:cxnSpLocks noGrp="1" noRot="1" noChangeAspect="1" noMove="1" noResize="1" noEditPoints="1" noAdjustHandles="1" noChangeArrowheads="1" noChangeShapeType="1"/>
+          </p:cNvCxnSpPr>
+          <p:nvPr>
+            <p:extLst>
+              <p:ext uri="{386F3935-93C4-4BCD-93E2-E3B085C9AB24}">
+                <p16:designElem xmlns:p16="http://schemas.microsoft.com/office/powerpoint/2015/main" val="1"/>
+              </p:ext>
+            </p:extLst>
+          </p:nvPr>
+        </p:nvCxnSpPr>
+        <p:spPr>
+          <a:xfrm>
+            <a:off x="0" y="6128413"/>
+            <a:ext cx="12192000" cy="0"/>
+          </a:xfrm>
+          <a:prstGeom prst="line">
+            <a:avLst/>
+          </a:prstGeom>
+          <a:ln w="12700">
+            <a:solidFill>
+              <a:srgbClr val="000001">
+                <a:alpha val="20000"/>
+              </a:srgbClr>
+            </a:solidFill>
+          </a:ln>
+        </p:spPr>
+        <p:style>
+          <a:lnRef idx="1">
+            <a:schemeClr val="accent1"/>
+          </a:lnRef>
+          <a:fillRef idx="0">
+            <a:schemeClr val="accent1"/>
+          </a:fillRef>
+          <a:effectRef idx="0">
+            <a:schemeClr val="accent1"/>
+          </a:effectRef>
+          <a:fontRef idx="minor">
+            <a:schemeClr val="tx1"/>
+          </a:fontRef>
+        </p:style>
+      </p:cxnSp>
+      <p:cxnSp>
+        <p:nvCxnSpPr>
+          <p:cNvPr id="43" name="Straight Connector 27">
+            <a:extLst>
+              <a:ext uri="{FF2B5EF4-FFF2-40B4-BE49-F238E27FC236}">
+                <a16:creationId xmlns:a16="http://schemas.microsoft.com/office/drawing/2014/main" id="{BECF35C3-8B44-4F4B-BD25-4C01823DB22A}"/>
+              </a:ext>
+              <a:ext uri="{C183D7F6-B498-43B3-948B-1728B52AA6E4}">
+                <adec:decorative xmlns:adec="http://schemas.microsoft.com/office/drawing/2017/decorative" val="1"/>
+              </a:ext>
+            </a:extLst>
+          </p:cNvPr>
+          <p:cNvCxnSpPr>
+            <a:cxnSpLocks noGrp="1" noRot="1" noChangeAspect="1" noMove="1" noResize="1" noEditPoints="1" noAdjustHandles="1" noChangeArrowheads="1" noChangeShapeType="1"/>
+          </p:cNvCxnSpPr>
+          <p:nvPr>
+            <p:extLst>
+              <p:ext uri="{386F3935-93C4-4BCD-93E2-E3B085C9AB24}">
+                <p16:designElem xmlns:p16="http://schemas.microsoft.com/office/powerpoint/2015/main" val="1"/>
+              </p:ext>
+            </p:extLst>
+          </p:nvPr>
+        </p:nvCxnSpPr>
+        <p:spPr>
+          <a:xfrm>
+            <a:off x="2417780" y="3528542"/>
+            <a:ext cx="8637072" cy="0"/>
+          </a:xfrm>
+          <a:prstGeom prst="line">
+            <a:avLst/>
+          </a:prstGeom>
+          <a:ln w="31750"/>
+        </p:spPr>
+        <p:style>
+          <a:lnRef idx="3">
+            <a:schemeClr val="accent1"/>
+          </a:lnRef>
+          <a:fillRef idx="0">
+            <a:schemeClr val="accent1"/>
+          </a:fillRef>
+          <a:effectRef idx="2">
+            <a:schemeClr val="accent1"/>
+          </a:effectRef>
+          <a:fontRef idx="minor">
+            <a:schemeClr val="tx1"/>
+          </a:fontRef>
+        </p:style>
+      </p:cxnSp>
+      <p:sp useBgFill="1">
+        <p:nvSpPr>
+          <p:cNvPr id="44" name="Rectangle 29">
+            <a:extLst>
+              <a:ext uri="{FF2B5EF4-FFF2-40B4-BE49-F238E27FC236}">
+                <a16:creationId xmlns:a16="http://schemas.microsoft.com/office/drawing/2014/main" id="{8BC298DB-2D5C-40A1-9A78-6B4A12198A9B}"/>
+              </a:ext>
+              <a:ext uri="{C183D7F6-B498-43B3-948B-1728B52AA6E4}">
+                <adec:decorative xmlns:adec="http://schemas.microsoft.com/office/drawing/2017/decorative" val="1"/>
+              </a:ext>
+            </a:extLst>
+          </p:cNvPr>
+          <p:cNvSpPr>
+            <a:spLocks noGrp="1" noRot="1" noChangeAspect="1" noMove="1" noResize="1" noEditPoints="1" noAdjustHandles="1" noChangeArrowheads="1" noChangeShapeType="1" noTextEdit="1"/>
+          </p:cNvSpPr>
+          <p:nvPr>
+            <p:extLst>
+              <p:ext uri="{386F3935-93C4-4BCD-93E2-E3B085C9AB24}">
+                <p16:designElem xmlns:p16="http://schemas.microsoft.com/office/powerpoint/2015/main" val="1"/>
+              </p:ext>
+            </p:extLst>
+          </p:nvPr>
+        </p:nvSpPr>
+        <p:spPr>
+          <a:xfrm>
+            <a:off x="2" y="0"/>
+            <a:ext cx="12191695" cy="6858000"/>
+          </a:xfrm>
+          <a:prstGeom prst="rect">
+            <a:avLst/>
+          </a:prstGeom>
+          <a:ln>
+            <a:noFill/>
+          </a:ln>
+        </p:spPr>
+        <p:style>
+          <a:lnRef idx="2">
+            <a:schemeClr val="accent1">
+              <a:shade val="50000"/>
+            </a:schemeClr>
+          </a:lnRef>
+          <a:fillRef idx="1">
+            <a:schemeClr val="accent1"/>
+          </a:fillRef>
+          <a:effectRef idx="0">
+            <a:schemeClr val="accent1"/>
+          </a:effectRef>
+          <a:fontRef idx="minor">
+            <a:schemeClr val="lt1"/>
+          </a:fontRef>
+        </p:style>
+        <p:txBody>
+          <a:bodyPr rtlCol="0" anchor="ctr"/>
+          <a:lstStyle/>
+          <a:p>
+            <a:pPr algn="ctr"/>
+            <a:endParaRPr lang="en-US"/>
+          </a:p>
+        </p:txBody>
+      </p:sp>
+      <p:sp>
+        <p:nvSpPr>
+          <p:cNvPr id="45" name="Rectangle 31">
+            <a:extLst>
+              <a:ext uri="{FF2B5EF4-FFF2-40B4-BE49-F238E27FC236}">
+                <a16:creationId xmlns:a16="http://schemas.microsoft.com/office/drawing/2014/main" id="{35C2355B-7CE9-4192-9142-A41CA0A0C08B}"/>
+              </a:ext>
+              <a:ext uri="{C183D7F6-B498-43B3-948B-1728B52AA6E4}">
+                <adec:decorative xmlns:adec="http://schemas.microsoft.com/office/drawing/2017/decorative" val="1"/>
+              </a:ext>
+            </a:extLst>
+          </p:cNvPr>
+          <p:cNvSpPr>
+            <a:spLocks noGrp="1" noRot="1" noChangeAspect="1" noMove="1" noResize="1" noEditPoints="1" noAdjustHandles="1" noChangeArrowheads="1" noChangeShapeType="1" noTextEdit="1"/>
+          </p:cNvSpPr>
+          <p:nvPr>
+            <p:extLst>
+              <p:ext uri="{386F3935-93C4-4BCD-93E2-E3B085C9AB24}">
+                <p16:designElem xmlns:p16="http://schemas.microsoft.com/office/powerpoint/2015/main" val="1"/>
+              </p:ext>
+            </p:extLst>
+          </p:nvPr>
+        </p:nvSpPr>
+        <p:spPr>
+          <a:xfrm>
+            <a:off x="0" y="2019476"/>
+            <a:ext cx="12192000" cy="4105941"/>
+          </a:xfrm>
+          <a:prstGeom prst="rect">
+            <a:avLst/>
+          </a:prstGeom>
+          <a:gradFill flip="none" rotWithShape="1">
+            <a:gsLst>
+              <a:gs pos="0">
+                <a:schemeClr val="bg2">
+                  <a:alpha val="0"/>
+                </a:schemeClr>
+              </a:gs>
+              <a:gs pos="100000">
+                <a:schemeClr val="bg2"/>
+              </a:gs>
+            </a:gsLst>
+            <a:lin ang="5400000" scaled="0"/>
+            <a:tileRect/>
+          </a:gradFill>
+          <a:ln>
+            <a:noFill/>
+          </a:ln>
+        </p:spPr>
+        <p:style>
+          <a:lnRef idx="2">
+            <a:schemeClr val="accent1">
+              <a:shade val="50000"/>
+            </a:schemeClr>
+          </a:lnRef>
+          <a:fillRef idx="1">
+            <a:schemeClr val="accent1"/>
+          </a:fillRef>
+          <a:effectRef idx="0">
+            <a:schemeClr val="accent1"/>
+          </a:effectRef>
+          <a:fontRef idx="minor">
+            <a:schemeClr val="lt1"/>
+          </a:fontRef>
+        </p:style>
+        <p:txBody>
+          <a:bodyPr rtlCol="0" anchor="ctr"/>
+          <a:lstStyle/>
+          <a:p>
+            <a:pPr lvl="0" algn="ctr"/>
+            <a:endParaRPr lang="en-US"/>
+          </a:p>
+        </p:txBody>
+      </p:sp>
+      <p:sp>
+        <p:nvSpPr>
+          <p:cNvPr id="17" name="TextBox 16">
+            <a:extLst>
+              <a:ext uri="{FF2B5EF4-FFF2-40B4-BE49-F238E27FC236}">
+                <a16:creationId xmlns:a16="http://schemas.microsoft.com/office/drawing/2014/main" id="{4FE33B69-AAB8-9645-AFF9-D6CDF7B286AF}"/>
+              </a:ext>
+            </a:extLst>
+          </p:cNvPr>
+          <p:cNvSpPr txBox="1"/>
+          <p:nvPr/>
+        </p:nvSpPr>
+        <p:spPr>
+          <a:xfrm>
+            <a:off x="6585200" y="967167"/>
+            <a:ext cx="4151306" cy="2374516"/>
+          </a:xfrm>
+          <a:prstGeom prst="rect">
+            <a:avLst/>
+          </a:prstGeom>
+        </p:spPr>
+        <p:txBody>
+          <a:bodyPr vert="horz" lIns="91440" tIns="45720" rIns="91440" bIns="0" rtlCol="0" anchor="b">
+            <a:normAutofit/>
+          </a:bodyPr>
+          <a:lstStyle/>
+          <a:p>
+            <a:pPr defTabSz="914400">
+              <a:lnSpc>
+                <a:spcPct val="90000"/>
+              </a:lnSpc>
+              <a:spcBef>
+                <a:spcPct val="0"/>
+              </a:spcBef>
+              <a:spcAft>
+                <a:spcPts val="600"/>
+              </a:spcAft>
+            </a:pPr>
+            <a:r>
+              <a:rPr lang="en-US" sz="4800" cap="all" dirty="0">
+                <a:latin typeface="+mj-lt"/>
+                <a:ea typeface="+mj-ea"/>
+                <a:cs typeface="+mj-cs"/>
+              </a:rPr>
+              <a:t>Apple TV 2</a:t>
+            </a:r>
+            <a:r>
+              <a:rPr lang="en-US" sz="4800" cap="all" baseline="30000" dirty="0">
+                <a:latin typeface="+mj-lt"/>
+                <a:ea typeface="+mj-ea"/>
+                <a:cs typeface="+mj-cs"/>
+              </a:rPr>
+              <a:t>nd</a:t>
+            </a:r>
+            <a:r>
+              <a:rPr lang="en-US" sz="4800" cap="all" dirty="0">
+                <a:latin typeface="+mj-lt"/>
+                <a:ea typeface="+mj-ea"/>
+                <a:cs typeface="+mj-cs"/>
+              </a:rPr>
+              <a:t> Gen (2010)</a:t>
+            </a:r>
+          </a:p>
+        </p:txBody>
+      </p:sp>
+      <p:pic>
+        <p:nvPicPr>
+          <p:cNvPr id="3" name="Picture 2">
+            <a:extLst>
+              <a:ext uri="{FF2B5EF4-FFF2-40B4-BE49-F238E27FC236}">
+                <a16:creationId xmlns:a16="http://schemas.microsoft.com/office/drawing/2014/main" id="{C5CE3009-87BB-EE46-A83A-51EA4391019C}"/>
+              </a:ext>
+            </a:extLst>
+          </p:cNvPr>
+          <p:cNvPicPr>
+            <a:picLocks noChangeAspect="1"/>
+          </p:cNvPicPr>
+          <p:nvPr/>
+        </p:nvPicPr>
+        <p:blipFill>
+          <a:blip r:embed="rId3"/>
+          <a:stretch>
+            <a:fillRect/>
+          </a:stretch>
+        </p:blipFill>
+        <p:spPr>
+          <a:xfrm>
+            <a:off x="1130029" y="860361"/>
+            <a:ext cx="4960442" cy="4551205"/>
+          </a:xfrm>
+          <a:prstGeom prst="rect">
+            <a:avLst/>
+          </a:prstGeom>
+        </p:spPr>
+      </p:pic>
+      <p:cxnSp>
+        <p:nvCxnSpPr>
+          <p:cNvPr id="46" name="Straight Connector 33">
+            <a:extLst>
+              <a:ext uri="{FF2B5EF4-FFF2-40B4-BE49-F238E27FC236}">
+                <a16:creationId xmlns:a16="http://schemas.microsoft.com/office/drawing/2014/main" id="{06D05ED8-39E4-42F8-92CB-704C2BD0D215}"/>
+              </a:ext>
+              <a:ext uri="{C183D7F6-B498-43B3-948B-1728B52AA6E4}">
+                <adec:decorative xmlns:adec="http://schemas.microsoft.com/office/drawing/2017/decorative" val="1"/>
+              </a:ext>
+            </a:extLst>
+          </p:cNvPr>
+          <p:cNvCxnSpPr>
+            <a:cxnSpLocks noGrp="1" noRot="1" noChangeAspect="1" noMove="1" noResize="1" noEditPoints="1" noAdjustHandles="1" noChangeArrowheads="1" noChangeShapeType="1"/>
+          </p:cNvCxnSpPr>
+          <p:nvPr>
+            <p:extLst>
+              <p:ext uri="{386F3935-93C4-4BCD-93E2-E3B085C9AB24}">
+                <p16:designElem xmlns:p16="http://schemas.microsoft.com/office/powerpoint/2015/main" val="1"/>
+              </p:ext>
+            </p:extLst>
+          </p:nvPr>
+        </p:nvCxnSpPr>
+        <p:spPr>
+          <a:xfrm>
+            <a:off x="6579647" y="3526496"/>
+            <a:ext cx="4149931" cy="0"/>
+          </a:xfrm>
+          <a:prstGeom prst="line">
+            <a:avLst/>
+          </a:prstGeom>
+          <a:ln w="31750"/>
+        </p:spPr>
+        <p:style>
+          <a:lnRef idx="3">
+            <a:schemeClr val="accent1"/>
+          </a:lnRef>
+          <a:fillRef idx="0">
+            <a:schemeClr val="accent1"/>
+          </a:fillRef>
+          <a:effectRef idx="2">
+            <a:schemeClr val="accent1"/>
+          </a:effectRef>
+          <a:fontRef idx="minor">
+            <a:schemeClr val="tx1"/>
+          </a:fontRef>
+        </p:style>
+      </p:cxnSp>
+      <p:pic>
+        <p:nvPicPr>
+          <p:cNvPr id="47" name="Picture 35">
+            <a:extLst>
+              <a:ext uri="{FF2B5EF4-FFF2-40B4-BE49-F238E27FC236}">
+                <a16:creationId xmlns:a16="http://schemas.microsoft.com/office/drawing/2014/main" id="{45CE2E7C-6AA3-4710-825D-4CDDF788C7BC}"/>
+              </a:ext>
+              <a:ext uri="{C183D7F6-B498-43B3-948B-1728B52AA6E4}">
+                <adec:decorative xmlns:adec="http://schemas.microsoft.com/office/drawing/2017/decorative" val="1"/>
+              </a:ext>
+            </a:extLst>
+          </p:cNvPr>
+          <p:cNvPicPr>
+            <a:picLocks noGrp="1" noRot="1" noChangeAspect="1" noMove="1" noResize="1" noEditPoints="1" noAdjustHandles="1" noChangeArrowheads="1" noChangeShapeType="1" noCrop="1"/>
+          </p:cNvPicPr>
+          <p:nvPr>
+            <p:extLst>
+              <p:ext uri="{386F3935-93C4-4BCD-93E2-E3B085C9AB24}">
+                <p16:designElem xmlns:p16="http://schemas.microsoft.com/office/powerpoint/2015/main" val="1"/>
+              </p:ext>
+            </p:extLst>
+          </p:nvPr>
+        </p:nvPicPr>
+        <p:blipFill rotWithShape="1">
+          <a:blip r:embed="rId2">
+            <a:extLst>
+              <a:ext uri="{28A0092B-C50C-407E-A947-70E740481C1C}">
+                <a14:useLocalDpi xmlns:a14="http://schemas.microsoft.com/office/drawing/2010/main" val="0"/>
+              </a:ext>
+            </a:extLst>
+          </a:blip>
+          <a:srcRect t="1538" b="-1538"/>
+          <a:stretch/>
+        </p:blipFill>
+        <p:spPr bwMode="black">
+          <a:xfrm>
+            <a:off x="0" y="6126480"/>
+            <a:ext cx="12192000" cy="742950"/>
+          </a:xfrm>
+          <a:prstGeom prst="rect">
+            <a:avLst/>
+          </a:prstGeom>
+        </p:spPr>
+      </p:pic>
+      <p:cxnSp>
+        <p:nvCxnSpPr>
+          <p:cNvPr id="48" name="Straight Connector 37">
+            <a:extLst>
+              <a:ext uri="{FF2B5EF4-FFF2-40B4-BE49-F238E27FC236}">
+                <a16:creationId xmlns:a16="http://schemas.microsoft.com/office/drawing/2014/main" id="{3256C6C3-0EDC-4651-AB37-9F26CFAA6C86}"/>
+              </a:ext>
+              <a:ext uri="{C183D7F6-B498-43B3-948B-1728B52AA6E4}">
+                <adec:decorative xmlns:adec="http://schemas.microsoft.com/office/drawing/2017/decorative" val="1"/>
+              </a:ext>
+            </a:extLst>
+          </p:cNvPr>
+          <p:cNvCxnSpPr>
+            <a:cxnSpLocks noGrp="1" noRot="1" noChangeAspect="1" noMove="1" noResize="1" noEditPoints="1" noAdjustHandles="1" noChangeArrowheads="1" noChangeShapeType="1"/>
+          </p:cNvCxnSpPr>
+          <p:nvPr>
+            <p:extLst>
+              <p:ext uri="{386F3935-93C4-4BCD-93E2-E3B085C9AB24}">
+                <p16:designElem xmlns:p16="http://schemas.microsoft.com/office/powerpoint/2015/main" val="1"/>
+              </p:ext>
+            </p:extLst>
+          </p:nvPr>
+        </p:nvCxnSpPr>
+        <p:spPr>
+          <a:xfrm>
+            <a:off x="0" y="6128413"/>
+            <a:ext cx="12192000" cy="0"/>
+          </a:xfrm>
+          <a:prstGeom prst="line">
+            <a:avLst/>
+          </a:prstGeom>
+          <a:ln w="12700">
+            <a:solidFill>
+              <a:srgbClr val="000001">
+                <a:alpha val="20000"/>
+              </a:srgbClr>
+            </a:solidFill>
+          </a:ln>
+        </p:spPr>
+        <p:style>
+          <a:lnRef idx="1">
+            <a:schemeClr val="accent1"/>
+          </a:lnRef>
+          <a:fillRef idx="0">
+            <a:schemeClr val="accent1"/>
+          </a:fillRef>
+          <a:effectRef idx="0">
+            <a:schemeClr val="accent1"/>
+          </a:effectRef>
+          <a:fontRef idx="minor">
+            <a:schemeClr val="tx1"/>
+          </a:fontRef>
+        </p:style>
+      </p:cxnSp>
+    </p:spTree>
+    <p:extLst>
+      <p:ext uri="{BB962C8B-B14F-4D97-AF65-F5344CB8AC3E}">
+        <p14:creationId xmlns:p14="http://schemas.microsoft.com/office/powerpoint/2010/main" val="311272790"/>
+      </p:ext>
+    </p:extLst>
+  </p:cSld>
+  <p:clrMapOvr>
+    <a:masterClrMapping/>
+  </p:clrMapOvr>
+</p:sld>
+</file>
+
+<file path=ppt/slides/slide11.xml><?xml version="1.0" encoding="utf-8"?>
+<p:sld xmlns:a="http://schemas.openxmlformats.org/drawingml/2006/main" xmlns:r="http://schemas.openxmlformats.org/officeDocument/2006/relationships" xmlns:p="http://schemas.openxmlformats.org/presentationml/2006/main">
+  <p:cSld>
+    <p:bg>
+      <p:bgPr>
+        <a:gradFill rotWithShape="1">
+          <a:gsLst>
+            <a:gs pos="0">
+              <a:schemeClr val="bg2">
+                <a:tint val="94000"/>
+                <a:satMod val="80000"/>
+                <a:lumMod val="106000"/>
+              </a:schemeClr>
+            </a:gs>
+            <a:gs pos="100000">
+              <a:schemeClr val="bg2">
+                <a:shade val="80000"/>
+              </a:schemeClr>
+            </a:gs>
+          </a:gsLst>
+          <a:path path="circle">
+            <a:fillToRect l="43000" r="43000" b="100000"/>
+          </a:path>
+        </a:gradFill>
+        <a:effectLst/>
+      </p:bgPr>
+    </p:bg>
+    <p:spTree>
+      <p:nvGrpSpPr>
+        <p:cNvPr id="1" name=""/>
+        <p:cNvGrpSpPr/>
+        <p:nvPr/>
+      </p:nvGrpSpPr>
+      <p:grpSpPr>
+        <a:xfrm>
+          <a:off x="0" y="0"/>
+          <a:ext cx="0" cy="0"/>
+          <a:chOff x="0" y="0"/>
+          <a:chExt cx="0" cy="0"/>
+        </a:xfrm>
+      </p:grpSpPr>
+      <p:sp>
+        <p:nvSpPr>
+          <p:cNvPr id="38" name="Rectangle 37">
+            <a:extLst>
+              <a:ext uri="{FF2B5EF4-FFF2-40B4-BE49-F238E27FC236}">
+                <a16:creationId xmlns:a16="http://schemas.microsoft.com/office/drawing/2014/main" id="{0CABCAE3-64FC-4149-819F-2C1812824154}"/>
+              </a:ext>
+              <a:ext uri="{C183D7F6-B498-43B3-948B-1728B52AA6E4}">
+                <adec:decorative xmlns:adec="http://schemas.microsoft.com/office/drawing/2017/decorative" val="1"/>
+              </a:ext>
+            </a:extLst>
+          </p:cNvPr>
+          <p:cNvSpPr>
+            <a:spLocks noGrp="1" noRot="1" noChangeAspect="1" noMove="1" noResize="1" noEditPoints="1" noAdjustHandles="1" noChangeArrowheads="1" noChangeShapeType="1" noTextEdit="1"/>
+          </p:cNvSpPr>
+          <p:nvPr>
+            <p:extLst>
+              <p:ext uri="{386F3935-93C4-4BCD-93E2-E3B085C9AB24}">
+                <p16:designElem xmlns:p16="http://schemas.microsoft.com/office/powerpoint/2015/main" val="1"/>
+              </p:ext>
+            </p:extLst>
+          </p:nvPr>
+        </p:nvSpPr>
+        <p:spPr>
+          <a:xfrm>
+            <a:off x="0" y="2019476"/>
+            <a:ext cx="12192000" cy="4105941"/>
+          </a:xfrm>
+          <a:prstGeom prst="rect">
+            <a:avLst/>
+          </a:prstGeom>
+          <a:gradFill flip="none" rotWithShape="1">
+            <a:gsLst>
+              <a:gs pos="0">
+                <a:schemeClr val="bg2">
+                  <a:alpha val="0"/>
+                </a:schemeClr>
+              </a:gs>
+              <a:gs pos="100000">
+                <a:schemeClr val="bg2"/>
+              </a:gs>
+            </a:gsLst>
+            <a:lin ang="5400000" scaled="0"/>
+            <a:tileRect/>
+          </a:gradFill>
+          <a:ln>
+            <a:noFill/>
+          </a:ln>
+        </p:spPr>
+        <p:style>
+          <a:lnRef idx="2">
+            <a:schemeClr val="accent1">
+              <a:shade val="50000"/>
+            </a:schemeClr>
+          </a:lnRef>
+          <a:fillRef idx="1">
+            <a:schemeClr val="accent1"/>
+          </a:fillRef>
+          <a:effectRef idx="0">
+            <a:schemeClr val="accent1"/>
+          </a:effectRef>
+          <a:fontRef idx="minor">
+            <a:schemeClr val="lt1"/>
+          </a:fontRef>
+        </p:style>
+      </p:sp>
+      <p:pic>
+        <p:nvPicPr>
+          <p:cNvPr id="40" name="Picture 39">
+            <a:extLst>
+              <a:ext uri="{FF2B5EF4-FFF2-40B4-BE49-F238E27FC236}">
+                <a16:creationId xmlns:a16="http://schemas.microsoft.com/office/drawing/2014/main" id="{012FDCFE-9AD2-4D8A-8CBF-B3AA37EBF6DD}"/>
+              </a:ext>
+              <a:ext uri="{C183D7F6-B498-43B3-948B-1728B52AA6E4}">
+                <adec:decorative xmlns:adec="http://schemas.microsoft.com/office/drawing/2017/decorative" val="1"/>
+              </a:ext>
+            </a:extLst>
+          </p:cNvPr>
+          <p:cNvPicPr>
+            <a:picLocks noGrp="1" noRot="1" noChangeAspect="1" noMove="1" noResize="1" noEditPoints="1" noAdjustHandles="1" noChangeArrowheads="1" noChangeShapeType="1" noCrop="1"/>
+          </p:cNvPicPr>
+          <p:nvPr>
+            <p:extLst>
+              <p:ext uri="{386F3935-93C4-4BCD-93E2-E3B085C9AB24}">
+                <p16:designElem xmlns:p16="http://schemas.microsoft.com/office/powerpoint/2015/main" val="1"/>
+              </p:ext>
+            </p:extLst>
+          </p:nvPr>
+        </p:nvPicPr>
+        <p:blipFill rotWithShape="1">
+          <a:blip r:embed="rId2">
+            <a:extLst>
+              <a:ext uri="{28A0092B-C50C-407E-A947-70E740481C1C}">
+                <a14:useLocalDpi xmlns:a14="http://schemas.microsoft.com/office/drawing/2010/main" val="0"/>
+              </a:ext>
+            </a:extLst>
+          </a:blip>
+          <a:srcRect t="1538" b="-1538"/>
+          <a:stretch/>
+        </p:blipFill>
+        <p:spPr bwMode="black">
+          <a:xfrm>
+            <a:off x="0" y="6126480"/>
+            <a:ext cx="12192000" cy="742950"/>
+          </a:xfrm>
+          <a:prstGeom prst="rect">
+            <a:avLst/>
+          </a:prstGeom>
+        </p:spPr>
+      </p:pic>
+      <p:cxnSp>
+        <p:nvCxnSpPr>
+          <p:cNvPr id="42" name="Straight Connector 41">
+            <a:extLst>
+              <a:ext uri="{FF2B5EF4-FFF2-40B4-BE49-F238E27FC236}">
+                <a16:creationId xmlns:a16="http://schemas.microsoft.com/office/drawing/2014/main" id="{FBD463FC-4CA8-4FF4-85A3-AF9F4B98D210}"/>
+              </a:ext>
+              <a:ext uri="{C183D7F6-B498-43B3-948B-1728B52AA6E4}">
+                <adec:decorative xmlns:adec="http://schemas.microsoft.com/office/drawing/2017/decorative" val="1"/>
+              </a:ext>
+            </a:extLst>
+          </p:cNvPr>
+          <p:cNvCxnSpPr>
+            <a:cxnSpLocks noGrp="1" noRot="1" noChangeAspect="1" noMove="1" noResize="1" noEditPoints="1" noAdjustHandles="1" noChangeArrowheads="1" noChangeShapeType="1"/>
+          </p:cNvCxnSpPr>
+          <p:nvPr>
+            <p:extLst>
+              <p:ext uri="{386F3935-93C4-4BCD-93E2-E3B085C9AB24}">
+                <p16:designElem xmlns:p16="http://schemas.microsoft.com/office/powerpoint/2015/main" val="1"/>
+              </p:ext>
+            </p:extLst>
+          </p:nvPr>
+        </p:nvCxnSpPr>
+        <p:spPr>
+          <a:xfrm>
+            <a:off x="0" y="6128413"/>
+            <a:ext cx="12192000" cy="0"/>
+          </a:xfrm>
+          <a:prstGeom prst="line">
+            <a:avLst/>
+          </a:prstGeom>
+          <a:ln w="12700">
+            <a:solidFill>
+              <a:srgbClr val="000001">
+                <a:alpha val="20000"/>
+              </a:srgbClr>
+            </a:solidFill>
+          </a:ln>
+        </p:spPr>
+        <p:style>
+          <a:lnRef idx="1">
+            <a:schemeClr val="accent1"/>
+          </a:lnRef>
+          <a:fillRef idx="0">
+            <a:schemeClr val="accent1"/>
+          </a:fillRef>
+          <a:effectRef idx="0">
+            <a:schemeClr val="accent1"/>
+          </a:effectRef>
+          <a:fontRef idx="minor">
+            <a:schemeClr val="tx1"/>
+          </a:fontRef>
+        </p:style>
+      </p:cxnSp>
+      <p:cxnSp>
+        <p:nvCxnSpPr>
+          <p:cNvPr id="44" name="Straight Connector 43">
+            <a:extLst>
+              <a:ext uri="{FF2B5EF4-FFF2-40B4-BE49-F238E27FC236}">
+                <a16:creationId xmlns:a16="http://schemas.microsoft.com/office/drawing/2014/main" id="{BECF35C3-8B44-4F4B-BD25-4C01823DB22A}"/>
+              </a:ext>
+              <a:ext uri="{C183D7F6-B498-43B3-948B-1728B52AA6E4}">
+                <adec:decorative xmlns:adec="http://schemas.microsoft.com/office/drawing/2017/decorative" val="1"/>
+              </a:ext>
+            </a:extLst>
+          </p:cNvPr>
+          <p:cNvCxnSpPr>
+            <a:cxnSpLocks noGrp="1" noRot="1" noChangeAspect="1" noMove="1" noResize="1" noEditPoints="1" noAdjustHandles="1" noChangeArrowheads="1" noChangeShapeType="1"/>
+          </p:cNvCxnSpPr>
+          <p:nvPr>
+            <p:extLst>
+              <p:ext uri="{386F3935-93C4-4BCD-93E2-E3B085C9AB24}">
+                <p16:designElem xmlns:p16="http://schemas.microsoft.com/office/powerpoint/2015/main" val="1"/>
+              </p:ext>
+            </p:extLst>
+          </p:nvPr>
+        </p:nvCxnSpPr>
+        <p:spPr>
+          <a:xfrm>
+            <a:off x="2417780" y="3528542"/>
+            <a:ext cx="8637072" cy="0"/>
+          </a:xfrm>
+          <a:prstGeom prst="line">
+            <a:avLst/>
+          </a:prstGeom>
+          <a:ln w="31750"/>
+        </p:spPr>
+        <p:style>
+          <a:lnRef idx="3">
+            <a:schemeClr val="accent1"/>
+          </a:lnRef>
+          <a:fillRef idx="0">
+            <a:schemeClr val="accent1"/>
+          </a:fillRef>
+          <a:effectRef idx="2">
+            <a:schemeClr val="accent1"/>
+          </a:effectRef>
+          <a:fontRef idx="minor">
+            <a:schemeClr val="tx1"/>
+          </a:fontRef>
+        </p:style>
+      </p:cxnSp>
+      <p:sp useBgFill="1">
+        <p:nvSpPr>
+          <p:cNvPr id="46" name="Rectangle 45">
+            <a:extLst>
+              <a:ext uri="{FF2B5EF4-FFF2-40B4-BE49-F238E27FC236}">
+                <a16:creationId xmlns:a16="http://schemas.microsoft.com/office/drawing/2014/main" id="{8BC298DB-2D5C-40A1-9A78-6B4A12198A9B}"/>
+              </a:ext>
+              <a:ext uri="{C183D7F6-B498-43B3-948B-1728B52AA6E4}">
+                <adec:decorative xmlns:adec="http://schemas.microsoft.com/office/drawing/2017/decorative" val="1"/>
+              </a:ext>
+            </a:extLst>
+          </p:cNvPr>
+          <p:cNvSpPr>
+            <a:spLocks noGrp="1" noRot="1" noChangeAspect="1" noMove="1" noResize="1" noEditPoints="1" noAdjustHandles="1" noChangeArrowheads="1" noChangeShapeType="1" noTextEdit="1"/>
+          </p:cNvSpPr>
+          <p:nvPr>
+            <p:extLst>
+              <p:ext uri="{386F3935-93C4-4BCD-93E2-E3B085C9AB24}">
+                <p16:designElem xmlns:p16="http://schemas.microsoft.com/office/powerpoint/2015/main" val="1"/>
+              </p:ext>
+            </p:extLst>
+          </p:nvPr>
+        </p:nvSpPr>
+        <p:spPr>
+          <a:xfrm>
+            <a:off x="2" y="0"/>
+            <a:ext cx="12191695" cy="6858000"/>
+          </a:xfrm>
+          <a:prstGeom prst="rect">
+            <a:avLst/>
+          </a:prstGeom>
+          <a:ln>
+            <a:noFill/>
+          </a:ln>
+        </p:spPr>
+        <p:style>
+          <a:lnRef idx="2">
+            <a:schemeClr val="accent1">
+              <a:shade val="50000"/>
+            </a:schemeClr>
+          </a:lnRef>
+          <a:fillRef idx="1">
+            <a:schemeClr val="accent1"/>
+          </a:fillRef>
+          <a:effectRef idx="0">
+            <a:schemeClr val="accent1"/>
+          </a:effectRef>
+          <a:fontRef idx="minor">
+            <a:schemeClr val="lt1"/>
+          </a:fontRef>
+        </p:style>
+        <p:txBody>
+          <a:bodyPr rtlCol="0" anchor="ctr"/>
+          <a:lstStyle/>
+          <a:p>
+            <a:pPr algn="ctr"/>
+            <a:endParaRPr lang="en-US"/>
+          </a:p>
+        </p:txBody>
+      </p:sp>
+      <p:sp>
+        <p:nvSpPr>
+          <p:cNvPr id="48" name="Rectangle 47">
+            <a:extLst>
+              <a:ext uri="{FF2B5EF4-FFF2-40B4-BE49-F238E27FC236}">
+                <a16:creationId xmlns:a16="http://schemas.microsoft.com/office/drawing/2014/main" id="{35C2355B-7CE9-4192-9142-A41CA0A0C08B}"/>
+              </a:ext>
+              <a:ext uri="{C183D7F6-B498-43B3-948B-1728B52AA6E4}">
+                <adec:decorative xmlns:adec="http://schemas.microsoft.com/office/drawing/2017/decorative" val="1"/>
+              </a:ext>
+            </a:extLst>
+          </p:cNvPr>
+          <p:cNvSpPr>
+            <a:spLocks noGrp="1" noRot="1" noChangeAspect="1" noMove="1" noResize="1" noEditPoints="1" noAdjustHandles="1" noChangeArrowheads="1" noChangeShapeType="1" noTextEdit="1"/>
+          </p:cNvSpPr>
+          <p:nvPr>
+            <p:extLst>
+              <p:ext uri="{386F3935-93C4-4BCD-93E2-E3B085C9AB24}">
+                <p16:designElem xmlns:p16="http://schemas.microsoft.com/office/powerpoint/2015/main" val="1"/>
+              </p:ext>
+            </p:extLst>
+          </p:nvPr>
+        </p:nvSpPr>
+        <p:spPr>
+          <a:xfrm>
+            <a:off x="0" y="2019476"/>
+            <a:ext cx="12192000" cy="4105941"/>
+          </a:xfrm>
+          <a:prstGeom prst="rect">
+            <a:avLst/>
+          </a:prstGeom>
+          <a:gradFill flip="none" rotWithShape="1">
+            <a:gsLst>
+              <a:gs pos="0">
+                <a:schemeClr val="bg2">
+                  <a:alpha val="0"/>
+                </a:schemeClr>
+              </a:gs>
+              <a:gs pos="100000">
+                <a:schemeClr val="bg2"/>
+              </a:gs>
+            </a:gsLst>
+            <a:lin ang="5400000" scaled="0"/>
+            <a:tileRect/>
+          </a:gradFill>
+          <a:ln>
+            <a:noFill/>
+          </a:ln>
+        </p:spPr>
+        <p:style>
+          <a:lnRef idx="2">
+            <a:schemeClr val="accent1">
+              <a:shade val="50000"/>
+            </a:schemeClr>
+          </a:lnRef>
+          <a:fillRef idx="1">
+            <a:schemeClr val="accent1"/>
+          </a:fillRef>
+          <a:effectRef idx="0">
+            <a:schemeClr val="accent1"/>
+          </a:effectRef>
+          <a:fontRef idx="minor">
+            <a:schemeClr val="lt1"/>
+          </a:fontRef>
+        </p:style>
+        <p:txBody>
+          <a:bodyPr rtlCol="0" anchor="ctr"/>
+          <a:lstStyle/>
+          <a:p>
+            <a:pPr lvl="0" algn="ctr"/>
+            <a:endParaRPr lang="en-US"/>
+          </a:p>
+        </p:txBody>
+      </p:sp>
+      <p:sp>
+        <p:nvSpPr>
+          <p:cNvPr id="12" name="TextBox 11">
+            <a:extLst>
+              <a:ext uri="{FF2B5EF4-FFF2-40B4-BE49-F238E27FC236}">
+                <a16:creationId xmlns:a16="http://schemas.microsoft.com/office/drawing/2014/main" id="{BFAB766D-A5BE-9048-B7F4-B4157DB3A1D1}"/>
+              </a:ext>
+            </a:extLst>
+          </p:cNvPr>
+          <p:cNvSpPr txBox="1"/>
+          <p:nvPr/>
+        </p:nvSpPr>
+        <p:spPr>
+          <a:xfrm>
+            <a:off x="6585200" y="967167"/>
+            <a:ext cx="4151306" cy="2374516"/>
+          </a:xfrm>
+          <a:prstGeom prst="rect">
+            <a:avLst/>
+          </a:prstGeom>
+        </p:spPr>
+        <p:txBody>
+          <a:bodyPr vert="horz" lIns="91440" tIns="45720" rIns="91440" bIns="0" rtlCol="0" anchor="b">
+            <a:normAutofit/>
+          </a:bodyPr>
+          <a:lstStyle/>
+          <a:p>
+            <a:pPr defTabSz="914400">
+              <a:lnSpc>
+                <a:spcPct val="90000"/>
+              </a:lnSpc>
+              <a:spcBef>
+                <a:spcPct val="0"/>
+              </a:spcBef>
+              <a:spcAft>
+                <a:spcPts val="600"/>
+              </a:spcAft>
+            </a:pPr>
+            <a:r>
+              <a:rPr lang="en-US" sz="4800" cap="all" dirty="0">
+                <a:latin typeface="+mj-lt"/>
+                <a:ea typeface="+mj-ea"/>
+                <a:cs typeface="+mj-cs"/>
+              </a:rPr>
+              <a:t>Apple TV 5</a:t>
+            </a:r>
+            <a:r>
+              <a:rPr lang="en-US" sz="4800" cap="all" baseline="30000" dirty="0">
+                <a:latin typeface="+mj-lt"/>
+                <a:ea typeface="+mj-ea"/>
+                <a:cs typeface="+mj-cs"/>
+              </a:rPr>
+              <a:t>th</a:t>
+            </a:r>
+            <a:r>
+              <a:rPr lang="en-US" sz="4800" cap="all" dirty="0">
+                <a:latin typeface="+mj-lt"/>
+                <a:ea typeface="+mj-ea"/>
+                <a:cs typeface="+mj-cs"/>
+              </a:rPr>
+              <a:t> Gen (2017)</a:t>
+            </a:r>
+          </a:p>
+        </p:txBody>
+      </p:sp>
+      <p:pic>
+        <p:nvPicPr>
+          <p:cNvPr id="14" name="Picture 13">
+            <a:extLst>
+              <a:ext uri="{FF2B5EF4-FFF2-40B4-BE49-F238E27FC236}">
+                <a16:creationId xmlns:a16="http://schemas.microsoft.com/office/drawing/2014/main" id="{CC5112F1-437E-0540-85C3-16749655A384}"/>
+              </a:ext>
+            </a:extLst>
+          </p:cNvPr>
+          <p:cNvPicPr>
+            <a:picLocks noChangeAspect="1"/>
+          </p:cNvPicPr>
+          <p:nvPr/>
+        </p:nvPicPr>
+        <p:blipFill>
+          <a:blip r:embed="rId3"/>
+          <a:stretch>
+            <a:fillRect/>
+          </a:stretch>
+        </p:blipFill>
+        <p:spPr>
+          <a:xfrm>
+            <a:off x="1130029" y="1033977"/>
+            <a:ext cx="4960442" cy="4203974"/>
+          </a:xfrm>
+          <a:prstGeom prst="rect">
+            <a:avLst/>
+          </a:prstGeom>
+        </p:spPr>
+      </p:pic>
+      <p:cxnSp>
+        <p:nvCxnSpPr>
+          <p:cNvPr id="50" name="Straight Connector 49">
+            <a:extLst>
+              <a:ext uri="{FF2B5EF4-FFF2-40B4-BE49-F238E27FC236}">
+                <a16:creationId xmlns:a16="http://schemas.microsoft.com/office/drawing/2014/main" id="{06D05ED8-39E4-42F8-92CB-704C2BD0D215}"/>
+              </a:ext>
+              <a:ext uri="{C183D7F6-B498-43B3-948B-1728B52AA6E4}">
+                <adec:decorative xmlns:adec="http://schemas.microsoft.com/office/drawing/2017/decorative" val="1"/>
+              </a:ext>
+            </a:extLst>
+          </p:cNvPr>
+          <p:cNvCxnSpPr>
+            <a:cxnSpLocks noGrp="1" noRot="1" noChangeAspect="1" noMove="1" noResize="1" noEditPoints="1" noAdjustHandles="1" noChangeArrowheads="1" noChangeShapeType="1"/>
+          </p:cNvCxnSpPr>
+          <p:nvPr>
+            <p:extLst>
+              <p:ext uri="{386F3935-93C4-4BCD-93E2-E3B085C9AB24}">
+                <p16:designElem xmlns:p16="http://schemas.microsoft.com/office/powerpoint/2015/main" val="1"/>
+              </p:ext>
+            </p:extLst>
+          </p:nvPr>
+        </p:nvCxnSpPr>
+        <p:spPr>
+          <a:xfrm>
+            <a:off x="6579647" y="3526496"/>
+            <a:ext cx="4149931" cy="0"/>
+          </a:xfrm>
+          <a:prstGeom prst="line">
+            <a:avLst/>
+          </a:prstGeom>
+          <a:ln w="31750"/>
+        </p:spPr>
+        <p:style>
+          <a:lnRef idx="3">
+            <a:schemeClr val="accent1"/>
+          </a:lnRef>
+          <a:fillRef idx="0">
+            <a:schemeClr val="accent1"/>
+          </a:fillRef>
+          <a:effectRef idx="2">
+            <a:schemeClr val="accent1"/>
+          </a:effectRef>
+          <a:fontRef idx="minor">
+            <a:schemeClr val="tx1"/>
+          </a:fontRef>
+        </p:style>
+      </p:cxnSp>
+      <p:pic>
+        <p:nvPicPr>
+          <p:cNvPr id="52" name="Picture 51">
+            <a:extLst>
+              <a:ext uri="{FF2B5EF4-FFF2-40B4-BE49-F238E27FC236}">
+                <a16:creationId xmlns:a16="http://schemas.microsoft.com/office/drawing/2014/main" id="{45CE2E7C-6AA3-4710-825D-4CDDF788C7BC}"/>
+              </a:ext>
+              <a:ext uri="{C183D7F6-B498-43B3-948B-1728B52AA6E4}">
+                <adec:decorative xmlns:adec="http://schemas.microsoft.com/office/drawing/2017/decorative" val="1"/>
+              </a:ext>
+            </a:extLst>
+          </p:cNvPr>
+          <p:cNvPicPr>
+            <a:picLocks noGrp="1" noRot="1" noChangeAspect="1" noMove="1" noResize="1" noEditPoints="1" noAdjustHandles="1" noChangeArrowheads="1" noChangeShapeType="1" noCrop="1"/>
+          </p:cNvPicPr>
+          <p:nvPr>
+            <p:extLst>
+              <p:ext uri="{386F3935-93C4-4BCD-93E2-E3B085C9AB24}">
+                <p16:designElem xmlns:p16="http://schemas.microsoft.com/office/powerpoint/2015/main" val="1"/>
+              </p:ext>
+            </p:extLst>
+          </p:nvPr>
+        </p:nvPicPr>
+        <p:blipFill rotWithShape="1">
+          <a:blip r:embed="rId2">
+            <a:extLst>
+              <a:ext uri="{28A0092B-C50C-407E-A947-70E740481C1C}">
+                <a14:useLocalDpi xmlns:a14="http://schemas.microsoft.com/office/drawing/2010/main" val="0"/>
+              </a:ext>
+            </a:extLst>
+          </a:blip>
+          <a:srcRect t="1538" b="-1538"/>
+          <a:stretch/>
+        </p:blipFill>
+        <p:spPr bwMode="black">
+          <a:xfrm>
+            <a:off x="0" y="6126480"/>
+            <a:ext cx="12192000" cy="742950"/>
+          </a:xfrm>
+          <a:prstGeom prst="rect">
+            <a:avLst/>
+          </a:prstGeom>
+        </p:spPr>
+      </p:pic>
+      <p:cxnSp>
+        <p:nvCxnSpPr>
+          <p:cNvPr id="54" name="Straight Connector 53">
+            <a:extLst>
+              <a:ext uri="{FF2B5EF4-FFF2-40B4-BE49-F238E27FC236}">
+                <a16:creationId xmlns:a16="http://schemas.microsoft.com/office/drawing/2014/main" id="{3256C6C3-0EDC-4651-AB37-9F26CFAA6C86}"/>
+              </a:ext>
+              <a:ext uri="{C183D7F6-B498-43B3-948B-1728B52AA6E4}">
+                <adec:decorative xmlns:adec="http://schemas.microsoft.com/office/drawing/2017/decorative" val="1"/>
+              </a:ext>
+            </a:extLst>
+          </p:cNvPr>
+          <p:cNvCxnSpPr>
+            <a:cxnSpLocks noGrp="1" noRot="1" noChangeAspect="1" noMove="1" noResize="1" noEditPoints="1" noAdjustHandles="1" noChangeArrowheads="1" noChangeShapeType="1"/>
+          </p:cNvCxnSpPr>
+          <p:nvPr>
+            <p:extLst>
+              <p:ext uri="{386F3935-93C4-4BCD-93E2-E3B085C9AB24}">
+                <p16:designElem xmlns:p16="http://schemas.microsoft.com/office/powerpoint/2015/main" val="1"/>
+              </p:ext>
+            </p:extLst>
+          </p:nvPr>
+        </p:nvCxnSpPr>
+        <p:spPr>
+          <a:xfrm>
+            <a:off x="0" y="6128413"/>
+            <a:ext cx="12192000" cy="0"/>
+          </a:xfrm>
+          <a:prstGeom prst="line">
+            <a:avLst/>
+          </a:prstGeom>
+          <a:ln w="12700">
+            <a:solidFill>
+              <a:srgbClr val="000001">
+                <a:alpha val="20000"/>
+              </a:srgbClr>
+            </a:solidFill>
+          </a:ln>
+        </p:spPr>
+        <p:style>
+          <a:lnRef idx="1">
+            <a:schemeClr val="accent1"/>
+          </a:lnRef>
+          <a:fillRef idx="0">
+            <a:schemeClr val="accent1"/>
+          </a:fillRef>
+          <a:effectRef idx="0">
+            <a:schemeClr val="accent1"/>
+          </a:effectRef>
+          <a:fontRef idx="minor">
+            <a:schemeClr val="tx1"/>
+          </a:fontRef>
+        </p:style>
+      </p:cxnSp>
+    </p:spTree>
+    <p:extLst>
+      <p:ext uri="{BB962C8B-B14F-4D97-AF65-F5344CB8AC3E}">
+        <p14:creationId xmlns:p14="http://schemas.microsoft.com/office/powerpoint/2010/main" val="1785784091"/>
+      </p:ext>
+    </p:extLst>
+  </p:cSld>
+  <p:clrMapOvr>
+    <a:masterClrMapping/>
+  </p:clrMapOvr>
+</p:sld>
+</file>
+
+<file path=ppt/slides/slide12.xml><?xml version="1.0" encoding="utf-8"?>
+<p:sld xmlns:a="http://schemas.openxmlformats.org/drawingml/2006/main" xmlns:r="http://schemas.openxmlformats.org/officeDocument/2006/relationships" xmlns:p="http://schemas.openxmlformats.org/presentationml/2006/main">
+  <p:cSld>
+    <p:bg>
+      <p:bgPr>
+        <a:gradFill rotWithShape="1">
+          <a:gsLst>
+            <a:gs pos="0">
+              <a:schemeClr val="bg2">
+                <a:tint val="94000"/>
+                <a:satMod val="80000"/>
+                <a:lumMod val="106000"/>
+              </a:schemeClr>
+            </a:gs>
+            <a:gs pos="100000">
+              <a:schemeClr val="bg2">
+                <a:shade val="80000"/>
+              </a:schemeClr>
+            </a:gs>
+          </a:gsLst>
+          <a:path path="circle">
+            <a:fillToRect l="43000" r="43000" b="100000"/>
+          </a:path>
+        </a:gradFill>
+        <a:effectLst/>
+      </p:bgPr>
+    </p:bg>
+    <p:spTree>
+      <p:nvGrpSpPr>
+        <p:cNvPr id="1" name=""/>
+        <p:cNvGrpSpPr/>
+        <p:nvPr/>
+      </p:nvGrpSpPr>
+      <p:grpSpPr>
+        <a:xfrm>
+          <a:off x="0" y="0"/>
+          <a:ext cx="0" cy="0"/>
+          <a:chOff x="0" y="0"/>
+          <a:chExt cx="0" cy="0"/>
+        </a:xfrm>
+      </p:grpSpPr>
+      <p:sp>
+        <p:nvSpPr>
+          <p:cNvPr id="32" name="Rectangle 13">
+            <a:extLst>
+              <a:ext uri="{FF2B5EF4-FFF2-40B4-BE49-F238E27FC236}">
+                <a16:creationId xmlns:a16="http://schemas.microsoft.com/office/drawing/2014/main" id="{EEA869E1-F851-4A52-92F5-77E592B76A5B}"/>
+              </a:ext>
+              <a:ext uri="{C183D7F6-B498-43B3-948B-1728B52AA6E4}">
+                <adec:decorative xmlns:adec="http://schemas.microsoft.com/office/drawing/2017/decorative" val="1"/>
+              </a:ext>
+            </a:extLst>
+          </p:cNvPr>
+          <p:cNvSpPr>
+            <a:spLocks noGrp="1" noRot="1" noChangeAspect="1" noMove="1" noResize="1" noEditPoints="1" noAdjustHandles="1" noChangeArrowheads="1" noChangeShapeType="1" noTextEdit="1"/>
+          </p:cNvSpPr>
+          <p:nvPr>
+            <p:extLst>
+              <p:ext uri="{386F3935-93C4-4BCD-93E2-E3B085C9AB24}">
+                <p16:designElem xmlns:p16="http://schemas.microsoft.com/office/powerpoint/2015/main" val="1"/>
+              </p:ext>
+            </p:extLst>
+          </p:nvPr>
+        </p:nvSpPr>
+        <p:spPr>
+          <a:xfrm>
+            <a:off x="0" y="2019476"/>
+            <a:ext cx="12192000" cy="4105941"/>
+          </a:xfrm>
+          <a:prstGeom prst="rect">
+            <a:avLst/>
+          </a:prstGeom>
+          <a:gradFill flip="none" rotWithShape="1">
+            <a:gsLst>
+              <a:gs pos="0">
+                <a:schemeClr val="bg2">
+                  <a:alpha val="0"/>
+                </a:schemeClr>
+              </a:gs>
+              <a:gs pos="100000">
+                <a:schemeClr val="bg2"/>
+              </a:gs>
+            </a:gsLst>
+            <a:lin ang="5400000" scaled="0"/>
+            <a:tileRect/>
+          </a:gradFill>
+          <a:ln>
+            <a:noFill/>
+          </a:ln>
+        </p:spPr>
+        <p:style>
+          <a:lnRef idx="2">
+            <a:schemeClr val="accent1">
+              <a:shade val="50000"/>
+            </a:schemeClr>
+          </a:lnRef>
+          <a:fillRef idx="1">
+            <a:schemeClr val="accent1"/>
+          </a:fillRef>
+          <a:effectRef idx="0">
+            <a:schemeClr val="accent1"/>
+          </a:effectRef>
+          <a:fontRef idx="minor">
+            <a:schemeClr val="lt1"/>
+          </a:fontRef>
+        </p:style>
+      </p:sp>
+      <p:pic>
+        <p:nvPicPr>
+          <p:cNvPr id="33" name="Picture 15">
+            <a:extLst>
+              <a:ext uri="{FF2B5EF4-FFF2-40B4-BE49-F238E27FC236}">
+                <a16:creationId xmlns:a16="http://schemas.microsoft.com/office/drawing/2014/main" id="{B083AD55-8296-44BD-8E14-DD2DDBC351B0}"/>
+              </a:ext>
+              <a:ext uri="{C183D7F6-B498-43B3-948B-1728B52AA6E4}">
+                <adec:decorative xmlns:adec="http://schemas.microsoft.com/office/drawing/2017/decorative" val="1"/>
+              </a:ext>
+            </a:extLst>
+          </p:cNvPr>
+          <p:cNvPicPr>
+            <a:picLocks noGrp="1" noRot="1" noChangeAspect="1" noMove="1" noResize="1" noEditPoints="1" noAdjustHandles="1" noChangeArrowheads="1" noChangeShapeType="1" noCrop="1"/>
+          </p:cNvPicPr>
+          <p:nvPr>
+            <p:extLst>
+              <p:ext uri="{386F3935-93C4-4BCD-93E2-E3B085C9AB24}">
+                <p16:designElem xmlns:p16="http://schemas.microsoft.com/office/powerpoint/2015/main" val="1"/>
+              </p:ext>
+            </p:extLst>
+          </p:nvPr>
+        </p:nvPicPr>
+        <p:blipFill rotWithShape="1">
+          <a:blip r:embed="rId3">
+            <a:extLst>
+              <a:ext uri="{28A0092B-C50C-407E-A947-70E740481C1C}">
+                <a14:useLocalDpi xmlns:a14="http://schemas.microsoft.com/office/drawing/2010/main" val="0"/>
+              </a:ext>
+            </a:extLst>
+          </a:blip>
+          <a:srcRect t="1538" b="-1538"/>
+          <a:stretch/>
+        </p:blipFill>
+        <p:spPr bwMode="black">
+          <a:xfrm>
+            <a:off x="0" y="6126480"/>
+            <a:ext cx="12192000" cy="742950"/>
+          </a:xfrm>
+          <a:prstGeom prst="rect">
+            <a:avLst/>
+          </a:prstGeom>
+        </p:spPr>
+      </p:pic>
+      <p:cxnSp>
+        <p:nvCxnSpPr>
+          <p:cNvPr id="34" name="Straight Connector 17">
+            <a:extLst>
+              <a:ext uri="{FF2B5EF4-FFF2-40B4-BE49-F238E27FC236}">
+                <a16:creationId xmlns:a16="http://schemas.microsoft.com/office/drawing/2014/main" id="{2BF46B26-15FC-4C5A-94FA-AE9ED64B5C20}"/>
+              </a:ext>
+              <a:ext uri="{C183D7F6-B498-43B3-948B-1728B52AA6E4}">
+                <adec:decorative xmlns:adec="http://schemas.microsoft.com/office/drawing/2017/decorative" val="1"/>
+              </a:ext>
+            </a:extLst>
+          </p:cNvPr>
+          <p:cNvCxnSpPr>
+            <a:cxnSpLocks noGrp="1" noRot="1" noChangeAspect="1" noMove="1" noResize="1" noEditPoints="1" noAdjustHandles="1" noChangeArrowheads="1" noChangeShapeType="1"/>
+          </p:cNvCxnSpPr>
+          <p:nvPr>
+            <p:extLst>
+              <p:ext uri="{386F3935-93C4-4BCD-93E2-E3B085C9AB24}">
+                <p16:designElem xmlns:p16="http://schemas.microsoft.com/office/powerpoint/2015/main" val="1"/>
+              </p:ext>
+            </p:extLst>
+          </p:nvPr>
+        </p:nvCxnSpPr>
+        <p:spPr>
+          <a:xfrm>
+            <a:off x="0" y="6128413"/>
+            <a:ext cx="12192000" cy="0"/>
+          </a:xfrm>
+          <a:prstGeom prst="line">
+            <a:avLst/>
+          </a:prstGeom>
+          <a:ln w="12700">
+            <a:solidFill>
+              <a:srgbClr val="000001">
+                <a:alpha val="20000"/>
+              </a:srgbClr>
+            </a:solidFill>
+          </a:ln>
+        </p:spPr>
+        <p:style>
+          <a:lnRef idx="1">
+            <a:schemeClr val="accent1"/>
+          </a:lnRef>
+          <a:fillRef idx="0">
+            <a:schemeClr val="accent1"/>
+          </a:fillRef>
+          <a:effectRef idx="0">
+            <a:schemeClr val="accent1"/>
+          </a:effectRef>
+          <a:fontRef idx="minor">
+            <a:schemeClr val="tx1"/>
+          </a:fontRef>
+        </p:style>
+      </p:cxnSp>
+      <p:cxnSp>
+        <p:nvCxnSpPr>
+          <p:cNvPr id="35" name="Straight Connector 19">
+            <a:extLst>
+              <a:ext uri="{FF2B5EF4-FFF2-40B4-BE49-F238E27FC236}">
+                <a16:creationId xmlns:a16="http://schemas.microsoft.com/office/drawing/2014/main" id="{912F6065-5345-44BD-B66E-5487CCD7A9B9}"/>
+              </a:ext>
+              <a:ext uri="{C183D7F6-B498-43B3-948B-1728B52AA6E4}">
+                <adec:decorative xmlns:adec="http://schemas.microsoft.com/office/drawing/2017/decorative" val="1"/>
+              </a:ext>
+            </a:extLst>
+          </p:cNvPr>
+          <p:cNvCxnSpPr>
+            <a:cxnSpLocks noGrp="1" noRot="1" noChangeAspect="1" noMove="1" noResize="1" noEditPoints="1" noAdjustHandles="1" noChangeArrowheads="1" noChangeShapeType="1"/>
+          </p:cNvCxnSpPr>
+          <p:nvPr>
+            <p:extLst>
+              <p:ext uri="{386F3935-93C4-4BCD-93E2-E3B085C9AB24}">
+                <p16:designElem xmlns:p16="http://schemas.microsoft.com/office/powerpoint/2015/main" val="1"/>
+              </p:ext>
+            </p:extLst>
+          </p:nvPr>
+        </p:nvCxnSpPr>
+        <p:spPr>
+          <a:xfrm>
+            <a:off x="2417780" y="3528542"/>
+            <a:ext cx="8637072" cy="0"/>
+          </a:xfrm>
+          <a:prstGeom prst="line">
+            <a:avLst/>
+          </a:prstGeom>
+          <a:ln w="31750"/>
+        </p:spPr>
+        <p:style>
+          <a:lnRef idx="3">
+            <a:schemeClr val="accent1"/>
+          </a:lnRef>
+          <a:fillRef idx="0">
+            <a:schemeClr val="accent1"/>
+          </a:fillRef>
+          <a:effectRef idx="2">
+            <a:schemeClr val="accent1"/>
+          </a:effectRef>
+          <a:fontRef idx="minor">
+            <a:schemeClr val="tx1"/>
+          </a:fontRef>
+        </p:style>
+      </p:cxnSp>
+      <p:sp useBgFill="1">
+        <p:nvSpPr>
+          <p:cNvPr id="36" name="Rectangle 21">
+            <a:extLst>
+              <a:ext uri="{FF2B5EF4-FFF2-40B4-BE49-F238E27FC236}">
+                <a16:creationId xmlns:a16="http://schemas.microsoft.com/office/drawing/2014/main" id="{0EF77632-1A0C-4B9F-829B-226E68A78E9F}"/>
+              </a:ext>
+              <a:ext uri="{C183D7F6-B498-43B3-948B-1728B52AA6E4}">
+                <adec:decorative xmlns:adec="http://schemas.microsoft.com/office/drawing/2017/decorative" val="1"/>
+              </a:ext>
+            </a:extLst>
+          </p:cNvPr>
+          <p:cNvSpPr>
+            <a:spLocks noGrp="1" noRot="1" noChangeAspect="1" noMove="1" noResize="1" noEditPoints="1" noAdjustHandles="1" noChangeArrowheads="1" noChangeShapeType="1" noTextEdit="1"/>
+          </p:cNvSpPr>
+          <p:nvPr>
+            <p:extLst>
+              <p:ext uri="{386F3935-93C4-4BCD-93E2-E3B085C9AB24}">
+                <p16:designElem xmlns:p16="http://schemas.microsoft.com/office/powerpoint/2015/main" val="1"/>
+              </p:ext>
+            </p:extLst>
+          </p:nvPr>
+        </p:nvSpPr>
+        <p:spPr>
+          <a:xfrm>
+            <a:off x="2" y="0"/>
+            <a:ext cx="12191695" cy="6858000"/>
+          </a:xfrm>
+          <a:prstGeom prst="rect">
+            <a:avLst/>
+          </a:prstGeom>
+          <a:ln>
+            <a:noFill/>
+          </a:ln>
+        </p:spPr>
+        <p:style>
+          <a:lnRef idx="2">
+            <a:schemeClr val="accent1">
+              <a:shade val="50000"/>
+            </a:schemeClr>
+          </a:lnRef>
+          <a:fillRef idx="1">
+            <a:schemeClr val="accent1"/>
+          </a:fillRef>
+          <a:effectRef idx="0">
+            <a:schemeClr val="accent1"/>
+          </a:effectRef>
+          <a:fontRef idx="minor">
+            <a:schemeClr val="lt1"/>
+          </a:fontRef>
+        </p:style>
+        <p:txBody>
+          <a:bodyPr rtlCol="0" anchor="ctr"/>
+          <a:lstStyle/>
+          <a:p>
+            <a:pPr algn="ctr"/>
+            <a:endParaRPr lang="en-US"/>
+          </a:p>
+        </p:txBody>
+      </p:sp>
+      <p:sp>
+        <p:nvSpPr>
+          <p:cNvPr id="37" name="Rectangle 23">
+            <a:extLst>
+              <a:ext uri="{FF2B5EF4-FFF2-40B4-BE49-F238E27FC236}">
+                <a16:creationId xmlns:a16="http://schemas.microsoft.com/office/drawing/2014/main" id="{F3DCFC27-6BCE-42B6-8372-070EA07685D7}"/>
+              </a:ext>
+              <a:ext uri="{C183D7F6-B498-43B3-948B-1728B52AA6E4}">
+                <adec:decorative xmlns:adec="http://schemas.microsoft.com/office/drawing/2017/decorative" val="1"/>
+              </a:ext>
+            </a:extLst>
+          </p:cNvPr>
+          <p:cNvSpPr>
+            <a:spLocks noGrp="1" noRot="1" noChangeAspect="1" noMove="1" noResize="1" noEditPoints="1" noAdjustHandles="1" noChangeArrowheads="1" noChangeShapeType="1" noTextEdit="1"/>
+          </p:cNvSpPr>
+          <p:nvPr>
+            <p:extLst>
+              <p:ext uri="{386F3935-93C4-4BCD-93E2-E3B085C9AB24}">
+                <p16:designElem xmlns:p16="http://schemas.microsoft.com/office/powerpoint/2015/main" val="1"/>
+              </p:ext>
+            </p:extLst>
+          </p:nvPr>
+        </p:nvSpPr>
+        <p:spPr>
+          <a:xfrm>
+            <a:off x="0" y="2019476"/>
+            <a:ext cx="12192000" cy="4105941"/>
+          </a:xfrm>
+          <a:prstGeom prst="rect">
+            <a:avLst/>
+          </a:prstGeom>
+          <a:gradFill flip="none" rotWithShape="1">
+            <a:gsLst>
+              <a:gs pos="0">
+                <a:schemeClr val="bg2">
+                  <a:alpha val="0"/>
+                </a:schemeClr>
+              </a:gs>
+              <a:gs pos="100000">
+                <a:schemeClr val="bg2"/>
+              </a:gs>
+            </a:gsLst>
+            <a:lin ang="5400000" scaled="0"/>
+            <a:tileRect/>
+          </a:gradFill>
+          <a:ln>
+            <a:noFill/>
+          </a:ln>
+        </p:spPr>
+        <p:style>
+          <a:lnRef idx="2">
+            <a:schemeClr val="accent1">
+              <a:shade val="50000"/>
+            </a:schemeClr>
+          </a:lnRef>
+          <a:fillRef idx="1">
+            <a:schemeClr val="accent1"/>
+          </a:fillRef>
+          <a:effectRef idx="0">
+            <a:schemeClr val="accent1"/>
+          </a:effectRef>
+          <a:fontRef idx="minor">
+            <a:schemeClr val="lt1"/>
+          </a:fontRef>
+        </p:style>
+        <p:txBody>
+          <a:bodyPr rtlCol="0" anchor="ctr"/>
+          <a:lstStyle/>
+          <a:p>
+            <a:pPr lvl="0" algn="ctr"/>
+            <a:endParaRPr lang="en-US"/>
+          </a:p>
+        </p:txBody>
+      </p:sp>
+      <p:sp>
+        <p:nvSpPr>
+          <p:cNvPr id="2" name="Title 1">
+            <a:extLst>
+              <a:ext uri="{FF2B5EF4-FFF2-40B4-BE49-F238E27FC236}">
+                <a16:creationId xmlns:a16="http://schemas.microsoft.com/office/drawing/2014/main" id="{34CC73FA-ED51-B640-A8A4-E95719356A60}"/>
+              </a:ext>
+            </a:extLst>
+          </p:cNvPr>
+          <p:cNvSpPr>
+            <a:spLocks noGrp="1"/>
+          </p:cNvSpPr>
+          <p:nvPr>
+            <p:ph type="title"/>
+          </p:nvPr>
+        </p:nvSpPr>
+        <p:spPr>
+          <a:xfrm>
+            <a:off x="1776424" y="4460798"/>
+            <a:ext cx="8637073" cy="558063"/>
+          </a:xfrm>
+        </p:spPr>
+        <p:txBody>
+          <a:bodyPr vert="horz" lIns="91440" tIns="45720" rIns="91440" bIns="0" rtlCol="0" anchor="b">
+            <a:normAutofit/>
+          </a:bodyPr>
+          <a:lstStyle/>
+          <a:p>
+            <a:pPr algn="ctr"/>
+            <a:r>
+              <a:rPr lang="en-US" sz="3100" cap="none" dirty="0" err="1"/>
+              <a:t>iTV</a:t>
+            </a:r>
+            <a:r>
+              <a:rPr lang="en-US" sz="3100" cap="none" dirty="0"/>
+              <a:t> Is Older Than iPhone</a:t>
+            </a:r>
+          </a:p>
+        </p:txBody>
+      </p:sp>
+      <p:pic>
+        <p:nvPicPr>
+          <p:cNvPr id="5" name="Content Placeholder 4">
+            <a:extLst>
+              <a:ext uri="{FF2B5EF4-FFF2-40B4-BE49-F238E27FC236}">
+                <a16:creationId xmlns:a16="http://schemas.microsoft.com/office/drawing/2014/main" id="{991A921B-3753-4748-968C-E06EAF808A0D}"/>
+              </a:ext>
+            </a:extLst>
+          </p:cNvPr>
+          <p:cNvPicPr>
+            <a:picLocks noGrp="1" noChangeAspect="1"/>
+          </p:cNvPicPr>
+          <p:nvPr>
+            <p:ph idx="1"/>
+          </p:nvPr>
+        </p:nvPicPr>
+        <p:blipFill>
+          <a:blip r:embed="rId4"/>
+          <a:stretch>
+            <a:fillRect/>
+          </a:stretch>
+        </p:blipFill>
+        <p:spPr>
+          <a:xfrm>
+            <a:off x="2979277" y="457200"/>
+            <a:ext cx="1826157" cy="3239872"/>
+          </a:xfrm>
+          <a:prstGeom prst="rect">
+            <a:avLst/>
+          </a:prstGeom>
+        </p:spPr>
+      </p:pic>
+      <p:cxnSp>
+        <p:nvCxnSpPr>
+          <p:cNvPr id="38" name="Straight Connector 25">
+            <a:extLst>
+              <a:ext uri="{FF2B5EF4-FFF2-40B4-BE49-F238E27FC236}">
+                <a16:creationId xmlns:a16="http://schemas.microsoft.com/office/drawing/2014/main" id="{96A4B1E0-284C-4A01-8141-A24D2B8EE093}"/>
+              </a:ext>
+              <a:ext uri="{C183D7F6-B498-43B3-948B-1728B52AA6E4}">
+                <adec:decorative xmlns:adec="http://schemas.microsoft.com/office/drawing/2017/decorative" val="1"/>
+              </a:ext>
+            </a:extLst>
+          </p:cNvPr>
+          <p:cNvCxnSpPr>
+            <a:cxnSpLocks noGrp="1" noRot="1" noChangeAspect="1" noMove="1" noResize="1" noEditPoints="1" noAdjustHandles="1" noChangeArrowheads="1" noChangeShapeType="1"/>
+          </p:cNvCxnSpPr>
+          <p:nvPr>
+            <p:extLst>
+              <p:ext uri="{386F3935-93C4-4BCD-93E2-E3B085C9AB24}">
+                <p16:designElem xmlns:p16="http://schemas.microsoft.com/office/powerpoint/2015/main" val="1"/>
+              </p:ext>
+            </p:extLst>
+          </p:nvPr>
+        </p:nvCxnSpPr>
+        <p:spPr>
+          <a:xfrm>
+            <a:off x="1776728" y="5027185"/>
+            <a:ext cx="8643010" cy="0"/>
+          </a:xfrm>
+          <a:prstGeom prst="line">
+            <a:avLst/>
+          </a:prstGeom>
+          <a:ln w="31750"/>
+        </p:spPr>
+        <p:style>
+          <a:lnRef idx="3">
+            <a:schemeClr val="accent1"/>
+          </a:lnRef>
+          <a:fillRef idx="0">
+            <a:schemeClr val="accent1"/>
+          </a:fillRef>
+          <a:effectRef idx="2">
+            <a:schemeClr val="accent1"/>
+          </a:effectRef>
+          <a:fontRef idx="minor">
+            <a:schemeClr val="tx1"/>
+          </a:fontRef>
+        </p:style>
+      </p:cxnSp>
+      <p:pic>
+        <p:nvPicPr>
+          <p:cNvPr id="39" name="Picture 27">
+            <a:extLst>
+              <a:ext uri="{FF2B5EF4-FFF2-40B4-BE49-F238E27FC236}">
+                <a16:creationId xmlns:a16="http://schemas.microsoft.com/office/drawing/2014/main" id="{F82046CE-87C5-4670-A404-6AB453F5A928}"/>
+              </a:ext>
+              <a:ext uri="{C183D7F6-B498-43B3-948B-1728B52AA6E4}">
+                <adec:decorative xmlns:adec="http://schemas.microsoft.com/office/drawing/2017/decorative" val="1"/>
+              </a:ext>
+            </a:extLst>
+          </p:cNvPr>
+          <p:cNvPicPr>
+            <a:picLocks noGrp="1" noRot="1" noChangeAspect="1" noMove="1" noResize="1" noEditPoints="1" noAdjustHandles="1" noChangeArrowheads="1" noChangeShapeType="1" noCrop="1"/>
+          </p:cNvPicPr>
+          <p:nvPr>
+            <p:extLst>
+              <p:ext uri="{386F3935-93C4-4BCD-93E2-E3B085C9AB24}">
+                <p16:designElem xmlns:p16="http://schemas.microsoft.com/office/powerpoint/2015/main" val="1"/>
+              </p:ext>
+            </p:extLst>
+          </p:nvPr>
+        </p:nvPicPr>
+        <p:blipFill rotWithShape="1">
+          <a:blip r:embed="rId3">
+            <a:extLst>
+              <a:ext uri="{28A0092B-C50C-407E-A947-70E740481C1C}">
+                <a14:useLocalDpi xmlns:a14="http://schemas.microsoft.com/office/drawing/2010/main" val="0"/>
+              </a:ext>
+            </a:extLst>
+          </a:blip>
+          <a:srcRect t="1538" b="-1538"/>
+          <a:stretch/>
+        </p:blipFill>
+        <p:spPr bwMode="black">
+          <a:xfrm>
+            <a:off x="0" y="6126480"/>
+            <a:ext cx="12192000" cy="742950"/>
+          </a:xfrm>
+          <a:prstGeom prst="rect">
+            <a:avLst/>
+          </a:prstGeom>
+        </p:spPr>
+      </p:pic>
+      <p:cxnSp>
+        <p:nvCxnSpPr>
+          <p:cNvPr id="40" name="Straight Connector 29">
+            <a:extLst>
+              <a:ext uri="{FF2B5EF4-FFF2-40B4-BE49-F238E27FC236}">
+                <a16:creationId xmlns:a16="http://schemas.microsoft.com/office/drawing/2014/main" id="{A224BAD7-5931-4CA6-BB58-0CBCFCFA65A5}"/>
+              </a:ext>
+              <a:ext uri="{C183D7F6-B498-43B3-948B-1728B52AA6E4}">
+                <adec:decorative xmlns:adec="http://schemas.microsoft.com/office/drawing/2017/decorative" val="1"/>
+              </a:ext>
+            </a:extLst>
+          </p:cNvPr>
+          <p:cNvCxnSpPr>
+            <a:cxnSpLocks noGrp="1" noRot="1" noChangeAspect="1" noMove="1" noResize="1" noEditPoints="1" noAdjustHandles="1" noChangeArrowheads="1" noChangeShapeType="1"/>
+          </p:cNvCxnSpPr>
+          <p:nvPr>
+            <p:extLst>
+              <p:ext uri="{386F3935-93C4-4BCD-93E2-E3B085C9AB24}">
+                <p16:designElem xmlns:p16="http://schemas.microsoft.com/office/powerpoint/2015/main" val="1"/>
+              </p:ext>
+            </p:extLst>
+          </p:nvPr>
+        </p:nvCxnSpPr>
+        <p:spPr>
+          <a:xfrm>
+            <a:off x="0" y="6128413"/>
+            <a:ext cx="12192000" cy="0"/>
+          </a:xfrm>
+          <a:prstGeom prst="line">
+            <a:avLst/>
+          </a:prstGeom>
+          <a:ln w="12700">
+            <a:solidFill>
+              <a:srgbClr val="000001">
+                <a:alpha val="20000"/>
+              </a:srgbClr>
+            </a:solidFill>
+          </a:ln>
+        </p:spPr>
+        <p:style>
+          <a:lnRef idx="1">
+            <a:schemeClr val="accent1"/>
+          </a:lnRef>
+          <a:fillRef idx="0">
+            <a:schemeClr val="accent1"/>
+          </a:fillRef>
+          <a:effectRef idx="0">
+            <a:schemeClr val="accent1"/>
+          </a:effectRef>
+          <a:fontRef idx="minor">
+            <a:schemeClr val="tx1"/>
+          </a:fontRef>
+        </p:style>
+      </p:cxnSp>
+      <p:sp>
+        <p:nvSpPr>
+          <p:cNvPr id="11" name="TextBox 10">
+            <a:extLst>
+              <a:ext uri="{FF2B5EF4-FFF2-40B4-BE49-F238E27FC236}">
+                <a16:creationId xmlns:a16="http://schemas.microsoft.com/office/drawing/2014/main" id="{F340989B-AF89-9648-B3E9-1609BC35A849}"/>
+              </a:ext>
+            </a:extLst>
+          </p:cNvPr>
+          <p:cNvSpPr txBox="1"/>
+          <p:nvPr/>
+        </p:nvSpPr>
+        <p:spPr>
+          <a:xfrm>
+            <a:off x="2291147" y="3810836"/>
+            <a:ext cx="3202415" cy="523220"/>
+          </a:xfrm>
+          <a:prstGeom prst="rect">
+            <a:avLst/>
+          </a:prstGeom>
+          <a:noFill/>
+        </p:spPr>
+        <p:txBody>
+          <a:bodyPr wrap="none" rtlCol="0">
+            <a:spAutoFit/>
+          </a:bodyPr>
+          <a:lstStyle/>
+          <a:p>
+            <a:r>
+              <a:rPr lang="en-US" sz="2800" dirty="0">
+                <a:solidFill>
+                  <a:srgbClr val="FF0000"/>
+                </a:solidFill>
+              </a:rPr>
+              <a:t>2007: iPhone 1</a:t>
+            </a:r>
+            <a:r>
+              <a:rPr lang="en-US" sz="2800" baseline="30000" dirty="0">
+                <a:solidFill>
+                  <a:srgbClr val="FF0000"/>
+                </a:solidFill>
+              </a:rPr>
+              <a:t>st</a:t>
+            </a:r>
+            <a:r>
+              <a:rPr lang="en-US" sz="2800" dirty="0">
+                <a:solidFill>
+                  <a:srgbClr val="FF0000"/>
+                </a:solidFill>
+              </a:rPr>
+              <a:t> Gen</a:t>
+            </a:r>
+          </a:p>
+        </p:txBody>
+      </p:sp>
+      <p:sp>
+        <p:nvSpPr>
+          <p:cNvPr id="31" name="TextBox 30">
+            <a:extLst>
+              <a:ext uri="{FF2B5EF4-FFF2-40B4-BE49-F238E27FC236}">
+                <a16:creationId xmlns:a16="http://schemas.microsoft.com/office/drawing/2014/main" id="{5C65FE4B-DF3C-9B4C-A2E7-C4B9BBEC8DFF}"/>
+              </a:ext>
+            </a:extLst>
+          </p:cNvPr>
+          <p:cNvSpPr txBox="1"/>
+          <p:nvPr/>
+        </p:nvSpPr>
+        <p:spPr>
+          <a:xfrm>
+            <a:off x="6832133" y="3797289"/>
+            <a:ext cx="2723118" cy="523220"/>
+          </a:xfrm>
+          <a:prstGeom prst="rect">
+            <a:avLst/>
+          </a:prstGeom>
+          <a:noFill/>
+        </p:spPr>
+        <p:txBody>
+          <a:bodyPr wrap="none" rtlCol="0">
+            <a:spAutoFit/>
+          </a:bodyPr>
+          <a:lstStyle/>
+          <a:p>
+            <a:r>
+              <a:rPr lang="en-US" sz="2800" dirty="0">
+                <a:solidFill>
+                  <a:srgbClr val="FF0000"/>
+                </a:solidFill>
+              </a:rPr>
+              <a:t>2006: </a:t>
+            </a:r>
+            <a:r>
+              <a:rPr lang="en-US" sz="2800" dirty="0" err="1">
+                <a:solidFill>
+                  <a:srgbClr val="FF0000"/>
+                </a:solidFill>
+              </a:rPr>
+              <a:t>iTV</a:t>
+            </a:r>
+            <a:r>
+              <a:rPr lang="en-US" sz="2800" dirty="0">
+                <a:solidFill>
+                  <a:srgbClr val="FF0000"/>
+                </a:solidFill>
+              </a:rPr>
+              <a:t> 1</a:t>
+            </a:r>
+            <a:r>
+              <a:rPr lang="en-US" sz="2800" baseline="30000" dirty="0">
+                <a:solidFill>
+                  <a:srgbClr val="FF0000"/>
+                </a:solidFill>
+              </a:rPr>
+              <a:t>st</a:t>
+            </a:r>
+            <a:r>
+              <a:rPr lang="en-US" sz="2800" dirty="0">
+                <a:solidFill>
+                  <a:srgbClr val="FF0000"/>
+                </a:solidFill>
+              </a:rPr>
+              <a:t> Gen</a:t>
+            </a:r>
+          </a:p>
+        </p:txBody>
+      </p:sp>
+      <p:pic>
+        <p:nvPicPr>
+          <p:cNvPr id="10" name="Picture 9">
+            <a:extLst>
+              <a:ext uri="{FF2B5EF4-FFF2-40B4-BE49-F238E27FC236}">
+                <a16:creationId xmlns:a16="http://schemas.microsoft.com/office/drawing/2014/main" id="{1B29B912-E042-1E46-A3FC-0A236CEF947D}"/>
+              </a:ext>
+            </a:extLst>
+          </p:cNvPr>
+          <p:cNvPicPr>
+            <a:picLocks noChangeAspect="1"/>
+          </p:cNvPicPr>
+          <p:nvPr/>
+        </p:nvPicPr>
+        <p:blipFill>
+          <a:blip r:embed="rId5"/>
+          <a:stretch>
+            <a:fillRect/>
+          </a:stretch>
+        </p:blipFill>
+        <p:spPr>
+          <a:xfrm>
+            <a:off x="5366931" y="699872"/>
+            <a:ext cx="5956300" cy="2997200"/>
+          </a:xfrm>
+          <a:prstGeom prst="rect">
+            <a:avLst/>
+          </a:prstGeom>
+        </p:spPr>
+      </p:pic>
+    </p:spTree>
+    <p:extLst>
+      <p:ext uri="{BB962C8B-B14F-4D97-AF65-F5344CB8AC3E}">
+        <p14:creationId xmlns:p14="http://schemas.microsoft.com/office/powerpoint/2010/main" val="389288555"/>
+      </p:ext>
+    </p:extLst>
+  </p:cSld>
+  <p:clrMapOvr>
+    <a:masterClrMapping/>
+  </p:clrMapOvr>
+</p:sld>
+</file>
+
+<file path=ppt/slides/slide13.xml><?xml version="1.0" encoding="utf-8"?>
 <p:sld xmlns:a="http://schemas.openxmlformats.org/drawingml/2006/main" xmlns:r="http://schemas.openxmlformats.org/officeDocument/2006/relationships" xmlns:p="http://schemas.openxmlformats.org/presentationml/2006/main">
   <p:cSld>
     <p:spTree>
@@ -7528,6 +10165,215 @@
           <p:cNvPr id="2" name="Title 1">
             <a:extLst>
               <a:ext uri="{FF2B5EF4-FFF2-40B4-BE49-F238E27FC236}">
+                <a16:creationId xmlns:a16="http://schemas.microsoft.com/office/drawing/2014/main" id="{EB0B183F-9A81-E641-A513-57D1BCAAE7B2}"/>
+              </a:ext>
+            </a:extLst>
+          </p:cNvPr>
+          <p:cNvSpPr>
+            <a:spLocks noGrp="1"/>
+          </p:cNvSpPr>
+          <p:nvPr>
+            <p:ph type="title"/>
+          </p:nvPr>
+        </p:nvSpPr>
+        <p:spPr/>
+        <p:txBody>
+          <a:bodyPr>
+            <a:normAutofit/>
+          </a:bodyPr>
+          <a:lstStyle/>
+          <a:p>
+            <a:r>
+              <a:rPr lang="en-US" sz="4000" cap="none" dirty="0"/>
+              <a:t>Kinds Of Apple TV App</a:t>
+            </a:r>
+          </a:p>
+        </p:txBody>
+      </p:sp>
+      <p:sp>
+        <p:nvSpPr>
+          <p:cNvPr id="7" name="Content Placeholder 6">
+            <a:extLst>
+              <a:ext uri="{FF2B5EF4-FFF2-40B4-BE49-F238E27FC236}">
+                <a16:creationId xmlns:a16="http://schemas.microsoft.com/office/drawing/2014/main" id="{0303A2EC-88EB-5F49-8366-895D6A30378E}"/>
+              </a:ext>
+            </a:extLst>
+          </p:cNvPr>
+          <p:cNvSpPr>
+            <a:spLocks noGrp="1"/>
+          </p:cNvSpPr>
+          <p:nvPr>
+            <p:ph idx="1"/>
+          </p:nvPr>
+        </p:nvSpPr>
+        <p:spPr/>
+        <p:txBody>
+          <a:bodyPr>
+            <a:normAutofit/>
+          </a:bodyPr>
+          <a:lstStyle/>
+          <a:p>
+            <a:r>
+              <a:rPr lang="en-US" sz="3600" dirty="0"/>
+              <a:t>Traditional app:</a:t>
+            </a:r>
+          </a:p>
+          <a:p>
+            <a:pPr lvl="1"/>
+            <a:r>
+              <a:rPr lang="en-US" sz="3200" dirty="0"/>
+              <a:t>Same techniques and frameworks used by iOS</a:t>
+            </a:r>
+          </a:p>
+          <a:p>
+            <a:r>
+              <a:rPr lang="en-US" sz="3600" dirty="0"/>
+              <a:t>Client-Server app:</a:t>
+            </a:r>
+          </a:p>
+          <a:p>
+            <a:pPr lvl="1"/>
+            <a:r>
+              <a:rPr lang="en-US" sz="3200" dirty="0"/>
+              <a:t>TVML</a:t>
+            </a:r>
+          </a:p>
+        </p:txBody>
+      </p:sp>
+    </p:spTree>
+    <p:extLst>
+      <p:ext uri="{BB962C8B-B14F-4D97-AF65-F5344CB8AC3E}">
+        <p14:creationId xmlns:p14="http://schemas.microsoft.com/office/powerpoint/2010/main" val="258857204"/>
+      </p:ext>
+    </p:extLst>
+  </p:cSld>
+  <p:clrMapOvr>
+    <a:masterClrMapping/>
+  </p:clrMapOvr>
+</p:sld>
+</file>
+
+<file path=ppt/slides/slide14.xml><?xml version="1.0" encoding="utf-8"?>
+<p:sld xmlns:a="http://schemas.openxmlformats.org/drawingml/2006/main" xmlns:r="http://schemas.openxmlformats.org/officeDocument/2006/relationships" xmlns:p="http://schemas.openxmlformats.org/presentationml/2006/main">
+  <p:cSld>
+    <p:spTree>
+      <p:nvGrpSpPr>
+        <p:cNvPr id="1" name=""/>
+        <p:cNvGrpSpPr/>
+        <p:nvPr/>
+      </p:nvGrpSpPr>
+      <p:grpSpPr>
+        <a:xfrm>
+          <a:off x="0" y="0"/>
+          <a:ext cx="0" cy="0"/>
+          <a:chOff x="0" y="0"/>
+          <a:chExt cx="0" cy="0"/>
+        </a:xfrm>
+      </p:grpSpPr>
+      <p:sp>
+        <p:nvSpPr>
+          <p:cNvPr id="2" name="Title 1">
+            <a:extLst>
+              <a:ext uri="{FF2B5EF4-FFF2-40B4-BE49-F238E27FC236}">
+                <a16:creationId xmlns:a16="http://schemas.microsoft.com/office/drawing/2014/main" id="{64ECDC67-571C-B348-A870-1BD490B773E6}"/>
+              </a:ext>
+            </a:extLst>
+          </p:cNvPr>
+          <p:cNvSpPr>
+            <a:spLocks noGrp="1"/>
+          </p:cNvSpPr>
+          <p:nvPr>
+            <p:ph type="title"/>
+          </p:nvPr>
+        </p:nvSpPr>
+        <p:spPr/>
+        <p:txBody>
+          <a:bodyPr/>
+          <a:lstStyle/>
+          <a:p>
+            <a:r>
+              <a:rPr lang="en-US" dirty="0"/>
+              <a:t>Build </a:t>
+            </a:r>
+            <a:r>
+              <a:rPr lang="en-US" dirty="0" err="1"/>
+              <a:t>tvos</a:t>
+            </a:r>
+            <a:r>
+              <a:rPr lang="en-US" dirty="0"/>
+              <a:t> app on </a:t>
+            </a:r>
+            <a:r>
+              <a:rPr lang="en-US" dirty="0" err="1"/>
+              <a:t>ios</a:t>
+            </a:r>
+            <a:r>
+              <a:rPr lang="en-US" dirty="0"/>
+              <a:t> project</a:t>
+            </a:r>
+          </a:p>
+        </p:txBody>
+      </p:sp>
+      <p:sp>
+        <p:nvSpPr>
+          <p:cNvPr id="3" name="Text Placeholder 2">
+            <a:extLst>
+              <a:ext uri="{FF2B5EF4-FFF2-40B4-BE49-F238E27FC236}">
+                <a16:creationId xmlns:a16="http://schemas.microsoft.com/office/drawing/2014/main" id="{37BAC5DA-7319-754C-983F-C160970338B4}"/>
+              </a:ext>
+            </a:extLst>
+          </p:cNvPr>
+          <p:cNvSpPr>
+            <a:spLocks noGrp="1"/>
+          </p:cNvSpPr>
+          <p:nvPr>
+            <p:ph type="body" idx="1"/>
+          </p:nvPr>
+        </p:nvSpPr>
+        <p:spPr/>
+        <p:txBody>
+          <a:bodyPr/>
+          <a:lstStyle/>
+          <a:p>
+            <a:endParaRPr lang="en-US"/>
+          </a:p>
+        </p:txBody>
+      </p:sp>
+    </p:spTree>
+    <p:extLst>
+      <p:ext uri="{BB962C8B-B14F-4D97-AF65-F5344CB8AC3E}">
+        <p14:creationId xmlns:p14="http://schemas.microsoft.com/office/powerpoint/2010/main" val="2159603217"/>
+      </p:ext>
+    </p:extLst>
+  </p:cSld>
+  <p:clrMapOvr>
+    <a:masterClrMapping/>
+  </p:clrMapOvr>
+</p:sld>
+</file>
+
+<file path=ppt/slides/slide15.xml><?xml version="1.0" encoding="utf-8"?>
+<p:sld xmlns:a="http://schemas.openxmlformats.org/drawingml/2006/main" xmlns:r="http://schemas.openxmlformats.org/officeDocument/2006/relationships" xmlns:p="http://schemas.openxmlformats.org/presentationml/2006/main">
+  <p:cSld>
+    <p:spTree>
+      <p:nvGrpSpPr>
+        <p:cNvPr id="1" name=""/>
+        <p:cNvGrpSpPr/>
+        <p:nvPr/>
+      </p:nvGrpSpPr>
+      <p:grpSpPr>
+        <a:xfrm>
+          <a:off x="0" y="0"/>
+          <a:ext cx="0" cy="0"/>
+          <a:chOff x="0" y="0"/>
+          <a:chExt cx="0" cy="0"/>
+        </a:xfrm>
+      </p:grpSpPr>
+      <p:sp>
+        <p:nvSpPr>
+          <p:cNvPr id="2" name="Title 1">
+            <a:extLst>
+              <a:ext uri="{FF2B5EF4-FFF2-40B4-BE49-F238E27FC236}">
                 <a16:creationId xmlns:a16="http://schemas.microsoft.com/office/drawing/2014/main" id="{EB1B544A-9481-1245-A376-C68D2AEC1BC5}"/>
               </a:ext>
             </a:extLst>
@@ -7575,7 +10421,7 @@
             <p:ph idx="1"/>
             <p:extLst>
               <p:ext uri="{D42A27DB-BD31-4B8C-83A1-F6EECF244321}">
-                <p14:modId xmlns:p14="http://schemas.microsoft.com/office/powerpoint/2010/main" val="1803929277"/>
+                <p14:modId xmlns:p14="http://schemas.microsoft.com/office/powerpoint/2010/main" val="2519947104"/>
               </p:ext>
             </p:extLst>
           </p:nvPr>
@@ -7603,7 +10449,7 @@
 </p:sld>
 </file>
 
-<file path=ppt/slides/slide11.xml><?xml version="1.0" encoding="utf-8"?>
+<file path=ppt/slides/slide16.xml><?xml version="1.0" encoding="utf-8"?>
 <p:sld xmlns:a="http://schemas.openxmlformats.org/drawingml/2006/main" xmlns:r="http://schemas.openxmlformats.org/officeDocument/2006/relationships" xmlns:p="http://schemas.openxmlformats.org/presentationml/2006/main">
   <p:cSld>
     <p:spTree>
@@ -7643,7 +10489,7 @@
           <a:p>
             <a:r>
               <a:rPr lang="en-US" dirty="0"/>
-              <a:t>Why not UI code?</a:t>
+              <a:t>Why not sharing UI code?</a:t>
             </a:r>
           </a:p>
         </p:txBody>
@@ -7664,12 +10510,92 @@
             <p:ph idx="1"/>
           </p:nvPr>
         </p:nvSpPr>
-        <p:spPr/>
+        <p:spPr>
+          <a:xfrm>
+            <a:off x="1451579" y="2015732"/>
+            <a:ext cx="9946523" cy="3450613"/>
+          </a:xfrm>
+        </p:spPr>
         <p:txBody>
-          <a:bodyPr/>
+          <a:bodyPr>
+            <a:normAutofit fontScale="92500"/>
+          </a:bodyPr>
           <a:lstStyle/>
           <a:p>
-            <a:endParaRPr lang="en-US" dirty="0"/>
+            <a:r>
+              <a:rPr lang="en-US" sz="3200" dirty="0"/>
+              <a:t>Different devices </a:t>
+            </a:r>
+          </a:p>
+          <a:p>
+            <a:pPr marL="0" indent="0">
+              <a:buNone/>
+            </a:pPr>
+            <a:r>
+              <a:rPr lang="en-US" sz="3200" dirty="0">
+                <a:sym typeface="Wingdings" pitchFamily="2" charset="2"/>
+              </a:rPr>
+              <a:t>	 Different User Behavior </a:t>
+            </a:r>
+          </a:p>
+          <a:p>
+            <a:pPr marL="0" indent="0">
+              <a:buNone/>
+            </a:pPr>
+            <a:r>
+              <a:rPr lang="en-US" sz="3200" dirty="0">
+                <a:sym typeface="Wingdings" pitchFamily="2" charset="2"/>
+              </a:rPr>
+              <a:t>		 Different UI</a:t>
+            </a:r>
+            <a:endParaRPr lang="en-US" sz="3200" dirty="0"/>
+          </a:p>
+          <a:p>
+            <a:r>
+              <a:rPr lang="en-US" sz="3200" dirty="0"/>
+              <a:t>iOS has Orientation meanwhile </a:t>
+            </a:r>
+            <a:r>
+              <a:rPr lang="en-US" sz="3200" dirty="0" err="1"/>
+              <a:t>tvOS</a:t>
+            </a:r>
+            <a:r>
+              <a:rPr lang="en-US" sz="3200" dirty="0"/>
+              <a:t> has Dark/Light mode</a:t>
+            </a:r>
+          </a:p>
+          <a:p>
+            <a:r>
+              <a:rPr lang="en-US" sz="3200" dirty="0"/>
+              <a:t>iOS has </a:t>
+            </a:r>
+            <a:r>
+              <a:rPr lang="en-US" sz="3200" dirty="0" err="1"/>
+              <a:t>WebKit</a:t>
+            </a:r>
+            <a:r>
+              <a:rPr lang="en-US" sz="3200" dirty="0"/>
+              <a:t> meanwhile </a:t>
+            </a:r>
+            <a:r>
+              <a:rPr lang="en-US" sz="3200" dirty="0" err="1"/>
+              <a:t>tvOS</a:t>
+            </a:r>
+            <a:r>
+              <a:rPr lang="en-US" sz="3200" dirty="0"/>
+              <a:t> has </a:t>
+            </a:r>
+            <a:r>
+              <a:rPr lang="en-US" sz="3200" dirty="0" err="1"/>
+              <a:t>TVUIKit</a:t>
+            </a:r>
+            <a:endParaRPr lang="en-US" sz="3200" dirty="0"/>
+          </a:p>
+          <a:p>
+            <a:endParaRPr lang="en-US" sz="3200" dirty="0"/>
+          </a:p>
+          <a:p>
+            <a:endParaRPr lang="en-US" sz="3200" dirty="0"/>
           </a:p>
         </p:txBody>
       </p:sp>
@@ -7686,7 +10612,154 @@
 </p:sld>
 </file>
 
-<file path=ppt/slides/slide12.xml><?xml version="1.0" encoding="utf-8"?>
+<file path=ppt/slides/slide17.xml><?xml version="1.0" encoding="utf-8"?>
+<p:sld xmlns:a="http://schemas.openxmlformats.org/drawingml/2006/main" xmlns:r="http://schemas.openxmlformats.org/officeDocument/2006/relationships" xmlns:p="http://schemas.openxmlformats.org/presentationml/2006/main">
+  <p:cSld>
+    <p:bg>
+      <p:bgPr>
+        <a:gradFill rotWithShape="1">
+          <a:gsLst>
+            <a:gs pos="0">
+              <a:schemeClr val="bg2">
+                <a:tint val="94000"/>
+                <a:satMod val="80000"/>
+                <a:lumMod val="106000"/>
+              </a:schemeClr>
+            </a:gs>
+            <a:gs pos="100000">
+              <a:schemeClr val="bg2">
+                <a:shade val="80000"/>
+              </a:schemeClr>
+            </a:gs>
+          </a:gsLst>
+          <a:path path="circle">
+            <a:fillToRect l="43000" r="43000" b="100000"/>
+          </a:path>
+        </a:gradFill>
+        <a:effectLst/>
+      </p:bgPr>
+    </p:bg>
+    <p:spTree>
+      <p:nvGrpSpPr>
+        <p:cNvPr id="1" name=""/>
+        <p:cNvGrpSpPr/>
+        <p:nvPr/>
+      </p:nvGrpSpPr>
+      <p:grpSpPr>
+        <a:xfrm>
+          <a:off x="0" y="0"/>
+          <a:ext cx="0" cy="0"/>
+          <a:chOff x="0" y="0"/>
+          <a:chExt cx="0" cy="0"/>
+        </a:xfrm>
+      </p:grpSpPr>
+      <p:sp>
+        <p:nvSpPr>
+          <p:cNvPr id="19" name="Rectangle 18">
+            <a:extLst>
+              <a:ext uri="{FF2B5EF4-FFF2-40B4-BE49-F238E27FC236}">
+                <a16:creationId xmlns:a16="http://schemas.microsoft.com/office/drawing/2014/main" id="{7013A21A-6440-4CD4-9FC7-9EB2C702042A}"/>
+              </a:ext>
+              <a:ext uri="{C183D7F6-B498-43B3-948B-1728B52AA6E4}">
+                <adec:decorative xmlns:adec="http://schemas.microsoft.com/office/drawing/2017/decorative" val="1"/>
+              </a:ext>
+            </a:extLst>
+          </p:cNvPr>
+          <p:cNvSpPr>
+            <a:spLocks noGrp="1" noRot="1" noChangeAspect="1" noMove="1" noResize="1" noEditPoints="1" noAdjustHandles="1" noChangeArrowheads="1" noChangeShapeType="1" noTextEdit="1"/>
+          </p:cNvSpPr>
+          <p:nvPr>
+            <p:extLst>
+              <p:ext uri="{386F3935-93C4-4BCD-93E2-E3B085C9AB24}">
+                <p16:designElem xmlns:p16="http://schemas.microsoft.com/office/powerpoint/2015/main" val="1"/>
+              </p:ext>
+            </p:extLst>
+          </p:nvPr>
+        </p:nvSpPr>
+        <p:spPr>
+          <a:xfrm>
+            <a:off x="0" y="0"/>
+            <a:ext cx="12192000" cy="6858000"/>
+          </a:xfrm>
+          <a:prstGeom prst="rect">
+            <a:avLst/>
+          </a:prstGeom>
+          <a:solidFill>
+            <a:schemeClr val="bg1"/>
+          </a:solidFill>
+          <a:ln>
+            <a:noFill/>
+          </a:ln>
+        </p:spPr>
+        <p:style>
+          <a:lnRef idx="2">
+            <a:schemeClr val="accent1">
+              <a:shade val="50000"/>
+            </a:schemeClr>
+          </a:lnRef>
+          <a:fillRef idx="1">
+            <a:schemeClr val="accent1"/>
+          </a:fillRef>
+          <a:effectRef idx="0">
+            <a:schemeClr val="accent1"/>
+          </a:effectRef>
+          <a:fontRef idx="minor">
+            <a:schemeClr val="lt1"/>
+          </a:fontRef>
+        </p:style>
+        <p:txBody>
+          <a:bodyPr rtlCol="0" anchor="ctr"/>
+          <a:lstStyle/>
+          <a:p>
+            <a:pPr algn="ctr"/>
+            <a:endParaRPr lang="en-US"/>
+          </a:p>
+        </p:txBody>
+      </p:sp>
+      <p:pic>
+        <p:nvPicPr>
+          <p:cNvPr id="7" name="Picture 6">
+            <a:extLst>
+              <a:ext uri="{FF2B5EF4-FFF2-40B4-BE49-F238E27FC236}">
+                <a16:creationId xmlns:a16="http://schemas.microsoft.com/office/drawing/2014/main" id="{CB28EBD8-954D-494F-BB81-A461B45946C4}"/>
+              </a:ext>
+            </a:extLst>
+          </p:cNvPr>
+          <p:cNvPicPr>
+            <a:picLocks noChangeAspect="1"/>
+          </p:cNvPicPr>
+          <p:nvPr/>
+        </p:nvPicPr>
+        <p:blipFill>
+          <a:blip r:embed="rId2"/>
+          <a:stretch>
+            <a:fillRect/>
+          </a:stretch>
+        </p:blipFill>
+        <p:spPr>
+          <a:xfrm>
+            <a:off x="1739805" y="315344"/>
+            <a:ext cx="8712389" cy="6227312"/>
+          </a:xfrm>
+          <a:prstGeom prst="rect">
+            <a:avLst/>
+          </a:prstGeom>
+        </p:spPr>
+      </p:pic>
+    </p:spTree>
+    <p:extLst>
+      <p:ext uri="{BB962C8B-B14F-4D97-AF65-F5344CB8AC3E}">
+        <p14:creationId xmlns:p14="http://schemas.microsoft.com/office/powerpoint/2010/main" val="2292368565"/>
+      </p:ext>
+    </p:extLst>
+  </p:cSld>
+  <p:clrMapOvr>
+    <a:masterClrMapping/>
+  </p:clrMapOvr>
+</p:sld>
+</file>
+
+<file path=ppt/slides/slide18.xml><?xml version="1.0" encoding="utf-8"?>
 <p:sld xmlns:a="http://schemas.openxmlformats.org/drawingml/2006/main" xmlns:r="http://schemas.openxmlformats.org/officeDocument/2006/relationships" xmlns:p="http://schemas.openxmlformats.org/presentationml/2006/main">
   <p:cSld>
     <p:spTree>
@@ -7721,11 +10794,13 @@
         </p:nvSpPr>
         <p:spPr/>
         <p:txBody>
-          <a:bodyPr/>
+          <a:bodyPr>
+            <a:normAutofit/>
+          </a:bodyPr>
           <a:lstStyle/>
           <a:p>
             <a:r>
-              <a:rPr lang="en-US" dirty="0"/>
+              <a:rPr lang="en-US" sz="4400" dirty="0"/>
               <a:t>Fastlane</a:t>
             </a:r>
           </a:p>
@@ -7749,26 +10824,44 @@
         </p:nvSpPr>
         <p:spPr/>
         <p:txBody>
-          <a:bodyPr/>
+          <a:bodyPr>
+            <a:normAutofit/>
+          </a:bodyPr>
           <a:lstStyle/>
           <a:p>
             <a:r>
-              <a:rPr lang="en-US" dirty="0"/>
+              <a:rPr lang="en-US" sz="4000" dirty="0"/>
               <a:t>Fastlane is not supporting </a:t>
             </a:r>
             <a:r>
-              <a:rPr lang="en-US" dirty="0" err="1"/>
+              <a:rPr lang="en-US" sz="4000" dirty="0" err="1"/>
               <a:t>tvOS</a:t>
             </a:r>
             <a:r>
-              <a:rPr lang="en-US" dirty="0"/>
+              <a:rPr lang="en-US" sz="4000" dirty="0"/>
               <a:t> officially </a:t>
             </a:r>
           </a:p>
           <a:p>
             <a:r>
-              <a:rPr lang="en-US" dirty="0"/>
-              <a:t>But it’s still working well though</a:t>
+              <a:rPr lang="en-US" sz="4000" dirty="0"/>
+              <a:t>Using </a:t>
+            </a:r>
+            <a:r>
+              <a:rPr lang="en-US" sz="4000" b="1" i="1" dirty="0"/>
+              <a:t>platform </a:t>
+            </a:r>
+            <a:r>
+              <a:rPr lang="en-US" sz="4000" b="1" i="1"/>
+              <a:t>tvos</a:t>
+            </a:r>
+            <a:r>
+              <a:rPr lang="en-US" sz="4000"/>
+              <a:t> </a:t>
+            </a:r>
+            <a:r>
+              <a:rPr lang="en-US" sz="4000" dirty="0"/>
+              <a:t>to define lane</a:t>
             </a:r>
           </a:p>
         </p:txBody>
@@ -7777,6 +10870,150 @@
     <p:extLst>
       <p:ext uri="{BB962C8B-B14F-4D97-AF65-F5344CB8AC3E}">
         <p14:creationId xmlns:p14="http://schemas.microsoft.com/office/powerpoint/2010/main" val="2157011220"/>
+      </p:ext>
+    </p:extLst>
+  </p:cSld>
+  <p:clrMapOvr>
+    <a:masterClrMapping/>
+  </p:clrMapOvr>
+</p:sld>
+</file>
+
+<file path=ppt/slides/slide19.xml><?xml version="1.0" encoding="utf-8"?>
+<p:sld xmlns:a="http://schemas.openxmlformats.org/drawingml/2006/main" xmlns:r="http://schemas.openxmlformats.org/officeDocument/2006/relationships" xmlns:p="http://schemas.openxmlformats.org/presentationml/2006/main">
+  <p:cSld>
+    <p:bg>
+      <p:bgPr>
+        <a:gradFill rotWithShape="1">
+          <a:gsLst>
+            <a:gs pos="0">
+              <a:schemeClr val="bg2">
+                <a:tint val="94000"/>
+                <a:satMod val="80000"/>
+                <a:lumMod val="106000"/>
+              </a:schemeClr>
+            </a:gs>
+            <a:gs pos="100000">
+              <a:schemeClr val="bg2">
+                <a:shade val="80000"/>
+              </a:schemeClr>
+            </a:gs>
+          </a:gsLst>
+          <a:path path="circle">
+            <a:fillToRect l="43000" r="43000" b="100000"/>
+          </a:path>
+        </a:gradFill>
+        <a:effectLst/>
+      </p:bgPr>
+    </p:bg>
+    <p:spTree>
+      <p:nvGrpSpPr>
+        <p:cNvPr id="1" name=""/>
+        <p:cNvGrpSpPr/>
+        <p:nvPr/>
+      </p:nvGrpSpPr>
+      <p:grpSpPr>
+        <a:xfrm>
+          <a:off x="0" y="0"/>
+          <a:ext cx="0" cy="0"/>
+          <a:chOff x="0" y="0"/>
+          <a:chExt cx="0" cy="0"/>
+        </a:xfrm>
+      </p:grpSpPr>
+      <p:sp useBgFill="1">
+        <p:nvSpPr>
+          <p:cNvPr id="8" name="Rectangle 7">
+            <a:extLst>
+              <a:ext uri="{FF2B5EF4-FFF2-40B4-BE49-F238E27FC236}">
+                <a16:creationId xmlns:a16="http://schemas.microsoft.com/office/drawing/2014/main" id="{62C9703D-C8F9-44AD-A7C0-C2F3871F8C1B}"/>
+              </a:ext>
+              <a:ext uri="{C183D7F6-B498-43B3-948B-1728B52AA6E4}">
+                <adec:decorative xmlns:adec="http://schemas.microsoft.com/office/drawing/2017/decorative" val="1"/>
+              </a:ext>
+            </a:extLst>
+          </p:cNvPr>
+          <p:cNvSpPr>
+            <a:spLocks noGrp="1" noRot="1" noChangeAspect="1" noMove="1" noResize="1" noEditPoints="1" noAdjustHandles="1" noChangeArrowheads="1" noChangeShapeType="1" noTextEdit="1"/>
+          </p:cNvSpPr>
+          <p:nvPr>
+            <p:extLst>
+              <p:ext uri="{386F3935-93C4-4BCD-93E2-E3B085C9AB24}">
+                <p16:designElem xmlns:p16="http://schemas.microsoft.com/office/powerpoint/2015/main" val="1"/>
+              </p:ext>
+            </p:extLst>
+          </p:nvPr>
+        </p:nvSpPr>
+        <p:spPr>
+          <a:xfrm>
+            <a:off x="0" y="0"/>
+            <a:ext cx="12192000" cy="6160168"/>
+          </a:xfrm>
+          <a:prstGeom prst="rect">
+            <a:avLst/>
+          </a:prstGeom>
+          <a:ln>
+            <a:noFill/>
+          </a:ln>
+        </p:spPr>
+        <p:style>
+          <a:lnRef idx="2">
+            <a:schemeClr val="accent1">
+              <a:shade val="50000"/>
+            </a:schemeClr>
+          </a:lnRef>
+          <a:fillRef idx="1">
+            <a:schemeClr val="accent1"/>
+          </a:fillRef>
+          <a:effectRef idx="0">
+            <a:schemeClr val="accent1"/>
+          </a:effectRef>
+          <a:fontRef idx="minor">
+            <a:schemeClr val="lt1"/>
+          </a:fontRef>
+        </p:style>
+        <p:txBody>
+          <a:bodyPr rtlCol="0" anchor="ctr"/>
+          <a:lstStyle/>
+          <a:p>
+            <a:pPr algn="ctr"/>
+            <a:endParaRPr lang="en-US"/>
+          </a:p>
+        </p:txBody>
+      </p:sp>
+      <p:pic>
+        <p:nvPicPr>
+          <p:cNvPr id="3" name="Picture 2">
+            <a:extLst>
+              <a:ext uri="{FF2B5EF4-FFF2-40B4-BE49-F238E27FC236}">
+                <a16:creationId xmlns:a16="http://schemas.microsoft.com/office/drawing/2014/main" id="{06650955-9229-704C-99A7-736EF0BCBFEB}"/>
+              </a:ext>
+            </a:extLst>
+          </p:cNvPr>
+          <p:cNvPicPr>
+            <a:picLocks noChangeAspect="1"/>
+          </p:cNvPicPr>
+          <p:nvPr/>
+        </p:nvPicPr>
+        <p:blipFill>
+          <a:blip r:embed="rId2"/>
+          <a:stretch>
+            <a:fillRect/>
+          </a:stretch>
+        </p:blipFill>
+        <p:spPr>
+          <a:xfrm>
+            <a:off x="3056641" y="643467"/>
+            <a:ext cx="6078718" cy="4873234"/>
+          </a:xfrm>
+          <a:prstGeom prst="rect">
+            <a:avLst/>
+          </a:prstGeom>
+        </p:spPr>
+      </p:pic>
+    </p:spTree>
+    <p:extLst>
+      <p:ext uri="{BB962C8B-B14F-4D97-AF65-F5344CB8AC3E}">
+        <p14:creationId xmlns:p14="http://schemas.microsoft.com/office/powerpoint/2010/main" val="2436268925"/>
       </p:ext>
     </p:extLst>
   </p:cSld>
@@ -7808,7 +11045,7 @@
           <p:cNvPr id="2" name="Title 1">
             <a:extLst>
               <a:ext uri="{FF2B5EF4-FFF2-40B4-BE49-F238E27FC236}">
-                <a16:creationId xmlns:a16="http://schemas.microsoft.com/office/drawing/2014/main" id="{744C9CE7-901A-1549-9601-2A8EA6627793}"/>
+                <a16:creationId xmlns:a16="http://schemas.microsoft.com/office/drawing/2014/main" id="{E9564D8B-C7F0-2A49-BA30-FEF953E55AF4}"/>
               </a:ext>
             </a:extLst>
           </p:cNvPr>
@@ -7816,27 +11053,61 @@
             <a:spLocks noGrp="1"/>
           </p:cNvSpPr>
           <p:nvPr>
-            <p:ph type="title"/>
-          </p:nvPr>
-        </p:nvSpPr>
-        <p:spPr/>
+            <p:ph type="ctrTitle"/>
+          </p:nvPr>
+        </p:nvSpPr>
+        <p:spPr>
+          <a:xfrm>
+            <a:off x="2417779" y="802298"/>
+            <a:ext cx="8637073" cy="2541431"/>
+          </a:xfrm>
+        </p:spPr>
         <p:txBody>
-          <a:bodyPr/>
+          <a:bodyPr>
+            <a:normAutofit fontScale="90000"/>
+          </a:bodyPr>
           <a:lstStyle/>
           <a:p>
+            <a:pPr algn="ctr"/>
             <a:r>
               <a:rPr lang="en-US" dirty="0"/>
-              <a:t>Agenda</a:t>
+              <a:t>How to Build a </a:t>
+            </a:r>
+            <a:r>
+              <a:rPr lang="en-US" cap="none" dirty="0" err="1">
+                <a:latin typeface="Gill Sans MT" panose="020B0502020104020203" pitchFamily="34" charset="77"/>
+              </a:rPr>
+              <a:t>tv</a:t>
+            </a:r>
+            <a:r>
+              <a:rPr lang="en-US" dirty="0" err="1"/>
+              <a:t>os</a:t>
+            </a:r>
+            <a:r>
+              <a:rPr lang="en-US" dirty="0"/>
+              <a:t> app on </a:t>
+            </a:r>
+            <a:r>
+              <a:rPr lang="en-US" cap="none" dirty="0" err="1"/>
+              <a:t>i</a:t>
+            </a:r>
+            <a:r>
+              <a:rPr lang="en-US" dirty="0" err="1"/>
+              <a:t>os</a:t>
+            </a:r>
+            <a:r>
+              <a:rPr lang="en-US" dirty="0"/>
+              <a:t> PROJECT</a:t>
             </a:r>
           </a:p>
         </p:txBody>
       </p:sp>
       <p:sp>
         <p:nvSpPr>
-          <p:cNvPr id="3" name="Content Placeholder 2">
+          <p:cNvPr id="3" name="Subtitle 2">
             <a:extLst>
               <a:ext uri="{FF2B5EF4-FFF2-40B4-BE49-F238E27FC236}">
-                <a16:creationId xmlns:a16="http://schemas.microsoft.com/office/drawing/2014/main" id="{AE929395-A778-8D41-AE27-4695C385AC0D}"/>
+                <a16:creationId xmlns:a16="http://schemas.microsoft.com/office/drawing/2014/main" id="{6C66A61E-C536-A442-8F8F-51EFA663ABB4}"/>
               </a:ext>
             </a:extLst>
           </p:cNvPr>
@@ -7844,50 +11115,27 @@
             <a:spLocks noGrp="1"/>
           </p:cNvSpPr>
           <p:nvPr>
-            <p:ph idx="1"/>
-          </p:nvPr>
-        </p:nvSpPr>
-        <p:spPr/>
+            <p:ph type="subTitle" idx="1"/>
+          </p:nvPr>
+        </p:nvSpPr>
+        <p:spPr>
+          <a:xfrm>
+            <a:off x="2417780" y="3531204"/>
+            <a:ext cx="8637072" cy="977621"/>
+          </a:xfrm>
+        </p:spPr>
         <p:txBody>
           <a:bodyPr/>
           <a:lstStyle/>
           <a:p>
-            <a:r>
-              <a:rPr lang="en-US" dirty="0"/>
-              <a:t>Introduce about </a:t>
-            </a:r>
-            <a:r>
-              <a:rPr lang="en-US" dirty="0" err="1"/>
-              <a:t>tvOS</a:t>
-            </a:r>
             <a:endParaRPr lang="en-US" dirty="0"/>
-          </a:p>
-          <a:p>
-            <a:r>
-              <a:rPr lang="en-US" dirty="0"/>
-              <a:t>Build </a:t>
-            </a:r>
-            <a:r>
-              <a:rPr lang="en-US" dirty="0" err="1"/>
-              <a:t>tvOS</a:t>
-            </a:r>
-            <a:r>
-              <a:rPr lang="en-US" dirty="0"/>
-              <a:t> app on current iOS project</a:t>
-            </a:r>
-          </a:p>
-          <a:p>
-            <a:r>
-              <a:rPr lang="en-US" dirty="0"/>
-              <a:t>Demo</a:t>
-            </a:r>
           </a:p>
         </p:txBody>
       </p:sp>
     </p:spTree>
     <p:extLst>
       <p:ext uri="{BB962C8B-B14F-4D97-AF65-F5344CB8AC3E}">
-        <p14:creationId xmlns:p14="http://schemas.microsoft.com/office/powerpoint/2010/main" val="3916253672"/>
+        <p14:creationId xmlns:p14="http://schemas.microsoft.com/office/powerpoint/2010/main" val="1271437351"/>
       </p:ext>
     </p:extLst>
   </p:cSld>
@@ -7897,9 +11145,177 @@
 </p:sld>
 </file>
 
-<file path=ppt/slides/slide3.xml><?xml version="1.0" encoding="utf-8"?>
+<file path=ppt/slides/slide20.xml><?xml version="1.0" encoding="utf-8"?>
 <p:sld xmlns:a="http://schemas.openxmlformats.org/drawingml/2006/main" xmlns:r="http://schemas.openxmlformats.org/officeDocument/2006/relationships" xmlns:p="http://schemas.openxmlformats.org/presentationml/2006/main">
   <p:cSld>
+    <p:bg>
+      <p:bgPr>
+        <a:gradFill rotWithShape="1">
+          <a:gsLst>
+            <a:gs pos="0">
+              <a:schemeClr val="bg2">
+                <a:tint val="94000"/>
+                <a:satMod val="80000"/>
+                <a:lumMod val="106000"/>
+              </a:schemeClr>
+            </a:gs>
+            <a:gs pos="100000">
+              <a:schemeClr val="bg2">
+                <a:shade val="80000"/>
+              </a:schemeClr>
+            </a:gs>
+          </a:gsLst>
+          <a:path path="circle">
+            <a:fillToRect l="43000" r="43000" b="100000"/>
+          </a:path>
+        </a:gradFill>
+        <a:effectLst/>
+      </p:bgPr>
+    </p:bg>
+    <p:spTree>
+      <p:nvGrpSpPr>
+        <p:cNvPr id="1" name=""/>
+        <p:cNvGrpSpPr/>
+        <p:nvPr/>
+      </p:nvGrpSpPr>
+      <p:grpSpPr>
+        <a:xfrm>
+          <a:off x="0" y="0"/>
+          <a:ext cx="0" cy="0"/>
+          <a:chOff x="0" y="0"/>
+          <a:chExt cx="0" cy="0"/>
+        </a:xfrm>
+      </p:grpSpPr>
+      <p:sp useBgFill="1">
+        <p:nvSpPr>
+          <p:cNvPr id="15" name="Rectangle 12">
+            <a:extLst>
+              <a:ext uri="{FF2B5EF4-FFF2-40B4-BE49-F238E27FC236}">
+                <a16:creationId xmlns:a16="http://schemas.microsoft.com/office/drawing/2014/main" id="{62C9703D-C8F9-44AD-A7C0-C2F3871F8C1B}"/>
+              </a:ext>
+              <a:ext uri="{C183D7F6-B498-43B3-948B-1728B52AA6E4}">
+                <adec:decorative xmlns:adec="http://schemas.microsoft.com/office/drawing/2017/decorative" val="1"/>
+              </a:ext>
+            </a:extLst>
+          </p:cNvPr>
+          <p:cNvSpPr>
+            <a:spLocks noGrp="1" noRot="1" noChangeAspect="1" noMove="1" noResize="1" noEditPoints="1" noAdjustHandles="1" noChangeArrowheads="1" noChangeShapeType="1" noTextEdit="1"/>
+          </p:cNvSpPr>
+          <p:nvPr>
+            <p:extLst>
+              <p:ext uri="{386F3935-93C4-4BCD-93E2-E3B085C9AB24}">
+                <p16:designElem xmlns:p16="http://schemas.microsoft.com/office/powerpoint/2015/main" val="1"/>
+              </p:ext>
+            </p:extLst>
+          </p:nvPr>
+        </p:nvSpPr>
+        <p:spPr>
+          <a:xfrm>
+            <a:off x="0" y="0"/>
+            <a:ext cx="12192000" cy="6160168"/>
+          </a:xfrm>
+          <a:prstGeom prst="rect">
+            <a:avLst/>
+          </a:prstGeom>
+          <a:ln>
+            <a:noFill/>
+          </a:ln>
+        </p:spPr>
+        <p:style>
+          <a:lnRef idx="2">
+            <a:schemeClr val="accent1">
+              <a:shade val="50000"/>
+            </a:schemeClr>
+          </a:lnRef>
+          <a:fillRef idx="1">
+            <a:schemeClr val="accent1"/>
+          </a:fillRef>
+          <a:effectRef idx="0">
+            <a:schemeClr val="accent1"/>
+          </a:effectRef>
+          <a:fontRef idx="minor">
+            <a:schemeClr val="lt1"/>
+          </a:fontRef>
+        </p:style>
+        <p:txBody>
+          <a:bodyPr rtlCol="0" anchor="ctr"/>
+          <a:lstStyle/>
+          <a:p>
+            <a:pPr algn="ctr"/>
+            <a:endParaRPr lang="en-US"/>
+          </a:p>
+        </p:txBody>
+      </p:sp>
+      <p:pic>
+        <p:nvPicPr>
+          <p:cNvPr id="3" name="Picture 2">
+            <a:extLst>
+              <a:ext uri="{FF2B5EF4-FFF2-40B4-BE49-F238E27FC236}">
+                <a16:creationId xmlns:a16="http://schemas.microsoft.com/office/drawing/2014/main" id="{B504306F-B896-5A4A-9D1B-A795F83BABBF}"/>
+              </a:ext>
+            </a:extLst>
+          </p:cNvPr>
+          <p:cNvPicPr>
+            <a:picLocks noChangeAspect="1"/>
+          </p:cNvPicPr>
+          <p:nvPr/>
+        </p:nvPicPr>
+        <p:blipFill>
+          <a:blip r:embed="rId2"/>
+          <a:stretch>
+            <a:fillRect/>
+          </a:stretch>
+        </p:blipFill>
+        <p:spPr>
+          <a:xfrm>
+            <a:off x="4177879" y="368958"/>
+            <a:ext cx="3836241" cy="5422252"/>
+          </a:xfrm>
+          <a:prstGeom prst="rect">
+            <a:avLst/>
+          </a:prstGeom>
+        </p:spPr>
+      </p:pic>
+    </p:spTree>
+    <p:extLst>
+      <p:ext uri="{BB962C8B-B14F-4D97-AF65-F5344CB8AC3E}">
+        <p14:creationId xmlns:p14="http://schemas.microsoft.com/office/powerpoint/2010/main" val="1215492079"/>
+      </p:ext>
+    </p:extLst>
+  </p:cSld>
+  <p:clrMapOvr>
+    <a:masterClrMapping/>
+  </p:clrMapOvr>
+</p:sld>
+</file>
+
+<file path=ppt/slides/slide21.xml><?xml version="1.0" encoding="utf-8"?>
+<p:sld xmlns:a="http://schemas.openxmlformats.org/drawingml/2006/main" xmlns:r="http://schemas.openxmlformats.org/officeDocument/2006/relationships" xmlns:p="http://schemas.openxmlformats.org/presentationml/2006/main">
+  <p:cSld>
+    <p:bg>
+      <p:bgPr>
+        <a:gradFill rotWithShape="1">
+          <a:gsLst>
+            <a:gs pos="0">
+              <a:schemeClr val="bg2">
+                <a:tint val="94000"/>
+                <a:satMod val="80000"/>
+                <a:lumMod val="106000"/>
+              </a:schemeClr>
+            </a:gs>
+            <a:gs pos="100000">
+              <a:schemeClr val="bg2">
+                <a:shade val="80000"/>
+              </a:schemeClr>
+            </a:gs>
+          </a:gsLst>
+          <a:path path="circle">
+            <a:fillToRect l="43000" r="43000" b="100000"/>
+          </a:path>
+        </a:gradFill>
+        <a:effectLst/>
+      </p:bgPr>
+    </p:bg>
     <p:spTree>
       <p:nvGrpSpPr>
         <p:cNvPr id="1" name=""/>
@@ -7916,10 +11332,356 @@
       </p:grpSpPr>
       <p:sp>
         <p:nvSpPr>
+          <p:cNvPr id="37" name="Rectangle 36">
+            <a:extLst>
+              <a:ext uri="{FF2B5EF4-FFF2-40B4-BE49-F238E27FC236}">
+                <a16:creationId xmlns:a16="http://schemas.microsoft.com/office/drawing/2014/main" id="{E724B9E8-02C8-4B2E-8770-A00A67760DF0}"/>
+              </a:ext>
+              <a:ext uri="{C183D7F6-B498-43B3-948B-1728B52AA6E4}">
+                <adec:decorative xmlns:adec="http://schemas.microsoft.com/office/drawing/2017/decorative" val="1"/>
+              </a:ext>
+            </a:extLst>
+          </p:cNvPr>
+          <p:cNvSpPr>
+            <a:spLocks noGrp="1" noRot="1" noChangeAspect="1" noMove="1" noResize="1" noEditPoints="1" noAdjustHandles="1" noChangeArrowheads="1" noChangeShapeType="1" noTextEdit="1"/>
+          </p:cNvSpPr>
+          <p:nvPr>
+            <p:extLst>
+              <p:ext uri="{386F3935-93C4-4BCD-93E2-E3B085C9AB24}">
+                <p16:designElem xmlns:p16="http://schemas.microsoft.com/office/powerpoint/2015/main" val="1"/>
+              </p:ext>
+            </p:extLst>
+          </p:nvPr>
+        </p:nvSpPr>
+        <p:spPr>
+          <a:xfrm>
+            <a:off x="0" y="2019476"/>
+            <a:ext cx="12192000" cy="4105941"/>
+          </a:xfrm>
+          <a:prstGeom prst="rect">
+            <a:avLst/>
+          </a:prstGeom>
+          <a:gradFill flip="none" rotWithShape="1">
+            <a:gsLst>
+              <a:gs pos="0">
+                <a:schemeClr val="bg2">
+                  <a:alpha val="0"/>
+                </a:schemeClr>
+              </a:gs>
+              <a:gs pos="100000">
+                <a:schemeClr val="bg2"/>
+              </a:gs>
+            </a:gsLst>
+            <a:lin ang="5400000" scaled="0"/>
+            <a:tileRect/>
+          </a:gradFill>
+          <a:ln>
+            <a:noFill/>
+          </a:ln>
+        </p:spPr>
+        <p:style>
+          <a:lnRef idx="2">
+            <a:schemeClr val="accent1">
+              <a:shade val="50000"/>
+            </a:schemeClr>
+          </a:lnRef>
+          <a:fillRef idx="1">
+            <a:schemeClr val="accent1"/>
+          </a:fillRef>
+          <a:effectRef idx="0">
+            <a:schemeClr val="accent1"/>
+          </a:effectRef>
+          <a:fontRef idx="minor">
+            <a:schemeClr val="lt1"/>
+          </a:fontRef>
+        </p:style>
+      </p:sp>
+      <p:pic>
+        <p:nvPicPr>
+          <p:cNvPr id="39" name="Picture 38">
+            <a:extLst>
+              <a:ext uri="{FF2B5EF4-FFF2-40B4-BE49-F238E27FC236}">
+                <a16:creationId xmlns:a16="http://schemas.microsoft.com/office/drawing/2014/main" id="{7B8AE548-0BFA-4792-9962-3375923C7635}"/>
+              </a:ext>
+              <a:ext uri="{C183D7F6-B498-43B3-948B-1728B52AA6E4}">
+                <adec:decorative xmlns:adec="http://schemas.microsoft.com/office/drawing/2017/decorative" val="1"/>
+              </a:ext>
+            </a:extLst>
+          </p:cNvPr>
+          <p:cNvPicPr>
+            <a:picLocks noGrp="1" noRot="1" noChangeAspect="1" noMove="1" noResize="1" noEditPoints="1" noAdjustHandles="1" noChangeArrowheads="1" noChangeShapeType="1" noCrop="1"/>
+          </p:cNvPicPr>
+          <p:nvPr>
+            <p:extLst>
+              <p:ext uri="{386F3935-93C4-4BCD-93E2-E3B085C9AB24}">
+                <p16:designElem xmlns:p16="http://schemas.microsoft.com/office/powerpoint/2015/main" val="1"/>
+              </p:ext>
+            </p:extLst>
+          </p:nvPr>
+        </p:nvPicPr>
+        <p:blipFill rotWithShape="1">
+          <a:blip r:embed="rId2">
+            <a:extLst>
+              <a:ext uri="{28A0092B-C50C-407E-A947-70E740481C1C}">
+                <a14:useLocalDpi xmlns:a14="http://schemas.microsoft.com/office/drawing/2010/main" val="0"/>
+              </a:ext>
+            </a:extLst>
+          </a:blip>
+          <a:srcRect t="1538" b="-1538"/>
+          <a:stretch/>
+        </p:blipFill>
+        <p:spPr bwMode="black">
+          <a:xfrm>
+            <a:off x="0" y="6126480"/>
+            <a:ext cx="12192000" cy="742950"/>
+          </a:xfrm>
+          <a:prstGeom prst="rect">
+            <a:avLst/>
+          </a:prstGeom>
+        </p:spPr>
+      </p:pic>
+      <p:cxnSp>
+        <p:nvCxnSpPr>
+          <p:cNvPr id="41" name="Straight Connector 40">
+            <a:extLst>
+              <a:ext uri="{FF2B5EF4-FFF2-40B4-BE49-F238E27FC236}">
+                <a16:creationId xmlns:a16="http://schemas.microsoft.com/office/drawing/2014/main" id="{67639EF4-FA83-4D85-90FE-B831AF283896}"/>
+              </a:ext>
+              <a:ext uri="{C183D7F6-B498-43B3-948B-1728B52AA6E4}">
+                <adec:decorative xmlns:adec="http://schemas.microsoft.com/office/drawing/2017/decorative" val="1"/>
+              </a:ext>
+            </a:extLst>
+          </p:cNvPr>
+          <p:cNvCxnSpPr>
+            <a:cxnSpLocks noGrp="1" noRot="1" noChangeAspect="1" noMove="1" noResize="1" noEditPoints="1" noAdjustHandles="1" noChangeArrowheads="1" noChangeShapeType="1"/>
+          </p:cNvCxnSpPr>
+          <p:nvPr>
+            <p:extLst>
+              <p:ext uri="{386F3935-93C4-4BCD-93E2-E3B085C9AB24}">
+                <p16:designElem xmlns:p16="http://schemas.microsoft.com/office/powerpoint/2015/main" val="1"/>
+              </p:ext>
+            </p:extLst>
+          </p:nvPr>
+        </p:nvCxnSpPr>
+        <p:spPr>
+          <a:xfrm>
+            <a:off x="0" y="6128413"/>
+            <a:ext cx="12192000" cy="0"/>
+          </a:xfrm>
+          <a:prstGeom prst="line">
+            <a:avLst/>
+          </a:prstGeom>
+          <a:ln w="12700">
+            <a:solidFill>
+              <a:srgbClr val="000001">
+                <a:alpha val="20000"/>
+              </a:srgbClr>
+            </a:solidFill>
+          </a:ln>
+        </p:spPr>
+        <p:style>
+          <a:lnRef idx="1">
+            <a:schemeClr val="accent1"/>
+          </a:lnRef>
+          <a:fillRef idx="0">
+            <a:schemeClr val="accent1"/>
+          </a:fillRef>
+          <a:effectRef idx="0">
+            <a:schemeClr val="accent1"/>
+          </a:effectRef>
+          <a:fontRef idx="minor">
+            <a:schemeClr val="tx1"/>
+          </a:fontRef>
+        </p:style>
+      </p:cxnSp>
+      <p:cxnSp>
+        <p:nvCxnSpPr>
+          <p:cNvPr id="43" name="Straight Connector 42">
+            <a:extLst>
+              <a:ext uri="{FF2B5EF4-FFF2-40B4-BE49-F238E27FC236}">
+                <a16:creationId xmlns:a16="http://schemas.microsoft.com/office/drawing/2014/main" id="{CC87E76A-8F50-413D-9BFC-C5A1525BD9BC}"/>
+              </a:ext>
+              <a:ext uri="{C183D7F6-B498-43B3-948B-1728B52AA6E4}">
+                <adec:decorative xmlns:adec="http://schemas.microsoft.com/office/drawing/2017/decorative" val="1"/>
+              </a:ext>
+            </a:extLst>
+          </p:cNvPr>
+          <p:cNvCxnSpPr>
+            <a:cxnSpLocks noGrp="1" noRot="1" noChangeAspect="1" noMove="1" noResize="1" noEditPoints="1" noAdjustHandles="1" noChangeArrowheads="1" noChangeShapeType="1"/>
+          </p:cNvCxnSpPr>
+          <p:nvPr>
+            <p:extLst>
+              <p:ext uri="{386F3935-93C4-4BCD-93E2-E3B085C9AB24}">
+                <p16:designElem xmlns:p16="http://schemas.microsoft.com/office/powerpoint/2015/main" val="1"/>
+              </p:ext>
+            </p:extLst>
+          </p:nvPr>
+        </p:nvCxnSpPr>
+        <p:spPr>
+          <a:xfrm>
+            <a:off x="2417780" y="3528542"/>
+            <a:ext cx="8637072" cy="0"/>
+          </a:xfrm>
+          <a:prstGeom prst="line">
+            <a:avLst/>
+          </a:prstGeom>
+          <a:ln w="31750"/>
+        </p:spPr>
+        <p:style>
+          <a:lnRef idx="3">
+            <a:schemeClr val="accent1"/>
+          </a:lnRef>
+          <a:fillRef idx="0">
+            <a:schemeClr val="accent1"/>
+          </a:fillRef>
+          <a:effectRef idx="2">
+            <a:schemeClr val="accent1"/>
+          </a:effectRef>
+          <a:fontRef idx="minor">
+            <a:schemeClr val="tx1"/>
+          </a:fontRef>
+        </p:style>
+      </p:cxnSp>
+      <p:sp useBgFill="1">
+        <p:nvSpPr>
+          <p:cNvPr id="45" name="Rectangle 44">
+            <a:extLst>
+              <a:ext uri="{FF2B5EF4-FFF2-40B4-BE49-F238E27FC236}">
+                <a16:creationId xmlns:a16="http://schemas.microsoft.com/office/drawing/2014/main" id="{0F28EA84-13B4-4494-A4D3-8DE462FF0E6B}"/>
+              </a:ext>
+              <a:ext uri="{C183D7F6-B498-43B3-948B-1728B52AA6E4}">
+                <adec:decorative xmlns:adec="http://schemas.microsoft.com/office/drawing/2017/decorative" val="1"/>
+              </a:ext>
+            </a:extLst>
+          </p:cNvPr>
+          <p:cNvSpPr>
+            <a:spLocks noGrp="1" noRot="1" noChangeAspect="1" noMove="1" noResize="1" noEditPoints="1" noAdjustHandles="1" noChangeArrowheads="1" noChangeShapeType="1" noTextEdit="1"/>
+          </p:cNvSpPr>
+          <p:nvPr>
+            <p:extLst>
+              <p:ext uri="{386F3935-93C4-4BCD-93E2-E3B085C9AB24}">
+                <p16:designElem xmlns:p16="http://schemas.microsoft.com/office/powerpoint/2015/main" val="1"/>
+              </p:ext>
+            </p:extLst>
+          </p:nvPr>
+        </p:nvSpPr>
+        <p:spPr>
+          <a:xfrm>
+            <a:off x="2" y="0"/>
+            <a:ext cx="12191695" cy="6858000"/>
+          </a:xfrm>
+          <a:prstGeom prst="rect">
+            <a:avLst/>
+          </a:prstGeom>
+          <a:ln>
+            <a:noFill/>
+          </a:ln>
+        </p:spPr>
+        <p:style>
+          <a:lnRef idx="2">
+            <a:schemeClr val="accent1">
+              <a:shade val="50000"/>
+            </a:schemeClr>
+          </a:lnRef>
+          <a:fillRef idx="1">
+            <a:schemeClr val="accent1"/>
+          </a:fillRef>
+          <a:effectRef idx="0">
+            <a:schemeClr val="accent1"/>
+          </a:effectRef>
+          <a:fontRef idx="minor">
+            <a:schemeClr val="lt1"/>
+          </a:fontRef>
+        </p:style>
+        <p:txBody>
+          <a:bodyPr rtlCol="0" anchor="ctr"/>
+          <a:lstStyle/>
+          <a:p>
+            <a:pPr algn="ctr"/>
+            <a:endParaRPr lang="en-US"/>
+          </a:p>
+        </p:txBody>
+      </p:sp>
+      <p:sp>
+        <p:nvSpPr>
+          <p:cNvPr id="47" name="Rectangle 46">
+            <a:extLst>
+              <a:ext uri="{FF2B5EF4-FFF2-40B4-BE49-F238E27FC236}">
+                <a16:creationId xmlns:a16="http://schemas.microsoft.com/office/drawing/2014/main" id="{6BEB1B24-66CE-4D63-A39D-2D1B481DF95E}"/>
+              </a:ext>
+              <a:ext uri="{C183D7F6-B498-43B3-948B-1728B52AA6E4}">
+                <adec:decorative xmlns:adec="http://schemas.microsoft.com/office/drawing/2017/decorative" val="1"/>
+              </a:ext>
+            </a:extLst>
+          </p:cNvPr>
+          <p:cNvSpPr>
+            <a:spLocks noGrp="1" noRot="1" noChangeAspect="1" noMove="1" noResize="1" noEditPoints="1" noAdjustHandles="1" noChangeArrowheads="1" noChangeShapeType="1" noTextEdit="1"/>
+          </p:cNvSpPr>
+          <p:nvPr>
+            <p:extLst>
+              <p:ext uri="{386F3935-93C4-4BCD-93E2-E3B085C9AB24}">
+                <p16:designElem xmlns:p16="http://schemas.microsoft.com/office/powerpoint/2015/main" val="1"/>
+              </p:ext>
+            </p:extLst>
+          </p:nvPr>
+        </p:nvSpPr>
+        <p:spPr>
+          <a:xfrm>
+            <a:off x="0" y="2019476"/>
+            <a:ext cx="12192000" cy="4105941"/>
+          </a:xfrm>
+          <a:prstGeom prst="rect">
+            <a:avLst/>
+          </a:prstGeom>
+          <a:gradFill flip="none" rotWithShape="1">
+            <a:gsLst>
+              <a:gs pos="0">
+                <a:schemeClr val="bg2">
+                  <a:alpha val="0"/>
+                </a:schemeClr>
+              </a:gs>
+              <a:gs pos="100000">
+                <a:schemeClr val="bg2"/>
+              </a:gs>
+            </a:gsLst>
+            <a:lin ang="5400000" scaled="0"/>
+            <a:tileRect/>
+          </a:gradFill>
+          <a:ln>
+            <a:noFill/>
+          </a:ln>
+        </p:spPr>
+        <p:style>
+          <a:lnRef idx="2">
+            <a:schemeClr val="accent1">
+              <a:shade val="50000"/>
+            </a:schemeClr>
+          </a:lnRef>
+          <a:fillRef idx="1">
+            <a:schemeClr val="accent1"/>
+          </a:fillRef>
+          <a:effectRef idx="0">
+            <a:schemeClr val="accent1"/>
+          </a:effectRef>
+          <a:fontRef idx="minor">
+            <a:schemeClr val="lt1"/>
+          </a:fontRef>
+        </p:style>
+        <p:txBody>
+          <a:bodyPr rtlCol="0" anchor="ctr"/>
+          <a:lstStyle/>
+          <a:p>
+            <a:pPr lvl="0" algn="ctr"/>
+            <a:endParaRPr lang="en-US"/>
+          </a:p>
+        </p:txBody>
+      </p:sp>
+      <p:sp>
+        <p:nvSpPr>
           <p:cNvPr id="2" name="Title 1">
             <a:extLst>
               <a:ext uri="{FF2B5EF4-FFF2-40B4-BE49-F238E27FC236}">
-                <a16:creationId xmlns:a16="http://schemas.microsoft.com/office/drawing/2014/main" id="{A8C1B46C-AD9F-7F43-A2FB-26949238F1D5}"/>
+                <a16:creationId xmlns:a16="http://schemas.microsoft.com/office/drawing/2014/main" id="{F3321008-BE16-2442-8F02-F3F22FECFDF2}"/>
               </a:ext>
             </a:extLst>
           </p:cNvPr>
@@ -7930,29 +11692,813 @@
             <p:ph type="title"/>
           </p:nvPr>
         </p:nvSpPr>
-        <p:spPr/>
+        <p:spPr>
+          <a:xfrm>
+            <a:off x="659301" y="1474969"/>
+            <a:ext cx="2823919" cy="1868760"/>
+          </a:xfrm>
+        </p:spPr>
         <p:txBody>
-          <a:bodyPr/>
+          <a:bodyPr vert="horz" lIns="91440" tIns="45720" rIns="91440" bIns="0" rtlCol="0" anchor="b">
+            <a:normAutofit/>
+          </a:bodyPr>
           <a:lstStyle/>
           <a:p>
             <a:r>
-              <a:rPr lang="en-US" dirty="0"/>
-              <a:t>Introduce about Apple tv &amp; </a:t>
-            </a:r>
-            <a:r>
-              <a:rPr lang="en-US" dirty="0" err="1"/>
-              <a:t>tvos</a:t>
-            </a:r>
-            <a:endParaRPr lang="en-US" dirty="0"/>
+              <a:rPr lang="en-US" sz="3600"/>
+              <a:t>Run fastlane</a:t>
+            </a:r>
           </a:p>
         </p:txBody>
       </p:sp>
-      <p:sp>
-        <p:nvSpPr>
-          <p:cNvPr id="3" name="Text Placeholder 2">
+      <p:cxnSp>
+        <p:nvCxnSpPr>
+          <p:cNvPr id="49" name="Straight Connector 48">
             <a:extLst>
               <a:ext uri="{FF2B5EF4-FFF2-40B4-BE49-F238E27FC236}">
-                <a16:creationId xmlns:a16="http://schemas.microsoft.com/office/drawing/2014/main" id="{04B439E8-A934-BF4A-AC3B-4C5EBADB9C75}"/>
+                <a16:creationId xmlns:a16="http://schemas.microsoft.com/office/drawing/2014/main" id="{78DE337D-1DBA-4536-8145-B43EE65C747D}"/>
+              </a:ext>
+              <a:ext uri="{C183D7F6-B498-43B3-948B-1728B52AA6E4}">
+                <adec:decorative xmlns:adec="http://schemas.microsoft.com/office/drawing/2017/decorative" val="1"/>
+              </a:ext>
+            </a:extLst>
+          </p:cNvPr>
+          <p:cNvCxnSpPr>
+            <a:cxnSpLocks noGrp="1" noRot="1" noChangeAspect="1" noMove="1" noResize="1" noEditPoints="1" noAdjustHandles="1" noChangeArrowheads="1" noChangeShapeType="1"/>
+          </p:cNvCxnSpPr>
+          <p:nvPr>
+            <p:extLst>
+              <p:ext uri="{386F3935-93C4-4BCD-93E2-E3B085C9AB24}">
+                <p16:designElem xmlns:p16="http://schemas.microsoft.com/office/powerpoint/2015/main" val="1"/>
+              </p:ext>
+            </p:extLst>
+          </p:nvPr>
+        </p:nvCxnSpPr>
+        <p:spPr>
+          <a:xfrm>
+            <a:off x="659301" y="3528543"/>
+            <a:ext cx="2823919" cy="0"/>
+          </a:xfrm>
+          <a:prstGeom prst="line">
+            <a:avLst/>
+          </a:prstGeom>
+          <a:ln w="31750"/>
+        </p:spPr>
+        <p:style>
+          <a:lnRef idx="3">
+            <a:schemeClr val="accent1"/>
+          </a:lnRef>
+          <a:fillRef idx="0">
+            <a:schemeClr val="accent1"/>
+          </a:fillRef>
+          <a:effectRef idx="2">
+            <a:schemeClr val="accent1"/>
+          </a:effectRef>
+          <a:fontRef idx="minor">
+            <a:schemeClr val="tx1"/>
+          </a:fontRef>
+        </p:style>
+      </p:cxnSp>
+      <p:pic>
+        <p:nvPicPr>
+          <p:cNvPr id="11" name="Picture 10">
+            <a:extLst>
+              <a:ext uri="{FF2B5EF4-FFF2-40B4-BE49-F238E27FC236}">
+                <a16:creationId xmlns:a16="http://schemas.microsoft.com/office/drawing/2014/main" id="{8AC03099-C1AC-A845-A467-47A6716C89DA}"/>
+              </a:ext>
+            </a:extLst>
+          </p:cNvPr>
+          <p:cNvPicPr>
+            <a:picLocks noChangeAspect="1"/>
+          </p:cNvPicPr>
+          <p:nvPr/>
+        </p:nvPicPr>
+        <p:blipFill>
+          <a:blip r:embed="rId3"/>
+          <a:stretch>
+            <a:fillRect/>
+          </a:stretch>
+        </p:blipFill>
+        <p:spPr>
+          <a:xfrm>
+            <a:off x="7840069" y="759661"/>
+            <a:ext cx="3693150" cy="1643451"/>
+          </a:xfrm>
+          <a:prstGeom prst="rect">
+            <a:avLst/>
+          </a:prstGeom>
+        </p:spPr>
+      </p:pic>
+      <p:pic>
+        <p:nvPicPr>
+          <p:cNvPr id="7" name="Content Placeholder 6">
+            <a:extLst>
+              <a:ext uri="{FF2B5EF4-FFF2-40B4-BE49-F238E27FC236}">
+                <a16:creationId xmlns:a16="http://schemas.microsoft.com/office/drawing/2014/main" id="{CEB20334-D414-B047-BDF4-84A3B974196C}"/>
+              </a:ext>
+            </a:extLst>
+          </p:cNvPr>
+          <p:cNvPicPr>
+            <a:picLocks noGrp="1" noChangeAspect="1"/>
+          </p:cNvPicPr>
+          <p:nvPr>
+            <p:ph idx="1"/>
+          </p:nvPr>
+        </p:nvPicPr>
+        <p:blipFill>
+          <a:blip r:embed="rId4"/>
+          <a:stretch>
+            <a:fillRect/>
+          </a:stretch>
+        </p:blipFill>
+        <p:spPr>
+          <a:xfrm>
+            <a:off x="4252265" y="2293918"/>
+            <a:ext cx="3687168" cy="1640789"/>
+          </a:xfrm>
+          <a:prstGeom prst="rect">
+            <a:avLst/>
+          </a:prstGeom>
+        </p:spPr>
+      </p:pic>
+      <p:pic>
+        <p:nvPicPr>
+          <p:cNvPr id="9" name="Picture 8">
+            <a:extLst>
+              <a:ext uri="{FF2B5EF4-FFF2-40B4-BE49-F238E27FC236}">
+                <a16:creationId xmlns:a16="http://schemas.microsoft.com/office/drawing/2014/main" id="{65075780-01FC-AE46-A53C-248DA2541747}"/>
+              </a:ext>
+            </a:extLst>
+          </p:cNvPr>
+          <p:cNvPicPr>
+            <a:picLocks noChangeAspect="1"/>
+          </p:cNvPicPr>
+          <p:nvPr/>
+        </p:nvPicPr>
+        <p:blipFill>
+          <a:blip r:embed="rId5"/>
+          <a:stretch>
+            <a:fillRect/>
+          </a:stretch>
+        </p:blipFill>
+        <p:spPr>
+          <a:xfrm>
+            <a:off x="7846051" y="3564045"/>
+            <a:ext cx="3687168" cy="1640789"/>
+          </a:xfrm>
+          <a:prstGeom prst="rect">
+            <a:avLst/>
+          </a:prstGeom>
+        </p:spPr>
+      </p:pic>
+      <p:pic>
+        <p:nvPicPr>
+          <p:cNvPr id="51" name="Picture 50">
+            <a:extLst>
+              <a:ext uri="{FF2B5EF4-FFF2-40B4-BE49-F238E27FC236}">
+                <a16:creationId xmlns:a16="http://schemas.microsoft.com/office/drawing/2014/main" id="{E7233926-059A-41AD-A9F2-56552CF4FF6B}"/>
+              </a:ext>
+              <a:ext uri="{C183D7F6-B498-43B3-948B-1728B52AA6E4}">
+                <adec:decorative xmlns:adec="http://schemas.microsoft.com/office/drawing/2017/decorative" val="1"/>
+              </a:ext>
+            </a:extLst>
+          </p:cNvPr>
+          <p:cNvPicPr>
+            <a:picLocks noGrp="1" noRot="1" noChangeAspect="1" noMove="1" noResize="1" noEditPoints="1" noAdjustHandles="1" noChangeArrowheads="1" noChangeShapeType="1" noCrop="1"/>
+          </p:cNvPicPr>
+          <p:nvPr>
+            <p:extLst>
+              <p:ext uri="{386F3935-93C4-4BCD-93E2-E3B085C9AB24}">
+                <p16:designElem xmlns:p16="http://schemas.microsoft.com/office/powerpoint/2015/main" val="1"/>
+              </p:ext>
+            </p:extLst>
+          </p:nvPr>
+        </p:nvPicPr>
+        <p:blipFill rotWithShape="1">
+          <a:blip r:embed="rId2">
+            <a:extLst>
+              <a:ext uri="{28A0092B-C50C-407E-A947-70E740481C1C}">
+                <a14:useLocalDpi xmlns:a14="http://schemas.microsoft.com/office/drawing/2010/main" val="0"/>
+              </a:ext>
+            </a:extLst>
+          </a:blip>
+          <a:srcRect t="1538" b="-1538"/>
+          <a:stretch/>
+        </p:blipFill>
+        <p:spPr bwMode="black">
+          <a:xfrm>
+            <a:off x="0" y="6126480"/>
+            <a:ext cx="12192000" cy="742950"/>
+          </a:xfrm>
+          <a:prstGeom prst="rect">
+            <a:avLst/>
+          </a:prstGeom>
+        </p:spPr>
+      </p:pic>
+      <p:cxnSp>
+        <p:nvCxnSpPr>
+          <p:cNvPr id="53" name="Straight Connector 52">
+            <a:extLst>
+              <a:ext uri="{FF2B5EF4-FFF2-40B4-BE49-F238E27FC236}">
+                <a16:creationId xmlns:a16="http://schemas.microsoft.com/office/drawing/2014/main" id="{C13C145E-93D4-481E-92DC-736D9EBA37FC}"/>
+              </a:ext>
+              <a:ext uri="{C183D7F6-B498-43B3-948B-1728B52AA6E4}">
+                <adec:decorative xmlns:adec="http://schemas.microsoft.com/office/drawing/2017/decorative" val="1"/>
+              </a:ext>
+            </a:extLst>
+          </p:cNvPr>
+          <p:cNvCxnSpPr>
+            <a:cxnSpLocks noGrp="1" noRot="1" noChangeAspect="1" noMove="1" noResize="1" noEditPoints="1" noAdjustHandles="1" noChangeArrowheads="1" noChangeShapeType="1"/>
+          </p:cNvCxnSpPr>
+          <p:nvPr>
+            <p:extLst>
+              <p:ext uri="{386F3935-93C4-4BCD-93E2-E3B085C9AB24}">
+                <p16:designElem xmlns:p16="http://schemas.microsoft.com/office/powerpoint/2015/main" val="1"/>
+              </p:ext>
+            </p:extLst>
+          </p:nvPr>
+        </p:nvCxnSpPr>
+        <p:spPr>
+          <a:xfrm>
+            <a:off x="0" y="6128413"/>
+            <a:ext cx="12192000" cy="0"/>
+          </a:xfrm>
+          <a:prstGeom prst="line">
+            <a:avLst/>
+          </a:prstGeom>
+          <a:ln w="12700">
+            <a:solidFill>
+              <a:srgbClr val="000001">
+                <a:alpha val="20000"/>
+              </a:srgbClr>
+            </a:solidFill>
+          </a:ln>
+        </p:spPr>
+        <p:style>
+          <a:lnRef idx="1">
+            <a:schemeClr val="accent1"/>
+          </a:lnRef>
+          <a:fillRef idx="0">
+            <a:schemeClr val="accent1"/>
+          </a:fillRef>
+          <a:effectRef idx="0">
+            <a:schemeClr val="accent1"/>
+          </a:effectRef>
+          <a:fontRef idx="minor">
+            <a:schemeClr val="tx1"/>
+          </a:fontRef>
+        </p:style>
+      </p:cxnSp>
+    </p:spTree>
+    <p:extLst>
+      <p:ext uri="{BB962C8B-B14F-4D97-AF65-F5344CB8AC3E}">
+        <p14:creationId xmlns:p14="http://schemas.microsoft.com/office/powerpoint/2010/main" val="1641858401"/>
+      </p:ext>
+    </p:extLst>
+  </p:cSld>
+  <p:clrMapOvr>
+    <a:masterClrMapping/>
+  </p:clrMapOvr>
+</p:sld>
+</file>
+
+<file path=ppt/slides/slide22.xml><?xml version="1.0" encoding="utf-8"?>
+<p:sld xmlns:a="http://schemas.openxmlformats.org/drawingml/2006/main" xmlns:r="http://schemas.openxmlformats.org/officeDocument/2006/relationships" xmlns:p="http://schemas.openxmlformats.org/presentationml/2006/main">
+  <p:cSld>
+    <p:bg>
+      <p:bgPr>
+        <a:gradFill rotWithShape="1">
+          <a:gsLst>
+            <a:gs pos="0">
+              <a:schemeClr val="bg2">
+                <a:tint val="94000"/>
+                <a:satMod val="80000"/>
+                <a:lumMod val="106000"/>
+              </a:schemeClr>
+            </a:gs>
+            <a:gs pos="100000">
+              <a:schemeClr val="bg2">
+                <a:shade val="80000"/>
+              </a:schemeClr>
+            </a:gs>
+          </a:gsLst>
+          <a:path path="circle">
+            <a:fillToRect l="43000" r="43000" b="100000"/>
+          </a:path>
+        </a:gradFill>
+        <a:effectLst/>
+      </p:bgPr>
+    </p:bg>
+    <p:spTree>
+      <p:nvGrpSpPr>
+        <p:cNvPr id="1" name=""/>
+        <p:cNvGrpSpPr/>
+        <p:nvPr/>
+      </p:nvGrpSpPr>
+      <p:grpSpPr>
+        <a:xfrm>
+          <a:off x="0" y="0"/>
+          <a:ext cx="0" cy="0"/>
+          <a:chOff x="0" y="0"/>
+          <a:chExt cx="0" cy="0"/>
+        </a:xfrm>
+      </p:grpSpPr>
+      <p:sp useBgFill="1">
+        <p:nvSpPr>
+          <p:cNvPr id="15" name="Rectangle 14">
+            <a:extLst>
+              <a:ext uri="{FF2B5EF4-FFF2-40B4-BE49-F238E27FC236}">
+                <a16:creationId xmlns:a16="http://schemas.microsoft.com/office/drawing/2014/main" id="{62C9703D-C8F9-44AD-A7C0-C2F3871F8C1B}"/>
+              </a:ext>
+              <a:ext uri="{C183D7F6-B498-43B3-948B-1728B52AA6E4}">
+                <adec:decorative xmlns:adec="http://schemas.microsoft.com/office/drawing/2017/decorative" val="1"/>
+              </a:ext>
+            </a:extLst>
+          </p:cNvPr>
+          <p:cNvSpPr>
+            <a:spLocks noGrp="1" noRot="1" noChangeAspect="1" noMove="1" noResize="1" noEditPoints="1" noAdjustHandles="1" noChangeArrowheads="1" noChangeShapeType="1" noTextEdit="1"/>
+          </p:cNvSpPr>
+          <p:nvPr>
+            <p:extLst>
+              <p:ext uri="{386F3935-93C4-4BCD-93E2-E3B085C9AB24}">
+                <p16:designElem xmlns:p16="http://schemas.microsoft.com/office/powerpoint/2015/main" val="1"/>
+              </p:ext>
+            </p:extLst>
+          </p:nvPr>
+        </p:nvSpPr>
+        <p:spPr>
+          <a:xfrm>
+            <a:off x="0" y="0"/>
+            <a:ext cx="12192000" cy="6160168"/>
+          </a:xfrm>
+          <a:prstGeom prst="rect">
+            <a:avLst/>
+          </a:prstGeom>
+          <a:ln>
+            <a:noFill/>
+          </a:ln>
+        </p:spPr>
+        <p:style>
+          <a:lnRef idx="2">
+            <a:schemeClr val="accent1">
+              <a:shade val="50000"/>
+            </a:schemeClr>
+          </a:lnRef>
+          <a:fillRef idx="1">
+            <a:schemeClr val="accent1"/>
+          </a:fillRef>
+          <a:effectRef idx="0">
+            <a:schemeClr val="accent1"/>
+          </a:effectRef>
+          <a:fontRef idx="minor">
+            <a:schemeClr val="lt1"/>
+          </a:fontRef>
+        </p:style>
+        <p:txBody>
+          <a:bodyPr rtlCol="0" anchor="ctr"/>
+          <a:lstStyle/>
+          <a:p>
+            <a:pPr algn="ctr"/>
+            <a:endParaRPr lang="en-US"/>
+          </a:p>
+        </p:txBody>
+      </p:sp>
+      <p:pic>
+        <p:nvPicPr>
+          <p:cNvPr id="5" name="Picture 4">
+            <a:extLst>
+              <a:ext uri="{FF2B5EF4-FFF2-40B4-BE49-F238E27FC236}">
+                <a16:creationId xmlns:a16="http://schemas.microsoft.com/office/drawing/2014/main" id="{3C9497A6-386F-A146-84C9-494B712CC4A3}"/>
+              </a:ext>
+            </a:extLst>
+          </p:cNvPr>
+          <p:cNvPicPr>
+            <a:picLocks noChangeAspect="1"/>
+          </p:cNvPicPr>
+          <p:nvPr/>
+        </p:nvPicPr>
+        <p:blipFill>
+          <a:blip r:embed="rId2"/>
+          <a:stretch>
+            <a:fillRect/>
+          </a:stretch>
+        </p:blipFill>
+        <p:spPr>
+          <a:xfrm>
+            <a:off x="3708116" y="643467"/>
+            <a:ext cx="4775768" cy="4873234"/>
+          </a:xfrm>
+          <a:prstGeom prst="rect">
+            <a:avLst/>
+          </a:prstGeom>
+        </p:spPr>
+      </p:pic>
+    </p:spTree>
+    <p:extLst>
+      <p:ext uri="{BB962C8B-B14F-4D97-AF65-F5344CB8AC3E}">
+        <p14:creationId xmlns:p14="http://schemas.microsoft.com/office/powerpoint/2010/main" val="1902083126"/>
+      </p:ext>
+    </p:extLst>
+  </p:cSld>
+  <p:clrMapOvr>
+    <a:masterClrMapping/>
+  </p:clrMapOvr>
+</p:sld>
+</file>
+
+<file path=ppt/slides/slide23.xml><?xml version="1.0" encoding="utf-8"?>
+<p:sld xmlns:a="http://schemas.openxmlformats.org/drawingml/2006/main" xmlns:r="http://schemas.openxmlformats.org/officeDocument/2006/relationships" xmlns:p="http://schemas.openxmlformats.org/presentationml/2006/main">
+  <p:cSld>
+    <p:bg>
+      <p:bgPr>
+        <a:gradFill rotWithShape="1">
+          <a:gsLst>
+            <a:gs pos="0">
+              <a:schemeClr val="bg2">
+                <a:tint val="94000"/>
+                <a:satMod val="80000"/>
+                <a:lumMod val="106000"/>
+              </a:schemeClr>
+            </a:gs>
+            <a:gs pos="100000">
+              <a:schemeClr val="bg2">
+                <a:shade val="80000"/>
+              </a:schemeClr>
+            </a:gs>
+          </a:gsLst>
+          <a:path path="circle">
+            <a:fillToRect l="43000" r="43000" b="100000"/>
+          </a:path>
+        </a:gradFill>
+        <a:effectLst/>
+      </p:bgPr>
+    </p:bg>
+    <p:spTree>
+      <p:nvGrpSpPr>
+        <p:cNvPr id="1" name=""/>
+        <p:cNvGrpSpPr/>
+        <p:nvPr/>
+      </p:nvGrpSpPr>
+      <p:grpSpPr>
+        <a:xfrm>
+          <a:off x="0" y="0"/>
+          <a:ext cx="0" cy="0"/>
+          <a:chOff x="0" y="0"/>
+          <a:chExt cx="0" cy="0"/>
+        </a:xfrm>
+      </p:grpSpPr>
+      <p:sp>
+        <p:nvSpPr>
+          <p:cNvPr id="12" name="Rectangle 11">
+            <a:extLst>
+              <a:ext uri="{FF2B5EF4-FFF2-40B4-BE49-F238E27FC236}">
+                <a16:creationId xmlns:a16="http://schemas.microsoft.com/office/drawing/2014/main" id="{0CABCAE3-64FC-4149-819F-2C1812824154}"/>
+              </a:ext>
+              <a:ext uri="{C183D7F6-B498-43B3-948B-1728B52AA6E4}">
+                <adec:decorative xmlns:adec="http://schemas.microsoft.com/office/drawing/2017/decorative" val="1"/>
+              </a:ext>
+            </a:extLst>
+          </p:cNvPr>
+          <p:cNvSpPr>
+            <a:spLocks noGrp="1" noRot="1" noChangeAspect="1" noMove="1" noResize="1" noEditPoints="1" noAdjustHandles="1" noChangeArrowheads="1" noChangeShapeType="1" noTextEdit="1"/>
+          </p:cNvSpPr>
+          <p:nvPr>
+            <p:extLst>
+              <p:ext uri="{386F3935-93C4-4BCD-93E2-E3B085C9AB24}">
+                <p16:designElem xmlns:p16="http://schemas.microsoft.com/office/powerpoint/2015/main" val="1"/>
+              </p:ext>
+            </p:extLst>
+          </p:nvPr>
+        </p:nvSpPr>
+        <p:spPr>
+          <a:xfrm>
+            <a:off x="0" y="2019476"/>
+            <a:ext cx="12192000" cy="4105941"/>
+          </a:xfrm>
+          <a:prstGeom prst="rect">
+            <a:avLst/>
+          </a:prstGeom>
+          <a:gradFill flip="none" rotWithShape="1">
+            <a:gsLst>
+              <a:gs pos="0">
+                <a:schemeClr val="bg2">
+                  <a:alpha val="0"/>
+                </a:schemeClr>
+              </a:gs>
+              <a:gs pos="100000">
+                <a:schemeClr val="bg2"/>
+              </a:gs>
+            </a:gsLst>
+            <a:lin ang="5400000" scaled="0"/>
+            <a:tileRect/>
+          </a:gradFill>
+          <a:ln>
+            <a:noFill/>
+          </a:ln>
+        </p:spPr>
+        <p:style>
+          <a:lnRef idx="2">
+            <a:schemeClr val="accent1">
+              <a:shade val="50000"/>
+            </a:schemeClr>
+          </a:lnRef>
+          <a:fillRef idx="1">
+            <a:schemeClr val="accent1"/>
+          </a:fillRef>
+          <a:effectRef idx="0">
+            <a:schemeClr val="accent1"/>
+          </a:effectRef>
+          <a:fontRef idx="minor">
+            <a:schemeClr val="lt1"/>
+          </a:fontRef>
+        </p:style>
+      </p:sp>
+      <p:pic>
+        <p:nvPicPr>
+          <p:cNvPr id="14" name="Picture 13">
+            <a:extLst>
+              <a:ext uri="{FF2B5EF4-FFF2-40B4-BE49-F238E27FC236}">
+                <a16:creationId xmlns:a16="http://schemas.microsoft.com/office/drawing/2014/main" id="{012FDCFE-9AD2-4D8A-8CBF-B3AA37EBF6DD}"/>
+              </a:ext>
+              <a:ext uri="{C183D7F6-B498-43B3-948B-1728B52AA6E4}">
+                <adec:decorative xmlns:adec="http://schemas.microsoft.com/office/drawing/2017/decorative" val="1"/>
+              </a:ext>
+            </a:extLst>
+          </p:cNvPr>
+          <p:cNvPicPr>
+            <a:picLocks noGrp="1" noRot="1" noChangeAspect="1" noMove="1" noResize="1" noEditPoints="1" noAdjustHandles="1" noChangeArrowheads="1" noChangeShapeType="1" noCrop="1"/>
+          </p:cNvPicPr>
+          <p:nvPr>
+            <p:extLst>
+              <p:ext uri="{386F3935-93C4-4BCD-93E2-E3B085C9AB24}">
+                <p16:designElem xmlns:p16="http://schemas.microsoft.com/office/powerpoint/2015/main" val="1"/>
+              </p:ext>
+            </p:extLst>
+          </p:nvPr>
+        </p:nvPicPr>
+        <p:blipFill rotWithShape="1">
+          <a:blip r:embed="rId2">
+            <a:extLst>
+              <a:ext uri="{28A0092B-C50C-407E-A947-70E740481C1C}">
+                <a14:useLocalDpi xmlns:a14="http://schemas.microsoft.com/office/drawing/2010/main" val="0"/>
+              </a:ext>
+            </a:extLst>
+          </a:blip>
+          <a:srcRect t="1538" b="-1538"/>
+          <a:stretch/>
+        </p:blipFill>
+        <p:spPr bwMode="black">
+          <a:xfrm>
+            <a:off x="0" y="6126480"/>
+            <a:ext cx="12192000" cy="742950"/>
+          </a:xfrm>
+          <a:prstGeom prst="rect">
+            <a:avLst/>
+          </a:prstGeom>
+        </p:spPr>
+      </p:pic>
+      <p:cxnSp>
+        <p:nvCxnSpPr>
+          <p:cNvPr id="16" name="Straight Connector 15">
+            <a:extLst>
+              <a:ext uri="{FF2B5EF4-FFF2-40B4-BE49-F238E27FC236}">
+                <a16:creationId xmlns:a16="http://schemas.microsoft.com/office/drawing/2014/main" id="{FBD463FC-4CA8-4FF4-85A3-AF9F4B98D210}"/>
+              </a:ext>
+              <a:ext uri="{C183D7F6-B498-43B3-948B-1728B52AA6E4}">
+                <adec:decorative xmlns:adec="http://schemas.microsoft.com/office/drawing/2017/decorative" val="1"/>
+              </a:ext>
+            </a:extLst>
+          </p:cNvPr>
+          <p:cNvCxnSpPr>
+            <a:cxnSpLocks noGrp="1" noRot="1" noChangeAspect="1" noMove="1" noResize="1" noEditPoints="1" noAdjustHandles="1" noChangeArrowheads="1" noChangeShapeType="1"/>
+          </p:cNvCxnSpPr>
+          <p:nvPr>
+            <p:extLst>
+              <p:ext uri="{386F3935-93C4-4BCD-93E2-E3B085C9AB24}">
+                <p16:designElem xmlns:p16="http://schemas.microsoft.com/office/powerpoint/2015/main" val="1"/>
+              </p:ext>
+            </p:extLst>
+          </p:nvPr>
+        </p:nvCxnSpPr>
+        <p:spPr>
+          <a:xfrm>
+            <a:off x="0" y="6128413"/>
+            <a:ext cx="12192000" cy="0"/>
+          </a:xfrm>
+          <a:prstGeom prst="line">
+            <a:avLst/>
+          </a:prstGeom>
+          <a:ln w="12700">
+            <a:solidFill>
+              <a:srgbClr val="000001">
+                <a:alpha val="20000"/>
+              </a:srgbClr>
+            </a:solidFill>
+          </a:ln>
+        </p:spPr>
+        <p:style>
+          <a:lnRef idx="1">
+            <a:schemeClr val="accent1"/>
+          </a:lnRef>
+          <a:fillRef idx="0">
+            <a:schemeClr val="accent1"/>
+          </a:fillRef>
+          <a:effectRef idx="0">
+            <a:schemeClr val="accent1"/>
+          </a:effectRef>
+          <a:fontRef idx="minor">
+            <a:schemeClr val="tx1"/>
+          </a:fontRef>
+        </p:style>
+      </p:cxnSp>
+      <p:cxnSp>
+        <p:nvCxnSpPr>
+          <p:cNvPr id="18" name="Straight Connector 17">
+            <a:extLst>
+              <a:ext uri="{FF2B5EF4-FFF2-40B4-BE49-F238E27FC236}">
+                <a16:creationId xmlns:a16="http://schemas.microsoft.com/office/drawing/2014/main" id="{BECF35C3-8B44-4F4B-BD25-4C01823DB22A}"/>
+              </a:ext>
+              <a:ext uri="{C183D7F6-B498-43B3-948B-1728B52AA6E4}">
+                <adec:decorative xmlns:adec="http://schemas.microsoft.com/office/drawing/2017/decorative" val="1"/>
+              </a:ext>
+            </a:extLst>
+          </p:cNvPr>
+          <p:cNvCxnSpPr>
+            <a:cxnSpLocks noGrp="1" noRot="1" noChangeAspect="1" noMove="1" noResize="1" noEditPoints="1" noAdjustHandles="1" noChangeArrowheads="1" noChangeShapeType="1"/>
+          </p:cNvCxnSpPr>
+          <p:nvPr>
+            <p:extLst>
+              <p:ext uri="{386F3935-93C4-4BCD-93E2-E3B085C9AB24}">
+                <p16:designElem xmlns:p16="http://schemas.microsoft.com/office/powerpoint/2015/main" val="1"/>
+              </p:ext>
+            </p:extLst>
+          </p:nvPr>
+        </p:nvCxnSpPr>
+        <p:spPr>
+          <a:xfrm>
+            <a:off x="2417780" y="3528542"/>
+            <a:ext cx="8637072" cy="0"/>
+          </a:xfrm>
+          <a:prstGeom prst="line">
+            <a:avLst/>
+          </a:prstGeom>
+          <a:ln w="31750"/>
+        </p:spPr>
+        <p:style>
+          <a:lnRef idx="3">
+            <a:schemeClr val="accent1"/>
+          </a:lnRef>
+          <a:fillRef idx="0">
+            <a:schemeClr val="accent1"/>
+          </a:fillRef>
+          <a:effectRef idx="2">
+            <a:schemeClr val="accent1"/>
+          </a:effectRef>
+          <a:fontRef idx="minor">
+            <a:schemeClr val="tx1"/>
+          </a:fontRef>
+        </p:style>
+      </p:cxnSp>
+      <p:sp useBgFill="1">
+        <p:nvSpPr>
+          <p:cNvPr id="20" name="Rectangle 19">
+            <a:extLst>
+              <a:ext uri="{FF2B5EF4-FFF2-40B4-BE49-F238E27FC236}">
+                <a16:creationId xmlns:a16="http://schemas.microsoft.com/office/drawing/2014/main" id="{D0712110-0BC1-4B31-B3BB-63B44222E87F}"/>
+              </a:ext>
+              <a:ext uri="{C183D7F6-B498-43B3-948B-1728B52AA6E4}">
+                <adec:decorative xmlns:adec="http://schemas.microsoft.com/office/drawing/2017/decorative" val="1"/>
+              </a:ext>
+            </a:extLst>
+          </p:cNvPr>
+          <p:cNvSpPr>
+            <a:spLocks noGrp="1" noRot="1" noChangeAspect="1" noMove="1" noResize="1" noEditPoints="1" noAdjustHandles="1" noChangeArrowheads="1" noChangeShapeType="1" noTextEdit="1"/>
+          </p:cNvSpPr>
+          <p:nvPr>
+            <p:extLst>
+              <p:ext uri="{386F3935-93C4-4BCD-93E2-E3B085C9AB24}">
+                <p16:designElem xmlns:p16="http://schemas.microsoft.com/office/powerpoint/2015/main" val="1"/>
+              </p:ext>
+            </p:extLst>
+          </p:nvPr>
+        </p:nvSpPr>
+        <p:spPr>
+          <a:xfrm>
+            <a:off x="2" y="0"/>
+            <a:ext cx="12191695" cy="6858000"/>
+          </a:xfrm>
+          <a:prstGeom prst="rect">
+            <a:avLst/>
+          </a:prstGeom>
+          <a:ln>
+            <a:noFill/>
+          </a:ln>
+        </p:spPr>
+        <p:style>
+          <a:lnRef idx="2">
+            <a:schemeClr val="accent1">
+              <a:shade val="50000"/>
+            </a:schemeClr>
+          </a:lnRef>
+          <a:fillRef idx="1">
+            <a:schemeClr val="accent1"/>
+          </a:fillRef>
+          <a:effectRef idx="0">
+            <a:schemeClr val="accent1"/>
+          </a:effectRef>
+          <a:fontRef idx="minor">
+            <a:schemeClr val="lt1"/>
+          </a:fontRef>
+        </p:style>
+        <p:txBody>
+          <a:bodyPr rtlCol="0" anchor="ctr"/>
+          <a:lstStyle/>
+          <a:p>
+            <a:pPr algn="ctr"/>
+            <a:endParaRPr lang="en-US"/>
+          </a:p>
+        </p:txBody>
+      </p:sp>
+      <p:sp>
+        <p:nvSpPr>
+          <p:cNvPr id="22" name="Rectangle 21">
+            <a:extLst>
+              <a:ext uri="{FF2B5EF4-FFF2-40B4-BE49-F238E27FC236}">
+                <a16:creationId xmlns:a16="http://schemas.microsoft.com/office/drawing/2014/main" id="{4466B5F3-C053-4580-B04A-1EF949888280}"/>
+              </a:ext>
+              <a:ext uri="{C183D7F6-B498-43B3-948B-1728B52AA6E4}">
+                <adec:decorative xmlns:adec="http://schemas.microsoft.com/office/drawing/2017/decorative" val="1"/>
+              </a:ext>
+            </a:extLst>
+          </p:cNvPr>
+          <p:cNvSpPr>
+            <a:spLocks noGrp="1" noRot="1" noChangeAspect="1" noMove="1" noResize="1" noEditPoints="1" noAdjustHandles="1" noChangeArrowheads="1" noChangeShapeType="1" noTextEdit="1"/>
+          </p:cNvSpPr>
+          <p:nvPr>
+            <p:extLst>
+              <p:ext uri="{386F3935-93C4-4BCD-93E2-E3B085C9AB24}">
+                <p16:designElem xmlns:p16="http://schemas.microsoft.com/office/powerpoint/2015/main" val="1"/>
+              </p:ext>
+            </p:extLst>
+          </p:nvPr>
+        </p:nvSpPr>
+        <p:spPr>
+          <a:xfrm>
+            <a:off x="0" y="2019476"/>
+            <a:ext cx="12192000" cy="4105941"/>
+          </a:xfrm>
+          <a:prstGeom prst="rect">
+            <a:avLst/>
+          </a:prstGeom>
+          <a:gradFill flip="none" rotWithShape="1">
+            <a:gsLst>
+              <a:gs pos="0">
+                <a:schemeClr val="bg2">
+                  <a:alpha val="0"/>
+                </a:schemeClr>
+              </a:gs>
+              <a:gs pos="100000">
+                <a:schemeClr val="bg2"/>
+              </a:gs>
+            </a:gsLst>
+            <a:lin ang="5400000" scaled="0"/>
+            <a:tileRect/>
+          </a:gradFill>
+          <a:ln>
+            <a:noFill/>
+          </a:ln>
+        </p:spPr>
+        <p:style>
+          <a:lnRef idx="2">
+            <a:schemeClr val="accent1">
+              <a:shade val="50000"/>
+            </a:schemeClr>
+          </a:lnRef>
+          <a:fillRef idx="1">
+            <a:schemeClr val="accent1"/>
+          </a:fillRef>
+          <a:effectRef idx="0">
+            <a:schemeClr val="accent1"/>
+          </a:effectRef>
+          <a:fontRef idx="minor">
+            <a:schemeClr val="lt1"/>
+          </a:fontRef>
+        </p:style>
+        <p:txBody>
+          <a:bodyPr rtlCol="0" anchor="ctr"/>
+          <a:lstStyle/>
+          <a:p>
+            <a:pPr lvl="0" algn="ctr"/>
+            <a:endParaRPr lang="en-US"/>
+          </a:p>
+        </p:txBody>
+      </p:sp>
+      <p:sp>
+        <p:nvSpPr>
+          <p:cNvPr id="2" name="Title 1">
+            <a:extLst>
+              <a:ext uri="{FF2B5EF4-FFF2-40B4-BE49-F238E27FC236}">
+                <a16:creationId xmlns:a16="http://schemas.microsoft.com/office/drawing/2014/main" id="{E074A570-D575-A74C-961E-60BE7575804A}"/>
               </a:ext>
             </a:extLst>
           </p:cNvPr>
@@ -7960,22 +12506,530 @@
             <a:spLocks noGrp="1"/>
           </p:cNvSpPr>
           <p:nvPr>
-            <p:ph type="body" idx="1"/>
-          </p:nvPr>
-        </p:nvSpPr>
-        <p:spPr/>
+            <p:ph type="title"/>
+          </p:nvPr>
+        </p:nvSpPr>
+        <p:spPr>
+          <a:xfrm>
+            <a:off x="1452616" y="962902"/>
+            <a:ext cx="4176384" cy="2380828"/>
+          </a:xfrm>
+        </p:spPr>
         <p:txBody>
-          <a:bodyPr/>
+          <a:bodyPr vert="horz" lIns="91440" tIns="45720" rIns="91440" bIns="0" rtlCol="0" anchor="b">
+            <a:normAutofit/>
+          </a:bodyPr>
           <a:lstStyle/>
           <a:p>
-            <a:endParaRPr lang="en-US"/>
+            <a:r>
+              <a:rPr lang="en-US" sz="4800"/>
+              <a:t>Cocoa pod</a:t>
+            </a:r>
           </a:p>
         </p:txBody>
       </p:sp>
+      <p:cxnSp>
+        <p:nvCxnSpPr>
+          <p:cNvPr id="24" name="Straight Connector 23">
+            <a:extLst>
+              <a:ext uri="{FF2B5EF4-FFF2-40B4-BE49-F238E27FC236}">
+                <a16:creationId xmlns:a16="http://schemas.microsoft.com/office/drawing/2014/main" id="{FA6123F2-4B61-414F-A7E5-5B7828EACAE2}"/>
+              </a:ext>
+              <a:ext uri="{C183D7F6-B498-43B3-948B-1728B52AA6E4}">
+                <adec:decorative xmlns:adec="http://schemas.microsoft.com/office/drawing/2017/decorative" val="1"/>
+              </a:ext>
+            </a:extLst>
+          </p:cNvPr>
+          <p:cNvCxnSpPr>
+            <a:cxnSpLocks noGrp="1" noRot="1" noChangeAspect="1" noMove="1" noResize="1" noEditPoints="1" noAdjustHandles="1" noChangeArrowheads="1" noChangeShapeType="1"/>
+          </p:cNvCxnSpPr>
+          <p:nvPr>
+            <p:extLst>
+              <p:ext uri="{386F3935-93C4-4BCD-93E2-E3B085C9AB24}">
+                <p16:designElem xmlns:p16="http://schemas.microsoft.com/office/powerpoint/2015/main" val="1"/>
+              </p:ext>
+            </p:extLst>
+          </p:nvPr>
+        </p:nvCxnSpPr>
+        <p:spPr>
+          <a:xfrm>
+            <a:off x="1452617" y="3528543"/>
+            <a:ext cx="4171479" cy="0"/>
+          </a:xfrm>
+          <a:prstGeom prst="line">
+            <a:avLst/>
+          </a:prstGeom>
+          <a:ln w="31750"/>
+        </p:spPr>
+        <p:style>
+          <a:lnRef idx="3">
+            <a:schemeClr val="accent1"/>
+          </a:lnRef>
+          <a:fillRef idx="0">
+            <a:schemeClr val="accent1"/>
+          </a:fillRef>
+          <a:effectRef idx="2">
+            <a:schemeClr val="accent1"/>
+          </a:effectRef>
+          <a:fontRef idx="minor">
+            <a:schemeClr val="tx1"/>
+          </a:fontRef>
+        </p:style>
+      </p:cxnSp>
+      <p:pic>
+        <p:nvPicPr>
+          <p:cNvPr id="7" name="Content Placeholder 6">
+            <a:extLst>
+              <a:ext uri="{FF2B5EF4-FFF2-40B4-BE49-F238E27FC236}">
+                <a16:creationId xmlns:a16="http://schemas.microsoft.com/office/drawing/2014/main" id="{5A9AAB1B-5854-ED40-A37F-1380658882E6}"/>
+              </a:ext>
+            </a:extLst>
+          </p:cNvPr>
+          <p:cNvPicPr>
+            <a:picLocks noGrp="1" noChangeAspect="1"/>
+          </p:cNvPicPr>
+          <p:nvPr>
+            <p:ph idx="1"/>
+          </p:nvPr>
+        </p:nvPicPr>
+        <p:blipFill>
+          <a:blip r:embed="rId3"/>
+          <a:stretch>
+            <a:fillRect/>
+          </a:stretch>
+        </p:blipFill>
+        <p:spPr>
+          <a:xfrm>
+            <a:off x="6834753" y="421224"/>
+            <a:ext cx="3870304" cy="5277596"/>
+          </a:xfrm>
+          <a:prstGeom prst="rect">
+            <a:avLst/>
+          </a:prstGeom>
+        </p:spPr>
+      </p:pic>
+      <p:pic>
+        <p:nvPicPr>
+          <p:cNvPr id="26" name="Picture 25">
+            <a:extLst>
+              <a:ext uri="{FF2B5EF4-FFF2-40B4-BE49-F238E27FC236}">
+                <a16:creationId xmlns:a16="http://schemas.microsoft.com/office/drawing/2014/main" id="{25CED634-E2D0-4AB7-96DD-816C9B52C5CF}"/>
+              </a:ext>
+              <a:ext uri="{C183D7F6-B498-43B3-948B-1728B52AA6E4}">
+                <adec:decorative xmlns:adec="http://schemas.microsoft.com/office/drawing/2017/decorative" val="1"/>
+              </a:ext>
+            </a:extLst>
+          </p:cNvPr>
+          <p:cNvPicPr>
+            <a:picLocks noGrp="1" noRot="1" noChangeAspect="1" noMove="1" noResize="1" noEditPoints="1" noAdjustHandles="1" noChangeArrowheads="1" noChangeShapeType="1" noCrop="1"/>
+          </p:cNvPicPr>
+          <p:nvPr>
+            <p:extLst>
+              <p:ext uri="{386F3935-93C4-4BCD-93E2-E3B085C9AB24}">
+                <p16:designElem xmlns:p16="http://schemas.microsoft.com/office/powerpoint/2015/main" val="1"/>
+              </p:ext>
+            </p:extLst>
+          </p:nvPr>
+        </p:nvPicPr>
+        <p:blipFill rotWithShape="1">
+          <a:blip r:embed="rId2">
+            <a:extLst>
+              <a:ext uri="{28A0092B-C50C-407E-A947-70E740481C1C}">
+                <a14:useLocalDpi xmlns:a14="http://schemas.microsoft.com/office/drawing/2010/main" val="0"/>
+              </a:ext>
+            </a:extLst>
+          </a:blip>
+          <a:srcRect t="1538" b="-1538"/>
+          <a:stretch/>
+        </p:blipFill>
+        <p:spPr bwMode="black">
+          <a:xfrm>
+            <a:off x="0" y="6126480"/>
+            <a:ext cx="12192000" cy="742950"/>
+          </a:xfrm>
+          <a:prstGeom prst="rect">
+            <a:avLst/>
+          </a:prstGeom>
+        </p:spPr>
+      </p:pic>
+      <p:cxnSp>
+        <p:nvCxnSpPr>
+          <p:cNvPr id="28" name="Straight Connector 27">
+            <a:extLst>
+              <a:ext uri="{FF2B5EF4-FFF2-40B4-BE49-F238E27FC236}">
+                <a16:creationId xmlns:a16="http://schemas.microsoft.com/office/drawing/2014/main" id="{FCDDCDFB-696D-4FDF-9B58-24F71B7C37BC}"/>
+              </a:ext>
+              <a:ext uri="{C183D7F6-B498-43B3-948B-1728B52AA6E4}">
+                <adec:decorative xmlns:adec="http://schemas.microsoft.com/office/drawing/2017/decorative" val="1"/>
+              </a:ext>
+            </a:extLst>
+          </p:cNvPr>
+          <p:cNvCxnSpPr>
+            <a:cxnSpLocks noGrp="1" noRot="1" noChangeAspect="1" noMove="1" noResize="1" noEditPoints="1" noAdjustHandles="1" noChangeArrowheads="1" noChangeShapeType="1"/>
+          </p:cNvCxnSpPr>
+          <p:nvPr>
+            <p:extLst>
+              <p:ext uri="{386F3935-93C4-4BCD-93E2-E3B085C9AB24}">
+                <p16:designElem xmlns:p16="http://schemas.microsoft.com/office/powerpoint/2015/main" val="1"/>
+              </p:ext>
+            </p:extLst>
+          </p:nvPr>
+        </p:nvCxnSpPr>
+        <p:spPr>
+          <a:xfrm>
+            <a:off x="0" y="6128413"/>
+            <a:ext cx="12192000" cy="0"/>
+          </a:xfrm>
+          <a:prstGeom prst="line">
+            <a:avLst/>
+          </a:prstGeom>
+          <a:ln w="12700">
+            <a:solidFill>
+              <a:srgbClr val="000001">
+                <a:alpha val="20000"/>
+              </a:srgbClr>
+            </a:solidFill>
+          </a:ln>
+        </p:spPr>
+        <p:style>
+          <a:lnRef idx="1">
+            <a:schemeClr val="accent1"/>
+          </a:lnRef>
+          <a:fillRef idx="0">
+            <a:schemeClr val="accent1"/>
+          </a:fillRef>
+          <a:effectRef idx="0">
+            <a:schemeClr val="accent1"/>
+          </a:effectRef>
+          <a:fontRef idx="minor">
+            <a:schemeClr val="tx1"/>
+          </a:fontRef>
+        </p:style>
+      </p:cxnSp>
     </p:spTree>
     <p:extLst>
       <p:ext uri="{BB962C8B-B14F-4D97-AF65-F5344CB8AC3E}">
-        <p14:creationId xmlns:p14="http://schemas.microsoft.com/office/powerpoint/2010/main" val="2533410305"/>
+        <p14:creationId xmlns:p14="http://schemas.microsoft.com/office/powerpoint/2010/main" val="1988062548"/>
+      </p:ext>
+    </p:extLst>
+  </p:cSld>
+  <p:clrMapOvr>
+    <a:masterClrMapping/>
+  </p:clrMapOvr>
+</p:sld>
+</file>
+
+<file path=ppt/slides/slide3.xml><?xml version="1.0" encoding="utf-8"?>
+<p:sld xmlns:a="http://schemas.openxmlformats.org/drawingml/2006/main" xmlns:r="http://schemas.openxmlformats.org/officeDocument/2006/relationships" xmlns:p="http://schemas.openxmlformats.org/presentationml/2006/main">
+  <p:cSld>
+    <p:bg>
+      <p:bgPr>
+        <a:gradFill rotWithShape="1">
+          <a:gsLst>
+            <a:gs pos="0">
+              <a:schemeClr val="bg2">
+                <a:tint val="94000"/>
+                <a:satMod val="80000"/>
+                <a:lumMod val="106000"/>
+              </a:schemeClr>
+            </a:gs>
+            <a:gs pos="100000">
+              <a:schemeClr val="bg2">
+                <a:shade val="80000"/>
+              </a:schemeClr>
+            </a:gs>
+          </a:gsLst>
+          <a:path path="circle">
+            <a:fillToRect l="43000" r="43000" b="100000"/>
+          </a:path>
+        </a:gradFill>
+        <a:effectLst/>
+      </p:bgPr>
+    </p:bg>
+    <p:spTree>
+      <p:nvGrpSpPr>
+        <p:cNvPr id="1" name=""/>
+        <p:cNvGrpSpPr/>
+        <p:nvPr/>
+      </p:nvGrpSpPr>
+      <p:grpSpPr>
+        <a:xfrm>
+          <a:off x="0" y="0"/>
+          <a:ext cx="0" cy="0"/>
+          <a:chOff x="0" y="0"/>
+          <a:chExt cx="0" cy="0"/>
+        </a:xfrm>
+      </p:grpSpPr>
+      <p:pic>
+        <p:nvPicPr>
+          <p:cNvPr id="7" name="Picture 6">
+            <a:extLst>
+              <a:ext uri="{FF2B5EF4-FFF2-40B4-BE49-F238E27FC236}">
+                <a16:creationId xmlns:a16="http://schemas.microsoft.com/office/drawing/2014/main" id="{972E245B-1D8A-2348-A6B3-1054CC100BE5}"/>
+              </a:ext>
+            </a:extLst>
+          </p:cNvPr>
+          <p:cNvPicPr>
+            <a:picLocks noChangeAspect="1"/>
+          </p:cNvPicPr>
+          <p:nvPr/>
+        </p:nvPicPr>
+        <p:blipFill rotWithShape="1">
+          <a:blip r:embed="rId3"/>
+          <a:srcRect t="12789" r="-1" b="-1"/>
+          <a:stretch/>
+        </p:blipFill>
+        <p:spPr>
+          <a:xfrm>
+            <a:off x="2" y="10"/>
+            <a:ext cx="12191695" cy="6857990"/>
+          </a:xfrm>
+          <a:prstGeom prst="rect">
+            <a:avLst/>
+          </a:prstGeom>
+        </p:spPr>
+      </p:pic>
+      <p:sp>
+        <p:nvSpPr>
+          <p:cNvPr id="12" name="Rectangle 11">
+            <a:extLst>
+              <a:ext uri="{FF2B5EF4-FFF2-40B4-BE49-F238E27FC236}">
+                <a16:creationId xmlns:a16="http://schemas.microsoft.com/office/drawing/2014/main" id="{A4092ECB-D375-4A85-AD6E-85644D2A99E5}"/>
+              </a:ext>
+              <a:ext uri="{C183D7F6-B498-43B3-948B-1728B52AA6E4}">
+                <adec:decorative xmlns:adec="http://schemas.microsoft.com/office/drawing/2017/decorative" val="1"/>
+              </a:ext>
+            </a:extLst>
+          </p:cNvPr>
+          <p:cNvSpPr>
+            <a:spLocks noGrp="1" noRot="1" noChangeAspect="1" noMove="1" noResize="1" noEditPoints="1" noAdjustHandles="1" noChangeArrowheads="1" noChangeShapeType="1" noTextEdit="1"/>
+          </p:cNvSpPr>
+          <p:nvPr>
+            <p:extLst>
+              <p:ext uri="{386F3935-93C4-4BCD-93E2-E3B085C9AB24}">
+                <p16:designElem xmlns:p16="http://schemas.microsoft.com/office/powerpoint/2015/main" val="1"/>
+              </p:ext>
+            </p:extLst>
+          </p:nvPr>
+        </p:nvSpPr>
+        <p:spPr>
+          <a:xfrm>
+            <a:off x="-3177" y="3064931"/>
+            <a:ext cx="8293042" cy="2488568"/>
+          </a:xfrm>
+          <a:prstGeom prst="rect">
+            <a:avLst/>
+          </a:prstGeom>
+          <a:solidFill>
+            <a:srgbClr val="000001">
+              <a:alpha val="75000"/>
+            </a:srgbClr>
+          </a:solidFill>
+          <a:ln>
+            <a:noFill/>
+          </a:ln>
+        </p:spPr>
+        <p:style>
+          <a:lnRef idx="1">
+            <a:schemeClr val="accent1"/>
+          </a:lnRef>
+          <a:fillRef idx="3">
+            <a:schemeClr val="accent1"/>
+          </a:fillRef>
+          <a:effectRef idx="2">
+            <a:schemeClr val="accent1"/>
+          </a:effectRef>
+          <a:fontRef idx="minor">
+            <a:schemeClr val="lt1"/>
+          </a:fontRef>
+        </p:style>
+        <p:txBody>
+          <a:bodyPr rtlCol="0" anchor="ctr"/>
+          <a:lstStyle/>
+          <a:p>
+            <a:pPr algn="ctr"/>
+            <a:endParaRPr lang="en-US"/>
+          </a:p>
+        </p:txBody>
+      </p:sp>
+      <p:sp>
+        <p:nvSpPr>
+          <p:cNvPr id="2" name="Title 1">
+            <a:extLst>
+              <a:ext uri="{FF2B5EF4-FFF2-40B4-BE49-F238E27FC236}">
+                <a16:creationId xmlns:a16="http://schemas.microsoft.com/office/drawing/2014/main" id="{E9564D8B-C7F0-2A49-BA30-FEF953E55AF4}"/>
+              </a:ext>
+            </a:extLst>
+          </p:cNvPr>
+          <p:cNvSpPr>
+            <a:spLocks noGrp="1"/>
+          </p:cNvSpPr>
+          <p:nvPr>
+            <p:ph type="ctrTitle"/>
+          </p:nvPr>
+        </p:nvSpPr>
+        <p:spPr>
+          <a:xfrm>
+            <a:off x="1300526" y="3236470"/>
+            <a:ext cx="6829044" cy="1252601"/>
+          </a:xfrm>
+        </p:spPr>
+        <p:txBody>
+          <a:bodyPr>
+            <a:normAutofit/>
+          </a:bodyPr>
+          <a:lstStyle/>
+          <a:p>
+            <a:pPr algn="r"/>
+            <a:r>
+              <a:rPr lang="en-US" sz="4100" dirty="0">
+                <a:solidFill>
+                  <a:srgbClr val="FFFFFE"/>
+                </a:solidFill>
+              </a:rPr>
+              <a:t>How to Build a </a:t>
+            </a:r>
+            <a:r>
+              <a:rPr lang="en-US" sz="4100" cap="none" dirty="0" err="1">
+                <a:solidFill>
+                  <a:srgbClr val="FFFFFE"/>
+                </a:solidFill>
+                <a:latin typeface="Gill Sans MT" panose="020B0502020104020203" pitchFamily="34" charset="77"/>
+              </a:rPr>
+              <a:t>tv</a:t>
+            </a:r>
+            <a:r>
+              <a:rPr lang="en-US" sz="4100" dirty="0" err="1">
+                <a:solidFill>
+                  <a:srgbClr val="FFFFFE"/>
+                </a:solidFill>
+              </a:rPr>
+              <a:t>os</a:t>
+            </a:r>
+            <a:r>
+              <a:rPr lang="en-US" sz="4100" dirty="0">
+                <a:solidFill>
+                  <a:srgbClr val="FFFFFE"/>
+                </a:solidFill>
+              </a:rPr>
+              <a:t> app on </a:t>
+            </a:r>
+            <a:r>
+              <a:rPr lang="en-US" sz="4100" cap="none" dirty="0" err="1">
+                <a:solidFill>
+                  <a:srgbClr val="FFFFFE"/>
+                </a:solidFill>
+              </a:rPr>
+              <a:t>i</a:t>
+            </a:r>
+            <a:r>
+              <a:rPr lang="en-US" sz="4100" dirty="0" err="1">
+                <a:solidFill>
+                  <a:srgbClr val="FFFFFE"/>
+                </a:solidFill>
+              </a:rPr>
+              <a:t>os</a:t>
+            </a:r>
+            <a:r>
+              <a:rPr lang="en-US" sz="4100" dirty="0">
+                <a:solidFill>
+                  <a:srgbClr val="FFFFFE"/>
+                </a:solidFill>
+              </a:rPr>
+              <a:t> PROJECT</a:t>
+            </a:r>
+          </a:p>
+        </p:txBody>
+      </p:sp>
+      <p:sp>
+        <p:nvSpPr>
+          <p:cNvPr id="3" name="Subtitle 2">
+            <a:extLst>
+              <a:ext uri="{FF2B5EF4-FFF2-40B4-BE49-F238E27FC236}">
+                <a16:creationId xmlns:a16="http://schemas.microsoft.com/office/drawing/2014/main" id="{6C66A61E-C536-A442-8F8F-51EFA663ABB4}"/>
+              </a:ext>
+            </a:extLst>
+          </p:cNvPr>
+          <p:cNvSpPr>
+            <a:spLocks noGrp="1"/>
+          </p:cNvSpPr>
+          <p:nvPr>
+            <p:ph type="subTitle" idx="1"/>
+          </p:nvPr>
+        </p:nvSpPr>
+        <p:spPr>
+          <a:xfrm>
+            <a:off x="1300525" y="4669144"/>
+            <a:ext cx="6829043" cy="716529"/>
+          </a:xfrm>
+        </p:spPr>
+        <p:txBody>
+          <a:bodyPr>
+            <a:normAutofit/>
+          </a:bodyPr>
+          <a:lstStyle/>
+          <a:p>
+            <a:pPr algn="r"/>
+            <a:endParaRPr lang="en-US" sz="1600">
+              <a:solidFill>
+                <a:srgbClr val="FFFFFE"/>
+              </a:solidFill>
+            </a:endParaRPr>
+          </a:p>
+        </p:txBody>
+      </p:sp>
+      <p:cxnSp>
+        <p:nvCxnSpPr>
+          <p:cNvPr id="14" name="Straight Connector 13">
+            <a:extLst>
+              <a:ext uri="{FF2B5EF4-FFF2-40B4-BE49-F238E27FC236}">
+                <a16:creationId xmlns:a16="http://schemas.microsoft.com/office/drawing/2014/main" id="{B6C1711D-6DAC-4FE1-B7B6-AC8A81B84C08}"/>
+              </a:ext>
+              <a:ext uri="{C183D7F6-B498-43B3-948B-1728B52AA6E4}">
+                <adec:decorative xmlns:adec="http://schemas.microsoft.com/office/drawing/2017/decorative" val="1"/>
+              </a:ext>
+            </a:extLst>
+          </p:cNvPr>
+          <p:cNvCxnSpPr>
+            <a:cxnSpLocks noGrp="1" noRot="1" noChangeAspect="1" noMove="1" noResize="1" noEditPoints="1" noAdjustHandles="1" noChangeArrowheads="1" noChangeShapeType="1"/>
+          </p:cNvCxnSpPr>
+          <p:nvPr>
+            <p:extLst>
+              <p:ext uri="{386F3935-93C4-4BCD-93E2-E3B085C9AB24}">
+                <p16:designElem xmlns:p16="http://schemas.microsoft.com/office/powerpoint/2015/main" val="1"/>
+              </p:ext>
+            </p:extLst>
+          </p:nvPr>
+        </p:nvCxnSpPr>
+        <p:spPr>
+          <a:xfrm>
+            <a:off x="1300525" y="4666480"/>
+            <a:ext cx="6829043" cy="0"/>
+          </a:xfrm>
+          <a:prstGeom prst="line">
+            <a:avLst/>
+          </a:prstGeom>
+          <a:ln w="31750"/>
+        </p:spPr>
+        <p:style>
+          <a:lnRef idx="3">
+            <a:schemeClr val="accent1"/>
+          </a:lnRef>
+          <a:fillRef idx="0">
+            <a:schemeClr val="accent1"/>
+          </a:fillRef>
+          <a:effectRef idx="2">
+            <a:schemeClr val="accent1"/>
+          </a:effectRef>
+          <a:fontRef idx="minor">
+            <a:schemeClr val="tx1"/>
+          </a:fontRef>
+        </p:style>
+      </p:cxnSp>
+    </p:spTree>
+    <p:extLst>
+      <p:ext uri="{BB962C8B-B14F-4D97-AF65-F5344CB8AC3E}">
+        <p14:creationId xmlns:p14="http://schemas.microsoft.com/office/powerpoint/2010/main" val="384375136"/>
       </p:ext>
     </p:extLst>
   </p:cSld>
@@ -8007,7 +13061,7 @@
           <p:cNvPr id="2" name="Title 1">
             <a:extLst>
               <a:ext uri="{FF2B5EF4-FFF2-40B4-BE49-F238E27FC236}">
-                <a16:creationId xmlns:a16="http://schemas.microsoft.com/office/drawing/2014/main" id="{43470594-E9D6-D444-A4DF-80DD011AF67A}"/>
+                <a16:creationId xmlns:a16="http://schemas.microsoft.com/office/drawing/2014/main" id="{744C9CE7-901A-1549-9601-2A8EA6627793}"/>
               </a:ext>
             </a:extLst>
           </p:cNvPr>
@@ -8020,328 +13074,80 @@
         </p:nvSpPr>
         <p:spPr/>
         <p:txBody>
-          <a:bodyPr/>
+          <a:bodyPr>
+            <a:normAutofit/>
+          </a:bodyPr>
           <a:lstStyle/>
           <a:p>
             <a:r>
-              <a:rPr lang="en-US" dirty="0"/>
-              <a:t>What is </a:t>
-            </a:r>
-            <a:r>
-              <a:rPr lang="en-US" dirty="0" err="1"/>
-              <a:t>tvos</a:t>
-            </a:r>
-            <a:r>
-              <a:rPr lang="en-US" dirty="0"/>
-              <a:t>?</a:t>
+              <a:rPr lang="en-US" sz="4800" dirty="0"/>
+              <a:t>Agenda</a:t>
             </a:r>
           </a:p>
         </p:txBody>
       </p:sp>
-      <p:graphicFrame>
-        <p:nvGraphicFramePr>
-          <p:cNvPr id="4" name="Content Placeholder 3">
+      <p:sp>
+        <p:nvSpPr>
+          <p:cNvPr id="3" name="Content Placeholder 2">
             <a:extLst>
               <a:ext uri="{FF2B5EF4-FFF2-40B4-BE49-F238E27FC236}">
-                <a16:creationId xmlns:a16="http://schemas.microsoft.com/office/drawing/2014/main" id="{D27A3E97-C061-2A44-B790-FC26A18FC179}"/>
+                <a16:creationId xmlns:a16="http://schemas.microsoft.com/office/drawing/2014/main" id="{AE929395-A778-8D41-AE27-4695C385AC0D}"/>
               </a:ext>
             </a:extLst>
           </p:cNvPr>
-          <p:cNvGraphicFramePr>
-            <a:graphicFrameLocks noGrp="1"/>
-          </p:cNvGraphicFramePr>
+          <p:cNvSpPr>
+            <a:spLocks noGrp="1"/>
+          </p:cNvSpPr>
           <p:nvPr>
             <p:ph idx="1"/>
-            <p:extLst>
-              <p:ext uri="{D42A27DB-BD31-4B8C-83A1-F6EECF244321}">
-                <p14:modId xmlns:p14="http://schemas.microsoft.com/office/powerpoint/2010/main" val="3593594599"/>
-              </p:ext>
-            </p:extLst>
-          </p:nvPr>
-        </p:nvGraphicFramePr>
-        <p:xfrm>
-          <a:off x="1450975" y="2016125"/>
-          <a:ext cx="9604376" cy="3200400"/>
-        </p:xfrm>
-        <a:graphic>
-          <a:graphicData uri="http://schemas.openxmlformats.org/drawingml/2006/table">
-            <a:tbl>
-              <a:tblPr firstRow="1" bandRow="1">
-                <a:tableStyleId>{5C22544A-7EE6-4342-B048-85BDC9FD1C3A}</a:tableStyleId>
-              </a:tblPr>
-              <a:tblGrid>
-                <a:gridCol w="4802188">
-                  <a:extLst>
-                    <a:ext uri="{9D8B030D-6E8A-4147-A177-3AD203B41FA5}">
-                      <a16:colId xmlns:a16="http://schemas.microsoft.com/office/drawing/2014/main" val="2906357688"/>
-                    </a:ext>
-                  </a:extLst>
-                </a:gridCol>
-                <a:gridCol w="4802188">
-                  <a:extLst>
-                    <a:ext uri="{9D8B030D-6E8A-4147-A177-3AD203B41FA5}">
-                      <a16:colId xmlns:a16="http://schemas.microsoft.com/office/drawing/2014/main" val="1232959149"/>
-                    </a:ext>
-                  </a:extLst>
-                </a:gridCol>
-              </a:tblGrid>
-              <a:tr h="370840">
-                <a:tc>
-                  <a:txBody>
-                    <a:bodyPr/>
-                    <a:lstStyle/>
-                    <a:p>
-                      <a:r>
-                        <a:rPr lang="en-US" sz="2000" dirty="0"/>
-                        <a:t>iOS</a:t>
-                      </a:r>
-                    </a:p>
-                  </a:txBody>
-                  <a:tcPr/>
-                </a:tc>
-                <a:tc>
-                  <a:txBody>
-                    <a:bodyPr/>
-                    <a:lstStyle/>
-                    <a:p>
-                      <a:r>
-                        <a:rPr lang="en-US" sz="2000" dirty="0" err="1"/>
-                        <a:t>tvOS</a:t>
-                      </a:r>
-                      <a:endParaRPr lang="en-US" sz="2000" dirty="0"/>
-                    </a:p>
-                  </a:txBody>
-                  <a:tcPr/>
-                </a:tc>
-                <a:extLst>
-                  <a:ext uri="{0D108BD9-81ED-4DB2-BD59-A6C34878D82A}">
-                    <a16:rowId xmlns:a16="http://schemas.microsoft.com/office/drawing/2014/main" val="2902000110"/>
-                  </a:ext>
-                </a:extLst>
-              </a:tr>
-              <a:tr h="370840">
-                <a:tc>
-                  <a:txBody>
-                    <a:bodyPr/>
-                    <a:lstStyle/>
-                    <a:p>
-                      <a:r>
-                        <a:rPr lang="en-US" sz="2000" dirty="0"/>
-                        <a:t>iPhone, iPad, iPod, (</a:t>
-                      </a:r>
-                      <a:r>
-                        <a:rPr lang="en-US" sz="2000" dirty="0" err="1"/>
-                        <a:t>iTV</a:t>
-                      </a:r>
-                      <a:r>
-                        <a:rPr lang="en-US" sz="2000" dirty="0"/>
-                        <a:t>)</a:t>
-                      </a:r>
-                    </a:p>
-                  </a:txBody>
-                  <a:tcPr/>
-                </a:tc>
-                <a:tc>
-                  <a:txBody>
-                    <a:bodyPr/>
-                    <a:lstStyle/>
-                    <a:p>
-                      <a:r>
-                        <a:rPr lang="en-US" sz="2000" dirty="0"/>
-                        <a:t>Apple TV</a:t>
-                      </a:r>
-                    </a:p>
-                  </a:txBody>
-                  <a:tcPr/>
-                </a:tc>
-                <a:extLst>
-                  <a:ext uri="{0D108BD9-81ED-4DB2-BD59-A6C34878D82A}">
-                    <a16:rowId xmlns:a16="http://schemas.microsoft.com/office/drawing/2014/main" val="485279840"/>
-                  </a:ext>
-                </a:extLst>
-              </a:tr>
-              <a:tr h="370840">
-                <a:tc>
-                  <a:txBody>
-                    <a:bodyPr/>
-                    <a:lstStyle/>
-                    <a:p>
-                      <a:r>
-                        <a:rPr lang="en-US" sz="2000" dirty="0"/>
-                        <a:t>2007: iPhone OS 1.0 (iPhone &amp; iPod)</a:t>
-                      </a:r>
-                    </a:p>
-                    <a:p>
-                      <a:r>
-                        <a:rPr lang="en-US" sz="2000" dirty="0"/>
-                        <a:t>2009: iPhone OS 3.2 (+iPad)</a:t>
-                      </a:r>
-                    </a:p>
-                    <a:p>
-                      <a:r>
-                        <a:rPr lang="en-US" sz="2000" dirty="0"/>
-                        <a:t>2010: iOS 4.1 (+Apple TV 2</a:t>
-                      </a:r>
-                      <a:r>
-                        <a:rPr lang="en-US" sz="2000" baseline="30000" dirty="0"/>
-                        <a:t>nd</a:t>
-                      </a:r>
-                      <a:r>
-                        <a:rPr lang="en-US" sz="2000" dirty="0"/>
-                        <a:t> Gen)</a:t>
-                      </a:r>
-                    </a:p>
-                    <a:p>
-                      <a:r>
-                        <a:rPr lang="en-US" sz="2000" dirty="0"/>
-                        <a:t>2015: iOS 9 (- Apple TV)</a:t>
-                      </a:r>
-                    </a:p>
-                    <a:p>
-                      <a:r>
-                        <a:rPr lang="en-US" sz="2000" dirty="0"/>
-                        <a:t>2018: iOS 12</a:t>
-                      </a:r>
-                    </a:p>
-                  </a:txBody>
-                  <a:tcPr/>
-                </a:tc>
-                <a:tc>
-                  <a:txBody>
-                    <a:bodyPr/>
-                    <a:lstStyle/>
-                    <a:p>
-                      <a:endParaRPr lang="en-US" sz="2000" dirty="0"/>
-                    </a:p>
-                    <a:p>
-                      <a:endParaRPr lang="en-US" sz="2000" dirty="0"/>
-                    </a:p>
-                    <a:p>
-                      <a:endParaRPr lang="en-US" sz="2000" dirty="0"/>
-                    </a:p>
-                    <a:p>
-                      <a:r>
-                        <a:rPr lang="en-US" sz="2000" dirty="0"/>
-                        <a:t>2015: </a:t>
-                      </a:r>
-                      <a:r>
-                        <a:rPr lang="en-US" sz="2000" dirty="0" err="1"/>
-                        <a:t>tvOS</a:t>
-                      </a:r>
-                      <a:r>
-                        <a:rPr lang="en-US" sz="2000" dirty="0"/>
-                        <a:t> 9 (Apple TV 4</a:t>
-                      </a:r>
-                      <a:r>
-                        <a:rPr lang="en-US" sz="2000" baseline="30000" dirty="0"/>
-                        <a:t>th</a:t>
-                      </a:r>
-                      <a:r>
-                        <a:rPr lang="en-US" sz="2000" dirty="0"/>
-                        <a:t> Gen)</a:t>
-                      </a:r>
-                    </a:p>
-                    <a:p>
-                      <a:r>
-                        <a:rPr lang="en-US" sz="2000" dirty="0"/>
-                        <a:t>2018: </a:t>
-                      </a:r>
-                      <a:r>
-                        <a:rPr lang="en-US" sz="2000" dirty="0" err="1"/>
-                        <a:t>tvOS</a:t>
-                      </a:r>
-                      <a:r>
-                        <a:rPr lang="en-US" sz="2000" dirty="0"/>
-                        <a:t> 12</a:t>
-                      </a:r>
-                    </a:p>
-                  </a:txBody>
-                  <a:tcPr/>
-                </a:tc>
-                <a:extLst>
-                  <a:ext uri="{0D108BD9-81ED-4DB2-BD59-A6C34878D82A}">
-                    <a16:rowId xmlns:a16="http://schemas.microsoft.com/office/drawing/2014/main" val="1009376172"/>
-                  </a:ext>
-                </a:extLst>
-              </a:tr>
-              <a:tr h="370840">
-                <a:tc>
-                  <a:txBody>
-                    <a:bodyPr/>
-                    <a:lstStyle/>
-                    <a:p>
-                      <a:r>
-                        <a:rPr lang="en-US" sz="2000" dirty="0"/>
-                        <a:t>2017: 1.2b iPhone + 0.3b iPad + 0.5b iPod</a:t>
-                      </a:r>
-                    </a:p>
-                  </a:txBody>
-                  <a:tcPr/>
-                </a:tc>
-                <a:tc>
-                  <a:txBody>
-                    <a:bodyPr/>
-                    <a:lstStyle/>
-                    <a:p>
-                      <a:r>
-                        <a:rPr lang="en-US" sz="2000" dirty="0"/>
-                        <a:t>2017: 75m</a:t>
-                      </a:r>
-                    </a:p>
-                  </a:txBody>
-                  <a:tcPr/>
-                </a:tc>
-                <a:extLst>
-                  <a:ext uri="{0D108BD9-81ED-4DB2-BD59-A6C34878D82A}">
-                    <a16:rowId xmlns:a16="http://schemas.microsoft.com/office/drawing/2014/main" val="480712647"/>
-                  </a:ext>
-                </a:extLst>
-              </a:tr>
-              <a:tr h="370840">
-                <a:tc>
-                  <a:txBody>
-                    <a:bodyPr/>
-                    <a:lstStyle/>
-                    <a:p>
-                      <a:r>
-                        <a:rPr lang="en-US" sz="2000" dirty="0"/>
-                        <a:t>2018: 2.1m Apps</a:t>
-                      </a:r>
-                    </a:p>
-                  </a:txBody>
-                  <a:tcPr/>
-                </a:tc>
-                <a:tc>
-                  <a:txBody>
-                    <a:bodyPr/>
-                    <a:lstStyle/>
-                    <a:p>
-                      <a:r>
-                        <a:rPr lang="en-US" sz="2000"/>
-                        <a:t>2016: </a:t>
-                      </a:r>
-                      <a:r>
-                        <a:rPr lang="en-US" sz="2000" dirty="0"/>
-                        <a:t>10k Apps</a:t>
-                      </a:r>
-                    </a:p>
-                  </a:txBody>
-                  <a:tcPr/>
-                </a:tc>
-                <a:extLst>
-                  <a:ext uri="{0D108BD9-81ED-4DB2-BD59-A6C34878D82A}">
-                    <a16:rowId xmlns:a16="http://schemas.microsoft.com/office/drawing/2014/main" val="2384911891"/>
-                  </a:ext>
-                </a:extLst>
-              </a:tr>
-            </a:tbl>
-          </a:graphicData>
-        </a:graphic>
-      </p:graphicFrame>
+          </p:nvPr>
+        </p:nvSpPr>
+        <p:spPr/>
+        <p:txBody>
+          <a:bodyPr>
+            <a:normAutofit/>
+          </a:bodyPr>
+          <a:lstStyle/>
+          <a:p>
+            <a:r>
+              <a:rPr lang="en-US" sz="3200" dirty="0"/>
+              <a:t>Introduce about </a:t>
+            </a:r>
+            <a:r>
+              <a:rPr lang="en-US" sz="3200" dirty="0" err="1"/>
+              <a:t>tvOS</a:t>
+            </a:r>
+            <a:r>
+              <a:rPr lang="en-US" sz="3200" dirty="0"/>
+              <a:t> </a:t>
+            </a:r>
+          </a:p>
+          <a:p>
+            <a:r>
+              <a:rPr lang="en-US" sz="3200" dirty="0"/>
+              <a:t>How to build a </a:t>
+            </a:r>
+            <a:r>
+              <a:rPr lang="en-US" sz="3200" dirty="0" err="1"/>
+              <a:t>tvOS</a:t>
+            </a:r>
+            <a:r>
+              <a:rPr lang="en-US" sz="3200" dirty="0"/>
+              <a:t> app on iOS project?</a:t>
+            </a:r>
+          </a:p>
+          <a:p>
+            <a:r>
+              <a:rPr lang="en-US" sz="3200" dirty="0"/>
+              <a:t>Demo</a:t>
+            </a:r>
+          </a:p>
+        </p:txBody>
+      </p:sp>
     </p:spTree>
     <p:extLst>
       <p:ext uri="{BB962C8B-B14F-4D97-AF65-F5344CB8AC3E}">
-        <p14:creationId xmlns:p14="http://schemas.microsoft.com/office/powerpoint/2010/main" val="4230414650"/>
+        <p14:creationId xmlns:p14="http://schemas.microsoft.com/office/powerpoint/2010/main" val="3916253672"/>
       </p:ext>
     </p:extLst>
   </p:cSld>
@@ -8394,10 +13200,10 @@
       </p:grpSpPr>
       <p:sp>
         <p:nvSpPr>
-          <p:cNvPr id="40" name="Rectangle 21">
+          <p:cNvPr id="120" name="Rectangle 119">
             <a:extLst>
               <a:ext uri="{FF2B5EF4-FFF2-40B4-BE49-F238E27FC236}">
-                <a16:creationId xmlns:a16="http://schemas.microsoft.com/office/drawing/2014/main" id="{0CABCAE3-64FC-4149-819F-2C1812824154}"/>
+                <a16:creationId xmlns:a16="http://schemas.microsoft.com/office/drawing/2014/main" id="{1CE580D1-F917-4567-AFB4-99AA9B52ADF0}"/>
               </a:ext>
               <a:ext uri="{C183D7F6-B498-43B3-948B-1728B52AA6E4}">
                 <adec:decorative xmlns:adec="http://schemas.microsoft.com/office/drawing/2017/decorative" val="1"/>
@@ -8460,10 +13266,10 @@
       </p:sp>
       <p:pic>
         <p:nvPicPr>
-          <p:cNvPr id="41" name="Picture 23">
+          <p:cNvPr id="122" name="Picture 121">
             <a:extLst>
               <a:ext uri="{FF2B5EF4-FFF2-40B4-BE49-F238E27FC236}">
-                <a16:creationId xmlns:a16="http://schemas.microsoft.com/office/drawing/2014/main" id="{012FDCFE-9AD2-4D8A-8CBF-B3AA37EBF6DD}"/>
+                <a16:creationId xmlns:a16="http://schemas.microsoft.com/office/drawing/2014/main" id="{1F5620B8-A2D8-4568-B566-F0453A0D9167}"/>
               </a:ext>
               <a:ext uri="{C183D7F6-B498-43B3-948B-1728B52AA6E4}">
                 <adec:decorative xmlns:adec="http://schemas.microsoft.com/office/drawing/2017/decorative" val="1"/>
@@ -8504,10 +13310,10 @@
       </p:pic>
       <p:cxnSp>
         <p:nvCxnSpPr>
-          <p:cNvPr id="42" name="Straight Connector 25">
+          <p:cNvPr id="124" name="Straight Connector 123">
             <a:extLst>
               <a:ext uri="{FF2B5EF4-FFF2-40B4-BE49-F238E27FC236}">
-                <a16:creationId xmlns:a16="http://schemas.microsoft.com/office/drawing/2014/main" id="{FBD463FC-4CA8-4FF4-85A3-AF9F4B98D210}"/>
+                <a16:creationId xmlns:a16="http://schemas.microsoft.com/office/drawing/2014/main" id="{1C7D2BA4-4B7A-4596-8BCC-5CF715423894}"/>
               </a:ext>
               <a:ext uri="{C183D7F6-B498-43B3-948B-1728B52AA6E4}">
                 <adec:decorative xmlns:adec="http://schemas.microsoft.com/office/drawing/2017/decorative" val="1"/>
@@ -8558,10 +13364,10 @@
       </p:cxnSp>
       <p:cxnSp>
         <p:nvCxnSpPr>
-          <p:cNvPr id="43" name="Straight Connector 27">
+          <p:cNvPr id="126" name="Straight Connector 125">
             <a:extLst>
               <a:ext uri="{FF2B5EF4-FFF2-40B4-BE49-F238E27FC236}">
-                <a16:creationId xmlns:a16="http://schemas.microsoft.com/office/drawing/2014/main" id="{BECF35C3-8B44-4F4B-BD25-4C01823DB22A}"/>
+                <a16:creationId xmlns:a16="http://schemas.microsoft.com/office/drawing/2014/main" id="{4977F1E1-2B6F-4BB6-899F-67D8764D83C5}"/>
               </a:ext>
               <a:ext uri="{C183D7F6-B498-43B3-948B-1728B52AA6E4}">
                 <adec:decorative xmlns:adec="http://schemas.microsoft.com/office/drawing/2017/decorative" val="1"/>
@@ -8604,12 +13410,41 @@
           </a:fontRef>
         </p:style>
       </p:cxnSp>
-      <p:sp useBgFill="1">
-        <p:nvSpPr>
-          <p:cNvPr id="44" name="Rectangle 29">
+      <p:pic>
+        <p:nvPicPr>
+          <p:cNvPr id="17" name="Picture 16">
             <a:extLst>
               <a:ext uri="{FF2B5EF4-FFF2-40B4-BE49-F238E27FC236}">
-                <a16:creationId xmlns:a16="http://schemas.microsoft.com/office/drawing/2014/main" id="{8BC298DB-2D5C-40A1-9A78-6B4A12198A9B}"/>
+                <a16:creationId xmlns:a16="http://schemas.microsoft.com/office/drawing/2014/main" id="{35DCD4EE-56E2-2749-AA6E-2B944ADC7A0B}"/>
+              </a:ext>
+            </a:extLst>
+          </p:cNvPr>
+          <p:cNvPicPr>
+            <a:picLocks noChangeAspect="1"/>
+          </p:cNvPicPr>
+          <p:nvPr/>
+        </p:nvPicPr>
+        <p:blipFill rotWithShape="1">
+          <a:blip r:embed="rId3"/>
+          <a:srcRect t="9256" r="7893" b="1414"/>
+          <a:stretch/>
+        </p:blipFill>
+        <p:spPr>
+          <a:xfrm>
+            <a:off x="2" y="10"/>
+            <a:ext cx="12191695" cy="6857990"/>
+          </a:xfrm>
+          <a:prstGeom prst="rect">
+            <a:avLst/>
+          </a:prstGeom>
+        </p:spPr>
+      </p:pic>
+      <p:sp>
+        <p:nvSpPr>
+          <p:cNvPr id="128" name="Rectangle 127">
+            <a:extLst>
+              <a:ext uri="{FF2B5EF4-FFF2-40B4-BE49-F238E27FC236}">
+                <a16:creationId xmlns:a16="http://schemas.microsoft.com/office/drawing/2014/main" id="{A4092ECB-D375-4A85-AD6E-85644D2A99E5}"/>
               </a:ext>
               <a:ext uri="{C183D7F6-B498-43B3-948B-1728B52AA6E4}">
                 <adec:decorative xmlns:adec="http://schemas.microsoft.com/office/drawing/2017/decorative" val="1"/>
@@ -8629,26 +13464,29 @@
         </p:nvSpPr>
         <p:spPr>
           <a:xfrm>
-            <a:off x="2" y="0"/>
-            <a:ext cx="12191695" cy="6858000"/>
+            <a:off x="-3177" y="3064931"/>
+            <a:ext cx="8293042" cy="2488568"/>
           </a:xfrm>
           <a:prstGeom prst="rect">
             <a:avLst/>
           </a:prstGeom>
+          <a:solidFill>
+            <a:srgbClr val="000001">
+              <a:alpha val="75000"/>
+            </a:srgbClr>
+          </a:solidFill>
           <a:ln>
             <a:noFill/>
           </a:ln>
         </p:spPr>
         <p:style>
-          <a:lnRef idx="2">
-            <a:schemeClr val="accent1">
-              <a:shade val="50000"/>
-            </a:schemeClr>
+          <a:lnRef idx="1">
+            <a:schemeClr val="accent1"/>
           </a:lnRef>
-          <a:fillRef idx="1">
+          <a:fillRef idx="3">
             <a:schemeClr val="accent1"/>
           </a:fillRef>
-          <a:effectRef idx="0">
+          <a:effectRef idx="2">
             <a:schemeClr val="accent1"/>
           </a:effectRef>
           <a:fontRef idx="minor">
@@ -8666,98 +13504,25 @@
       </p:sp>
       <p:sp>
         <p:nvSpPr>
-          <p:cNvPr id="45" name="Rectangle 31">
+          <p:cNvPr id="2" name="Title 1">
             <a:extLst>
               <a:ext uri="{FF2B5EF4-FFF2-40B4-BE49-F238E27FC236}">
-                <a16:creationId xmlns:a16="http://schemas.microsoft.com/office/drawing/2014/main" id="{35C2355B-7CE9-4192-9142-A41CA0A0C08B}"/>
-              </a:ext>
-              <a:ext uri="{C183D7F6-B498-43B3-948B-1728B52AA6E4}">
-                <adec:decorative xmlns:adec="http://schemas.microsoft.com/office/drawing/2017/decorative" val="1"/>
+                <a16:creationId xmlns:a16="http://schemas.microsoft.com/office/drawing/2014/main" id="{A8C1B46C-AD9F-7F43-A2FB-26949238F1D5}"/>
               </a:ext>
             </a:extLst>
           </p:cNvPr>
           <p:cNvSpPr>
-            <a:spLocks noGrp="1" noRot="1" noChangeAspect="1" noMove="1" noResize="1" noEditPoints="1" noAdjustHandles="1" noChangeArrowheads="1" noChangeShapeType="1" noTextEdit="1"/>
+            <a:spLocks noGrp="1"/>
           </p:cNvSpPr>
           <p:nvPr>
-            <p:extLst>
-              <p:ext uri="{386F3935-93C4-4BCD-93E2-E3B085C9AB24}">
-                <p16:designElem xmlns:p16="http://schemas.microsoft.com/office/powerpoint/2015/main" val="1"/>
-              </p:ext>
-            </p:extLst>
+            <p:ph type="title"/>
           </p:nvPr>
         </p:nvSpPr>
         <p:spPr>
           <a:xfrm>
-            <a:off x="0" y="2019476"/>
-            <a:ext cx="12192000" cy="4105941"/>
+            <a:off x="1300526" y="3236470"/>
+            <a:ext cx="6829044" cy="1252601"/>
           </a:xfrm>
-          <a:prstGeom prst="rect">
-            <a:avLst/>
-          </a:prstGeom>
-          <a:gradFill flip="none" rotWithShape="1">
-            <a:gsLst>
-              <a:gs pos="0">
-                <a:schemeClr val="bg2">
-                  <a:alpha val="0"/>
-                </a:schemeClr>
-              </a:gs>
-              <a:gs pos="100000">
-                <a:schemeClr val="bg2"/>
-              </a:gs>
-            </a:gsLst>
-            <a:lin ang="5400000" scaled="0"/>
-            <a:tileRect/>
-          </a:gradFill>
-          <a:ln>
-            <a:noFill/>
-          </a:ln>
-        </p:spPr>
-        <p:style>
-          <a:lnRef idx="2">
-            <a:schemeClr val="accent1">
-              <a:shade val="50000"/>
-            </a:schemeClr>
-          </a:lnRef>
-          <a:fillRef idx="1">
-            <a:schemeClr val="accent1"/>
-          </a:fillRef>
-          <a:effectRef idx="0">
-            <a:schemeClr val="accent1"/>
-          </a:effectRef>
-          <a:fontRef idx="minor">
-            <a:schemeClr val="lt1"/>
-          </a:fontRef>
-        </p:style>
-        <p:txBody>
-          <a:bodyPr rtlCol="0" anchor="ctr"/>
-          <a:lstStyle/>
-          <a:p>
-            <a:pPr lvl="0" algn="ctr"/>
-            <a:endParaRPr lang="en-US"/>
-          </a:p>
-        </p:txBody>
-      </p:sp>
-      <p:sp>
-        <p:nvSpPr>
-          <p:cNvPr id="17" name="TextBox 16">
-            <a:extLst>
-              <a:ext uri="{FF2B5EF4-FFF2-40B4-BE49-F238E27FC236}">
-                <a16:creationId xmlns:a16="http://schemas.microsoft.com/office/drawing/2014/main" id="{4FE33B69-AAB8-9645-AFF9-D6CDF7B286AF}"/>
-              </a:ext>
-            </a:extLst>
-          </p:cNvPr>
-          <p:cNvSpPr txBox="1"/>
-          <p:nvPr/>
-        </p:nvSpPr>
-        <p:spPr>
-          <a:xfrm>
-            <a:off x="6585200" y="967167"/>
-            <a:ext cx="4151306" cy="2374516"/>
-          </a:xfrm>
-          <a:prstGeom prst="rect">
-            <a:avLst/>
-          </a:prstGeom>
         </p:spPr>
         <p:txBody>
           <a:bodyPr vert="horz" lIns="91440" tIns="45720" rIns="91440" bIns="0" rtlCol="0" anchor="b">
@@ -8765,80 +13530,24 @@
           </a:bodyPr>
           <a:lstStyle/>
           <a:p>
-            <a:pPr defTabSz="914400">
-              <a:lnSpc>
-                <a:spcPct val="90000"/>
-              </a:lnSpc>
-              <a:spcBef>
-                <a:spcPct val="0"/>
-              </a:spcBef>
-              <a:spcAft>
-                <a:spcPts val="600"/>
-              </a:spcAft>
-            </a:pPr>
-            <a:r>
-              <a:rPr lang="en-US" sz="4800" cap="all" dirty="0">
-                <a:latin typeface="+mj-lt"/>
-                <a:ea typeface="+mj-ea"/>
-                <a:cs typeface="+mj-cs"/>
+            <a:pPr algn="r"/>
+            <a:r>
+              <a:rPr lang="en-US" sz="4400">
+                <a:solidFill>
+                  <a:srgbClr val="FFFFFE"/>
+                </a:solidFill>
               </a:rPr>
-              <a:t>Apple TV 2</a:t>
-            </a:r>
-            <a:r>
-              <a:rPr lang="en-US" sz="4800" cap="all" baseline="30000" dirty="0">
-                <a:latin typeface="+mj-lt"/>
-                <a:ea typeface="+mj-ea"/>
-                <a:cs typeface="+mj-cs"/>
-              </a:rPr>
-              <a:t>nd</a:t>
-            </a:r>
-            <a:r>
-              <a:rPr lang="en-US" sz="4800" cap="all" dirty="0">
-                <a:latin typeface="+mj-lt"/>
-                <a:ea typeface="+mj-ea"/>
-                <a:cs typeface="+mj-cs"/>
-              </a:rPr>
-              <a:t> Gen (2010)</a:t>
+              <a:t>tvOS &amp; Apple TV</a:t>
             </a:r>
           </a:p>
         </p:txBody>
       </p:sp>
-      <p:pic>
-        <p:nvPicPr>
-          <p:cNvPr id="3" name="Picture 2">
+      <p:cxnSp>
+        <p:nvCxnSpPr>
+          <p:cNvPr id="130" name="Straight Connector 129">
             <a:extLst>
               <a:ext uri="{FF2B5EF4-FFF2-40B4-BE49-F238E27FC236}">
-                <a16:creationId xmlns:a16="http://schemas.microsoft.com/office/drawing/2014/main" id="{C5CE3009-87BB-EE46-A83A-51EA4391019C}"/>
-              </a:ext>
-            </a:extLst>
-          </p:cNvPr>
-          <p:cNvPicPr>
-            <a:picLocks noChangeAspect="1"/>
-          </p:cNvPicPr>
-          <p:nvPr/>
-        </p:nvPicPr>
-        <p:blipFill>
-          <a:blip r:embed="rId3"/>
-          <a:stretch>
-            <a:fillRect/>
-          </a:stretch>
-        </p:blipFill>
-        <p:spPr>
-          <a:xfrm>
-            <a:off x="1130029" y="860361"/>
-            <a:ext cx="4960442" cy="4551205"/>
-          </a:xfrm>
-          <a:prstGeom prst="rect">
-            <a:avLst/>
-          </a:prstGeom>
-        </p:spPr>
-      </p:pic>
-      <p:cxnSp>
-        <p:nvCxnSpPr>
-          <p:cNvPr id="46" name="Straight Connector 33">
-            <a:extLst>
-              <a:ext uri="{FF2B5EF4-FFF2-40B4-BE49-F238E27FC236}">
-                <a16:creationId xmlns:a16="http://schemas.microsoft.com/office/drawing/2014/main" id="{06D05ED8-39E4-42F8-92CB-704C2BD0D215}"/>
+                <a16:creationId xmlns:a16="http://schemas.microsoft.com/office/drawing/2014/main" id="{B6C1711D-6DAC-4FE1-B7B6-AC8A81B84C08}"/>
               </a:ext>
               <a:ext uri="{C183D7F6-B498-43B3-948B-1728B52AA6E4}">
                 <adec:decorative xmlns:adec="http://schemas.microsoft.com/office/drawing/2017/decorative" val="1"/>
@@ -8858,8 +13567,8 @@
         </p:nvCxnSpPr>
         <p:spPr>
           <a:xfrm>
-            <a:off x="6579647" y="3526496"/>
-            <a:ext cx="4149931" cy="0"/>
+            <a:off x="1300525" y="4666480"/>
+            <a:ext cx="6829043" cy="0"/>
           </a:xfrm>
           <a:prstGeom prst="line">
             <a:avLst/>
@@ -8874,104 +13583,6 @@
             <a:schemeClr val="accent1"/>
           </a:fillRef>
           <a:effectRef idx="2">
-            <a:schemeClr val="accent1"/>
-          </a:effectRef>
-          <a:fontRef idx="minor">
-            <a:schemeClr val="tx1"/>
-          </a:fontRef>
-        </p:style>
-      </p:cxnSp>
-      <p:pic>
-        <p:nvPicPr>
-          <p:cNvPr id="47" name="Picture 35">
-            <a:extLst>
-              <a:ext uri="{FF2B5EF4-FFF2-40B4-BE49-F238E27FC236}">
-                <a16:creationId xmlns:a16="http://schemas.microsoft.com/office/drawing/2014/main" id="{45CE2E7C-6AA3-4710-825D-4CDDF788C7BC}"/>
-              </a:ext>
-              <a:ext uri="{C183D7F6-B498-43B3-948B-1728B52AA6E4}">
-                <adec:decorative xmlns:adec="http://schemas.microsoft.com/office/drawing/2017/decorative" val="1"/>
-              </a:ext>
-            </a:extLst>
-          </p:cNvPr>
-          <p:cNvPicPr>
-            <a:picLocks noGrp="1" noRot="1" noChangeAspect="1" noMove="1" noResize="1" noEditPoints="1" noAdjustHandles="1" noChangeArrowheads="1" noChangeShapeType="1" noCrop="1"/>
-          </p:cNvPicPr>
-          <p:nvPr>
-            <p:extLst>
-              <p:ext uri="{386F3935-93C4-4BCD-93E2-E3B085C9AB24}">
-                <p16:designElem xmlns:p16="http://schemas.microsoft.com/office/powerpoint/2015/main" val="1"/>
-              </p:ext>
-            </p:extLst>
-          </p:nvPr>
-        </p:nvPicPr>
-        <p:blipFill rotWithShape="1">
-          <a:blip r:embed="rId2">
-            <a:extLst>
-              <a:ext uri="{28A0092B-C50C-407E-A947-70E740481C1C}">
-                <a14:useLocalDpi xmlns:a14="http://schemas.microsoft.com/office/drawing/2010/main" val="0"/>
-              </a:ext>
-            </a:extLst>
-          </a:blip>
-          <a:srcRect t="1538" b="-1538"/>
-          <a:stretch/>
-        </p:blipFill>
-        <p:spPr bwMode="black">
-          <a:xfrm>
-            <a:off x="0" y="6126480"/>
-            <a:ext cx="12192000" cy="742950"/>
-          </a:xfrm>
-          <a:prstGeom prst="rect">
-            <a:avLst/>
-          </a:prstGeom>
-        </p:spPr>
-      </p:pic>
-      <p:cxnSp>
-        <p:nvCxnSpPr>
-          <p:cNvPr id="48" name="Straight Connector 37">
-            <a:extLst>
-              <a:ext uri="{FF2B5EF4-FFF2-40B4-BE49-F238E27FC236}">
-                <a16:creationId xmlns:a16="http://schemas.microsoft.com/office/drawing/2014/main" id="{3256C6C3-0EDC-4651-AB37-9F26CFAA6C86}"/>
-              </a:ext>
-              <a:ext uri="{C183D7F6-B498-43B3-948B-1728B52AA6E4}">
-                <adec:decorative xmlns:adec="http://schemas.microsoft.com/office/drawing/2017/decorative" val="1"/>
-              </a:ext>
-            </a:extLst>
-          </p:cNvPr>
-          <p:cNvCxnSpPr>
-            <a:cxnSpLocks noGrp="1" noRot="1" noChangeAspect="1" noMove="1" noResize="1" noEditPoints="1" noAdjustHandles="1" noChangeArrowheads="1" noChangeShapeType="1"/>
-          </p:cNvCxnSpPr>
-          <p:nvPr>
-            <p:extLst>
-              <p:ext uri="{386F3935-93C4-4BCD-93E2-E3B085C9AB24}">
-                <p16:designElem xmlns:p16="http://schemas.microsoft.com/office/powerpoint/2015/main" val="1"/>
-              </p:ext>
-            </p:extLst>
-          </p:nvPr>
-        </p:nvCxnSpPr>
-        <p:spPr>
-          <a:xfrm>
-            <a:off x="0" y="6128413"/>
-            <a:ext cx="12192000" cy="0"/>
-          </a:xfrm>
-          <a:prstGeom prst="line">
-            <a:avLst/>
-          </a:prstGeom>
-          <a:ln w="12700">
-            <a:solidFill>
-              <a:srgbClr val="000001">
-                <a:alpha val="20000"/>
-              </a:srgbClr>
-            </a:solidFill>
-          </a:ln>
-        </p:spPr>
-        <p:style>
-          <a:lnRef idx="1">
-            <a:schemeClr val="accent1"/>
-          </a:lnRef>
-          <a:fillRef idx="0">
-            <a:schemeClr val="accent1"/>
-          </a:fillRef>
-          <a:effectRef idx="0">
             <a:schemeClr val="accent1"/>
           </a:effectRef>
           <a:fontRef idx="minor">
@@ -8982,7 +13593,7 @@
     </p:spTree>
     <p:extLst>
       <p:ext uri="{BB962C8B-B14F-4D97-AF65-F5344CB8AC3E}">
-        <p14:creationId xmlns:p14="http://schemas.microsoft.com/office/powerpoint/2010/main" val="311272790"/>
+        <p14:creationId xmlns:p14="http://schemas.microsoft.com/office/powerpoint/2010/main" val="2533410305"/>
       </p:ext>
     </p:extLst>
   </p:cSld>
@@ -9035,10 +13646,10 @@
       </p:grpSpPr>
       <p:sp>
         <p:nvSpPr>
-          <p:cNvPr id="38" name="Rectangle 37">
+          <p:cNvPr id="14" name="Rectangle 7">
             <a:extLst>
               <a:ext uri="{FF2B5EF4-FFF2-40B4-BE49-F238E27FC236}">
-                <a16:creationId xmlns:a16="http://schemas.microsoft.com/office/drawing/2014/main" id="{0CABCAE3-64FC-4149-819F-2C1812824154}"/>
+                <a16:creationId xmlns:a16="http://schemas.microsoft.com/office/drawing/2014/main" id="{7013A21A-6440-4CD4-9FC7-9EB2C702042A}"/>
               </a:ext>
               <a:ext uri="{C183D7F6-B498-43B3-948B-1728B52AA6E4}">
                 <adec:decorative xmlns:adec="http://schemas.microsoft.com/office/drawing/2017/decorative" val="1"/>
@@ -9058,26 +13669,15 @@
         </p:nvSpPr>
         <p:spPr>
           <a:xfrm>
-            <a:off x="0" y="2019476"/>
-            <a:ext cx="12192000" cy="4105941"/>
+            <a:off x="0" y="0"/>
+            <a:ext cx="12192000" cy="6858000"/>
           </a:xfrm>
           <a:prstGeom prst="rect">
             <a:avLst/>
           </a:prstGeom>
-          <a:gradFill flip="none" rotWithShape="1">
-            <a:gsLst>
-              <a:gs pos="0">
-                <a:schemeClr val="bg2">
-                  <a:alpha val="0"/>
-                </a:schemeClr>
-              </a:gs>
-              <a:gs pos="100000">
-                <a:schemeClr val="bg2"/>
-              </a:gs>
-            </a:gsLst>
-            <a:lin ang="5400000" scaled="0"/>
-            <a:tileRect/>
-          </a:gradFill>
+          <a:solidFill>
+            <a:schemeClr val="bg1"/>
+          </a:solidFill>
           <a:ln>
             <a:noFill/>
           </a:ln>
@@ -9098,204 +13698,6 @@
             <a:schemeClr val="lt1"/>
           </a:fontRef>
         </p:style>
-      </p:sp>
-      <p:pic>
-        <p:nvPicPr>
-          <p:cNvPr id="40" name="Picture 39">
-            <a:extLst>
-              <a:ext uri="{FF2B5EF4-FFF2-40B4-BE49-F238E27FC236}">
-                <a16:creationId xmlns:a16="http://schemas.microsoft.com/office/drawing/2014/main" id="{012FDCFE-9AD2-4D8A-8CBF-B3AA37EBF6DD}"/>
-              </a:ext>
-              <a:ext uri="{C183D7F6-B498-43B3-948B-1728B52AA6E4}">
-                <adec:decorative xmlns:adec="http://schemas.microsoft.com/office/drawing/2017/decorative" val="1"/>
-              </a:ext>
-            </a:extLst>
-          </p:cNvPr>
-          <p:cNvPicPr>
-            <a:picLocks noGrp="1" noRot="1" noChangeAspect="1" noMove="1" noResize="1" noEditPoints="1" noAdjustHandles="1" noChangeArrowheads="1" noChangeShapeType="1" noCrop="1"/>
-          </p:cNvPicPr>
-          <p:nvPr>
-            <p:extLst>
-              <p:ext uri="{386F3935-93C4-4BCD-93E2-E3B085C9AB24}">
-                <p16:designElem xmlns:p16="http://schemas.microsoft.com/office/powerpoint/2015/main" val="1"/>
-              </p:ext>
-            </p:extLst>
-          </p:nvPr>
-        </p:nvPicPr>
-        <p:blipFill rotWithShape="1">
-          <a:blip r:embed="rId2">
-            <a:extLst>
-              <a:ext uri="{28A0092B-C50C-407E-A947-70E740481C1C}">
-                <a14:useLocalDpi xmlns:a14="http://schemas.microsoft.com/office/drawing/2010/main" val="0"/>
-              </a:ext>
-            </a:extLst>
-          </a:blip>
-          <a:srcRect t="1538" b="-1538"/>
-          <a:stretch/>
-        </p:blipFill>
-        <p:spPr bwMode="black">
-          <a:xfrm>
-            <a:off x="0" y="6126480"/>
-            <a:ext cx="12192000" cy="742950"/>
-          </a:xfrm>
-          <a:prstGeom prst="rect">
-            <a:avLst/>
-          </a:prstGeom>
-        </p:spPr>
-      </p:pic>
-      <p:cxnSp>
-        <p:nvCxnSpPr>
-          <p:cNvPr id="42" name="Straight Connector 41">
-            <a:extLst>
-              <a:ext uri="{FF2B5EF4-FFF2-40B4-BE49-F238E27FC236}">
-                <a16:creationId xmlns:a16="http://schemas.microsoft.com/office/drawing/2014/main" id="{FBD463FC-4CA8-4FF4-85A3-AF9F4B98D210}"/>
-              </a:ext>
-              <a:ext uri="{C183D7F6-B498-43B3-948B-1728B52AA6E4}">
-                <adec:decorative xmlns:adec="http://schemas.microsoft.com/office/drawing/2017/decorative" val="1"/>
-              </a:ext>
-            </a:extLst>
-          </p:cNvPr>
-          <p:cNvCxnSpPr>
-            <a:cxnSpLocks noGrp="1" noRot="1" noChangeAspect="1" noMove="1" noResize="1" noEditPoints="1" noAdjustHandles="1" noChangeArrowheads="1" noChangeShapeType="1"/>
-          </p:cNvCxnSpPr>
-          <p:nvPr>
-            <p:extLst>
-              <p:ext uri="{386F3935-93C4-4BCD-93E2-E3B085C9AB24}">
-                <p16:designElem xmlns:p16="http://schemas.microsoft.com/office/powerpoint/2015/main" val="1"/>
-              </p:ext>
-            </p:extLst>
-          </p:nvPr>
-        </p:nvCxnSpPr>
-        <p:spPr>
-          <a:xfrm>
-            <a:off x="0" y="6128413"/>
-            <a:ext cx="12192000" cy="0"/>
-          </a:xfrm>
-          <a:prstGeom prst="line">
-            <a:avLst/>
-          </a:prstGeom>
-          <a:ln w="12700">
-            <a:solidFill>
-              <a:srgbClr val="000001">
-                <a:alpha val="20000"/>
-              </a:srgbClr>
-            </a:solidFill>
-          </a:ln>
-        </p:spPr>
-        <p:style>
-          <a:lnRef idx="1">
-            <a:schemeClr val="accent1"/>
-          </a:lnRef>
-          <a:fillRef idx="0">
-            <a:schemeClr val="accent1"/>
-          </a:fillRef>
-          <a:effectRef idx="0">
-            <a:schemeClr val="accent1"/>
-          </a:effectRef>
-          <a:fontRef idx="minor">
-            <a:schemeClr val="tx1"/>
-          </a:fontRef>
-        </p:style>
-      </p:cxnSp>
-      <p:cxnSp>
-        <p:nvCxnSpPr>
-          <p:cNvPr id="44" name="Straight Connector 43">
-            <a:extLst>
-              <a:ext uri="{FF2B5EF4-FFF2-40B4-BE49-F238E27FC236}">
-                <a16:creationId xmlns:a16="http://schemas.microsoft.com/office/drawing/2014/main" id="{BECF35C3-8B44-4F4B-BD25-4C01823DB22A}"/>
-              </a:ext>
-              <a:ext uri="{C183D7F6-B498-43B3-948B-1728B52AA6E4}">
-                <adec:decorative xmlns:adec="http://schemas.microsoft.com/office/drawing/2017/decorative" val="1"/>
-              </a:ext>
-            </a:extLst>
-          </p:cNvPr>
-          <p:cNvCxnSpPr>
-            <a:cxnSpLocks noGrp="1" noRot="1" noChangeAspect="1" noMove="1" noResize="1" noEditPoints="1" noAdjustHandles="1" noChangeArrowheads="1" noChangeShapeType="1"/>
-          </p:cNvCxnSpPr>
-          <p:nvPr>
-            <p:extLst>
-              <p:ext uri="{386F3935-93C4-4BCD-93E2-E3B085C9AB24}">
-                <p16:designElem xmlns:p16="http://schemas.microsoft.com/office/powerpoint/2015/main" val="1"/>
-              </p:ext>
-            </p:extLst>
-          </p:nvPr>
-        </p:nvCxnSpPr>
-        <p:spPr>
-          <a:xfrm>
-            <a:off x="2417780" y="3528542"/>
-            <a:ext cx="8637072" cy="0"/>
-          </a:xfrm>
-          <a:prstGeom prst="line">
-            <a:avLst/>
-          </a:prstGeom>
-          <a:ln w="31750"/>
-        </p:spPr>
-        <p:style>
-          <a:lnRef idx="3">
-            <a:schemeClr val="accent1"/>
-          </a:lnRef>
-          <a:fillRef idx="0">
-            <a:schemeClr val="accent1"/>
-          </a:fillRef>
-          <a:effectRef idx="2">
-            <a:schemeClr val="accent1"/>
-          </a:effectRef>
-          <a:fontRef idx="minor">
-            <a:schemeClr val="tx1"/>
-          </a:fontRef>
-        </p:style>
-      </p:cxnSp>
-      <p:sp useBgFill="1">
-        <p:nvSpPr>
-          <p:cNvPr id="46" name="Rectangle 45">
-            <a:extLst>
-              <a:ext uri="{FF2B5EF4-FFF2-40B4-BE49-F238E27FC236}">
-                <a16:creationId xmlns:a16="http://schemas.microsoft.com/office/drawing/2014/main" id="{8BC298DB-2D5C-40A1-9A78-6B4A12198A9B}"/>
-              </a:ext>
-              <a:ext uri="{C183D7F6-B498-43B3-948B-1728B52AA6E4}">
-                <adec:decorative xmlns:adec="http://schemas.microsoft.com/office/drawing/2017/decorative" val="1"/>
-              </a:ext>
-            </a:extLst>
-          </p:cNvPr>
-          <p:cNvSpPr>
-            <a:spLocks noGrp="1" noRot="1" noChangeAspect="1" noMove="1" noResize="1" noEditPoints="1" noAdjustHandles="1" noChangeArrowheads="1" noChangeShapeType="1" noTextEdit="1"/>
-          </p:cNvSpPr>
-          <p:nvPr>
-            <p:extLst>
-              <p:ext uri="{386F3935-93C4-4BCD-93E2-E3B085C9AB24}">
-                <p16:designElem xmlns:p16="http://schemas.microsoft.com/office/powerpoint/2015/main" val="1"/>
-              </p:ext>
-            </p:extLst>
-          </p:nvPr>
-        </p:nvSpPr>
-        <p:spPr>
-          <a:xfrm>
-            <a:off x="2" y="0"/>
-            <a:ext cx="12191695" cy="6858000"/>
-          </a:xfrm>
-          <a:prstGeom prst="rect">
-            <a:avLst/>
-          </a:prstGeom>
-          <a:ln>
-            <a:noFill/>
-          </a:ln>
-        </p:spPr>
-        <p:style>
-          <a:lnRef idx="2">
-            <a:schemeClr val="accent1">
-              <a:shade val="50000"/>
-            </a:schemeClr>
-          </a:lnRef>
-          <a:fillRef idx="1">
-            <a:schemeClr val="accent1"/>
-          </a:fillRef>
-          <a:effectRef idx="0">
-            <a:schemeClr val="accent1"/>
-          </a:effectRef>
-          <a:fontRef idx="minor">
-            <a:schemeClr val="lt1"/>
-          </a:fontRef>
-        </p:style>
         <p:txBody>
           <a:bodyPr rtlCol="0" anchor="ctr"/>
           <a:lstStyle/>
@@ -9305,151 +13707,12 @@
           </a:p>
         </p:txBody>
       </p:sp>
-      <p:sp>
-        <p:nvSpPr>
-          <p:cNvPr id="48" name="Rectangle 47">
+      <p:pic>
+        <p:nvPicPr>
+          <p:cNvPr id="3" name="Picture 2">
             <a:extLst>
               <a:ext uri="{FF2B5EF4-FFF2-40B4-BE49-F238E27FC236}">
-                <a16:creationId xmlns:a16="http://schemas.microsoft.com/office/drawing/2014/main" id="{35C2355B-7CE9-4192-9142-A41CA0A0C08B}"/>
-              </a:ext>
-              <a:ext uri="{C183D7F6-B498-43B3-948B-1728B52AA6E4}">
-                <adec:decorative xmlns:adec="http://schemas.microsoft.com/office/drawing/2017/decorative" val="1"/>
-              </a:ext>
-            </a:extLst>
-          </p:cNvPr>
-          <p:cNvSpPr>
-            <a:spLocks noGrp="1" noRot="1" noChangeAspect="1" noMove="1" noResize="1" noEditPoints="1" noAdjustHandles="1" noChangeArrowheads="1" noChangeShapeType="1" noTextEdit="1"/>
-          </p:cNvSpPr>
-          <p:nvPr>
-            <p:extLst>
-              <p:ext uri="{386F3935-93C4-4BCD-93E2-E3B085C9AB24}">
-                <p16:designElem xmlns:p16="http://schemas.microsoft.com/office/powerpoint/2015/main" val="1"/>
-              </p:ext>
-            </p:extLst>
-          </p:nvPr>
-        </p:nvSpPr>
-        <p:spPr>
-          <a:xfrm>
-            <a:off x="0" y="2019476"/>
-            <a:ext cx="12192000" cy="4105941"/>
-          </a:xfrm>
-          <a:prstGeom prst="rect">
-            <a:avLst/>
-          </a:prstGeom>
-          <a:gradFill flip="none" rotWithShape="1">
-            <a:gsLst>
-              <a:gs pos="0">
-                <a:schemeClr val="bg2">
-                  <a:alpha val="0"/>
-                </a:schemeClr>
-              </a:gs>
-              <a:gs pos="100000">
-                <a:schemeClr val="bg2"/>
-              </a:gs>
-            </a:gsLst>
-            <a:lin ang="5400000" scaled="0"/>
-            <a:tileRect/>
-          </a:gradFill>
-          <a:ln>
-            <a:noFill/>
-          </a:ln>
-        </p:spPr>
-        <p:style>
-          <a:lnRef idx="2">
-            <a:schemeClr val="accent1">
-              <a:shade val="50000"/>
-            </a:schemeClr>
-          </a:lnRef>
-          <a:fillRef idx="1">
-            <a:schemeClr val="accent1"/>
-          </a:fillRef>
-          <a:effectRef idx="0">
-            <a:schemeClr val="accent1"/>
-          </a:effectRef>
-          <a:fontRef idx="minor">
-            <a:schemeClr val="lt1"/>
-          </a:fontRef>
-        </p:style>
-        <p:txBody>
-          <a:bodyPr rtlCol="0" anchor="ctr"/>
-          <a:lstStyle/>
-          <a:p>
-            <a:pPr lvl="0" algn="ctr"/>
-            <a:endParaRPr lang="en-US"/>
-          </a:p>
-        </p:txBody>
-      </p:sp>
-      <p:sp>
-        <p:nvSpPr>
-          <p:cNvPr id="12" name="TextBox 11">
-            <a:extLst>
-              <a:ext uri="{FF2B5EF4-FFF2-40B4-BE49-F238E27FC236}">
-                <a16:creationId xmlns:a16="http://schemas.microsoft.com/office/drawing/2014/main" id="{BFAB766D-A5BE-9048-B7F4-B4157DB3A1D1}"/>
-              </a:ext>
-            </a:extLst>
-          </p:cNvPr>
-          <p:cNvSpPr txBox="1"/>
-          <p:nvPr/>
-        </p:nvSpPr>
-        <p:spPr>
-          <a:xfrm>
-            <a:off x="6585200" y="967167"/>
-            <a:ext cx="4151306" cy="2374516"/>
-          </a:xfrm>
-          <a:prstGeom prst="rect">
-            <a:avLst/>
-          </a:prstGeom>
-        </p:spPr>
-        <p:txBody>
-          <a:bodyPr vert="horz" lIns="91440" tIns="45720" rIns="91440" bIns="0" rtlCol="0" anchor="b">
-            <a:normAutofit/>
-          </a:bodyPr>
-          <a:lstStyle/>
-          <a:p>
-            <a:pPr defTabSz="914400">
-              <a:lnSpc>
-                <a:spcPct val="90000"/>
-              </a:lnSpc>
-              <a:spcBef>
-                <a:spcPct val="0"/>
-              </a:spcBef>
-              <a:spcAft>
-                <a:spcPts val="600"/>
-              </a:spcAft>
-            </a:pPr>
-            <a:r>
-              <a:rPr lang="en-US" sz="4800" cap="all" dirty="0">
-                <a:latin typeface="+mj-lt"/>
-                <a:ea typeface="+mj-ea"/>
-                <a:cs typeface="+mj-cs"/>
-              </a:rPr>
-              <a:t>Apple TV 5</a:t>
-            </a:r>
-            <a:r>
-              <a:rPr lang="en-US" sz="4800" cap="all" baseline="30000" dirty="0">
-                <a:latin typeface="+mj-lt"/>
-                <a:ea typeface="+mj-ea"/>
-                <a:cs typeface="+mj-cs"/>
-              </a:rPr>
-              <a:t>th</a:t>
-            </a:r>
-            <a:r>
-              <a:rPr lang="en-US" sz="4800" cap="all" dirty="0">
-                <a:latin typeface="+mj-lt"/>
-                <a:ea typeface="+mj-ea"/>
-                <a:cs typeface="+mj-cs"/>
-              </a:rPr>
-              <a:t> Gen (2017)</a:t>
-            </a:r>
-          </a:p>
-        </p:txBody>
-      </p:sp>
-      <p:pic>
-        <p:nvPicPr>
-          <p:cNvPr id="14" name="Picture 13">
-            <a:extLst>
-              <a:ext uri="{FF2B5EF4-FFF2-40B4-BE49-F238E27FC236}">
-                <a16:creationId xmlns:a16="http://schemas.microsoft.com/office/drawing/2014/main" id="{CC5112F1-437E-0540-85C3-16749655A384}"/>
+                <a16:creationId xmlns:a16="http://schemas.microsoft.com/office/drawing/2014/main" id="{2B41357A-5A29-DB4D-A638-ACF7E0E30CBF}"/>
               </a:ext>
             </a:extLst>
           </p:cNvPr>
@@ -9459,171 +13722,25 @@
           <p:nvPr/>
         </p:nvPicPr>
         <p:blipFill>
-          <a:blip r:embed="rId3"/>
+          <a:blip r:embed="rId2"/>
           <a:stretch>
             <a:fillRect/>
           </a:stretch>
         </p:blipFill>
         <p:spPr>
           <a:xfrm>
-            <a:off x="1130029" y="1033977"/>
-            <a:ext cx="4960442" cy="4203974"/>
+            <a:off x="964833" y="1376082"/>
+            <a:ext cx="10264590" cy="4105834"/>
           </a:xfrm>
           <a:prstGeom prst="rect">
             <a:avLst/>
           </a:prstGeom>
         </p:spPr>
       </p:pic>
-      <p:cxnSp>
-        <p:nvCxnSpPr>
-          <p:cNvPr id="50" name="Straight Connector 49">
-            <a:extLst>
-              <a:ext uri="{FF2B5EF4-FFF2-40B4-BE49-F238E27FC236}">
-                <a16:creationId xmlns:a16="http://schemas.microsoft.com/office/drawing/2014/main" id="{06D05ED8-39E4-42F8-92CB-704C2BD0D215}"/>
-              </a:ext>
-              <a:ext uri="{C183D7F6-B498-43B3-948B-1728B52AA6E4}">
-                <adec:decorative xmlns:adec="http://schemas.microsoft.com/office/drawing/2017/decorative" val="1"/>
-              </a:ext>
-            </a:extLst>
-          </p:cNvPr>
-          <p:cNvCxnSpPr>
-            <a:cxnSpLocks noGrp="1" noRot="1" noChangeAspect="1" noMove="1" noResize="1" noEditPoints="1" noAdjustHandles="1" noChangeArrowheads="1" noChangeShapeType="1"/>
-          </p:cNvCxnSpPr>
-          <p:nvPr>
-            <p:extLst>
-              <p:ext uri="{386F3935-93C4-4BCD-93E2-E3B085C9AB24}">
-                <p16:designElem xmlns:p16="http://schemas.microsoft.com/office/powerpoint/2015/main" val="1"/>
-              </p:ext>
-            </p:extLst>
-          </p:nvPr>
-        </p:nvCxnSpPr>
-        <p:spPr>
-          <a:xfrm>
-            <a:off x="6579647" y="3526496"/>
-            <a:ext cx="4149931" cy="0"/>
-          </a:xfrm>
-          <a:prstGeom prst="line">
-            <a:avLst/>
-          </a:prstGeom>
-          <a:ln w="31750"/>
-        </p:spPr>
-        <p:style>
-          <a:lnRef idx="3">
-            <a:schemeClr val="accent1"/>
-          </a:lnRef>
-          <a:fillRef idx="0">
-            <a:schemeClr val="accent1"/>
-          </a:fillRef>
-          <a:effectRef idx="2">
-            <a:schemeClr val="accent1"/>
-          </a:effectRef>
-          <a:fontRef idx="minor">
-            <a:schemeClr val="tx1"/>
-          </a:fontRef>
-        </p:style>
-      </p:cxnSp>
-      <p:pic>
-        <p:nvPicPr>
-          <p:cNvPr id="52" name="Picture 51">
-            <a:extLst>
-              <a:ext uri="{FF2B5EF4-FFF2-40B4-BE49-F238E27FC236}">
-                <a16:creationId xmlns:a16="http://schemas.microsoft.com/office/drawing/2014/main" id="{45CE2E7C-6AA3-4710-825D-4CDDF788C7BC}"/>
-              </a:ext>
-              <a:ext uri="{C183D7F6-B498-43B3-948B-1728B52AA6E4}">
-                <adec:decorative xmlns:adec="http://schemas.microsoft.com/office/drawing/2017/decorative" val="1"/>
-              </a:ext>
-            </a:extLst>
-          </p:cNvPr>
-          <p:cNvPicPr>
-            <a:picLocks noGrp="1" noRot="1" noChangeAspect="1" noMove="1" noResize="1" noEditPoints="1" noAdjustHandles="1" noChangeArrowheads="1" noChangeShapeType="1" noCrop="1"/>
-          </p:cNvPicPr>
-          <p:nvPr>
-            <p:extLst>
-              <p:ext uri="{386F3935-93C4-4BCD-93E2-E3B085C9AB24}">
-                <p16:designElem xmlns:p16="http://schemas.microsoft.com/office/powerpoint/2015/main" val="1"/>
-              </p:ext>
-            </p:extLst>
-          </p:nvPr>
-        </p:nvPicPr>
-        <p:blipFill rotWithShape="1">
-          <a:blip r:embed="rId2">
-            <a:extLst>
-              <a:ext uri="{28A0092B-C50C-407E-A947-70E740481C1C}">
-                <a14:useLocalDpi xmlns:a14="http://schemas.microsoft.com/office/drawing/2010/main" val="0"/>
-              </a:ext>
-            </a:extLst>
-          </a:blip>
-          <a:srcRect t="1538" b="-1538"/>
-          <a:stretch/>
-        </p:blipFill>
-        <p:spPr bwMode="black">
-          <a:xfrm>
-            <a:off x="0" y="6126480"/>
-            <a:ext cx="12192000" cy="742950"/>
-          </a:xfrm>
-          <a:prstGeom prst="rect">
-            <a:avLst/>
-          </a:prstGeom>
-        </p:spPr>
-      </p:pic>
-      <p:cxnSp>
-        <p:nvCxnSpPr>
-          <p:cNvPr id="54" name="Straight Connector 53">
-            <a:extLst>
-              <a:ext uri="{FF2B5EF4-FFF2-40B4-BE49-F238E27FC236}">
-                <a16:creationId xmlns:a16="http://schemas.microsoft.com/office/drawing/2014/main" id="{3256C6C3-0EDC-4651-AB37-9F26CFAA6C86}"/>
-              </a:ext>
-              <a:ext uri="{C183D7F6-B498-43B3-948B-1728B52AA6E4}">
-                <adec:decorative xmlns:adec="http://schemas.microsoft.com/office/drawing/2017/decorative" val="1"/>
-              </a:ext>
-            </a:extLst>
-          </p:cNvPr>
-          <p:cNvCxnSpPr>
-            <a:cxnSpLocks noGrp="1" noRot="1" noChangeAspect="1" noMove="1" noResize="1" noEditPoints="1" noAdjustHandles="1" noChangeArrowheads="1" noChangeShapeType="1"/>
-          </p:cNvCxnSpPr>
-          <p:nvPr>
-            <p:extLst>
-              <p:ext uri="{386F3935-93C4-4BCD-93E2-E3B085C9AB24}">
-                <p16:designElem xmlns:p16="http://schemas.microsoft.com/office/powerpoint/2015/main" val="1"/>
-              </p:ext>
-            </p:extLst>
-          </p:nvPr>
-        </p:nvCxnSpPr>
-        <p:spPr>
-          <a:xfrm>
-            <a:off x="0" y="6128413"/>
-            <a:ext cx="12192000" cy="0"/>
-          </a:xfrm>
-          <a:prstGeom prst="line">
-            <a:avLst/>
-          </a:prstGeom>
-          <a:ln w="12700">
-            <a:solidFill>
-              <a:srgbClr val="000001">
-                <a:alpha val="20000"/>
-              </a:srgbClr>
-            </a:solidFill>
-          </a:ln>
-        </p:spPr>
-        <p:style>
-          <a:lnRef idx="1">
-            <a:schemeClr val="accent1"/>
-          </a:lnRef>
-          <a:fillRef idx="0">
-            <a:schemeClr val="accent1"/>
-          </a:fillRef>
-          <a:effectRef idx="0">
-            <a:schemeClr val="accent1"/>
-          </a:effectRef>
-          <a:fontRef idx="minor">
-            <a:schemeClr val="tx1"/>
-          </a:fontRef>
-        </p:style>
-      </p:cxnSp>
     </p:spTree>
     <p:extLst>
       <p:ext uri="{BB962C8B-B14F-4D97-AF65-F5344CB8AC3E}">
-        <p14:creationId xmlns:p14="http://schemas.microsoft.com/office/powerpoint/2010/main" val="1785784091"/>
+        <p14:creationId xmlns:p14="http://schemas.microsoft.com/office/powerpoint/2010/main" val="1907458078"/>
       </p:ext>
     </p:extLst>
   </p:cSld>
@@ -9676,10 +13793,10 @@
       </p:grpSpPr>
       <p:sp>
         <p:nvSpPr>
-          <p:cNvPr id="32" name="Rectangle 13">
+          <p:cNvPr id="15" name="Rectangle 14">
             <a:extLst>
               <a:ext uri="{FF2B5EF4-FFF2-40B4-BE49-F238E27FC236}">
-                <a16:creationId xmlns:a16="http://schemas.microsoft.com/office/drawing/2014/main" id="{EEA869E1-F851-4A52-92F5-77E592B76A5B}"/>
+                <a16:creationId xmlns:a16="http://schemas.microsoft.com/office/drawing/2014/main" id="{7013A21A-6440-4CD4-9FC7-9EB2C702042A}"/>
               </a:ext>
               <a:ext uri="{C183D7F6-B498-43B3-948B-1728B52AA6E4}">
                 <adec:decorative xmlns:adec="http://schemas.microsoft.com/office/drawing/2017/decorative" val="1"/>
@@ -9699,26 +13816,15 @@
         </p:nvSpPr>
         <p:spPr>
           <a:xfrm>
-            <a:off x="0" y="2019476"/>
-            <a:ext cx="12192000" cy="4105941"/>
+            <a:off x="0" y="0"/>
+            <a:ext cx="12192000" cy="6858000"/>
           </a:xfrm>
           <a:prstGeom prst="rect">
             <a:avLst/>
           </a:prstGeom>
-          <a:gradFill flip="none" rotWithShape="1">
-            <a:gsLst>
-              <a:gs pos="0">
-                <a:schemeClr val="bg2">
-                  <a:alpha val="0"/>
-                </a:schemeClr>
-              </a:gs>
-              <a:gs pos="100000">
-                <a:schemeClr val="bg2"/>
-              </a:gs>
-            </a:gsLst>
-            <a:lin ang="5400000" scaled="0"/>
-            <a:tileRect/>
-          </a:gradFill>
+          <a:solidFill>
+            <a:schemeClr val="bg1"/>
+          </a:solidFill>
           <a:ln>
             <a:noFill/>
           </a:ln>
@@ -9739,204 +13845,6 @@
             <a:schemeClr val="lt1"/>
           </a:fontRef>
         </p:style>
-      </p:sp>
-      <p:pic>
-        <p:nvPicPr>
-          <p:cNvPr id="33" name="Picture 15">
-            <a:extLst>
-              <a:ext uri="{FF2B5EF4-FFF2-40B4-BE49-F238E27FC236}">
-                <a16:creationId xmlns:a16="http://schemas.microsoft.com/office/drawing/2014/main" id="{B083AD55-8296-44BD-8E14-DD2DDBC351B0}"/>
-              </a:ext>
-              <a:ext uri="{C183D7F6-B498-43B3-948B-1728B52AA6E4}">
-                <adec:decorative xmlns:adec="http://schemas.microsoft.com/office/drawing/2017/decorative" val="1"/>
-              </a:ext>
-            </a:extLst>
-          </p:cNvPr>
-          <p:cNvPicPr>
-            <a:picLocks noGrp="1" noRot="1" noChangeAspect="1" noMove="1" noResize="1" noEditPoints="1" noAdjustHandles="1" noChangeArrowheads="1" noChangeShapeType="1" noCrop="1"/>
-          </p:cNvPicPr>
-          <p:nvPr>
-            <p:extLst>
-              <p:ext uri="{386F3935-93C4-4BCD-93E2-E3B085C9AB24}">
-                <p16:designElem xmlns:p16="http://schemas.microsoft.com/office/powerpoint/2015/main" val="1"/>
-              </p:ext>
-            </p:extLst>
-          </p:nvPr>
-        </p:nvPicPr>
-        <p:blipFill rotWithShape="1">
-          <a:blip r:embed="rId3">
-            <a:extLst>
-              <a:ext uri="{28A0092B-C50C-407E-A947-70E740481C1C}">
-                <a14:useLocalDpi xmlns:a14="http://schemas.microsoft.com/office/drawing/2010/main" val="0"/>
-              </a:ext>
-            </a:extLst>
-          </a:blip>
-          <a:srcRect t="1538" b="-1538"/>
-          <a:stretch/>
-        </p:blipFill>
-        <p:spPr bwMode="black">
-          <a:xfrm>
-            <a:off x="0" y="6126480"/>
-            <a:ext cx="12192000" cy="742950"/>
-          </a:xfrm>
-          <a:prstGeom prst="rect">
-            <a:avLst/>
-          </a:prstGeom>
-        </p:spPr>
-      </p:pic>
-      <p:cxnSp>
-        <p:nvCxnSpPr>
-          <p:cNvPr id="34" name="Straight Connector 17">
-            <a:extLst>
-              <a:ext uri="{FF2B5EF4-FFF2-40B4-BE49-F238E27FC236}">
-                <a16:creationId xmlns:a16="http://schemas.microsoft.com/office/drawing/2014/main" id="{2BF46B26-15FC-4C5A-94FA-AE9ED64B5C20}"/>
-              </a:ext>
-              <a:ext uri="{C183D7F6-B498-43B3-948B-1728B52AA6E4}">
-                <adec:decorative xmlns:adec="http://schemas.microsoft.com/office/drawing/2017/decorative" val="1"/>
-              </a:ext>
-            </a:extLst>
-          </p:cNvPr>
-          <p:cNvCxnSpPr>
-            <a:cxnSpLocks noGrp="1" noRot="1" noChangeAspect="1" noMove="1" noResize="1" noEditPoints="1" noAdjustHandles="1" noChangeArrowheads="1" noChangeShapeType="1"/>
-          </p:cNvCxnSpPr>
-          <p:nvPr>
-            <p:extLst>
-              <p:ext uri="{386F3935-93C4-4BCD-93E2-E3B085C9AB24}">
-                <p16:designElem xmlns:p16="http://schemas.microsoft.com/office/powerpoint/2015/main" val="1"/>
-              </p:ext>
-            </p:extLst>
-          </p:nvPr>
-        </p:nvCxnSpPr>
-        <p:spPr>
-          <a:xfrm>
-            <a:off x="0" y="6128413"/>
-            <a:ext cx="12192000" cy="0"/>
-          </a:xfrm>
-          <a:prstGeom prst="line">
-            <a:avLst/>
-          </a:prstGeom>
-          <a:ln w="12700">
-            <a:solidFill>
-              <a:srgbClr val="000001">
-                <a:alpha val="20000"/>
-              </a:srgbClr>
-            </a:solidFill>
-          </a:ln>
-        </p:spPr>
-        <p:style>
-          <a:lnRef idx="1">
-            <a:schemeClr val="accent1"/>
-          </a:lnRef>
-          <a:fillRef idx="0">
-            <a:schemeClr val="accent1"/>
-          </a:fillRef>
-          <a:effectRef idx="0">
-            <a:schemeClr val="accent1"/>
-          </a:effectRef>
-          <a:fontRef idx="minor">
-            <a:schemeClr val="tx1"/>
-          </a:fontRef>
-        </p:style>
-      </p:cxnSp>
-      <p:cxnSp>
-        <p:nvCxnSpPr>
-          <p:cNvPr id="35" name="Straight Connector 19">
-            <a:extLst>
-              <a:ext uri="{FF2B5EF4-FFF2-40B4-BE49-F238E27FC236}">
-                <a16:creationId xmlns:a16="http://schemas.microsoft.com/office/drawing/2014/main" id="{912F6065-5345-44BD-B66E-5487CCD7A9B9}"/>
-              </a:ext>
-              <a:ext uri="{C183D7F6-B498-43B3-948B-1728B52AA6E4}">
-                <adec:decorative xmlns:adec="http://schemas.microsoft.com/office/drawing/2017/decorative" val="1"/>
-              </a:ext>
-            </a:extLst>
-          </p:cNvPr>
-          <p:cNvCxnSpPr>
-            <a:cxnSpLocks noGrp="1" noRot="1" noChangeAspect="1" noMove="1" noResize="1" noEditPoints="1" noAdjustHandles="1" noChangeArrowheads="1" noChangeShapeType="1"/>
-          </p:cNvCxnSpPr>
-          <p:nvPr>
-            <p:extLst>
-              <p:ext uri="{386F3935-93C4-4BCD-93E2-E3B085C9AB24}">
-                <p16:designElem xmlns:p16="http://schemas.microsoft.com/office/powerpoint/2015/main" val="1"/>
-              </p:ext>
-            </p:extLst>
-          </p:nvPr>
-        </p:nvCxnSpPr>
-        <p:spPr>
-          <a:xfrm>
-            <a:off x="2417780" y="3528542"/>
-            <a:ext cx="8637072" cy="0"/>
-          </a:xfrm>
-          <a:prstGeom prst="line">
-            <a:avLst/>
-          </a:prstGeom>
-          <a:ln w="31750"/>
-        </p:spPr>
-        <p:style>
-          <a:lnRef idx="3">
-            <a:schemeClr val="accent1"/>
-          </a:lnRef>
-          <a:fillRef idx="0">
-            <a:schemeClr val="accent1"/>
-          </a:fillRef>
-          <a:effectRef idx="2">
-            <a:schemeClr val="accent1"/>
-          </a:effectRef>
-          <a:fontRef idx="minor">
-            <a:schemeClr val="tx1"/>
-          </a:fontRef>
-        </p:style>
-      </p:cxnSp>
-      <p:sp useBgFill="1">
-        <p:nvSpPr>
-          <p:cNvPr id="36" name="Rectangle 21">
-            <a:extLst>
-              <a:ext uri="{FF2B5EF4-FFF2-40B4-BE49-F238E27FC236}">
-                <a16:creationId xmlns:a16="http://schemas.microsoft.com/office/drawing/2014/main" id="{0EF77632-1A0C-4B9F-829B-226E68A78E9F}"/>
-              </a:ext>
-              <a:ext uri="{C183D7F6-B498-43B3-948B-1728B52AA6E4}">
-                <adec:decorative xmlns:adec="http://schemas.microsoft.com/office/drawing/2017/decorative" val="1"/>
-              </a:ext>
-            </a:extLst>
-          </p:cNvPr>
-          <p:cNvSpPr>
-            <a:spLocks noGrp="1" noRot="1" noChangeAspect="1" noMove="1" noResize="1" noEditPoints="1" noAdjustHandles="1" noChangeArrowheads="1" noChangeShapeType="1" noTextEdit="1"/>
-          </p:cNvSpPr>
-          <p:nvPr>
-            <p:extLst>
-              <p:ext uri="{386F3935-93C4-4BCD-93E2-E3B085C9AB24}">
-                <p16:designElem xmlns:p16="http://schemas.microsoft.com/office/powerpoint/2015/main" val="1"/>
-              </p:ext>
-            </p:extLst>
-          </p:nvPr>
-        </p:nvSpPr>
-        <p:spPr>
-          <a:xfrm>
-            <a:off x="2" y="0"/>
-            <a:ext cx="12191695" cy="6858000"/>
-          </a:xfrm>
-          <a:prstGeom prst="rect">
-            <a:avLst/>
-          </a:prstGeom>
-          <a:ln>
-            <a:noFill/>
-          </a:ln>
-        </p:spPr>
-        <p:style>
-          <a:lnRef idx="2">
-            <a:schemeClr val="accent1">
-              <a:shade val="50000"/>
-            </a:schemeClr>
-          </a:lnRef>
-          <a:fillRef idx="1">
-            <a:schemeClr val="accent1"/>
-          </a:fillRef>
-          <a:effectRef idx="0">
-            <a:schemeClr val="accent1"/>
-          </a:effectRef>
-          <a:fontRef idx="minor">
-            <a:schemeClr val="lt1"/>
-          </a:fontRef>
-        </p:style>
         <p:txBody>
           <a:bodyPr rtlCol="0" anchor="ctr"/>
           <a:lstStyle/>
@@ -9946,425 +13854,12 @@
           </a:p>
         </p:txBody>
       </p:sp>
-      <p:sp>
-        <p:nvSpPr>
-          <p:cNvPr id="37" name="Rectangle 23">
+      <p:pic>
+        <p:nvPicPr>
+          <p:cNvPr id="5" name="Picture 4">
             <a:extLst>
               <a:ext uri="{FF2B5EF4-FFF2-40B4-BE49-F238E27FC236}">
-                <a16:creationId xmlns:a16="http://schemas.microsoft.com/office/drawing/2014/main" id="{F3DCFC27-6BCE-42B6-8372-070EA07685D7}"/>
-              </a:ext>
-              <a:ext uri="{C183D7F6-B498-43B3-948B-1728B52AA6E4}">
-                <adec:decorative xmlns:adec="http://schemas.microsoft.com/office/drawing/2017/decorative" val="1"/>
-              </a:ext>
-            </a:extLst>
-          </p:cNvPr>
-          <p:cNvSpPr>
-            <a:spLocks noGrp="1" noRot="1" noChangeAspect="1" noMove="1" noResize="1" noEditPoints="1" noAdjustHandles="1" noChangeArrowheads="1" noChangeShapeType="1" noTextEdit="1"/>
-          </p:cNvSpPr>
-          <p:nvPr>
-            <p:extLst>
-              <p:ext uri="{386F3935-93C4-4BCD-93E2-E3B085C9AB24}">
-                <p16:designElem xmlns:p16="http://schemas.microsoft.com/office/powerpoint/2015/main" val="1"/>
-              </p:ext>
-            </p:extLst>
-          </p:nvPr>
-        </p:nvSpPr>
-        <p:spPr>
-          <a:xfrm>
-            <a:off x="0" y="2019476"/>
-            <a:ext cx="12192000" cy="4105941"/>
-          </a:xfrm>
-          <a:prstGeom prst="rect">
-            <a:avLst/>
-          </a:prstGeom>
-          <a:gradFill flip="none" rotWithShape="1">
-            <a:gsLst>
-              <a:gs pos="0">
-                <a:schemeClr val="bg2">
-                  <a:alpha val="0"/>
-                </a:schemeClr>
-              </a:gs>
-              <a:gs pos="100000">
-                <a:schemeClr val="bg2"/>
-              </a:gs>
-            </a:gsLst>
-            <a:lin ang="5400000" scaled="0"/>
-            <a:tileRect/>
-          </a:gradFill>
-          <a:ln>
-            <a:noFill/>
-          </a:ln>
-        </p:spPr>
-        <p:style>
-          <a:lnRef idx="2">
-            <a:schemeClr val="accent1">
-              <a:shade val="50000"/>
-            </a:schemeClr>
-          </a:lnRef>
-          <a:fillRef idx="1">
-            <a:schemeClr val="accent1"/>
-          </a:fillRef>
-          <a:effectRef idx="0">
-            <a:schemeClr val="accent1"/>
-          </a:effectRef>
-          <a:fontRef idx="minor">
-            <a:schemeClr val="lt1"/>
-          </a:fontRef>
-        </p:style>
-        <p:txBody>
-          <a:bodyPr rtlCol="0" anchor="ctr"/>
-          <a:lstStyle/>
-          <a:p>
-            <a:pPr lvl="0" algn="ctr"/>
-            <a:endParaRPr lang="en-US"/>
-          </a:p>
-        </p:txBody>
-      </p:sp>
-      <p:sp>
-        <p:nvSpPr>
-          <p:cNvPr id="2" name="Title 1">
-            <a:extLst>
-              <a:ext uri="{FF2B5EF4-FFF2-40B4-BE49-F238E27FC236}">
-                <a16:creationId xmlns:a16="http://schemas.microsoft.com/office/drawing/2014/main" id="{34CC73FA-ED51-B640-A8A4-E95719356A60}"/>
-              </a:ext>
-            </a:extLst>
-          </p:cNvPr>
-          <p:cNvSpPr>
-            <a:spLocks noGrp="1"/>
-          </p:cNvSpPr>
-          <p:nvPr>
-            <p:ph type="title"/>
-          </p:nvPr>
-        </p:nvSpPr>
-        <p:spPr>
-          <a:xfrm>
-            <a:off x="1776424" y="4460798"/>
-            <a:ext cx="8637073" cy="558063"/>
-          </a:xfrm>
-        </p:spPr>
-        <p:txBody>
-          <a:bodyPr vert="horz" lIns="91440" tIns="45720" rIns="91440" bIns="0" rtlCol="0" anchor="b">
-            <a:normAutofit/>
-          </a:bodyPr>
-          <a:lstStyle/>
-          <a:p>
-            <a:r>
-              <a:rPr lang="en-US" sz="3100"/>
-              <a:t>iPhone and apple TV, which one is older?</a:t>
-            </a:r>
-          </a:p>
-        </p:txBody>
-      </p:sp>
-      <p:pic>
-        <p:nvPicPr>
-          <p:cNvPr id="5" name="Content Placeholder 4">
-            <a:extLst>
-              <a:ext uri="{FF2B5EF4-FFF2-40B4-BE49-F238E27FC236}">
-                <a16:creationId xmlns:a16="http://schemas.microsoft.com/office/drawing/2014/main" id="{991A921B-3753-4748-968C-E06EAF808A0D}"/>
-              </a:ext>
-            </a:extLst>
-          </p:cNvPr>
-          <p:cNvPicPr>
-            <a:picLocks noGrp="1" noChangeAspect="1"/>
-          </p:cNvPicPr>
-          <p:nvPr>
-            <p:ph idx="1"/>
-          </p:nvPr>
-        </p:nvPicPr>
-        <p:blipFill>
-          <a:blip r:embed="rId4"/>
-          <a:stretch>
-            <a:fillRect/>
-          </a:stretch>
-        </p:blipFill>
-        <p:spPr>
-          <a:xfrm>
-            <a:off x="2979277" y="202032"/>
-            <a:ext cx="1826157" cy="3495040"/>
-          </a:xfrm>
-          <a:prstGeom prst="rect">
-            <a:avLst/>
-          </a:prstGeom>
-        </p:spPr>
-      </p:pic>
-      <p:cxnSp>
-        <p:nvCxnSpPr>
-          <p:cNvPr id="38" name="Straight Connector 25">
-            <a:extLst>
-              <a:ext uri="{FF2B5EF4-FFF2-40B4-BE49-F238E27FC236}">
-                <a16:creationId xmlns:a16="http://schemas.microsoft.com/office/drawing/2014/main" id="{96A4B1E0-284C-4A01-8141-A24D2B8EE093}"/>
-              </a:ext>
-              <a:ext uri="{C183D7F6-B498-43B3-948B-1728B52AA6E4}">
-                <adec:decorative xmlns:adec="http://schemas.microsoft.com/office/drawing/2017/decorative" val="1"/>
-              </a:ext>
-            </a:extLst>
-          </p:cNvPr>
-          <p:cNvCxnSpPr>
-            <a:cxnSpLocks noGrp="1" noRot="1" noChangeAspect="1" noMove="1" noResize="1" noEditPoints="1" noAdjustHandles="1" noChangeArrowheads="1" noChangeShapeType="1"/>
-          </p:cNvCxnSpPr>
-          <p:nvPr>
-            <p:extLst>
-              <p:ext uri="{386F3935-93C4-4BCD-93E2-E3B085C9AB24}">
-                <p16:designElem xmlns:p16="http://schemas.microsoft.com/office/powerpoint/2015/main" val="1"/>
-              </p:ext>
-            </p:extLst>
-          </p:nvPr>
-        </p:nvCxnSpPr>
-        <p:spPr>
-          <a:xfrm>
-            <a:off x="1776728" y="5027185"/>
-            <a:ext cx="8643010" cy="0"/>
-          </a:xfrm>
-          <a:prstGeom prst="line">
-            <a:avLst/>
-          </a:prstGeom>
-          <a:ln w="31750"/>
-        </p:spPr>
-        <p:style>
-          <a:lnRef idx="3">
-            <a:schemeClr val="accent1"/>
-          </a:lnRef>
-          <a:fillRef idx="0">
-            <a:schemeClr val="accent1"/>
-          </a:fillRef>
-          <a:effectRef idx="2">
-            <a:schemeClr val="accent1"/>
-          </a:effectRef>
-          <a:fontRef idx="minor">
-            <a:schemeClr val="tx1"/>
-          </a:fontRef>
-        </p:style>
-      </p:cxnSp>
-      <p:pic>
-        <p:nvPicPr>
-          <p:cNvPr id="39" name="Picture 27">
-            <a:extLst>
-              <a:ext uri="{FF2B5EF4-FFF2-40B4-BE49-F238E27FC236}">
-                <a16:creationId xmlns:a16="http://schemas.microsoft.com/office/drawing/2014/main" id="{F82046CE-87C5-4670-A404-6AB453F5A928}"/>
-              </a:ext>
-              <a:ext uri="{C183D7F6-B498-43B3-948B-1728B52AA6E4}">
-                <adec:decorative xmlns:adec="http://schemas.microsoft.com/office/drawing/2017/decorative" val="1"/>
-              </a:ext>
-            </a:extLst>
-          </p:cNvPr>
-          <p:cNvPicPr>
-            <a:picLocks noGrp="1" noRot="1" noChangeAspect="1" noMove="1" noResize="1" noEditPoints="1" noAdjustHandles="1" noChangeArrowheads="1" noChangeShapeType="1" noCrop="1"/>
-          </p:cNvPicPr>
-          <p:nvPr>
-            <p:extLst>
-              <p:ext uri="{386F3935-93C4-4BCD-93E2-E3B085C9AB24}">
-                <p16:designElem xmlns:p16="http://schemas.microsoft.com/office/powerpoint/2015/main" val="1"/>
-              </p:ext>
-            </p:extLst>
-          </p:nvPr>
-        </p:nvPicPr>
-        <p:blipFill rotWithShape="1">
-          <a:blip r:embed="rId3">
-            <a:extLst>
-              <a:ext uri="{28A0092B-C50C-407E-A947-70E740481C1C}">
-                <a14:useLocalDpi xmlns:a14="http://schemas.microsoft.com/office/drawing/2010/main" val="0"/>
-              </a:ext>
-            </a:extLst>
-          </a:blip>
-          <a:srcRect t="1538" b="-1538"/>
-          <a:stretch/>
-        </p:blipFill>
-        <p:spPr bwMode="black">
-          <a:xfrm>
-            <a:off x="0" y="6126480"/>
-            <a:ext cx="12192000" cy="742950"/>
-          </a:xfrm>
-          <a:prstGeom prst="rect">
-            <a:avLst/>
-          </a:prstGeom>
-        </p:spPr>
-      </p:pic>
-      <p:cxnSp>
-        <p:nvCxnSpPr>
-          <p:cNvPr id="40" name="Straight Connector 29">
-            <a:extLst>
-              <a:ext uri="{FF2B5EF4-FFF2-40B4-BE49-F238E27FC236}">
-                <a16:creationId xmlns:a16="http://schemas.microsoft.com/office/drawing/2014/main" id="{A224BAD7-5931-4CA6-BB58-0CBCFCFA65A5}"/>
-              </a:ext>
-              <a:ext uri="{C183D7F6-B498-43B3-948B-1728B52AA6E4}">
-                <adec:decorative xmlns:adec="http://schemas.microsoft.com/office/drawing/2017/decorative" val="1"/>
-              </a:ext>
-            </a:extLst>
-          </p:cNvPr>
-          <p:cNvCxnSpPr>
-            <a:cxnSpLocks noGrp="1" noRot="1" noChangeAspect="1" noMove="1" noResize="1" noEditPoints="1" noAdjustHandles="1" noChangeArrowheads="1" noChangeShapeType="1"/>
-          </p:cNvCxnSpPr>
-          <p:nvPr>
-            <p:extLst>
-              <p:ext uri="{386F3935-93C4-4BCD-93E2-E3B085C9AB24}">
-                <p16:designElem xmlns:p16="http://schemas.microsoft.com/office/powerpoint/2015/main" val="1"/>
-              </p:ext>
-            </p:extLst>
-          </p:nvPr>
-        </p:nvCxnSpPr>
-        <p:spPr>
-          <a:xfrm>
-            <a:off x="0" y="6128413"/>
-            <a:ext cx="12192000" cy="0"/>
-          </a:xfrm>
-          <a:prstGeom prst="line">
-            <a:avLst/>
-          </a:prstGeom>
-          <a:ln w="12700">
-            <a:solidFill>
-              <a:srgbClr val="000001">
-                <a:alpha val="20000"/>
-              </a:srgbClr>
-            </a:solidFill>
-          </a:ln>
-        </p:spPr>
-        <p:style>
-          <a:lnRef idx="1">
-            <a:schemeClr val="accent1"/>
-          </a:lnRef>
-          <a:fillRef idx="0">
-            <a:schemeClr val="accent1"/>
-          </a:fillRef>
-          <a:effectRef idx="0">
-            <a:schemeClr val="accent1"/>
-          </a:effectRef>
-          <a:fontRef idx="minor">
-            <a:schemeClr val="tx1"/>
-          </a:fontRef>
-        </p:style>
-      </p:cxnSp>
-      <p:sp>
-        <p:nvSpPr>
-          <p:cNvPr id="11" name="TextBox 10">
-            <a:extLst>
-              <a:ext uri="{FF2B5EF4-FFF2-40B4-BE49-F238E27FC236}">
-                <a16:creationId xmlns:a16="http://schemas.microsoft.com/office/drawing/2014/main" id="{F340989B-AF89-9648-B3E9-1609BC35A849}"/>
-              </a:ext>
-            </a:extLst>
-          </p:cNvPr>
-          <p:cNvSpPr txBox="1"/>
-          <p:nvPr/>
-        </p:nvSpPr>
-        <p:spPr>
-          <a:xfrm>
-            <a:off x="2291147" y="3810836"/>
-            <a:ext cx="3202415" cy="523220"/>
-          </a:xfrm>
-          <a:prstGeom prst="rect">
-            <a:avLst/>
-          </a:prstGeom>
-          <a:noFill/>
-        </p:spPr>
-        <p:txBody>
-          <a:bodyPr wrap="none" rtlCol="0">
-            <a:spAutoFit/>
-          </a:bodyPr>
-          <a:lstStyle/>
-          <a:p>
-            <a:r>
-              <a:rPr lang="en-US" sz="2800" dirty="0">
-                <a:solidFill>
-                  <a:srgbClr val="FF0000"/>
-                </a:solidFill>
-              </a:rPr>
-              <a:t>2007: iPhone 1</a:t>
-            </a:r>
-            <a:r>
-              <a:rPr lang="en-US" sz="2800" baseline="30000" dirty="0">
-                <a:solidFill>
-                  <a:srgbClr val="FF0000"/>
-                </a:solidFill>
-              </a:rPr>
-              <a:t>st</a:t>
-            </a:r>
-            <a:r>
-              <a:rPr lang="en-US" sz="2800" dirty="0">
-                <a:solidFill>
-                  <a:srgbClr val="FF0000"/>
-                </a:solidFill>
-              </a:rPr>
-              <a:t> Gen</a:t>
-            </a:r>
-          </a:p>
-        </p:txBody>
-      </p:sp>
-      <p:sp>
-        <p:nvSpPr>
-          <p:cNvPr id="31" name="TextBox 30">
-            <a:extLst>
-              <a:ext uri="{FF2B5EF4-FFF2-40B4-BE49-F238E27FC236}">
-                <a16:creationId xmlns:a16="http://schemas.microsoft.com/office/drawing/2014/main" id="{5C65FE4B-DF3C-9B4C-A2E7-C4B9BBEC8DFF}"/>
-              </a:ext>
-            </a:extLst>
-          </p:cNvPr>
-          <p:cNvSpPr txBox="1"/>
-          <p:nvPr/>
-        </p:nvSpPr>
-        <p:spPr>
-          <a:xfrm>
-            <a:off x="6832133" y="3797289"/>
-            <a:ext cx="2723118" cy="523220"/>
-          </a:xfrm>
-          <a:prstGeom prst="rect">
-            <a:avLst/>
-          </a:prstGeom>
-          <a:noFill/>
-        </p:spPr>
-        <p:txBody>
-          <a:bodyPr wrap="none" rtlCol="0">
-            <a:spAutoFit/>
-          </a:bodyPr>
-          <a:lstStyle/>
-          <a:p>
-            <a:r>
-              <a:rPr lang="en-US" sz="2800" dirty="0">
-                <a:solidFill>
-                  <a:srgbClr val="FF0000"/>
-                </a:solidFill>
-              </a:rPr>
-              <a:t>2006: </a:t>
-            </a:r>
-            <a:r>
-              <a:rPr lang="en-US" sz="2800" dirty="0" err="1">
-                <a:solidFill>
-                  <a:srgbClr val="FF0000"/>
-                </a:solidFill>
-              </a:rPr>
-              <a:t>iTV</a:t>
-            </a:r>
-            <a:r>
-              <a:rPr lang="en-US" sz="2800" dirty="0">
-                <a:solidFill>
-                  <a:srgbClr val="FF0000"/>
-                </a:solidFill>
-              </a:rPr>
-              <a:t> 1</a:t>
-            </a:r>
-            <a:r>
-              <a:rPr lang="en-US" sz="2800" baseline="30000" dirty="0">
-                <a:solidFill>
-                  <a:srgbClr val="FF0000"/>
-                </a:solidFill>
-              </a:rPr>
-              <a:t>st</a:t>
-            </a:r>
-            <a:r>
-              <a:rPr lang="en-US" sz="2800" dirty="0">
-                <a:solidFill>
-                  <a:srgbClr val="FF0000"/>
-                </a:solidFill>
-              </a:rPr>
-              <a:t> Gen</a:t>
-            </a:r>
-          </a:p>
-        </p:txBody>
-      </p:sp>
-      <p:pic>
-        <p:nvPicPr>
-          <p:cNvPr id="10" name="Picture 9">
-            <a:extLst>
-              <a:ext uri="{FF2B5EF4-FFF2-40B4-BE49-F238E27FC236}">
-                <a16:creationId xmlns:a16="http://schemas.microsoft.com/office/drawing/2014/main" id="{1B29B912-E042-1E46-A3FC-0A236CEF947D}"/>
+                <a16:creationId xmlns:a16="http://schemas.microsoft.com/office/drawing/2014/main" id="{0AFBAB59-6E89-ED41-B6F6-C4A4EBD284DD}"/>
               </a:ext>
             </a:extLst>
           </p:cNvPr>
@@ -10374,15 +13869,15 @@
           <p:nvPr/>
         </p:nvPicPr>
         <p:blipFill>
-          <a:blip r:embed="rId5"/>
+          <a:blip r:embed="rId2"/>
           <a:stretch>
             <a:fillRect/>
           </a:stretch>
         </p:blipFill>
         <p:spPr>
           <a:xfrm>
-            <a:off x="5366931" y="699872"/>
-            <a:ext cx="5956300" cy="2997200"/>
+            <a:off x="964833" y="1376082"/>
+            <a:ext cx="10264590" cy="4105834"/>
           </a:xfrm>
           <a:prstGeom prst="rect">
             <a:avLst/>
@@ -10392,7 +13887,7 @@
     </p:spTree>
     <p:extLst>
       <p:ext uri="{BB962C8B-B14F-4D97-AF65-F5344CB8AC3E}">
-        <p14:creationId xmlns:p14="http://schemas.microsoft.com/office/powerpoint/2010/main" val="389288555"/>
+        <p14:creationId xmlns:p14="http://schemas.microsoft.com/office/powerpoint/2010/main" val="2070394244"/>
       </p:ext>
     </p:extLst>
   </p:cSld>
@@ -10405,6 +13900,30 @@
 <file path=ppt/slides/slide8.xml><?xml version="1.0" encoding="utf-8"?>
 <p:sld xmlns:a="http://schemas.openxmlformats.org/drawingml/2006/main" xmlns:r="http://schemas.openxmlformats.org/officeDocument/2006/relationships" xmlns:p="http://schemas.openxmlformats.org/presentationml/2006/main">
   <p:cSld>
+    <p:bg>
+      <p:bgPr>
+        <a:gradFill rotWithShape="1">
+          <a:gsLst>
+            <a:gs pos="0">
+              <a:schemeClr val="bg2">
+                <a:tint val="94000"/>
+                <a:satMod val="80000"/>
+                <a:lumMod val="106000"/>
+              </a:schemeClr>
+            </a:gs>
+            <a:gs pos="100000">
+              <a:schemeClr val="bg2">
+                <a:shade val="80000"/>
+              </a:schemeClr>
+            </a:gs>
+          </a:gsLst>
+          <a:path path="circle">
+            <a:fillToRect l="43000" r="43000" b="100000"/>
+          </a:path>
+        </a:gradFill>
+        <a:effectLst/>
+      </p:bgPr>
+    </p:bg>
     <p:spTree>
       <p:nvGrpSpPr>
         <p:cNvPr id="1" name=""/>
@@ -10424,7 +13943,7 @@
           <p:cNvPr id="2" name="Title 1">
             <a:extLst>
               <a:ext uri="{FF2B5EF4-FFF2-40B4-BE49-F238E27FC236}">
-                <a16:creationId xmlns:a16="http://schemas.microsoft.com/office/drawing/2014/main" id="{EB0B183F-9A81-E641-A513-57D1BCAAE7B2}"/>
+                <a16:creationId xmlns:a16="http://schemas.microsoft.com/office/drawing/2014/main" id="{81A4953F-5425-F541-9CE0-44B9523162C2}"/>
               </a:ext>
             </a:extLst>
           </p:cNvPr>
@@ -10435,24 +13954,66 @@
             <p:ph type="title"/>
           </p:nvPr>
         </p:nvSpPr>
-        <p:spPr/>
+        <p:spPr>
+          <a:xfrm>
+            <a:off x="1451579" y="804519"/>
+            <a:ext cx="9603275" cy="1049235"/>
+          </a:xfrm>
+        </p:spPr>
         <p:txBody>
-          <a:bodyPr/>
+          <a:bodyPr>
+            <a:normAutofit/>
+          </a:bodyPr>
           <a:lstStyle/>
           <a:p>
             <a:r>
-              <a:rPr lang="en-US" dirty="0"/>
-              <a:t>HOW TO BUILD an app for Apple tv?</a:t>
-            </a:r>
+              <a:rPr lang="en-US" cap="none" err="1"/>
+              <a:t>tv</a:t>
+            </a:r>
+            <a:r>
+              <a:rPr lang="en-US" err="1"/>
+              <a:t>OS</a:t>
+            </a:r>
+            <a:endParaRPr lang="en-US"/>
           </a:p>
         </p:txBody>
       </p:sp>
-      <p:sp>
-        <p:nvSpPr>
-          <p:cNvPr id="7" name="Content Placeholder 6">
+      <p:pic>
+        <p:nvPicPr>
+          <p:cNvPr id="7" name="Picture 6">
             <a:extLst>
               <a:ext uri="{FF2B5EF4-FFF2-40B4-BE49-F238E27FC236}">
-                <a16:creationId xmlns:a16="http://schemas.microsoft.com/office/drawing/2014/main" id="{0303A2EC-88EB-5F49-8366-895D6A30378E}"/>
+                <a16:creationId xmlns:a16="http://schemas.microsoft.com/office/drawing/2014/main" id="{F4D934D6-B837-C241-A004-621A0B7C57E1}"/>
+              </a:ext>
+            </a:extLst>
+          </p:cNvPr>
+          <p:cNvPicPr>
+            <a:picLocks noChangeAspect="1"/>
+          </p:cNvPicPr>
+          <p:nvPr/>
+        </p:nvPicPr>
+        <p:blipFill>
+          <a:blip r:embed="rId3"/>
+          <a:stretch>
+            <a:fillRect/>
+          </a:stretch>
+        </p:blipFill>
+        <p:spPr>
+          <a:xfrm>
+            <a:off x="1451580" y="2995155"/>
+            <a:ext cx="4432514" cy="1333005"/>
+          </a:xfrm>
+          <a:prstGeom prst="rect">
+            <a:avLst/>
+          </a:prstGeom>
+        </p:spPr>
+      </p:pic>
+      <p:sp>
+        <p:nvSpPr>
+          <p:cNvPr id="3" name="Content Placeholder 2">
+            <a:extLst>
+              <a:ext uri="{FF2B5EF4-FFF2-40B4-BE49-F238E27FC236}">
+                <a16:creationId xmlns:a16="http://schemas.microsoft.com/office/drawing/2014/main" id="{595E0074-C1F1-DF46-ABAE-30EF85BC78C6}"/>
               </a:ext>
             </a:extLst>
           </p:cNvPr>
@@ -10463,7 +14024,12 @@
             <p:ph idx="1"/>
           </p:nvPr>
         </p:nvSpPr>
-        <p:spPr/>
+        <p:spPr>
+          <a:xfrm>
+            <a:off x="6065521" y="2015734"/>
+            <a:ext cx="4989334" cy="3450613"/>
+          </a:xfrm>
+        </p:spPr>
         <p:txBody>
           <a:bodyPr>
             <a:normAutofit/>
@@ -10472,35 +14038,62 @@
           <a:p>
             <a:r>
               <a:rPr lang="en-US" sz="2400" dirty="0"/>
-              <a:t>Traditional app:</a:t>
-            </a:r>
-          </a:p>
-          <a:p>
-            <a:pPr lvl="1"/>
-            <a:r>
-              <a:rPr lang="en-US" sz="2000" dirty="0"/>
-              <a:t>Same techniques and frameworks used by iOS</a:t>
+              <a:t>Specifically for Apple TV</a:t>
             </a:r>
           </a:p>
           <a:p>
             <a:r>
               <a:rPr lang="en-US" sz="2400" dirty="0"/>
-              <a:t>Client-Server app:</a:t>
-            </a:r>
-          </a:p>
-          <a:p>
-            <a:pPr lvl="1"/>
-            <a:r>
-              <a:rPr lang="en-US" sz="2000" dirty="0"/>
-              <a:t>TVML</a:t>
-            </a:r>
+              <a:t>2017: 75m Apple TV have been sold </a:t>
+            </a:r>
+          </a:p>
+          <a:p>
+            <a:pPr marL="0" indent="0">
+              <a:spcBef>
+                <a:spcPts val="0"/>
+              </a:spcBef>
+              <a:buNone/>
+            </a:pPr>
+            <a:r>
+              <a:rPr lang="en-US" sz="2400" dirty="0">
+                <a:solidFill>
+                  <a:srgbClr val="FF0000"/>
+                </a:solidFill>
+              </a:rPr>
+              <a:t>  (1.2b iPhone + 0.3b iPad + 0.5b iPod)</a:t>
+            </a:r>
+          </a:p>
+          <a:p>
+            <a:r>
+              <a:rPr lang="en-US" sz="2400" dirty="0"/>
+              <a:t>2016: 8k apps </a:t>
+            </a:r>
+          </a:p>
+          <a:p>
+            <a:pPr marL="0" indent="0">
+              <a:spcBef>
+                <a:spcPts val="0"/>
+              </a:spcBef>
+              <a:buNone/>
+            </a:pPr>
+            <a:r>
+              <a:rPr lang="en-US" sz="2400" dirty="0">
+                <a:solidFill>
+                  <a:srgbClr val="FF0000"/>
+                </a:solidFill>
+              </a:rPr>
+              <a:t>   (2.1m on iOS)</a:t>
+            </a:r>
+          </a:p>
+          <a:p>
+            <a:endParaRPr lang="en-US" sz="2400" dirty="0"/>
           </a:p>
         </p:txBody>
       </p:sp>
     </p:spTree>
     <p:extLst>
       <p:ext uri="{BB962C8B-B14F-4D97-AF65-F5344CB8AC3E}">
-        <p14:creationId xmlns:p14="http://schemas.microsoft.com/office/powerpoint/2010/main" val="258857204"/>
+        <p14:creationId xmlns:p14="http://schemas.microsoft.com/office/powerpoint/2010/main" val="3408919423"/>
       </p:ext>
     </p:extLst>
   </p:cSld>
@@ -10532,7 +14125,7 @@
           <p:cNvPr id="2" name="Title 1">
             <a:extLst>
               <a:ext uri="{FF2B5EF4-FFF2-40B4-BE49-F238E27FC236}">
-                <a16:creationId xmlns:a16="http://schemas.microsoft.com/office/drawing/2014/main" id="{64ECDC67-571C-B348-A870-1BD490B773E6}"/>
+                <a16:creationId xmlns:a16="http://schemas.microsoft.com/office/drawing/2014/main" id="{43470594-E9D6-D444-A4DF-80DD011AF67A}"/>
               </a:ext>
             </a:extLst>
           </p:cNvPr>
@@ -10545,61 +14138,384 @@
         </p:nvSpPr>
         <p:spPr/>
         <p:txBody>
-          <a:bodyPr/>
+          <a:bodyPr>
+            <a:normAutofit/>
+          </a:bodyPr>
           <a:lstStyle/>
           <a:p>
             <a:r>
-              <a:rPr lang="en-US" dirty="0"/>
-              <a:t>Build </a:t>
-            </a:r>
-            <a:r>
-              <a:rPr lang="en-US" dirty="0" err="1"/>
-              <a:t>tvos</a:t>
-            </a:r>
-            <a:r>
-              <a:rPr lang="en-US" dirty="0"/>
-              <a:t> app on </a:t>
-            </a:r>
-            <a:r>
-              <a:rPr lang="en-US" dirty="0" err="1"/>
-              <a:t>ios</a:t>
-            </a:r>
-            <a:r>
-              <a:rPr lang="en-US" dirty="0"/>
-              <a:t> project</a:t>
+              <a:rPr lang="en-US" sz="4000" cap="none" dirty="0" err="1"/>
+              <a:t>tvOS</a:t>
+            </a:r>
+            <a:r>
+              <a:rPr lang="en-US" sz="4000" cap="none" dirty="0"/>
+              <a:t> History</a:t>
             </a:r>
           </a:p>
         </p:txBody>
       </p:sp>
-      <p:sp>
-        <p:nvSpPr>
-          <p:cNvPr id="3" name="Text Placeholder 2">
+      <p:graphicFrame>
+        <p:nvGraphicFramePr>
+          <p:cNvPr id="4" name="Content Placeholder 3">
             <a:extLst>
               <a:ext uri="{FF2B5EF4-FFF2-40B4-BE49-F238E27FC236}">
-                <a16:creationId xmlns:a16="http://schemas.microsoft.com/office/drawing/2014/main" id="{37BAC5DA-7319-754C-983F-C160970338B4}"/>
+                <a16:creationId xmlns:a16="http://schemas.microsoft.com/office/drawing/2014/main" id="{D27A3E97-C061-2A44-B790-FC26A18FC179}"/>
               </a:ext>
             </a:extLst>
           </p:cNvPr>
-          <p:cNvSpPr>
-            <a:spLocks noGrp="1"/>
-          </p:cNvSpPr>
-          <p:nvPr>
-            <p:ph type="body" idx="1"/>
-          </p:nvPr>
-        </p:nvSpPr>
-        <p:spPr/>
-        <p:txBody>
-          <a:bodyPr/>
-          <a:lstStyle/>
-          <a:p>
-            <a:endParaRPr lang="en-US"/>
-          </a:p>
-        </p:txBody>
-      </p:sp>
+          <p:cNvGraphicFramePr>
+            <a:graphicFrameLocks noGrp="1"/>
+          </p:cNvGraphicFramePr>
+          <p:nvPr>
+            <p:ph idx="1"/>
+            <p:extLst>
+              <p:ext uri="{D42A27DB-BD31-4B8C-83A1-F6EECF244321}">
+                <p14:modId xmlns:p14="http://schemas.microsoft.com/office/powerpoint/2010/main" val="1002665170"/>
+              </p:ext>
+            </p:extLst>
+          </p:nvPr>
+        </p:nvGraphicFramePr>
+        <p:xfrm>
+          <a:off x="1450975" y="2016125"/>
+          <a:ext cx="9604376" cy="3215640"/>
+        </p:xfrm>
+        <a:graphic>
+          <a:graphicData uri="http://schemas.openxmlformats.org/drawingml/2006/table">
+            <a:tbl>
+              <a:tblPr firstRow="1" bandRow="1">
+                <a:tableStyleId>{5C22544A-7EE6-4342-B048-85BDC9FD1C3A}</a:tableStyleId>
+              </a:tblPr>
+              <a:tblGrid>
+                <a:gridCol w="4802188">
+                  <a:extLst>
+                    <a:ext uri="{9D8B030D-6E8A-4147-A177-3AD203B41FA5}">
+                      <a16:colId xmlns:a16="http://schemas.microsoft.com/office/drawing/2014/main" val="2906357688"/>
+                    </a:ext>
+                  </a:extLst>
+                </a:gridCol>
+                <a:gridCol w="4802188">
+                  <a:extLst>
+                    <a:ext uri="{9D8B030D-6E8A-4147-A177-3AD203B41FA5}">
+                      <a16:colId xmlns:a16="http://schemas.microsoft.com/office/drawing/2014/main" val="1232959149"/>
+                    </a:ext>
+                  </a:extLst>
+                </a:gridCol>
+              </a:tblGrid>
+              <a:tr h="370840">
+                <a:tc>
+                  <a:txBody>
+                    <a:bodyPr/>
+                    <a:lstStyle/>
+                    <a:p>
+                      <a:r>
+                        <a:rPr lang="en-US" sz="2500" dirty="0"/>
+                        <a:t>iOS</a:t>
+                      </a:r>
+                    </a:p>
+                  </a:txBody>
+                  <a:tcPr/>
+                </a:tc>
+                <a:tc>
+                  <a:txBody>
+                    <a:bodyPr/>
+                    <a:lstStyle/>
+                    <a:p>
+                      <a:r>
+                        <a:rPr lang="en-US" sz="2500" dirty="0" err="1"/>
+                        <a:t>tvOS</a:t>
+                      </a:r>
+                      <a:endParaRPr lang="en-US" sz="2500" dirty="0"/>
+                    </a:p>
+                  </a:txBody>
+                  <a:tcPr/>
+                </a:tc>
+                <a:extLst>
+                  <a:ext uri="{0D108BD9-81ED-4DB2-BD59-A6C34878D82A}">
+                    <a16:rowId xmlns:a16="http://schemas.microsoft.com/office/drawing/2014/main" val="2902000110"/>
+                  </a:ext>
+                </a:extLst>
+              </a:tr>
+              <a:tr h="370840">
+                <a:tc>
+                  <a:txBody>
+                    <a:bodyPr/>
+                    <a:lstStyle/>
+                    <a:p>
+                      <a:pPr marL="0" marR="0" lvl="0" indent="0" algn="l" defTabSz="914400" rtl="0" eaLnBrk="1" fontAlgn="auto" latinLnBrk="0" hangingPunct="1">
+                        <a:lnSpc>
+                          <a:spcPct val="100000"/>
+                        </a:lnSpc>
+                        <a:spcBef>
+                          <a:spcPts val="0"/>
+                        </a:spcBef>
+                        <a:spcAft>
+                          <a:spcPts val="0"/>
+                        </a:spcAft>
+                        <a:buClrTx/>
+                        <a:buSzTx/>
+                        <a:buFontTx/>
+                        <a:buNone/>
+                        <a:tabLst/>
+                        <a:defRPr/>
+                      </a:pPr>
+                      <a:r>
+                        <a:rPr lang="en-US" sz="2500" dirty="0"/>
+                        <a:t>2007: iPhone OS 1.0 (iPhone &amp; iPod)</a:t>
+                      </a:r>
+                    </a:p>
+                  </a:txBody>
+                  <a:tcPr/>
+                </a:tc>
+                <a:tc>
+                  <a:txBody>
+                    <a:bodyPr/>
+                    <a:lstStyle/>
+                    <a:p>
+                      <a:endParaRPr lang="en-US" sz="2500" dirty="0"/>
+                    </a:p>
+                  </a:txBody>
+                  <a:tcPr/>
+                </a:tc>
+                <a:extLst>
+                  <a:ext uri="{0D108BD9-81ED-4DB2-BD59-A6C34878D82A}">
+                    <a16:rowId xmlns:a16="http://schemas.microsoft.com/office/drawing/2014/main" val="1531487763"/>
+                  </a:ext>
+                </a:extLst>
+              </a:tr>
+              <a:tr h="370840">
+                <a:tc>
+                  <a:txBody>
+                    <a:bodyPr/>
+                    <a:lstStyle/>
+                    <a:p>
+                      <a:pPr marL="0" marR="0" lvl="0" indent="0" algn="l" defTabSz="914400" rtl="0" eaLnBrk="1" fontAlgn="auto" latinLnBrk="0" hangingPunct="1">
+                        <a:lnSpc>
+                          <a:spcPct val="100000"/>
+                        </a:lnSpc>
+                        <a:spcBef>
+                          <a:spcPts val="0"/>
+                        </a:spcBef>
+                        <a:spcAft>
+                          <a:spcPts val="0"/>
+                        </a:spcAft>
+                        <a:buClrTx/>
+                        <a:buSzTx/>
+                        <a:buFontTx/>
+                        <a:buNone/>
+                        <a:tabLst/>
+                        <a:defRPr/>
+                      </a:pPr>
+                      <a:r>
+                        <a:rPr lang="en-US" sz="2500" dirty="0"/>
+                        <a:t>2009: iPhone OS 3.2 (+iPad)</a:t>
+                      </a:r>
+                    </a:p>
+                  </a:txBody>
+                  <a:tcPr/>
+                </a:tc>
+                <a:tc>
+                  <a:txBody>
+                    <a:bodyPr/>
+                    <a:lstStyle/>
+                    <a:p>
+                      <a:endParaRPr lang="en-US" sz="2500" dirty="0"/>
+                    </a:p>
+                  </a:txBody>
+                  <a:tcPr/>
+                </a:tc>
+                <a:extLst>
+                  <a:ext uri="{0D108BD9-81ED-4DB2-BD59-A6C34878D82A}">
+                    <a16:rowId xmlns:a16="http://schemas.microsoft.com/office/drawing/2014/main" val="294843642"/>
+                  </a:ext>
+                </a:extLst>
+              </a:tr>
+              <a:tr h="370840">
+                <a:tc>
+                  <a:txBody>
+                    <a:bodyPr/>
+                    <a:lstStyle/>
+                    <a:p>
+                      <a:pPr marL="0" marR="0" lvl="0" indent="0" algn="l" defTabSz="914400" rtl="0" eaLnBrk="1" fontAlgn="auto" latinLnBrk="0" hangingPunct="1">
+                        <a:lnSpc>
+                          <a:spcPct val="100000"/>
+                        </a:lnSpc>
+                        <a:spcBef>
+                          <a:spcPts val="0"/>
+                        </a:spcBef>
+                        <a:spcAft>
+                          <a:spcPts val="0"/>
+                        </a:spcAft>
+                        <a:buClrTx/>
+                        <a:buSzTx/>
+                        <a:buFontTx/>
+                        <a:buNone/>
+                        <a:tabLst/>
+                        <a:defRPr/>
+                      </a:pPr>
+                      <a:r>
+                        <a:rPr lang="en-US" sz="2500" dirty="0"/>
+                        <a:t>2010: iOS 4.1 (+Apple TV 2</a:t>
+                      </a:r>
+                      <a:r>
+                        <a:rPr lang="en-US" sz="2500" baseline="30000" dirty="0"/>
+                        <a:t>nd</a:t>
+                      </a:r>
+                      <a:r>
+                        <a:rPr lang="en-US" sz="2500" dirty="0"/>
+                        <a:t> Gen)</a:t>
+                      </a:r>
+                    </a:p>
+                  </a:txBody>
+                  <a:tcPr/>
+                </a:tc>
+                <a:tc>
+                  <a:txBody>
+                    <a:bodyPr/>
+                    <a:lstStyle/>
+                    <a:p>
+                      <a:endParaRPr lang="en-US" sz="2500" dirty="0"/>
+                    </a:p>
+                  </a:txBody>
+                  <a:tcPr/>
+                </a:tc>
+                <a:extLst>
+                  <a:ext uri="{0D108BD9-81ED-4DB2-BD59-A6C34878D82A}">
+                    <a16:rowId xmlns:a16="http://schemas.microsoft.com/office/drawing/2014/main" val="1853314920"/>
+                  </a:ext>
+                </a:extLst>
+              </a:tr>
+              <a:tr h="370840">
+                <a:tc>
+                  <a:txBody>
+                    <a:bodyPr/>
+                    <a:lstStyle/>
+                    <a:p>
+                      <a:pPr marL="0" marR="0" lvl="0" indent="0" algn="l" defTabSz="914400" rtl="0" eaLnBrk="1" fontAlgn="auto" latinLnBrk="0" hangingPunct="1">
+                        <a:lnSpc>
+                          <a:spcPct val="100000"/>
+                        </a:lnSpc>
+                        <a:spcBef>
+                          <a:spcPts val="0"/>
+                        </a:spcBef>
+                        <a:spcAft>
+                          <a:spcPts val="0"/>
+                        </a:spcAft>
+                        <a:buClrTx/>
+                        <a:buSzTx/>
+                        <a:buFontTx/>
+                        <a:buNone/>
+                        <a:tabLst/>
+                        <a:defRPr/>
+                      </a:pPr>
+                      <a:r>
+                        <a:rPr lang="en-US" sz="2500" dirty="0"/>
+                        <a:t>2015: iOS 9 (- Apple TV)</a:t>
+                      </a:r>
+                    </a:p>
+                  </a:txBody>
+                  <a:tcPr/>
+                </a:tc>
+                <a:tc>
+                  <a:txBody>
+                    <a:bodyPr/>
+                    <a:lstStyle/>
+                    <a:p>
+                      <a:pPr marL="0" marR="0" lvl="0" indent="0" algn="l" defTabSz="914400" rtl="0" eaLnBrk="1" fontAlgn="auto" latinLnBrk="0" hangingPunct="1">
+                        <a:lnSpc>
+                          <a:spcPct val="100000"/>
+                        </a:lnSpc>
+                        <a:spcBef>
+                          <a:spcPts val="0"/>
+                        </a:spcBef>
+                        <a:spcAft>
+                          <a:spcPts val="0"/>
+                        </a:spcAft>
+                        <a:buClrTx/>
+                        <a:buSzTx/>
+                        <a:buFontTx/>
+                        <a:buNone/>
+                        <a:tabLst/>
+                        <a:defRPr/>
+                      </a:pPr>
+                      <a:r>
+                        <a:rPr lang="en-US" sz="2500" dirty="0"/>
+                        <a:t>2015: </a:t>
+                      </a:r>
+                      <a:r>
+                        <a:rPr lang="en-US" sz="2500" dirty="0" err="1"/>
+                        <a:t>tvOS</a:t>
+                      </a:r>
+                      <a:r>
+                        <a:rPr lang="en-US" sz="2500" dirty="0"/>
+                        <a:t> 9 (Apple TV 4</a:t>
+                      </a:r>
+                      <a:r>
+                        <a:rPr lang="en-US" sz="2500" baseline="30000" dirty="0"/>
+                        <a:t>th</a:t>
+                      </a:r>
+                      <a:r>
+                        <a:rPr lang="en-US" sz="2500" dirty="0"/>
+                        <a:t> Gen)</a:t>
+                      </a:r>
+                    </a:p>
+                  </a:txBody>
+                  <a:tcPr/>
+                </a:tc>
+                <a:extLst>
+                  <a:ext uri="{0D108BD9-81ED-4DB2-BD59-A6C34878D82A}">
+                    <a16:rowId xmlns:a16="http://schemas.microsoft.com/office/drawing/2014/main" val="1732135264"/>
+                  </a:ext>
+                </a:extLst>
+              </a:tr>
+              <a:tr h="370840">
+                <a:tc>
+                  <a:txBody>
+                    <a:bodyPr/>
+                    <a:lstStyle/>
+                    <a:p>
+                      <a:r>
+                        <a:rPr lang="en-US" sz="2500" dirty="0"/>
+                        <a:t>2018: iOS 12</a:t>
+                      </a:r>
+                    </a:p>
+                  </a:txBody>
+                  <a:tcPr/>
+                </a:tc>
+                <a:tc>
+                  <a:txBody>
+                    <a:bodyPr/>
+                    <a:lstStyle/>
+                    <a:p>
+                      <a:r>
+                        <a:rPr lang="en-US" sz="2500" dirty="0"/>
+                        <a:t>2018: </a:t>
+                      </a:r>
+                      <a:r>
+                        <a:rPr lang="en-US" sz="2500" dirty="0" err="1"/>
+                        <a:t>tvOS</a:t>
+                      </a:r>
+                      <a:r>
+                        <a:rPr lang="en-US" sz="2500" dirty="0"/>
+                        <a:t> 12</a:t>
+                      </a:r>
+                    </a:p>
+                  </a:txBody>
+                  <a:tcPr/>
+                </a:tc>
+                <a:extLst>
+                  <a:ext uri="{0D108BD9-81ED-4DB2-BD59-A6C34878D82A}">
+                    <a16:rowId xmlns:a16="http://schemas.microsoft.com/office/drawing/2014/main" val="1009376172"/>
+                  </a:ext>
+                </a:extLst>
+              </a:tr>
+            </a:tbl>
+          </a:graphicData>
+        </a:graphic>
+      </p:graphicFrame>
     </p:spTree>
     <p:extLst>
       <p:ext uri="{BB962C8B-B14F-4D97-AF65-F5344CB8AC3E}">
-        <p14:creationId xmlns:p14="http://schemas.microsoft.com/office/powerpoint/2010/main" val="2159603217"/>
+        <p14:creationId xmlns:p14="http://schemas.microsoft.com/office/powerpoint/2010/main" val="559910178"/>
       </p:ext>
     </p:extLst>
   </p:cSld>

--- a/Presentation.pptx
+++ b/Presentation.pptx
@@ -13,18 +13,18 @@
     <p:sldId id="270" r:id="rId4"/>
     <p:sldId id="257" r:id="rId5"/>
     <p:sldId id="258" r:id="rId6"/>
-    <p:sldId id="274" r:id="rId7"/>
-    <p:sldId id="273" r:id="rId8"/>
-    <p:sldId id="271" r:id="rId9"/>
-    <p:sldId id="272" r:id="rId10"/>
-    <p:sldId id="264" r:id="rId11"/>
-    <p:sldId id="265" r:id="rId12"/>
-    <p:sldId id="260" r:id="rId13"/>
-    <p:sldId id="262" r:id="rId14"/>
-    <p:sldId id="261" r:id="rId15"/>
-    <p:sldId id="266" r:id="rId16"/>
-    <p:sldId id="267" r:id="rId17"/>
-    <p:sldId id="275" r:id="rId18"/>
+    <p:sldId id="271" r:id="rId7"/>
+    <p:sldId id="281" r:id="rId8"/>
+    <p:sldId id="260" r:id="rId9"/>
+    <p:sldId id="264" r:id="rId10"/>
+    <p:sldId id="265" r:id="rId11"/>
+    <p:sldId id="262" r:id="rId12"/>
+    <p:sldId id="261" r:id="rId13"/>
+    <p:sldId id="266" r:id="rId14"/>
+    <p:sldId id="267" r:id="rId15"/>
+    <p:sldId id="275" r:id="rId16"/>
+    <p:sldId id="282" r:id="rId17"/>
+    <p:sldId id="283" r:id="rId18"/>
     <p:sldId id="268" r:id="rId19"/>
     <p:sldId id="277" r:id="rId20"/>
     <p:sldId id="278" r:id="rId21"/>
@@ -3337,7 +3337,7 @@
           <a:p>
             <a:fld id="{021361DD-1E38-BB4A-B605-BA873CC7A43C}" type="slidenum">
               <a:rPr lang="en-US" smtClean="0"/>
-              <a:t>16</a:t>
+              <a:t>14</a:t>
             </a:fld>
             <a:endParaRPr lang="en-US"/>
           </a:p>
@@ -3400,6 +3400,131 @@
           <a:bodyPr/>
           <a:lstStyle/>
           <a:p>
+            <a:r>
+              <a:rPr lang="en-US" dirty="0"/>
+              <a:t>Showing demo project </a:t>
+            </a:r>
+          </a:p>
+          <a:p>
+            <a:endParaRPr lang="en-US" dirty="0"/>
+          </a:p>
+          <a:p>
+            <a:pPr marL="171450" indent="-171450">
+              <a:buFontTx/>
+              <a:buChar char="-"/>
+            </a:pPr>
+            <a:r>
+              <a:rPr lang="en-US" dirty="0"/>
+              <a:t>First will show the iOS initial project</a:t>
+            </a:r>
+          </a:p>
+          <a:p>
+            <a:pPr marL="171450" indent="-171450">
+              <a:buFontTx/>
+              <a:buChar char="-"/>
+            </a:pPr>
+            <a:r>
+              <a:rPr lang="en-US" dirty="0"/>
+              <a:t>Then moving code around to make it fit for </a:t>
+            </a:r>
+            <a:r>
+              <a:rPr lang="en-US" dirty="0" err="1"/>
+              <a:t>tvOS</a:t>
+            </a:r>
+            <a:endParaRPr lang="en-US" dirty="0"/>
+          </a:p>
+          <a:p>
+            <a:pPr marL="171450" indent="-171450">
+              <a:buFontTx/>
+              <a:buChar char="-"/>
+            </a:pPr>
+            <a:r>
+              <a:rPr lang="en-US" dirty="0"/>
+              <a:t>Then open the final project which already has right configuration (if there is any unexpected issue happen)</a:t>
+            </a:r>
+          </a:p>
+        </p:txBody>
+      </p:sp>
+      <p:sp>
+        <p:nvSpPr>
+          <p:cNvPr id="4" name="Slide Number Placeholder 3"/>
+          <p:cNvSpPr>
+            <a:spLocks noGrp="1"/>
+          </p:cNvSpPr>
+          <p:nvPr>
+            <p:ph type="sldNum" sz="quarter" idx="10"/>
+          </p:nvPr>
+        </p:nvSpPr>
+        <p:spPr/>
+        <p:txBody>
+          <a:bodyPr/>
+          <a:lstStyle/>
+          <a:p>
+            <a:fld id="{021361DD-1E38-BB4A-B605-BA873CC7A43C}" type="slidenum">
+              <a:rPr lang="en-US" smtClean="0"/>
+              <a:t>17</a:t>
+            </a:fld>
+            <a:endParaRPr lang="en-US"/>
+          </a:p>
+        </p:txBody>
+      </p:sp>
+    </p:spTree>
+    <p:extLst>
+      <p:ext uri="{BB962C8B-B14F-4D97-AF65-F5344CB8AC3E}">
+        <p14:creationId xmlns:p14="http://schemas.microsoft.com/office/powerpoint/2010/main" val="2364619005"/>
+      </p:ext>
+    </p:extLst>
+  </p:cSld>
+  <p:clrMapOvr>
+    <a:masterClrMapping/>
+  </p:clrMapOvr>
+</p:notes>
+</file>
+
+<file path=ppt/notesSlides/notesSlide12.xml><?xml version="1.0" encoding="utf-8"?>
+<p:notes xmlns:a="http://schemas.openxmlformats.org/drawingml/2006/main" xmlns:r="http://schemas.openxmlformats.org/officeDocument/2006/relationships" xmlns:p="http://schemas.openxmlformats.org/presentationml/2006/main">
+  <p:cSld>
+    <p:spTree>
+      <p:nvGrpSpPr>
+        <p:cNvPr id="1" name=""/>
+        <p:cNvGrpSpPr/>
+        <p:nvPr/>
+      </p:nvGrpSpPr>
+      <p:grpSpPr>
+        <a:xfrm>
+          <a:off x="0" y="0"/>
+          <a:ext cx="0" cy="0"/>
+          <a:chOff x="0" y="0"/>
+          <a:chExt cx="0" cy="0"/>
+        </a:xfrm>
+      </p:grpSpPr>
+      <p:sp>
+        <p:nvSpPr>
+          <p:cNvPr id="2" name="Slide Image Placeholder 1"/>
+          <p:cNvSpPr>
+            <a:spLocks noGrp="1" noRot="1" noChangeAspect="1"/>
+          </p:cNvSpPr>
+          <p:nvPr>
+            <p:ph type="sldImg"/>
+          </p:nvPr>
+        </p:nvSpPr>
+        <p:spPr/>
+      </p:sp>
+      <p:sp>
+        <p:nvSpPr>
+          <p:cNvPr id="3" name="Notes Placeholder 2"/>
+          <p:cNvSpPr>
+            <a:spLocks noGrp="1"/>
+          </p:cNvSpPr>
+          <p:nvPr>
+            <p:ph type="body" idx="1"/>
+          </p:nvPr>
+        </p:nvSpPr>
+        <p:spPr/>
+        <p:txBody>
+          <a:bodyPr/>
+          <a:lstStyle/>
+          <a:p>
             <a:pPr marL="0" marR="0" lvl="0" indent="0" algn="l" defTabSz="914400" rtl="0" eaLnBrk="1" fontAlgn="auto" latinLnBrk="0" hangingPunct="1">
               <a:lnSpc>
                 <a:spcPct val="100000"/>
@@ -3695,6 +3820,100 @@
               <a:t> and how to implement it on scratch or in an iOS application which is already built and already working</a:t>
             </a:r>
           </a:p>
+          <a:p>
+            <a:pPr marL="171450" indent="-171450">
+              <a:buFontTx/>
+              <a:buChar char="-"/>
+            </a:pPr>
+            <a:endParaRPr lang="en-US" dirty="0"/>
+          </a:p>
+          <a:p>
+            <a:pPr marL="171450" indent="-171450">
+              <a:buFontTx/>
+              <a:buChar char="-"/>
+            </a:pPr>
+            <a:endParaRPr lang="en-US" dirty="0"/>
+          </a:p>
+          <a:p>
+            <a:pPr marL="171450" indent="-171450">
+              <a:buFontTx/>
+              <a:buChar char="-"/>
+            </a:pPr>
+            <a:r>
+              <a:rPr lang="en-US" dirty="0"/>
+              <a:t>Why should we implement </a:t>
+            </a:r>
+            <a:r>
+              <a:rPr lang="en-US" dirty="0" err="1"/>
+              <a:t>tvOS</a:t>
+            </a:r>
+            <a:r>
+              <a:rPr lang="en-US" dirty="0"/>
+              <a:t> app</a:t>
+            </a:r>
+          </a:p>
+          <a:p>
+            <a:pPr marL="628650" lvl="1" indent="-171450">
+              <a:buFontTx/>
+              <a:buChar char="-"/>
+            </a:pPr>
+            <a:r>
+              <a:rPr lang="en-US" dirty="0"/>
+              <a:t>People who adapt to build an Apple TV will be potentially pay subscription for us... </a:t>
+            </a:r>
+          </a:p>
+          <a:p>
+            <a:pPr marL="628650" lvl="1" indent="-171450">
+              <a:buFontTx/>
+              <a:buChar char="-"/>
+            </a:pPr>
+            <a:r>
+              <a:rPr lang="en-US" dirty="0"/>
+              <a:t>Show how grows it is on number of Apple TV sold…</a:t>
+            </a:r>
+          </a:p>
+          <a:p>
+            <a:pPr marL="628650" lvl="1" indent="-171450">
+              <a:buFontTx/>
+              <a:buChar char="-"/>
+            </a:pPr>
+            <a:r>
+              <a:rPr lang="en-US" dirty="0"/>
+              <a:t>More and more support, better device, better user experiences…</a:t>
+            </a:r>
+          </a:p>
+          <a:p>
+            <a:pPr marL="628650" lvl="1" indent="-171450">
+              <a:buFontTx/>
+              <a:buChar char="-"/>
+            </a:pPr>
+            <a:r>
+              <a:rPr lang="en-US" dirty="0"/>
+              <a:t>User feedback about experience while using </a:t>
+            </a:r>
+            <a:r>
+              <a:rPr lang="en-US" dirty="0" err="1"/>
+              <a:t>tv</a:t>
+            </a:r>
+            <a:r>
+              <a:rPr lang="en-US" dirty="0"/>
+              <a:t> app compare with phone app</a:t>
+            </a:r>
+          </a:p>
+          <a:p>
+            <a:pPr marL="628650" lvl="1" indent="-171450">
+              <a:buFontTx/>
+              <a:buChar char="-"/>
+            </a:pPr>
+            <a:endParaRPr lang="en-US" dirty="0"/>
+          </a:p>
+          <a:p>
+            <a:pPr marL="628650" lvl="1" indent="-171450">
+              <a:buFontTx/>
+              <a:buChar char="-"/>
+            </a:pPr>
+            <a:endParaRPr lang="en-US" dirty="0"/>
+          </a:p>
         </p:txBody>
       </p:sp>
       <p:sp>
@@ -3861,10 +4080,35 @@
           <a:bodyPr/>
           <a:lstStyle/>
           <a:p>
+            <a:pPr marL="171450" indent="-171450">
+              <a:buFontTx/>
+              <a:buChar char="-"/>
+            </a:pPr>
             <a:r>
               <a:rPr lang="en-US" dirty="0"/>
-              <a:t>- To make it easier to imagine, there are 1.2b iPhone + … meanwhile only have 75m Apple TV in end of 2017. (quite humble?)</a:t>
-            </a:r>
+              <a:t>To make it easier to imagine, there are 1.2b iPhone + … meanwhile only have 75m Apple TV in end of 2017. (quite humble?)</a:t>
+            </a:r>
+          </a:p>
+          <a:p>
+            <a:pPr marL="171450" indent="-171450">
+              <a:buFontTx/>
+              <a:buChar char="-"/>
+            </a:pPr>
+            <a:r>
+              <a:rPr lang="en-US" sz="1200" dirty="0">
+                <a:solidFill>
+                  <a:srgbClr val="FF0000"/>
+                </a:solidFill>
+              </a:rPr>
+              <a:t> (1.2b iPhone + 0.3b iPad + 0.5b iPod)</a:t>
+            </a:r>
+          </a:p>
+          <a:p>
+            <a:pPr marL="171450" indent="-171450">
+              <a:buFontTx/>
+              <a:buChar char="-"/>
+            </a:pPr>
+            <a:endParaRPr lang="en-US" dirty="0"/>
           </a:p>
         </p:txBody>
       </p:sp>
@@ -3885,7 +4129,7 @@
           <a:p>
             <a:fld id="{021361DD-1E38-BB4A-B605-BA873CC7A43C}" type="slidenum">
               <a:rPr lang="en-US" smtClean="0"/>
-              <a:t>8</a:t>
+              <a:t>6</a:t>
             </a:fld>
             <a:endParaRPr lang="en-US"/>
           </a:p>
@@ -3948,18 +4192,35 @@
           <a:bodyPr/>
           <a:lstStyle/>
           <a:p>
+            <a:pPr marL="171450" indent="-171450">
+              <a:buFontTx/>
+              <a:buChar char="-"/>
+            </a:pPr>
             <a:r>
               <a:rPr lang="en-US" dirty="0"/>
-              <a:t>- </a:t>
-            </a:r>
-            <a:r>
-              <a:rPr lang="en-US" dirty="0" err="1"/>
-              <a:t>tvOS</a:t>
-            </a:r>
-            <a:r>
-              <a:rPr lang="en-US" dirty="0"/>
-              <a:t> 9 is 95% base on iOS 9</a:t>
-            </a:r>
+              <a:t>To make it easier to imagine, there are 1.2b iPhone + … meanwhile only have 75m Apple TV in end of 2017. (quite humble?)</a:t>
+            </a:r>
+          </a:p>
+          <a:p>
+            <a:pPr marL="171450" indent="-171450">
+              <a:buFontTx/>
+              <a:buChar char="-"/>
+            </a:pPr>
+            <a:r>
+              <a:rPr lang="en-US" sz="1200" dirty="0">
+                <a:solidFill>
+                  <a:srgbClr val="FF0000"/>
+                </a:solidFill>
+              </a:rPr>
+              <a:t> (1.2b iPhone + 0.3b iPad + 0.5b iPod)</a:t>
+            </a:r>
+          </a:p>
+          <a:p>
+            <a:pPr marL="171450" indent="-171450">
+              <a:buFontTx/>
+              <a:buChar char="-"/>
+            </a:pPr>
+            <a:endParaRPr lang="en-US" dirty="0"/>
           </a:p>
         </p:txBody>
       </p:sp>
@@ -3980,7 +4241,7 @@
           <a:p>
             <a:fld id="{021361DD-1E38-BB4A-B605-BA873CC7A43C}" type="slidenum">
               <a:rPr lang="en-US" smtClean="0"/>
-              <a:t>9</a:t>
+              <a:t>7</a:t>
             </a:fld>
             <a:endParaRPr lang="en-US"/>
           </a:p>
@@ -3989,7 +4250,7 @@
     </p:spTree>
     <p:extLst>
       <p:ext uri="{BB962C8B-B14F-4D97-AF65-F5344CB8AC3E}">
-        <p14:creationId xmlns:p14="http://schemas.microsoft.com/office/powerpoint/2010/main" val="3638344804"/>
+        <p14:creationId xmlns:p14="http://schemas.microsoft.com/office/powerpoint/2010/main" val="2617750816"/>
       </p:ext>
     </p:extLst>
   </p:cSld>
@@ -4146,7 +4407,7 @@
           <a:p>
             <a:fld id="{021361DD-1E38-BB4A-B605-BA873CC7A43C}" type="slidenum">
               <a:rPr lang="en-US" smtClean="0"/>
-              <a:t>12</a:t>
+              <a:t>8</a:t>
             </a:fld>
             <a:endParaRPr lang="en-US"/>
           </a:p>
@@ -4296,6 +4557,131 @@
               <a:t> framework provides the bridge between your native code and the JavaScript code in your user interface</a:t>
             </a:r>
           </a:p>
+          <a:p>
+            <a:endParaRPr lang="en-US" sz="1200" b="0" i="0" kern="1200" dirty="0">
+              <a:solidFill>
+                <a:schemeClr val="tx1"/>
+              </a:solidFill>
+              <a:effectLst/>
+              <a:latin typeface="+mn-lt"/>
+              <a:ea typeface="+mn-ea"/>
+              <a:cs typeface="+mn-cs"/>
+            </a:endParaRPr>
+          </a:p>
+          <a:p>
+            <a:endParaRPr lang="en-US" sz="1200" b="0" i="0" kern="1200" dirty="0">
+              <a:solidFill>
+                <a:schemeClr val="tx1"/>
+              </a:solidFill>
+              <a:effectLst/>
+              <a:latin typeface="+mn-lt"/>
+              <a:ea typeface="+mn-ea"/>
+              <a:cs typeface="+mn-cs"/>
+            </a:endParaRPr>
+          </a:p>
+          <a:p>
+            <a:r>
+              <a:rPr lang="en-US" sz="1200" b="0" i="0" kern="1200" dirty="0">
+                <a:solidFill>
+                  <a:schemeClr val="tx1"/>
+                </a:solidFill>
+                <a:effectLst/>
+                <a:latin typeface="+mn-lt"/>
+                <a:ea typeface="+mn-ea"/>
+                <a:cs typeface="+mn-cs"/>
+              </a:rPr>
+              <a:t>Update:</a:t>
+            </a:r>
+          </a:p>
+          <a:p>
+            <a:r>
+              <a:rPr lang="en-US" sz="1200" b="0" i="0" kern="1200" dirty="0">
+                <a:solidFill>
+                  <a:schemeClr val="tx1"/>
+                </a:solidFill>
+                <a:effectLst/>
+                <a:latin typeface="+mn-lt"/>
+                <a:ea typeface="+mn-ea"/>
+                <a:cs typeface="+mn-cs"/>
+              </a:rPr>
+              <a:t>- Can make it side by side to easier to compare</a:t>
+            </a:r>
+          </a:p>
+          <a:p>
+            <a:pPr marL="171450" indent="-171450">
+              <a:buFontTx/>
+              <a:buChar char="-"/>
+            </a:pPr>
+            <a:r>
+              <a:rPr lang="en-US" sz="1200" b="0" i="0" kern="1200" dirty="0">
+                <a:solidFill>
+                  <a:schemeClr val="tx1"/>
+                </a:solidFill>
+                <a:effectLst/>
+                <a:latin typeface="+mn-lt"/>
+                <a:ea typeface="+mn-ea"/>
+                <a:cs typeface="+mn-cs"/>
+              </a:rPr>
+              <a:t>Pros and cons here for Traditional way and TVML way</a:t>
+            </a:r>
+          </a:p>
+          <a:p>
+            <a:pPr marL="171450" indent="-171450">
+              <a:buFontTx/>
+              <a:buChar char="-"/>
+            </a:pPr>
+            <a:endParaRPr lang="en-US" sz="1200" b="0" i="0" kern="1200" dirty="0">
+              <a:solidFill>
+                <a:schemeClr val="tx1"/>
+              </a:solidFill>
+              <a:effectLst/>
+              <a:latin typeface="+mn-lt"/>
+              <a:ea typeface="+mn-ea"/>
+              <a:cs typeface="+mn-cs"/>
+            </a:endParaRPr>
+          </a:p>
+          <a:p>
+            <a:pPr marL="171450" indent="-171450">
+              <a:buFontTx/>
+              <a:buChar char="-"/>
+            </a:pPr>
+            <a:r>
+              <a:rPr lang="en-US" sz="1200" b="0" i="0" kern="1200" dirty="0">
+                <a:solidFill>
+                  <a:schemeClr val="tx1"/>
+                </a:solidFill>
+                <a:effectLst/>
+                <a:latin typeface="+mn-lt"/>
+                <a:ea typeface="+mn-ea"/>
+                <a:cs typeface="+mn-cs"/>
+              </a:rPr>
+              <a:t>For every business we need to care able </a:t>
+            </a:r>
+            <a:r>
+              <a:rPr lang="en-US" sz="1200" b="0" i="0" kern="1200" dirty="0" err="1">
+                <a:solidFill>
+                  <a:schemeClr val="tx1"/>
+                </a:solidFill>
+                <a:effectLst/>
+                <a:latin typeface="+mn-lt"/>
+                <a:ea typeface="+mn-ea"/>
+                <a:cs typeface="+mn-cs"/>
+              </a:rPr>
+              <a:t>scability</a:t>
+            </a:r>
+            <a:r>
+              <a:rPr lang="en-US" sz="1200" b="0" i="0" kern="1200" dirty="0">
+                <a:solidFill>
+                  <a:schemeClr val="tx1"/>
+                </a:solidFill>
+                <a:effectLst/>
+                <a:latin typeface="+mn-lt"/>
+                <a:ea typeface="+mn-ea"/>
+                <a:cs typeface="+mn-cs"/>
+              </a:rPr>
+              <a:t> and beside that you need to rewrite lots of tests for both. </a:t>
+            </a:r>
+          </a:p>
         </p:txBody>
       </p:sp>
       <p:sp>
@@ -4315,7 +4701,7 @@
           <a:p>
             <a:fld id="{021361DD-1E38-BB4A-B605-BA873CC7A43C}" type="slidenum">
               <a:rPr lang="en-US" smtClean="0"/>
-              <a:t>13</a:t>
+              <a:t>11</a:t>
             </a:fld>
             <a:endParaRPr lang="en-US"/>
           </a:p>
@@ -4506,7 +4892,7 @@
           <a:p>
             <a:fld id="{021361DD-1E38-BB4A-B605-BA873CC7A43C}" type="slidenum">
               <a:rPr lang="en-US" smtClean="0"/>
-              <a:t>15</a:t>
+              <a:t>13</a:t>
             </a:fld>
             <a:endParaRPr lang="en-US"/>
           </a:p>
@@ -8130,7 +8516,7 @@
       </p:grpSpPr>
       <p:sp>
         <p:nvSpPr>
-          <p:cNvPr id="40" name="Rectangle 21">
+          <p:cNvPr id="38" name="Rectangle 37">
             <a:extLst>
               <a:ext uri="{FF2B5EF4-FFF2-40B4-BE49-F238E27FC236}">
                 <a16:creationId xmlns:a16="http://schemas.microsoft.com/office/drawing/2014/main" id="{0CABCAE3-64FC-4149-819F-2C1812824154}"/>
@@ -8196,7 +8582,7 @@
       </p:sp>
       <p:pic>
         <p:nvPicPr>
-          <p:cNvPr id="41" name="Picture 23">
+          <p:cNvPr id="40" name="Picture 39">
             <a:extLst>
               <a:ext uri="{FF2B5EF4-FFF2-40B4-BE49-F238E27FC236}">
                 <a16:creationId xmlns:a16="http://schemas.microsoft.com/office/drawing/2014/main" id="{012FDCFE-9AD2-4D8A-8CBF-B3AA37EBF6DD}"/>
@@ -8240,7 +8626,7 @@
       </p:pic>
       <p:cxnSp>
         <p:nvCxnSpPr>
-          <p:cNvPr id="42" name="Straight Connector 25">
+          <p:cNvPr id="42" name="Straight Connector 41">
             <a:extLst>
               <a:ext uri="{FF2B5EF4-FFF2-40B4-BE49-F238E27FC236}">
                 <a16:creationId xmlns:a16="http://schemas.microsoft.com/office/drawing/2014/main" id="{FBD463FC-4CA8-4FF4-85A3-AF9F4B98D210}"/>
@@ -8294,7 +8680,7 @@
       </p:cxnSp>
       <p:cxnSp>
         <p:nvCxnSpPr>
-          <p:cNvPr id="43" name="Straight Connector 27">
+          <p:cNvPr id="44" name="Straight Connector 43">
             <a:extLst>
               <a:ext uri="{FF2B5EF4-FFF2-40B4-BE49-F238E27FC236}">
                 <a16:creationId xmlns:a16="http://schemas.microsoft.com/office/drawing/2014/main" id="{BECF35C3-8B44-4F4B-BD25-4C01823DB22A}"/>
@@ -8342,7 +8728,7 @@
       </p:cxnSp>
       <p:sp useBgFill="1">
         <p:nvSpPr>
-          <p:cNvPr id="44" name="Rectangle 29">
+          <p:cNvPr id="46" name="Rectangle 45">
             <a:extLst>
               <a:ext uri="{FF2B5EF4-FFF2-40B4-BE49-F238E27FC236}">
                 <a16:creationId xmlns:a16="http://schemas.microsoft.com/office/drawing/2014/main" id="{8BC298DB-2D5C-40A1-9A78-6B4A12198A9B}"/>
@@ -8402,7 +8788,7 @@
       </p:sp>
       <p:sp>
         <p:nvSpPr>
-          <p:cNvPr id="45" name="Rectangle 31">
+          <p:cNvPr id="48" name="Rectangle 47">
             <a:extLst>
               <a:ext uri="{FF2B5EF4-FFF2-40B4-BE49-F238E27FC236}">
                 <a16:creationId xmlns:a16="http://schemas.microsoft.com/office/drawing/2014/main" id="{35C2355B-7CE9-4192-9142-A41CA0A0C08B}"/>
@@ -8476,10 +8862,10 @@
       </p:sp>
       <p:sp>
         <p:nvSpPr>
-          <p:cNvPr id="17" name="TextBox 16">
+          <p:cNvPr id="12" name="TextBox 11">
             <a:extLst>
               <a:ext uri="{FF2B5EF4-FFF2-40B4-BE49-F238E27FC236}">
-                <a16:creationId xmlns:a16="http://schemas.microsoft.com/office/drawing/2014/main" id="{4FE33B69-AAB8-9645-AFF9-D6CDF7B286AF}"/>
+                <a16:creationId xmlns:a16="http://schemas.microsoft.com/office/drawing/2014/main" id="{BFAB766D-A5BE-9048-B7F4-B4157DB3A1D1}"/>
               </a:ext>
             </a:extLst>
           </p:cNvPr>
@@ -8518,7 +8904,7 @@
                 <a:ea typeface="+mj-ea"/>
                 <a:cs typeface="+mj-cs"/>
               </a:rPr>
-              <a:t>Apple TV 2</a:t>
+              <a:t>Apple TV 5</a:t>
             </a:r>
             <a:r>
               <a:rPr lang="en-US" sz="4800" cap="all" baseline="30000" dirty="0">
@@ -8526,7 +8912,7 @@
                 <a:ea typeface="+mj-ea"/>
                 <a:cs typeface="+mj-cs"/>
               </a:rPr>
-              <a:t>nd</a:t>
+              <a:t>th</a:t>
             </a:r>
             <a:r>
               <a:rPr lang="en-US" sz="4800" cap="all" dirty="0">
@@ -8534,17 +8920,17 @@
                 <a:ea typeface="+mj-ea"/>
                 <a:cs typeface="+mj-cs"/>
               </a:rPr>
-              <a:t> Gen (2010)</a:t>
+              <a:t> Gen (2017)</a:t>
             </a:r>
           </a:p>
         </p:txBody>
       </p:sp>
       <p:pic>
         <p:nvPicPr>
-          <p:cNvPr id="3" name="Picture 2">
+          <p:cNvPr id="14" name="Picture 13">
             <a:extLst>
               <a:ext uri="{FF2B5EF4-FFF2-40B4-BE49-F238E27FC236}">
-                <a16:creationId xmlns:a16="http://schemas.microsoft.com/office/drawing/2014/main" id="{C5CE3009-87BB-EE46-A83A-51EA4391019C}"/>
+                <a16:creationId xmlns:a16="http://schemas.microsoft.com/office/drawing/2014/main" id="{CC5112F1-437E-0540-85C3-16749655A384}"/>
               </a:ext>
             </a:extLst>
           </p:cNvPr>
@@ -8561,8 +8947,8 @@
         </p:blipFill>
         <p:spPr>
           <a:xfrm>
-            <a:off x="1130029" y="860361"/>
-            <a:ext cx="4960442" cy="4551205"/>
+            <a:off x="1130029" y="1033977"/>
+            <a:ext cx="4960442" cy="4203974"/>
           </a:xfrm>
           <a:prstGeom prst="rect">
             <a:avLst/>
@@ -8571,7 +8957,7 @@
       </p:pic>
       <p:cxnSp>
         <p:nvCxnSpPr>
-          <p:cNvPr id="46" name="Straight Connector 33">
+          <p:cNvPr id="50" name="Straight Connector 49">
             <a:extLst>
               <a:ext uri="{FF2B5EF4-FFF2-40B4-BE49-F238E27FC236}">
                 <a16:creationId xmlns:a16="http://schemas.microsoft.com/office/drawing/2014/main" id="{06D05ED8-39E4-42F8-92CB-704C2BD0D215}"/>
@@ -8619,7 +9005,7 @@
       </p:cxnSp>
       <p:pic>
         <p:nvPicPr>
-          <p:cNvPr id="47" name="Picture 35">
+          <p:cNvPr id="52" name="Picture 51">
             <a:extLst>
               <a:ext uri="{FF2B5EF4-FFF2-40B4-BE49-F238E27FC236}">
                 <a16:creationId xmlns:a16="http://schemas.microsoft.com/office/drawing/2014/main" id="{45CE2E7C-6AA3-4710-825D-4CDDF788C7BC}"/>
@@ -8663,7 +9049,7 @@
       </p:pic>
       <p:cxnSp>
         <p:nvCxnSpPr>
-          <p:cNvPr id="48" name="Straight Connector 37">
+          <p:cNvPr id="54" name="Straight Connector 53">
             <a:extLst>
               <a:ext uri="{FF2B5EF4-FFF2-40B4-BE49-F238E27FC236}">
                 <a16:creationId xmlns:a16="http://schemas.microsoft.com/office/drawing/2014/main" id="{3256C6C3-0EDC-4651-AB37-9F26CFAA6C86}"/>
@@ -8718,7 +9104,7 @@
     </p:spTree>
     <p:extLst>
       <p:ext uri="{BB962C8B-B14F-4D97-AF65-F5344CB8AC3E}">
-        <p14:creationId xmlns:p14="http://schemas.microsoft.com/office/powerpoint/2010/main" val="311272790"/>
+        <p14:creationId xmlns:p14="http://schemas.microsoft.com/office/powerpoint/2010/main" val="1785784091"/>
       </p:ext>
     </p:extLst>
   </p:cSld>
@@ -8729,6 +9115,483 @@
 </file>
 
 <file path=ppt/slides/slide11.xml><?xml version="1.0" encoding="utf-8"?>
+<p:sld xmlns:a="http://schemas.openxmlformats.org/drawingml/2006/main" xmlns:r="http://schemas.openxmlformats.org/officeDocument/2006/relationships" xmlns:p="http://schemas.openxmlformats.org/presentationml/2006/main">
+  <p:cSld>
+    <p:spTree>
+      <p:nvGrpSpPr>
+        <p:cNvPr id="1" name=""/>
+        <p:cNvGrpSpPr/>
+        <p:nvPr/>
+      </p:nvGrpSpPr>
+      <p:grpSpPr>
+        <a:xfrm>
+          <a:off x="0" y="0"/>
+          <a:ext cx="0" cy="0"/>
+          <a:chOff x="0" y="0"/>
+          <a:chExt cx="0" cy="0"/>
+        </a:xfrm>
+      </p:grpSpPr>
+      <p:sp>
+        <p:nvSpPr>
+          <p:cNvPr id="2" name="Title 1">
+            <a:extLst>
+              <a:ext uri="{FF2B5EF4-FFF2-40B4-BE49-F238E27FC236}">
+                <a16:creationId xmlns:a16="http://schemas.microsoft.com/office/drawing/2014/main" id="{EB0B183F-9A81-E641-A513-57D1BCAAE7B2}"/>
+              </a:ext>
+            </a:extLst>
+          </p:cNvPr>
+          <p:cNvSpPr>
+            <a:spLocks noGrp="1"/>
+          </p:cNvSpPr>
+          <p:nvPr>
+            <p:ph type="title"/>
+          </p:nvPr>
+        </p:nvSpPr>
+        <p:spPr/>
+        <p:txBody>
+          <a:bodyPr>
+            <a:normAutofit/>
+          </a:bodyPr>
+          <a:lstStyle/>
+          <a:p>
+            <a:r>
+              <a:rPr lang="en-US" sz="4000" cap="none" dirty="0"/>
+              <a:t>Two ways to implement </a:t>
+            </a:r>
+            <a:r>
+              <a:rPr lang="en-US" sz="4000" cap="none" dirty="0" err="1"/>
+              <a:t>tvOS</a:t>
+            </a:r>
+            <a:r>
+              <a:rPr lang="en-US" sz="4000" cap="none" dirty="0"/>
+              <a:t> app</a:t>
+            </a:r>
+          </a:p>
+        </p:txBody>
+      </p:sp>
+      <p:sp>
+        <p:nvSpPr>
+          <p:cNvPr id="7" name="Content Placeholder 6">
+            <a:extLst>
+              <a:ext uri="{FF2B5EF4-FFF2-40B4-BE49-F238E27FC236}">
+                <a16:creationId xmlns:a16="http://schemas.microsoft.com/office/drawing/2014/main" id="{0303A2EC-88EB-5F49-8366-895D6A30378E}"/>
+              </a:ext>
+            </a:extLst>
+          </p:cNvPr>
+          <p:cNvSpPr>
+            <a:spLocks noGrp="1"/>
+          </p:cNvSpPr>
+          <p:nvPr>
+            <p:ph idx="1"/>
+          </p:nvPr>
+        </p:nvSpPr>
+        <p:spPr/>
+        <p:txBody>
+          <a:bodyPr>
+            <a:normAutofit/>
+          </a:bodyPr>
+          <a:lstStyle/>
+          <a:p>
+            <a:r>
+              <a:rPr lang="en-US" sz="3600" dirty="0"/>
+              <a:t>Traditional app:</a:t>
+            </a:r>
+          </a:p>
+          <a:p>
+            <a:pPr lvl="1"/>
+            <a:r>
+              <a:rPr lang="en-US" sz="3200" dirty="0"/>
+              <a:t>Same techniques and frameworks used by iOS</a:t>
+            </a:r>
+          </a:p>
+          <a:p>
+            <a:r>
+              <a:rPr lang="en-US" sz="3600" dirty="0"/>
+              <a:t>Client-Server app:</a:t>
+            </a:r>
+          </a:p>
+          <a:p>
+            <a:pPr lvl="1"/>
+            <a:r>
+              <a:rPr lang="en-US" sz="3200" dirty="0"/>
+              <a:t>TVML </a:t>
+            </a:r>
+          </a:p>
+        </p:txBody>
+      </p:sp>
+    </p:spTree>
+    <p:extLst>
+      <p:ext uri="{BB962C8B-B14F-4D97-AF65-F5344CB8AC3E}">
+        <p14:creationId xmlns:p14="http://schemas.microsoft.com/office/powerpoint/2010/main" val="258857204"/>
+      </p:ext>
+    </p:extLst>
+  </p:cSld>
+  <p:clrMapOvr>
+    <a:masterClrMapping/>
+  </p:clrMapOvr>
+</p:sld>
+</file>
+
+<file path=ppt/slides/slide12.xml><?xml version="1.0" encoding="utf-8"?>
+<p:sld xmlns:a="http://schemas.openxmlformats.org/drawingml/2006/main" xmlns:r="http://schemas.openxmlformats.org/officeDocument/2006/relationships" xmlns:p="http://schemas.openxmlformats.org/presentationml/2006/main">
+  <p:cSld>
+    <p:spTree>
+      <p:nvGrpSpPr>
+        <p:cNvPr id="1" name=""/>
+        <p:cNvGrpSpPr/>
+        <p:nvPr/>
+      </p:nvGrpSpPr>
+      <p:grpSpPr>
+        <a:xfrm>
+          <a:off x="0" y="0"/>
+          <a:ext cx="0" cy="0"/>
+          <a:chOff x="0" y="0"/>
+          <a:chExt cx="0" cy="0"/>
+        </a:xfrm>
+      </p:grpSpPr>
+      <p:sp>
+        <p:nvSpPr>
+          <p:cNvPr id="2" name="Title 1">
+            <a:extLst>
+              <a:ext uri="{FF2B5EF4-FFF2-40B4-BE49-F238E27FC236}">
+                <a16:creationId xmlns:a16="http://schemas.microsoft.com/office/drawing/2014/main" id="{64ECDC67-571C-B348-A870-1BD490B773E6}"/>
+              </a:ext>
+            </a:extLst>
+          </p:cNvPr>
+          <p:cNvSpPr>
+            <a:spLocks noGrp="1"/>
+          </p:cNvSpPr>
+          <p:nvPr>
+            <p:ph type="title"/>
+          </p:nvPr>
+        </p:nvSpPr>
+        <p:spPr/>
+        <p:txBody>
+          <a:bodyPr/>
+          <a:lstStyle/>
+          <a:p>
+            <a:r>
+              <a:rPr lang="en-US" dirty="0"/>
+              <a:t>Build </a:t>
+            </a:r>
+            <a:r>
+              <a:rPr lang="en-US" dirty="0" err="1"/>
+              <a:t>tvos</a:t>
+            </a:r>
+            <a:r>
+              <a:rPr lang="en-US" dirty="0"/>
+              <a:t> app on </a:t>
+            </a:r>
+            <a:r>
+              <a:rPr lang="en-US" dirty="0" err="1"/>
+              <a:t>ios</a:t>
+            </a:r>
+            <a:r>
+              <a:rPr lang="en-US" dirty="0"/>
+              <a:t> project</a:t>
+            </a:r>
+          </a:p>
+        </p:txBody>
+      </p:sp>
+      <p:sp>
+        <p:nvSpPr>
+          <p:cNvPr id="3" name="Text Placeholder 2">
+            <a:extLst>
+              <a:ext uri="{FF2B5EF4-FFF2-40B4-BE49-F238E27FC236}">
+                <a16:creationId xmlns:a16="http://schemas.microsoft.com/office/drawing/2014/main" id="{37BAC5DA-7319-754C-983F-C160970338B4}"/>
+              </a:ext>
+            </a:extLst>
+          </p:cNvPr>
+          <p:cNvSpPr>
+            <a:spLocks noGrp="1"/>
+          </p:cNvSpPr>
+          <p:nvPr>
+            <p:ph type="body" idx="1"/>
+          </p:nvPr>
+        </p:nvSpPr>
+        <p:spPr/>
+        <p:txBody>
+          <a:bodyPr/>
+          <a:lstStyle/>
+          <a:p>
+            <a:endParaRPr lang="en-US"/>
+          </a:p>
+        </p:txBody>
+      </p:sp>
+    </p:spTree>
+    <p:extLst>
+      <p:ext uri="{BB962C8B-B14F-4D97-AF65-F5344CB8AC3E}">
+        <p14:creationId xmlns:p14="http://schemas.microsoft.com/office/powerpoint/2010/main" val="2159603217"/>
+      </p:ext>
+    </p:extLst>
+  </p:cSld>
+  <p:clrMapOvr>
+    <a:masterClrMapping/>
+  </p:clrMapOvr>
+</p:sld>
+</file>
+
+<file path=ppt/slides/slide13.xml><?xml version="1.0" encoding="utf-8"?>
+<p:sld xmlns:a="http://schemas.openxmlformats.org/drawingml/2006/main" xmlns:r="http://schemas.openxmlformats.org/officeDocument/2006/relationships" xmlns:p="http://schemas.openxmlformats.org/presentationml/2006/main">
+  <p:cSld>
+    <p:spTree>
+      <p:nvGrpSpPr>
+        <p:cNvPr id="1" name=""/>
+        <p:cNvGrpSpPr/>
+        <p:nvPr/>
+      </p:nvGrpSpPr>
+      <p:grpSpPr>
+        <a:xfrm>
+          <a:off x="0" y="0"/>
+          <a:ext cx="0" cy="0"/>
+          <a:chOff x="0" y="0"/>
+          <a:chExt cx="0" cy="0"/>
+        </a:xfrm>
+      </p:grpSpPr>
+      <p:sp>
+        <p:nvSpPr>
+          <p:cNvPr id="2" name="Title 1">
+            <a:extLst>
+              <a:ext uri="{FF2B5EF4-FFF2-40B4-BE49-F238E27FC236}">
+                <a16:creationId xmlns:a16="http://schemas.microsoft.com/office/drawing/2014/main" id="{EB1B544A-9481-1245-A376-C68D2AEC1BC5}"/>
+              </a:ext>
+            </a:extLst>
+          </p:cNvPr>
+          <p:cNvSpPr>
+            <a:spLocks noGrp="1"/>
+          </p:cNvSpPr>
+          <p:nvPr>
+            <p:ph type="title"/>
+          </p:nvPr>
+        </p:nvSpPr>
+        <p:spPr/>
+        <p:txBody>
+          <a:bodyPr/>
+          <a:lstStyle/>
+          <a:p>
+            <a:r>
+              <a:rPr lang="en-US" dirty="0"/>
+              <a:t>What can reuse from </a:t>
+            </a:r>
+            <a:r>
+              <a:rPr lang="en-US" dirty="0" err="1"/>
+              <a:t>iOs</a:t>
+            </a:r>
+            <a:r>
+              <a:rPr lang="en-US" dirty="0"/>
+              <a:t>?</a:t>
+            </a:r>
+          </a:p>
+        </p:txBody>
+      </p:sp>
+      <p:graphicFrame>
+        <p:nvGraphicFramePr>
+          <p:cNvPr id="10" name="Content Placeholder 9">
+            <a:extLst>
+              <a:ext uri="{FF2B5EF4-FFF2-40B4-BE49-F238E27FC236}">
+                <a16:creationId xmlns:a16="http://schemas.microsoft.com/office/drawing/2014/main" id="{D32E5080-A24F-C642-B1F9-A1A5D6359AFB}"/>
+              </a:ext>
+            </a:extLst>
+          </p:cNvPr>
+          <p:cNvGraphicFramePr>
+            <a:graphicFrameLocks noGrp="1"/>
+          </p:cNvGraphicFramePr>
+          <p:nvPr>
+            <p:ph idx="1"/>
+            <p:extLst>
+              <p:ext uri="{D42A27DB-BD31-4B8C-83A1-F6EECF244321}">
+                <p14:modId xmlns:p14="http://schemas.microsoft.com/office/powerpoint/2010/main" val="2519947104"/>
+              </p:ext>
+            </p:extLst>
+          </p:nvPr>
+        </p:nvGraphicFramePr>
+        <p:xfrm>
+          <a:off x="1450975" y="2016125"/>
+          <a:ext cx="9604375" cy="3449638"/>
+        </p:xfrm>
+        <a:graphic>
+          <a:graphicData uri="http://schemas.openxmlformats.org/drawingml/2006/diagram">
+            <dgm:relIds xmlns:dgm="http://schemas.openxmlformats.org/drawingml/2006/diagram" xmlns:r="http://schemas.openxmlformats.org/officeDocument/2006/relationships" r:dm="rId3" r:lo="rId4" r:qs="rId5" r:cs="rId6"/>
+          </a:graphicData>
+        </a:graphic>
+      </p:graphicFrame>
+    </p:spTree>
+    <p:extLst>
+      <p:ext uri="{BB962C8B-B14F-4D97-AF65-F5344CB8AC3E}">
+        <p14:creationId xmlns:p14="http://schemas.microsoft.com/office/powerpoint/2010/main" val="411461000"/>
+      </p:ext>
+    </p:extLst>
+  </p:cSld>
+  <p:clrMapOvr>
+    <a:masterClrMapping/>
+  </p:clrMapOvr>
+</p:sld>
+</file>
+
+<file path=ppt/slides/slide14.xml><?xml version="1.0" encoding="utf-8"?>
+<p:sld xmlns:a="http://schemas.openxmlformats.org/drawingml/2006/main" xmlns:r="http://schemas.openxmlformats.org/officeDocument/2006/relationships" xmlns:p="http://schemas.openxmlformats.org/presentationml/2006/main">
+  <p:cSld>
+    <p:spTree>
+      <p:nvGrpSpPr>
+        <p:cNvPr id="1" name=""/>
+        <p:cNvGrpSpPr/>
+        <p:nvPr/>
+      </p:nvGrpSpPr>
+      <p:grpSpPr>
+        <a:xfrm>
+          <a:off x="0" y="0"/>
+          <a:ext cx="0" cy="0"/>
+          <a:chOff x="0" y="0"/>
+          <a:chExt cx="0" cy="0"/>
+        </a:xfrm>
+      </p:grpSpPr>
+      <p:sp>
+        <p:nvSpPr>
+          <p:cNvPr id="2" name="Title 1">
+            <a:extLst>
+              <a:ext uri="{FF2B5EF4-FFF2-40B4-BE49-F238E27FC236}">
+                <a16:creationId xmlns:a16="http://schemas.microsoft.com/office/drawing/2014/main" id="{37A8AB02-4247-BC47-AFC4-69013992B5EA}"/>
+              </a:ext>
+            </a:extLst>
+          </p:cNvPr>
+          <p:cNvSpPr>
+            <a:spLocks noGrp="1"/>
+          </p:cNvSpPr>
+          <p:nvPr>
+            <p:ph type="title"/>
+          </p:nvPr>
+        </p:nvSpPr>
+        <p:spPr/>
+        <p:txBody>
+          <a:bodyPr/>
+          <a:lstStyle/>
+          <a:p>
+            <a:r>
+              <a:rPr lang="en-US" dirty="0"/>
+              <a:t>Why not sharing UI code?</a:t>
+            </a:r>
+          </a:p>
+        </p:txBody>
+      </p:sp>
+      <p:sp>
+        <p:nvSpPr>
+          <p:cNvPr id="3" name="Content Placeholder 2">
+            <a:extLst>
+              <a:ext uri="{FF2B5EF4-FFF2-40B4-BE49-F238E27FC236}">
+                <a16:creationId xmlns:a16="http://schemas.microsoft.com/office/drawing/2014/main" id="{8C7C5C73-A4B0-0049-AFBF-7E4044A77F1B}"/>
+              </a:ext>
+            </a:extLst>
+          </p:cNvPr>
+          <p:cNvSpPr>
+            <a:spLocks noGrp="1"/>
+          </p:cNvSpPr>
+          <p:nvPr>
+            <p:ph idx="1"/>
+          </p:nvPr>
+        </p:nvSpPr>
+        <p:spPr>
+          <a:xfrm>
+            <a:off x="1451579" y="2015732"/>
+            <a:ext cx="9946523" cy="3450613"/>
+          </a:xfrm>
+        </p:spPr>
+        <p:txBody>
+          <a:bodyPr>
+            <a:normAutofit fontScale="92500"/>
+          </a:bodyPr>
+          <a:lstStyle/>
+          <a:p>
+            <a:r>
+              <a:rPr lang="en-US" sz="3200" dirty="0"/>
+              <a:t>Different devices </a:t>
+            </a:r>
+          </a:p>
+          <a:p>
+            <a:pPr marL="0" indent="0">
+              <a:buNone/>
+            </a:pPr>
+            <a:r>
+              <a:rPr lang="en-US" sz="3200" dirty="0">
+                <a:sym typeface="Wingdings" pitchFamily="2" charset="2"/>
+              </a:rPr>
+              <a:t>	 Different User Behavior </a:t>
+            </a:r>
+          </a:p>
+          <a:p>
+            <a:pPr marL="0" indent="0">
+              <a:buNone/>
+            </a:pPr>
+            <a:r>
+              <a:rPr lang="en-US" sz="3200" dirty="0">
+                <a:sym typeface="Wingdings" pitchFamily="2" charset="2"/>
+              </a:rPr>
+              <a:t>		 Different UI</a:t>
+            </a:r>
+            <a:endParaRPr lang="en-US" sz="3200" dirty="0"/>
+          </a:p>
+          <a:p>
+            <a:r>
+              <a:rPr lang="en-US" sz="3200" dirty="0"/>
+              <a:t>iOS has Orientation meanwhile </a:t>
+            </a:r>
+            <a:r>
+              <a:rPr lang="en-US" sz="3200" dirty="0" err="1"/>
+              <a:t>tvOS</a:t>
+            </a:r>
+            <a:r>
+              <a:rPr lang="en-US" sz="3200" dirty="0"/>
+              <a:t> has Dark/Light mode</a:t>
+            </a:r>
+          </a:p>
+          <a:p>
+            <a:r>
+              <a:rPr lang="en-US" sz="3200" dirty="0"/>
+              <a:t>iOS has </a:t>
+            </a:r>
+            <a:r>
+              <a:rPr lang="en-US" sz="3200" dirty="0" err="1"/>
+              <a:t>WebKit</a:t>
+            </a:r>
+            <a:r>
+              <a:rPr lang="en-US" sz="3200" dirty="0"/>
+              <a:t> meanwhile </a:t>
+            </a:r>
+            <a:r>
+              <a:rPr lang="en-US" sz="3200" dirty="0" err="1"/>
+              <a:t>tvOS</a:t>
+            </a:r>
+            <a:r>
+              <a:rPr lang="en-US" sz="3200" dirty="0"/>
+              <a:t> has </a:t>
+            </a:r>
+            <a:r>
+              <a:rPr lang="en-US" sz="3200" dirty="0" err="1"/>
+              <a:t>TVUIKit</a:t>
+            </a:r>
+            <a:endParaRPr lang="en-US" sz="3200" dirty="0"/>
+          </a:p>
+          <a:p>
+            <a:endParaRPr lang="en-US" sz="3200" dirty="0"/>
+          </a:p>
+          <a:p>
+            <a:endParaRPr lang="en-US" sz="3200" dirty="0"/>
+          </a:p>
+        </p:txBody>
+      </p:sp>
+    </p:spTree>
+    <p:extLst>
+      <p:ext uri="{BB962C8B-B14F-4D97-AF65-F5344CB8AC3E}">
+        <p14:creationId xmlns:p14="http://schemas.microsoft.com/office/powerpoint/2010/main" val="3190415116"/>
+      </p:ext>
+    </p:extLst>
+  </p:cSld>
+  <p:clrMapOvr>
+    <a:masterClrMapping/>
+  </p:clrMapOvr>
+</p:sld>
+</file>
+
+<file path=ppt/slides/slide15.xml><?xml version="1.0" encoding="utf-8"?>
 <p:sld xmlns:a="http://schemas.openxmlformats.org/drawingml/2006/main" xmlns:r="http://schemas.openxmlformats.org/officeDocument/2006/relationships" xmlns:p="http://schemas.openxmlformats.org/presentationml/2006/main">
   <p:cSld>
     <p:bg>
@@ -8771,10 +9634,10 @@
       </p:grpSpPr>
       <p:sp>
         <p:nvSpPr>
-          <p:cNvPr id="38" name="Rectangle 37">
+          <p:cNvPr id="19" name="Rectangle 18">
             <a:extLst>
               <a:ext uri="{FF2B5EF4-FFF2-40B4-BE49-F238E27FC236}">
-                <a16:creationId xmlns:a16="http://schemas.microsoft.com/office/drawing/2014/main" id="{0CABCAE3-64FC-4149-819F-2C1812824154}"/>
+                <a16:creationId xmlns:a16="http://schemas.microsoft.com/office/drawing/2014/main" id="{7013A21A-6440-4CD4-9FC7-9EB2C702042A}"/>
               </a:ext>
               <a:ext uri="{C183D7F6-B498-43B3-948B-1728B52AA6E4}">
                 <adec:decorative xmlns:adec="http://schemas.microsoft.com/office/drawing/2017/decorative" val="1"/>
@@ -8794,26 +9657,15 @@
         </p:nvSpPr>
         <p:spPr>
           <a:xfrm>
-            <a:off x="0" y="2019476"/>
-            <a:ext cx="12192000" cy="4105941"/>
+            <a:off x="0" y="0"/>
+            <a:ext cx="12192000" cy="6858000"/>
           </a:xfrm>
           <a:prstGeom prst="rect">
             <a:avLst/>
           </a:prstGeom>
-          <a:gradFill flip="none" rotWithShape="1">
-            <a:gsLst>
-              <a:gs pos="0">
-                <a:schemeClr val="bg2">
-                  <a:alpha val="0"/>
-                </a:schemeClr>
-              </a:gs>
-              <a:gs pos="100000">
-                <a:schemeClr val="bg2"/>
-              </a:gs>
-            </a:gsLst>
-            <a:lin ang="5400000" scaled="0"/>
-            <a:tileRect/>
-          </a:gradFill>
+          <a:solidFill>
+            <a:schemeClr val="bg1"/>
+          </a:solidFill>
           <a:ln>
             <a:noFill/>
           </a:ln>
@@ -8834,204 +9686,6 @@
             <a:schemeClr val="lt1"/>
           </a:fontRef>
         </p:style>
-      </p:sp>
-      <p:pic>
-        <p:nvPicPr>
-          <p:cNvPr id="40" name="Picture 39">
-            <a:extLst>
-              <a:ext uri="{FF2B5EF4-FFF2-40B4-BE49-F238E27FC236}">
-                <a16:creationId xmlns:a16="http://schemas.microsoft.com/office/drawing/2014/main" id="{012FDCFE-9AD2-4D8A-8CBF-B3AA37EBF6DD}"/>
-              </a:ext>
-              <a:ext uri="{C183D7F6-B498-43B3-948B-1728B52AA6E4}">
-                <adec:decorative xmlns:adec="http://schemas.microsoft.com/office/drawing/2017/decorative" val="1"/>
-              </a:ext>
-            </a:extLst>
-          </p:cNvPr>
-          <p:cNvPicPr>
-            <a:picLocks noGrp="1" noRot="1" noChangeAspect="1" noMove="1" noResize="1" noEditPoints="1" noAdjustHandles="1" noChangeArrowheads="1" noChangeShapeType="1" noCrop="1"/>
-          </p:cNvPicPr>
-          <p:nvPr>
-            <p:extLst>
-              <p:ext uri="{386F3935-93C4-4BCD-93E2-E3B085C9AB24}">
-                <p16:designElem xmlns:p16="http://schemas.microsoft.com/office/powerpoint/2015/main" val="1"/>
-              </p:ext>
-            </p:extLst>
-          </p:nvPr>
-        </p:nvPicPr>
-        <p:blipFill rotWithShape="1">
-          <a:blip r:embed="rId2">
-            <a:extLst>
-              <a:ext uri="{28A0092B-C50C-407E-A947-70E740481C1C}">
-                <a14:useLocalDpi xmlns:a14="http://schemas.microsoft.com/office/drawing/2010/main" val="0"/>
-              </a:ext>
-            </a:extLst>
-          </a:blip>
-          <a:srcRect t="1538" b="-1538"/>
-          <a:stretch/>
-        </p:blipFill>
-        <p:spPr bwMode="black">
-          <a:xfrm>
-            <a:off x="0" y="6126480"/>
-            <a:ext cx="12192000" cy="742950"/>
-          </a:xfrm>
-          <a:prstGeom prst="rect">
-            <a:avLst/>
-          </a:prstGeom>
-        </p:spPr>
-      </p:pic>
-      <p:cxnSp>
-        <p:nvCxnSpPr>
-          <p:cNvPr id="42" name="Straight Connector 41">
-            <a:extLst>
-              <a:ext uri="{FF2B5EF4-FFF2-40B4-BE49-F238E27FC236}">
-                <a16:creationId xmlns:a16="http://schemas.microsoft.com/office/drawing/2014/main" id="{FBD463FC-4CA8-4FF4-85A3-AF9F4B98D210}"/>
-              </a:ext>
-              <a:ext uri="{C183D7F6-B498-43B3-948B-1728B52AA6E4}">
-                <adec:decorative xmlns:adec="http://schemas.microsoft.com/office/drawing/2017/decorative" val="1"/>
-              </a:ext>
-            </a:extLst>
-          </p:cNvPr>
-          <p:cNvCxnSpPr>
-            <a:cxnSpLocks noGrp="1" noRot="1" noChangeAspect="1" noMove="1" noResize="1" noEditPoints="1" noAdjustHandles="1" noChangeArrowheads="1" noChangeShapeType="1"/>
-          </p:cNvCxnSpPr>
-          <p:nvPr>
-            <p:extLst>
-              <p:ext uri="{386F3935-93C4-4BCD-93E2-E3B085C9AB24}">
-                <p16:designElem xmlns:p16="http://schemas.microsoft.com/office/powerpoint/2015/main" val="1"/>
-              </p:ext>
-            </p:extLst>
-          </p:nvPr>
-        </p:nvCxnSpPr>
-        <p:spPr>
-          <a:xfrm>
-            <a:off x="0" y="6128413"/>
-            <a:ext cx="12192000" cy="0"/>
-          </a:xfrm>
-          <a:prstGeom prst="line">
-            <a:avLst/>
-          </a:prstGeom>
-          <a:ln w="12700">
-            <a:solidFill>
-              <a:srgbClr val="000001">
-                <a:alpha val="20000"/>
-              </a:srgbClr>
-            </a:solidFill>
-          </a:ln>
-        </p:spPr>
-        <p:style>
-          <a:lnRef idx="1">
-            <a:schemeClr val="accent1"/>
-          </a:lnRef>
-          <a:fillRef idx="0">
-            <a:schemeClr val="accent1"/>
-          </a:fillRef>
-          <a:effectRef idx="0">
-            <a:schemeClr val="accent1"/>
-          </a:effectRef>
-          <a:fontRef idx="minor">
-            <a:schemeClr val="tx1"/>
-          </a:fontRef>
-        </p:style>
-      </p:cxnSp>
-      <p:cxnSp>
-        <p:nvCxnSpPr>
-          <p:cNvPr id="44" name="Straight Connector 43">
-            <a:extLst>
-              <a:ext uri="{FF2B5EF4-FFF2-40B4-BE49-F238E27FC236}">
-                <a16:creationId xmlns:a16="http://schemas.microsoft.com/office/drawing/2014/main" id="{BECF35C3-8B44-4F4B-BD25-4C01823DB22A}"/>
-              </a:ext>
-              <a:ext uri="{C183D7F6-B498-43B3-948B-1728B52AA6E4}">
-                <adec:decorative xmlns:adec="http://schemas.microsoft.com/office/drawing/2017/decorative" val="1"/>
-              </a:ext>
-            </a:extLst>
-          </p:cNvPr>
-          <p:cNvCxnSpPr>
-            <a:cxnSpLocks noGrp="1" noRot="1" noChangeAspect="1" noMove="1" noResize="1" noEditPoints="1" noAdjustHandles="1" noChangeArrowheads="1" noChangeShapeType="1"/>
-          </p:cNvCxnSpPr>
-          <p:nvPr>
-            <p:extLst>
-              <p:ext uri="{386F3935-93C4-4BCD-93E2-E3B085C9AB24}">
-                <p16:designElem xmlns:p16="http://schemas.microsoft.com/office/powerpoint/2015/main" val="1"/>
-              </p:ext>
-            </p:extLst>
-          </p:nvPr>
-        </p:nvCxnSpPr>
-        <p:spPr>
-          <a:xfrm>
-            <a:off x="2417780" y="3528542"/>
-            <a:ext cx="8637072" cy="0"/>
-          </a:xfrm>
-          <a:prstGeom prst="line">
-            <a:avLst/>
-          </a:prstGeom>
-          <a:ln w="31750"/>
-        </p:spPr>
-        <p:style>
-          <a:lnRef idx="3">
-            <a:schemeClr val="accent1"/>
-          </a:lnRef>
-          <a:fillRef idx="0">
-            <a:schemeClr val="accent1"/>
-          </a:fillRef>
-          <a:effectRef idx="2">
-            <a:schemeClr val="accent1"/>
-          </a:effectRef>
-          <a:fontRef idx="minor">
-            <a:schemeClr val="tx1"/>
-          </a:fontRef>
-        </p:style>
-      </p:cxnSp>
-      <p:sp useBgFill="1">
-        <p:nvSpPr>
-          <p:cNvPr id="46" name="Rectangle 45">
-            <a:extLst>
-              <a:ext uri="{FF2B5EF4-FFF2-40B4-BE49-F238E27FC236}">
-                <a16:creationId xmlns:a16="http://schemas.microsoft.com/office/drawing/2014/main" id="{8BC298DB-2D5C-40A1-9A78-6B4A12198A9B}"/>
-              </a:ext>
-              <a:ext uri="{C183D7F6-B498-43B3-948B-1728B52AA6E4}">
-                <adec:decorative xmlns:adec="http://schemas.microsoft.com/office/drawing/2017/decorative" val="1"/>
-              </a:ext>
-            </a:extLst>
-          </p:cNvPr>
-          <p:cNvSpPr>
-            <a:spLocks noGrp="1" noRot="1" noChangeAspect="1" noMove="1" noResize="1" noEditPoints="1" noAdjustHandles="1" noChangeArrowheads="1" noChangeShapeType="1" noTextEdit="1"/>
-          </p:cNvSpPr>
-          <p:nvPr>
-            <p:extLst>
-              <p:ext uri="{386F3935-93C4-4BCD-93E2-E3B085C9AB24}">
-                <p16:designElem xmlns:p16="http://schemas.microsoft.com/office/powerpoint/2015/main" val="1"/>
-              </p:ext>
-            </p:extLst>
-          </p:nvPr>
-        </p:nvSpPr>
-        <p:spPr>
-          <a:xfrm>
-            <a:off x="2" y="0"/>
-            <a:ext cx="12191695" cy="6858000"/>
-          </a:xfrm>
-          <a:prstGeom prst="rect">
-            <a:avLst/>
-          </a:prstGeom>
-          <a:ln>
-            <a:noFill/>
-          </a:ln>
-        </p:spPr>
-        <p:style>
-          <a:lnRef idx="2">
-            <a:schemeClr val="accent1">
-              <a:shade val="50000"/>
-            </a:schemeClr>
-          </a:lnRef>
-          <a:fillRef idx="1">
-            <a:schemeClr val="accent1"/>
-          </a:fillRef>
-          <a:effectRef idx="0">
-            <a:schemeClr val="accent1"/>
-          </a:effectRef>
-          <a:fontRef idx="minor">
-            <a:schemeClr val="lt1"/>
-          </a:fontRef>
-        </p:style>
         <p:txBody>
           <a:bodyPr rtlCol="0" anchor="ctr"/>
           <a:lstStyle/>
@@ -9041,151 +9695,12 @@
           </a:p>
         </p:txBody>
       </p:sp>
-      <p:sp>
-        <p:nvSpPr>
-          <p:cNvPr id="48" name="Rectangle 47">
+      <p:pic>
+        <p:nvPicPr>
+          <p:cNvPr id="7" name="Picture 6">
             <a:extLst>
               <a:ext uri="{FF2B5EF4-FFF2-40B4-BE49-F238E27FC236}">
-                <a16:creationId xmlns:a16="http://schemas.microsoft.com/office/drawing/2014/main" id="{35C2355B-7CE9-4192-9142-A41CA0A0C08B}"/>
-              </a:ext>
-              <a:ext uri="{C183D7F6-B498-43B3-948B-1728B52AA6E4}">
-                <adec:decorative xmlns:adec="http://schemas.microsoft.com/office/drawing/2017/decorative" val="1"/>
-              </a:ext>
-            </a:extLst>
-          </p:cNvPr>
-          <p:cNvSpPr>
-            <a:spLocks noGrp="1" noRot="1" noChangeAspect="1" noMove="1" noResize="1" noEditPoints="1" noAdjustHandles="1" noChangeArrowheads="1" noChangeShapeType="1" noTextEdit="1"/>
-          </p:cNvSpPr>
-          <p:nvPr>
-            <p:extLst>
-              <p:ext uri="{386F3935-93C4-4BCD-93E2-E3B085C9AB24}">
-                <p16:designElem xmlns:p16="http://schemas.microsoft.com/office/powerpoint/2015/main" val="1"/>
-              </p:ext>
-            </p:extLst>
-          </p:nvPr>
-        </p:nvSpPr>
-        <p:spPr>
-          <a:xfrm>
-            <a:off x="0" y="2019476"/>
-            <a:ext cx="12192000" cy="4105941"/>
-          </a:xfrm>
-          <a:prstGeom prst="rect">
-            <a:avLst/>
-          </a:prstGeom>
-          <a:gradFill flip="none" rotWithShape="1">
-            <a:gsLst>
-              <a:gs pos="0">
-                <a:schemeClr val="bg2">
-                  <a:alpha val="0"/>
-                </a:schemeClr>
-              </a:gs>
-              <a:gs pos="100000">
-                <a:schemeClr val="bg2"/>
-              </a:gs>
-            </a:gsLst>
-            <a:lin ang="5400000" scaled="0"/>
-            <a:tileRect/>
-          </a:gradFill>
-          <a:ln>
-            <a:noFill/>
-          </a:ln>
-        </p:spPr>
-        <p:style>
-          <a:lnRef idx="2">
-            <a:schemeClr val="accent1">
-              <a:shade val="50000"/>
-            </a:schemeClr>
-          </a:lnRef>
-          <a:fillRef idx="1">
-            <a:schemeClr val="accent1"/>
-          </a:fillRef>
-          <a:effectRef idx="0">
-            <a:schemeClr val="accent1"/>
-          </a:effectRef>
-          <a:fontRef idx="minor">
-            <a:schemeClr val="lt1"/>
-          </a:fontRef>
-        </p:style>
-        <p:txBody>
-          <a:bodyPr rtlCol="0" anchor="ctr"/>
-          <a:lstStyle/>
-          <a:p>
-            <a:pPr lvl="0" algn="ctr"/>
-            <a:endParaRPr lang="en-US"/>
-          </a:p>
-        </p:txBody>
-      </p:sp>
-      <p:sp>
-        <p:nvSpPr>
-          <p:cNvPr id="12" name="TextBox 11">
-            <a:extLst>
-              <a:ext uri="{FF2B5EF4-FFF2-40B4-BE49-F238E27FC236}">
-                <a16:creationId xmlns:a16="http://schemas.microsoft.com/office/drawing/2014/main" id="{BFAB766D-A5BE-9048-B7F4-B4157DB3A1D1}"/>
-              </a:ext>
-            </a:extLst>
-          </p:cNvPr>
-          <p:cNvSpPr txBox="1"/>
-          <p:nvPr/>
-        </p:nvSpPr>
-        <p:spPr>
-          <a:xfrm>
-            <a:off x="6585200" y="967167"/>
-            <a:ext cx="4151306" cy="2374516"/>
-          </a:xfrm>
-          <a:prstGeom prst="rect">
-            <a:avLst/>
-          </a:prstGeom>
-        </p:spPr>
-        <p:txBody>
-          <a:bodyPr vert="horz" lIns="91440" tIns="45720" rIns="91440" bIns="0" rtlCol="0" anchor="b">
-            <a:normAutofit/>
-          </a:bodyPr>
-          <a:lstStyle/>
-          <a:p>
-            <a:pPr defTabSz="914400">
-              <a:lnSpc>
-                <a:spcPct val="90000"/>
-              </a:lnSpc>
-              <a:spcBef>
-                <a:spcPct val="0"/>
-              </a:spcBef>
-              <a:spcAft>
-                <a:spcPts val="600"/>
-              </a:spcAft>
-            </a:pPr>
-            <a:r>
-              <a:rPr lang="en-US" sz="4800" cap="all" dirty="0">
-                <a:latin typeface="+mj-lt"/>
-                <a:ea typeface="+mj-ea"/>
-                <a:cs typeface="+mj-cs"/>
-              </a:rPr>
-              <a:t>Apple TV 5</a:t>
-            </a:r>
-            <a:r>
-              <a:rPr lang="en-US" sz="4800" cap="all" baseline="30000" dirty="0">
-                <a:latin typeface="+mj-lt"/>
-                <a:ea typeface="+mj-ea"/>
-                <a:cs typeface="+mj-cs"/>
-              </a:rPr>
-              <a:t>th</a:t>
-            </a:r>
-            <a:r>
-              <a:rPr lang="en-US" sz="4800" cap="all" dirty="0">
-                <a:latin typeface="+mj-lt"/>
-                <a:ea typeface="+mj-ea"/>
-                <a:cs typeface="+mj-cs"/>
-              </a:rPr>
-              <a:t> Gen (2017)</a:t>
-            </a:r>
-          </a:p>
-        </p:txBody>
-      </p:sp>
-      <p:pic>
-        <p:nvPicPr>
-          <p:cNvPr id="14" name="Picture 13">
-            <a:extLst>
-              <a:ext uri="{FF2B5EF4-FFF2-40B4-BE49-F238E27FC236}">
-                <a16:creationId xmlns:a16="http://schemas.microsoft.com/office/drawing/2014/main" id="{CC5112F1-437E-0540-85C3-16749655A384}"/>
+                <a16:creationId xmlns:a16="http://schemas.microsoft.com/office/drawing/2014/main" id="{CB28EBD8-954D-494F-BB81-A461B45946C4}"/>
               </a:ext>
             </a:extLst>
           </p:cNvPr>
@@ -9195,935 +9710,15 @@
           <p:nvPr/>
         </p:nvPicPr>
         <p:blipFill>
-          <a:blip r:embed="rId3"/>
+          <a:blip r:embed="rId2"/>
           <a:stretch>
             <a:fillRect/>
           </a:stretch>
         </p:blipFill>
         <p:spPr>
           <a:xfrm>
-            <a:off x="1130029" y="1033977"/>
-            <a:ext cx="4960442" cy="4203974"/>
-          </a:xfrm>
-          <a:prstGeom prst="rect">
-            <a:avLst/>
-          </a:prstGeom>
-        </p:spPr>
-      </p:pic>
-      <p:cxnSp>
-        <p:nvCxnSpPr>
-          <p:cNvPr id="50" name="Straight Connector 49">
-            <a:extLst>
-              <a:ext uri="{FF2B5EF4-FFF2-40B4-BE49-F238E27FC236}">
-                <a16:creationId xmlns:a16="http://schemas.microsoft.com/office/drawing/2014/main" id="{06D05ED8-39E4-42F8-92CB-704C2BD0D215}"/>
-              </a:ext>
-              <a:ext uri="{C183D7F6-B498-43B3-948B-1728B52AA6E4}">
-                <adec:decorative xmlns:adec="http://schemas.microsoft.com/office/drawing/2017/decorative" val="1"/>
-              </a:ext>
-            </a:extLst>
-          </p:cNvPr>
-          <p:cNvCxnSpPr>
-            <a:cxnSpLocks noGrp="1" noRot="1" noChangeAspect="1" noMove="1" noResize="1" noEditPoints="1" noAdjustHandles="1" noChangeArrowheads="1" noChangeShapeType="1"/>
-          </p:cNvCxnSpPr>
-          <p:nvPr>
-            <p:extLst>
-              <p:ext uri="{386F3935-93C4-4BCD-93E2-E3B085C9AB24}">
-                <p16:designElem xmlns:p16="http://schemas.microsoft.com/office/powerpoint/2015/main" val="1"/>
-              </p:ext>
-            </p:extLst>
-          </p:nvPr>
-        </p:nvCxnSpPr>
-        <p:spPr>
-          <a:xfrm>
-            <a:off x="6579647" y="3526496"/>
-            <a:ext cx="4149931" cy="0"/>
-          </a:xfrm>
-          <a:prstGeom prst="line">
-            <a:avLst/>
-          </a:prstGeom>
-          <a:ln w="31750"/>
-        </p:spPr>
-        <p:style>
-          <a:lnRef idx="3">
-            <a:schemeClr val="accent1"/>
-          </a:lnRef>
-          <a:fillRef idx="0">
-            <a:schemeClr val="accent1"/>
-          </a:fillRef>
-          <a:effectRef idx="2">
-            <a:schemeClr val="accent1"/>
-          </a:effectRef>
-          <a:fontRef idx="minor">
-            <a:schemeClr val="tx1"/>
-          </a:fontRef>
-        </p:style>
-      </p:cxnSp>
-      <p:pic>
-        <p:nvPicPr>
-          <p:cNvPr id="52" name="Picture 51">
-            <a:extLst>
-              <a:ext uri="{FF2B5EF4-FFF2-40B4-BE49-F238E27FC236}">
-                <a16:creationId xmlns:a16="http://schemas.microsoft.com/office/drawing/2014/main" id="{45CE2E7C-6AA3-4710-825D-4CDDF788C7BC}"/>
-              </a:ext>
-              <a:ext uri="{C183D7F6-B498-43B3-948B-1728B52AA6E4}">
-                <adec:decorative xmlns:adec="http://schemas.microsoft.com/office/drawing/2017/decorative" val="1"/>
-              </a:ext>
-            </a:extLst>
-          </p:cNvPr>
-          <p:cNvPicPr>
-            <a:picLocks noGrp="1" noRot="1" noChangeAspect="1" noMove="1" noResize="1" noEditPoints="1" noAdjustHandles="1" noChangeArrowheads="1" noChangeShapeType="1" noCrop="1"/>
-          </p:cNvPicPr>
-          <p:nvPr>
-            <p:extLst>
-              <p:ext uri="{386F3935-93C4-4BCD-93E2-E3B085C9AB24}">
-                <p16:designElem xmlns:p16="http://schemas.microsoft.com/office/powerpoint/2015/main" val="1"/>
-              </p:ext>
-            </p:extLst>
-          </p:nvPr>
-        </p:nvPicPr>
-        <p:blipFill rotWithShape="1">
-          <a:blip r:embed="rId2">
-            <a:extLst>
-              <a:ext uri="{28A0092B-C50C-407E-A947-70E740481C1C}">
-                <a14:useLocalDpi xmlns:a14="http://schemas.microsoft.com/office/drawing/2010/main" val="0"/>
-              </a:ext>
-            </a:extLst>
-          </a:blip>
-          <a:srcRect t="1538" b="-1538"/>
-          <a:stretch/>
-        </p:blipFill>
-        <p:spPr bwMode="black">
-          <a:xfrm>
-            <a:off x="0" y="6126480"/>
-            <a:ext cx="12192000" cy="742950"/>
-          </a:xfrm>
-          <a:prstGeom prst="rect">
-            <a:avLst/>
-          </a:prstGeom>
-        </p:spPr>
-      </p:pic>
-      <p:cxnSp>
-        <p:nvCxnSpPr>
-          <p:cNvPr id="54" name="Straight Connector 53">
-            <a:extLst>
-              <a:ext uri="{FF2B5EF4-FFF2-40B4-BE49-F238E27FC236}">
-                <a16:creationId xmlns:a16="http://schemas.microsoft.com/office/drawing/2014/main" id="{3256C6C3-0EDC-4651-AB37-9F26CFAA6C86}"/>
-              </a:ext>
-              <a:ext uri="{C183D7F6-B498-43B3-948B-1728B52AA6E4}">
-                <adec:decorative xmlns:adec="http://schemas.microsoft.com/office/drawing/2017/decorative" val="1"/>
-              </a:ext>
-            </a:extLst>
-          </p:cNvPr>
-          <p:cNvCxnSpPr>
-            <a:cxnSpLocks noGrp="1" noRot="1" noChangeAspect="1" noMove="1" noResize="1" noEditPoints="1" noAdjustHandles="1" noChangeArrowheads="1" noChangeShapeType="1"/>
-          </p:cNvCxnSpPr>
-          <p:nvPr>
-            <p:extLst>
-              <p:ext uri="{386F3935-93C4-4BCD-93E2-E3B085C9AB24}">
-                <p16:designElem xmlns:p16="http://schemas.microsoft.com/office/powerpoint/2015/main" val="1"/>
-              </p:ext>
-            </p:extLst>
-          </p:nvPr>
-        </p:nvCxnSpPr>
-        <p:spPr>
-          <a:xfrm>
-            <a:off x="0" y="6128413"/>
-            <a:ext cx="12192000" cy="0"/>
-          </a:xfrm>
-          <a:prstGeom prst="line">
-            <a:avLst/>
-          </a:prstGeom>
-          <a:ln w="12700">
-            <a:solidFill>
-              <a:srgbClr val="000001">
-                <a:alpha val="20000"/>
-              </a:srgbClr>
-            </a:solidFill>
-          </a:ln>
-        </p:spPr>
-        <p:style>
-          <a:lnRef idx="1">
-            <a:schemeClr val="accent1"/>
-          </a:lnRef>
-          <a:fillRef idx="0">
-            <a:schemeClr val="accent1"/>
-          </a:fillRef>
-          <a:effectRef idx="0">
-            <a:schemeClr val="accent1"/>
-          </a:effectRef>
-          <a:fontRef idx="minor">
-            <a:schemeClr val="tx1"/>
-          </a:fontRef>
-        </p:style>
-      </p:cxnSp>
-    </p:spTree>
-    <p:extLst>
-      <p:ext uri="{BB962C8B-B14F-4D97-AF65-F5344CB8AC3E}">
-        <p14:creationId xmlns:p14="http://schemas.microsoft.com/office/powerpoint/2010/main" val="1785784091"/>
-      </p:ext>
-    </p:extLst>
-  </p:cSld>
-  <p:clrMapOvr>
-    <a:masterClrMapping/>
-  </p:clrMapOvr>
-</p:sld>
-</file>
-
-<file path=ppt/slides/slide12.xml><?xml version="1.0" encoding="utf-8"?>
-<p:sld xmlns:a="http://schemas.openxmlformats.org/drawingml/2006/main" xmlns:r="http://schemas.openxmlformats.org/officeDocument/2006/relationships" xmlns:p="http://schemas.openxmlformats.org/presentationml/2006/main">
-  <p:cSld>
-    <p:bg>
-      <p:bgPr>
-        <a:gradFill rotWithShape="1">
-          <a:gsLst>
-            <a:gs pos="0">
-              <a:schemeClr val="bg2">
-                <a:tint val="94000"/>
-                <a:satMod val="80000"/>
-                <a:lumMod val="106000"/>
-              </a:schemeClr>
-            </a:gs>
-            <a:gs pos="100000">
-              <a:schemeClr val="bg2">
-                <a:shade val="80000"/>
-              </a:schemeClr>
-            </a:gs>
-          </a:gsLst>
-          <a:path path="circle">
-            <a:fillToRect l="43000" r="43000" b="100000"/>
-          </a:path>
-        </a:gradFill>
-        <a:effectLst/>
-      </p:bgPr>
-    </p:bg>
-    <p:spTree>
-      <p:nvGrpSpPr>
-        <p:cNvPr id="1" name=""/>
-        <p:cNvGrpSpPr/>
-        <p:nvPr/>
-      </p:nvGrpSpPr>
-      <p:grpSpPr>
-        <a:xfrm>
-          <a:off x="0" y="0"/>
-          <a:ext cx="0" cy="0"/>
-          <a:chOff x="0" y="0"/>
-          <a:chExt cx="0" cy="0"/>
-        </a:xfrm>
-      </p:grpSpPr>
-      <p:sp>
-        <p:nvSpPr>
-          <p:cNvPr id="32" name="Rectangle 13">
-            <a:extLst>
-              <a:ext uri="{FF2B5EF4-FFF2-40B4-BE49-F238E27FC236}">
-                <a16:creationId xmlns:a16="http://schemas.microsoft.com/office/drawing/2014/main" id="{EEA869E1-F851-4A52-92F5-77E592B76A5B}"/>
-              </a:ext>
-              <a:ext uri="{C183D7F6-B498-43B3-948B-1728B52AA6E4}">
-                <adec:decorative xmlns:adec="http://schemas.microsoft.com/office/drawing/2017/decorative" val="1"/>
-              </a:ext>
-            </a:extLst>
-          </p:cNvPr>
-          <p:cNvSpPr>
-            <a:spLocks noGrp="1" noRot="1" noChangeAspect="1" noMove="1" noResize="1" noEditPoints="1" noAdjustHandles="1" noChangeArrowheads="1" noChangeShapeType="1" noTextEdit="1"/>
-          </p:cNvSpPr>
-          <p:nvPr>
-            <p:extLst>
-              <p:ext uri="{386F3935-93C4-4BCD-93E2-E3B085C9AB24}">
-                <p16:designElem xmlns:p16="http://schemas.microsoft.com/office/powerpoint/2015/main" val="1"/>
-              </p:ext>
-            </p:extLst>
-          </p:nvPr>
-        </p:nvSpPr>
-        <p:spPr>
-          <a:xfrm>
-            <a:off x="0" y="2019476"/>
-            <a:ext cx="12192000" cy="4105941"/>
-          </a:xfrm>
-          <a:prstGeom prst="rect">
-            <a:avLst/>
-          </a:prstGeom>
-          <a:gradFill flip="none" rotWithShape="1">
-            <a:gsLst>
-              <a:gs pos="0">
-                <a:schemeClr val="bg2">
-                  <a:alpha val="0"/>
-                </a:schemeClr>
-              </a:gs>
-              <a:gs pos="100000">
-                <a:schemeClr val="bg2"/>
-              </a:gs>
-            </a:gsLst>
-            <a:lin ang="5400000" scaled="0"/>
-            <a:tileRect/>
-          </a:gradFill>
-          <a:ln>
-            <a:noFill/>
-          </a:ln>
-        </p:spPr>
-        <p:style>
-          <a:lnRef idx="2">
-            <a:schemeClr val="accent1">
-              <a:shade val="50000"/>
-            </a:schemeClr>
-          </a:lnRef>
-          <a:fillRef idx="1">
-            <a:schemeClr val="accent1"/>
-          </a:fillRef>
-          <a:effectRef idx="0">
-            <a:schemeClr val="accent1"/>
-          </a:effectRef>
-          <a:fontRef idx="minor">
-            <a:schemeClr val="lt1"/>
-          </a:fontRef>
-        </p:style>
-      </p:sp>
-      <p:pic>
-        <p:nvPicPr>
-          <p:cNvPr id="33" name="Picture 15">
-            <a:extLst>
-              <a:ext uri="{FF2B5EF4-FFF2-40B4-BE49-F238E27FC236}">
-                <a16:creationId xmlns:a16="http://schemas.microsoft.com/office/drawing/2014/main" id="{B083AD55-8296-44BD-8E14-DD2DDBC351B0}"/>
-              </a:ext>
-              <a:ext uri="{C183D7F6-B498-43B3-948B-1728B52AA6E4}">
-                <adec:decorative xmlns:adec="http://schemas.microsoft.com/office/drawing/2017/decorative" val="1"/>
-              </a:ext>
-            </a:extLst>
-          </p:cNvPr>
-          <p:cNvPicPr>
-            <a:picLocks noGrp="1" noRot="1" noChangeAspect="1" noMove="1" noResize="1" noEditPoints="1" noAdjustHandles="1" noChangeArrowheads="1" noChangeShapeType="1" noCrop="1"/>
-          </p:cNvPicPr>
-          <p:nvPr>
-            <p:extLst>
-              <p:ext uri="{386F3935-93C4-4BCD-93E2-E3B085C9AB24}">
-                <p16:designElem xmlns:p16="http://schemas.microsoft.com/office/powerpoint/2015/main" val="1"/>
-              </p:ext>
-            </p:extLst>
-          </p:nvPr>
-        </p:nvPicPr>
-        <p:blipFill rotWithShape="1">
-          <a:blip r:embed="rId3">
-            <a:extLst>
-              <a:ext uri="{28A0092B-C50C-407E-A947-70E740481C1C}">
-                <a14:useLocalDpi xmlns:a14="http://schemas.microsoft.com/office/drawing/2010/main" val="0"/>
-              </a:ext>
-            </a:extLst>
-          </a:blip>
-          <a:srcRect t="1538" b="-1538"/>
-          <a:stretch/>
-        </p:blipFill>
-        <p:spPr bwMode="black">
-          <a:xfrm>
-            <a:off x="0" y="6126480"/>
-            <a:ext cx="12192000" cy="742950"/>
-          </a:xfrm>
-          <a:prstGeom prst="rect">
-            <a:avLst/>
-          </a:prstGeom>
-        </p:spPr>
-      </p:pic>
-      <p:cxnSp>
-        <p:nvCxnSpPr>
-          <p:cNvPr id="34" name="Straight Connector 17">
-            <a:extLst>
-              <a:ext uri="{FF2B5EF4-FFF2-40B4-BE49-F238E27FC236}">
-                <a16:creationId xmlns:a16="http://schemas.microsoft.com/office/drawing/2014/main" id="{2BF46B26-15FC-4C5A-94FA-AE9ED64B5C20}"/>
-              </a:ext>
-              <a:ext uri="{C183D7F6-B498-43B3-948B-1728B52AA6E4}">
-                <adec:decorative xmlns:adec="http://schemas.microsoft.com/office/drawing/2017/decorative" val="1"/>
-              </a:ext>
-            </a:extLst>
-          </p:cNvPr>
-          <p:cNvCxnSpPr>
-            <a:cxnSpLocks noGrp="1" noRot="1" noChangeAspect="1" noMove="1" noResize="1" noEditPoints="1" noAdjustHandles="1" noChangeArrowheads="1" noChangeShapeType="1"/>
-          </p:cNvCxnSpPr>
-          <p:nvPr>
-            <p:extLst>
-              <p:ext uri="{386F3935-93C4-4BCD-93E2-E3B085C9AB24}">
-                <p16:designElem xmlns:p16="http://schemas.microsoft.com/office/powerpoint/2015/main" val="1"/>
-              </p:ext>
-            </p:extLst>
-          </p:nvPr>
-        </p:nvCxnSpPr>
-        <p:spPr>
-          <a:xfrm>
-            <a:off x="0" y="6128413"/>
-            <a:ext cx="12192000" cy="0"/>
-          </a:xfrm>
-          <a:prstGeom prst="line">
-            <a:avLst/>
-          </a:prstGeom>
-          <a:ln w="12700">
-            <a:solidFill>
-              <a:srgbClr val="000001">
-                <a:alpha val="20000"/>
-              </a:srgbClr>
-            </a:solidFill>
-          </a:ln>
-        </p:spPr>
-        <p:style>
-          <a:lnRef idx="1">
-            <a:schemeClr val="accent1"/>
-          </a:lnRef>
-          <a:fillRef idx="0">
-            <a:schemeClr val="accent1"/>
-          </a:fillRef>
-          <a:effectRef idx="0">
-            <a:schemeClr val="accent1"/>
-          </a:effectRef>
-          <a:fontRef idx="minor">
-            <a:schemeClr val="tx1"/>
-          </a:fontRef>
-        </p:style>
-      </p:cxnSp>
-      <p:cxnSp>
-        <p:nvCxnSpPr>
-          <p:cNvPr id="35" name="Straight Connector 19">
-            <a:extLst>
-              <a:ext uri="{FF2B5EF4-FFF2-40B4-BE49-F238E27FC236}">
-                <a16:creationId xmlns:a16="http://schemas.microsoft.com/office/drawing/2014/main" id="{912F6065-5345-44BD-B66E-5487CCD7A9B9}"/>
-              </a:ext>
-              <a:ext uri="{C183D7F6-B498-43B3-948B-1728B52AA6E4}">
-                <adec:decorative xmlns:adec="http://schemas.microsoft.com/office/drawing/2017/decorative" val="1"/>
-              </a:ext>
-            </a:extLst>
-          </p:cNvPr>
-          <p:cNvCxnSpPr>
-            <a:cxnSpLocks noGrp="1" noRot="1" noChangeAspect="1" noMove="1" noResize="1" noEditPoints="1" noAdjustHandles="1" noChangeArrowheads="1" noChangeShapeType="1"/>
-          </p:cNvCxnSpPr>
-          <p:nvPr>
-            <p:extLst>
-              <p:ext uri="{386F3935-93C4-4BCD-93E2-E3B085C9AB24}">
-                <p16:designElem xmlns:p16="http://schemas.microsoft.com/office/powerpoint/2015/main" val="1"/>
-              </p:ext>
-            </p:extLst>
-          </p:nvPr>
-        </p:nvCxnSpPr>
-        <p:spPr>
-          <a:xfrm>
-            <a:off x="2417780" y="3528542"/>
-            <a:ext cx="8637072" cy="0"/>
-          </a:xfrm>
-          <a:prstGeom prst="line">
-            <a:avLst/>
-          </a:prstGeom>
-          <a:ln w="31750"/>
-        </p:spPr>
-        <p:style>
-          <a:lnRef idx="3">
-            <a:schemeClr val="accent1"/>
-          </a:lnRef>
-          <a:fillRef idx="0">
-            <a:schemeClr val="accent1"/>
-          </a:fillRef>
-          <a:effectRef idx="2">
-            <a:schemeClr val="accent1"/>
-          </a:effectRef>
-          <a:fontRef idx="minor">
-            <a:schemeClr val="tx1"/>
-          </a:fontRef>
-        </p:style>
-      </p:cxnSp>
-      <p:sp useBgFill="1">
-        <p:nvSpPr>
-          <p:cNvPr id="36" name="Rectangle 21">
-            <a:extLst>
-              <a:ext uri="{FF2B5EF4-FFF2-40B4-BE49-F238E27FC236}">
-                <a16:creationId xmlns:a16="http://schemas.microsoft.com/office/drawing/2014/main" id="{0EF77632-1A0C-4B9F-829B-226E68A78E9F}"/>
-              </a:ext>
-              <a:ext uri="{C183D7F6-B498-43B3-948B-1728B52AA6E4}">
-                <adec:decorative xmlns:adec="http://schemas.microsoft.com/office/drawing/2017/decorative" val="1"/>
-              </a:ext>
-            </a:extLst>
-          </p:cNvPr>
-          <p:cNvSpPr>
-            <a:spLocks noGrp="1" noRot="1" noChangeAspect="1" noMove="1" noResize="1" noEditPoints="1" noAdjustHandles="1" noChangeArrowheads="1" noChangeShapeType="1" noTextEdit="1"/>
-          </p:cNvSpPr>
-          <p:nvPr>
-            <p:extLst>
-              <p:ext uri="{386F3935-93C4-4BCD-93E2-E3B085C9AB24}">
-                <p16:designElem xmlns:p16="http://schemas.microsoft.com/office/powerpoint/2015/main" val="1"/>
-              </p:ext>
-            </p:extLst>
-          </p:nvPr>
-        </p:nvSpPr>
-        <p:spPr>
-          <a:xfrm>
-            <a:off x="2" y="0"/>
-            <a:ext cx="12191695" cy="6858000"/>
-          </a:xfrm>
-          <a:prstGeom prst="rect">
-            <a:avLst/>
-          </a:prstGeom>
-          <a:ln>
-            <a:noFill/>
-          </a:ln>
-        </p:spPr>
-        <p:style>
-          <a:lnRef idx="2">
-            <a:schemeClr val="accent1">
-              <a:shade val="50000"/>
-            </a:schemeClr>
-          </a:lnRef>
-          <a:fillRef idx="1">
-            <a:schemeClr val="accent1"/>
-          </a:fillRef>
-          <a:effectRef idx="0">
-            <a:schemeClr val="accent1"/>
-          </a:effectRef>
-          <a:fontRef idx="minor">
-            <a:schemeClr val="lt1"/>
-          </a:fontRef>
-        </p:style>
-        <p:txBody>
-          <a:bodyPr rtlCol="0" anchor="ctr"/>
-          <a:lstStyle/>
-          <a:p>
-            <a:pPr algn="ctr"/>
-            <a:endParaRPr lang="en-US"/>
-          </a:p>
-        </p:txBody>
-      </p:sp>
-      <p:sp>
-        <p:nvSpPr>
-          <p:cNvPr id="37" name="Rectangle 23">
-            <a:extLst>
-              <a:ext uri="{FF2B5EF4-FFF2-40B4-BE49-F238E27FC236}">
-                <a16:creationId xmlns:a16="http://schemas.microsoft.com/office/drawing/2014/main" id="{F3DCFC27-6BCE-42B6-8372-070EA07685D7}"/>
-              </a:ext>
-              <a:ext uri="{C183D7F6-B498-43B3-948B-1728B52AA6E4}">
-                <adec:decorative xmlns:adec="http://schemas.microsoft.com/office/drawing/2017/decorative" val="1"/>
-              </a:ext>
-            </a:extLst>
-          </p:cNvPr>
-          <p:cNvSpPr>
-            <a:spLocks noGrp="1" noRot="1" noChangeAspect="1" noMove="1" noResize="1" noEditPoints="1" noAdjustHandles="1" noChangeArrowheads="1" noChangeShapeType="1" noTextEdit="1"/>
-          </p:cNvSpPr>
-          <p:nvPr>
-            <p:extLst>
-              <p:ext uri="{386F3935-93C4-4BCD-93E2-E3B085C9AB24}">
-                <p16:designElem xmlns:p16="http://schemas.microsoft.com/office/powerpoint/2015/main" val="1"/>
-              </p:ext>
-            </p:extLst>
-          </p:nvPr>
-        </p:nvSpPr>
-        <p:spPr>
-          <a:xfrm>
-            <a:off x="0" y="2019476"/>
-            <a:ext cx="12192000" cy="4105941"/>
-          </a:xfrm>
-          <a:prstGeom prst="rect">
-            <a:avLst/>
-          </a:prstGeom>
-          <a:gradFill flip="none" rotWithShape="1">
-            <a:gsLst>
-              <a:gs pos="0">
-                <a:schemeClr val="bg2">
-                  <a:alpha val="0"/>
-                </a:schemeClr>
-              </a:gs>
-              <a:gs pos="100000">
-                <a:schemeClr val="bg2"/>
-              </a:gs>
-            </a:gsLst>
-            <a:lin ang="5400000" scaled="0"/>
-            <a:tileRect/>
-          </a:gradFill>
-          <a:ln>
-            <a:noFill/>
-          </a:ln>
-        </p:spPr>
-        <p:style>
-          <a:lnRef idx="2">
-            <a:schemeClr val="accent1">
-              <a:shade val="50000"/>
-            </a:schemeClr>
-          </a:lnRef>
-          <a:fillRef idx="1">
-            <a:schemeClr val="accent1"/>
-          </a:fillRef>
-          <a:effectRef idx="0">
-            <a:schemeClr val="accent1"/>
-          </a:effectRef>
-          <a:fontRef idx="minor">
-            <a:schemeClr val="lt1"/>
-          </a:fontRef>
-        </p:style>
-        <p:txBody>
-          <a:bodyPr rtlCol="0" anchor="ctr"/>
-          <a:lstStyle/>
-          <a:p>
-            <a:pPr lvl="0" algn="ctr"/>
-            <a:endParaRPr lang="en-US"/>
-          </a:p>
-        </p:txBody>
-      </p:sp>
-      <p:sp>
-        <p:nvSpPr>
-          <p:cNvPr id="2" name="Title 1">
-            <a:extLst>
-              <a:ext uri="{FF2B5EF4-FFF2-40B4-BE49-F238E27FC236}">
-                <a16:creationId xmlns:a16="http://schemas.microsoft.com/office/drawing/2014/main" id="{34CC73FA-ED51-B640-A8A4-E95719356A60}"/>
-              </a:ext>
-            </a:extLst>
-          </p:cNvPr>
-          <p:cNvSpPr>
-            <a:spLocks noGrp="1"/>
-          </p:cNvSpPr>
-          <p:nvPr>
-            <p:ph type="title"/>
-          </p:nvPr>
-        </p:nvSpPr>
-        <p:spPr>
-          <a:xfrm>
-            <a:off x="1776424" y="4460798"/>
-            <a:ext cx="8637073" cy="558063"/>
-          </a:xfrm>
-        </p:spPr>
-        <p:txBody>
-          <a:bodyPr vert="horz" lIns="91440" tIns="45720" rIns="91440" bIns="0" rtlCol="0" anchor="b">
-            <a:normAutofit/>
-          </a:bodyPr>
-          <a:lstStyle/>
-          <a:p>
-            <a:pPr algn="ctr"/>
-            <a:r>
-              <a:rPr lang="en-US" sz="3100" cap="none" dirty="0" err="1"/>
-              <a:t>iTV</a:t>
-            </a:r>
-            <a:r>
-              <a:rPr lang="en-US" sz="3100" cap="none" dirty="0"/>
-              <a:t> Is Older Than iPhone</a:t>
-            </a:r>
-          </a:p>
-        </p:txBody>
-      </p:sp>
-      <p:pic>
-        <p:nvPicPr>
-          <p:cNvPr id="5" name="Content Placeholder 4">
-            <a:extLst>
-              <a:ext uri="{FF2B5EF4-FFF2-40B4-BE49-F238E27FC236}">
-                <a16:creationId xmlns:a16="http://schemas.microsoft.com/office/drawing/2014/main" id="{991A921B-3753-4748-968C-E06EAF808A0D}"/>
-              </a:ext>
-            </a:extLst>
-          </p:cNvPr>
-          <p:cNvPicPr>
-            <a:picLocks noGrp="1" noChangeAspect="1"/>
-          </p:cNvPicPr>
-          <p:nvPr>
-            <p:ph idx="1"/>
-          </p:nvPr>
-        </p:nvPicPr>
-        <p:blipFill>
-          <a:blip r:embed="rId4"/>
-          <a:stretch>
-            <a:fillRect/>
-          </a:stretch>
-        </p:blipFill>
-        <p:spPr>
-          <a:xfrm>
-            <a:off x="2979277" y="457200"/>
-            <a:ext cx="1826157" cy="3239872"/>
-          </a:xfrm>
-          <a:prstGeom prst="rect">
-            <a:avLst/>
-          </a:prstGeom>
-        </p:spPr>
-      </p:pic>
-      <p:cxnSp>
-        <p:nvCxnSpPr>
-          <p:cNvPr id="38" name="Straight Connector 25">
-            <a:extLst>
-              <a:ext uri="{FF2B5EF4-FFF2-40B4-BE49-F238E27FC236}">
-                <a16:creationId xmlns:a16="http://schemas.microsoft.com/office/drawing/2014/main" id="{96A4B1E0-284C-4A01-8141-A24D2B8EE093}"/>
-              </a:ext>
-              <a:ext uri="{C183D7F6-B498-43B3-948B-1728B52AA6E4}">
-                <adec:decorative xmlns:adec="http://schemas.microsoft.com/office/drawing/2017/decorative" val="1"/>
-              </a:ext>
-            </a:extLst>
-          </p:cNvPr>
-          <p:cNvCxnSpPr>
-            <a:cxnSpLocks noGrp="1" noRot="1" noChangeAspect="1" noMove="1" noResize="1" noEditPoints="1" noAdjustHandles="1" noChangeArrowheads="1" noChangeShapeType="1"/>
-          </p:cNvCxnSpPr>
-          <p:nvPr>
-            <p:extLst>
-              <p:ext uri="{386F3935-93C4-4BCD-93E2-E3B085C9AB24}">
-                <p16:designElem xmlns:p16="http://schemas.microsoft.com/office/powerpoint/2015/main" val="1"/>
-              </p:ext>
-            </p:extLst>
-          </p:nvPr>
-        </p:nvCxnSpPr>
-        <p:spPr>
-          <a:xfrm>
-            <a:off x="1776728" y="5027185"/>
-            <a:ext cx="8643010" cy="0"/>
-          </a:xfrm>
-          <a:prstGeom prst="line">
-            <a:avLst/>
-          </a:prstGeom>
-          <a:ln w="31750"/>
-        </p:spPr>
-        <p:style>
-          <a:lnRef idx="3">
-            <a:schemeClr val="accent1"/>
-          </a:lnRef>
-          <a:fillRef idx="0">
-            <a:schemeClr val="accent1"/>
-          </a:fillRef>
-          <a:effectRef idx="2">
-            <a:schemeClr val="accent1"/>
-          </a:effectRef>
-          <a:fontRef idx="minor">
-            <a:schemeClr val="tx1"/>
-          </a:fontRef>
-        </p:style>
-      </p:cxnSp>
-      <p:pic>
-        <p:nvPicPr>
-          <p:cNvPr id="39" name="Picture 27">
-            <a:extLst>
-              <a:ext uri="{FF2B5EF4-FFF2-40B4-BE49-F238E27FC236}">
-                <a16:creationId xmlns:a16="http://schemas.microsoft.com/office/drawing/2014/main" id="{F82046CE-87C5-4670-A404-6AB453F5A928}"/>
-              </a:ext>
-              <a:ext uri="{C183D7F6-B498-43B3-948B-1728B52AA6E4}">
-                <adec:decorative xmlns:adec="http://schemas.microsoft.com/office/drawing/2017/decorative" val="1"/>
-              </a:ext>
-            </a:extLst>
-          </p:cNvPr>
-          <p:cNvPicPr>
-            <a:picLocks noGrp="1" noRot="1" noChangeAspect="1" noMove="1" noResize="1" noEditPoints="1" noAdjustHandles="1" noChangeArrowheads="1" noChangeShapeType="1" noCrop="1"/>
-          </p:cNvPicPr>
-          <p:nvPr>
-            <p:extLst>
-              <p:ext uri="{386F3935-93C4-4BCD-93E2-E3B085C9AB24}">
-                <p16:designElem xmlns:p16="http://schemas.microsoft.com/office/powerpoint/2015/main" val="1"/>
-              </p:ext>
-            </p:extLst>
-          </p:nvPr>
-        </p:nvPicPr>
-        <p:blipFill rotWithShape="1">
-          <a:blip r:embed="rId3">
-            <a:extLst>
-              <a:ext uri="{28A0092B-C50C-407E-A947-70E740481C1C}">
-                <a14:useLocalDpi xmlns:a14="http://schemas.microsoft.com/office/drawing/2010/main" val="0"/>
-              </a:ext>
-            </a:extLst>
-          </a:blip>
-          <a:srcRect t="1538" b="-1538"/>
-          <a:stretch/>
-        </p:blipFill>
-        <p:spPr bwMode="black">
-          <a:xfrm>
-            <a:off x="0" y="6126480"/>
-            <a:ext cx="12192000" cy="742950"/>
-          </a:xfrm>
-          <a:prstGeom prst="rect">
-            <a:avLst/>
-          </a:prstGeom>
-        </p:spPr>
-      </p:pic>
-      <p:cxnSp>
-        <p:nvCxnSpPr>
-          <p:cNvPr id="40" name="Straight Connector 29">
-            <a:extLst>
-              <a:ext uri="{FF2B5EF4-FFF2-40B4-BE49-F238E27FC236}">
-                <a16:creationId xmlns:a16="http://schemas.microsoft.com/office/drawing/2014/main" id="{A224BAD7-5931-4CA6-BB58-0CBCFCFA65A5}"/>
-              </a:ext>
-              <a:ext uri="{C183D7F6-B498-43B3-948B-1728B52AA6E4}">
-                <adec:decorative xmlns:adec="http://schemas.microsoft.com/office/drawing/2017/decorative" val="1"/>
-              </a:ext>
-            </a:extLst>
-          </p:cNvPr>
-          <p:cNvCxnSpPr>
-            <a:cxnSpLocks noGrp="1" noRot="1" noChangeAspect="1" noMove="1" noResize="1" noEditPoints="1" noAdjustHandles="1" noChangeArrowheads="1" noChangeShapeType="1"/>
-          </p:cNvCxnSpPr>
-          <p:nvPr>
-            <p:extLst>
-              <p:ext uri="{386F3935-93C4-4BCD-93E2-E3B085C9AB24}">
-                <p16:designElem xmlns:p16="http://schemas.microsoft.com/office/powerpoint/2015/main" val="1"/>
-              </p:ext>
-            </p:extLst>
-          </p:nvPr>
-        </p:nvCxnSpPr>
-        <p:spPr>
-          <a:xfrm>
-            <a:off x="0" y="6128413"/>
-            <a:ext cx="12192000" cy="0"/>
-          </a:xfrm>
-          <a:prstGeom prst="line">
-            <a:avLst/>
-          </a:prstGeom>
-          <a:ln w="12700">
-            <a:solidFill>
-              <a:srgbClr val="000001">
-                <a:alpha val="20000"/>
-              </a:srgbClr>
-            </a:solidFill>
-          </a:ln>
-        </p:spPr>
-        <p:style>
-          <a:lnRef idx="1">
-            <a:schemeClr val="accent1"/>
-          </a:lnRef>
-          <a:fillRef idx="0">
-            <a:schemeClr val="accent1"/>
-          </a:fillRef>
-          <a:effectRef idx="0">
-            <a:schemeClr val="accent1"/>
-          </a:effectRef>
-          <a:fontRef idx="minor">
-            <a:schemeClr val="tx1"/>
-          </a:fontRef>
-        </p:style>
-      </p:cxnSp>
-      <p:sp>
-        <p:nvSpPr>
-          <p:cNvPr id="11" name="TextBox 10">
-            <a:extLst>
-              <a:ext uri="{FF2B5EF4-FFF2-40B4-BE49-F238E27FC236}">
-                <a16:creationId xmlns:a16="http://schemas.microsoft.com/office/drawing/2014/main" id="{F340989B-AF89-9648-B3E9-1609BC35A849}"/>
-              </a:ext>
-            </a:extLst>
-          </p:cNvPr>
-          <p:cNvSpPr txBox="1"/>
-          <p:nvPr/>
-        </p:nvSpPr>
-        <p:spPr>
-          <a:xfrm>
-            <a:off x="2291147" y="3810836"/>
-            <a:ext cx="3202415" cy="523220"/>
-          </a:xfrm>
-          <a:prstGeom prst="rect">
-            <a:avLst/>
-          </a:prstGeom>
-          <a:noFill/>
-        </p:spPr>
-        <p:txBody>
-          <a:bodyPr wrap="none" rtlCol="0">
-            <a:spAutoFit/>
-          </a:bodyPr>
-          <a:lstStyle/>
-          <a:p>
-            <a:r>
-              <a:rPr lang="en-US" sz="2800" dirty="0">
-                <a:solidFill>
-                  <a:srgbClr val="FF0000"/>
-                </a:solidFill>
-              </a:rPr>
-              <a:t>2007: iPhone 1</a:t>
-            </a:r>
-            <a:r>
-              <a:rPr lang="en-US" sz="2800" baseline="30000" dirty="0">
-                <a:solidFill>
-                  <a:srgbClr val="FF0000"/>
-                </a:solidFill>
-              </a:rPr>
-              <a:t>st</a:t>
-            </a:r>
-            <a:r>
-              <a:rPr lang="en-US" sz="2800" dirty="0">
-                <a:solidFill>
-                  <a:srgbClr val="FF0000"/>
-                </a:solidFill>
-              </a:rPr>
-              <a:t> Gen</a:t>
-            </a:r>
-          </a:p>
-        </p:txBody>
-      </p:sp>
-      <p:sp>
-        <p:nvSpPr>
-          <p:cNvPr id="31" name="TextBox 30">
-            <a:extLst>
-              <a:ext uri="{FF2B5EF4-FFF2-40B4-BE49-F238E27FC236}">
-                <a16:creationId xmlns:a16="http://schemas.microsoft.com/office/drawing/2014/main" id="{5C65FE4B-DF3C-9B4C-A2E7-C4B9BBEC8DFF}"/>
-              </a:ext>
-            </a:extLst>
-          </p:cNvPr>
-          <p:cNvSpPr txBox="1"/>
-          <p:nvPr/>
-        </p:nvSpPr>
-        <p:spPr>
-          <a:xfrm>
-            <a:off x="6832133" y="3797289"/>
-            <a:ext cx="2723118" cy="523220"/>
-          </a:xfrm>
-          <a:prstGeom prst="rect">
-            <a:avLst/>
-          </a:prstGeom>
-          <a:noFill/>
-        </p:spPr>
-        <p:txBody>
-          <a:bodyPr wrap="none" rtlCol="0">
-            <a:spAutoFit/>
-          </a:bodyPr>
-          <a:lstStyle/>
-          <a:p>
-            <a:r>
-              <a:rPr lang="en-US" sz="2800" dirty="0">
-                <a:solidFill>
-                  <a:srgbClr val="FF0000"/>
-                </a:solidFill>
-              </a:rPr>
-              <a:t>2006: </a:t>
-            </a:r>
-            <a:r>
-              <a:rPr lang="en-US" sz="2800" dirty="0" err="1">
-                <a:solidFill>
-                  <a:srgbClr val="FF0000"/>
-                </a:solidFill>
-              </a:rPr>
-              <a:t>iTV</a:t>
-            </a:r>
-            <a:r>
-              <a:rPr lang="en-US" sz="2800" dirty="0">
-                <a:solidFill>
-                  <a:srgbClr val="FF0000"/>
-                </a:solidFill>
-              </a:rPr>
-              <a:t> 1</a:t>
-            </a:r>
-            <a:r>
-              <a:rPr lang="en-US" sz="2800" baseline="30000" dirty="0">
-                <a:solidFill>
-                  <a:srgbClr val="FF0000"/>
-                </a:solidFill>
-              </a:rPr>
-              <a:t>st</a:t>
-            </a:r>
-            <a:r>
-              <a:rPr lang="en-US" sz="2800" dirty="0">
-                <a:solidFill>
-                  <a:srgbClr val="FF0000"/>
-                </a:solidFill>
-              </a:rPr>
-              <a:t> Gen</a:t>
-            </a:r>
-          </a:p>
-        </p:txBody>
-      </p:sp>
-      <p:pic>
-        <p:nvPicPr>
-          <p:cNvPr id="10" name="Picture 9">
-            <a:extLst>
-              <a:ext uri="{FF2B5EF4-FFF2-40B4-BE49-F238E27FC236}">
-                <a16:creationId xmlns:a16="http://schemas.microsoft.com/office/drawing/2014/main" id="{1B29B912-E042-1E46-A3FC-0A236CEF947D}"/>
-              </a:ext>
-            </a:extLst>
-          </p:cNvPr>
-          <p:cNvPicPr>
-            <a:picLocks noChangeAspect="1"/>
-          </p:cNvPicPr>
-          <p:nvPr/>
-        </p:nvPicPr>
-        <p:blipFill>
-          <a:blip r:embed="rId5"/>
-          <a:stretch>
-            <a:fillRect/>
-          </a:stretch>
-        </p:blipFill>
-        <p:spPr>
-          <a:xfrm>
-            <a:off x="5366931" y="699872"/>
-            <a:ext cx="5956300" cy="2997200"/>
+            <a:off x="1739805" y="315344"/>
+            <a:ext cx="8712389" cy="6227312"/>
           </a:xfrm>
           <a:prstGeom prst="rect">
             <a:avLst/>
@@ -10133,313 +9728,7 @@
     </p:spTree>
     <p:extLst>
       <p:ext uri="{BB962C8B-B14F-4D97-AF65-F5344CB8AC3E}">
-        <p14:creationId xmlns:p14="http://schemas.microsoft.com/office/powerpoint/2010/main" val="389288555"/>
-      </p:ext>
-    </p:extLst>
-  </p:cSld>
-  <p:clrMapOvr>
-    <a:masterClrMapping/>
-  </p:clrMapOvr>
-</p:sld>
-</file>
-
-<file path=ppt/slides/slide13.xml><?xml version="1.0" encoding="utf-8"?>
-<p:sld xmlns:a="http://schemas.openxmlformats.org/drawingml/2006/main" xmlns:r="http://schemas.openxmlformats.org/officeDocument/2006/relationships" xmlns:p="http://schemas.openxmlformats.org/presentationml/2006/main">
-  <p:cSld>
-    <p:spTree>
-      <p:nvGrpSpPr>
-        <p:cNvPr id="1" name=""/>
-        <p:cNvGrpSpPr/>
-        <p:nvPr/>
-      </p:nvGrpSpPr>
-      <p:grpSpPr>
-        <a:xfrm>
-          <a:off x="0" y="0"/>
-          <a:ext cx="0" cy="0"/>
-          <a:chOff x="0" y="0"/>
-          <a:chExt cx="0" cy="0"/>
-        </a:xfrm>
-      </p:grpSpPr>
-      <p:sp>
-        <p:nvSpPr>
-          <p:cNvPr id="2" name="Title 1">
-            <a:extLst>
-              <a:ext uri="{FF2B5EF4-FFF2-40B4-BE49-F238E27FC236}">
-                <a16:creationId xmlns:a16="http://schemas.microsoft.com/office/drawing/2014/main" id="{EB0B183F-9A81-E641-A513-57D1BCAAE7B2}"/>
-              </a:ext>
-            </a:extLst>
-          </p:cNvPr>
-          <p:cNvSpPr>
-            <a:spLocks noGrp="1"/>
-          </p:cNvSpPr>
-          <p:nvPr>
-            <p:ph type="title"/>
-          </p:nvPr>
-        </p:nvSpPr>
-        <p:spPr/>
-        <p:txBody>
-          <a:bodyPr>
-            <a:normAutofit/>
-          </a:bodyPr>
-          <a:lstStyle/>
-          <a:p>
-            <a:r>
-              <a:rPr lang="en-US" sz="4000" cap="none" dirty="0"/>
-              <a:t>Kinds Of Apple TV App</a:t>
-            </a:r>
-          </a:p>
-        </p:txBody>
-      </p:sp>
-      <p:sp>
-        <p:nvSpPr>
-          <p:cNvPr id="7" name="Content Placeholder 6">
-            <a:extLst>
-              <a:ext uri="{FF2B5EF4-FFF2-40B4-BE49-F238E27FC236}">
-                <a16:creationId xmlns:a16="http://schemas.microsoft.com/office/drawing/2014/main" id="{0303A2EC-88EB-5F49-8366-895D6A30378E}"/>
-              </a:ext>
-            </a:extLst>
-          </p:cNvPr>
-          <p:cNvSpPr>
-            <a:spLocks noGrp="1"/>
-          </p:cNvSpPr>
-          <p:nvPr>
-            <p:ph idx="1"/>
-          </p:nvPr>
-        </p:nvSpPr>
-        <p:spPr/>
-        <p:txBody>
-          <a:bodyPr>
-            <a:normAutofit/>
-          </a:bodyPr>
-          <a:lstStyle/>
-          <a:p>
-            <a:r>
-              <a:rPr lang="en-US" sz="3600" dirty="0"/>
-              <a:t>Traditional app:</a:t>
-            </a:r>
-          </a:p>
-          <a:p>
-            <a:pPr lvl="1"/>
-            <a:r>
-              <a:rPr lang="en-US" sz="3200" dirty="0"/>
-              <a:t>Same techniques and frameworks used by iOS</a:t>
-            </a:r>
-          </a:p>
-          <a:p>
-            <a:r>
-              <a:rPr lang="en-US" sz="3600" dirty="0"/>
-              <a:t>Client-Server app:</a:t>
-            </a:r>
-          </a:p>
-          <a:p>
-            <a:pPr lvl="1"/>
-            <a:r>
-              <a:rPr lang="en-US" sz="3200" dirty="0"/>
-              <a:t>TVML</a:t>
-            </a:r>
-          </a:p>
-        </p:txBody>
-      </p:sp>
-    </p:spTree>
-    <p:extLst>
-      <p:ext uri="{BB962C8B-B14F-4D97-AF65-F5344CB8AC3E}">
-        <p14:creationId xmlns:p14="http://schemas.microsoft.com/office/powerpoint/2010/main" val="258857204"/>
-      </p:ext>
-    </p:extLst>
-  </p:cSld>
-  <p:clrMapOvr>
-    <a:masterClrMapping/>
-  </p:clrMapOvr>
-</p:sld>
-</file>
-
-<file path=ppt/slides/slide14.xml><?xml version="1.0" encoding="utf-8"?>
-<p:sld xmlns:a="http://schemas.openxmlformats.org/drawingml/2006/main" xmlns:r="http://schemas.openxmlformats.org/officeDocument/2006/relationships" xmlns:p="http://schemas.openxmlformats.org/presentationml/2006/main">
-  <p:cSld>
-    <p:spTree>
-      <p:nvGrpSpPr>
-        <p:cNvPr id="1" name=""/>
-        <p:cNvGrpSpPr/>
-        <p:nvPr/>
-      </p:nvGrpSpPr>
-      <p:grpSpPr>
-        <a:xfrm>
-          <a:off x="0" y="0"/>
-          <a:ext cx="0" cy="0"/>
-          <a:chOff x="0" y="0"/>
-          <a:chExt cx="0" cy="0"/>
-        </a:xfrm>
-      </p:grpSpPr>
-      <p:sp>
-        <p:nvSpPr>
-          <p:cNvPr id="2" name="Title 1">
-            <a:extLst>
-              <a:ext uri="{FF2B5EF4-FFF2-40B4-BE49-F238E27FC236}">
-                <a16:creationId xmlns:a16="http://schemas.microsoft.com/office/drawing/2014/main" id="{64ECDC67-571C-B348-A870-1BD490B773E6}"/>
-              </a:ext>
-            </a:extLst>
-          </p:cNvPr>
-          <p:cNvSpPr>
-            <a:spLocks noGrp="1"/>
-          </p:cNvSpPr>
-          <p:nvPr>
-            <p:ph type="title"/>
-          </p:nvPr>
-        </p:nvSpPr>
-        <p:spPr/>
-        <p:txBody>
-          <a:bodyPr/>
-          <a:lstStyle/>
-          <a:p>
-            <a:r>
-              <a:rPr lang="en-US" dirty="0"/>
-              <a:t>Build </a:t>
-            </a:r>
-            <a:r>
-              <a:rPr lang="en-US" dirty="0" err="1"/>
-              <a:t>tvos</a:t>
-            </a:r>
-            <a:r>
-              <a:rPr lang="en-US" dirty="0"/>
-              <a:t> app on </a:t>
-            </a:r>
-            <a:r>
-              <a:rPr lang="en-US" dirty="0" err="1"/>
-              <a:t>ios</a:t>
-            </a:r>
-            <a:r>
-              <a:rPr lang="en-US" dirty="0"/>
-              <a:t> project</a:t>
-            </a:r>
-          </a:p>
-        </p:txBody>
-      </p:sp>
-      <p:sp>
-        <p:nvSpPr>
-          <p:cNvPr id="3" name="Text Placeholder 2">
-            <a:extLst>
-              <a:ext uri="{FF2B5EF4-FFF2-40B4-BE49-F238E27FC236}">
-                <a16:creationId xmlns:a16="http://schemas.microsoft.com/office/drawing/2014/main" id="{37BAC5DA-7319-754C-983F-C160970338B4}"/>
-              </a:ext>
-            </a:extLst>
-          </p:cNvPr>
-          <p:cNvSpPr>
-            <a:spLocks noGrp="1"/>
-          </p:cNvSpPr>
-          <p:nvPr>
-            <p:ph type="body" idx="1"/>
-          </p:nvPr>
-        </p:nvSpPr>
-        <p:spPr/>
-        <p:txBody>
-          <a:bodyPr/>
-          <a:lstStyle/>
-          <a:p>
-            <a:endParaRPr lang="en-US"/>
-          </a:p>
-        </p:txBody>
-      </p:sp>
-    </p:spTree>
-    <p:extLst>
-      <p:ext uri="{BB962C8B-B14F-4D97-AF65-F5344CB8AC3E}">
-        <p14:creationId xmlns:p14="http://schemas.microsoft.com/office/powerpoint/2010/main" val="2159603217"/>
-      </p:ext>
-    </p:extLst>
-  </p:cSld>
-  <p:clrMapOvr>
-    <a:masterClrMapping/>
-  </p:clrMapOvr>
-</p:sld>
-</file>
-
-<file path=ppt/slides/slide15.xml><?xml version="1.0" encoding="utf-8"?>
-<p:sld xmlns:a="http://schemas.openxmlformats.org/drawingml/2006/main" xmlns:r="http://schemas.openxmlformats.org/officeDocument/2006/relationships" xmlns:p="http://schemas.openxmlformats.org/presentationml/2006/main">
-  <p:cSld>
-    <p:spTree>
-      <p:nvGrpSpPr>
-        <p:cNvPr id="1" name=""/>
-        <p:cNvGrpSpPr/>
-        <p:nvPr/>
-      </p:nvGrpSpPr>
-      <p:grpSpPr>
-        <a:xfrm>
-          <a:off x="0" y="0"/>
-          <a:ext cx="0" cy="0"/>
-          <a:chOff x="0" y="0"/>
-          <a:chExt cx="0" cy="0"/>
-        </a:xfrm>
-      </p:grpSpPr>
-      <p:sp>
-        <p:nvSpPr>
-          <p:cNvPr id="2" name="Title 1">
-            <a:extLst>
-              <a:ext uri="{FF2B5EF4-FFF2-40B4-BE49-F238E27FC236}">
-                <a16:creationId xmlns:a16="http://schemas.microsoft.com/office/drawing/2014/main" id="{EB1B544A-9481-1245-A376-C68D2AEC1BC5}"/>
-              </a:ext>
-            </a:extLst>
-          </p:cNvPr>
-          <p:cNvSpPr>
-            <a:spLocks noGrp="1"/>
-          </p:cNvSpPr>
-          <p:nvPr>
-            <p:ph type="title"/>
-          </p:nvPr>
-        </p:nvSpPr>
-        <p:spPr/>
-        <p:txBody>
-          <a:bodyPr/>
-          <a:lstStyle/>
-          <a:p>
-            <a:r>
-              <a:rPr lang="en-US" dirty="0"/>
-              <a:t>What can reuse from </a:t>
-            </a:r>
-            <a:r>
-              <a:rPr lang="en-US" dirty="0" err="1"/>
-              <a:t>iOs</a:t>
-            </a:r>
-            <a:r>
-              <a:rPr lang="en-US" dirty="0"/>
-              <a:t>?</a:t>
-            </a:r>
-          </a:p>
-        </p:txBody>
-      </p:sp>
-      <p:graphicFrame>
-        <p:nvGraphicFramePr>
-          <p:cNvPr id="10" name="Content Placeholder 9">
-            <a:extLst>
-              <a:ext uri="{FF2B5EF4-FFF2-40B4-BE49-F238E27FC236}">
-                <a16:creationId xmlns:a16="http://schemas.microsoft.com/office/drawing/2014/main" id="{D32E5080-A24F-C642-B1F9-A1A5D6359AFB}"/>
-              </a:ext>
-            </a:extLst>
-          </p:cNvPr>
-          <p:cNvGraphicFramePr>
-            <a:graphicFrameLocks noGrp="1"/>
-          </p:cNvGraphicFramePr>
-          <p:nvPr>
-            <p:ph idx="1"/>
-            <p:extLst>
-              <p:ext uri="{D42A27DB-BD31-4B8C-83A1-F6EECF244321}">
-                <p14:modId xmlns:p14="http://schemas.microsoft.com/office/powerpoint/2010/main" val="2519947104"/>
-              </p:ext>
-            </p:extLst>
-          </p:nvPr>
-        </p:nvGraphicFramePr>
-        <p:xfrm>
-          <a:off x="1450975" y="2016125"/>
-          <a:ext cx="9604375" cy="3449638"/>
-        </p:xfrm>
-        <a:graphic>
-          <a:graphicData uri="http://schemas.openxmlformats.org/drawingml/2006/diagram">
-            <dgm:relIds xmlns:dgm="http://schemas.openxmlformats.org/drawingml/2006/diagram" xmlns:r="http://schemas.openxmlformats.org/officeDocument/2006/relationships" r:dm="rId3" r:lo="rId4" r:qs="rId5" r:cs="rId6"/>
-          </a:graphicData>
-        </a:graphic>
-      </p:graphicFrame>
-    </p:spTree>
-    <p:extLst>
-      <p:ext uri="{BB962C8B-B14F-4D97-AF65-F5344CB8AC3E}">
-        <p14:creationId xmlns:p14="http://schemas.microsoft.com/office/powerpoint/2010/main" val="411461000"/>
+        <p14:creationId xmlns:p14="http://schemas.microsoft.com/office/powerpoint/2010/main" val="2292368565"/>
       </p:ext>
     </p:extLst>
   </p:cSld>
@@ -10471,7 +9760,7 @@
           <p:cNvPr id="2" name="Title 1">
             <a:extLst>
               <a:ext uri="{FF2B5EF4-FFF2-40B4-BE49-F238E27FC236}">
-                <a16:creationId xmlns:a16="http://schemas.microsoft.com/office/drawing/2014/main" id="{37A8AB02-4247-BC47-AFC4-69013992B5EA}"/>
+                <a16:creationId xmlns:a16="http://schemas.microsoft.com/office/drawing/2014/main" id="{880CF045-324D-F94C-BC07-9814DBB72BEB}"/>
               </a:ext>
             </a:extLst>
           </p:cNvPr>
@@ -10489,7 +9778,7 @@
           <a:p>
             <a:r>
               <a:rPr lang="en-US" dirty="0"/>
-              <a:t>Why not sharing UI code?</a:t>
+              <a:t>Project structure</a:t>
             </a:r>
           </a:p>
         </p:txBody>
@@ -10499,7 +9788,7 @@
           <p:cNvPr id="3" name="Content Placeholder 2">
             <a:extLst>
               <a:ext uri="{FF2B5EF4-FFF2-40B4-BE49-F238E27FC236}">
-                <a16:creationId xmlns:a16="http://schemas.microsoft.com/office/drawing/2014/main" id="{8C7C5C73-A4B0-0049-AFBF-7E4044A77F1B}"/>
+                <a16:creationId xmlns:a16="http://schemas.microsoft.com/office/drawing/2014/main" id="{52E83345-D04D-674B-A57D-E5625644BBED}"/>
               </a:ext>
             </a:extLst>
           </p:cNvPr>
@@ -10510,99 +9799,25 @@
             <p:ph idx="1"/>
           </p:nvPr>
         </p:nvSpPr>
-        <p:spPr>
-          <a:xfrm>
-            <a:off x="1451579" y="2015732"/>
-            <a:ext cx="9946523" cy="3450613"/>
-          </a:xfrm>
-        </p:spPr>
+        <p:spPr/>
         <p:txBody>
-          <a:bodyPr>
-            <a:normAutofit fontScale="92500"/>
-          </a:bodyPr>
+          <a:bodyPr/>
           <a:lstStyle/>
           <a:p>
             <a:r>
-              <a:rPr lang="en-US" sz="3200" dirty="0"/>
-              <a:t>Different devices </a:t>
-            </a:r>
-          </a:p>
-          <a:p>
-            <a:pPr marL="0" indent="0">
-              <a:buNone/>
-            </a:pPr>
-            <a:r>
-              <a:rPr lang="en-US" sz="3200" dirty="0">
-                <a:sym typeface="Wingdings" pitchFamily="2" charset="2"/>
-              </a:rPr>
-              <a:t>	 Different User Behavior </a:t>
-            </a:r>
-          </a:p>
-          <a:p>
-            <a:pPr marL="0" indent="0">
-              <a:buNone/>
-            </a:pPr>
-            <a:r>
-              <a:rPr lang="en-US" sz="3200" dirty="0">
-                <a:sym typeface="Wingdings" pitchFamily="2" charset="2"/>
-              </a:rPr>
-              <a:t>		 Different UI</a:t>
-            </a:r>
-            <a:endParaRPr lang="en-US" sz="3200" dirty="0"/>
-          </a:p>
-          <a:p>
-            <a:r>
-              <a:rPr lang="en-US" sz="3200" dirty="0"/>
-              <a:t>iOS has Orientation meanwhile </a:t>
-            </a:r>
-            <a:r>
-              <a:rPr lang="en-US" sz="3200" dirty="0" err="1"/>
-              <a:t>tvOS</a:t>
-            </a:r>
-            <a:r>
-              <a:rPr lang="en-US" sz="3200" dirty="0"/>
-              <a:t> has Dark/Light mode</a:t>
-            </a:r>
-          </a:p>
-          <a:p>
-            <a:r>
-              <a:rPr lang="en-US" sz="3200" dirty="0"/>
-              <a:t>iOS has </a:t>
-            </a:r>
-            <a:r>
-              <a:rPr lang="en-US" sz="3200" dirty="0" err="1"/>
-              <a:t>WebKit</a:t>
-            </a:r>
-            <a:r>
-              <a:rPr lang="en-US" sz="3200" dirty="0"/>
-              <a:t> meanwhile </a:t>
-            </a:r>
-            <a:r>
-              <a:rPr lang="en-US" sz="3200" dirty="0" err="1"/>
-              <a:t>tvOS</a:t>
-            </a:r>
-            <a:r>
-              <a:rPr lang="en-US" sz="3200" dirty="0"/>
-              <a:t> has </a:t>
-            </a:r>
-            <a:r>
-              <a:rPr lang="en-US" sz="3200" dirty="0" err="1"/>
-              <a:t>TVUIKit</a:t>
-            </a:r>
-            <a:endParaRPr lang="en-US" sz="3200" dirty="0"/>
-          </a:p>
-          <a:p>
-            <a:endParaRPr lang="en-US" sz="3200" dirty="0"/>
-          </a:p>
-          <a:p>
-            <a:endParaRPr lang="en-US" sz="3200" dirty="0"/>
+              <a:rPr lang="en-US" dirty="0"/>
+              <a:t>Show the structure here</a:t>
+            </a:r>
+          </a:p>
+          <a:p>
+            <a:endParaRPr lang="en-US" dirty="0"/>
           </a:p>
         </p:txBody>
       </p:sp>
     </p:spTree>
     <p:extLst>
       <p:ext uri="{BB962C8B-B14F-4D97-AF65-F5344CB8AC3E}">
-        <p14:creationId xmlns:p14="http://schemas.microsoft.com/office/powerpoint/2010/main" val="3190415116"/>
+        <p14:creationId xmlns:p14="http://schemas.microsoft.com/office/powerpoint/2010/main" val="4058021061"/>
       </p:ext>
     </p:extLst>
   </p:cSld>
@@ -10615,30 +9830,6 @@
 <file path=ppt/slides/slide17.xml><?xml version="1.0" encoding="utf-8"?>
 <p:sld xmlns:a="http://schemas.openxmlformats.org/drawingml/2006/main" xmlns:r="http://schemas.openxmlformats.org/officeDocument/2006/relationships" xmlns:p="http://schemas.openxmlformats.org/presentationml/2006/main">
   <p:cSld>
-    <p:bg>
-      <p:bgPr>
-        <a:gradFill rotWithShape="1">
-          <a:gsLst>
-            <a:gs pos="0">
-              <a:schemeClr val="bg2">
-                <a:tint val="94000"/>
-                <a:satMod val="80000"/>
-                <a:lumMod val="106000"/>
-              </a:schemeClr>
-            </a:gs>
-            <a:gs pos="100000">
-              <a:schemeClr val="bg2">
-                <a:shade val="80000"/>
-              </a:schemeClr>
-            </a:gs>
-          </a:gsLst>
-          <a:path path="circle">
-            <a:fillToRect l="43000" r="43000" b="100000"/>
-          </a:path>
-        </a:gradFill>
-        <a:effectLst/>
-      </p:bgPr>
-    </p:bg>
     <p:spTree>
       <p:nvGrpSpPr>
         <p:cNvPr id="1" name=""/>
@@ -10653,103 +9844,10 @@
           <a:chExt cx="0" cy="0"/>
         </a:xfrm>
       </p:grpSpPr>
-      <p:sp>
-        <p:nvSpPr>
-          <p:cNvPr id="19" name="Rectangle 18">
-            <a:extLst>
-              <a:ext uri="{FF2B5EF4-FFF2-40B4-BE49-F238E27FC236}">
-                <a16:creationId xmlns:a16="http://schemas.microsoft.com/office/drawing/2014/main" id="{7013A21A-6440-4CD4-9FC7-9EB2C702042A}"/>
-              </a:ext>
-              <a:ext uri="{C183D7F6-B498-43B3-948B-1728B52AA6E4}">
-                <adec:decorative xmlns:adec="http://schemas.microsoft.com/office/drawing/2017/decorative" val="1"/>
-              </a:ext>
-            </a:extLst>
-          </p:cNvPr>
-          <p:cNvSpPr>
-            <a:spLocks noGrp="1" noRot="1" noChangeAspect="1" noMove="1" noResize="1" noEditPoints="1" noAdjustHandles="1" noChangeArrowheads="1" noChangeShapeType="1" noTextEdit="1"/>
-          </p:cNvSpPr>
-          <p:nvPr>
-            <p:extLst>
-              <p:ext uri="{386F3935-93C4-4BCD-93E2-E3B085C9AB24}">
-                <p16:designElem xmlns:p16="http://schemas.microsoft.com/office/powerpoint/2015/main" val="1"/>
-              </p:ext>
-            </p:extLst>
-          </p:nvPr>
-        </p:nvSpPr>
-        <p:spPr>
-          <a:xfrm>
-            <a:off x="0" y="0"/>
-            <a:ext cx="12192000" cy="6858000"/>
-          </a:xfrm>
-          <a:prstGeom prst="rect">
-            <a:avLst/>
-          </a:prstGeom>
-          <a:solidFill>
-            <a:schemeClr val="bg1"/>
-          </a:solidFill>
-          <a:ln>
-            <a:noFill/>
-          </a:ln>
-        </p:spPr>
-        <p:style>
-          <a:lnRef idx="2">
-            <a:schemeClr val="accent1">
-              <a:shade val="50000"/>
-            </a:schemeClr>
-          </a:lnRef>
-          <a:fillRef idx="1">
-            <a:schemeClr val="accent1"/>
-          </a:fillRef>
-          <a:effectRef idx="0">
-            <a:schemeClr val="accent1"/>
-          </a:effectRef>
-          <a:fontRef idx="minor">
-            <a:schemeClr val="lt1"/>
-          </a:fontRef>
-        </p:style>
-        <p:txBody>
-          <a:bodyPr rtlCol="0" anchor="ctr"/>
-          <a:lstStyle/>
-          <a:p>
-            <a:pPr algn="ctr"/>
-            <a:endParaRPr lang="en-US"/>
-          </a:p>
-        </p:txBody>
-      </p:sp>
-      <p:pic>
-        <p:nvPicPr>
-          <p:cNvPr id="7" name="Picture 6">
-            <a:extLst>
-              <a:ext uri="{FF2B5EF4-FFF2-40B4-BE49-F238E27FC236}">
-                <a16:creationId xmlns:a16="http://schemas.microsoft.com/office/drawing/2014/main" id="{CB28EBD8-954D-494F-BB81-A461B45946C4}"/>
-              </a:ext>
-            </a:extLst>
-          </p:cNvPr>
-          <p:cNvPicPr>
-            <a:picLocks noChangeAspect="1"/>
-          </p:cNvPicPr>
-          <p:nvPr/>
-        </p:nvPicPr>
-        <p:blipFill>
-          <a:blip r:embed="rId2"/>
-          <a:stretch>
-            <a:fillRect/>
-          </a:stretch>
-        </p:blipFill>
-        <p:spPr>
-          <a:xfrm>
-            <a:off x="1739805" y="315344"/>
-            <a:ext cx="8712389" cy="6227312"/>
-          </a:xfrm>
-          <a:prstGeom prst="rect">
-            <a:avLst/>
-          </a:prstGeom>
-        </p:spPr>
-      </p:pic>
     </p:spTree>
     <p:extLst>
       <p:ext uri="{BB962C8B-B14F-4D97-AF65-F5344CB8AC3E}">
-        <p14:creationId xmlns:p14="http://schemas.microsoft.com/office/powerpoint/2010/main" val="2292368565"/>
+        <p14:creationId xmlns:p14="http://schemas.microsoft.com/office/powerpoint/2010/main" val="2039248934"/>
       </p:ext>
     </p:extLst>
   </p:cSld>
@@ -12522,7 +11620,7 @@
           <a:lstStyle/>
           <a:p>
             <a:r>
-              <a:rPr lang="en-US" sz="4800"/>
+              <a:rPr lang="en-US" sz="4800" dirty="0"/>
               <a:t>Cocoa pod</a:t>
             </a:r>
           </a:p>
@@ -13125,6 +12223,12 @@
           <a:p>
             <a:r>
               <a:rPr lang="en-US" sz="3200" dirty="0"/>
+              <a:t>Product Demo </a:t>
+            </a:r>
+          </a:p>
+          <a:p>
+            <a:r>
+              <a:rPr lang="en-US" sz="3200" dirty="0"/>
               <a:t>How to build a </a:t>
             </a:r>
             <a:r>
@@ -13139,7 +12243,7 @@
           <a:p>
             <a:r>
               <a:rPr lang="en-US" sz="3200" dirty="0"/>
-              <a:t>Demo</a:t>
+              <a:t>Code Demo</a:t>
             </a:r>
           </a:p>
         </p:txBody>
@@ -13646,73 +12750,50 @@
       </p:grpSpPr>
       <p:sp>
         <p:nvSpPr>
-          <p:cNvPr id="14" name="Rectangle 7">
+          <p:cNvPr id="2" name="Title 1">
             <a:extLst>
               <a:ext uri="{FF2B5EF4-FFF2-40B4-BE49-F238E27FC236}">
-                <a16:creationId xmlns:a16="http://schemas.microsoft.com/office/drawing/2014/main" id="{7013A21A-6440-4CD4-9FC7-9EB2C702042A}"/>
-              </a:ext>
-              <a:ext uri="{C183D7F6-B498-43B3-948B-1728B52AA6E4}">
-                <adec:decorative xmlns:adec="http://schemas.microsoft.com/office/drawing/2017/decorative" val="1"/>
+                <a16:creationId xmlns:a16="http://schemas.microsoft.com/office/drawing/2014/main" id="{81A4953F-5425-F541-9CE0-44B9523162C2}"/>
               </a:ext>
             </a:extLst>
           </p:cNvPr>
           <p:cNvSpPr>
-            <a:spLocks noGrp="1" noRot="1" noChangeAspect="1" noMove="1" noResize="1" noEditPoints="1" noAdjustHandles="1" noChangeArrowheads="1" noChangeShapeType="1" noTextEdit="1"/>
-          </p:cNvSpPr>
-          <p:nvPr>
-            <p:extLst>
-              <p:ext uri="{386F3935-93C4-4BCD-93E2-E3B085C9AB24}">
-                <p16:designElem xmlns:p16="http://schemas.microsoft.com/office/powerpoint/2015/main" val="1"/>
-              </p:ext>
-            </p:extLst>
+            <a:spLocks noGrp="1"/>
+          </p:cNvSpPr>
+          <p:nvPr>
+            <p:ph type="title"/>
           </p:nvPr>
         </p:nvSpPr>
         <p:spPr>
           <a:xfrm>
-            <a:off x="0" y="0"/>
-            <a:ext cx="12192000" cy="6858000"/>
+            <a:off x="1451579" y="804519"/>
+            <a:ext cx="9603275" cy="1049235"/>
           </a:xfrm>
-          <a:prstGeom prst="rect">
-            <a:avLst/>
-          </a:prstGeom>
-          <a:solidFill>
-            <a:schemeClr val="bg1"/>
-          </a:solidFill>
-          <a:ln>
-            <a:noFill/>
-          </a:ln>
         </p:spPr>
-        <p:style>
-          <a:lnRef idx="2">
-            <a:schemeClr val="accent1">
-              <a:shade val="50000"/>
-            </a:schemeClr>
-          </a:lnRef>
-          <a:fillRef idx="1">
-            <a:schemeClr val="accent1"/>
-          </a:fillRef>
-          <a:effectRef idx="0">
-            <a:schemeClr val="accent1"/>
-          </a:effectRef>
-          <a:fontRef idx="minor">
-            <a:schemeClr val="lt1"/>
-          </a:fontRef>
-        </p:style>
         <p:txBody>
-          <a:bodyPr rtlCol="0" anchor="ctr"/>
+          <a:bodyPr>
+            <a:normAutofit/>
+          </a:bodyPr>
           <a:lstStyle/>
           <a:p>
-            <a:pPr algn="ctr"/>
+            <a:r>
+              <a:rPr lang="en-US" cap="none" err="1"/>
+              <a:t>tv</a:t>
+            </a:r>
+            <a:r>
+              <a:rPr lang="en-US" err="1"/>
+              <a:t>OS</a:t>
+            </a:r>
             <a:endParaRPr lang="en-US"/>
           </a:p>
         </p:txBody>
       </p:sp>
       <p:pic>
         <p:nvPicPr>
-          <p:cNvPr id="3" name="Picture 2">
+          <p:cNvPr id="7" name="Picture 6">
             <a:extLst>
               <a:ext uri="{FF2B5EF4-FFF2-40B4-BE49-F238E27FC236}">
-                <a16:creationId xmlns:a16="http://schemas.microsoft.com/office/drawing/2014/main" id="{2B41357A-5A29-DB4D-A638-ACF7E0E30CBF}"/>
+                <a16:creationId xmlns:a16="http://schemas.microsoft.com/office/drawing/2014/main" id="{F4D934D6-B837-C241-A004-621A0B7C57E1}"/>
               </a:ext>
             </a:extLst>
           </p:cNvPr>
@@ -13722,25 +12803,91 @@
           <p:nvPr/>
         </p:nvPicPr>
         <p:blipFill>
-          <a:blip r:embed="rId2"/>
+          <a:blip r:embed="rId3"/>
           <a:stretch>
             <a:fillRect/>
           </a:stretch>
         </p:blipFill>
         <p:spPr>
           <a:xfrm>
-            <a:off x="964833" y="1376082"/>
-            <a:ext cx="10264590" cy="4105834"/>
+            <a:off x="1451580" y="2995155"/>
+            <a:ext cx="4432514" cy="1333005"/>
           </a:xfrm>
           <a:prstGeom prst="rect">
             <a:avLst/>
           </a:prstGeom>
         </p:spPr>
       </p:pic>
+      <p:sp>
+        <p:nvSpPr>
+          <p:cNvPr id="3" name="Content Placeholder 2">
+            <a:extLst>
+              <a:ext uri="{FF2B5EF4-FFF2-40B4-BE49-F238E27FC236}">
+                <a16:creationId xmlns:a16="http://schemas.microsoft.com/office/drawing/2014/main" id="{595E0074-C1F1-DF46-ABAE-30EF85BC78C6}"/>
+              </a:ext>
+            </a:extLst>
+          </p:cNvPr>
+          <p:cNvSpPr>
+            <a:spLocks noGrp="1"/>
+          </p:cNvSpPr>
+          <p:nvPr>
+            <p:ph idx="1"/>
+          </p:nvPr>
+        </p:nvSpPr>
+        <p:spPr>
+          <a:xfrm>
+            <a:off x="6065521" y="2015734"/>
+            <a:ext cx="4989334" cy="3450613"/>
+          </a:xfrm>
+        </p:spPr>
+        <p:txBody>
+          <a:bodyPr>
+            <a:normAutofit/>
+          </a:bodyPr>
+          <a:lstStyle/>
+          <a:p>
+            <a:r>
+              <a:rPr lang="en-US" sz="2400" dirty="0"/>
+              <a:t>Specifically for Apple TV</a:t>
+            </a:r>
+          </a:p>
+          <a:p>
+            <a:r>
+              <a:rPr lang="en-US" sz="2400" dirty="0"/>
+              <a:t>2017: 75m Apple TV have been sold </a:t>
+            </a:r>
+          </a:p>
+          <a:p>
+            <a:r>
+              <a:rPr lang="en-US" sz="2400" dirty="0"/>
+              <a:t>2016: 8k apps </a:t>
+            </a:r>
+          </a:p>
+          <a:p>
+            <a:pPr marL="0" indent="0">
+              <a:spcBef>
+                <a:spcPts val="0"/>
+              </a:spcBef>
+              <a:buNone/>
+            </a:pPr>
+            <a:r>
+              <a:rPr lang="en-US" sz="2400" dirty="0">
+                <a:solidFill>
+                  <a:srgbClr val="FF0000"/>
+                </a:solidFill>
+              </a:rPr>
+              <a:t>   (2.1m on iOS)</a:t>
+            </a:r>
+          </a:p>
+          <a:p>
+            <a:endParaRPr lang="en-US" sz="2400" dirty="0"/>
+          </a:p>
+        </p:txBody>
+      </p:sp>
     </p:spTree>
     <p:extLst>
       <p:ext uri="{BB962C8B-B14F-4D97-AF65-F5344CB8AC3E}">
-        <p14:creationId xmlns:p14="http://schemas.microsoft.com/office/powerpoint/2010/main" val="1907458078"/>
+        <p14:creationId xmlns:p14="http://schemas.microsoft.com/office/powerpoint/2010/main" val="3408919423"/>
       </p:ext>
     </p:extLst>
   </p:cSld>
@@ -13753,30 +12900,6 @@
 <file path=ppt/slides/slide7.xml><?xml version="1.0" encoding="utf-8"?>
 <p:sld xmlns:a="http://schemas.openxmlformats.org/drawingml/2006/main" xmlns:r="http://schemas.openxmlformats.org/officeDocument/2006/relationships" xmlns:p="http://schemas.openxmlformats.org/presentationml/2006/main">
   <p:cSld>
-    <p:bg>
-      <p:bgPr>
-        <a:gradFill rotWithShape="1">
-          <a:gsLst>
-            <a:gs pos="0">
-              <a:schemeClr val="bg2">
-                <a:tint val="94000"/>
-                <a:satMod val="80000"/>
-                <a:lumMod val="106000"/>
-              </a:schemeClr>
-            </a:gs>
-            <a:gs pos="100000">
-              <a:schemeClr val="bg2">
-                <a:shade val="80000"/>
-              </a:schemeClr>
-            </a:gs>
-          </a:gsLst>
-          <a:path path="circle">
-            <a:fillToRect l="43000" r="43000" b="100000"/>
-          </a:path>
-        </a:gradFill>
-        <a:effectLst/>
-      </p:bgPr>
-    </p:bg>
     <p:spTree>
       <p:nvGrpSpPr>
         <p:cNvPr id="1" name=""/>
@@ -13793,73 +12916,50 @@
       </p:grpSpPr>
       <p:sp>
         <p:nvSpPr>
-          <p:cNvPr id="15" name="Rectangle 14">
+          <p:cNvPr id="2" name="Title 1">
             <a:extLst>
               <a:ext uri="{FF2B5EF4-FFF2-40B4-BE49-F238E27FC236}">
-                <a16:creationId xmlns:a16="http://schemas.microsoft.com/office/drawing/2014/main" id="{7013A21A-6440-4CD4-9FC7-9EB2C702042A}"/>
-              </a:ext>
-              <a:ext uri="{C183D7F6-B498-43B3-948B-1728B52AA6E4}">
-                <adec:decorative xmlns:adec="http://schemas.microsoft.com/office/drawing/2017/decorative" val="1"/>
+                <a16:creationId xmlns:a16="http://schemas.microsoft.com/office/drawing/2014/main" id="{81A4953F-5425-F541-9CE0-44B9523162C2}"/>
               </a:ext>
             </a:extLst>
           </p:cNvPr>
           <p:cNvSpPr>
-            <a:spLocks noGrp="1" noRot="1" noChangeAspect="1" noMove="1" noResize="1" noEditPoints="1" noAdjustHandles="1" noChangeArrowheads="1" noChangeShapeType="1" noTextEdit="1"/>
-          </p:cNvSpPr>
-          <p:nvPr>
-            <p:extLst>
-              <p:ext uri="{386F3935-93C4-4BCD-93E2-E3B085C9AB24}">
-                <p16:designElem xmlns:p16="http://schemas.microsoft.com/office/powerpoint/2015/main" val="1"/>
-              </p:ext>
-            </p:extLst>
+            <a:spLocks noGrp="1"/>
+          </p:cNvSpPr>
+          <p:nvPr>
+            <p:ph type="title"/>
           </p:nvPr>
         </p:nvSpPr>
         <p:spPr>
           <a:xfrm>
-            <a:off x="0" y="0"/>
-            <a:ext cx="12192000" cy="6858000"/>
+            <a:off x="1451579" y="804519"/>
+            <a:ext cx="9603275" cy="1049235"/>
           </a:xfrm>
-          <a:prstGeom prst="rect">
-            <a:avLst/>
-          </a:prstGeom>
-          <a:solidFill>
-            <a:schemeClr val="bg1"/>
-          </a:solidFill>
-          <a:ln>
-            <a:noFill/>
-          </a:ln>
         </p:spPr>
-        <p:style>
-          <a:lnRef idx="2">
-            <a:schemeClr val="accent1">
-              <a:shade val="50000"/>
-            </a:schemeClr>
-          </a:lnRef>
-          <a:fillRef idx="1">
-            <a:schemeClr val="accent1"/>
-          </a:fillRef>
-          <a:effectRef idx="0">
-            <a:schemeClr val="accent1"/>
-          </a:effectRef>
-          <a:fontRef idx="minor">
-            <a:schemeClr val="lt1"/>
-          </a:fontRef>
-        </p:style>
         <p:txBody>
-          <a:bodyPr rtlCol="0" anchor="ctr"/>
+          <a:bodyPr>
+            <a:normAutofit/>
+          </a:bodyPr>
           <a:lstStyle/>
           <a:p>
-            <a:pPr algn="ctr"/>
-            <a:endParaRPr lang="en-US"/>
+            <a:r>
+              <a:rPr lang="en-US" cap="none" dirty="0" err="1"/>
+              <a:t>tv</a:t>
+            </a:r>
+            <a:r>
+              <a:rPr lang="en-US" dirty="0" err="1"/>
+              <a:t>OS</a:t>
+            </a:r>
+            <a:endParaRPr lang="en-US" dirty="0"/>
           </a:p>
         </p:txBody>
       </p:sp>
       <p:pic>
         <p:nvPicPr>
-          <p:cNvPr id="5" name="Picture 4">
+          <p:cNvPr id="7" name="Picture 6">
             <a:extLst>
               <a:ext uri="{FF2B5EF4-FFF2-40B4-BE49-F238E27FC236}">
-                <a16:creationId xmlns:a16="http://schemas.microsoft.com/office/drawing/2014/main" id="{0AFBAB59-6E89-ED41-B6F6-C4A4EBD284DD}"/>
+                <a16:creationId xmlns:a16="http://schemas.microsoft.com/office/drawing/2014/main" id="{F4D934D6-B837-C241-A004-621A0B7C57E1}"/>
               </a:ext>
             </a:extLst>
           </p:cNvPr>
@@ -13869,25 +12969,87 @@
           <p:nvPr/>
         </p:nvPicPr>
         <p:blipFill>
-          <a:blip r:embed="rId2"/>
+          <a:blip r:embed="rId3"/>
           <a:stretch>
             <a:fillRect/>
           </a:stretch>
         </p:blipFill>
         <p:spPr>
           <a:xfrm>
-            <a:off x="964833" y="1376082"/>
-            <a:ext cx="10264590" cy="4105834"/>
+            <a:off x="1451580" y="2995155"/>
+            <a:ext cx="4432514" cy="1333005"/>
           </a:xfrm>
           <a:prstGeom prst="rect">
             <a:avLst/>
           </a:prstGeom>
         </p:spPr>
       </p:pic>
+      <p:sp>
+        <p:nvSpPr>
+          <p:cNvPr id="3" name="Content Placeholder 2">
+            <a:extLst>
+              <a:ext uri="{FF2B5EF4-FFF2-40B4-BE49-F238E27FC236}">
+                <a16:creationId xmlns:a16="http://schemas.microsoft.com/office/drawing/2014/main" id="{595E0074-C1F1-DF46-ABAE-30EF85BC78C6}"/>
+              </a:ext>
+            </a:extLst>
+          </p:cNvPr>
+          <p:cNvSpPr>
+            <a:spLocks noGrp="1"/>
+          </p:cNvSpPr>
+          <p:nvPr>
+            <p:ph idx="1"/>
+          </p:nvPr>
+        </p:nvSpPr>
+        <p:spPr>
+          <a:xfrm>
+            <a:off x="6065521" y="2015734"/>
+            <a:ext cx="4989334" cy="3450613"/>
+          </a:xfrm>
+        </p:spPr>
+        <p:txBody>
+          <a:bodyPr>
+            <a:normAutofit/>
+          </a:bodyPr>
+          <a:lstStyle/>
+          <a:p>
+            <a:r>
+              <a:rPr lang="en-US" sz="2400" dirty="0">
+                <a:solidFill>
+                  <a:srgbClr val="FF0000"/>
+                </a:solidFill>
+              </a:rPr>
+              <a:t>Show the growing of Apple TV sold</a:t>
+            </a:r>
+          </a:p>
+          <a:p>
+            <a:r>
+              <a:rPr lang="en-US" sz="2400" dirty="0">
+                <a:solidFill>
+                  <a:srgbClr val="FF0000"/>
+                </a:solidFill>
+              </a:rPr>
+              <a:t>And the growing of the market</a:t>
+            </a:r>
+          </a:p>
+          <a:p>
+            <a:r>
+              <a:rPr lang="en-US" sz="2400" dirty="0">
+                <a:solidFill>
+                  <a:srgbClr val="FF0000"/>
+                </a:solidFill>
+              </a:rPr>
+              <a:t>How much time (money) user spend on TV? </a:t>
+            </a:r>
+          </a:p>
+          <a:p>
+            <a:endParaRPr lang="en-US" sz="2400" dirty="0"/>
+          </a:p>
+        </p:txBody>
+      </p:sp>
     </p:spTree>
     <p:extLst>
       <p:ext uri="{BB962C8B-B14F-4D97-AF65-F5344CB8AC3E}">
-        <p14:creationId xmlns:p14="http://schemas.microsoft.com/office/powerpoint/2010/main" val="2070394244"/>
+        <p14:creationId xmlns:p14="http://schemas.microsoft.com/office/powerpoint/2010/main" val="914730914"/>
       </p:ext>
     </p:extLst>
   </p:cSld>
@@ -13940,10 +13102,356 @@
       </p:grpSpPr>
       <p:sp>
         <p:nvSpPr>
+          <p:cNvPr id="32" name="Rectangle 13">
+            <a:extLst>
+              <a:ext uri="{FF2B5EF4-FFF2-40B4-BE49-F238E27FC236}">
+                <a16:creationId xmlns:a16="http://schemas.microsoft.com/office/drawing/2014/main" id="{EEA869E1-F851-4A52-92F5-77E592B76A5B}"/>
+              </a:ext>
+              <a:ext uri="{C183D7F6-B498-43B3-948B-1728B52AA6E4}">
+                <adec:decorative xmlns:adec="http://schemas.microsoft.com/office/drawing/2017/decorative" val="1"/>
+              </a:ext>
+            </a:extLst>
+          </p:cNvPr>
+          <p:cNvSpPr>
+            <a:spLocks noGrp="1" noRot="1" noChangeAspect="1" noMove="1" noResize="1" noEditPoints="1" noAdjustHandles="1" noChangeArrowheads="1" noChangeShapeType="1" noTextEdit="1"/>
+          </p:cNvSpPr>
+          <p:nvPr>
+            <p:extLst>
+              <p:ext uri="{386F3935-93C4-4BCD-93E2-E3B085C9AB24}">
+                <p16:designElem xmlns:p16="http://schemas.microsoft.com/office/powerpoint/2015/main" val="1"/>
+              </p:ext>
+            </p:extLst>
+          </p:nvPr>
+        </p:nvSpPr>
+        <p:spPr>
+          <a:xfrm>
+            <a:off x="0" y="2019476"/>
+            <a:ext cx="12192000" cy="4105941"/>
+          </a:xfrm>
+          <a:prstGeom prst="rect">
+            <a:avLst/>
+          </a:prstGeom>
+          <a:gradFill flip="none" rotWithShape="1">
+            <a:gsLst>
+              <a:gs pos="0">
+                <a:schemeClr val="bg2">
+                  <a:alpha val="0"/>
+                </a:schemeClr>
+              </a:gs>
+              <a:gs pos="100000">
+                <a:schemeClr val="bg2"/>
+              </a:gs>
+            </a:gsLst>
+            <a:lin ang="5400000" scaled="0"/>
+            <a:tileRect/>
+          </a:gradFill>
+          <a:ln>
+            <a:noFill/>
+          </a:ln>
+        </p:spPr>
+        <p:style>
+          <a:lnRef idx="2">
+            <a:schemeClr val="accent1">
+              <a:shade val="50000"/>
+            </a:schemeClr>
+          </a:lnRef>
+          <a:fillRef idx="1">
+            <a:schemeClr val="accent1"/>
+          </a:fillRef>
+          <a:effectRef idx="0">
+            <a:schemeClr val="accent1"/>
+          </a:effectRef>
+          <a:fontRef idx="minor">
+            <a:schemeClr val="lt1"/>
+          </a:fontRef>
+        </p:style>
+      </p:sp>
+      <p:pic>
+        <p:nvPicPr>
+          <p:cNvPr id="33" name="Picture 15">
+            <a:extLst>
+              <a:ext uri="{FF2B5EF4-FFF2-40B4-BE49-F238E27FC236}">
+                <a16:creationId xmlns:a16="http://schemas.microsoft.com/office/drawing/2014/main" id="{B083AD55-8296-44BD-8E14-DD2DDBC351B0}"/>
+              </a:ext>
+              <a:ext uri="{C183D7F6-B498-43B3-948B-1728B52AA6E4}">
+                <adec:decorative xmlns:adec="http://schemas.microsoft.com/office/drawing/2017/decorative" val="1"/>
+              </a:ext>
+            </a:extLst>
+          </p:cNvPr>
+          <p:cNvPicPr>
+            <a:picLocks noGrp="1" noRot="1" noChangeAspect="1" noMove="1" noResize="1" noEditPoints="1" noAdjustHandles="1" noChangeArrowheads="1" noChangeShapeType="1" noCrop="1"/>
+          </p:cNvPicPr>
+          <p:nvPr>
+            <p:extLst>
+              <p:ext uri="{386F3935-93C4-4BCD-93E2-E3B085C9AB24}">
+                <p16:designElem xmlns:p16="http://schemas.microsoft.com/office/powerpoint/2015/main" val="1"/>
+              </p:ext>
+            </p:extLst>
+          </p:nvPr>
+        </p:nvPicPr>
+        <p:blipFill rotWithShape="1">
+          <a:blip r:embed="rId3">
+            <a:extLst>
+              <a:ext uri="{28A0092B-C50C-407E-A947-70E740481C1C}">
+                <a14:useLocalDpi xmlns:a14="http://schemas.microsoft.com/office/drawing/2010/main" val="0"/>
+              </a:ext>
+            </a:extLst>
+          </a:blip>
+          <a:srcRect t="1538" b="-1538"/>
+          <a:stretch/>
+        </p:blipFill>
+        <p:spPr bwMode="black">
+          <a:xfrm>
+            <a:off x="0" y="6126480"/>
+            <a:ext cx="12192000" cy="742950"/>
+          </a:xfrm>
+          <a:prstGeom prst="rect">
+            <a:avLst/>
+          </a:prstGeom>
+        </p:spPr>
+      </p:pic>
+      <p:cxnSp>
+        <p:nvCxnSpPr>
+          <p:cNvPr id="34" name="Straight Connector 17">
+            <a:extLst>
+              <a:ext uri="{FF2B5EF4-FFF2-40B4-BE49-F238E27FC236}">
+                <a16:creationId xmlns:a16="http://schemas.microsoft.com/office/drawing/2014/main" id="{2BF46B26-15FC-4C5A-94FA-AE9ED64B5C20}"/>
+              </a:ext>
+              <a:ext uri="{C183D7F6-B498-43B3-948B-1728B52AA6E4}">
+                <adec:decorative xmlns:adec="http://schemas.microsoft.com/office/drawing/2017/decorative" val="1"/>
+              </a:ext>
+            </a:extLst>
+          </p:cNvPr>
+          <p:cNvCxnSpPr>
+            <a:cxnSpLocks noGrp="1" noRot="1" noChangeAspect="1" noMove="1" noResize="1" noEditPoints="1" noAdjustHandles="1" noChangeArrowheads="1" noChangeShapeType="1"/>
+          </p:cNvCxnSpPr>
+          <p:nvPr>
+            <p:extLst>
+              <p:ext uri="{386F3935-93C4-4BCD-93E2-E3B085C9AB24}">
+                <p16:designElem xmlns:p16="http://schemas.microsoft.com/office/powerpoint/2015/main" val="1"/>
+              </p:ext>
+            </p:extLst>
+          </p:nvPr>
+        </p:nvCxnSpPr>
+        <p:spPr>
+          <a:xfrm>
+            <a:off x="0" y="6128413"/>
+            <a:ext cx="12192000" cy="0"/>
+          </a:xfrm>
+          <a:prstGeom prst="line">
+            <a:avLst/>
+          </a:prstGeom>
+          <a:ln w="12700">
+            <a:solidFill>
+              <a:srgbClr val="000001">
+                <a:alpha val="20000"/>
+              </a:srgbClr>
+            </a:solidFill>
+          </a:ln>
+        </p:spPr>
+        <p:style>
+          <a:lnRef idx="1">
+            <a:schemeClr val="accent1"/>
+          </a:lnRef>
+          <a:fillRef idx="0">
+            <a:schemeClr val="accent1"/>
+          </a:fillRef>
+          <a:effectRef idx="0">
+            <a:schemeClr val="accent1"/>
+          </a:effectRef>
+          <a:fontRef idx="minor">
+            <a:schemeClr val="tx1"/>
+          </a:fontRef>
+        </p:style>
+      </p:cxnSp>
+      <p:cxnSp>
+        <p:nvCxnSpPr>
+          <p:cNvPr id="35" name="Straight Connector 19">
+            <a:extLst>
+              <a:ext uri="{FF2B5EF4-FFF2-40B4-BE49-F238E27FC236}">
+                <a16:creationId xmlns:a16="http://schemas.microsoft.com/office/drawing/2014/main" id="{912F6065-5345-44BD-B66E-5487CCD7A9B9}"/>
+              </a:ext>
+              <a:ext uri="{C183D7F6-B498-43B3-948B-1728B52AA6E4}">
+                <adec:decorative xmlns:adec="http://schemas.microsoft.com/office/drawing/2017/decorative" val="1"/>
+              </a:ext>
+            </a:extLst>
+          </p:cNvPr>
+          <p:cNvCxnSpPr>
+            <a:cxnSpLocks noGrp="1" noRot="1" noChangeAspect="1" noMove="1" noResize="1" noEditPoints="1" noAdjustHandles="1" noChangeArrowheads="1" noChangeShapeType="1"/>
+          </p:cNvCxnSpPr>
+          <p:nvPr>
+            <p:extLst>
+              <p:ext uri="{386F3935-93C4-4BCD-93E2-E3B085C9AB24}">
+                <p16:designElem xmlns:p16="http://schemas.microsoft.com/office/powerpoint/2015/main" val="1"/>
+              </p:ext>
+            </p:extLst>
+          </p:nvPr>
+        </p:nvCxnSpPr>
+        <p:spPr>
+          <a:xfrm>
+            <a:off x="2417780" y="3528542"/>
+            <a:ext cx="8637072" cy="0"/>
+          </a:xfrm>
+          <a:prstGeom prst="line">
+            <a:avLst/>
+          </a:prstGeom>
+          <a:ln w="31750"/>
+        </p:spPr>
+        <p:style>
+          <a:lnRef idx="3">
+            <a:schemeClr val="accent1"/>
+          </a:lnRef>
+          <a:fillRef idx="0">
+            <a:schemeClr val="accent1"/>
+          </a:fillRef>
+          <a:effectRef idx="2">
+            <a:schemeClr val="accent1"/>
+          </a:effectRef>
+          <a:fontRef idx="minor">
+            <a:schemeClr val="tx1"/>
+          </a:fontRef>
+        </p:style>
+      </p:cxnSp>
+      <p:sp useBgFill="1">
+        <p:nvSpPr>
+          <p:cNvPr id="36" name="Rectangle 21">
+            <a:extLst>
+              <a:ext uri="{FF2B5EF4-FFF2-40B4-BE49-F238E27FC236}">
+                <a16:creationId xmlns:a16="http://schemas.microsoft.com/office/drawing/2014/main" id="{0EF77632-1A0C-4B9F-829B-226E68A78E9F}"/>
+              </a:ext>
+              <a:ext uri="{C183D7F6-B498-43B3-948B-1728B52AA6E4}">
+                <adec:decorative xmlns:adec="http://schemas.microsoft.com/office/drawing/2017/decorative" val="1"/>
+              </a:ext>
+            </a:extLst>
+          </p:cNvPr>
+          <p:cNvSpPr>
+            <a:spLocks noGrp="1" noRot="1" noChangeAspect="1" noMove="1" noResize="1" noEditPoints="1" noAdjustHandles="1" noChangeArrowheads="1" noChangeShapeType="1" noTextEdit="1"/>
+          </p:cNvSpPr>
+          <p:nvPr>
+            <p:extLst>
+              <p:ext uri="{386F3935-93C4-4BCD-93E2-E3B085C9AB24}">
+                <p16:designElem xmlns:p16="http://schemas.microsoft.com/office/powerpoint/2015/main" val="1"/>
+              </p:ext>
+            </p:extLst>
+          </p:nvPr>
+        </p:nvSpPr>
+        <p:spPr>
+          <a:xfrm>
+            <a:off x="2" y="0"/>
+            <a:ext cx="12191695" cy="6858000"/>
+          </a:xfrm>
+          <a:prstGeom prst="rect">
+            <a:avLst/>
+          </a:prstGeom>
+          <a:ln>
+            <a:noFill/>
+          </a:ln>
+        </p:spPr>
+        <p:style>
+          <a:lnRef idx="2">
+            <a:schemeClr val="accent1">
+              <a:shade val="50000"/>
+            </a:schemeClr>
+          </a:lnRef>
+          <a:fillRef idx="1">
+            <a:schemeClr val="accent1"/>
+          </a:fillRef>
+          <a:effectRef idx="0">
+            <a:schemeClr val="accent1"/>
+          </a:effectRef>
+          <a:fontRef idx="minor">
+            <a:schemeClr val="lt1"/>
+          </a:fontRef>
+        </p:style>
+        <p:txBody>
+          <a:bodyPr rtlCol="0" anchor="ctr"/>
+          <a:lstStyle/>
+          <a:p>
+            <a:pPr algn="ctr"/>
+            <a:endParaRPr lang="en-US"/>
+          </a:p>
+        </p:txBody>
+      </p:sp>
+      <p:sp>
+        <p:nvSpPr>
+          <p:cNvPr id="37" name="Rectangle 23">
+            <a:extLst>
+              <a:ext uri="{FF2B5EF4-FFF2-40B4-BE49-F238E27FC236}">
+                <a16:creationId xmlns:a16="http://schemas.microsoft.com/office/drawing/2014/main" id="{F3DCFC27-6BCE-42B6-8372-070EA07685D7}"/>
+              </a:ext>
+              <a:ext uri="{C183D7F6-B498-43B3-948B-1728B52AA6E4}">
+                <adec:decorative xmlns:adec="http://schemas.microsoft.com/office/drawing/2017/decorative" val="1"/>
+              </a:ext>
+            </a:extLst>
+          </p:cNvPr>
+          <p:cNvSpPr>
+            <a:spLocks noGrp="1" noRot="1" noChangeAspect="1" noMove="1" noResize="1" noEditPoints="1" noAdjustHandles="1" noChangeArrowheads="1" noChangeShapeType="1" noTextEdit="1"/>
+          </p:cNvSpPr>
+          <p:nvPr>
+            <p:extLst>
+              <p:ext uri="{386F3935-93C4-4BCD-93E2-E3B085C9AB24}">
+                <p16:designElem xmlns:p16="http://schemas.microsoft.com/office/powerpoint/2015/main" val="1"/>
+              </p:ext>
+            </p:extLst>
+          </p:nvPr>
+        </p:nvSpPr>
+        <p:spPr>
+          <a:xfrm>
+            <a:off x="0" y="2019476"/>
+            <a:ext cx="12192000" cy="4105941"/>
+          </a:xfrm>
+          <a:prstGeom prst="rect">
+            <a:avLst/>
+          </a:prstGeom>
+          <a:gradFill flip="none" rotWithShape="1">
+            <a:gsLst>
+              <a:gs pos="0">
+                <a:schemeClr val="bg2">
+                  <a:alpha val="0"/>
+                </a:schemeClr>
+              </a:gs>
+              <a:gs pos="100000">
+                <a:schemeClr val="bg2"/>
+              </a:gs>
+            </a:gsLst>
+            <a:lin ang="5400000" scaled="0"/>
+            <a:tileRect/>
+          </a:gradFill>
+          <a:ln>
+            <a:noFill/>
+          </a:ln>
+        </p:spPr>
+        <p:style>
+          <a:lnRef idx="2">
+            <a:schemeClr val="accent1">
+              <a:shade val="50000"/>
+            </a:schemeClr>
+          </a:lnRef>
+          <a:fillRef idx="1">
+            <a:schemeClr val="accent1"/>
+          </a:fillRef>
+          <a:effectRef idx="0">
+            <a:schemeClr val="accent1"/>
+          </a:effectRef>
+          <a:fontRef idx="minor">
+            <a:schemeClr val="lt1"/>
+          </a:fontRef>
+        </p:style>
+        <p:txBody>
+          <a:bodyPr rtlCol="0" anchor="ctr"/>
+          <a:lstStyle/>
+          <a:p>
+            <a:pPr lvl="0" algn="ctr"/>
+            <a:endParaRPr lang="en-US"/>
+          </a:p>
+        </p:txBody>
+      </p:sp>
+      <p:sp>
+        <p:nvSpPr>
           <p:cNvPr id="2" name="Title 1">
             <a:extLst>
               <a:ext uri="{FF2B5EF4-FFF2-40B4-BE49-F238E27FC236}">
-                <a16:creationId xmlns:a16="http://schemas.microsoft.com/office/drawing/2014/main" id="{81A4953F-5425-F541-9CE0-44B9523162C2}"/>
+                <a16:creationId xmlns:a16="http://schemas.microsoft.com/office/drawing/2014/main" id="{34CC73FA-ED51-B640-A8A4-E95719356A60}"/>
               </a:ext>
             </a:extLst>
           </p:cNvPr>
@@ -13956,34 +13464,833 @@
         </p:nvSpPr>
         <p:spPr>
           <a:xfrm>
-            <a:off x="1451579" y="804519"/>
-            <a:ext cx="9603275" cy="1049235"/>
+            <a:off x="1776424" y="4460798"/>
+            <a:ext cx="8637073" cy="558063"/>
           </a:xfrm>
         </p:spPr>
         <p:txBody>
-          <a:bodyPr>
+          <a:bodyPr vert="horz" lIns="91440" tIns="45720" rIns="91440" bIns="0" rtlCol="0" anchor="b">
             <a:normAutofit/>
           </a:bodyPr>
           <a:lstStyle/>
           <a:p>
-            <a:r>
-              <a:rPr lang="en-US" cap="none" err="1"/>
-              <a:t>tv</a:t>
-            </a:r>
-            <a:r>
-              <a:rPr lang="en-US" err="1"/>
-              <a:t>OS</a:t>
-            </a:r>
-            <a:endParaRPr lang="en-US"/>
+            <a:pPr algn="ctr"/>
+            <a:r>
+              <a:rPr lang="en-US" sz="3100" cap="none" dirty="0" err="1"/>
+              <a:t>iTV</a:t>
+            </a:r>
+            <a:r>
+              <a:rPr lang="en-US" sz="3100" cap="none" dirty="0"/>
+              <a:t> Is Older Than iPhone</a:t>
+            </a:r>
           </a:p>
         </p:txBody>
       </p:sp>
       <p:pic>
         <p:nvPicPr>
-          <p:cNvPr id="7" name="Picture 6">
+          <p:cNvPr id="5" name="Content Placeholder 4">
             <a:extLst>
               <a:ext uri="{FF2B5EF4-FFF2-40B4-BE49-F238E27FC236}">
-                <a16:creationId xmlns:a16="http://schemas.microsoft.com/office/drawing/2014/main" id="{F4D934D6-B837-C241-A004-621A0B7C57E1}"/>
+                <a16:creationId xmlns:a16="http://schemas.microsoft.com/office/drawing/2014/main" id="{991A921B-3753-4748-968C-E06EAF808A0D}"/>
+              </a:ext>
+            </a:extLst>
+          </p:cNvPr>
+          <p:cNvPicPr>
+            <a:picLocks noGrp="1" noChangeAspect="1"/>
+          </p:cNvPicPr>
+          <p:nvPr>
+            <p:ph idx="1"/>
+          </p:nvPr>
+        </p:nvPicPr>
+        <p:blipFill>
+          <a:blip r:embed="rId4"/>
+          <a:stretch>
+            <a:fillRect/>
+          </a:stretch>
+        </p:blipFill>
+        <p:spPr>
+          <a:xfrm>
+            <a:off x="2979277" y="457200"/>
+            <a:ext cx="1826157" cy="3239872"/>
+          </a:xfrm>
+          <a:prstGeom prst="rect">
+            <a:avLst/>
+          </a:prstGeom>
+        </p:spPr>
+      </p:pic>
+      <p:cxnSp>
+        <p:nvCxnSpPr>
+          <p:cNvPr id="38" name="Straight Connector 25">
+            <a:extLst>
+              <a:ext uri="{FF2B5EF4-FFF2-40B4-BE49-F238E27FC236}">
+                <a16:creationId xmlns:a16="http://schemas.microsoft.com/office/drawing/2014/main" id="{96A4B1E0-284C-4A01-8141-A24D2B8EE093}"/>
+              </a:ext>
+              <a:ext uri="{C183D7F6-B498-43B3-948B-1728B52AA6E4}">
+                <adec:decorative xmlns:adec="http://schemas.microsoft.com/office/drawing/2017/decorative" val="1"/>
+              </a:ext>
+            </a:extLst>
+          </p:cNvPr>
+          <p:cNvCxnSpPr>
+            <a:cxnSpLocks noGrp="1" noRot="1" noChangeAspect="1" noMove="1" noResize="1" noEditPoints="1" noAdjustHandles="1" noChangeArrowheads="1" noChangeShapeType="1"/>
+          </p:cNvCxnSpPr>
+          <p:nvPr>
+            <p:extLst>
+              <p:ext uri="{386F3935-93C4-4BCD-93E2-E3B085C9AB24}">
+                <p16:designElem xmlns:p16="http://schemas.microsoft.com/office/powerpoint/2015/main" val="1"/>
+              </p:ext>
+            </p:extLst>
+          </p:nvPr>
+        </p:nvCxnSpPr>
+        <p:spPr>
+          <a:xfrm>
+            <a:off x="1776728" y="5027185"/>
+            <a:ext cx="8643010" cy="0"/>
+          </a:xfrm>
+          <a:prstGeom prst="line">
+            <a:avLst/>
+          </a:prstGeom>
+          <a:ln w="31750"/>
+        </p:spPr>
+        <p:style>
+          <a:lnRef idx="3">
+            <a:schemeClr val="accent1"/>
+          </a:lnRef>
+          <a:fillRef idx="0">
+            <a:schemeClr val="accent1"/>
+          </a:fillRef>
+          <a:effectRef idx="2">
+            <a:schemeClr val="accent1"/>
+          </a:effectRef>
+          <a:fontRef idx="minor">
+            <a:schemeClr val="tx1"/>
+          </a:fontRef>
+        </p:style>
+      </p:cxnSp>
+      <p:pic>
+        <p:nvPicPr>
+          <p:cNvPr id="39" name="Picture 27">
+            <a:extLst>
+              <a:ext uri="{FF2B5EF4-FFF2-40B4-BE49-F238E27FC236}">
+                <a16:creationId xmlns:a16="http://schemas.microsoft.com/office/drawing/2014/main" id="{F82046CE-87C5-4670-A404-6AB453F5A928}"/>
+              </a:ext>
+              <a:ext uri="{C183D7F6-B498-43B3-948B-1728B52AA6E4}">
+                <adec:decorative xmlns:adec="http://schemas.microsoft.com/office/drawing/2017/decorative" val="1"/>
+              </a:ext>
+            </a:extLst>
+          </p:cNvPr>
+          <p:cNvPicPr>
+            <a:picLocks noGrp="1" noRot="1" noChangeAspect="1" noMove="1" noResize="1" noEditPoints="1" noAdjustHandles="1" noChangeArrowheads="1" noChangeShapeType="1" noCrop="1"/>
+          </p:cNvPicPr>
+          <p:nvPr>
+            <p:extLst>
+              <p:ext uri="{386F3935-93C4-4BCD-93E2-E3B085C9AB24}">
+                <p16:designElem xmlns:p16="http://schemas.microsoft.com/office/powerpoint/2015/main" val="1"/>
+              </p:ext>
+            </p:extLst>
+          </p:nvPr>
+        </p:nvPicPr>
+        <p:blipFill rotWithShape="1">
+          <a:blip r:embed="rId3">
+            <a:extLst>
+              <a:ext uri="{28A0092B-C50C-407E-A947-70E740481C1C}">
+                <a14:useLocalDpi xmlns:a14="http://schemas.microsoft.com/office/drawing/2010/main" val="0"/>
+              </a:ext>
+            </a:extLst>
+          </a:blip>
+          <a:srcRect t="1538" b="-1538"/>
+          <a:stretch/>
+        </p:blipFill>
+        <p:spPr bwMode="black">
+          <a:xfrm>
+            <a:off x="0" y="6126480"/>
+            <a:ext cx="12192000" cy="742950"/>
+          </a:xfrm>
+          <a:prstGeom prst="rect">
+            <a:avLst/>
+          </a:prstGeom>
+        </p:spPr>
+      </p:pic>
+      <p:cxnSp>
+        <p:nvCxnSpPr>
+          <p:cNvPr id="40" name="Straight Connector 29">
+            <a:extLst>
+              <a:ext uri="{FF2B5EF4-FFF2-40B4-BE49-F238E27FC236}">
+                <a16:creationId xmlns:a16="http://schemas.microsoft.com/office/drawing/2014/main" id="{A224BAD7-5931-4CA6-BB58-0CBCFCFA65A5}"/>
+              </a:ext>
+              <a:ext uri="{C183D7F6-B498-43B3-948B-1728B52AA6E4}">
+                <adec:decorative xmlns:adec="http://schemas.microsoft.com/office/drawing/2017/decorative" val="1"/>
+              </a:ext>
+            </a:extLst>
+          </p:cNvPr>
+          <p:cNvCxnSpPr>
+            <a:cxnSpLocks noGrp="1" noRot="1" noChangeAspect="1" noMove="1" noResize="1" noEditPoints="1" noAdjustHandles="1" noChangeArrowheads="1" noChangeShapeType="1"/>
+          </p:cNvCxnSpPr>
+          <p:nvPr>
+            <p:extLst>
+              <p:ext uri="{386F3935-93C4-4BCD-93E2-E3B085C9AB24}">
+                <p16:designElem xmlns:p16="http://schemas.microsoft.com/office/powerpoint/2015/main" val="1"/>
+              </p:ext>
+            </p:extLst>
+          </p:nvPr>
+        </p:nvCxnSpPr>
+        <p:spPr>
+          <a:xfrm>
+            <a:off x="0" y="6128413"/>
+            <a:ext cx="12192000" cy="0"/>
+          </a:xfrm>
+          <a:prstGeom prst="line">
+            <a:avLst/>
+          </a:prstGeom>
+          <a:ln w="12700">
+            <a:solidFill>
+              <a:srgbClr val="000001">
+                <a:alpha val="20000"/>
+              </a:srgbClr>
+            </a:solidFill>
+          </a:ln>
+        </p:spPr>
+        <p:style>
+          <a:lnRef idx="1">
+            <a:schemeClr val="accent1"/>
+          </a:lnRef>
+          <a:fillRef idx="0">
+            <a:schemeClr val="accent1"/>
+          </a:fillRef>
+          <a:effectRef idx="0">
+            <a:schemeClr val="accent1"/>
+          </a:effectRef>
+          <a:fontRef idx="minor">
+            <a:schemeClr val="tx1"/>
+          </a:fontRef>
+        </p:style>
+      </p:cxnSp>
+      <p:sp>
+        <p:nvSpPr>
+          <p:cNvPr id="11" name="TextBox 10">
+            <a:extLst>
+              <a:ext uri="{FF2B5EF4-FFF2-40B4-BE49-F238E27FC236}">
+                <a16:creationId xmlns:a16="http://schemas.microsoft.com/office/drawing/2014/main" id="{F340989B-AF89-9648-B3E9-1609BC35A849}"/>
+              </a:ext>
+            </a:extLst>
+          </p:cNvPr>
+          <p:cNvSpPr txBox="1"/>
+          <p:nvPr/>
+        </p:nvSpPr>
+        <p:spPr>
+          <a:xfrm>
+            <a:off x="2291147" y="3810836"/>
+            <a:ext cx="3202415" cy="523220"/>
+          </a:xfrm>
+          <a:prstGeom prst="rect">
+            <a:avLst/>
+          </a:prstGeom>
+          <a:noFill/>
+        </p:spPr>
+        <p:txBody>
+          <a:bodyPr wrap="none" rtlCol="0">
+            <a:spAutoFit/>
+          </a:bodyPr>
+          <a:lstStyle/>
+          <a:p>
+            <a:r>
+              <a:rPr lang="en-US" sz="2800" dirty="0">
+                <a:solidFill>
+                  <a:srgbClr val="FF0000"/>
+                </a:solidFill>
+              </a:rPr>
+              <a:t>2007: iPhone 1</a:t>
+            </a:r>
+            <a:r>
+              <a:rPr lang="en-US" sz="2800" baseline="30000" dirty="0">
+                <a:solidFill>
+                  <a:srgbClr val="FF0000"/>
+                </a:solidFill>
+              </a:rPr>
+              <a:t>st</a:t>
+            </a:r>
+            <a:r>
+              <a:rPr lang="en-US" sz="2800" dirty="0">
+                <a:solidFill>
+                  <a:srgbClr val="FF0000"/>
+                </a:solidFill>
+              </a:rPr>
+              <a:t> Gen</a:t>
+            </a:r>
+          </a:p>
+        </p:txBody>
+      </p:sp>
+      <p:sp>
+        <p:nvSpPr>
+          <p:cNvPr id="31" name="TextBox 30">
+            <a:extLst>
+              <a:ext uri="{FF2B5EF4-FFF2-40B4-BE49-F238E27FC236}">
+                <a16:creationId xmlns:a16="http://schemas.microsoft.com/office/drawing/2014/main" id="{5C65FE4B-DF3C-9B4C-A2E7-C4B9BBEC8DFF}"/>
+              </a:ext>
+            </a:extLst>
+          </p:cNvPr>
+          <p:cNvSpPr txBox="1"/>
+          <p:nvPr/>
+        </p:nvSpPr>
+        <p:spPr>
+          <a:xfrm>
+            <a:off x="6832133" y="3797289"/>
+            <a:ext cx="2723118" cy="523220"/>
+          </a:xfrm>
+          <a:prstGeom prst="rect">
+            <a:avLst/>
+          </a:prstGeom>
+          <a:noFill/>
+        </p:spPr>
+        <p:txBody>
+          <a:bodyPr wrap="none" rtlCol="0">
+            <a:spAutoFit/>
+          </a:bodyPr>
+          <a:lstStyle/>
+          <a:p>
+            <a:r>
+              <a:rPr lang="en-US" sz="2800" dirty="0">
+                <a:solidFill>
+                  <a:srgbClr val="FF0000"/>
+                </a:solidFill>
+              </a:rPr>
+              <a:t>2006: </a:t>
+            </a:r>
+            <a:r>
+              <a:rPr lang="en-US" sz="2800" dirty="0" err="1">
+                <a:solidFill>
+                  <a:srgbClr val="FF0000"/>
+                </a:solidFill>
+              </a:rPr>
+              <a:t>iTV</a:t>
+            </a:r>
+            <a:r>
+              <a:rPr lang="en-US" sz="2800" dirty="0">
+                <a:solidFill>
+                  <a:srgbClr val="FF0000"/>
+                </a:solidFill>
+              </a:rPr>
+              <a:t> 1</a:t>
+            </a:r>
+            <a:r>
+              <a:rPr lang="en-US" sz="2800" baseline="30000" dirty="0">
+                <a:solidFill>
+                  <a:srgbClr val="FF0000"/>
+                </a:solidFill>
+              </a:rPr>
+              <a:t>st</a:t>
+            </a:r>
+            <a:r>
+              <a:rPr lang="en-US" sz="2800" dirty="0">
+                <a:solidFill>
+                  <a:srgbClr val="FF0000"/>
+                </a:solidFill>
+              </a:rPr>
+              <a:t> Gen</a:t>
+            </a:r>
+          </a:p>
+        </p:txBody>
+      </p:sp>
+      <p:pic>
+        <p:nvPicPr>
+          <p:cNvPr id="10" name="Picture 9">
+            <a:extLst>
+              <a:ext uri="{FF2B5EF4-FFF2-40B4-BE49-F238E27FC236}">
+                <a16:creationId xmlns:a16="http://schemas.microsoft.com/office/drawing/2014/main" id="{1B29B912-E042-1E46-A3FC-0A236CEF947D}"/>
+              </a:ext>
+            </a:extLst>
+          </p:cNvPr>
+          <p:cNvPicPr>
+            <a:picLocks noChangeAspect="1"/>
+          </p:cNvPicPr>
+          <p:nvPr/>
+        </p:nvPicPr>
+        <p:blipFill>
+          <a:blip r:embed="rId5"/>
+          <a:stretch>
+            <a:fillRect/>
+          </a:stretch>
+        </p:blipFill>
+        <p:spPr>
+          <a:xfrm>
+            <a:off x="5366931" y="699872"/>
+            <a:ext cx="5956300" cy="2997200"/>
+          </a:xfrm>
+          <a:prstGeom prst="rect">
+            <a:avLst/>
+          </a:prstGeom>
+        </p:spPr>
+      </p:pic>
+    </p:spTree>
+    <p:extLst>
+      <p:ext uri="{BB962C8B-B14F-4D97-AF65-F5344CB8AC3E}">
+        <p14:creationId xmlns:p14="http://schemas.microsoft.com/office/powerpoint/2010/main" val="389288555"/>
+      </p:ext>
+    </p:extLst>
+  </p:cSld>
+  <p:clrMapOvr>
+    <a:masterClrMapping/>
+  </p:clrMapOvr>
+</p:sld>
+</file>
+
+<file path=ppt/slides/slide9.xml><?xml version="1.0" encoding="utf-8"?>
+<p:sld xmlns:a="http://schemas.openxmlformats.org/drawingml/2006/main" xmlns:r="http://schemas.openxmlformats.org/officeDocument/2006/relationships" xmlns:p="http://schemas.openxmlformats.org/presentationml/2006/main">
+  <p:cSld>
+    <p:bg>
+      <p:bgPr>
+        <a:gradFill rotWithShape="1">
+          <a:gsLst>
+            <a:gs pos="0">
+              <a:schemeClr val="bg2">
+                <a:tint val="94000"/>
+                <a:satMod val="80000"/>
+                <a:lumMod val="106000"/>
+              </a:schemeClr>
+            </a:gs>
+            <a:gs pos="100000">
+              <a:schemeClr val="bg2">
+                <a:shade val="80000"/>
+              </a:schemeClr>
+            </a:gs>
+          </a:gsLst>
+          <a:path path="circle">
+            <a:fillToRect l="43000" r="43000" b="100000"/>
+          </a:path>
+        </a:gradFill>
+        <a:effectLst/>
+      </p:bgPr>
+    </p:bg>
+    <p:spTree>
+      <p:nvGrpSpPr>
+        <p:cNvPr id="1" name=""/>
+        <p:cNvGrpSpPr/>
+        <p:nvPr/>
+      </p:nvGrpSpPr>
+      <p:grpSpPr>
+        <a:xfrm>
+          <a:off x="0" y="0"/>
+          <a:ext cx="0" cy="0"/>
+          <a:chOff x="0" y="0"/>
+          <a:chExt cx="0" cy="0"/>
+        </a:xfrm>
+      </p:grpSpPr>
+      <p:sp>
+        <p:nvSpPr>
+          <p:cNvPr id="40" name="Rectangle 21">
+            <a:extLst>
+              <a:ext uri="{FF2B5EF4-FFF2-40B4-BE49-F238E27FC236}">
+                <a16:creationId xmlns:a16="http://schemas.microsoft.com/office/drawing/2014/main" id="{0CABCAE3-64FC-4149-819F-2C1812824154}"/>
+              </a:ext>
+              <a:ext uri="{C183D7F6-B498-43B3-948B-1728B52AA6E4}">
+                <adec:decorative xmlns:adec="http://schemas.microsoft.com/office/drawing/2017/decorative" val="1"/>
+              </a:ext>
+            </a:extLst>
+          </p:cNvPr>
+          <p:cNvSpPr>
+            <a:spLocks noGrp="1" noRot="1" noChangeAspect="1" noMove="1" noResize="1" noEditPoints="1" noAdjustHandles="1" noChangeArrowheads="1" noChangeShapeType="1" noTextEdit="1"/>
+          </p:cNvSpPr>
+          <p:nvPr>
+            <p:extLst>
+              <p:ext uri="{386F3935-93C4-4BCD-93E2-E3B085C9AB24}">
+                <p16:designElem xmlns:p16="http://schemas.microsoft.com/office/powerpoint/2015/main" val="1"/>
+              </p:ext>
+            </p:extLst>
+          </p:nvPr>
+        </p:nvSpPr>
+        <p:spPr>
+          <a:xfrm>
+            <a:off x="0" y="2019476"/>
+            <a:ext cx="12192000" cy="4105941"/>
+          </a:xfrm>
+          <a:prstGeom prst="rect">
+            <a:avLst/>
+          </a:prstGeom>
+          <a:gradFill flip="none" rotWithShape="1">
+            <a:gsLst>
+              <a:gs pos="0">
+                <a:schemeClr val="bg2">
+                  <a:alpha val="0"/>
+                </a:schemeClr>
+              </a:gs>
+              <a:gs pos="100000">
+                <a:schemeClr val="bg2"/>
+              </a:gs>
+            </a:gsLst>
+            <a:lin ang="5400000" scaled="0"/>
+            <a:tileRect/>
+          </a:gradFill>
+          <a:ln>
+            <a:noFill/>
+          </a:ln>
+        </p:spPr>
+        <p:style>
+          <a:lnRef idx="2">
+            <a:schemeClr val="accent1">
+              <a:shade val="50000"/>
+            </a:schemeClr>
+          </a:lnRef>
+          <a:fillRef idx="1">
+            <a:schemeClr val="accent1"/>
+          </a:fillRef>
+          <a:effectRef idx="0">
+            <a:schemeClr val="accent1"/>
+          </a:effectRef>
+          <a:fontRef idx="minor">
+            <a:schemeClr val="lt1"/>
+          </a:fontRef>
+        </p:style>
+      </p:sp>
+      <p:pic>
+        <p:nvPicPr>
+          <p:cNvPr id="41" name="Picture 23">
+            <a:extLst>
+              <a:ext uri="{FF2B5EF4-FFF2-40B4-BE49-F238E27FC236}">
+                <a16:creationId xmlns:a16="http://schemas.microsoft.com/office/drawing/2014/main" id="{012FDCFE-9AD2-4D8A-8CBF-B3AA37EBF6DD}"/>
+              </a:ext>
+              <a:ext uri="{C183D7F6-B498-43B3-948B-1728B52AA6E4}">
+                <adec:decorative xmlns:adec="http://schemas.microsoft.com/office/drawing/2017/decorative" val="1"/>
+              </a:ext>
+            </a:extLst>
+          </p:cNvPr>
+          <p:cNvPicPr>
+            <a:picLocks noGrp="1" noRot="1" noChangeAspect="1" noMove="1" noResize="1" noEditPoints="1" noAdjustHandles="1" noChangeArrowheads="1" noChangeShapeType="1" noCrop="1"/>
+          </p:cNvPicPr>
+          <p:nvPr>
+            <p:extLst>
+              <p:ext uri="{386F3935-93C4-4BCD-93E2-E3B085C9AB24}">
+                <p16:designElem xmlns:p16="http://schemas.microsoft.com/office/powerpoint/2015/main" val="1"/>
+              </p:ext>
+            </p:extLst>
+          </p:nvPr>
+        </p:nvPicPr>
+        <p:blipFill rotWithShape="1">
+          <a:blip r:embed="rId2">
+            <a:extLst>
+              <a:ext uri="{28A0092B-C50C-407E-A947-70E740481C1C}">
+                <a14:useLocalDpi xmlns:a14="http://schemas.microsoft.com/office/drawing/2010/main" val="0"/>
+              </a:ext>
+            </a:extLst>
+          </a:blip>
+          <a:srcRect t="1538" b="-1538"/>
+          <a:stretch/>
+        </p:blipFill>
+        <p:spPr bwMode="black">
+          <a:xfrm>
+            <a:off x="0" y="6126480"/>
+            <a:ext cx="12192000" cy="742950"/>
+          </a:xfrm>
+          <a:prstGeom prst="rect">
+            <a:avLst/>
+          </a:prstGeom>
+        </p:spPr>
+      </p:pic>
+      <p:cxnSp>
+        <p:nvCxnSpPr>
+          <p:cNvPr id="42" name="Straight Connector 25">
+            <a:extLst>
+              <a:ext uri="{FF2B5EF4-FFF2-40B4-BE49-F238E27FC236}">
+                <a16:creationId xmlns:a16="http://schemas.microsoft.com/office/drawing/2014/main" id="{FBD463FC-4CA8-4FF4-85A3-AF9F4B98D210}"/>
+              </a:ext>
+              <a:ext uri="{C183D7F6-B498-43B3-948B-1728B52AA6E4}">
+                <adec:decorative xmlns:adec="http://schemas.microsoft.com/office/drawing/2017/decorative" val="1"/>
+              </a:ext>
+            </a:extLst>
+          </p:cNvPr>
+          <p:cNvCxnSpPr>
+            <a:cxnSpLocks noGrp="1" noRot="1" noChangeAspect="1" noMove="1" noResize="1" noEditPoints="1" noAdjustHandles="1" noChangeArrowheads="1" noChangeShapeType="1"/>
+          </p:cNvCxnSpPr>
+          <p:nvPr>
+            <p:extLst>
+              <p:ext uri="{386F3935-93C4-4BCD-93E2-E3B085C9AB24}">
+                <p16:designElem xmlns:p16="http://schemas.microsoft.com/office/powerpoint/2015/main" val="1"/>
+              </p:ext>
+            </p:extLst>
+          </p:nvPr>
+        </p:nvCxnSpPr>
+        <p:spPr>
+          <a:xfrm>
+            <a:off x="0" y="6128413"/>
+            <a:ext cx="12192000" cy="0"/>
+          </a:xfrm>
+          <a:prstGeom prst="line">
+            <a:avLst/>
+          </a:prstGeom>
+          <a:ln w="12700">
+            <a:solidFill>
+              <a:srgbClr val="000001">
+                <a:alpha val="20000"/>
+              </a:srgbClr>
+            </a:solidFill>
+          </a:ln>
+        </p:spPr>
+        <p:style>
+          <a:lnRef idx="1">
+            <a:schemeClr val="accent1"/>
+          </a:lnRef>
+          <a:fillRef idx="0">
+            <a:schemeClr val="accent1"/>
+          </a:fillRef>
+          <a:effectRef idx="0">
+            <a:schemeClr val="accent1"/>
+          </a:effectRef>
+          <a:fontRef idx="minor">
+            <a:schemeClr val="tx1"/>
+          </a:fontRef>
+        </p:style>
+      </p:cxnSp>
+      <p:cxnSp>
+        <p:nvCxnSpPr>
+          <p:cNvPr id="43" name="Straight Connector 27">
+            <a:extLst>
+              <a:ext uri="{FF2B5EF4-FFF2-40B4-BE49-F238E27FC236}">
+                <a16:creationId xmlns:a16="http://schemas.microsoft.com/office/drawing/2014/main" id="{BECF35C3-8B44-4F4B-BD25-4C01823DB22A}"/>
+              </a:ext>
+              <a:ext uri="{C183D7F6-B498-43B3-948B-1728B52AA6E4}">
+                <adec:decorative xmlns:adec="http://schemas.microsoft.com/office/drawing/2017/decorative" val="1"/>
+              </a:ext>
+            </a:extLst>
+          </p:cNvPr>
+          <p:cNvCxnSpPr>
+            <a:cxnSpLocks noGrp="1" noRot="1" noChangeAspect="1" noMove="1" noResize="1" noEditPoints="1" noAdjustHandles="1" noChangeArrowheads="1" noChangeShapeType="1"/>
+          </p:cNvCxnSpPr>
+          <p:nvPr>
+            <p:extLst>
+              <p:ext uri="{386F3935-93C4-4BCD-93E2-E3B085C9AB24}">
+                <p16:designElem xmlns:p16="http://schemas.microsoft.com/office/powerpoint/2015/main" val="1"/>
+              </p:ext>
+            </p:extLst>
+          </p:nvPr>
+        </p:nvCxnSpPr>
+        <p:spPr>
+          <a:xfrm>
+            <a:off x="2417780" y="3528542"/>
+            <a:ext cx="8637072" cy="0"/>
+          </a:xfrm>
+          <a:prstGeom prst="line">
+            <a:avLst/>
+          </a:prstGeom>
+          <a:ln w="31750"/>
+        </p:spPr>
+        <p:style>
+          <a:lnRef idx="3">
+            <a:schemeClr val="accent1"/>
+          </a:lnRef>
+          <a:fillRef idx="0">
+            <a:schemeClr val="accent1"/>
+          </a:fillRef>
+          <a:effectRef idx="2">
+            <a:schemeClr val="accent1"/>
+          </a:effectRef>
+          <a:fontRef idx="minor">
+            <a:schemeClr val="tx1"/>
+          </a:fontRef>
+        </p:style>
+      </p:cxnSp>
+      <p:sp useBgFill="1">
+        <p:nvSpPr>
+          <p:cNvPr id="44" name="Rectangle 29">
+            <a:extLst>
+              <a:ext uri="{FF2B5EF4-FFF2-40B4-BE49-F238E27FC236}">
+                <a16:creationId xmlns:a16="http://schemas.microsoft.com/office/drawing/2014/main" id="{8BC298DB-2D5C-40A1-9A78-6B4A12198A9B}"/>
+              </a:ext>
+              <a:ext uri="{C183D7F6-B498-43B3-948B-1728B52AA6E4}">
+                <adec:decorative xmlns:adec="http://schemas.microsoft.com/office/drawing/2017/decorative" val="1"/>
+              </a:ext>
+            </a:extLst>
+          </p:cNvPr>
+          <p:cNvSpPr>
+            <a:spLocks noGrp="1" noRot="1" noChangeAspect="1" noMove="1" noResize="1" noEditPoints="1" noAdjustHandles="1" noChangeArrowheads="1" noChangeShapeType="1" noTextEdit="1"/>
+          </p:cNvSpPr>
+          <p:nvPr>
+            <p:extLst>
+              <p:ext uri="{386F3935-93C4-4BCD-93E2-E3B085C9AB24}">
+                <p16:designElem xmlns:p16="http://schemas.microsoft.com/office/powerpoint/2015/main" val="1"/>
+              </p:ext>
+            </p:extLst>
+          </p:nvPr>
+        </p:nvSpPr>
+        <p:spPr>
+          <a:xfrm>
+            <a:off x="2" y="0"/>
+            <a:ext cx="12191695" cy="6858000"/>
+          </a:xfrm>
+          <a:prstGeom prst="rect">
+            <a:avLst/>
+          </a:prstGeom>
+          <a:ln>
+            <a:noFill/>
+          </a:ln>
+        </p:spPr>
+        <p:style>
+          <a:lnRef idx="2">
+            <a:schemeClr val="accent1">
+              <a:shade val="50000"/>
+            </a:schemeClr>
+          </a:lnRef>
+          <a:fillRef idx="1">
+            <a:schemeClr val="accent1"/>
+          </a:fillRef>
+          <a:effectRef idx="0">
+            <a:schemeClr val="accent1"/>
+          </a:effectRef>
+          <a:fontRef idx="minor">
+            <a:schemeClr val="lt1"/>
+          </a:fontRef>
+        </p:style>
+        <p:txBody>
+          <a:bodyPr rtlCol="0" anchor="ctr"/>
+          <a:lstStyle/>
+          <a:p>
+            <a:pPr algn="ctr"/>
+            <a:endParaRPr lang="en-US"/>
+          </a:p>
+        </p:txBody>
+      </p:sp>
+      <p:sp>
+        <p:nvSpPr>
+          <p:cNvPr id="45" name="Rectangle 31">
+            <a:extLst>
+              <a:ext uri="{FF2B5EF4-FFF2-40B4-BE49-F238E27FC236}">
+                <a16:creationId xmlns:a16="http://schemas.microsoft.com/office/drawing/2014/main" id="{35C2355B-7CE9-4192-9142-A41CA0A0C08B}"/>
+              </a:ext>
+              <a:ext uri="{C183D7F6-B498-43B3-948B-1728B52AA6E4}">
+                <adec:decorative xmlns:adec="http://schemas.microsoft.com/office/drawing/2017/decorative" val="1"/>
+              </a:ext>
+            </a:extLst>
+          </p:cNvPr>
+          <p:cNvSpPr>
+            <a:spLocks noGrp="1" noRot="1" noChangeAspect="1" noMove="1" noResize="1" noEditPoints="1" noAdjustHandles="1" noChangeArrowheads="1" noChangeShapeType="1" noTextEdit="1"/>
+          </p:cNvSpPr>
+          <p:nvPr>
+            <p:extLst>
+              <p:ext uri="{386F3935-93C4-4BCD-93E2-E3B085C9AB24}">
+                <p16:designElem xmlns:p16="http://schemas.microsoft.com/office/powerpoint/2015/main" val="1"/>
+              </p:ext>
+            </p:extLst>
+          </p:nvPr>
+        </p:nvSpPr>
+        <p:spPr>
+          <a:xfrm>
+            <a:off x="0" y="2019476"/>
+            <a:ext cx="12192000" cy="4105941"/>
+          </a:xfrm>
+          <a:prstGeom prst="rect">
+            <a:avLst/>
+          </a:prstGeom>
+          <a:gradFill flip="none" rotWithShape="1">
+            <a:gsLst>
+              <a:gs pos="0">
+                <a:schemeClr val="bg2">
+                  <a:alpha val="0"/>
+                </a:schemeClr>
+              </a:gs>
+              <a:gs pos="100000">
+                <a:schemeClr val="bg2"/>
+              </a:gs>
+            </a:gsLst>
+            <a:lin ang="5400000" scaled="0"/>
+            <a:tileRect/>
+          </a:gradFill>
+          <a:ln>
+            <a:noFill/>
+          </a:ln>
+        </p:spPr>
+        <p:style>
+          <a:lnRef idx="2">
+            <a:schemeClr val="accent1">
+              <a:shade val="50000"/>
+            </a:schemeClr>
+          </a:lnRef>
+          <a:fillRef idx="1">
+            <a:schemeClr val="accent1"/>
+          </a:fillRef>
+          <a:effectRef idx="0">
+            <a:schemeClr val="accent1"/>
+          </a:effectRef>
+          <a:fontRef idx="minor">
+            <a:schemeClr val="lt1"/>
+          </a:fontRef>
+        </p:style>
+        <p:txBody>
+          <a:bodyPr rtlCol="0" anchor="ctr"/>
+          <a:lstStyle/>
+          <a:p>
+            <a:pPr lvl="0" algn="ctr"/>
+            <a:endParaRPr lang="en-US"/>
+          </a:p>
+        </p:txBody>
+      </p:sp>
+      <p:sp>
+        <p:nvSpPr>
+          <p:cNvPr id="17" name="TextBox 16">
+            <a:extLst>
+              <a:ext uri="{FF2B5EF4-FFF2-40B4-BE49-F238E27FC236}">
+                <a16:creationId xmlns:a16="http://schemas.microsoft.com/office/drawing/2014/main" id="{4FE33B69-AAB8-9645-AFF9-D6CDF7B286AF}"/>
+              </a:ext>
+            </a:extLst>
+          </p:cNvPr>
+          <p:cNvSpPr txBox="1"/>
+          <p:nvPr/>
+        </p:nvSpPr>
+        <p:spPr>
+          <a:xfrm>
+            <a:off x="6585200" y="967167"/>
+            <a:ext cx="4151306" cy="2374516"/>
+          </a:xfrm>
+          <a:prstGeom prst="rect">
+            <a:avLst/>
+          </a:prstGeom>
+        </p:spPr>
+        <p:txBody>
+          <a:bodyPr vert="horz" lIns="91440" tIns="45720" rIns="91440" bIns="0" rtlCol="0" anchor="b">
+            <a:normAutofit/>
+          </a:bodyPr>
+          <a:lstStyle/>
+          <a:p>
+            <a:pPr defTabSz="914400">
+              <a:lnSpc>
+                <a:spcPct val="90000"/>
+              </a:lnSpc>
+              <a:spcBef>
+                <a:spcPct val="0"/>
+              </a:spcBef>
+              <a:spcAft>
+                <a:spcPts val="600"/>
+              </a:spcAft>
+            </a:pPr>
+            <a:r>
+              <a:rPr lang="en-US" sz="4800" cap="all" dirty="0">
+                <a:latin typeface="+mj-lt"/>
+                <a:ea typeface="+mj-ea"/>
+                <a:cs typeface="+mj-cs"/>
+              </a:rPr>
+              <a:t>Apple TV 2</a:t>
+            </a:r>
+            <a:r>
+              <a:rPr lang="en-US" sz="4800" cap="all" baseline="30000" dirty="0">
+                <a:latin typeface="+mj-lt"/>
+                <a:ea typeface="+mj-ea"/>
+                <a:cs typeface="+mj-cs"/>
+              </a:rPr>
+              <a:t>nd</a:t>
+            </a:r>
+            <a:r>
+              <a:rPr lang="en-US" sz="4800" cap="all" dirty="0">
+                <a:latin typeface="+mj-lt"/>
+                <a:ea typeface="+mj-ea"/>
+                <a:cs typeface="+mj-cs"/>
+              </a:rPr>
+              <a:t> Gen (2010)</a:t>
+            </a:r>
+          </a:p>
+        </p:txBody>
+      </p:sp>
+      <p:pic>
+        <p:nvPicPr>
+          <p:cNvPr id="3" name="Picture 2">
+            <a:extLst>
+              <a:ext uri="{FF2B5EF4-FFF2-40B4-BE49-F238E27FC236}">
+                <a16:creationId xmlns:a16="http://schemas.microsoft.com/office/drawing/2014/main" id="{C5CE3009-87BB-EE46-A83A-51EA4391019C}"/>
               </a:ext>
             </a:extLst>
           </p:cNvPr>
@@ -14000,522 +14307,164 @@
         </p:blipFill>
         <p:spPr>
           <a:xfrm>
-            <a:off x="1451580" y="2995155"/>
-            <a:ext cx="4432514" cy="1333005"/>
+            <a:off x="1130029" y="860361"/>
+            <a:ext cx="4960442" cy="4551205"/>
           </a:xfrm>
           <a:prstGeom prst="rect">
             <a:avLst/>
           </a:prstGeom>
         </p:spPr>
       </p:pic>
-      <p:sp>
-        <p:nvSpPr>
-          <p:cNvPr id="3" name="Content Placeholder 2">
+      <p:cxnSp>
+        <p:nvCxnSpPr>
+          <p:cNvPr id="46" name="Straight Connector 33">
             <a:extLst>
               <a:ext uri="{FF2B5EF4-FFF2-40B4-BE49-F238E27FC236}">
-                <a16:creationId xmlns:a16="http://schemas.microsoft.com/office/drawing/2014/main" id="{595E0074-C1F1-DF46-ABAE-30EF85BC78C6}"/>
+                <a16:creationId xmlns:a16="http://schemas.microsoft.com/office/drawing/2014/main" id="{06D05ED8-39E4-42F8-92CB-704C2BD0D215}"/>
+              </a:ext>
+              <a:ext uri="{C183D7F6-B498-43B3-948B-1728B52AA6E4}">
+                <adec:decorative xmlns:adec="http://schemas.microsoft.com/office/drawing/2017/decorative" val="1"/>
               </a:ext>
             </a:extLst>
           </p:cNvPr>
-          <p:cNvSpPr>
-            <a:spLocks noGrp="1"/>
-          </p:cNvSpPr>
-          <p:nvPr>
-            <p:ph idx="1"/>
-          </p:nvPr>
-        </p:nvSpPr>
+          <p:cNvCxnSpPr>
+            <a:cxnSpLocks noGrp="1" noRot="1" noChangeAspect="1" noMove="1" noResize="1" noEditPoints="1" noAdjustHandles="1" noChangeArrowheads="1" noChangeShapeType="1"/>
+          </p:cNvCxnSpPr>
+          <p:nvPr>
+            <p:extLst>
+              <p:ext uri="{386F3935-93C4-4BCD-93E2-E3B085C9AB24}">
+                <p16:designElem xmlns:p16="http://schemas.microsoft.com/office/powerpoint/2015/main" val="1"/>
+              </p:ext>
+            </p:extLst>
+          </p:nvPr>
+        </p:nvCxnSpPr>
         <p:spPr>
           <a:xfrm>
-            <a:off x="6065521" y="2015734"/>
-            <a:ext cx="4989334" cy="3450613"/>
+            <a:off x="6579647" y="3526496"/>
+            <a:ext cx="4149931" cy="0"/>
           </a:xfrm>
+          <a:prstGeom prst="line">
+            <a:avLst/>
+          </a:prstGeom>
+          <a:ln w="31750"/>
         </p:spPr>
-        <p:txBody>
-          <a:bodyPr>
-            <a:normAutofit/>
-          </a:bodyPr>
-          <a:lstStyle/>
-          <a:p>
-            <a:r>
-              <a:rPr lang="en-US" sz="2400" dirty="0"/>
-              <a:t>Specifically for Apple TV</a:t>
-            </a:r>
-          </a:p>
-          <a:p>
-            <a:r>
-              <a:rPr lang="en-US" sz="2400" dirty="0"/>
-              <a:t>2017: 75m Apple TV have been sold </a:t>
-            </a:r>
-          </a:p>
-          <a:p>
-            <a:pPr marL="0" indent="0">
-              <a:spcBef>
-                <a:spcPts val="0"/>
-              </a:spcBef>
-              <a:buNone/>
-            </a:pPr>
-            <a:r>
-              <a:rPr lang="en-US" sz="2400" dirty="0">
-                <a:solidFill>
-                  <a:srgbClr val="FF0000"/>
-                </a:solidFill>
-              </a:rPr>
-              <a:t>  (1.2b iPhone + 0.3b iPad + 0.5b iPod)</a:t>
-            </a:r>
-          </a:p>
-          <a:p>
-            <a:r>
-              <a:rPr lang="en-US" sz="2400" dirty="0"/>
-              <a:t>2016: 8k apps </a:t>
-            </a:r>
-          </a:p>
-          <a:p>
-            <a:pPr marL="0" indent="0">
-              <a:spcBef>
-                <a:spcPts val="0"/>
-              </a:spcBef>
-              <a:buNone/>
-            </a:pPr>
-            <a:r>
-              <a:rPr lang="en-US" sz="2400" dirty="0">
-                <a:solidFill>
-                  <a:srgbClr val="FF0000"/>
-                </a:solidFill>
-              </a:rPr>
-              <a:t>   (2.1m on iOS)</a:t>
-            </a:r>
-          </a:p>
-          <a:p>
-            <a:endParaRPr lang="en-US" sz="2400" dirty="0"/>
-          </a:p>
-        </p:txBody>
-      </p:sp>
+        <p:style>
+          <a:lnRef idx="3">
+            <a:schemeClr val="accent1"/>
+          </a:lnRef>
+          <a:fillRef idx="0">
+            <a:schemeClr val="accent1"/>
+          </a:fillRef>
+          <a:effectRef idx="2">
+            <a:schemeClr val="accent1"/>
+          </a:effectRef>
+          <a:fontRef idx="minor">
+            <a:schemeClr val="tx1"/>
+          </a:fontRef>
+        </p:style>
+      </p:cxnSp>
+      <p:pic>
+        <p:nvPicPr>
+          <p:cNvPr id="47" name="Picture 35">
+            <a:extLst>
+              <a:ext uri="{FF2B5EF4-FFF2-40B4-BE49-F238E27FC236}">
+                <a16:creationId xmlns:a16="http://schemas.microsoft.com/office/drawing/2014/main" id="{45CE2E7C-6AA3-4710-825D-4CDDF788C7BC}"/>
+              </a:ext>
+              <a:ext uri="{C183D7F6-B498-43B3-948B-1728B52AA6E4}">
+                <adec:decorative xmlns:adec="http://schemas.microsoft.com/office/drawing/2017/decorative" val="1"/>
+              </a:ext>
+            </a:extLst>
+          </p:cNvPr>
+          <p:cNvPicPr>
+            <a:picLocks noGrp="1" noRot="1" noChangeAspect="1" noMove="1" noResize="1" noEditPoints="1" noAdjustHandles="1" noChangeArrowheads="1" noChangeShapeType="1" noCrop="1"/>
+          </p:cNvPicPr>
+          <p:nvPr>
+            <p:extLst>
+              <p:ext uri="{386F3935-93C4-4BCD-93E2-E3B085C9AB24}">
+                <p16:designElem xmlns:p16="http://schemas.microsoft.com/office/powerpoint/2015/main" val="1"/>
+              </p:ext>
+            </p:extLst>
+          </p:nvPr>
+        </p:nvPicPr>
+        <p:blipFill rotWithShape="1">
+          <a:blip r:embed="rId2">
+            <a:extLst>
+              <a:ext uri="{28A0092B-C50C-407E-A947-70E740481C1C}">
+                <a14:useLocalDpi xmlns:a14="http://schemas.microsoft.com/office/drawing/2010/main" val="0"/>
+              </a:ext>
+            </a:extLst>
+          </a:blip>
+          <a:srcRect t="1538" b="-1538"/>
+          <a:stretch/>
+        </p:blipFill>
+        <p:spPr bwMode="black">
+          <a:xfrm>
+            <a:off x="0" y="6126480"/>
+            <a:ext cx="12192000" cy="742950"/>
+          </a:xfrm>
+          <a:prstGeom prst="rect">
+            <a:avLst/>
+          </a:prstGeom>
+        </p:spPr>
+      </p:pic>
+      <p:cxnSp>
+        <p:nvCxnSpPr>
+          <p:cNvPr id="48" name="Straight Connector 37">
+            <a:extLst>
+              <a:ext uri="{FF2B5EF4-FFF2-40B4-BE49-F238E27FC236}">
+                <a16:creationId xmlns:a16="http://schemas.microsoft.com/office/drawing/2014/main" id="{3256C6C3-0EDC-4651-AB37-9F26CFAA6C86}"/>
+              </a:ext>
+              <a:ext uri="{C183D7F6-B498-43B3-948B-1728B52AA6E4}">
+                <adec:decorative xmlns:adec="http://schemas.microsoft.com/office/drawing/2017/decorative" val="1"/>
+              </a:ext>
+            </a:extLst>
+          </p:cNvPr>
+          <p:cNvCxnSpPr>
+            <a:cxnSpLocks noGrp="1" noRot="1" noChangeAspect="1" noMove="1" noResize="1" noEditPoints="1" noAdjustHandles="1" noChangeArrowheads="1" noChangeShapeType="1"/>
+          </p:cNvCxnSpPr>
+          <p:nvPr>
+            <p:extLst>
+              <p:ext uri="{386F3935-93C4-4BCD-93E2-E3B085C9AB24}">
+                <p16:designElem xmlns:p16="http://schemas.microsoft.com/office/powerpoint/2015/main" val="1"/>
+              </p:ext>
+            </p:extLst>
+          </p:nvPr>
+        </p:nvCxnSpPr>
+        <p:spPr>
+          <a:xfrm>
+            <a:off x="0" y="6128413"/>
+            <a:ext cx="12192000" cy="0"/>
+          </a:xfrm>
+          <a:prstGeom prst="line">
+            <a:avLst/>
+          </a:prstGeom>
+          <a:ln w="12700">
+            <a:solidFill>
+              <a:srgbClr val="000001">
+                <a:alpha val="20000"/>
+              </a:srgbClr>
+            </a:solidFill>
+          </a:ln>
+        </p:spPr>
+        <p:style>
+          <a:lnRef idx="1">
+            <a:schemeClr val="accent1"/>
+          </a:lnRef>
+          <a:fillRef idx="0">
+            <a:schemeClr val="accent1"/>
+          </a:fillRef>
+          <a:effectRef idx="0">
+            <a:schemeClr val="accent1"/>
+          </a:effectRef>
+          <a:fontRef idx="minor">
+            <a:schemeClr val="tx1"/>
+          </a:fontRef>
+        </p:style>
+      </p:cxnSp>
     </p:spTree>
     <p:extLst>
       <p:ext uri="{BB962C8B-B14F-4D97-AF65-F5344CB8AC3E}">
-        <p14:creationId xmlns:p14="http://schemas.microsoft.com/office/powerpoint/2010/main" val="3408919423"/>
-      </p:ext>
-    </p:extLst>
-  </p:cSld>
-  <p:clrMapOvr>
-    <a:masterClrMapping/>
-  </p:clrMapOvr>
-</p:sld>
-</file>
-
-<file path=ppt/slides/slide9.xml><?xml version="1.0" encoding="utf-8"?>
-<p:sld xmlns:a="http://schemas.openxmlformats.org/drawingml/2006/main" xmlns:r="http://schemas.openxmlformats.org/officeDocument/2006/relationships" xmlns:p="http://schemas.openxmlformats.org/presentationml/2006/main">
-  <p:cSld>
-    <p:spTree>
-      <p:nvGrpSpPr>
-        <p:cNvPr id="1" name=""/>
-        <p:cNvGrpSpPr/>
-        <p:nvPr/>
-      </p:nvGrpSpPr>
-      <p:grpSpPr>
-        <a:xfrm>
-          <a:off x="0" y="0"/>
-          <a:ext cx="0" cy="0"/>
-          <a:chOff x="0" y="0"/>
-          <a:chExt cx="0" cy="0"/>
-        </a:xfrm>
-      </p:grpSpPr>
-      <p:sp>
-        <p:nvSpPr>
-          <p:cNvPr id="2" name="Title 1">
-            <a:extLst>
-              <a:ext uri="{FF2B5EF4-FFF2-40B4-BE49-F238E27FC236}">
-                <a16:creationId xmlns:a16="http://schemas.microsoft.com/office/drawing/2014/main" id="{43470594-E9D6-D444-A4DF-80DD011AF67A}"/>
-              </a:ext>
-            </a:extLst>
-          </p:cNvPr>
-          <p:cNvSpPr>
-            <a:spLocks noGrp="1"/>
-          </p:cNvSpPr>
-          <p:nvPr>
-            <p:ph type="title"/>
-          </p:nvPr>
-        </p:nvSpPr>
-        <p:spPr/>
-        <p:txBody>
-          <a:bodyPr>
-            <a:normAutofit/>
-          </a:bodyPr>
-          <a:lstStyle/>
-          <a:p>
-            <a:r>
-              <a:rPr lang="en-US" sz="4000" cap="none" dirty="0" err="1"/>
-              <a:t>tvOS</a:t>
-            </a:r>
-            <a:r>
-              <a:rPr lang="en-US" sz="4000" cap="none" dirty="0"/>
-              <a:t> History</a:t>
-            </a:r>
-          </a:p>
-        </p:txBody>
-      </p:sp>
-      <p:graphicFrame>
-        <p:nvGraphicFramePr>
-          <p:cNvPr id="4" name="Content Placeholder 3">
-            <a:extLst>
-              <a:ext uri="{FF2B5EF4-FFF2-40B4-BE49-F238E27FC236}">
-                <a16:creationId xmlns:a16="http://schemas.microsoft.com/office/drawing/2014/main" id="{D27A3E97-C061-2A44-B790-FC26A18FC179}"/>
-              </a:ext>
-            </a:extLst>
-          </p:cNvPr>
-          <p:cNvGraphicFramePr>
-            <a:graphicFrameLocks noGrp="1"/>
-          </p:cNvGraphicFramePr>
-          <p:nvPr>
-            <p:ph idx="1"/>
-            <p:extLst>
-              <p:ext uri="{D42A27DB-BD31-4B8C-83A1-F6EECF244321}">
-                <p14:modId xmlns:p14="http://schemas.microsoft.com/office/powerpoint/2010/main" val="1002665170"/>
-              </p:ext>
-            </p:extLst>
-          </p:nvPr>
-        </p:nvGraphicFramePr>
-        <p:xfrm>
-          <a:off x="1450975" y="2016125"/>
-          <a:ext cx="9604376" cy="3215640"/>
-        </p:xfrm>
-        <a:graphic>
-          <a:graphicData uri="http://schemas.openxmlformats.org/drawingml/2006/table">
-            <a:tbl>
-              <a:tblPr firstRow="1" bandRow="1">
-                <a:tableStyleId>{5C22544A-7EE6-4342-B048-85BDC9FD1C3A}</a:tableStyleId>
-              </a:tblPr>
-              <a:tblGrid>
-                <a:gridCol w="4802188">
-                  <a:extLst>
-                    <a:ext uri="{9D8B030D-6E8A-4147-A177-3AD203B41FA5}">
-                      <a16:colId xmlns:a16="http://schemas.microsoft.com/office/drawing/2014/main" val="2906357688"/>
-                    </a:ext>
-                  </a:extLst>
-                </a:gridCol>
-                <a:gridCol w="4802188">
-                  <a:extLst>
-                    <a:ext uri="{9D8B030D-6E8A-4147-A177-3AD203B41FA5}">
-                      <a16:colId xmlns:a16="http://schemas.microsoft.com/office/drawing/2014/main" val="1232959149"/>
-                    </a:ext>
-                  </a:extLst>
-                </a:gridCol>
-              </a:tblGrid>
-              <a:tr h="370840">
-                <a:tc>
-                  <a:txBody>
-                    <a:bodyPr/>
-                    <a:lstStyle/>
-                    <a:p>
-                      <a:r>
-                        <a:rPr lang="en-US" sz="2500" dirty="0"/>
-                        <a:t>iOS</a:t>
-                      </a:r>
-                    </a:p>
-                  </a:txBody>
-                  <a:tcPr/>
-                </a:tc>
-                <a:tc>
-                  <a:txBody>
-                    <a:bodyPr/>
-                    <a:lstStyle/>
-                    <a:p>
-                      <a:r>
-                        <a:rPr lang="en-US" sz="2500" dirty="0" err="1"/>
-                        <a:t>tvOS</a:t>
-                      </a:r>
-                      <a:endParaRPr lang="en-US" sz="2500" dirty="0"/>
-                    </a:p>
-                  </a:txBody>
-                  <a:tcPr/>
-                </a:tc>
-                <a:extLst>
-                  <a:ext uri="{0D108BD9-81ED-4DB2-BD59-A6C34878D82A}">
-                    <a16:rowId xmlns:a16="http://schemas.microsoft.com/office/drawing/2014/main" val="2902000110"/>
-                  </a:ext>
-                </a:extLst>
-              </a:tr>
-              <a:tr h="370840">
-                <a:tc>
-                  <a:txBody>
-                    <a:bodyPr/>
-                    <a:lstStyle/>
-                    <a:p>
-                      <a:pPr marL="0" marR="0" lvl="0" indent="0" algn="l" defTabSz="914400" rtl="0" eaLnBrk="1" fontAlgn="auto" latinLnBrk="0" hangingPunct="1">
-                        <a:lnSpc>
-                          <a:spcPct val="100000"/>
-                        </a:lnSpc>
-                        <a:spcBef>
-                          <a:spcPts val="0"/>
-                        </a:spcBef>
-                        <a:spcAft>
-                          <a:spcPts val="0"/>
-                        </a:spcAft>
-                        <a:buClrTx/>
-                        <a:buSzTx/>
-                        <a:buFontTx/>
-                        <a:buNone/>
-                        <a:tabLst/>
-                        <a:defRPr/>
-                      </a:pPr>
-                      <a:r>
-                        <a:rPr lang="en-US" sz="2500" dirty="0"/>
-                        <a:t>2007: iPhone OS 1.0 (iPhone &amp; iPod)</a:t>
-                      </a:r>
-                    </a:p>
-                  </a:txBody>
-                  <a:tcPr/>
-                </a:tc>
-                <a:tc>
-                  <a:txBody>
-                    <a:bodyPr/>
-                    <a:lstStyle/>
-                    <a:p>
-                      <a:endParaRPr lang="en-US" sz="2500" dirty="0"/>
-                    </a:p>
-                  </a:txBody>
-                  <a:tcPr/>
-                </a:tc>
-                <a:extLst>
-                  <a:ext uri="{0D108BD9-81ED-4DB2-BD59-A6C34878D82A}">
-                    <a16:rowId xmlns:a16="http://schemas.microsoft.com/office/drawing/2014/main" val="1531487763"/>
-                  </a:ext>
-                </a:extLst>
-              </a:tr>
-              <a:tr h="370840">
-                <a:tc>
-                  <a:txBody>
-                    <a:bodyPr/>
-                    <a:lstStyle/>
-                    <a:p>
-                      <a:pPr marL="0" marR="0" lvl="0" indent="0" algn="l" defTabSz="914400" rtl="0" eaLnBrk="1" fontAlgn="auto" latinLnBrk="0" hangingPunct="1">
-                        <a:lnSpc>
-                          <a:spcPct val="100000"/>
-                        </a:lnSpc>
-                        <a:spcBef>
-                          <a:spcPts val="0"/>
-                        </a:spcBef>
-                        <a:spcAft>
-                          <a:spcPts val="0"/>
-                        </a:spcAft>
-                        <a:buClrTx/>
-                        <a:buSzTx/>
-                        <a:buFontTx/>
-                        <a:buNone/>
-                        <a:tabLst/>
-                        <a:defRPr/>
-                      </a:pPr>
-                      <a:r>
-                        <a:rPr lang="en-US" sz="2500" dirty="0"/>
-                        <a:t>2009: iPhone OS 3.2 (+iPad)</a:t>
-                      </a:r>
-                    </a:p>
-                  </a:txBody>
-                  <a:tcPr/>
-                </a:tc>
-                <a:tc>
-                  <a:txBody>
-                    <a:bodyPr/>
-                    <a:lstStyle/>
-                    <a:p>
-                      <a:endParaRPr lang="en-US" sz="2500" dirty="0"/>
-                    </a:p>
-                  </a:txBody>
-                  <a:tcPr/>
-                </a:tc>
-                <a:extLst>
-                  <a:ext uri="{0D108BD9-81ED-4DB2-BD59-A6C34878D82A}">
-                    <a16:rowId xmlns:a16="http://schemas.microsoft.com/office/drawing/2014/main" val="294843642"/>
-                  </a:ext>
-                </a:extLst>
-              </a:tr>
-              <a:tr h="370840">
-                <a:tc>
-                  <a:txBody>
-                    <a:bodyPr/>
-                    <a:lstStyle/>
-                    <a:p>
-                      <a:pPr marL="0" marR="0" lvl="0" indent="0" algn="l" defTabSz="914400" rtl="0" eaLnBrk="1" fontAlgn="auto" latinLnBrk="0" hangingPunct="1">
-                        <a:lnSpc>
-                          <a:spcPct val="100000"/>
-                        </a:lnSpc>
-                        <a:spcBef>
-                          <a:spcPts val="0"/>
-                        </a:spcBef>
-                        <a:spcAft>
-                          <a:spcPts val="0"/>
-                        </a:spcAft>
-                        <a:buClrTx/>
-                        <a:buSzTx/>
-                        <a:buFontTx/>
-                        <a:buNone/>
-                        <a:tabLst/>
-                        <a:defRPr/>
-                      </a:pPr>
-                      <a:r>
-                        <a:rPr lang="en-US" sz="2500" dirty="0"/>
-                        <a:t>2010: iOS 4.1 (+Apple TV 2</a:t>
-                      </a:r>
-                      <a:r>
-                        <a:rPr lang="en-US" sz="2500" baseline="30000" dirty="0"/>
-                        <a:t>nd</a:t>
-                      </a:r>
-                      <a:r>
-                        <a:rPr lang="en-US" sz="2500" dirty="0"/>
-                        <a:t> Gen)</a:t>
-                      </a:r>
-                    </a:p>
-                  </a:txBody>
-                  <a:tcPr/>
-                </a:tc>
-                <a:tc>
-                  <a:txBody>
-                    <a:bodyPr/>
-                    <a:lstStyle/>
-                    <a:p>
-                      <a:endParaRPr lang="en-US" sz="2500" dirty="0"/>
-                    </a:p>
-                  </a:txBody>
-                  <a:tcPr/>
-                </a:tc>
-                <a:extLst>
-                  <a:ext uri="{0D108BD9-81ED-4DB2-BD59-A6C34878D82A}">
-                    <a16:rowId xmlns:a16="http://schemas.microsoft.com/office/drawing/2014/main" val="1853314920"/>
-                  </a:ext>
-                </a:extLst>
-              </a:tr>
-              <a:tr h="370840">
-                <a:tc>
-                  <a:txBody>
-                    <a:bodyPr/>
-                    <a:lstStyle/>
-                    <a:p>
-                      <a:pPr marL="0" marR="0" lvl="0" indent="0" algn="l" defTabSz="914400" rtl="0" eaLnBrk="1" fontAlgn="auto" latinLnBrk="0" hangingPunct="1">
-                        <a:lnSpc>
-                          <a:spcPct val="100000"/>
-                        </a:lnSpc>
-                        <a:spcBef>
-                          <a:spcPts val="0"/>
-                        </a:spcBef>
-                        <a:spcAft>
-                          <a:spcPts val="0"/>
-                        </a:spcAft>
-                        <a:buClrTx/>
-                        <a:buSzTx/>
-                        <a:buFontTx/>
-                        <a:buNone/>
-                        <a:tabLst/>
-                        <a:defRPr/>
-                      </a:pPr>
-                      <a:r>
-                        <a:rPr lang="en-US" sz="2500" dirty="0"/>
-                        <a:t>2015: iOS 9 (- Apple TV)</a:t>
-                      </a:r>
-                    </a:p>
-                  </a:txBody>
-                  <a:tcPr/>
-                </a:tc>
-                <a:tc>
-                  <a:txBody>
-                    <a:bodyPr/>
-                    <a:lstStyle/>
-                    <a:p>
-                      <a:pPr marL="0" marR="0" lvl="0" indent="0" algn="l" defTabSz="914400" rtl="0" eaLnBrk="1" fontAlgn="auto" latinLnBrk="0" hangingPunct="1">
-                        <a:lnSpc>
-                          <a:spcPct val="100000"/>
-                        </a:lnSpc>
-                        <a:spcBef>
-                          <a:spcPts val="0"/>
-                        </a:spcBef>
-                        <a:spcAft>
-                          <a:spcPts val="0"/>
-                        </a:spcAft>
-                        <a:buClrTx/>
-                        <a:buSzTx/>
-                        <a:buFontTx/>
-                        <a:buNone/>
-                        <a:tabLst/>
-                        <a:defRPr/>
-                      </a:pPr>
-                      <a:r>
-                        <a:rPr lang="en-US" sz="2500" dirty="0"/>
-                        <a:t>2015: </a:t>
-                      </a:r>
-                      <a:r>
-                        <a:rPr lang="en-US" sz="2500" dirty="0" err="1"/>
-                        <a:t>tvOS</a:t>
-                      </a:r>
-                      <a:r>
-                        <a:rPr lang="en-US" sz="2500" dirty="0"/>
-                        <a:t> 9 (Apple TV 4</a:t>
-                      </a:r>
-                      <a:r>
-                        <a:rPr lang="en-US" sz="2500" baseline="30000" dirty="0"/>
-                        <a:t>th</a:t>
-                      </a:r>
-                      <a:r>
-                        <a:rPr lang="en-US" sz="2500" dirty="0"/>
-                        <a:t> Gen)</a:t>
-                      </a:r>
-                    </a:p>
-                  </a:txBody>
-                  <a:tcPr/>
-                </a:tc>
-                <a:extLst>
-                  <a:ext uri="{0D108BD9-81ED-4DB2-BD59-A6C34878D82A}">
-                    <a16:rowId xmlns:a16="http://schemas.microsoft.com/office/drawing/2014/main" val="1732135264"/>
-                  </a:ext>
-                </a:extLst>
-              </a:tr>
-              <a:tr h="370840">
-                <a:tc>
-                  <a:txBody>
-                    <a:bodyPr/>
-                    <a:lstStyle/>
-                    <a:p>
-                      <a:r>
-                        <a:rPr lang="en-US" sz="2500" dirty="0"/>
-                        <a:t>2018: iOS 12</a:t>
-                      </a:r>
-                    </a:p>
-                  </a:txBody>
-                  <a:tcPr/>
-                </a:tc>
-                <a:tc>
-                  <a:txBody>
-                    <a:bodyPr/>
-                    <a:lstStyle/>
-                    <a:p>
-                      <a:r>
-                        <a:rPr lang="en-US" sz="2500" dirty="0"/>
-                        <a:t>2018: </a:t>
-                      </a:r>
-                      <a:r>
-                        <a:rPr lang="en-US" sz="2500" dirty="0" err="1"/>
-                        <a:t>tvOS</a:t>
-                      </a:r>
-                      <a:r>
-                        <a:rPr lang="en-US" sz="2500" dirty="0"/>
-                        <a:t> 12</a:t>
-                      </a:r>
-                    </a:p>
-                  </a:txBody>
-                  <a:tcPr/>
-                </a:tc>
-                <a:extLst>
-                  <a:ext uri="{0D108BD9-81ED-4DB2-BD59-A6C34878D82A}">
-                    <a16:rowId xmlns:a16="http://schemas.microsoft.com/office/drawing/2014/main" val="1009376172"/>
-                  </a:ext>
-                </a:extLst>
-              </a:tr>
-            </a:tbl>
-          </a:graphicData>
-        </a:graphic>
-      </p:graphicFrame>
-    </p:spTree>
-    <p:extLst>
-      <p:ext uri="{BB962C8B-B14F-4D97-AF65-F5344CB8AC3E}">
-        <p14:creationId xmlns:p14="http://schemas.microsoft.com/office/powerpoint/2010/main" val="559910178"/>
+        <p14:creationId xmlns:p14="http://schemas.microsoft.com/office/powerpoint/2010/main" val="311272790"/>
       </p:ext>
     </p:extLst>
   </p:cSld>

--- a/Presentation.pptx
+++ b/Presentation.pptx
@@ -8,16 +8,16 @@
     <p:notesMasterId r:id="rId25"/>
   </p:notesMasterIdLst>
   <p:sldIdLst>
-    <p:sldId id="269" r:id="rId2"/>
-    <p:sldId id="256" r:id="rId3"/>
-    <p:sldId id="270" r:id="rId4"/>
-    <p:sldId id="257" r:id="rId5"/>
-    <p:sldId id="258" r:id="rId6"/>
-    <p:sldId id="271" r:id="rId7"/>
-    <p:sldId id="281" r:id="rId8"/>
-    <p:sldId id="260" r:id="rId9"/>
-    <p:sldId id="264" r:id="rId10"/>
-    <p:sldId id="265" r:id="rId11"/>
+    <p:sldId id="284" r:id="rId2"/>
+    <p:sldId id="269" r:id="rId3"/>
+    <p:sldId id="285" r:id="rId4"/>
+    <p:sldId id="270" r:id="rId5"/>
+    <p:sldId id="257" r:id="rId6"/>
+    <p:sldId id="258" r:id="rId7"/>
+    <p:sldId id="260" r:id="rId8"/>
+    <p:sldId id="264" r:id="rId9"/>
+    <p:sldId id="265" r:id="rId10"/>
+    <p:sldId id="286" r:id="rId11"/>
     <p:sldId id="262" r:id="rId12"/>
     <p:sldId id="261" r:id="rId13"/>
     <p:sldId id="266" r:id="rId14"/>
@@ -135,6 +135,1071 @@
     </p:ext>
   </p:extLst>
 </p:presentation>
+</file>
+
+<file path=ppt/charts/chart1.xml><?xml version="1.0" encoding="utf-8"?>
+<c:chartSpace xmlns:c="http://schemas.openxmlformats.org/drawingml/2006/chart" xmlns:a="http://schemas.openxmlformats.org/drawingml/2006/main" xmlns:r="http://schemas.openxmlformats.org/officeDocument/2006/relationships" xmlns:c16r2="http://schemas.microsoft.com/office/drawing/2015/06/chart">
+  <c:date1904 val="0"/>
+  <c:lang val="en-US"/>
+  <c:roundedCorners val="0"/>
+  <mc:AlternateContent xmlns:mc="http://schemas.openxmlformats.org/markup-compatibility/2006">
+    <mc:Choice xmlns:c14="http://schemas.microsoft.com/office/drawing/2007/8/2/chart" Requires="c14">
+      <c14:style val="102"/>
+    </mc:Choice>
+    <mc:Fallback>
+      <c:style val="2"/>
+    </mc:Fallback>
+  </mc:AlternateContent>
+  <c:chart>
+    <c:autoTitleDeleted val="1"/>
+    <c:plotArea>
+      <c:layout/>
+      <c:barChart>
+        <c:barDir val="col"/>
+        <c:grouping val="clustered"/>
+        <c:varyColors val="0"/>
+        <c:ser>
+          <c:idx val="0"/>
+          <c:order val="0"/>
+          <c:tx>
+            <c:strRef>
+              <c:f>Sheet1!$B$1</c:f>
+              <c:strCache>
+                <c:ptCount val="1"/>
+                <c:pt idx="0">
+                  <c:v>2012</c:v>
+                </c:pt>
+              </c:strCache>
+            </c:strRef>
+          </c:tx>
+          <c:spPr>
+            <a:solidFill>
+              <a:schemeClr val="accent1"/>
+            </a:solidFill>
+            <a:ln>
+              <a:noFill/>
+            </a:ln>
+            <a:effectLst/>
+          </c:spPr>
+          <c:invertIfNegative val="0"/>
+          <c:dLbls>
+            <c:dLbl>
+              <c:idx val="0"/>
+              <c:layout>
+                <c:manualLayout>
+                  <c:x val="0"/>
+                  <c:y val="1.1840082930440816E-2"/>
+                </c:manualLayout>
+              </c:layout>
+              <c:dLblPos val="outEnd"/>
+              <c:showLegendKey val="0"/>
+              <c:showVal val="1"/>
+              <c:showCatName val="0"/>
+              <c:showSerName val="0"/>
+              <c:showPercent val="0"/>
+              <c:showBubbleSize val="0"/>
+              <c:extLst>
+                <c:ext xmlns:c15="http://schemas.microsoft.com/office/drawing/2012/chart" uri="{CE6537A1-D6FC-4f65-9D91-7224C49458BB}"/>
+                <c:ext xmlns:c16="http://schemas.microsoft.com/office/drawing/2014/chart" uri="{C3380CC4-5D6E-409C-BE32-E72D297353CC}">
+                  <c16:uniqueId val="{00000003-7913-A441-8581-6C6B13BDFC75}"/>
+                </c:ext>
+              </c:extLst>
+            </c:dLbl>
+            <c:spPr>
+              <a:noFill/>
+              <a:ln>
+                <a:noFill/>
+              </a:ln>
+              <a:effectLst/>
+            </c:spPr>
+            <c:txPr>
+              <a:bodyPr rot="0" spcFirstLastPara="1" vertOverflow="ellipsis" vert="horz" wrap="square" lIns="38100" tIns="19050" rIns="38100" bIns="19050" anchor="ctr" anchorCtr="1">
+                <a:spAutoFit/>
+              </a:bodyPr>
+              <a:lstStyle/>
+              <a:p>
+                <a:pPr>
+                  <a:defRPr sz="1197" b="0" i="0" u="none" strike="noStrike" kern="1200" baseline="0">
+                    <a:solidFill>
+                      <a:schemeClr val="tx1"/>
+                    </a:solidFill>
+                    <a:latin typeface="+mn-lt"/>
+                    <a:ea typeface="+mn-ea"/>
+                    <a:cs typeface="+mn-cs"/>
+                  </a:defRPr>
+                </a:pPr>
+                <a:endParaRPr lang="en-US"/>
+              </a:p>
+            </c:txPr>
+            <c:dLblPos val="inEnd"/>
+            <c:showLegendKey val="0"/>
+            <c:showVal val="1"/>
+            <c:showCatName val="0"/>
+            <c:showSerName val="0"/>
+            <c:showPercent val="0"/>
+            <c:showBubbleSize val="0"/>
+            <c:showLeaderLines val="0"/>
+            <c:extLst>
+              <c:ext xmlns:c15="http://schemas.microsoft.com/office/drawing/2012/chart" uri="{CE6537A1-D6FC-4f65-9D91-7224C49458BB}">
+                <c15:showLeaderLines val="1"/>
+                <c15:leaderLines>
+                  <c:spPr>
+                    <a:ln w="9525" cap="flat" cmpd="sng" algn="ctr">
+                      <a:solidFill>
+                        <a:schemeClr val="tx1">
+                          <a:lumMod val="35000"/>
+                          <a:lumOff val="65000"/>
+                        </a:schemeClr>
+                      </a:solidFill>
+                      <a:round/>
+                    </a:ln>
+                    <a:effectLst/>
+                  </c:spPr>
+                </c15:leaderLines>
+              </c:ext>
+            </c:extLst>
+          </c:dLbls>
+          <c:cat>
+            <c:strRef>
+              <c:f>Sheet1!$A$2</c:f>
+              <c:strCache>
+                <c:ptCount val="1"/>
+                <c:pt idx="0">
+                  <c:v>Sold</c:v>
+                </c:pt>
+              </c:strCache>
+            </c:strRef>
+          </c:cat>
+          <c:val>
+            <c:numRef>
+              <c:f>Sheet1!$B$2</c:f>
+              <c:numCache>
+                <c:formatCode>General</c:formatCode>
+                <c:ptCount val="1"/>
+                <c:pt idx="0">
+                  <c:v>4.2</c:v>
+                </c:pt>
+              </c:numCache>
+            </c:numRef>
+          </c:val>
+          <c:extLst>
+            <c:ext xmlns:c16="http://schemas.microsoft.com/office/drawing/2014/chart" uri="{C3380CC4-5D6E-409C-BE32-E72D297353CC}">
+              <c16:uniqueId val="{00000000-7913-A441-8581-6C6B13BDFC75}"/>
+            </c:ext>
+          </c:extLst>
+        </c:ser>
+        <c:ser>
+          <c:idx val="1"/>
+          <c:order val="1"/>
+          <c:tx>
+            <c:strRef>
+              <c:f>Sheet1!$C$1</c:f>
+              <c:strCache>
+                <c:ptCount val="1"/>
+                <c:pt idx="0">
+                  <c:v>2015</c:v>
+                </c:pt>
+              </c:strCache>
+            </c:strRef>
+          </c:tx>
+          <c:spPr>
+            <a:solidFill>
+              <a:schemeClr val="accent2"/>
+            </a:solidFill>
+            <a:ln>
+              <a:noFill/>
+            </a:ln>
+            <a:effectLst/>
+          </c:spPr>
+          <c:invertIfNegative val="0"/>
+          <c:dLbls>
+            <c:spPr>
+              <a:noFill/>
+              <a:ln>
+                <a:noFill/>
+              </a:ln>
+              <a:effectLst/>
+            </c:spPr>
+            <c:txPr>
+              <a:bodyPr rot="0" spcFirstLastPara="1" vertOverflow="ellipsis" vert="horz" wrap="square" lIns="38100" tIns="19050" rIns="38100" bIns="19050" anchor="ctr" anchorCtr="1">
+                <a:spAutoFit/>
+              </a:bodyPr>
+              <a:lstStyle/>
+              <a:p>
+                <a:pPr>
+                  <a:defRPr sz="1197" b="0" i="0" u="none" strike="noStrike" kern="1200" baseline="0">
+                    <a:solidFill>
+                      <a:schemeClr val="tx1"/>
+                    </a:solidFill>
+                    <a:latin typeface="+mn-lt"/>
+                    <a:ea typeface="+mn-ea"/>
+                    <a:cs typeface="+mn-cs"/>
+                  </a:defRPr>
+                </a:pPr>
+                <a:endParaRPr lang="en-US"/>
+              </a:p>
+            </c:txPr>
+            <c:dLblPos val="inEnd"/>
+            <c:showLegendKey val="0"/>
+            <c:showVal val="1"/>
+            <c:showCatName val="0"/>
+            <c:showSerName val="0"/>
+            <c:showPercent val="0"/>
+            <c:showBubbleSize val="0"/>
+            <c:showLeaderLines val="0"/>
+            <c:extLst>
+              <c:ext xmlns:c15="http://schemas.microsoft.com/office/drawing/2012/chart" uri="{CE6537A1-D6FC-4f65-9D91-7224C49458BB}">
+                <c15:showLeaderLines val="1"/>
+                <c15:leaderLines>
+                  <c:spPr>
+                    <a:ln w="9525" cap="flat" cmpd="sng" algn="ctr">
+                      <a:solidFill>
+                        <a:schemeClr val="tx1">
+                          <a:lumMod val="35000"/>
+                          <a:lumOff val="65000"/>
+                        </a:schemeClr>
+                      </a:solidFill>
+                      <a:round/>
+                    </a:ln>
+                    <a:effectLst/>
+                  </c:spPr>
+                </c15:leaderLines>
+              </c:ext>
+            </c:extLst>
+          </c:dLbls>
+          <c:cat>
+            <c:strRef>
+              <c:f>Sheet1!$A$2</c:f>
+              <c:strCache>
+                <c:ptCount val="1"/>
+                <c:pt idx="0">
+                  <c:v>Sold</c:v>
+                </c:pt>
+              </c:strCache>
+            </c:strRef>
+          </c:cat>
+          <c:val>
+            <c:numRef>
+              <c:f>Sheet1!$C$2</c:f>
+              <c:numCache>
+                <c:formatCode>General</c:formatCode>
+                <c:ptCount val="1"/>
+                <c:pt idx="0">
+                  <c:v>25</c:v>
+                </c:pt>
+              </c:numCache>
+            </c:numRef>
+          </c:val>
+          <c:extLst>
+            <c:ext xmlns:c16="http://schemas.microsoft.com/office/drawing/2014/chart" uri="{C3380CC4-5D6E-409C-BE32-E72D297353CC}">
+              <c16:uniqueId val="{00000001-7913-A441-8581-6C6B13BDFC75}"/>
+            </c:ext>
+          </c:extLst>
+        </c:ser>
+        <c:ser>
+          <c:idx val="2"/>
+          <c:order val="2"/>
+          <c:tx>
+            <c:strRef>
+              <c:f>Sheet1!$D$1</c:f>
+              <c:strCache>
+                <c:ptCount val="1"/>
+                <c:pt idx="0">
+                  <c:v>2017</c:v>
+                </c:pt>
+              </c:strCache>
+            </c:strRef>
+          </c:tx>
+          <c:spPr>
+            <a:solidFill>
+              <a:schemeClr val="accent3"/>
+            </a:solidFill>
+            <a:ln>
+              <a:noFill/>
+            </a:ln>
+            <a:effectLst/>
+          </c:spPr>
+          <c:invertIfNegative val="0"/>
+          <c:dLbls>
+            <c:spPr>
+              <a:noFill/>
+              <a:ln>
+                <a:noFill/>
+              </a:ln>
+              <a:effectLst/>
+            </c:spPr>
+            <c:txPr>
+              <a:bodyPr rot="0" spcFirstLastPara="1" vertOverflow="ellipsis" vert="horz" wrap="square" lIns="38100" tIns="19050" rIns="38100" bIns="19050" anchor="ctr" anchorCtr="1">
+                <a:spAutoFit/>
+              </a:bodyPr>
+              <a:lstStyle/>
+              <a:p>
+                <a:pPr>
+                  <a:defRPr sz="1197" b="0" i="0" u="none" strike="noStrike" kern="1200" baseline="0">
+                    <a:solidFill>
+                      <a:schemeClr val="tx1"/>
+                    </a:solidFill>
+                    <a:latin typeface="+mn-lt"/>
+                    <a:ea typeface="+mn-ea"/>
+                    <a:cs typeface="+mn-cs"/>
+                  </a:defRPr>
+                </a:pPr>
+                <a:endParaRPr lang="en-US"/>
+              </a:p>
+            </c:txPr>
+            <c:dLblPos val="inEnd"/>
+            <c:showLegendKey val="0"/>
+            <c:showVal val="1"/>
+            <c:showCatName val="0"/>
+            <c:showSerName val="0"/>
+            <c:showPercent val="0"/>
+            <c:showBubbleSize val="0"/>
+            <c:showLeaderLines val="0"/>
+            <c:extLst>
+              <c:ext xmlns:c15="http://schemas.microsoft.com/office/drawing/2012/chart" uri="{CE6537A1-D6FC-4f65-9D91-7224C49458BB}">
+                <c15:showLeaderLines val="1"/>
+                <c15:leaderLines>
+                  <c:spPr>
+                    <a:ln w="9525" cap="flat" cmpd="sng" algn="ctr">
+                      <a:solidFill>
+                        <a:schemeClr val="tx1">
+                          <a:lumMod val="35000"/>
+                          <a:lumOff val="65000"/>
+                        </a:schemeClr>
+                      </a:solidFill>
+                      <a:round/>
+                    </a:ln>
+                    <a:effectLst/>
+                  </c:spPr>
+                </c15:leaderLines>
+              </c:ext>
+            </c:extLst>
+          </c:dLbls>
+          <c:cat>
+            <c:strRef>
+              <c:f>Sheet1!$A$2</c:f>
+              <c:strCache>
+                <c:ptCount val="1"/>
+                <c:pt idx="0">
+                  <c:v>Sold</c:v>
+                </c:pt>
+              </c:strCache>
+            </c:strRef>
+          </c:cat>
+          <c:val>
+            <c:numRef>
+              <c:f>Sheet1!$D$2</c:f>
+              <c:numCache>
+                <c:formatCode>General</c:formatCode>
+                <c:ptCount val="1"/>
+                <c:pt idx="0">
+                  <c:v>75</c:v>
+                </c:pt>
+              </c:numCache>
+            </c:numRef>
+          </c:val>
+          <c:extLst>
+            <c:ext xmlns:c16="http://schemas.microsoft.com/office/drawing/2014/chart" uri="{C3380CC4-5D6E-409C-BE32-E72D297353CC}">
+              <c16:uniqueId val="{00000002-7913-A441-8581-6C6B13BDFC75}"/>
+            </c:ext>
+          </c:extLst>
+        </c:ser>
+        <c:dLbls>
+          <c:dLblPos val="inEnd"/>
+          <c:showLegendKey val="0"/>
+          <c:showVal val="1"/>
+          <c:showCatName val="0"/>
+          <c:showSerName val="0"/>
+          <c:showPercent val="0"/>
+          <c:showBubbleSize val="0"/>
+        </c:dLbls>
+        <c:gapWidth val="219"/>
+        <c:overlap val="-27"/>
+        <c:axId val="678321119"/>
+        <c:axId val="678322799"/>
+      </c:barChart>
+      <c:catAx>
+        <c:axId val="678321119"/>
+        <c:scaling>
+          <c:orientation val="minMax"/>
+        </c:scaling>
+        <c:delete val="0"/>
+        <c:axPos val="b"/>
+        <c:numFmt formatCode="General" sourceLinked="1"/>
+        <c:majorTickMark val="none"/>
+        <c:minorTickMark val="none"/>
+        <c:tickLblPos val="nextTo"/>
+        <c:spPr>
+          <a:noFill/>
+          <a:ln w="9525" cap="flat" cmpd="sng" algn="ctr">
+            <a:solidFill>
+              <a:schemeClr val="tx1">
+                <a:lumMod val="15000"/>
+                <a:lumOff val="85000"/>
+              </a:schemeClr>
+            </a:solidFill>
+            <a:round/>
+          </a:ln>
+          <a:effectLst/>
+        </c:spPr>
+        <c:txPr>
+          <a:bodyPr rot="-60000000" spcFirstLastPara="1" vertOverflow="ellipsis" vert="horz" wrap="square" anchor="ctr" anchorCtr="1"/>
+          <a:lstStyle/>
+          <a:p>
+            <a:pPr>
+              <a:defRPr sz="1197" b="0" i="0" u="none" strike="noStrike" kern="1200" baseline="0">
+                <a:solidFill>
+                  <a:schemeClr val="tx1"/>
+                </a:solidFill>
+                <a:latin typeface="+mn-lt"/>
+                <a:ea typeface="+mn-ea"/>
+                <a:cs typeface="+mn-cs"/>
+              </a:defRPr>
+            </a:pPr>
+            <a:endParaRPr lang="en-US"/>
+          </a:p>
+        </c:txPr>
+        <c:crossAx val="678322799"/>
+        <c:crosses val="autoZero"/>
+        <c:auto val="1"/>
+        <c:lblAlgn val="ctr"/>
+        <c:lblOffset val="100"/>
+        <c:noMultiLvlLbl val="0"/>
+      </c:catAx>
+      <c:valAx>
+        <c:axId val="678322799"/>
+        <c:scaling>
+          <c:orientation val="minMax"/>
+        </c:scaling>
+        <c:delete val="0"/>
+        <c:axPos val="l"/>
+        <c:majorGridlines>
+          <c:spPr>
+            <a:ln w="9525" cap="flat" cmpd="sng" algn="ctr">
+              <a:solidFill>
+                <a:schemeClr val="tx1">
+                  <a:lumMod val="15000"/>
+                  <a:lumOff val="85000"/>
+                </a:schemeClr>
+              </a:solidFill>
+              <a:round/>
+            </a:ln>
+            <a:effectLst/>
+          </c:spPr>
+        </c:majorGridlines>
+        <c:numFmt formatCode="General" sourceLinked="1"/>
+        <c:majorTickMark val="none"/>
+        <c:minorTickMark val="none"/>
+        <c:tickLblPos val="nextTo"/>
+        <c:spPr>
+          <a:noFill/>
+          <a:ln>
+            <a:noFill/>
+          </a:ln>
+          <a:effectLst/>
+        </c:spPr>
+        <c:txPr>
+          <a:bodyPr rot="-60000000" spcFirstLastPara="1" vertOverflow="ellipsis" vert="horz" wrap="square" anchor="ctr" anchorCtr="1"/>
+          <a:lstStyle/>
+          <a:p>
+            <a:pPr>
+              <a:defRPr sz="1197" b="0" i="0" u="none" strike="noStrike" kern="1200" baseline="0">
+                <a:solidFill>
+                  <a:schemeClr val="tx1"/>
+                </a:solidFill>
+                <a:latin typeface="+mn-lt"/>
+                <a:ea typeface="+mn-ea"/>
+                <a:cs typeface="+mn-cs"/>
+              </a:defRPr>
+            </a:pPr>
+            <a:endParaRPr lang="en-US"/>
+          </a:p>
+        </c:txPr>
+        <c:crossAx val="678321119"/>
+        <c:crosses val="autoZero"/>
+        <c:crossBetween val="between"/>
+      </c:valAx>
+      <c:spPr>
+        <a:noFill/>
+        <a:ln>
+          <a:noFill/>
+        </a:ln>
+        <a:effectLst/>
+      </c:spPr>
+    </c:plotArea>
+    <c:legend>
+      <c:legendPos val="b"/>
+      <c:overlay val="0"/>
+      <c:spPr>
+        <a:noFill/>
+        <a:ln>
+          <a:noFill/>
+        </a:ln>
+        <a:effectLst/>
+      </c:spPr>
+      <c:txPr>
+        <a:bodyPr rot="0" spcFirstLastPara="1" vertOverflow="ellipsis" vert="horz" wrap="square" anchor="ctr" anchorCtr="1"/>
+        <a:lstStyle/>
+        <a:p>
+          <a:pPr>
+            <a:defRPr sz="1197" b="0" i="0" u="none" strike="noStrike" kern="1200" baseline="0">
+              <a:solidFill>
+                <a:schemeClr val="tx1"/>
+              </a:solidFill>
+              <a:latin typeface="+mn-lt"/>
+              <a:ea typeface="+mn-ea"/>
+              <a:cs typeface="+mn-cs"/>
+            </a:defRPr>
+          </a:pPr>
+          <a:endParaRPr lang="en-US"/>
+        </a:p>
+      </c:txPr>
+    </c:legend>
+    <c:plotVisOnly val="1"/>
+    <c:dispBlanksAs val="gap"/>
+    <c:extLst>
+      <c:ext xmlns:c16r3="http://schemas.microsoft.com/office/drawing/2017/03/chart" uri="{56B9EC1D-385E-4148-901F-78D8002777C0}">
+        <c16r3:dataDisplayOptions16>
+          <c16r3:dispNaAsBlank val="1"/>
+        </c16r3:dataDisplayOptions16>
+      </c:ext>
+    </c:extLst>
+    <c:showDLblsOverMax val="0"/>
+  </c:chart>
+  <c:spPr>
+    <a:noFill/>
+    <a:ln>
+      <a:noFill/>
+    </a:ln>
+    <a:effectLst/>
+  </c:spPr>
+  <c:txPr>
+    <a:bodyPr/>
+    <a:lstStyle/>
+    <a:p>
+      <a:pPr>
+        <a:defRPr/>
+      </a:pPr>
+      <a:endParaRPr lang="en-US"/>
+    </a:p>
+  </c:txPr>
+  <c:externalData r:id="rId3">
+    <c:autoUpdate val="0"/>
+  </c:externalData>
+</c:chartSpace>
+</file>
+
+<file path=ppt/charts/colors1.xml><?xml version="1.0" encoding="utf-8"?>
+<cs:colorStyle xmlns:cs="http://schemas.microsoft.com/office/drawing/2012/chartStyle" xmlns:a="http://schemas.openxmlformats.org/drawingml/2006/main" meth="cycle" id="10">
+  <a:schemeClr val="accent1"/>
+  <a:schemeClr val="accent2"/>
+  <a:schemeClr val="accent3"/>
+  <a:schemeClr val="accent4"/>
+  <a:schemeClr val="accent5"/>
+  <a:schemeClr val="accent6"/>
+  <cs:variation/>
+  <cs:variation>
+    <a:lumMod val="60000"/>
+  </cs:variation>
+  <cs:variation>
+    <a:lumMod val="80000"/>
+    <a:lumOff val="20000"/>
+  </cs:variation>
+  <cs:variation>
+    <a:lumMod val="80000"/>
+  </cs:variation>
+  <cs:variation>
+    <a:lumMod val="60000"/>
+    <a:lumOff val="40000"/>
+  </cs:variation>
+  <cs:variation>
+    <a:lumMod val="50000"/>
+  </cs:variation>
+  <cs:variation>
+    <a:lumMod val="70000"/>
+    <a:lumOff val="30000"/>
+  </cs:variation>
+  <cs:variation>
+    <a:lumMod val="70000"/>
+  </cs:variation>
+  <cs:variation>
+    <a:lumMod val="50000"/>
+    <a:lumOff val="50000"/>
+  </cs:variation>
+</cs:colorStyle>
+</file>
+
+<file path=ppt/charts/style1.xml><?xml version="1.0" encoding="utf-8"?>
+<cs:chartStyle xmlns:cs="http://schemas.microsoft.com/office/drawing/2012/chartStyle" xmlns:a="http://schemas.openxmlformats.org/drawingml/2006/main" id="201">
+  <cs:axisTitle>
+    <cs:lnRef idx="0"/>
+    <cs:fillRef idx="0"/>
+    <cs:effectRef idx="0"/>
+    <cs:fontRef idx="minor">
+      <a:schemeClr val="tx1"/>
+    </cs:fontRef>
+    <cs:defRPr sz="1330" kern="1200"/>
+  </cs:axisTitle>
+  <cs:categoryAxis>
+    <cs:lnRef idx="0"/>
+    <cs:fillRef idx="0"/>
+    <cs:effectRef idx="0"/>
+    <cs:fontRef idx="minor">
+      <a:schemeClr val="tx1"/>
+    </cs:fontRef>
+    <cs:spPr>
+      <a:ln w="9525" cap="flat" cmpd="sng" algn="ctr">
+        <a:solidFill>
+          <a:schemeClr val="tx1">
+            <a:lumMod val="15000"/>
+            <a:lumOff val="85000"/>
+          </a:schemeClr>
+        </a:solidFill>
+        <a:round/>
+      </a:ln>
+    </cs:spPr>
+    <cs:defRPr sz="1197" kern="1200"/>
+  </cs:categoryAxis>
+  <cs:chartArea mods="allowNoFillOverride allowNoLineOverride">
+    <cs:lnRef idx="0"/>
+    <cs:fillRef idx="0"/>
+    <cs:effectRef idx="0"/>
+    <cs:fontRef idx="minor">
+      <a:schemeClr val="tx1"/>
+    </cs:fontRef>
+    <cs:spPr>
+      <a:solidFill>
+        <a:schemeClr val="bg1"/>
+      </a:solidFill>
+      <a:ln w="9525" cap="flat" cmpd="sng" algn="ctr">
+        <a:solidFill>
+          <a:schemeClr val="tx1">
+            <a:lumMod val="15000"/>
+            <a:lumOff val="85000"/>
+          </a:schemeClr>
+        </a:solidFill>
+        <a:round/>
+      </a:ln>
+    </cs:spPr>
+    <cs:defRPr sz="1330" kern="1200"/>
+  </cs:chartArea>
+  <cs:dataLabel>
+    <cs:lnRef idx="0"/>
+    <cs:fillRef idx="0"/>
+    <cs:effectRef idx="0"/>
+    <cs:fontRef idx="minor">
+      <a:schemeClr val="tx1"/>
+    </cs:fontRef>
+    <cs:defRPr sz="1197" kern="1200"/>
+  </cs:dataLabel>
+  <cs:dataLabelCallout>
+    <cs:lnRef idx="0"/>
+    <cs:fillRef idx="0"/>
+    <cs:effectRef idx="0"/>
+    <cs:fontRef idx="minor">
+      <a:schemeClr val="dk1"/>
+    </cs:fontRef>
+    <cs:spPr>
+      <a:solidFill>
+        <a:schemeClr val="lt1"/>
+      </a:solidFill>
+      <a:ln>
+        <a:solidFill>
+          <a:schemeClr val="dk1">
+            <a:lumMod val="25000"/>
+            <a:lumOff val="75000"/>
+          </a:schemeClr>
+        </a:solidFill>
+      </a:ln>
+    </cs:spPr>
+    <cs:defRPr sz="1197" kern="1200"/>
+    <cs:bodyPr rot="0" spcFirstLastPara="1" vertOverflow="clip" horzOverflow="clip" vert="horz" wrap="square" lIns="36576" tIns="18288" rIns="36576" bIns="18288" anchor="ctr" anchorCtr="1">
+      <a:spAutoFit/>
+    </cs:bodyPr>
+  </cs:dataLabelCallout>
+  <cs:dataPoint>
+    <cs:lnRef idx="0"/>
+    <cs:fillRef idx="1">
+      <cs:styleClr val="auto"/>
+    </cs:fillRef>
+    <cs:effectRef idx="0"/>
+    <cs:fontRef idx="minor">
+      <a:schemeClr val="tx1"/>
+    </cs:fontRef>
+  </cs:dataPoint>
+  <cs:dataPoint3D>
+    <cs:lnRef idx="0"/>
+    <cs:fillRef idx="1">
+      <cs:styleClr val="auto"/>
+    </cs:fillRef>
+    <cs:effectRef idx="0"/>
+    <cs:fontRef idx="minor">
+      <a:schemeClr val="tx1"/>
+    </cs:fontRef>
+  </cs:dataPoint3D>
+  <cs:dataPointLine>
+    <cs:lnRef idx="0">
+      <cs:styleClr val="auto"/>
+    </cs:lnRef>
+    <cs:fillRef idx="1"/>
+    <cs:effectRef idx="0"/>
+    <cs:fontRef idx="minor">
+      <a:schemeClr val="tx1"/>
+    </cs:fontRef>
+    <cs:spPr>
+      <a:ln w="28575" cap="rnd">
+        <a:solidFill>
+          <a:schemeClr val="phClr"/>
+        </a:solidFill>
+        <a:round/>
+      </a:ln>
+    </cs:spPr>
+  </cs:dataPointLine>
+  <cs:dataPointMarker>
+    <cs:lnRef idx="0">
+      <cs:styleClr val="auto"/>
+    </cs:lnRef>
+    <cs:fillRef idx="1">
+      <cs:styleClr val="auto"/>
+    </cs:fillRef>
+    <cs:effectRef idx="0"/>
+    <cs:fontRef idx="minor">
+      <a:schemeClr val="tx1"/>
+    </cs:fontRef>
+    <cs:spPr>
+      <a:ln w="9525">
+        <a:solidFill>
+          <a:schemeClr val="phClr"/>
+        </a:solidFill>
+      </a:ln>
+    </cs:spPr>
+  </cs:dataPointMarker>
+  <cs:dataPointMarkerLayout symbol="circle" size="5"/>
+  <cs:dataPointWireframe>
+    <cs:lnRef idx="0">
+      <cs:styleClr val="auto"/>
+    </cs:lnRef>
+    <cs:fillRef idx="1"/>
+    <cs:effectRef idx="0"/>
+    <cs:fontRef idx="minor">
+      <a:schemeClr val="tx1"/>
+    </cs:fontRef>
+    <cs:spPr>
+      <a:ln w="9525" cap="rnd">
+        <a:solidFill>
+          <a:schemeClr val="phClr"/>
+        </a:solidFill>
+        <a:round/>
+      </a:ln>
+    </cs:spPr>
+  </cs:dataPointWireframe>
+  <cs:dataTable>
+    <cs:lnRef idx="0"/>
+    <cs:fillRef idx="0"/>
+    <cs:effectRef idx="0"/>
+    <cs:fontRef idx="minor">
+      <a:schemeClr val="tx1"/>
+    </cs:fontRef>
+    <cs:spPr>
+      <a:noFill/>
+      <a:ln w="9525" cap="flat" cmpd="sng" algn="ctr">
+        <a:solidFill>
+          <a:schemeClr val="tx1">
+            <a:lumMod val="15000"/>
+            <a:lumOff val="85000"/>
+          </a:schemeClr>
+        </a:solidFill>
+        <a:round/>
+      </a:ln>
+    </cs:spPr>
+    <cs:defRPr sz="1197" kern="1200"/>
+  </cs:dataTable>
+  <cs:downBar>
+    <cs:lnRef idx="0"/>
+    <cs:fillRef idx="0"/>
+    <cs:effectRef idx="0"/>
+    <cs:fontRef idx="minor">
+      <a:schemeClr val="dk1"/>
+    </cs:fontRef>
+    <cs:spPr>
+      <a:solidFill>
+        <a:schemeClr val="dk1">
+          <a:lumMod val="65000"/>
+          <a:lumOff val="35000"/>
+        </a:schemeClr>
+      </a:solidFill>
+      <a:ln w="9525">
+        <a:solidFill>
+          <a:schemeClr val="tx1">
+            <a:lumMod val="65000"/>
+            <a:lumOff val="35000"/>
+          </a:schemeClr>
+        </a:solidFill>
+      </a:ln>
+    </cs:spPr>
+  </cs:downBar>
+  <cs:dropLine>
+    <cs:lnRef idx="0"/>
+    <cs:fillRef idx="0"/>
+    <cs:effectRef idx="0"/>
+    <cs:fontRef idx="minor">
+      <a:schemeClr val="tx1"/>
+    </cs:fontRef>
+    <cs:spPr>
+      <a:ln w="9525" cap="flat" cmpd="sng" algn="ctr">
+        <a:solidFill>
+          <a:schemeClr val="tx1">
+            <a:lumMod val="35000"/>
+            <a:lumOff val="65000"/>
+          </a:schemeClr>
+        </a:solidFill>
+        <a:round/>
+      </a:ln>
+    </cs:spPr>
+  </cs:dropLine>
+  <cs:errorBar>
+    <cs:lnRef idx="0"/>
+    <cs:fillRef idx="0"/>
+    <cs:effectRef idx="0"/>
+    <cs:fontRef idx="minor">
+      <a:schemeClr val="tx1"/>
+    </cs:fontRef>
+    <cs:spPr>
+      <a:ln w="9525" cap="flat" cmpd="sng" algn="ctr">
+        <a:solidFill>
+          <a:schemeClr val="tx1">
+            <a:lumMod val="65000"/>
+            <a:lumOff val="35000"/>
+          </a:schemeClr>
+        </a:solidFill>
+        <a:round/>
+      </a:ln>
+    </cs:spPr>
+  </cs:errorBar>
+  <cs:floor>
+    <cs:lnRef idx="0"/>
+    <cs:fillRef idx="0"/>
+    <cs:effectRef idx="0"/>
+    <cs:fontRef idx="minor">
+      <a:schemeClr val="tx1"/>
+    </cs:fontRef>
+    <cs:spPr>
+      <a:noFill/>
+      <a:ln>
+        <a:noFill/>
+      </a:ln>
+    </cs:spPr>
+  </cs:floor>
+  <cs:gridlineMajor>
+    <cs:lnRef idx="0"/>
+    <cs:fillRef idx="0"/>
+    <cs:effectRef idx="0"/>
+    <cs:fontRef idx="minor">
+      <a:schemeClr val="tx1"/>
+    </cs:fontRef>
+    <cs:spPr>
+      <a:ln w="9525" cap="flat" cmpd="sng" algn="ctr">
+        <a:solidFill>
+          <a:schemeClr val="tx1">
+            <a:lumMod val="15000"/>
+            <a:lumOff val="85000"/>
+          </a:schemeClr>
+        </a:solidFill>
+        <a:round/>
+      </a:ln>
+    </cs:spPr>
+  </cs:gridlineMajor>
+  <cs:gridlineMinor>
+    <cs:lnRef idx="0"/>
+    <cs:fillRef idx="0"/>
+    <cs:effectRef idx="0"/>
+    <cs:fontRef idx="minor">
+      <a:schemeClr val="tx1"/>
+    </cs:fontRef>
+    <cs:spPr>
+      <a:ln w="9525" cap="flat" cmpd="sng" algn="ctr">
+        <a:solidFill>
+          <a:schemeClr val="tx1">
+            <a:lumMod val="5000"/>
+            <a:lumOff val="95000"/>
+          </a:schemeClr>
+        </a:solidFill>
+        <a:round/>
+      </a:ln>
+    </cs:spPr>
+  </cs:gridlineMinor>
+  <cs:hiLoLine>
+    <cs:lnRef idx="0"/>
+    <cs:fillRef idx="0"/>
+    <cs:effectRef idx="0"/>
+    <cs:fontRef idx="minor">
+      <a:schemeClr val="tx1"/>
+    </cs:fontRef>
+    <cs:spPr>
+      <a:ln w="9525" cap="flat" cmpd="sng" algn="ctr">
+        <a:solidFill>
+          <a:schemeClr val="tx1">
+            <a:lumMod val="75000"/>
+            <a:lumOff val="25000"/>
+          </a:schemeClr>
+        </a:solidFill>
+        <a:round/>
+      </a:ln>
+    </cs:spPr>
+  </cs:hiLoLine>
+  <cs:leaderLine>
+    <cs:lnRef idx="0"/>
+    <cs:fillRef idx="0"/>
+    <cs:effectRef idx="0"/>
+    <cs:fontRef idx="minor">
+      <a:schemeClr val="tx1"/>
+    </cs:fontRef>
+    <cs:spPr>
+      <a:ln w="9525" cap="flat" cmpd="sng" algn="ctr">
+        <a:solidFill>
+          <a:schemeClr val="tx1">
+            <a:lumMod val="35000"/>
+            <a:lumOff val="65000"/>
+          </a:schemeClr>
+        </a:solidFill>
+        <a:round/>
+      </a:ln>
+    </cs:spPr>
+  </cs:leaderLine>
+  <cs:legend>
+    <cs:lnRef idx="0"/>
+    <cs:fillRef idx="0"/>
+    <cs:effectRef idx="0"/>
+    <cs:fontRef idx="minor">
+      <a:schemeClr val="tx1"/>
+    </cs:fontRef>
+    <cs:defRPr sz="1197" kern="1200"/>
+  </cs:legend>
+  <cs:plotArea mods="allowNoFillOverride allowNoLineOverride">
+    <cs:lnRef idx="0"/>
+    <cs:fillRef idx="0"/>
+    <cs:effectRef idx="0"/>
+    <cs:fontRef idx="minor">
+      <a:schemeClr val="tx1"/>
+    </cs:fontRef>
+  </cs:plotArea>
+  <cs:plotArea3D mods="allowNoFillOverride allowNoLineOverride">
+    <cs:lnRef idx="0"/>
+    <cs:fillRef idx="0"/>
+    <cs:effectRef idx="0"/>
+    <cs:fontRef idx="minor">
+      <a:schemeClr val="tx1"/>
+    </cs:fontRef>
+  </cs:plotArea3D>
+  <cs:seriesAxis>
+    <cs:lnRef idx="0"/>
+    <cs:fillRef idx="0"/>
+    <cs:effectRef idx="0"/>
+    <cs:fontRef idx="minor">
+      <a:schemeClr val="tx1"/>
+    </cs:fontRef>
+    <cs:defRPr sz="1197" kern="1200"/>
+  </cs:seriesAxis>
+  <cs:seriesLine>
+    <cs:lnRef idx="0"/>
+    <cs:fillRef idx="0"/>
+    <cs:effectRef idx="0"/>
+    <cs:fontRef idx="minor">
+      <a:schemeClr val="tx1"/>
+    </cs:fontRef>
+    <cs:spPr>
+      <a:ln w="9525" cap="flat" cmpd="sng" algn="ctr">
+        <a:solidFill>
+          <a:schemeClr val="tx1">
+            <a:lumMod val="35000"/>
+            <a:lumOff val="65000"/>
+          </a:schemeClr>
+        </a:solidFill>
+        <a:round/>
+      </a:ln>
+    </cs:spPr>
+  </cs:seriesLine>
+  <cs:title>
+    <cs:lnRef idx="0"/>
+    <cs:fillRef idx="0"/>
+    <cs:effectRef idx="0"/>
+    <cs:fontRef idx="minor">
+      <a:schemeClr val="tx1"/>
+    </cs:fontRef>
+    <cs:defRPr sz="1862" b="0" kern="1200" spc="0" baseline="0"/>
+  </cs:title>
+  <cs:trendline>
+    <cs:lnRef idx="0">
+      <cs:styleClr val="auto"/>
+    </cs:lnRef>
+    <cs:fillRef idx="0"/>
+    <cs:effectRef idx="0"/>
+    <cs:fontRef idx="minor">
+      <a:schemeClr val="tx1"/>
+    </cs:fontRef>
+    <cs:spPr>
+      <a:ln w="19050" cap="rnd">
+        <a:solidFill>
+          <a:schemeClr val="phClr"/>
+        </a:solidFill>
+        <a:prstDash val="sysDot"/>
+      </a:ln>
+    </cs:spPr>
+  </cs:trendline>
+  <cs:trendlineLabel>
+    <cs:lnRef idx="0"/>
+    <cs:fillRef idx="0"/>
+    <cs:effectRef idx="0"/>
+    <cs:fontRef idx="minor">
+      <a:schemeClr val="tx1"/>
+    </cs:fontRef>
+    <cs:defRPr sz="1197" kern="1200"/>
+  </cs:trendlineLabel>
+  <cs:upBar>
+    <cs:lnRef idx="0"/>
+    <cs:fillRef idx="0"/>
+    <cs:effectRef idx="0"/>
+    <cs:fontRef idx="minor">
+      <a:schemeClr val="dk1"/>
+    </cs:fontRef>
+    <cs:spPr>
+      <a:solidFill>
+        <a:schemeClr val="lt1"/>
+      </a:solidFill>
+      <a:ln w="9525">
+        <a:solidFill>
+          <a:schemeClr val="tx1">
+            <a:lumMod val="15000"/>
+            <a:lumOff val="85000"/>
+          </a:schemeClr>
+        </a:solidFill>
+      </a:ln>
+    </cs:spPr>
+  </cs:upBar>
+  <cs:valueAxis>
+    <cs:lnRef idx="0"/>
+    <cs:fillRef idx="0"/>
+    <cs:effectRef idx="0"/>
+    <cs:fontRef idx="minor">
+      <a:schemeClr val="tx1"/>
+    </cs:fontRef>
+    <cs:defRPr sz="1197" kern="1200"/>
+  </cs:valueAxis>
+  <cs:wall>
+    <cs:lnRef idx="0"/>
+    <cs:fillRef idx="0"/>
+    <cs:effectRef idx="0"/>
+    <cs:fontRef idx="minor">
+      <a:schemeClr val="tx1"/>
+    </cs:fontRef>
+    <cs:spPr>
+      <a:noFill/>
+      <a:ln>
+        <a:noFill/>
+      </a:ln>
+    </cs:spPr>
+  </cs:wall>
+</cs:chartStyle>
 </file>
 
 <file path=ppt/diagrams/colors1.xml><?xml version="1.0" encoding="utf-8"?>
@@ -2859,7 +3924,7 @@
           <a:p>
             <a:fld id="{72D9CB7B-650F-8246-A3D9-0A62D3A19714}" type="datetimeFigureOut">
               <a:rPr lang="en-US" smtClean="0"/>
-              <a:t>8/27/18</a:t>
+              <a:t>9/18/18</a:t>
             </a:fld>
             <a:endParaRPr lang="en-US"/>
           </a:p>
@@ -3170,23 +4235,18 @@
           <a:bodyPr/>
           <a:lstStyle/>
           <a:p>
-            <a:pPr marL="171450" indent="-171450">
-              <a:buFontTx/>
-              <a:buChar char="-"/>
-            </a:pPr>
             <a:r>
               <a:rPr lang="en-US" dirty="0"/>
-              <a:t>Welcome</a:t>
-            </a:r>
-          </a:p>
-          <a:p>
-            <a:pPr marL="171450" indent="-171450">
-              <a:buFontTx/>
-              <a:buChar char="-"/>
-            </a:pPr>
+              <a:t>Hello everyone. Welcome to iOS meetup October 2018. </a:t>
+            </a:r>
+          </a:p>
+          <a:p>
+            <a:endParaRPr lang="en-US" dirty="0"/>
+          </a:p>
+          <a:p>
             <a:r>
               <a:rPr lang="en-US" dirty="0"/>
-              <a:t>Introduce about myself</a:t>
+              <a:t>Today in my talk, I would like to introduce to you one way that can potentially raise up your revenue. Sound attractive right? Let get starting! </a:t>
             </a:r>
           </a:p>
         </p:txBody>
@@ -3217,7 +4277,7 @@
     </p:spTree>
     <p:extLst>
       <p:ext uri="{BB962C8B-B14F-4D97-AF65-F5344CB8AC3E}">
-        <p14:creationId xmlns:p14="http://schemas.microsoft.com/office/powerpoint/2010/main" val="1425227910"/>
+        <p14:creationId xmlns:p14="http://schemas.microsoft.com/office/powerpoint/2010/main" val="782359286"/>
       </p:ext>
     </p:extLst>
   </p:cSld>
@@ -3271,13 +4331,22 @@
           <a:bodyPr/>
           <a:lstStyle/>
           <a:p>
+            <a:r>
+              <a:rPr lang="en-US" dirty="0"/>
+              <a:t>Which is also around 18% of the whole market (beside Apple TV is Android TV, Xiaomi TV, Roku TV,…)</a:t>
+            </a:r>
+          </a:p>
+          <a:p>
+            <a:endParaRPr lang="en-US" dirty="0"/>
+          </a:p>
+          <a:p>
             <a:pPr marL="171450" indent="-171450">
               <a:buFontTx/>
               <a:buChar char="-"/>
             </a:pPr>
             <a:r>
               <a:rPr lang="en-US" dirty="0"/>
-              <a:t>Different devices, one use touch on the screen, and one use the remote</a:t>
+              <a:t>To make it easier to imagine, there are 1.2b iPhone + … meanwhile only have 75m Apple TV in end of 2017. (quite humble?)</a:t>
             </a:r>
           </a:p>
           <a:p>
@@ -3286,18 +4355,36 @@
               <a:buChar char="-"/>
             </a:pPr>
             <a:r>
+              <a:rPr lang="en-US" sz="1200" dirty="0">
+                <a:solidFill>
+                  <a:srgbClr val="FF0000"/>
+                </a:solidFill>
+              </a:rPr>
+              <a:t> (1.2b iPhone + 0.3b iPad + 0.5b iPod)</a:t>
+            </a:r>
+          </a:p>
+          <a:p>
+            <a:endParaRPr lang="en-US" dirty="0"/>
+          </a:p>
+          <a:p>
+            <a:r>
               <a:rPr lang="en-US" dirty="0"/>
-              <a:t>Layout is different, size and color. iOS scroll vertical mostly meanwhile on Apple TV prefer to scroll horizontally</a:t>
-            </a:r>
-          </a:p>
-          <a:p>
-            <a:pPr marL="171450" indent="-171450">
-              <a:buFontTx/>
-              <a:buChar char="-"/>
-            </a:pPr>
+              <a:t>Look at the chart we can see the increasement is significant </a:t>
+            </a:r>
+          </a:p>
+          <a:p>
             <a:r>
               <a:rPr lang="en-US" dirty="0"/>
-              <a:t>iOS need to care with orientation as well as multitasking on iPad (compact and regular) meanwhile on </a:t>
+              <a:t>And we can hope about the wider market will come in the soon future</a:t>
+            </a:r>
+          </a:p>
+          <a:p>
+            <a:endParaRPr lang="en-US" dirty="0"/>
+          </a:p>
+          <a:p>
+            <a:r>
+              <a:rPr lang="en-US" dirty="0"/>
+              <a:t>In 2016 there are 8k apps for </a:t>
             </a:r>
             <a:r>
               <a:rPr lang="en-US" dirty="0" err="1"/>
@@ -3305,18 +4392,8 @@
             </a:r>
             <a:r>
               <a:rPr lang="en-US" dirty="0"/>
-              <a:t> need to care about light and dark</a:t>
-            </a:r>
-          </a:p>
-          <a:p>
-            <a:pPr marL="171450" indent="-171450">
-              <a:buFontTx/>
-              <a:buChar char="-"/>
-            </a:pPr>
-            <a:endParaRPr lang="en-US" dirty="0"/>
-          </a:p>
-          <a:p>
-            <a:endParaRPr lang="en-US" dirty="0"/>
+              <a:t> (2k is game)</a:t>
+            </a:r>
           </a:p>
         </p:txBody>
       </p:sp>
@@ -3337,7 +4414,7 @@
           <a:p>
             <a:fld id="{021361DD-1E38-BB4A-B605-BA873CC7A43C}" type="slidenum">
               <a:rPr lang="en-US" smtClean="0"/>
-              <a:t>14</a:t>
+              <a:t>10</a:t>
             </a:fld>
             <a:endParaRPr lang="en-US"/>
           </a:p>
@@ -3346,7 +4423,7 @@
     </p:spTree>
     <p:extLst>
       <p:ext uri="{BB962C8B-B14F-4D97-AF65-F5344CB8AC3E}">
-        <p14:creationId xmlns:p14="http://schemas.microsoft.com/office/powerpoint/2010/main" val="1786426012"/>
+        <p14:creationId xmlns:p14="http://schemas.microsoft.com/office/powerpoint/2010/main" val="3453312972"/>
       </p:ext>
     </p:extLst>
   </p:cSld>
@@ -3400,6 +4477,965 @@
           <a:bodyPr/>
           <a:lstStyle/>
           <a:p>
+            <a:pPr fontAlgn="base"/>
+            <a:r>
+              <a:rPr lang="en-US" sz="1200" kern="1200" dirty="0">
+                <a:solidFill>
+                  <a:schemeClr val="tx1"/>
+                </a:solidFill>
+                <a:effectLst/>
+                <a:latin typeface="+mn-lt"/>
+                <a:ea typeface="+mn-ea"/>
+                <a:cs typeface="+mn-cs"/>
+              </a:rPr>
+              <a:t>The process for creating apps for Apple TV is similar to the process for creating iOS apps. You can create games, utility apps, media apps, and more using the same techniques and frameworks used by iOS. New and existing apps can target both iOS and the new Apple TV, allowing for unprecedented multiplayer options.</a:t>
+            </a:r>
+          </a:p>
+          <a:p>
+            <a:endParaRPr lang="en-US" sz="1200" b="0" i="0" kern="1200" dirty="0">
+              <a:solidFill>
+                <a:schemeClr val="tx1"/>
+              </a:solidFill>
+              <a:effectLst/>
+              <a:latin typeface="+mn-lt"/>
+              <a:ea typeface="+mn-ea"/>
+              <a:cs typeface="+mn-cs"/>
+            </a:endParaRPr>
+          </a:p>
+          <a:p>
+            <a:r>
+              <a:rPr lang="en-US" sz="1200" b="0" i="0" kern="1200" dirty="0">
+                <a:solidFill>
+                  <a:schemeClr val="tx1"/>
+                </a:solidFill>
+                <a:effectLst/>
+                <a:latin typeface="+mn-lt"/>
+                <a:ea typeface="+mn-ea"/>
+                <a:cs typeface="+mn-cs"/>
+              </a:rPr>
+              <a:t>Apple TV makes it easier to create client-server apps, whose primary purpose is to stream media, using web technologies such as HTTPS, </a:t>
+            </a:r>
+            <a:r>
+              <a:rPr lang="en-US" sz="1200" b="0" i="0" kern="1200" dirty="0" err="1">
+                <a:solidFill>
+                  <a:schemeClr val="tx1"/>
+                </a:solidFill>
+                <a:effectLst/>
+                <a:latin typeface="+mn-lt"/>
+                <a:ea typeface="+mn-ea"/>
+                <a:cs typeface="+mn-cs"/>
+              </a:rPr>
+              <a:t>XMLHTTPRequest</a:t>
+            </a:r>
+            <a:r>
+              <a:rPr lang="en-US" sz="1200" b="0" i="0" kern="1200" dirty="0">
+                <a:solidFill>
+                  <a:schemeClr val="tx1"/>
+                </a:solidFill>
+                <a:effectLst/>
+                <a:latin typeface="+mn-lt"/>
+                <a:ea typeface="+mn-ea"/>
+                <a:cs typeface="+mn-cs"/>
+              </a:rPr>
+              <a:t>, DOM, and JavaScript. You use Apple’s custom markup language, TVML, to create interfaces, and you specify app behaviors using JavaScript. The </a:t>
+            </a:r>
+            <a:r>
+              <a:rPr lang="en-US" sz="1200" b="0" i="0" kern="1200" dirty="0" err="1">
+                <a:solidFill>
+                  <a:schemeClr val="tx1"/>
+                </a:solidFill>
+                <a:effectLst/>
+                <a:latin typeface="+mn-lt"/>
+                <a:ea typeface="+mn-ea"/>
+                <a:cs typeface="+mn-cs"/>
+              </a:rPr>
+              <a:t>TVMLKit</a:t>
+            </a:r>
+            <a:r>
+              <a:rPr lang="en-US" sz="1200" b="0" i="0" kern="1200" dirty="0">
+                <a:solidFill>
+                  <a:schemeClr val="tx1"/>
+                </a:solidFill>
+                <a:effectLst/>
+                <a:latin typeface="+mn-lt"/>
+                <a:ea typeface="+mn-ea"/>
+                <a:cs typeface="+mn-cs"/>
+              </a:rPr>
+              <a:t> framework provides the bridge between your native code and the JavaScript code in your user interface</a:t>
+            </a:r>
+          </a:p>
+          <a:p>
+            <a:endParaRPr lang="en-US" sz="1200" b="0" i="0" kern="1200" dirty="0">
+              <a:solidFill>
+                <a:schemeClr val="tx1"/>
+              </a:solidFill>
+              <a:effectLst/>
+              <a:latin typeface="+mn-lt"/>
+              <a:ea typeface="+mn-ea"/>
+              <a:cs typeface="+mn-cs"/>
+            </a:endParaRPr>
+          </a:p>
+          <a:p>
+            <a:endParaRPr lang="en-US" sz="1200" b="0" i="0" kern="1200" dirty="0">
+              <a:solidFill>
+                <a:schemeClr val="tx1"/>
+              </a:solidFill>
+              <a:effectLst/>
+              <a:latin typeface="+mn-lt"/>
+              <a:ea typeface="+mn-ea"/>
+              <a:cs typeface="+mn-cs"/>
+            </a:endParaRPr>
+          </a:p>
+          <a:p>
+            <a:r>
+              <a:rPr lang="en-US" sz="1200" b="0" i="0" kern="1200" dirty="0">
+                <a:solidFill>
+                  <a:schemeClr val="tx1"/>
+                </a:solidFill>
+                <a:effectLst/>
+                <a:latin typeface="+mn-lt"/>
+                <a:ea typeface="+mn-ea"/>
+                <a:cs typeface="+mn-cs"/>
+              </a:rPr>
+              <a:t>Update:</a:t>
+            </a:r>
+          </a:p>
+          <a:p>
+            <a:r>
+              <a:rPr lang="en-US" sz="1200" b="0" i="0" kern="1200" dirty="0">
+                <a:solidFill>
+                  <a:schemeClr val="tx1"/>
+                </a:solidFill>
+                <a:effectLst/>
+                <a:latin typeface="+mn-lt"/>
+                <a:ea typeface="+mn-ea"/>
+                <a:cs typeface="+mn-cs"/>
+              </a:rPr>
+              <a:t>- Can make it side by side to easier to compare</a:t>
+            </a:r>
+          </a:p>
+          <a:p>
+            <a:pPr marL="171450" indent="-171450">
+              <a:buFontTx/>
+              <a:buChar char="-"/>
+            </a:pPr>
+            <a:r>
+              <a:rPr lang="en-US" sz="1200" b="0" i="0" kern="1200" dirty="0">
+                <a:solidFill>
+                  <a:schemeClr val="tx1"/>
+                </a:solidFill>
+                <a:effectLst/>
+                <a:latin typeface="+mn-lt"/>
+                <a:ea typeface="+mn-ea"/>
+                <a:cs typeface="+mn-cs"/>
+              </a:rPr>
+              <a:t>Pros and cons here for Traditional way and TVML way</a:t>
+            </a:r>
+          </a:p>
+          <a:p>
+            <a:pPr marL="171450" indent="-171450">
+              <a:buFontTx/>
+              <a:buChar char="-"/>
+            </a:pPr>
+            <a:endParaRPr lang="en-US" sz="1200" b="0" i="0" kern="1200" dirty="0">
+              <a:solidFill>
+                <a:schemeClr val="tx1"/>
+              </a:solidFill>
+              <a:effectLst/>
+              <a:latin typeface="+mn-lt"/>
+              <a:ea typeface="+mn-ea"/>
+              <a:cs typeface="+mn-cs"/>
+            </a:endParaRPr>
+          </a:p>
+          <a:p>
+            <a:pPr marL="171450" indent="-171450">
+              <a:buFontTx/>
+              <a:buChar char="-"/>
+            </a:pPr>
+            <a:r>
+              <a:rPr lang="en-US" sz="1200" b="0" i="0" kern="1200" dirty="0">
+                <a:solidFill>
+                  <a:schemeClr val="tx1"/>
+                </a:solidFill>
+                <a:effectLst/>
+                <a:latin typeface="+mn-lt"/>
+                <a:ea typeface="+mn-ea"/>
+                <a:cs typeface="+mn-cs"/>
+              </a:rPr>
+              <a:t>For every business we need to care able </a:t>
+            </a:r>
+            <a:r>
+              <a:rPr lang="en-US" sz="1200" b="0" i="0" kern="1200" dirty="0" err="1">
+                <a:solidFill>
+                  <a:schemeClr val="tx1"/>
+                </a:solidFill>
+                <a:effectLst/>
+                <a:latin typeface="+mn-lt"/>
+                <a:ea typeface="+mn-ea"/>
+                <a:cs typeface="+mn-cs"/>
+              </a:rPr>
+              <a:t>scability</a:t>
+            </a:r>
+            <a:r>
+              <a:rPr lang="en-US" sz="1200" b="0" i="0" kern="1200" dirty="0">
+                <a:solidFill>
+                  <a:schemeClr val="tx1"/>
+                </a:solidFill>
+                <a:effectLst/>
+                <a:latin typeface="+mn-lt"/>
+                <a:ea typeface="+mn-ea"/>
+                <a:cs typeface="+mn-cs"/>
+              </a:rPr>
+              <a:t> and beside that you need to rewrite lots of tests for both. </a:t>
+            </a:r>
+          </a:p>
+        </p:txBody>
+      </p:sp>
+      <p:sp>
+        <p:nvSpPr>
+          <p:cNvPr id="4" name="Slide Number Placeholder 3"/>
+          <p:cNvSpPr>
+            <a:spLocks noGrp="1"/>
+          </p:cNvSpPr>
+          <p:nvPr>
+            <p:ph type="sldNum" sz="quarter" idx="5"/>
+          </p:nvPr>
+        </p:nvSpPr>
+        <p:spPr/>
+        <p:txBody>
+          <a:bodyPr/>
+          <a:lstStyle/>
+          <a:p>
+            <a:fld id="{021361DD-1E38-BB4A-B605-BA873CC7A43C}" type="slidenum">
+              <a:rPr lang="en-US" smtClean="0"/>
+              <a:t>11</a:t>
+            </a:fld>
+            <a:endParaRPr lang="en-US"/>
+          </a:p>
+        </p:txBody>
+      </p:sp>
+    </p:spTree>
+    <p:extLst>
+      <p:ext uri="{BB962C8B-B14F-4D97-AF65-F5344CB8AC3E}">
+        <p14:creationId xmlns:p14="http://schemas.microsoft.com/office/powerpoint/2010/main" val="2363464583"/>
+      </p:ext>
+    </p:extLst>
+  </p:cSld>
+  <p:clrMapOvr>
+    <a:masterClrMapping/>
+  </p:clrMapOvr>
+</p:notes>
+</file>
+
+<file path=ppt/notesSlides/notesSlide12.xml><?xml version="1.0" encoding="utf-8"?>
+<p:notes xmlns:a="http://schemas.openxmlformats.org/drawingml/2006/main" xmlns:r="http://schemas.openxmlformats.org/officeDocument/2006/relationships" xmlns:p="http://schemas.openxmlformats.org/presentationml/2006/main">
+  <p:cSld>
+    <p:spTree>
+      <p:nvGrpSpPr>
+        <p:cNvPr id="1" name=""/>
+        <p:cNvGrpSpPr/>
+        <p:nvPr/>
+      </p:nvGrpSpPr>
+      <p:grpSpPr>
+        <a:xfrm>
+          <a:off x="0" y="0"/>
+          <a:ext cx="0" cy="0"/>
+          <a:chOff x="0" y="0"/>
+          <a:chExt cx="0" cy="0"/>
+        </a:xfrm>
+      </p:grpSpPr>
+      <p:sp>
+        <p:nvSpPr>
+          <p:cNvPr id="2" name="Slide Image Placeholder 1"/>
+          <p:cNvSpPr>
+            <a:spLocks noGrp="1" noRot="1" noChangeAspect="1"/>
+          </p:cNvSpPr>
+          <p:nvPr>
+            <p:ph type="sldImg"/>
+          </p:nvPr>
+        </p:nvSpPr>
+        <p:spPr/>
+      </p:sp>
+      <p:sp>
+        <p:nvSpPr>
+          <p:cNvPr id="3" name="Notes Placeholder 2"/>
+          <p:cNvSpPr>
+            <a:spLocks noGrp="1"/>
+          </p:cNvSpPr>
+          <p:nvPr>
+            <p:ph type="body" idx="1"/>
+          </p:nvPr>
+        </p:nvSpPr>
+        <p:spPr/>
+        <p:txBody>
+          <a:bodyPr/>
+          <a:lstStyle/>
+          <a:p>
+            <a:pPr marL="0" marR="0" lvl="0" indent="0" algn="l" defTabSz="914400" rtl="0" eaLnBrk="1" fontAlgn="auto" latinLnBrk="0" hangingPunct="1">
+              <a:lnSpc>
+                <a:spcPct val="100000"/>
+              </a:lnSpc>
+              <a:spcBef>
+                <a:spcPts val="0"/>
+              </a:spcBef>
+              <a:spcAft>
+                <a:spcPts val="0"/>
+              </a:spcAft>
+              <a:buClrTx/>
+              <a:buSzTx/>
+              <a:buFontTx/>
+              <a:buNone/>
+              <a:tabLst/>
+              <a:defRPr/>
+            </a:pPr>
+            <a:r>
+              <a:rPr lang="en-US" sz="1200" b="1" i="0" u="none" strike="noStrike" kern="1200" dirty="0">
+                <a:solidFill>
+                  <a:schemeClr val="tx1"/>
+                </a:solidFill>
+                <a:effectLst/>
+                <a:latin typeface="+mn-lt"/>
+                <a:ea typeface="+mn-ea"/>
+                <a:cs typeface="+mn-cs"/>
+              </a:rPr>
+              <a:t>3</a:t>
+            </a:r>
+            <a:r>
+              <a:rPr lang="en-US" sz="1200" b="1" i="0" u="none" strike="noStrike" kern="1200" baseline="30000" dirty="0">
+                <a:solidFill>
+                  <a:schemeClr val="tx1"/>
+                </a:solidFill>
+                <a:effectLst/>
+                <a:latin typeface="+mn-lt"/>
+                <a:ea typeface="+mn-ea"/>
+                <a:cs typeface="+mn-cs"/>
+              </a:rPr>
+              <a:t>rd</a:t>
+            </a:r>
+            <a:r>
+              <a:rPr lang="en-US" sz="1200" b="1" i="0" u="none" strike="noStrike" kern="1200" dirty="0">
+                <a:solidFill>
+                  <a:schemeClr val="tx1"/>
+                </a:solidFill>
+                <a:effectLst/>
+                <a:latin typeface="+mn-lt"/>
+                <a:ea typeface="+mn-ea"/>
+                <a:cs typeface="+mn-cs"/>
+              </a:rPr>
+              <a:t> Libs: from Pod, Carthage, or adding framework directly</a:t>
+            </a:r>
+          </a:p>
+          <a:p>
+            <a:pPr marL="0" marR="0" lvl="0" indent="0" algn="l" defTabSz="914400" rtl="0" eaLnBrk="1" fontAlgn="auto" latinLnBrk="0" hangingPunct="1">
+              <a:lnSpc>
+                <a:spcPct val="100000"/>
+              </a:lnSpc>
+              <a:spcBef>
+                <a:spcPts val="0"/>
+              </a:spcBef>
+              <a:spcAft>
+                <a:spcPts val="0"/>
+              </a:spcAft>
+              <a:buClrTx/>
+              <a:buSzTx/>
+              <a:buFontTx/>
+              <a:buNone/>
+              <a:tabLst/>
+              <a:defRPr/>
+            </a:pPr>
+            <a:endParaRPr lang="en-US" sz="1200" b="1" i="0" u="none" strike="noStrike" kern="1200" dirty="0">
+              <a:solidFill>
+                <a:schemeClr val="tx1"/>
+              </a:solidFill>
+              <a:effectLst/>
+              <a:latin typeface="+mn-lt"/>
+              <a:ea typeface="+mn-ea"/>
+              <a:cs typeface="+mn-cs"/>
+            </a:endParaRPr>
+          </a:p>
+          <a:p>
+            <a:pPr marL="171450" marR="0" lvl="0" indent="-171450" algn="l" defTabSz="914400" rtl="0" eaLnBrk="1" fontAlgn="auto" latinLnBrk="0" hangingPunct="1">
+              <a:lnSpc>
+                <a:spcPct val="100000"/>
+              </a:lnSpc>
+              <a:spcBef>
+                <a:spcPts val="0"/>
+              </a:spcBef>
+              <a:spcAft>
+                <a:spcPts val="0"/>
+              </a:spcAft>
+              <a:buClrTx/>
+              <a:buSzTx/>
+              <a:buFontTx/>
+              <a:buChar char="-"/>
+              <a:tabLst/>
+              <a:defRPr/>
+            </a:pPr>
+            <a:r>
+              <a:rPr lang="en-US" sz="1200" b="1" i="0" u="none" strike="noStrike" kern="1200" dirty="0">
+                <a:solidFill>
+                  <a:schemeClr val="tx1"/>
+                </a:solidFill>
+                <a:effectLst/>
+                <a:latin typeface="+mn-lt"/>
+                <a:ea typeface="+mn-ea"/>
+                <a:cs typeface="+mn-cs"/>
+              </a:rPr>
+              <a:t>At the bottom is Core framework from Cocoa Touch framework, such as Foundation, </a:t>
+            </a:r>
+            <a:r>
+              <a:rPr lang="en-US" sz="1200" b="1" i="0" u="none" strike="noStrike" kern="1200" dirty="0" err="1">
+                <a:solidFill>
+                  <a:schemeClr val="tx1"/>
+                </a:solidFill>
+                <a:effectLst/>
+                <a:latin typeface="+mn-lt"/>
+                <a:ea typeface="+mn-ea"/>
+                <a:cs typeface="+mn-cs"/>
+              </a:rPr>
+              <a:t>UIKit</a:t>
+            </a:r>
+            <a:r>
+              <a:rPr lang="en-US" sz="1200" b="1" i="0" u="none" strike="noStrike" kern="1200" dirty="0">
+                <a:solidFill>
+                  <a:schemeClr val="tx1"/>
+                </a:solidFill>
+                <a:effectLst/>
+                <a:latin typeface="+mn-lt"/>
+                <a:ea typeface="+mn-ea"/>
+                <a:cs typeface="+mn-cs"/>
+              </a:rPr>
+              <a:t>, </a:t>
+            </a:r>
+            <a:r>
+              <a:rPr lang="en-US" sz="1200" b="1" i="0" u="none" strike="noStrike" kern="1200" dirty="0" err="1">
+                <a:solidFill>
+                  <a:schemeClr val="tx1"/>
+                </a:solidFill>
+                <a:effectLst/>
+                <a:latin typeface="+mn-lt"/>
+                <a:ea typeface="+mn-ea"/>
+                <a:cs typeface="+mn-cs"/>
+              </a:rPr>
+              <a:t>CoreData</a:t>
+            </a:r>
+            <a:r>
+              <a:rPr lang="en-US" sz="1200" b="1" i="0" u="none" strike="noStrike" kern="1200" dirty="0">
+                <a:solidFill>
+                  <a:schemeClr val="tx1"/>
+                </a:solidFill>
+                <a:effectLst/>
+                <a:latin typeface="+mn-lt"/>
+                <a:ea typeface="+mn-ea"/>
+                <a:cs typeface="+mn-cs"/>
+              </a:rPr>
+              <a:t>, </a:t>
+            </a:r>
+            <a:r>
+              <a:rPr lang="en-US" sz="1200" b="1" i="0" u="none" strike="noStrike" kern="1200" dirty="0" err="1">
+                <a:solidFill>
+                  <a:schemeClr val="tx1"/>
+                </a:solidFill>
+                <a:effectLst/>
+                <a:latin typeface="+mn-lt"/>
+                <a:ea typeface="+mn-ea"/>
+                <a:cs typeface="+mn-cs"/>
+              </a:rPr>
+              <a:t>StoreKit</a:t>
+            </a:r>
+            <a:r>
+              <a:rPr lang="en-US" sz="1200" b="1" i="0" u="none" strike="noStrike" kern="1200" dirty="0">
+                <a:solidFill>
+                  <a:schemeClr val="tx1"/>
+                </a:solidFill>
+                <a:effectLst/>
+                <a:latin typeface="+mn-lt"/>
+                <a:ea typeface="+mn-ea"/>
+                <a:cs typeface="+mn-cs"/>
+              </a:rPr>
+              <a:t>, … which is very fundamental</a:t>
+            </a:r>
+          </a:p>
+          <a:p>
+            <a:pPr marL="171450" marR="0" lvl="0" indent="-171450" algn="l" defTabSz="914400" rtl="0" eaLnBrk="1" fontAlgn="auto" latinLnBrk="0" hangingPunct="1">
+              <a:lnSpc>
+                <a:spcPct val="100000"/>
+              </a:lnSpc>
+              <a:spcBef>
+                <a:spcPts val="0"/>
+              </a:spcBef>
+              <a:spcAft>
+                <a:spcPts val="0"/>
+              </a:spcAft>
+              <a:buClrTx/>
+              <a:buSzTx/>
+              <a:buFontTx/>
+              <a:buChar char="-"/>
+              <a:tabLst/>
+              <a:defRPr/>
+            </a:pPr>
+            <a:r>
+              <a:rPr lang="en-US" sz="1200" b="1" i="0" u="none" strike="noStrike" kern="1200" dirty="0">
+                <a:solidFill>
+                  <a:schemeClr val="tx1"/>
+                </a:solidFill>
+                <a:effectLst/>
+                <a:latin typeface="+mn-lt"/>
+                <a:ea typeface="+mn-ea"/>
+                <a:cs typeface="+mn-cs"/>
+              </a:rPr>
+              <a:t>Then we import some 3</a:t>
+            </a:r>
+            <a:r>
+              <a:rPr lang="en-US" sz="1200" b="1" i="0" u="none" strike="noStrike" kern="1200" baseline="30000" dirty="0">
+                <a:solidFill>
+                  <a:schemeClr val="tx1"/>
+                </a:solidFill>
+                <a:effectLst/>
+                <a:latin typeface="+mn-lt"/>
+                <a:ea typeface="+mn-ea"/>
+                <a:cs typeface="+mn-cs"/>
+              </a:rPr>
+              <a:t>rd</a:t>
+            </a:r>
+            <a:r>
+              <a:rPr lang="en-US" sz="1200" b="1" i="0" u="none" strike="noStrike" kern="1200" dirty="0">
+                <a:solidFill>
+                  <a:schemeClr val="tx1"/>
+                </a:solidFill>
+                <a:effectLst/>
+                <a:latin typeface="+mn-lt"/>
+                <a:ea typeface="+mn-ea"/>
+                <a:cs typeface="+mn-cs"/>
+              </a:rPr>
+              <a:t> party libraries which is built on top of Core Framework for more specific purpose. Such as </a:t>
+            </a:r>
+            <a:r>
+              <a:rPr lang="en-US" sz="1200" b="1" i="0" u="none" strike="noStrike" kern="1200" dirty="0" err="1">
+                <a:solidFill>
+                  <a:schemeClr val="tx1"/>
+                </a:solidFill>
+                <a:effectLst/>
+                <a:latin typeface="+mn-lt"/>
+                <a:ea typeface="+mn-ea"/>
+                <a:cs typeface="+mn-cs"/>
+              </a:rPr>
+              <a:t>Alamofire</a:t>
+            </a:r>
+            <a:r>
+              <a:rPr lang="en-US" sz="1200" b="1" i="0" u="none" strike="noStrike" kern="1200" dirty="0">
+                <a:solidFill>
+                  <a:schemeClr val="tx1"/>
+                </a:solidFill>
+                <a:effectLst/>
+                <a:latin typeface="+mn-lt"/>
+                <a:ea typeface="+mn-ea"/>
+                <a:cs typeface="+mn-cs"/>
+              </a:rPr>
+              <a:t>, </a:t>
+            </a:r>
+            <a:r>
+              <a:rPr lang="en-US" sz="1200" b="1" i="0" u="none" strike="noStrike" kern="1200" dirty="0" err="1">
+                <a:solidFill>
+                  <a:schemeClr val="tx1"/>
+                </a:solidFill>
+                <a:effectLst/>
+                <a:latin typeface="+mn-lt"/>
+                <a:ea typeface="+mn-ea"/>
+                <a:cs typeface="+mn-cs"/>
+              </a:rPr>
+              <a:t>RxSwift</a:t>
+            </a:r>
+            <a:r>
+              <a:rPr lang="en-US" sz="1200" b="1" i="0" u="none" strike="noStrike" kern="1200" dirty="0">
+                <a:solidFill>
+                  <a:schemeClr val="tx1"/>
+                </a:solidFill>
+                <a:effectLst/>
+                <a:latin typeface="+mn-lt"/>
+                <a:ea typeface="+mn-ea"/>
+                <a:cs typeface="+mn-cs"/>
+              </a:rPr>
+              <a:t>, Pop Animation</a:t>
+            </a:r>
+          </a:p>
+          <a:p>
+            <a:pPr marL="171450" marR="0" lvl="0" indent="-171450" algn="l" defTabSz="914400" rtl="0" eaLnBrk="1" fontAlgn="auto" latinLnBrk="0" hangingPunct="1">
+              <a:lnSpc>
+                <a:spcPct val="100000"/>
+              </a:lnSpc>
+              <a:spcBef>
+                <a:spcPts val="0"/>
+              </a:spcBef>
+              <a:spcAft>
+                <a:spcPts val="0"/>
+              </a:spcAft>
+              <a:buClrTx/>
+              <a:buSzTx/>
+              <a:buFontTx/>
+              <a:buChar char="-"/>
+              <a:tabLst/>
+              <a:defRPr/>
+            </a:pPr>
+            <a:r>
+              <a:rPr lang="en-US" sz="1200" b="1" i="0" u="none" strike="noStrike" kern="1200" dirty="0">
+                <a:solidFill>
+                  <a:schemeClr val="tx1"/>
+                </a:solidFill>
+                <a:effectLst/>
+                <a:latin typeface="+mn-lt"/>
+                <a:ea typeface="+mn-ea"/>
+                <a:cs typeface="+mn-cs"/>
+              </a:rPr>
+              <a:t>We cover another level by writing business logic code. There will have model serialization, API calling, </a:t>
+            </a:r>
+            <a:r>
+              <a:rPr lang="en-US" sz="1200" b="1" i="0" u="none" strike="noStrike" kern="1200" dirty="0" err="1">
+                <a:solidFill>
+                  <a:schemeClr val="tx1"/>
+                </a:solidFill>
+                <a:effectLst/>
+                <a:latin typeface="+mn-lt"/>
+                <a:ea typeface="+mn-ea"/>
+                <a:cs typeface="+mn-cs"/>
+              </a:rPr>
+              <a:t>viewModel</a:t>
+            </a:r>
+            <a:r>
+              <a:rPr lang="en-US" sz="1200" b="1" i="0" u="none" strike="noStrike" kern="1200" dirty="0">
+                <a:solidFill>
+                  <a:schemeClr val="tx1"/>
+                </a:solidFill>
+                <a:effectLst/>
+                <a:latin typeface="+mn-lt"/>
+                <a:ea typeface="+mn-ea"/>
+                <a:cs typeface="+mn-cs"/>
+              </a:rPr>
+              <a:t> creation, services, … </a:t>
+            </a:r>
+          </a:p>
+          <a:p>
+            <a:pPr marL="171450" marR="0" lvl="0" indent="-171450" algn="l" defTabSz="914400" rtl="0" eaLnBrk="1" fontAlgn="auto" latinLnBrk="0" hangingPunct="1">
+              <a:lnSpc>
+                <a:spcPct val="100000"/>
+              </a:lnSpc>
+              <a:spcBef>
+                <a:spcPts val="0"/>
+              </a:spcBef>
+              <a:spcAft>
+                <a:spcPts val="0"/>
+              </a:spcAft>
+              <a:buClrTx/>
+              <a:buSzTx/>
+              <a:buFontTx/>
+              <a:buChar char="-"/>
+              <a:tabLst/>
+              <a:defRPr/>
+            </a:pPr>
+            <a:r>
+              <a:rPr lang="en-US" sz="1200" b="1" i="0" u="none" strike="noStrike" kern="1200" dirty="0">
+                <a:solidFill>
+                  <a:schemeClr val="tx1"/>
+                </a:solidFill>
+                <a:effectLst/>
+                <a:latin typeface="+mn-lt"/>
+                <a:ea typeface="+mn-ea"/>
+                <a:cs typeface="+mn-cs"/>
+              </a:rPr>
+              <a:t>UI Code for rendering </a:t>
+            </a:r>
+            <a:r>
+              <a:rPr lang="en-US" sz="1200" b="1" i="0" u="none" strike="noStrike" kern="1200">
+                <a:solidFill>
+                  <a:schemeClr val="tx1"/>
+                </a:solidFill>
+                <a:effectLst/>
+                <a:latin typeface="+mn-lt"/>
+                <a:ea typeface="+mn-ea"/>
+                <a:cs typeface="+mn-cs"/>
+              </a:rPr>
+              <a:t>and interaction with user</a:t>
+            </a:r>
+            <a:endParaRPr lang="en-US" sz="1200" b="1" i="0" u="none" strike="noStrike" kern="1200" dirty="0">
+              <a:solidFill>
+                <a:schemeClr val="tx1"/>
+              </a:solidFill>
+              <a:effectLst/>
+              <a:latin typeface="+mn-lt"/>
+              <a:ea typeface="+mn-ea"/>
+              <a:cs typeface="+mn-cs"/>
+            </a:endParaRPr>
+          </a:p>
+          <a:p>
+            <a:pPr marL="171450" marR="0" lvl="0" indent="-171450" algn="l" defTabSz="914400" rtl="0" eaLnBrk="1" fontAlgn="auto" latinLnBrk="0" hangingPunct="1">
+              <a:lnSpc>
+                <a:spcPct val="100000"/>
+              </a:lnSpc>
+              <a:spcBef>
+                <a:spcPts val="0"/>
+              </a:spcBef>
+              <a:spcAft>
+                <a:spcPts val="0"/>
+              </a:spcAft>
+              <a:buClrTx/>
+              <a:buSzTx/>
+              <a:buFontTx/>
+              <a:buChar char="-"/>
+              <a:tabLst/>
+              <a:defRPr/>
+            </a:pPr>
+            <a:endParaRPr lang="en-US" sz="1200" b="1" i="0" u="none" strike="noStrike" kern="1200" dirty="0">
+              <a:solidFill>
+                <a:schemeClr val="tx1"/>
+              </a:solidFill>
+              <a:effectLst/>
+              <a:latin typeface="+mn-lt"/>
+              <a:ea typeface="+mn-ea"/>
+              <a:cs typeface="+mn-cs"/>
+            </a:endParaRPr>
+          </a:p>
+          <a:p>
+            <a:pPr marL="0" marR="0" lvl="0" indent="0" algn="l" defTabSz="914400" rtl="0" eaLnBrk="1" fontAlgn="auto" latinLnBrk="0" hangingPunct="1">
+              <a:lnSpc>
+                <a:spcPct val="100000"/>
+              </a:lnSpc>
+              <a:spcBef>
+                <a:spcPts val="0"/>
+              </a:spcBef>
+              <a:spcAft>
+                <a:spcPts val="0"/>
+              </a:spcAft>
+              <a:buClrTx/>
+              <a:buSzTx/>
+              <a:buFontTx/>
+              <a:buNone/>
+              <a:tabLst/>
+              <a:defRPr/>
+            </a:pPr>
+            <a:r>
+              <a:rPr lang="en-US" sz="1200" b="1" i="0" u="none" strike="noStrike" kern="1200" dirty="0">
+                <a:solidFill>
+                  <a:schemeClr val="tx1"/>
+                </a:solidFill>
+                <a:effectLst/>
+                <a:latin typeface="+mn-lt"/>
+                <a:ea typeface="+mn-ea"/>
+                <a:cs typeface="+mn-cs"/>
+              </a:rPr>
+              <a:t> </a:t>
+            </a:r>
+          </a:p>
+        </p:txBody>
+      </p:sp>
+      <p:sp>
+        <p:nvSpPr>
+          <p:cNvPr id="4" name="Slide Number Placeholder 3"/>
+          <p:cNvSpPr>
+            <a:spLocks noGrp="1"/>
+          </p:cNvSpPr>
+          <p:nvPr>
+            <p:ph type="sldNum" sz="quarter" idx="5"/>
+          </p:nvPr>
+        </p:nvSpPr>
+        <p:spPr/>
+        <p:txBody>
+          <a:bodyPr/>
+          <a:lstStyle/>
+          <a:p>
+            <a:fld id="{021361DD-1E38-BB4A-B605-BA873CC7A43C}" type="slidenum">
+              <a:rPr lang="en-US" smtClean="0"/>
+              <a:t>13</a:t>
+            </a:fld>
+            <a:endParaRPr lang="en-US"/>
+          </a:p>
+        </p:txBody>
+      </p:sp>
+    </p:spTree>
+    <p:extLst>
+      <p:ext uri="{BB962C8B-B14F-4D97-AF65-F5344CB8AC3E}">
+        <p14:creationId xmlns:p14="http://schemas.microsoft.com/office/powerpoint/2010/main" val="147061149"/>
+      </p:ext>
+    </p:extLst>
+  </p:cSld>
+  <p:clrMapOvr>
+    <a:masterClrMapping/>
+  </p:clrMapOvr>
+</p:notes>
+</file>
+
+<file path=ppt/notesSlides/notesSlide13.xml><?xml version="1.0" encoding="utf-8"?>
+<p:notes xmlns:a="http://schemas.openxmlformats.org/drawingml/2006/main" xmlns:r="http://schemas.openxmlformats.org/officeDocument/2006/relationships" xmlns:p="http://schemas.openxmlformats.org/presentationml/2006/main">
+  <p:cSld>
+    <p:spTree>
+      <p:nvGrpSpPr>
+        <p:cNvPr id="1" name=""/>
+        <p:cNvGrpSpPr/>
+        <p:nvPr/>
+      </p:nvGrpSpPr>
+      <p:grpSpPr>
+        <a:xfrm>
+          <a:off x="0" y="0"/>
+          <a:ext cx="0" cy="0"/>
+          <a:chOff x="0" y="0"/>
+          <a:chExt cx="0" cy="0"/>
+        </a:xfrm>
+      </p:grpSpPr>
+      <p:sp>
+        <p:nvSpPr>
+          <p:cNvPr id="2" name="Slide Image Placeholder 1"/>
+          <p:cNvSpPr>
+            <a:spLocks noGrp="1" noRot="1" noChangeAspect="1"/>
+          </p:cNvSpPr>
+          <p:nvPr>
+            <p:ph type="sldImg"/>
+          </p:nvPr>
+        </p:nvSpPr>
+        <p:spPr/>
+      </p:sp>
+      <p:sp>
+        <p:nvSpPr>
+          <p:cNvPr id="3" name="Notes Placeholder 2"/>
+          <p:cNvSpPr>
+            <a:spLocks noGrp="1"/>
+          </p:cNvSpPr>
+          <p:nvPr>
+            <p:ph type="body" idx="1"/>
+          </p:nvPr>
+        </p:nvSpPr>
+        <p:spPr/>
+        <p:txBody>
+          <a:bodyPr/>
+          <a:lstStyle/>
+          <a:p>
+            <a:pPr marL="171450" indent="-171450">
+              <a:buFontTx/>
+              <a:buChar char="-"/>
+            </a:pPr>
+            <a:r>
+              <a:rPr lang="en-US" dirty="0"/>
+              <a:t>Different devices, one use touch on the screen, and one use the remote</a:t>
+            </a:r>
+          </a:p>
+          <a:p>
+            <a:pPr marL="171450" indent="-171450">
+              <a:buFontTx/>
+              <a:buChar char="-"/>
+            </a:pPr>
+            <a:r>
+              <a:rPr lang="en-US" dirty="0"/>
+              <a:t>Layout is different, size and color. iOS scroll vertical mostly meanwhile on Apple TV prefer to scroll horizontally</a:t>
+            </a:r>
+          </a:p>
+          <a:p>
+            <a:pPr marL="171450" indent="-171450">
+              <a:buFontTx/>
+              <a:buChar char="-"/>
+            </a:pPr>
+            <a:r>
+              <a:rPr lang="en-US" dirty="0"/>
+              <a:t>iOS need to care with orientation as well as multitasking on iPad (compact and regular) meanwhile on </a:t>
+            </a:r>
+            <a:r>
+              <a:rPr lang="en-US" dirty="0" err="1"/>
+              <a:t>tvOS</a:t>
+            </a:r>
+            <a:r>
+              <a:rPr lang="en-US" dirty="0"/>
+              <a:t> need to care about light and dark</a:t>
+            </a:r>
+          </a:p>
+          <a:p>
+            <a:pPr marL="171450" indent="-171450">
+              <a:buFontTx/>
+              <a:buChar char="-"/>
+            </a:pPr>
+            <a:endParaRPr lang="en-US" dirty="0"/>
+          </a:p>
+          <a:p>
+            <a:endParaRPr lang="en-US" dirty="0"/>
+          </a:p>
+        </p:txBody>
+      </p:sp>
+      <p:sp>
+        <p:nvSpPr>
+          <p:cNvPr id="4" name="Slide Number Placeholder 3"/>
+          <p:cNvSpPr>
+            <a:spLocks noGrp="1"/>
+          </p:cNvSpPr>
+          <p:nvPr>
+            <p:ph type="sldNum" sz="quarter" idx="5"/>
+          </p:nvPr>
+        </p:nvSpPr>
+        <p:spPr/>
+        <p:txBody>
+          <a:bodyPr/>
+          <a:lstStyle/>
+          <a:p>
+            <a:fld id="{021361DD-1E38-BB4A-B605-BA873CC7A43C}" type="slidenum">
+              <a:rPr lang="en-US" smtClean="0"/>
+              <a:t>14</a:t>
+            </a:fld>
+            <a:endParaRPr lang="en-US"/>
+          </a:p>
+        </p:txBody>
+      </p:sp>
+    </p:spTree>
+    <p:extLst>
+      <p:ext uri="{BB962C8B-B14F-4D97-AF65-F5344CB8AC3E}">
+        <p14:creationId xmlns:p14="http://schemas.microsoft.com/office/powerpoint/2010/main" val="1786426012"/>
+      </p:ext>
+    </p:extLst>
+  </p:cSld>
+  <p:clrMapOvr>
+    <a:masterClrMapping/>
+  </p:clrMapOvr>
+</p:notes>
+</file>
+
+<file path=ppt/notesSlides/notesSlide14.xml><?xml version="1.0" encoding="utf-8"?>
+<p:notes xmlns:a="http://schemas.openxmlformats.org/drawingml/2006/main" xmlns:r="http://schemas.openxmlformats.org/officeDocument/2006/relationships" xmlns:p="http://schemas.openxmlformats.org/presentationml/2006/main">
+  <p:cSld>
+    <p:spTree>
+      <p:nvGrpSpPr>
+        <p:cNvPr id="1" name=""/>
+        <p:cNvGrpSpPr/>
+        <p:nvPr/>
+      </p:nvGrpSpPr>
+      <p:grpSpPr>
+        <a:xfrm>
+          <a:off x="0" y="0"/>
+          <a:ext cx="0" cy="0"/>
+          <a:chOff x="0" y="0"/>
+          <a:chExt cx="0" cy="0"/>
+        </a:xfrm>
+      </p:grpSpPr>
+      <p:sp>
+        <p:nvSpPr>
+          <p:cNvPr id="2" name="Slide Image Placeholder 1"/>
+          <p:cNvSpPr>
+            <a:spLocks noGrp="1" noRot="1" noChangeAspect="1"/>
+          </p:cNvSpPr>
+          <p:nvPr>
+            <p:ph type="sldImg"/>
+          </p:nvPr>
+        </p:nvSpPr>
+        <p:spPr/>
+      </p:sp>
+      <p:sp>
+        <p:nvSpPr>
+          <p:cNvPr id="3" name="Notes Placeholder 2"/>
+          <p:cNvSpPr>
+            <a:spLocks noGrp="1"/>
+          </p:cNvSpPr>
+          <p:nvPr>
+            <p:ph type="body" idx="1"/>
+          </p:nvPr>
+        </p:nvSpPr>
+        <p:spPr/>
+        <p:txBody>
+          <a:bodyPr/>
+          <a:lstStyle/>
+          <a:p>
             <a:r>
               <a:rPr lang="en-US" dirty="0"/>
               <a:t>Showing demo project </a:t>
@@ -3481,7 +5517,7 @@
 </p:notes>
 </file>
 
-<file path=ppt/notesSlides/notesSlide12.xml><?xml version="1.0" encoding="utf-8"?>
+<file path=ppt/notesSlides/notesSlide15.xml><?xml version="1.0" encoding="utf-8"?>
 <p:notes xmlns:a="http://schemas.openxmlformats.org/drawingml/2006/main" xmlns:r="http://schemas.openxmlformats.org/officeDocument/2006/relationships" xmlns:p="http://schemas.openxmlformats.org/presentationml/2006/main">
   <p:cSld>
     <p:spTree>
@@ -3694,23 +5730,83 @@
             </a:pPr>
             <a:r>
               <a:rPr lang="en-US" dirty="0"/>
-              <a:t>Today I’m </a:t>
+              <a:t>So I </a:t>
             </a:r>
             <a:r>
               <a:rPr lang="en-US" dirty="0" err="1"/>
-              <a:t>gonna</a:t>
+              <a:t>wanna</a:t>
             </a:r>
             <a:r>
               <a:rPr lang="en-US" dirty="0"/>
-              <a:t> talk about </a:t>
+              <a:t> briefly introduce about myself</a:t>
+            </a:r>
+          </a:p>
+          <a:p>
+            <a:pPr marL="171450" indent="-171450">
+              <a:buFontTx/>
+              <a:buChar char="-"/>
+            </a:pPr>
+            <a:r>
+              <a:rPr lang="en-US" dirty="0"/>
+              <a:t>My name is Thanh</a:t>
+            </a:r>
+          </a:p>
+          <a:p>
+            <a:pPr marL="171450" indent="-171450">
+              <a:buFontTx/>
+              <a:buChar char="-"/>
+            </a:pPr>
+            <a:r>
+              <a:rPr lang="en-US" dirty="0"/>
+              <a:t>I’m currently an iOS developer at Rakuten Viki</a:t>
+            </a:r>
+          </a:p>
+          <a:p>
+            <a:pPr marL="171450" indent="-171450">
+              <a:buFontTx/>
+              <a:buChar char="-"/>
+            </a:pPr>
+            <a:r>
+              <a:rPr lang="en-US" dirty="0"/>
+              <a:t>Viki a video streaming platform.</a:t>
+            </a:r>
+          </a:p>
+          <a:p>
+            <a:pPr marL="171450" indent="-171450">
+              <a:buFontTx/>
+              <a:buChar char="-"/>
+            </a:pPr>
+            <a:r>
+              <a:rPr lang="en-US" dirty="0"/>
+              <a:t>Thanks Lizzie for her recent introduction.</a:t>
+            </a:r>
+          </a:p>
+          <a:p>
+            <a:pPr marL="171450" indent="-171450">
+              <a:buFontTx/>
+              <a:buChar char="-"/>
+            </a:pPr>
+            <a:r>
+              <a:rPr lang="en-US" dirty="0"/>
+              <a:t>More information you can find me on my </a:t>
             </a:r>
             <a:r>
               <a:rPr lang="en-US" dirty="0" err="1"/>
-              <a:t>tvOS</a:t>
+              <a:t>linkedin</a:t>
             </a:r>
             <a:r>
               <a:rPr lang="en-US" dirty="0"/>
-              <a:t> and how to implement it on scratch or in an iOS application which is already built and already working</a:t>
+              <a:t>.</a:t>
+            </a:r>
+          </a:p>
+          <a:p>
+            <a:pPr marL="171450" indent="-171450">
+              <a:buFontTx/>
+              <a:buChar char="-"/>
+            </a:pPr>
+            <a:r>
+              <a:rPr lang="en-US" dirty="0"/>
+              <a:t>So feel free to give me a message if you have a question.</a:t>
             </a:r>
           </a:p>
         </p:txBody>
@@ -3741,7 +5837,7 @@
     </p:spTree>
     <p:extLst>
       <p:ext uri="{BB962C8B-B14F-4D97-AF65-F5344CB8AC3E}">
-        <p14:creationId xmlns:p14="http://schemas.microsoft.com/office/powerpoint/2010/main" val="2850820186"/>
+        <p14:creationId xmlns:p14="http://schemas.microsoft.com/office/powerpoint/2010/main" val="1425227910"/>
       </p:ext>
     </p:extLst>
   </p:cSld>
@@ -3801,23 +5897,7 @@
             </a:pPr>
             <a:r>
               <a:rPr lang="en-US" dirty="0"/>
-              <a:t>Today I’m </a:t>
-            </a:r>
-            <a:r>
-              <a:rPr lang="en-US" dirty="0" err="1"/>
-              <a:t>gonna</a:t>
-            </a:r>
-            <a:r>
-              <a:rPr lang="en-US" dirty="0"/>
-              <a:t> talk about </a:t>
-            </a:r>
-            <a:r>
-              <a:rPr lang="en-US" dirty="0" err="1"/>
-              <a:t>tvOS</a:t>
-            </a:r>
-            <a:r>
-              <a:rPr lang="en-US" dirty="0"/>
-              <a:t> and how to implement it on scratch or in an iOS application which is already built and already working</a:t>
+              <a:t>I think most of us here are iOS developers</a:t>
             </a:r>
           </a:p>
           <a:p>
@@ -3825,14 +5905,28 @@
               <a:buFontTx/>
               <a:buChar char="-"/>
             </a:pPr>
-            <a:endParaRPr lang="en-US" dirty="0"/>
+            <a:r>
+              <a:rPr lang="en-US" dirty="0"/>
+              <a:t>And that’s why you may be very familiar with Apple eco system (if don’t </a:t>
+            </a:r>
+            <a:r>
+              <a:rPr lang="en-US" dirty="0" err="1"/>
+              <a:t>wanna</a:t>
+            </a:r>
+            <a:r>
+              <a:rPr lang="en-US" dirty="0"/>
+              <a:t> say you are all experts)</a:t>
+            </a:r>
           </a:p>
           <a:p>
             <a:pPr marL="171450" indent="-171450">
               <a:buFontTx/>
               <a:buChar char="-"/>
             </a:pPr>
-            <a:endParaRPr lang="en-US" dirty="0"/>
+            <a:r>
+              <a:rPr lang="en-US" dirty="0"/>
+              <a:t>Everyday we use products from Apple</a:t>
+            </a:r>
           </a:p>
           <a:p>
             <a:pPr marL="171450" indent="-171450">
@@ -3841,78 +5935,127 @@
             </a:pPr>
             <a:r>
               <a:rPr lang="en-US" dirty="0"/>
-              <a:t>Why should we implement </a:t>
+              <a:t>We use </a:t>
             </a:r>
             <a:r>
               <a:rPr lang="en-US" dirty="0" err="1"/>
-              <a:t>tvOS</a:t>
+              <a:t>Macbook</a:t>
             </a:r>
             <a:r>
               <a:rPr lang="en-US" dirty="0"/>
-              <a:t> app</a:t>
-            </a:r>
-          </a:p>
-          <a:p>
-            <a:pPr marL="628650" lvl="1" indent="-171450">
+              <a:t> for working</a:t>
+            </a:r>
+          </a:p>
+          <a:p>
+            <a:pPr marL="171450" indent="-171450">
               <a:buFontTx/>
               <a:buChar char="-"/>
             </a:pPr>
             <a:r>
               <a:rPr lang="en-US" dirty="0"/>
-              <a:t>People who adapt to build an Apple TV will be potentially pay subscription for us... </a:t>
-            </a:r>
-          </a:p>
-          <a:p>
-            <a:pPr marL="628650" lvl="1" indent="-171450">
+              <a:t>iPhone not only for work but also for communication</a:t>
+            </a:r>
+          </a:p>
+          <a:p>
+            <a:pPr marL="171450" indent="-171450">
               <a:buFontTx/>
               <a:buChar char="-"/>
             </a:pPr>
             <a:r>
               <a:rPr lang="en-US" dirty="0"/>
-              <a:t>Show how grows it is on number of Apple TV sold…</a:t>
-            </a:r>
-          </a:p>
-          <a:p>
-            <a:pPr marL="628650" lvl="1" indent="-171450">
+              <a:t>I don’t know your feeling about Apple products but I really love it. This is one of the reason make me become iOS developer.</a:t>
+            </a:r>
+          </a:p>
+          <a:p>
+            <a:pPr marL="171450" indent="-171450">
               <a:buFontTx/>
               <a:buChar char="-"/>
             </a:pPr>
             <a:r>
               <a:rPr lang="en-US" dirty="0"/>
-              <a:t>More and more support, better device, better user experiences…</a:t>
-            </a:r>
-          </a:p>
-          <a:p>
-            <a:pPr marL="628650" lvl="1" indent="-171450">
+              <a:t>The truth is I have not seen any iOS developers use Android phone but I saw many Android developers use iPhone</a:t>
+            </a:r>
+          </a:p>
+          <a:p>
+            <a:pPr marL="171450" indent="-171450">
               <a:buFontTx/>
               <a:buChar char="-"/>
             </a:pPr>
             <a:r>
               <a:rPr lang="en-US" dirty="0"/>
-              <a:t>User feedback about experience while using </a:t>
-            </a:r>
-            <a:r>
-              <a:rPr lang="en-US" dirty="0" err="1"/>
-              <a:t>tv</a:t>
-            </a:r>
-            <a:r>
-              <a:rPr lang="en-US" dirty="0"/>
-              <a:t> app compare with phone app</a:t>
-            </a:r>
-          </a:p>
-          <a:p>
-            <a:pPr marL="628650" lvl="1" indent="-171450">
+              <a:t>So what does it mean. It means Apple has built a successful eco system</a:t>
+            </a:r>
+          </a:p>
+          <a:p>
+            <a:pPr marL="171450" indent="-171450">
               <a:buFontTx/>
               <a:buChar char="-"/>
             </a:pPr>
-            <a:endParaRPr lang="en-US" dirty="0"/>
-          </a:p>
-          <a:p>
-            <a:pPr marL="628650" lvl="1" indent="-171450">
+            <a:r>
+              <a:rPr lang="en-US" dirty="0"/>
+              <a:t>They build devices and the operation system for it, such as </a:t>
+            </a:r>
+            <a:r>
+              <a:rPr lang="en-US" dirty="0" err="1"/>
+              <a:t>Macbook</a:t>
+            </a:r>
+            <a:r>
+              <a:rPr lang="en-US" dirty="0"/>
+              <a:t> and MacOS, iPhone and iOS, etc. And they are just compatible perfectly.</a:t>
+            </a:r>
+          </a:p>
+          <a:p>
+            <a:pPr marL="171450" indent="-171450">
               <a:buFontTx/>
               <a:buChar char="-"/>
             </a:pPr>
+            <a:r>
+              <a:rPr lang="en-US" dirty="0"/>
+              <a:t>And today I </a:t>
+            </a:r>
+            <a:r>
+              <a:rPr lang="en-US" dirty="0" err="1"/>
+              <a:t>wanna</a:t>
+            </a:r>
+            <a:r>
+              <a:rPr lang="en-US" dirty="0"/>
+              <a:t> talk about one of the young child in Apple family, which is a pair of a device and operation system</a:t>
+            </a:r>
+          </a:p>
+          <a:p>
+            <a:pPr marL="171450" indent="-171450">
+              <a:buFontTx/>
+              <a:buChar char="-"/>
+            </a:pPr>
+            <a:r>
+              <a:rPr lang="en-US" dirty="0"/>
+              <a:t>That device looks like a mac mini, but runs on an operation system very close to iOS</a:t>
+            </a:r>
+          </a:p>
+          <a:p>
+            <a:pPr marL="171450" indent="-171450">
+              <a:buFontTx/>
+              <a:buChar char="-"/>
+            </a:pPr>
+            <a:r>
+              <a:rPr lang="en-US" dirty="0"/>
+              <a:t>This is Apple TV and </a:t>
+            </a:r>
+            <a:r>
+              <a:rPr lang="en-US" dirty="0" err="1"/>
+              <a:t>tvOS</a:t>
+            </a:r>
             <a:endParaRPr lang="en-US" dirty="0"/>
+          </a:p>
+          <a:p>
+            <a:pPr marL="171450" indent="-171450">
+              <a:buFontTx/>
+              <a:buChar char="-"/>
+            </a:pPr>
+            <a:r>
+              <a:rPr lang="en-US" dirty="0"/>
+              <a:t>And the talk I will give today is “Developing for Apple TV”</a:t>
+            </a:r>
           </a:p>
         </p:txBody>
       </p:sp>
@@ -3942,7 +6085,7 @@
     </p:spTree>
     <p:extLst>
       <p:ext uri="{BB962C8B-B14F-4D97-AF65-F5344CB8AC3E}">
-        <p14:creationId xmlns:p14="http://schemas.microsoft.com/office/powerpoint/2010/main" val="3925543866"/>
+        <p14:creationId xmlns:p14="http://schemas.microsoft.com/office/powerpoint/2010/main" val="3505489725"/>
       </p:ext>
     </p:extLst>
   </p:cSld>
@@ -3996,6 +6139,208 @@
           <a:bodyPr/>
           <a:lstStyle/>
           <a:p>
+            <a:pPr marL="171450" indent="-171450">
+              <a:buFontTx/>
+              <a:buChar char="-"/>
+            </a:pPr>
+            <a:r>
+              <a:rPr lang="en-US" dirty="0"/>
+              <a:t>Today I’m </a:t>
+            </a:r>
+            <a:r>
+              <a:rPr lang="en-US" dirty="0" err="1"/>
+              <a:t>gonna</a:t>
+            </a:r>
+            <a:r>
+              <a:rPr lang="en-US" dirty="0"/>
+              <a:t> talk about </a:t>
+            </a:r>
+            <a:r>
+              <a:rPr lang="en-US" dirty="0" err="1"/>
+              <a:t>tvOS</a:t>
+            </a:r>
+            <a:r>
+              <a:rPr lang="en-US" dirty="0"/>
+              <a:t> and how to implement it on scratch or in an iOS application which is already built and already working</a:t>
+            </a:r>
+          </a:p>
+          <a:p>
+            <a:pPr marL="171450" indent="-171450">
+              <a:buFontTx/>
+              <a:buChar char="-"/>
+            </a:pPr>
+            <a:endParaRPr lang="en-US" dirty="0"/>
+          </a:p>
+          <a:p>
+            <a:pPr marL="171450" indent="-171450">
+              <a:buFontTx/>
+              <a:buChar char="-"/>
+            </a:pPr>
+            <a:r>
+              <a:rPr lang="en-US" dirty="0"/>
+              <a:t>Why do we should implement Apple TV app:</a:t>
+            </a:r>
+          </a:p>
+          <a:p>
+            <a:pPr marL="628650" marR="0" lvl="1" indent="-171450" algn="l" defTabSz="914400" rtl="0" eaLnBrk="1" fontAlgn="auto" latinLnBrk="0" hangingPunct="1">
+              <a:lnSpc>
+                <a:spcPct val="100000"/>
+              </a:lnSpc>
+              <a:spcBef>
+                <a:spcPts val="0"/>
+              </a:spcBef>
+              <a:spcAft>
+                <a:spcPts val="0"/>
+              </a:spcAft>
+              <a:buClrTx/>
+              <a:buSzTx/>
+              <a:buFontTx/>
+              <a:buChar char="-"/>
+              <a:tabLst/>
+              <a:defRPr/>
+            </a:pPr>
+            <a:r>
+              <a:rPr lang="en-US" dirty="0"/>
+              <a:t>First, Apple users always spend more than other platforms users. </a:t>
+            </a:r>
+          </a:p>
+          <a:p>
+            <a:pPr marL="1085850" marR="0" lvl="2" indent="-171450" algn="l" defTabSz="914400" rtl="0" eaLnBrk="1" fontAlgn="auto" latinLnBrk="0" hangingPunct="1">
+              <a:lnSpc>
+                <a:spcPct val="100000"/>
+              </a:lnSpc>
+              <a:spcBef>
+                <a:spcPts val="0"/>
+              </a:spcBef>
+              <a:spcAft>
+                <a:spcPts val="0"/>
+              </a:spcAft>
+              <a:buClrTx/>
+              <a:buSzTx/>
+              <a:buFontTx/>
+              <a:buChar char="-"/>
+              <a:tabLst/>
+              <a:defRPr/>
+            </a:pPr>
+            <a:r>
+              <a:rPr lang="en-US" dirty="0"/>
+              <a:t>It makes sense because usually Apple devices are more expensive</a:t>
+            </a:r>
+          </a:p>
+          <a:p>
+            <a:pPr marL="1085850" marR="0" lvl="2" indent="-171450" algn="l" defTabSz="914400" rtl="0" eaLnBrk="1" fontAlgn="auto" latinLnBrk="0" hangingPunct="1">
+              <a:lnSpc>
+                <a:spcPct val="100000"/>
+              </a:lnSpc>
+              <a:spcBef>
+                <a:spcPts val="0"/>
+              </a:spcBef>
+              <a:spcAft>
+                <a:spcPts val="0"/>
+              </a:spcAft>
+              <a:buClrTx/>
+              <a:buSzTx/>
+              <a:buFontTx/>
+              <a:buChar char="-"/>
+              <a:tabLst/>
+              <a:defRPr/>
+            </a:pPr>
+            <a:r>
+              <a:rPr lang="en-US" dirty="0"/>
+              <a:t>And people who adapt to buy it for entertainment are very potential to pay for our service... </a:t>
+            </a:r>
+          </a:p>
+          <a:p>
+            <a:pPr marL="628650" lvl="1" indent="-171450">
+              <a:buFontTx/>
+              <a:buChar char="-"/>
+            </a:pPr>
+            <a:r>
+              <a:rPr lang="en-US" dirty="0"/>
+              <a:t>Show how grows it is on number of Apple TV sold…</a:t>
+            </a:r>
+          </a:p>
+          <a:p>
+            <a:pPr marL="1085850" lvl="2" indent="-171450">
+              <a:buFontTx/>
+              <a:buChar char="-"/>
+            </a:pPr>
+            <a:r>
+              <a:rPr lang="en-US" dirty="0"/>
+              <a:t>From </a:t>
+            </a:r>
+            <a:r>
+              <a:rPr lang="en-US" sz="1200" b="0" i="0" kern="1200" dirty="0">
+                <a:solidFill>
+                  <a:schemeClr val="tx1"/>
+                </a:solidFill>
+                <a:effectLst/>
+                <a:latin typeface="+mn-lt"/>
+                <a:ea typeface="+mn-ea"/>
+                <a:cs typeface="+mn-cs"/>
+              </a:rPr>
+              <a:t>5m in 2012 to 25m in 2015 and 75m in 2017</a:t>
+            </a:r>
+            <a:endParaRPr lang="en-US" dirty="0"/>
+          </a:p>
+          <a:p>
+            <a:pPr marL="628650" lvl="1" indent="-171450">
+              <a:buFontTx/>
+              <a:buChar char="-"/>
+            </a:pPr>
+            <a:r>
+              <a:rPr lang="en-US" dirty="0"/>
+              <a:t>More and more support, better device, better user experiences…</a:t>
+            </a:r>
+          </a:p>
+          <a:p>
+            <a:pPr marL="628650" lvl="1" indent="-171450">
+              <a:buFontTx/>
+              <a:buChar char="-"/>
+            </a:pPr>
+            <a:r>
+              <a:rPr lang="en-US" dirty="0"/>
+              <a:t>User feedback about experience while using tv app compare with phone app</a:t>
+            </a:r>
+          </a:p>
+          <a:p>
+            <a:pPr marL="628650" lvl="1" indent="-171450">
+              <a:buFontTx/>
+              <a:buChar char="-"/>
+            </a:pPr>
+            <a:r>
+              <a:rPr lang="en-US" dirty="0"/>
+              <a:t>Last but not least, It does not cost much to keep building and maintaining </a:t>
+            </a:r>
+            <a:r>
+              <a:rPr lang="en-US" dirty="0" err="1"/>
+              <a:t>tvOS</a:t>
+            </a:r>
+            <a:r>
+              <a:rPr lang="en-US" dirty="0"/>
+              <a:t> app. You </a:t>
+            </a:r>
+            <a:r>
+              <a:rPr lang="en-US" dirty="0" err="1"/>
+              <a:t>wanna</a:t>
+            </a:r>
+            <a:r>
+              <a:rPr lang="en-US" dirty="0"/>
+              <a:t> see how easy is it. I will show you right now.</a:t>
+            </a:r>
+          </a:p>
+          <a:p>
+            <a:pPr marL="628650" lvl="1" indent="-171450">
+              <a:buFontTx/>
+              <a:buChar char="-"/>
+            </a:pPr>
+            <a:endParaRPr lang="en-US" dirty="0"/>
+          </a:p>
+          <a:p>
+            <a:pPr marL="628650" lvl="1" indent="-171450">
+              <a:buFontTx/>
+              <a:buChar char="-"/>
+            </a:pPr>
             <a:endParaRPr lang="en-US" dirty="0"/>
           </a:p>
         </p:txBody>
@@ -4026,7 +6371,7 @@
     </p:spTree>
     <p:extLst>
       <p:ext uri="{BB962C8B-B14F-4D97-AF65-F5344CB8AC3E}">
-        <p14:creationId xmlns:p14="http://schemas.microsoft.com/office/powerpoint/2010/main" val="2191562467"/>
+        <p14:creationId xmlns:p14="http://schemas.microsoft.com/office/powerpoint/2010/main" val="3925543866"/>
       </p:ext>
     </p:extLst>
   </p:cSld>
@@ -4080,35 +6425,94 @@
           <a:bodyPr/>
           <a:lstStyle/>
           <a:p>
-            <a:pPr marL="171450" indent="-171450">
+            <a:pPr marL="171450" marR="0" lvl="0" indent="-171450" algn="l" defTabSz="914400" rtl="0" eaLnBrk="1" fontAlgn="auto" latinLnBrk="0" hangingPunct="1">
+              <a:lnSpc>
+                <a:spcPct val="100000"/>
+              </a:lnSpc>
+              <a:spcBef>
+                <a:spcPts val="0"/>
+              </a:spcBef>
+              <a:spcAft>
+                <a:spcPts val="0"/>
+              </a:spcAft>
+              <a:buClrTx/>
+              <a:buSzTx/>
               <a:buFontTx/>
               <a:buChar char="-"/>
+              <a:tabLst/>
+              <a:defRPr/>
             </a:pPr>
             <a:r>
               <a:rPr lang="en-US" dirty="0"/>
-              <a:t>To make it easier to imagine, there are 1.2b iPhone + … meanwhile only have 75m Apple TV in end of 2017. (quite humble?)</a:t>
-            </a:r>
-          </a:p>
-          <a:p>
-            <a:pPr marL="171450" indent="-171450">
+              <a:t>First, I will briefly introduce about Apple TV and </a:t>
+            </a:r>
+            <a:r>
+              <a:rPr lang="en-US" dirty="0" err="1"/>
+              <a:t>tvOS</a:t>
+            </a:r>
+            <a:endParaRPr lang="en-US" dirty="0"/>
+          </a:p>
+          <a:p>
+            <a:pPr marL="171450" marR="0" lvl="0" indent="-171450" algn="l" defTabSz="914400" rtl="0" eaLnBrk="1" fontAlgn="auto" latinLnBrk="0" hangingPunct="1">
+              <a:lnSpc>
+                <a:spcPct val="100000"/>
+              </a:lnSpc>
+              <a:spcBef>
+                <a:spcPts val="0"/>
+              </a:spcBef>
+              <a:spcAft>
+                <a:spcPts val="0"/>
+              </a:spcAft>
+              <a:buClrTx/>
+              <a:buSzTx/>
               <a:buFontTx/>
               <a:buChar char="-"/>
+              <a:tabLst/>
+              <a:defRPr/>
             </a:pPr>
             <a:r>
-              <a:rPr lang="en-US" sz="1200" dirty="0">
-                <a:solidFill>
-                  <a:srgbClr val="FF0000"/>
-                </a:solidFill>
-              </a:rPr>
-              <a:t> (1.2b iPhone + 0.3b iPad + 0.5b iPod)</a:t>
-            </a:r>
-          </a:p>
-          <a:p>
-            <a:pPr marL="171450" indent="-171450">
+              <a:rPr lang="en-US" dirty="0"/>
+              <a:t>Then I will </a:t>
+            </a:r>
+            <a:r>
+              <a:rPr lang="en-US" dirty="0" err="1"/>
+              <a:t>simutanously</a:t>
+            </a:r>
+            <a:r>
+              <a:rPr lang="en-US" dirty="0"/>
+              <a:t> talk about how to build </a:t>
+            </a:r>
+            <a:r>
+              <a:rPr lang="en-US" dirty="0" err="1"/>
+              <a:t>tvOS</a:t>
+            </a:r>
+            <a:r>
+              <a:rPr lang="en-US" dirty="0"/>
+              <a:t> app on an existing iOS project with the demo to show you how easy to build it</a:t>
+            </a:r>
+          </a:p>
+          <a:p>
+            <a:pPr marL="171450" marR="0" lvl="0" indent="-171450" algn="l" defTabSz="914400" rtl="0" eaLnBrk="1" fontAlgn="auto" latinLnBrk="0" hangingPunct="1">
+              <a:lnSpc>
+                <a:spcPct val="100000"/>
+              </a:lnSpc>
+              <a:spcBef>
+                <a:spcPts val="0"/>
+              </a:spcBef>
+              <a:spcAft>
+                <a:spcPts val="0"/>
+              </a:spcAft>
+              <a:buClrTx/>
+              <a:buSzTx/>
               <a:buFontTx/>
               <a:buChar char="-"/>
+              <a:tabLst/>
+              <a:defRPr/>
             </a:pPr>
-            <a:endParaRPr lang="en-US" dirty="0"/>
+            <a:r>
+              <a:rPr lang="en-US" dirty="0"/>
+              <a:t>And finally I will try to implement with you a small feature to enhance how easy it is to maintain the app</a:t>
+            </a:r>
           </a:p>
         </p:txBody>
       </p:sp>
@@ -4129,7 +6533,7 @@
           <a:p>
             <a:fld id="{021361DD-1E38-BB4A-B605-BA873CC7A43C}" type="slidenum">
               <a:rPr lang="en-US" smtClean="0"/>
-              <a:t>6</a:t>
+              <a:t>5</a:t>
             </a:fld>
             <a:endParaRPr lang="en-US"/>
           </a:p>
@@ -4138,7 +6542,7 @@
     </p:spTree>
     <p:extLst>
       <p:ext uri="{BB962C8B-B14F-4D97-AF65-F5344CB8AC3E}">
-        <p14:creationId xmlns:p14="http://schemas.microsoft.com/office/powerpoint/2010/main" val="739553071"/>
+        <p14:creationId xmlns:p14="http://schemas.microsoft.com/office/powerpoint/2010/main" val="2191562467"/>
       </p:ext>
     </p:extLst>
   </p:cSld>
@@ -4192,34 +6596,20 @@
           <a:bodyPr/>
           <a:lstStyle/>
           <a:p>
-            <a:pPr marL="171450" indent="-171450">
-              <a:buFontTx/>
-              <a:buChar char="-"/>
-            </a:pPr>
             <a:r>
               <a:rPr lang="en-US" dirty="0"/>
-              <a:t>To make it easier to imagine, there are 1.2b iPhone + … meanwhile only have 75m Apple TV in end of 2017. (quite humble?)</a:t>
-            </a:r>
-          </a:p>
-          <a:p>
-            <a:pPr marL="171450" indent="-171450">
-              <a:buFontTx/>
-              <a:buChar char="-"/>
-            </a:pPr>
-            <a:r>
-              <a:rPr lang="en-US" sz="1200" dirty="0">
-                <a:solidFill>
-                  <a:srgbClr val="FF0000"/>
-                </a:solidFill>
-              </a:rPr>
-              <a:t> (1.2b iPhone + 0.3b iPad + 0.5b iPod)</a:t>
-            </a:r>
-          </a:p>
-          <a:p>
-            <a:pPr marL="171450" indent="-171450">
-              <a:buFontTx/>
-              <a:buChar char="-"/>
-            </a:pPr>
+              <a:t>SO okay. let’s quick start with Apple TV and </a:t>
+            </a:r>
+            <a:r>
+              <a:rPr lang="en-US" dirty="0" err="1"/>
+              <a:t>tvOS</a:t>
+            </a:r>
+            <a:r>
+              <a:rPr lang="en-US" dirty="0"/>
+              <a:t> introduction</a:t>
+            </a:r>
+          </a:p>
+          <a:p>
             <a:endParaRPr lang="en-US" dirty="0"/>
           </a:p>
         </p:txBody>
@@ -4241,7 +6631,7 @@
           <a:p>
             <a:fld id="{021361DD-1E38-BB4A-B605-BA873CC7A43C}" type="slidenum">
               <a:rPr lang="en-US" smtClean="0"/>
-              <a:t>7</a:t>
+              <a:t>6</a:t>
             </a:fld>
             <a:endParaRPr lang="en-US"/>
           </a:p>
@@ -4250,7 +6640,7 @@
     </p:spTree>
     <p:extLst>
       <p:ext uri="{BB962C8B-B14F-4D97-AF65-F5344CB8AC3E}">
-        <p14:creationId xmlns:p14="http://schemas.microsoft.com/office/powerpoint/2010/main" val="2617750816"/>
+        <p14:creationId xmlns:p14="http://schemas.microsoft.com/office/powerpoint/2010/main" val="191728584"/>
       </p:ext>
     </p:extLst>
   </p:cSld>
@@ -4318,7 +6708,103 @@
                 <a:ea typeface="+mn-ea"/>
                 <a:cs typeface="+mn-cs"/>
               </a:rPr>
-              <a:t>iPhone 1</a:t>
+              <a:t>If you have not watched the historical iPhone introduction by Steve Jobs</a:t>
+            </a:r>
+          </a:p>
+          <a:p>
+            <a:pPr marL="628650" lvl="1" indent="-171450">
+              <a:buFontTx/>
+              <a:buChar char="-"/>
+            </a:pPr>
+            <a:r>
+              <a:rPr lang="en-US" sz="1200" b="0" i="0" u="none" strike="noStrike" kern="1200" dirty="0">
+                <a:solidFill>
+                  <a:schemeClr val="tx1"/>
+                </a:solidFill>
+                <a:effectLst/>
+                <a:latin typeface="+mn-lt"/>
+                <a:ea typeface="+mn-ea"/>
+                <a:cs typeface="+mn-cs"/>
+              </a:rPr>
+              <a:t>Let’s find it on </a:t>
+            </a:r>
+            <a:r>
+              <a:rPr lang="en-US" sz="1200" b="0" i="0" u="none" strike="noStrike" kern="1200" dirty="0" err="1">
+                <a:solidFill>
+                  <a:schemeClr val="tx1"/>
+                </a:solidFill>
+                <a:effectLst/>
+                <a:latin typeface="+mn-lt"/>
+                <a:ea typeface="+mn-ea"/>
+                <a:cs typeface="+mn-cs"/>
+              </a:rPr>
+              <a:t>Youtube</a:t>
+            </a:r>
+            <a:r>
+              <a:rPr lang="en-US" sz="1200" b="0" i="0" u="none" strike="noStrike" kern="1200" dirty="0">
+                <a:solidFill>
+                  <a:schemeClr val="tx1"/>
+                </a:solidFill>
+                <a:effectLst/>
+                <a:latin typeface="+mn-lt"/>
+                <a:ea typeface="+mn-ea"/>
+                <a:cs typeface="+mn-cs"/>
+              </a:rPr>
+              <a:t>, it’s very impressive</a:t>
+            </a:r>
+          </a:p>
+          <a:p>
+            <a:pPr marL="171450" indent="-171450">
+              <a:buFontTx/>
+              <a:buChar char="-"/>
+            </a:pPr>
+            <a:r>
+              <a:rPr lang="en-US" sz="1200" b="0" i="0" u="none" strike="noStrike" kern="1200" dirty="0">
+                <a:solidFill>
+                  <a:schemeClr val="tx1"/>
+                </a:solidFill>
+                <a:effectLst/>
+                <a:latin typeface="+mn-lt"/>
+                <a:ea typeface="+mn-ea"/>
+                <a:cs typeface="+mn-cs"/>
+              </a:rPr>
+              <a:t>That event was held in 2007</a:t>
+            </a:r>
+          </a:p>
+          <a:p>
+            <a:pPr marL="171450" indent="-171450">
+              <a:buFontTx/>
+              <a:buChar char="-"/>
+            </a:pPr>
+            <a:r>
+              <a:rPr lang="en-US" sz="1200" b="0" i="0" u="none" strike="noStrike" kern="1200" dirty="0">
+                <a:solidFill>
+                  <a:schemeClr val="tx1"/>
+                </a:solidFill>
+                <a:effectLst/>
+                <a:latin typeface="+mn-lt"/>
+                <a:ea typeface="+mn-ea"/>
+                <a:cs typeface="+mn-cs"/>
+              </a:rPr>
+              <a:t>But do you know before it one year Apple also introduced another new device. </a:t>
+            </a:r>
+          </a:p>
+          <a:p>
+            <a:pPr marL="171450" indent="-171450">
+              <a:buFontTx/>
+              <a:buChar char="-"/>
+            </a:pPr>
+            <a:r>
+              <a:rPr lang="en-US" sz="1200" b="0" i="0" u="none" strike="noStrike" kern="1200" dirty="0">
+                <a:solidFill>
+                  <a:schemeClr val="tx1"/>
+                </a:solidFill>
+                <a:effectLst/>
+                <a:latin typeface="+mn-lt"/>
+                <a:ea typeface="+mn-ea"/>
+                <a:cs typeface="+mn-cs"/>
+              </a:rPr>
+              <a:t>This is the Apple TV 1</a:t>
             </a:r>
             <a:r>
               <a:rPr lang="en-US" sz="1200" b="0" i="0" u="none" strike="noStrike" kern="1200" baseline="30000" dirty="0">
@@ -4342,14 +6828,20 @@
                 <a:ea typeface="+mn-ea"/>
                 <a:cs typeface="+mn-cs"/>
               </a:rPr>
-              <a:t> Gen runs iPhone OS 1, CPU: Samsung 32-but ARM</a:t>
-            </a:r>
-          </a:p>
-          <a:p>
-            <a:pPr marL="171450" indent="-171450">
-              <a:buFontTx/>
-              <a:buChar char="-"/>
-            </a:pPr>
+              <a:t> Gen (or as they call it </a:t>
+            </a:r>
+            <a:r>
+              <a:rPr lang="en-US" sz="1200" b="0" i="0" u="none" strike="noStrike" kern="1200" dirty="0" err="1">
+                <a:solidFill>
+                  <a:schemeClr val="tx1"/>
+                </a:solidFill>
+                <a:effectLst/>
+                <a:latin typeface="+mn-lt"/>
+                <a:ea typeface="+mn-ea"/>
+                <a:cs typeface="+mn-cs"/>
+              </a:rPr>
+              <a:t>iTV</a:t>
+            </a:r>
             <a:r>
               <a:rPr lang="en-US" sz="1200" b="0" i="0" u="none" strike="noStrike" kern="1200" dirty="0">
                 <a:solidFill>
@@ -4360,20 +6852,14 @@
                 <a:ea typeface="+mn-ea"/>
                 <a:cs typeface="+mn-cs"/>
               </a:rPr>
-              <a:t>Apple TV 1</a:t>
-            </a:r>
-            <a:r>
-              <a:rPr lang="en-US" sz="1200" b="0" i="0" u="none" strike="noStrike" kern="1200" baseline="30000" dirty="0">
-                <a:solidFill>
-                  <a:schemeClr val="tx1"/>
-                </a:solidFill>
-                <a:effectLst/>
-                <a:latin typeface="+mn-lt"/>
-                <a:ea typeface="+mn-ea"/>
-                <a:cs typeface="+mn-cs"/>
-              </a:rPr>
-              <a:t>st</a:t>
-            </a:r>
+              <a:t>) </a:t>
+            </a:r>
+          </a:p>
+          <a:p>
+            <a:pPr marL="171450" indent="-171450">
+              <a:buFontTx/>
+              <a:buChar char="-"/>
+            </a:pPr>
             <a:r>
               <a:rPr lang="en-US" sz="1200" b="0" i="0" u="none" strike="noStrike" kern="1200" dirty="0">
                 <a:solidFill>
@@ -4384,7 +6870,25 @@
                 <a:ea typeface="+mn-ea"/>
                 <a:cs typeface="+mn-cs"/>
               </a:rPr>
-              <a:t> Gen runs on MacOS X 10.3.9, CPU: Intel Pentium</a:t>
+              <a:t>That Apple TV is very similar with a mac mini</a:t>
+            </a:r>
+          </a:p>
+          <a:p>
+            <a:pPr marL="171450" indent="-171450">
+              <a:buFontTx/>
+              <a:buChar char="-"/>
+            </a:pPr>
+            <a:r>
+              <a:rPr lang="en-US" sz="1200" b="0" i="0" u="none" strike="noStrike" kern="1200" dirty="0">
+                <a:solidFill>
+                  <a:schemeClr val="tx1"/>
+                </a:solidFill>
+                <a:effectLst/>
+                <a:latin typeface="+mn-lt"/>
+                <a:ea typeface="+mn-ea"/>
+                <a:cs typeface="+mn-cs"/>
+              </a:rPr>
+              <a:t>Which also runs on MacOS X 10.3.9, CPU: Intel Pentium</a:t>
             </a:r>
             <a:endParaRPr lang="en-US" dirty="0"/>
           </a:p>
@@ -4407,7 +6911,7 @@
           <a:p>
             <a:fld id="{021361DD-1E38-BB4A-B605-BA873CC7A43C}" type="slidenum">
               <a:rPr lang="en-US" smtClean="0"/>
-              <a:t>8</a:t>
+              <a:t>7</a:t>
             </a:fld>
             <a:endParaRPr lang="en-US"/>
           </a:p>
@@ -4470,159 +6974,13 @@
           <a:bodyPr/>
           <a:lstStyle/>
           <a:p>
-            <a:pPr fontAlgn="base"/>
-            <a:r>
-              <a:rPr lang="en-US" sz="1200" kern="1200" dirty="0">
-                <a:solidFill>
-                  <a:schemeClr val="tx1"/>
-                </a:solidFill>
-                <a:effectLst/>
-                <a:latin typeface="+mn-lt"/>
-                <a:ea typeface="+mn-ea"/>
-                <a:cs typeface="+mn-cs"/>
-              </a:rPr>
-              <a:t>The process for creating apps for Apple TV is similar to the process for creating iOS apps. You can create games, utility apps, media apps, and more using the same techniques and frameworks used by iOS. New and existing apps can target both iOS and the new Apple TV, allowing for unprecedented multiplayer options.</a:t>
-            </a:r>
-          </a:p>
-          <a:p>
-            <a:endParaRPr lang="en-US" sz="1200" b="0" i="0" kern="1200" dirty="0">
-              <a:solidFill>
-                <a:schemeClr val="tx1"/>
-              </a:solidFill>
-              <a:effectLst/>
-              <a:latin typeface="+mn-lt"/>
-              <a:ea typeface="+mn-ea"/>
-              <a:cs typeface="+mn-cs"/>
-            </a:endParaRPr>
-          </a:p>
-          <a:p>
-            <a:r>
-              <a:rPr lang="en-US" sz="1200" b="0" i="0" kern="1200" dirty="0">
-                <a:solidFill>
-                  <a:schemeClr val="tx1"/>
-                </a:solidFill>
-                <a:effectLst/>
-                <a:latin typeface="+mn-lt"/>
-                <a:ea typeface="+mn-ea"/>
-                <a:cs typeface="+mn-cs"/>
-              </a:rPr>
-              <a:t>Apple TV makes it easier to create client-server apps, whose primary purpose is to stream media, using web technologies such as HTTPS, </a:t>
-            </a:r>
-            <a:r>
-              <a:rPr lang="en-US" sz="1200" b="0" i="0" kern="1200" dirty="0" err="1">
-                <a:solidFill>
-                  <a:schemeClr val="tx1"/>
-                </a:solidFill>
-                <a:effectLst/>
-                <a:latin typeface="+mn-lt"/>
-                <a:ea typeface="+mn-ea"/>
-                <a:cs typeface="+mn-cs"/>
-              </a:rPr>
-              <a:t>XMLHTTPRequest</a:t>
-            </a:r>
-            <a:r>
-              <a:rPr lang="en-US" sz="1200" b="0" i="0" kern="1200" dirty="0">
-                <a:solidFill>
-                  <a:schemeClr val="tx1"/>
-                </a:solidFill>
-                <a:effectLst/>
-                <a:latin typeface="+mn-lt"/>
-                <a:ea typeface="+mn-ea"/>
-                <a:cs typeface="+mn-cs"/>
-              </a:rPr>
-              <a:t>, DOM, and JavaScript. You use Apple’s custom markup language, TVML, to create interfaces, and you specify app behaviors using JavaScript. The </a:t>
-            </a:r>
-            <a:r>
-              <a:rPr lang="en-US" sz="1200" b="0" i="0" kern="1200" dirty="0" err="1">
-                <a:solidFill>
-                  <a:schemeClr val="tx1"/>
-                </a:solidFill>
-                <a:effectLst/>
-                <a:latin typeface="+mn-lt"/>
-                <a:ea typeface="+mn-ea"/>
-                <a:cs typeface="+mn-cs"/>
-              </a:rPr>
-              <a:t>TVMLKit</a:t>
-            </a:r>
-            <a:r>
-              <a:rPr lang="en-US" sz="1200" b="0" i="0" kern="1200" dirty="0">
-                <a:solidFill>
-                  <a:schemeClr val="tx1"/>
-                </a:solidFill>
-                <a:effectLst/>
-                <a:latin typeface="+mn-lt"/>
-                <a:ea typeface="+mn-ea"/>
-                <a:cs typeface="+mn-cs"/>
-              </a:rPr>
-              <a:t> framework provides the bridge between your native code and the JavaScript code in your user interface</a:t>
-            </a:r>
-          </a:p>
-          <a:p>
-            <a:endParaRPr lang="en-US" sz="1200" b="0" i="0" kern="1200" dirty="0">
-              <a:solidFill>
-                <a:schemeClr val="tx1"/>
-              </a:solidFill>
-              <a:effectLst/>
-              <a:latin typeface="+mn-lt"/>
-              <a:ea typeface="+mn-ea"/>
-              <a:cs typeface="+mn-cs"/>
-            </a:endParaRPr>
-          </a:p>
-          <a:p>
-            <a:endParaRPr lang="en-US" sz="1200" b="0" i="0" kern="1200" dirty="0">
-              <a:solidFill>
-                <a:schemeClr val="tx1"/>
-              </a:solidFill>
-              <a:effectLst/>
-              <a:latin typeface="+mn-lt"/>
-              <a:ea typeface="+mn-ea"/>
-              <a:cs typeface="+mn-cs"/>
-            </a:endParaRPr>
-          </a:p>
-          <a:p>
-            <a:r>
-              <a:rPr lang="en-US" sz="1200" b="0" i="0" kern="1200" dirty="0">
-                <a:solidFill>
-                  <a:schemeClr val="tx1"/>
-                </a:solidFill>
-                <a:effectLst/>
-                <a:latin typeface="+mn-lt"/>
-                <a:ea typeface="+mn-ea"/>
-                <a:cs typeface="+mn-cs"/>
-              </a:rPr>
-              <a:t>Update:</a:t>
-            </a:r>
-          </a:p>
-          <a:p>
-            <a:r>
-              <a:rPr lang="en-US" sz="1200" b="0" i="0" kern="1200" dirty="0">
-                <a:solidFill>
-                  <a:schemeClr val="tx1"/>
-                </a:solidFill>
-                <a:effectLst/>
-                <a:latin typeface="+mn-lt"/>
-                <a:ea typeface="+mn-ea"/>
-                <a:cs typeface="+mn-cs"/>
-              </a:rPr>
-              <a:t>- Can make it side by side to easier to compare</a:t>
-            </a:r>
-          </a:p>
-          <a:p>
             <a:pPr marL="171450" indent="-171450">
               <a:buFontTx/>
               <a:buChar char="-"/>
             </a:pPr>
             <a:r>
-              <a:rPr lang="en-US" sz="1200" b="0" i="0" kern="1200" dirty="0">
-                <a:solidFill>
-                  <a:schemeClr val="tx1"/>
-                </a:solidFill>
-                <a:effectLst/>
-                <a:latin typeface="+mn-lt"/>
-                <a:ea typeface="+mn-ea"/>
-                <a:cs typeface="+mn-cs"/>
-              </a:rPr>
-              <a:t>Pros and cons here for Traditional way and TVML way</a:t>
+              <a:rPr lang="en-US" dirty="0"/>
+              <a:t>After the success of the first iPhone, Apple focused 100% on enhancing iPhone</a:t>
             </a:r>
           </a:p>
           <a:p>
@@ -4630,15 +6988,10 @@
               <a:buFontTx/>
               <a:buChar char="-"/>
             </a:pPr>
-            <a:endParaRPr lang="en-US" sz="1200" b="0" i="0" kern="1200" dirty="0">
-              <a:solidFill>
-                <a:schemeClr val="tx1"/>
-              </a:solidFill>
-              <a:effectLst/>
-              <a:latin typeface="+mn-lt"/>
-              <a:ea typeface="+mn-ea"/>
-              <a:cs typeface="+mn-cs"/>
-            </a:endParaRPr>
+            <a:r>
+              <a:rPr lang="en-US" dirty="0"/>
+              <a:t>And 4 years later, after they have a stable version of iPhone and iOS</a:t>
+            </a:r>
           </a:p>
           <a:p>
             <a:pPr marL="171450" indent="-171450">
@@ -4646,41 +6999,143 @@
               <a:buChar char="-"/>
             </a:pPr>
             <a:r>
-              <a:rPr lang="en-US" sz="1200" b="0" i="0" kern="1200" dirty="0">
-                <a:solidFill>
-                  <a:schemeClr val="tx1"/>
-                </a:solidFill>
-                <a:effectLst/>
-                <a:latin typeface="+mn-lt"/>
-                <a:ea typeface="+mn-ea"/>
-                <a:cs typeface="+mn-cs"/>
-              </a:rPr>
-              <a:t>For every business we need to care able </a:t>
-            </a:r>
-            <a:r>
-              <a:rPr lang="en-US" sz="1200" b="0" i="0" kern="1200" dirty="0" err="1">
-                <a:solidFill>
-                  <a:schemeClr val="tx1"/>
-                </a:solidFill>
-                <a:effectLst/>
-                <a:latin typeface="+mn-lt"/>
-                <a:ea typeface="+mn-ea"/>
-                <a:cs typeface="+mn-cs"/>
-              </a:rPr>
-              <a:t>scability</a:t>
-            </a:r>
-            <a:r>
-              <a:rPr lang="en-US" sz="1200" b="0" i="0" kern="1200" dirty="0">
-                <a:solidFill>
-                  <a:schemeClr val="tx1"/>
-                </a:solidFill>
-                <a:effectLst/>
-                <a:latin typeface="+mn-lt"/>
-                <a:ea typeface="+mn-ea"/>
-                <a:cs typeface="+mn-cs"/>
-              </a:rPr>
-              <a:t> and beside that you need to rewrite lots of tests for both. </a:t>
-            </a:r>
+              <a:rPr lang="en-US" dirty="0"/>
+              <a:t>In 2010 Apple redesign </a:t>
+            </a:r>
+            <a:r>
+              <a:rPr lang="en-US" dirty="0" err="1"/>
+              <a:t>iTV</a:t>
+            </a:r>
+            <a:r>
+              <a:rPr lang="en-US" dirty="0"/>
+              <a:t> and introduce the secondary generation. </a:t>
+            </a:r>
+          </a:p>
+          <a:p>
+            <a:pPr marL="171450" indent="-171450">
+              <a:buFontTx/>
+              <a:buChar char="-"/>
+            </a:pPr>
+            <a:r>
+              <a:rPr lang="en-US" dirty="0"/>
+              <a:t>From this version, Apple decided to use the name Apple TV instead of </a:t>
+            </a:r>
+            <a:r>
+              <a:rPr lang="en-US" dirty="0" err="1"/>
+              <a:t>iTV</a:t>
+            </a:r>
+            <a:r>
+              <a:rPr lang="en-US" dirty="0"/>
+              <a:t> as previously</a:t>
+            </a:r>
+          </a:p>
+          <a:p>
+            <a:pPr marL="171450" indent="-171450">
+              <a:buFontTx/>
+              <a:buChar char="-"/>
+            </a:pPr>
+            <a:r>
+              <a:rPr lang="en-US" dirty="0"/>
+              <a:t>This is also the first Apple TV not run on Mac OS</a:t>
+            </a:r>
+          </a:p>
+          <a:p>
+            <a:pPr marL="171450" indent="-171450">
+              <a:buFontTx/>
+              <a:buChar char="-"/>
+            </a:pPr>
+            <a:r>
+              <a:rPr lang="en-US" dirty="0"/>
+              <a:t>Actually when it was just launched it still run on iOS 8</a:t>
+            </a:r>
+          </a:p>
+          <a:p>
+            <a:pPr marL="171450" indent="-171450">
+              <a:buFontTx/>
+              <a:buChar char="-"/>
+            </a:pPr>
+            <a:r>
+              <a:rPr lang="en-US" dirty="0"/>
+              <a:t>Until end of 2010 Apple introduced </a:t>
+            </a:r>
+            <a:r>
+              <a:rPr lang="en-US" dirty="0" err="1"/>
+              <a:t>tvOS</a:t>
+            </a:r>
+            <a:r>
+              <a:rPr lang="en-US" dirty="0"/>
+              <a:t> 9 which is 95% bases on iOS 9</a:t>
+            </a:r>
+          </a:p>
+          <a:p>
+            <a:pPr marL="171450" marR="0" lvl="0" indent="-171450" algn="l" defTabSz="914400" rtl="0" eaLnBrk="1" fontAlgn="auto" latinLnBrk="0" hangingPunct="1">
+              <a:lnSpc>
+                <a:spcPct val="100000"/>
+              </a:lnSpc>
+              <a:spcBef>
+                <a:spcPts val="0"/>
+              </a:spcBef>
+              <a:spcAft>
+                <a:spcPts val="0"/>
+              </a:spcAft>
+              <a:buClrTx/>
+              <a:buSzTx/>
+              <a:buFontTx/>
+              <a:buChar char="-"/>
+              <a:tabLst/>
+              <a:defRPr/>
+            </a:pPr>
+            <a:r>
+              <a:rPr lang="en-US" dirty="0"/>
+              <a:t>And since there Apple TV will only run on </a:t>
+            </a:r>
+            <a:r>
+              <a:rPr lang="en-US" dirty="0" err="1"/>
+              <a:t>tvOS</a:t>
+            </a:r>
+            <a:endParaRPr lang="en-US" dirty="0"/>
+          </a:p>
+          <a:p>
+            <a:endParaRPr lang="en-US" dirty="0"/>
+          </a:p>
+          <a:p>
+            <a:r>
+              <a:rPr lang="en-US" dirty="0"/>
+              <a:t>Which split into 2 items</a:t>
+            </a:r>
+          </a:p>
+          <a:p>
+            <a:pPr marL="171450" indent="-171450">
+              <a:buFontTx/>
+              <a:buChar char="-"/>
+            </a:pPr>
+            <a:r>
+              <a:rPr lang="en-US" dirty="0"/>
+              <a:t>First is the TV box which has the processor, memory. It also has a HDMI hub to connect with TV, similarly with a Mac Mini </a:t>
+            </a:r>
+          </a:p>
+          <a:p>
+            <a:pPr marL="171450" indent="-171450">
+              <a:buFontTx/>
+              <a:buChar char="-"/>
+            </a:pPr>
+            <a:r>
+              <a:rPr lang="en-US" dirty="0"/>
+              <a:t>Another one is the controller and we will use it to control the app on the screen</a:t>
+            </a:r>
+          </a:p>
+          <a:p>
+            <a:pPr marL="171450" indent="-171450">
+              <a:buFontTx/>
+              <a:buChar char="-"/>
+            </a:pPr>
+            <a:r>
+              <a:rPr lang="en-US" dirty="0"/>
+              <a:t>You also can use your phone to control Apple TV by download app which name Remote on Apple Store</a:t>
+            </a:r>
+          </a:p>
+          <a:p>
+            <a:endParaRPr lang="en-US" dirty="0"/>
           </a:p>
         </p:txBody>
       </p:sp>
@@ -4701,7 +7156,7 @@
           <a:p>
             <a:fld id="{021361DD-1E38-BB4A-B605-BA873CC7A43C}" type="slidenum">
               <a:rPr lang="en-US" smtClean="0"/>
-              <a:t>11</a:t>
+              <a:t>8</a:t>
             </a:fld>
             <a:endParaRPr lang="en-US"/>
           </a:p>
@@ -4710,7 +7165,7 @@
     </p:spTree>
     <p:extLst>
       <p:ext uri="{BB962C8B-B14F-4D97-AF65-F5344CB8AC3E}">
-        <p14:creationId xmlns:p14="http://schemas.microsoft.com/office/powerpoint/2010/main" val="2363464583"/>
+        <p14:creationId xmlns:p14="http://schemas.microsoft.com/office/powerpoint/2010/main" val="1169116740"/>
       </p:ext>
     </p:extLst>
   </p:cSld>
@@ -4764,113 +7219,39 @@
           <a:bodyPr/>
           <a:lstStyle/>
           <a:p>
-            <a:pPr marL="0" marR="0" lvl="0" indent="0" algn="l" defTabSz="914400" rtl="0" eaLnBrk="1" fontAlgn="auto" latinLnBrk="0" hangingPunct="1">
-              <a:lnSpc>
-                <a:spcPct val="100000"/>
-              </a:lnSpc>
-              <a:spcBef>
-                <a:spcPts val="0"/>
-              </a:spcBef>
-              <a:spcAft>
-                <a:spcPts val="0"/>
-              </a:spcAft>
-              <a:buClrTx/>
-              <a:buSzTx/>
-              <a:buFontTx/>
-              <a:buNone/>
-              <a:tabLst/>
-              <a:defRPr/>
-            </a:pPr>
-            <a:r>
-              <a:rPr lang="en-US" sz="1200" b="1" i="0" u="none" strike="noStrike" kern="1200" dirty="0">
-                <a:solidFill>
-                  <a:schemeClr val="tx1"/>
-                </a:solidFill>
-                <a:effectLst/>
-                <a:latin typeface="+mn-lt"/>
-                <a:ea typeface="+mn-ea"/>
-                <a:cs typeface="+mn-cs"/>
-              </a:rPr>
-              <a:t>3</a:t>
-            </a:r>
-            <a:r>
-              <a:rPr lang="en-US" sz="1200" b="1" i="0" u="none" strike="noStrike" kern="1200" baseline="30000" dirty="0">
-                <a:solidFill>
-                  <a:schemeClr val="tx1"/>
-                </a:solidFill>
-                <a:effectLst/>
-                <a:latin typeface="+mn-lt"/>
-                <a:ea typeface="+mn-ea"/>
-                <a:cs typeface="+mn-cs"/>
-              </a:rPr>
-              <a:t>rd</a:t>
-            </a:r>
-            <a:r>
-              <a:rPr lang="en-US" sz="1200" b="1" i="0" u="none" strike="noStrike" kern="1200" dirty="0">
-                <a:solidFill>
-                  <a:schemeClr val="tx1"/>
-                </a:solidFill>
-                <a:effectLst/>
-                <a:latin typeface="+mn-lt"/>
-                <a:ea typeface="+mn-ea"/>
-                <a:cs typeface="+mn-cs"/>
-              </a:rPr>
-              <a:t> Libs: from Pod, Carthage, or adding framework directly</a:t>
-            </a:r>
-          </a:p>
-          <a:p>
-            <a:pPr marL="0" marR="0" lvl="0" indent="0" algn="l" defTabSz="914400" rtl="0" eaLnBrk="1" fontAlgn="auto" latinLnBrk="0" hangingPunct="1">
-              <a:lnSpc>
-                <a:spcPct val="100000"/>
-              </a:lnSpc>
-              <a:spcBef>
-                <a:spcPts val="0"/>
-              </a:spcBef>
-              <a:spcAft>
-                <a:spcPts val="0"/>
-              </a:spcAft>
-              <a:buClrTx/>
-              <a:buSzTx/>
-              <a:buFontTx/>
-              <a:buNone/>
-              <a:tabLst/>
-              <a:defRPr/>
-            </a:pPr>
-            <a:r>
-              <a:rPr lang="en-US" sz="1200" b="1" i="0" u="none" strike="noStrike" kern="1200" dirty="0">
-                <a:solidFill>
-                  <a:schemeClr val="tx1"/>
-                </a:solidFill>
-                <a:effectLst/>
-                <a:latin typeface="+mn-lt"/>
-                <a:ea typeface="+mn-ea"/>
-                <a:cs typeface="+mn-cs"/>
-              </a:rPr>
-              <a:t>Core framework from Cocoa Touch framework, such as Foundation, </a:t>
-            </a:r>
-            <a:r>
-              <a:rPr lang="en-US" sz="1200" b="1" i="0" u="none" strike="noStrike" kern="1200" dirty="0" err="1">
-                <a:solidFill>
-                  <a:schemeClr val="tx1"/>
-                </a:solidFill>
-                <a:effectLst/>
-                <a:latin typeface="+mn-lt"/>
-                <a:ea typeface="+mn-ea"/>
-                <a:cs typeface="+mn-cs"/>
-              </a:rPr>
-              <a:t>UIKit</a:t>
-            </a:r>
-            <a:r>
-              <a:rPr lang="en-US" sz="1200" b="1" i="0" u="none" strike="noStrike" kern="1200" dirty="0">
-                <a:solidFill>
-                  <a:schemeClr val="tx1"/>
-                </a:solidFill>
-                <a:effectLst/>
-                <a:latin typeface="+mn-lt"/>
-                <a:ea typeface="+mn-ea"/>
-                <a:cs typeface="+mn-cs"/>
-              </a:rPr>
-              <a:t>, … </a:t>
+            <a:r>
+              <a:rPr lang="en-US" dirty="0"/>
+              <a:t>On the screen is Apple TV 5</a:t>
+            </a:r>
+            <a:r>
+              <a:rPr lang="en-US" baseline="30000" dirty="0"/>
+              <a:t>th</a:t>
+            </a:r>
+            <a:r>
+              <a:rPr lang="en-US" dirty="0"/>
+              <a:t> gen, which is also the latest Apple TV</a:t>
+            </a:r>
+          </a:p>
+          <a:p>
+            <a:r>
+              <a:rPr lang="en-US" dirty="0"/>
+              <a:t>The latest </a:t>
+            </a:r>
+            <a:r>
+              <a:rPr lang="en-US" dirty="0" err="1"/>
+              <a:t>tvOS</a:t>
+            </a:r>
+            <a:r>
+              <a:rPr lang="en-US" dirty="0"/>
+              <a:t> version is </a:t>
+            </a:r>
+            <a:r>
+              <a:rPr lang="en-US" dirty="0" err="1"/>
+              <a:t>tvOS</a:t>
+            </a:r>
+            <a:r>
+              <a:rPr lang="en-US" dirty="0"/>
+              <a:t> 12</a:t>
             </a:r>
           </a:p>
         </p:txBody>
@@ -4892,7 +7273,7 @@
           <a:p>
             <a:fld id="{021361DD-1E38-BB4A-B605-BA873CC7A43C}" type="slidenum">
               <a:rPr lang="en-US" smtClean="0"/>
-              <a:t>13</a:t>
+              <a:t>9</a:t>
             </a:fld>
             <a:endParaRPr lang="en-US"/>
           </a:p>
@@ -4901,7 +7282,7 @@
     </p:spTree>
     <p:extLst>
       <p:ext uri="{BB962C8B-B14F-4D97-AF65-F5344CB8AC3E}">
-        <p14:creationId xmlns:p14="http://schemas.microsoft.com/office/powerpoint/2010/main" val="147061149"/>
+        <p14:creationId xmlns:p14="http://schemas.microsoft.com/office/powerpoint/2010/main" val="3720110514"/>
       </p:ext>
     </p:extLst>
   </p:cSld>
@@ -5050,7 +7431,7 @@
           <a:p>
             <a:fld id="{48A87A34-81AB-432B-8DAE-1953F412C126}" type="datetimeFigureOut">
               <a:rPr lang="en-US" dirty="0"/>
-              <a:t>8/27/18</a:t>
+              <a:t>9/18/18</a:t>
             </a:fld>
             <a:endParaRPr lang="en-US" dirty="0"/>
           </a:p>
@@ -5256,7 +7637,7 @@
           <a:p>
             <a:fld id="{48A87A34-81AB-432B-8DAE-1953F412C126}" type="datetimeFigureOut">
               <a:rPr lang="en-US" dirty="0"/>
-              <a:t>8/27/18</a:t>
+              <a:t>9/18/18</a:t>
             </a:fld>
             <a:endParaRPr lang="en-US" dirty="0"/>
           </a:p>
@@ -5466,7 +7847,7 @@
           <a:p>
             <a:fld id="{48A87A34-81AB-432B-8DAE-1953F412C126}" type="datetimeFigureOut">
               <a:rPr lang="en-US" dirty="0"/>
-              <a:t>8/27/18</a:t>
+              <a:t>9/18/18</a:t>
             </a:fld>
             <a:endParaRPr lang="en-US" dirty="0"/>
           </a:p>
@@ -5662,7 +8043,7 @@
           <a:p>
             <a:fld id="{48A87A34-81AB-432B-8DAE-1953F412C126}" type="datetimeFigureOut">
               <a:rPr lang="en-US" dirty="0"/>
-              <a:t>8/27/18</a:t>
+              <a:t>9/18/18</a:t>
             </a:fld>
             <a:endParaRPr lang="en-US" dirty="0"/>
           </a:p>
@@ -5936,7 +8317,7 @@
           <a:p>
             <a:fld id="{48A87A34-81AB-432B-8DAE-1953F412C126}" type="datetimeFigureOut">
               <a:rPr lang="en-US" dirty="0"/>
-              <a:t>8/27/18</a:t>
+              <a:t>9/18/18</a:t>
             </a:fld>
             <a:endParaRPr lang="en-US" dirty="0"/>
           </a:p>
@@ -6199,7 +8580,7 @@
           <a:p>
             <a:fld id="{48A87A34-81AB-432B-8DAE-1953F412C126}" type="datetimeFigureOut">
               <a:rPr lang="en-US" dirty="0"/>
-              <a:t>8/27/18</a:t>
+              <a:t>9/18/18</a:t>
             </a:fld>
             <a:endParaRPr lang="en-US" dirty="0"/>
           </a:p>
@@ -6610,7 +8991,7 @@
           <a:p>
             <a:fld id="{48A87A34-81AB-432B-8DAE-1953F412C126}" type="datetimeFigureOut">
               <a:rPr lang="en-US" dirty="0"/>
-              <a:t>8/27/18</a:t>
+              <a:t>9/18/18</a:t>
             </a:fld>
             <a:endParaRPr lang="en-US" dirty="0"/>
           </a:p>
@@ -6754,7 +9135,7 @@
           <a:p>
             <a:fld id="{48A87A34-81AB-432B-8DAE-1953F412C126}" type="datetimeFigureOut">
               <a:rPr lang="en-US" dirty="0"/>
-              <a:t>8/27/18</a:t>
+              <a:t>9/18/18</a:t>
             </a:fld>
             <a:endParaRPr lang="en-US" dirty="0"/>
           </a:p>
@@ -6875,7 +9256,7 @@
           <a:p>
             <a:fld id="{48A87A34-81AB-432B-8DAE-1953F412C126}" type="datetimeFigureOut">
               <a:rPr lang="en-US" dirty="0"/>
-              <a:t>8/27/18</a:t>
+              <a:t>9/18/18</a:t>
             </a:fld>
             <a:endParaRPr lang="en-US" dirty="0"/>
           </a:p>
@@ -7121,7 +9502,7 @@
           <a:p>
             <a:fld id="{48A87A34-81AB-432B-8DAE-1953F412C126}" type="datetimeFigureOut">
               <a:rPr lang="en-US" dirty="0"/>
-              <a:t>8/27/18</a:t>
+              <a:t>9/18/18</a:t>
             </a:fld>
             <a:endParaRPr lang="en-US" dirty="0"/>
           </a:p>
@@ -7562,7 +9943,7 @@
             <a:fld id="{48A87A34-81AB-432B-8DAE-1953F412C126}" type="datetimeFigureOut">
               <a:rPr lang="en-US" dirty="0"/>
               <a:pPr/>
-              <a:t>8/27/18</a:t>
+              <a:t>9/18/18</a:t>
             </a:fld>
             <a:endParaRPr lang="en-US" dirty="0"/>
           </a:p>
@@ -7884,7 +10265,7 @@
             <a:fld id="{48A87A34-81AB-432B-8DAE-1953F412C126}" type="datetimeFigureOut">
               <a:rPr lang="en-US" dirty="0"/>
               <a:pPr/>
-              <a:t>8/27/18</a:t>
+              <a:t>9/18/18</a:t>
             </a:fld>
             <a:endParaRPr lang="en-US" dirty="0"/>
           </a:p>
@@ -8371,7 +10752,7 @@
           <p:cNvPr id="2" name="Title 1">
             <a:extLst>
               <a:ext uri="{FF2B5EF4-FFF2-40B4-BE49-F238E27FC236}">
-                <a16:creationId xmlns:a16="http://schemas.microsoft.com/office/drawing/2014/main" id="{60520854-28F4-0C4A-9648-EE26DB14A378}"/>
+                <a16:creationId xmlns:a16="http://schemas.microsoft.com/office/drawing/2014/main" id="{626FA10A-175C-BE45-BB67-7F54BAA33D59}"/>
               </a:ext>
             </a:extLst>
           </p:cNvPr>
@@ -8384,14 +10765,20 @@
         </p:nvSpPr>
         <p:spPr/>
         <p:txBody>
-          <a:bodyPr>
-            <a:normAutofit/>
-          </a:bodyPr>
+          <a:bodyPr/>
           <a:lstStyle/>
           <a:p>
             <a:r>
-              <a:rPr lang="en-US" sz="4800" dirty="0"/>
-              <a:t>Thanh</a:t>
+              <a:rPr lang="en-US" dirty="0"/>
+              <a:t>Singapore </a:t>
+            </a:r>
+            <a:r>
+              <a:rPr lang="en-US" dirty="0" err="1"/>
+              <a:t>ios</a:t>
+            </a:r>
+            <a:r>
+              <a:rPr lang="en-US" dirty="0"/>
+              <a:t> meetup</a:t>
             </a:r>
           </a:p>
         </p:txBody>
@@ -8401,7 +10788,7 @@
           <p:cNvPr id="3" name="Content Placeholder 2">
             <a:extLst>
               <a:ext uri="{FF2B5EF4-FFF2-40B4-BE49-F238E27FC236}">
-                <a16:creationId xmlns:a16="http://schemas.microsoft.com/office/drawing/2014/main" id="{9F89656E-D126-4941-927C-FC527C0D7694}"/>
+                <a16:creationId xmlns:a16="http://schemas.microsoft.com/office/drawing/2014/main" id="{C0FF7EE5-E541-BB44-9992-B1B3AF33FD63}"/>
               </a:ext>
             </a:extLst>
           </p:cNvPr>
@@ -8418,52 +10805,16 @@
           <a:lstStyle/>
           <a:p>
             <a:r>
-              <a:rPr lang="en-US" sz="3200" dirty="0"/>
-              <a:t>Software Engineer</a:t>
-            </a:r>
-          </a:p>
-          <a:p>
-            <a:r>
-              <a:rPr lang="en-US" sz="3200" dirty="0"/>
-              <a:t>Rakuten Viki</a:t>
-            </a:r>
-          </a:p>
-          <a:p>
-            <a:r>
-              <a:rPr lang="en-US" sz="3200" dirty="0">
-                <a:hlinkClick r:id="rId3"/>
-              </a:rPr>
-              <a:t>thanh.ta@rakuten.com</a:t>
-            </a:r>
-            <a:endParaRPr lang="en-US" sz="3200" dirty="0"/>
-          </a:p>
-          <a:p>
-            <a:r>
-              <a:rPr lang="en-US" sz="3200" dirty="0" err="1"/>
-              <a:t>linkedin.com</a:t>
-            </a:r>
-            <a:r>
-              <a:rPr lang="en-US" sz="3200" dirty="0"/>
-              <a:t>/in/</a:t>
-            </a:r>
-            <a:r>
-              <a:rPr lang="en-US" sz="3200" dirty="0" err="1"/>
-              <a:t>thanhturin</a:t>
-            </a:r>
-            <a:r>
-              <a:rPr lang="en-US" sz="3200" dirty="0"/>
-              <a:t>/</a:t>
-            </a:r>
-          </a:p>
-          <a:p>
-            <a:endParaRPr lang="en-US" dirty="0"/>
+              <a:rPr lang="en-US" dirty="0"/>
+              <a:t>Add logo here</a:t>
+            </a:r>
           </a:p>
         </p:txBody>
       </p:sp>
     </p:spTree>
     <p:extLst>
       <p:ext uri="{BB962C8B-B14F-4D97-AF65-F5344CB8AC3E}">
-        <p14:creationId xmlns:p14="http://schemas.microsoft.com/office/powerpoint/2010/main" val="2612358014"/>
+        <p14:creationId xmlns:p14="http://schemas.microsoft.com/office/powerpoint/2010/main" val="3109470790"/>
       </p:ext>
     </p:extLst>
   </p:cSld>
@@ -8476,30 +10827,6 @@
 <file path=ppt/slides/slide10.xml><?xml version="1.0" encoding="utf-8"?>
 <p:sld xmlns:a="http://schemas.openxmlformats.org/drawingml/2006/main" xmlns:r="http://schemas.openxmlformats.org/officeDocument/2006/relationships" xmlns:p="http://schemas.openxmlformats.org/presentationml/2006/main">
   <p:cSld>
-    <p:bg>
-      <p:bgPr>
-        <a:gradFill rotWithShape="1">
-          <a:gsLst>
-            <a:gs pos="0">
-              <a:schemeClr val="bg2">
-                <a:tint val="94000"/>
-                <a:satMod val="80000"/>
-                <a:lumMod val="106000"/>
-              </a:schemeClr>
-            </a:gs>
-            <a:gs pos="100000">
-              <a:schemeClr val="bg2">
-                <a:shade val="80000"/>
-              </a:schemeClr>
-            </a:gs>
-          </a:gsLst>
-          <a:path path="circle">
-            <a:fillToRect l="43000" r="43000" b="100000"/>
-          </a:path>
-        </a:gradFill>
-        <a:effectLst/>
-      </p:bgPr>
-    </p:bg>
     <p:spTree>
       <p:nvGrpSpPr>
         <p:cNvPr id="1" name=""/>
@@ -8516,595 +10843,67 @@
       </p:grpSpPr>
       <p:sp>
         <p:nvSpPr>
-          <p:cNvPr id="38" name="Rectangle 37">
+          <p:cNvPr id="2" name="Title 1">
             <a:extLst>
               <a:ext uri="{FF2B5EF4-FFF2-40B4-BE49-F238E27FC236}">
-                <a16:creationId xmlns:a16="http://schemas.microsoft.com/office/drawing/2014/main" id="{0CABCAE3-64FC-4149-819F-2C1812824154}"/>
-              </a:ext>
-              <a:ext uri="{C183D7F6-B498-43B3-948B-1728B52AA6E4}">
-                <adec:decorative xmlns:adec="http://schemas.microsoft.com/office/drawing/2017/decorative" val="1"/>
+                <a16:creationId xmlns:a16="http://schemas.microsoft.com/office/drawing/2014/main" id="{2FC95B30-B6C2-7147-9C81-64014A69A983}"/>
               </a:ext>
             </a:extLst>
           </p:cNvPr>
           <p:cNvSpPr>
-            <a:spLocks noGrp="1" noRot="1" noChangeAspect="1" noMove="1" noResize="1" noEditPoints="1" noAdjustHandles="1" noChangeArrowheads="1" noChangeShapeType="1" noTextEdit="1"/>
+            <a:spLocks noGrp="1"/>
           </p:cNvSpPr>
           <p:nvPr>
-            <p:extLst>
-              <p:ext uri="{386F3935-93C4-4BCD-93E2-E3B085C9AB24}">
-                <p16:designElem xmlns:p16="http://schemas.microsoft.com/office/powerpoint/2015/main" val="1"/>
-              </p:ext>
-            </p:extLst>
+            <p:ph type="title"/>
           </p:nvPr>
         </p:nvSpPr>
-        <p:spPr>
-          <a:xfrm>
-            <a:off x="0" y="2019476"/>
-            <a:ext cx="12192000" cy="4105941"/>
-          </a:xfrm>
-          <a:prstGeom prst="rect">
-            <a:avLst/>
-          </a:prstGeom>
-          <a:gradFill flip="none" rotWithShape="1">
-            <a:gsLst>
-              <a:gs pos="0">
-                <a:schemeClr val="bg2">
-                  <a:alpha val="0"/>
-                </a:schemeClr>
-              </a:gs>
-              <a:gs pos="100000">
-                <a:schemeClr val="bg2"/>
-              </a:gs>
-            </a:gsLst>
-            <a:lin ang="5400000" scaled="0"/>
-            <a:tileRect/>
-          </a:gradFill>
-          <a:ln>
-            <a:noFill/>
-          </a:ln>
-        </p:spPr>
-        <p:style>
-          <a:lnRef idx="2">
-            <a:schemeClr val="accent1">
-              <a:shade val="50000"/>
-            </a:schemeClr>
-          </a:lnRef>
-          <a:fillRef idx="1">
-            <a:schemeClr val="accent1"/>
-          </a:fillRef>
-          <a:effectRef idx="0">
-            <a:schemeClr val="accent1"/>
-          </a:effectRef>
-          <a:fontRef idx="minor">
-            <a:schemeClr val="lt1"/>
-          </a:fontRef>
-        </p:style>
+        <p:spPr/>
+        <p:txBody>
+          <a:bodyPr/>
+          <a:lstStyle/>
+          <a:p>
+            <a:r>
+              <a:rPr lang="en-US" dirty="0"/>
+              <a:t>Apple tv sold</a:t>
+            </a:r>
+          </a:p>
+        </p:txBody>
       </p:sp>
-      <p:pic>
-        <p:nvPicPr>
-          <p:cNvPr id="40" name="Picture 39">
+      <p:graphicFrame>
+        <p:nvGraphicFramePr>
+          <p:cNvPr id="4" name="Content Placeholder 3">
             <a:extLst>
               <a:ext uri="{FF2B5EF4-FFF2-40B4-BE49-F238E27FC236}">
-                <a16:creationId xmlns:a16="http://schemas.microsoft.com/office/drawing/2014/main" id="{012FDCFE-9AD2-4D8A-8CBF-B3AA37EBF6DD}"/>
-              </a:ext>
-              <a:ext uri="{C183D7F6-B498-43B3-948B-1728B52AA6E4}">
-                <adec:decorative xmlns:adec="http://schemas.microsoft.com/office/drawing/2017/decorative" val="1"/>
+                <a16:creationId xmlns:a16="http://schemas.microsoft.com/office/drawing/2014/main" id="{B4D97983-5D84-744A-B9DB-17B621D00E5B}"/>
               </a:ext>
             </a:extLst>
           </p:cNvPr>
-          <p:cNvPicPr>
-            <a:picLocks noGrp="1" noRot="1" noChangeAspect="1" noMove="1" noResize="1" noEditPoints="1" noAdjustHandles="1" noChangeArrowheads="1" noChangeShapeType="1" noCrop="1"/>
-          </p:cNvPicPr>
-          <p:nvPr>
+          <p:cNvGraphicFramePr>
+            <a:graphicFrameLocks noGrp="1"/>
+          </p:cNvGraphicFramePr>
+          <p:nvPr>
+            <p:ph idx="1"/>
             <p:extLst>
-              <p:ext uri="{386F3935-93C4-4BCD-93E2-E3B085C9AB24}">
-                <p16:designElem xmlns:p16="http://schemas.microsoft.com/office/powerpoint/2015/main" val="1"/>
+              <p:ext uri="{D42A27DB-BD31-4B8C-83A1-F6EECF244321}">
+                <p14:modId xmlns:p14="http://schemas.microsoft.com/office/powerpoint/2010/main" val="2914604130"/>
               </p:ext>
             </p:extLst>
           </p:nvPr>
-        </p:nvPicPr>
-        <p:blipFill rotWithShape="1">
-          <a:blip r:embed="rId2">
-            <a:extLst>
-              <a:ext uri="{28A0092B-C50C-407E-A947-70E740481C1C}">
-                <a14:useLocalDpi xmlns:a14="http://schemas.microsoft.com/office/drawing/2010/main" val="0"/>
-              </a:ext>
-            </a:extLst>
-          </a:blip>
-          <a:srcRect t="1538" b="-1538"/>
-          <a:stretch/>
-        </p:blipFill>
-        <p:spPr bwMode="black">
-          <a:xfrm>
-            <a:off x="0" y="6126480"/>
-            <a:ext cx="12192000" cy="742950"/>
-          </a:xfrm>
-          <a:prstGeom prst="rect">
-            <a:avLst/>
-          </a:prstGeom>
-        </p:spPr>
-      </p:pic>
-      <p:cxnSp>
-        <p:nvCxnSpPr>
-          <p:cNvPr id="42" name="Straight Connector 41">
-            <a:extLst>
-              <a:ext uri="{FF2B5EF4-FFF2-40B4-BE49-F238E27FC236}">
-                <a16:creationId xmlns:a16="http://schemas.microsoft.com/office/drawing/2014/main" id="{FBD463FC-4CA8-4FF4-85A3-AF9F4B98D210}"/>
-              </a:ext>
-              <a:ext uri="{C183D7F6-B498-43B3-948B-1728B52AA6E4}">
-                <adec:decorative xmlns:adec="http://schemas.microsoft.com/office/drawing/2017/decorative" val="1"/>
-              </a:ext>
-            </a:extLst>
-          </p:cNvPr>
-          <p:cNvCxnSpPr>
-            <a:cxnSpLocks noGrp="1" noRot="1" noChangeAspect="1" noMove="1" noResize="1" noEditPoints="1" noAdjustHandles="1" noChangeArrowheads="1" noChangeShapeType="1"/>
-          </p:cNvCxnSpPr>
-          <p:nvPr>
-            <p:extLst>
-              <p:ext uri="{386F3935-93C4-4BCD-93E2-E3B085C9AB24}">
-                <p16:designElem xmlns:p16="http://schemas.microsoft.com/office/powerpoint/2015/main" val="1"/>
-              </p:ext>
-            </p:extLst>
-          </p:nvPr>
-        </p:nvCxnSpPr>
-        <p:spPr>
-          <a:xfrm>
-            <a:off x="0" y="6128413"/>
-            <a:ext cx="12192000" cy="0"/>
-          </a:xfrm>
-          <a:prstGeom prst="line">
-            <a:avLst/>
-          </a:prstGeom>
-          <a:ln w="12700">
-            <a:solidFill>
-              <a:srgbClr val="000001">
-                <a:alpha val="20000"/>
-              </a:srgbClr>
-            </a:solidFill>
-          </a:ln>
-        </p:spPr>
-        <p:style>
-          <a:lnRef idx="1">
-            <a:schemeClr val="accent1"/>
-          </a:lnRef>
-          <a:fillRef idx="0">
-            <a:schemeClr val="accent1"/>
-          </a:fillRef>
-          <a:effectRef idx="0">
-            <a:schemeClr val="accent1"/>
-          </a:effectRef>
-          <a:fontRef idx="minor">
-            <a:schemeClr val="tx1"/>
-          </a:fontRef>
-        </p:style>
-      </p:cxnSp>
-      <p:cxnSp>
-        <p:nvCxnSpPr>
-          <p:cNvPr id="44" name="Straight Connector 43">
-            <a:extLst>
-              <a:ext uri="{FF2B5EF4-FFF2-40B4-BE49-F238E27FC236}">
-                <a16:creationId xmlns:a16="http://schemas.microsoft.com/office/drawing/2014/main" id="{BECF35C3-8B44-4F4B-BD25-4C01823DB22A}"/>
-              </a:ext>
-              <a:ext uri="{C183D7F6-B498-43B3-948B-1728B52AA6E4}">
-                <adec:decorative xmlns:adec="http://schemas.microsoft.com/office/drawing/2017/decorative" val="1"/>
-              </a:ext>
-            </a:extLst>
-          </p:cNvPr>
-          <p:cNvCxnSpPr>
-            <a:cxnSpLocks noGrp="1" noRot="1" noChangeAspect="1" noMove="1" noResize="1" noEditPoints="1" noAdjustHandles="1" noChangeArrowheads="1" noChangeShapeType="1"/>
-          </p:cNvCxnSpPr>
-          <p:nvPr>
-            <p:extLst>
-              <p:ext uri="{386F3935-93C4-4BCD-93E2-E3B085C9AB24}">
-                <p16:designElem xmlns:p16="http://schemas.microsoft.com/office/powerpoint/2015/main" val="1"/>
-              </p:ext>
-            </p:extLst>
-          </p:nvPr>
-        </p:nvCxnSpPr>
-        <p:spPr>
-          <a:xfrm>
-            <a:off x="2417780" y="3528542"/>
-            <a:ext cx="8637072" cy="0"/>
-          </a:xfrm>
-          <a:prstGeom prst="line">
-            <a:avLst/>
-          </a:prstGeom>
-          <a:ln w="31750"/>
-        </p:spPr>
-        <p:style>
-          <a:lnRef idx="3">
-            <a:schemeClr val="accent1"/>
-          </a:lnRef>
-          <a:fillRef idx="0">
-            <a:schemeClr val="accent1"/>
-          </a:fillRef>
-          <a:effectRef idx="2">
-            <a:schemeClr val="accent1"/>
-          </a:effectRef>
-          <a:fontRef idx="minor">
-            <a:schemeClr val="tx1"/>
-          </a:fontRef>
-        </p:style>
-      </p:cxnSp>
-      <p:sp useBgFill="1">
-        <p:nvSpPr>
-          <p:cNvPr id="46" name="Rectangle 45">
-            <a:extLst>
-              <a:ext uri="{FF2B5EF4-FFF2-40B4-BE49-F238E27FC236}">
-                <a16:creationId xmlns:a16="http://schemas.microsoft.com/office/drawing/2014/main" id="{8BC298DB-2D5C-40A1-9A78-6B4A12198A9B}"/>
-              </a:ext>
-              <a:ext uri="{C183D7F6-B498-43B3-948B-1728B52AA6E4}">
-                <adec:decorative xmlns:adec="http://schemas.microsoft.com/office/drawing/2017/decorative" val="1"/>
-              </a:ext>
-            </a:extLst>
-          </p:cNvPr>
-          <p:cNvSpPr>
-            <a:spLocks noGrp="1" noRot="1" noChangeAspect="1" noMove="1" noResize="1" noEditPoints="1" noAdjustHandles="1" noChangeArrowheads="1" noChangeShapeType="1" noTextEdit="1"/>
-          </p:cNvSpPr>
-          <p:nvPr>
-            <p:extLst>
-              <p:ext uri="{386F3935-93C4-4BCD-93E2-E3B085C9AB24}">
-                <p16:designElem xmlns:p16="http://schemas.microsoft.com/office/powerpoint/2015/main" val="1"/>
-              </p:ext>
-            </p:extLst>
-          </p:nvPr>
-        </p:nvSpPr>
-        <p:spPr>
-          <a:xfrm>
-            <a:off x="2" y="0"/>
-            <a:ext cx="12191695" cy="6858000"/>
-          </a:xfrm>
-          <a:prstGeom prst="rect">
-            <a:avLst/>
-          </a:prstGeom>
-          <a:ln>
-            <a:noFill/>
-          </a:ln>
-        </p:spPr>
-        <p:style>
-          <a:lnRef idx="2">
-            <a:schemeClr val="accent1">
-              <a:shade val="50000"/>
-            </a:schemeClr>
-          </a:lnRef>
-          <a:fillRef idx="1">
-            <a:schemeClr val="accent1"/>
-          </a:fillRef>
-          <a:effectRef idx="0">
-            <a:schemeClr val="accent1"/>
-          </a:effectRef>
-          <a:fontRef idx="minor">
-            <a:schemeClr val="lt1"/>
-          </a:fontRef>
-        </p:style>
-        <p:txBody>
-          <a:bodyPr rtlCol="0" anchor="ctr"/>
-          <a:lstStyle/>
-          <a:p>
-            <a:pPr algn="ctr"/>
-            <a:endParaRPr lang="en-US"/>
-          </a:p>
-        </p:txBody>
-      </p:sp>
-      <p:sp>
-        <p:nvSpPr>
-          <p:cNvPr id="48" name="Rectangle 47">
-            <a:extLst>
-              <a:ext uri="{FF2B5EF4-FFF2-40B4-BE49-F238E27FC236}">
-                <a16:creationId xmlns:a16="http://schemas.microsoft.com/office/drawing/2014/main" id="{35C2355B-7CE9-4192-9142-A41CA0A0C08B}"/>
-              </a:ext>
-              <a:ext uri="{C183D7F6-B498-43B3-948B-1728B52AA6E4}">
-                <adec:decorative xmlns:adec="http://schemas.microsoft.com/office/drawing/2017/decorative" val="1"/>
-              </a:ext>
-            </a:extLst>
-          </p:cNvPr>
-          <p:cNvSpPr>
-            <a:spLocks noGrp="1" noRot="1" noChangeAspect="1" noMove="1" noResize="1" noEditPoints="1" noAdjustHandles="1" noChangeArrowheads="1" noChangeShapeType="1" noTextEdit="1"/>
-          </p:cNvSpPr>
-          <p:nvPr>
-            <p:extLst>
-              <p:ext uri="{386F3935-93C4-4BCD-93E2-E3B085C9AB24}">
-                <p16:designElem xmlns:p16="http://schemas.microsoft.com/office/powerpoint/2015/main" val="1"/>
-              </p:ext>
-            </p:extLst>
-          </p:nvPr>
-        </p:nvSpPr>
-        <p:spPr>
-          <a:xfrm>
-            <a:off x="0" y="2019476"/>
-            <a:ext cx="12192000" cy="4105941"/>
-          </a:xfrm>
-          <a:prstGeom prst="rect">
-            <a:avLst/>
-          </a:prstGeom>
-          <a:gradFill flip="none" rotWithShape="1">
-            <a:gsLst>
-              <a:gs pos="0">
-                <a:schemeClr val="bg2">
-                  <a:alpha val="0"/>
-                </a:schemeClr>
-              </a:gs>
-              <a:gs pos="100000">
-                <a:schemeClr val="bg2"/>
-              </a:gs>
-            </a:gsLst>
-            <a:lin ang="5400000" scaled="0"/>
-            <a:tileRect/>
-          </a:gradFill>
-          <a:ln>
-            <a:noFill/>
-          </a:ln>
-        </p:spPr>
-        <p:style>
-          <a:lnRef idx="2">
-            <a:schemeClr val="accent1">
-              <a:shade val="50000"/>
-            </a:schemeClr>
-          </a:lnRef>
-          <a:fillRef idx="1">
-            <a:schemeClr val="accent1"/>
-          </a:fillRef>
-          <a:effectRef idx="0">
-            <a:schemeClr val="accent1"/>
-          </a:effectRef>
-          <a:fontRef idx="minor">
-            <a:schemeClr val="lt1"/>
-          </a:fontRef>
-        </p:style>
-        <p:txBody>
-          <a:bodyPr rtlCol="0" anchor="ctr"/>
-          <a:lstStyle/>
-          <a:p>
-            <a:pPr lvl="0" algn="ctr"/>
-            <a:endParaRPr lang="en-US"/>
-          </a:p>
-        </p:txBody>
-      </p:sp>
-      <p:sp>
-        <p:nvSpPr>
-          <p:cNvPr id="12" name="TextBox 11">
-            <a:extLst>
-              <a:ext uri="{FF2B5EF4-FFF2-40B4-BE49-F238E27FC236}">
-                <a16:creationId xmlns:a16="http://schemas.microsoft.com/office/drawing/2014/main" id="{BFAB766D-A5BE-9048-B7F4-B4157DB3A1D1}"/>
-              </a:ext>
-            </a:extLst>
-          </p:cNvPr>
-          <p:cNvSpPr txBox="1"/>
-          <p:nvPr/>
-        </p:nvSpPr>
-        <p:spPr>
-          <a:xfrm>
-            <a:off x="6585200" y="967167"/>
-            <a:ext cx="4151306" cy="2374516"/>
-          </a:xfrm>
-          <a:prstGeom prst="rect">
-            <a:avLst/>
-          </a:prstGeom>
-        </p:spPr>
-        <p:txBody>
-          <a:bodyPr vert="horz" lIns="91440" tIns="45720" rIns="91440" bIns="0" rtlCol="0" anchor="b">
-            <a:normAutofit/>
-          </a:bodyPr>
-          <a:lstStyle/>
-          <a:p>
-            <a:pPr defTabSz="914400">
-              <a:lnSpc>
-                <a:spcPct val="90000"/>
-              </a:lnSpc>
-              <a:spcBef>
-                <a:spcPct val="0"/>
-              </a:spcBef>
-              <a:spcAft>
-                <a:spcPts val="600"/>
-              </a:spcAft>
-            </a:pPr>
-            <a:r>
-              <a:rPr lang="en-US" sz="4800" cap="all" dirty="0">
-                <a:latin typeface="+mj-lt"/>
-                <a:ea typeface="+mj-ea"/>
-                <a:cs typeface="+mj-cs"/>
-              </a:rPr>
-              <a:t>Apple TV 5</a:t>
-            </a:r>
-            <a:r>
-              <a:rPr lang="en-US" sz="4800" cap="all" baseline="30000" dirty="0">
-                <a:latin typeface="+mj-lt"/>
-                <a:ea typeface="+mj-ea"/>
-                <a:cs typeface="+mj-cs"/>
-              </a:rPr>
-              <a:t>th</a:t>
-            </a:r>
-            <a:r>
-              <a:rPr lang="en-US" sz="4800" cap="all" dirty="0">
-                <a:latin typeface="+mj-lt"/>
-                <a:ea typeface="+mj-ea"/>
-                <a:cs typeface="+mj-cs"/>
-              </a:rPr>
-              <a:t> Gen (2017)</a:t>
-            </a:r>
-          </a:p>
-        </p:txBody>
-      </p:sp>
-      <p:pic>
-        <p:nvPicPr>
-          <p:cNvPr id="14" name="Picture 13">
-            <a:extLst>
-              <a:ext uri="{FF2B5EF4-FFF2-40B4-BE49-F238E27FC236}">
-                <a16:creationId xmlns:a16="http://schemas.microsoft.com/office/drawing/2014/main" id="{CC5112F1-437E-0540-85C3-16749655A384}"/>
-              </a:ext>
-            </a:extLst>
-          </p:cNvPr>
-          <p:cNvPicPr>
-            <a:picLocks noChangeAspect="1"/>
-          </p:cNvPicPr>
-          <p:nvPr/>
-        </p:nvPicPr>
-        <p:blipFill>
-          <a:blip r:embed="rId3"/>
-          <a:stretch>
-            <a:fillRect/>
-          </a:stretch>
-        </p:blipFill>
-        <p:spPr>
-          <a:xfrm>
-            <a:off x="1130029" y="1033977"/>
-            <a:ext cx="4960442" cy="4203974"/>
-          </a:xfrm>
-          <a:prstGeom prst="rect">
-            <a:avLst/>
-          </a:prstGeom>
-        </p:spPr>
-      </p:pic>
-      <p:cxnSp>
-        <p:nvCxnSpPr>
-          <p:cNvPr id="50" name="Straight Connector 49">
-            <a:extLst>
-              <a:ext uri="{FF2B5EF4-FFF2-40B4-BE49-F238E27FC236}">
-                <a16:creationId xmlns:a16="http://schemas.microsoft.com/office/drawing/2014/main" id="{06D05ED8-39E4-42F8-92CB-704C2BD0D215}"/>
-              </a:ext>
-              <a:ext uri="{C183D7F6-B498-43B3-948B-1728B52AA6E4}">
-                <adec:decorative xmlns:adec="http://schemas.microsoft.com/office/drawing/2017/decorative" val="1"/>
-              </a:ext>
-            </a:extLst>
-          </p:cNvPr>
-          <p:cNvCxnSpPr>
-            <a:cxnSpLocks noGrp="1" noRot="1" noChangeAspect="1" noMove="1" noResize="1" noEditPoints="1" noAdjustHandles="1" noChangeArrowheads="1" noChangeShapeType="1"/>
-          </p:cNvCxnSpPr>
-          <p:nvPr>
-            <p:extLst>
-              <p:ext uri="{386F3935-93C4-4BCD-93E2-E3B085C9AB24}">
-                <p16:designElem xmlns:p16="http://schemas.microsoft.com/office/powerpoint/2015/main" val="1"/>
-              </p:ext>
-            </p:extLst>
-          </p:nvPr>
-        </p:nvCxnSpPr>
-        <p:spPr>
-          <a:xfrm>
-            <a:off x="6579647" y="3526496"/>
-            <a:ext cx="4149931" cy="0"/>
-          </a:xfrm>
-          <a:prstGeom prst="line">
-            <a:avLst/>
-          </a:prstGeom>
-          <a:ln w="31750"/>
-        </p:spPr>
-        <p:style>
-          <a:lnRef idx="3">
-            <a:schemeClr val="accent1"/>
-          </a:lnRef>
-          <a:fillRef idx="0">
-            <a:schemeClr val="accent1"/>
-          </a:fillRef>
-          <a:effectRef idx="2">
-            <a:schemeClr val="accent1"/>
-          </a:effectRef>
-          <a:fontRef idx="minor">
-            <a:schemeClr val="tx1"/>
-          </a:fontRef>
-        </p:style>
-      </p:cxnSp>
-      <p:pic>
-        <p:nvPicPr>
-          <p:cNvPr id="52" name="Picture 51">
-            <a:extLst>
-              <a:ext uri="{FF2B5EF4-FFF2-40B4-BE49-F238E27FC236}">
-                <a16:creationId xmlns:a16="http://schemas.microsoft.com/office/drawing/2014/main" id="{45CE2E7C-6AA3-4710-825D-4CDDF788C7BC}"/>
-              </a:ext>
-              <a:ext uri="{C183D7F6-B498-43B3-948B-1728B52AA6E4}">
-                <adec:decorative xmlns:adec="http://schemas.microsoft.com/office/drawing/2017/decorative" val="1"/>
-              </a:ext>
-            </a:extLst>
-          </p:cNvPr>
-          <p:cNvPicPr>
-            <a:picLocks noGrp="1" noRot="1" noChangeAspect="1" noMove="1" noResize="1" noEditPoints="1" noAdjustHandles="1" noChangeArrowheads="1" noChangeShapeType="1" noCrop="1"/>
-          </p:cNvPicPr>
-          <p:nvPr>
-            <p:extLst>
-              <p:ext uri="{386F3935-93C4-4BCD-93E2-E3B085C9AB24}">
-                <p16:designElem xmlns:p16="http://schemas.microsoft.com/office/powerpoint/2015/main" val="1"/>
-              </p:ext>
-            </p:extLst>
-          </p:nvPr>
-        </p:nvPicPr>
-        <p:blipFill rotWithShape="1">
-          <a:blip r:embed="rId2">
-            <a:extLst>
-              <a:ext uri="{28A0092B-C50C-407E-A947-70E740481C1C}">
-                <a14:useLocalDpi xmlns:a14="http://schemas.microsoft.com/office/drawing/2010/main" val="0"/>
-              </a:ext>
-            </a:extLst>
-          </a:blip>
-          <a:srcRect t="1538" b="-1538"/>
-          <a:stretch/>
-        </p:blipFill>
-        <p:spPr bwMode="black">
-          <a:xfrm>
-            <a:off x="0" y="6126480"/>
-            <a:ext cx="12192000" cy="742950"/>
-          </a:xfrm>
-          <a:prstGeom prst="rect">
-            <a:avLst/>
-          </a:prstGeom>
-        </p:spPr>
-      </p:pic>
-      <p:cxnSp>
-        <p:nvCxnSpPr>
-          <p:cNvPr id="54" name="Straight Connector 53">
-            <a:extLst>
-              <a:ext uri="{FF2B5EF4-FFF2-40B4-BE49-F238E27FC236}">
-                <a16:creationId xmlns:a16="http://schemas.microsoft.com/office/drawing/2014/main" id="{3256C6C3-0EDC-4651-AB37-9F26CFAA6C86}"/>
-              </a:ext>
-              <a:ext uri="{C183D7F6-B498-43B3-948B-1728B52AA6E4}">
-                <adec:decorative xmlns:adec="http://schemas.microsoft.com/office/drawing/2017/decorative" val="1"/>
-              </a:ext>
-            </a:extLst>
-          </p:cNvPr>
-          <p:cNvCxnSpPr>
-            <a:cxnSpLocks noGrp="1" noRot="1" noChangeAspect="1" noMove="1" noResize="1" noEditPoints="1" noAdjustHandles="1" noChangeArrowheads="1" noChangeShapeType="1"/>
-          </p:cNvCxnSpPr>
-          <p:nvPr>
-            <p:extLst>
-              <p:ext uri="{386F3935-93C4-4BCD-93E2-E3B085C9AB24}">
-                <p16:designElem xmlns:p16="http://schemas.microsoft.com/office/powerpoint/2015/main" val="1"/>
-              </p:ext>
-            </p:extLst>
-          </p:nvPr>
-        </p:nvCxnSpPr>
-        <p:spPr>
-          <a:xfrm>
-            <a:off x="0" y="6128413"/>
-            <a:ext cx="12192000" cy="0"/>
-          </a:xfrm>
-          <a:prstGeom prst="line">
-            <a:avLst/>
-          </a:prstGeom>
-          <a:ln w="12700">
-            <a:solidFill>
-              <a:srgbClr val="000001">
-                <a:alpha val="20000"/>
-              </a:srgbClr>
-            </a:solidFill>
-          </a:ln>
-        </p:spPr>
-        <p:style>
-          <a:lnRef idx="1">
-            <a:schemeClr val="accent1"/>
-          </a:lnRef>
-          <a:fillRef idx="0">
-            <a:schemeClr val="accent1"/>
-          </a:fillRef>
-          <a:effectRef idx="0">
-            <a:schemeClr val="accent1"/>
-          </a:effectRef>
-          <a:fontRef idx="minor">
-            <a:schemeClr val="tx1"/>
-          </a:fontRef>
-        </p:style>
-      </p:cxnSp>
+        </p:nvGraphicFramePr>
+        <p:xfrm>
+          <a:off x="1450975" y="2016125"/>
+          <a:ext cx="9604375" cy="3449638"/>
+        </p:xfrm>
+        <a:graphic>
+          <a:graphicData uri="http://schemas.openxmlformats.org/drawingml/2006/chart">
+            <c:chart xmlns:c="http://schemas.openxmlformats.org/drawingml/2006/chart" xmlns:r="http://schemas.openxmlformats.org/officeDocument/2006/relationships" r:id="rId3"/>
+          </a:graphicData>
+        </a:graphic>
+      </p:graphicFrame>
     </p:spTree>
     <p:extLst>
       <p:ext uri="{BB962C8B-B14F-4D97-AF65-F5344CB8AC3E}">
-        <p14:creationId xmlns:p14="http://schemas.microsoft.com/office/powerpoint/2010/main" val="1785784091"/>
+        <p14:creationId xmlns:p14="http://schemas.microsoft.com/office/powerpoint/2010/main" val="3435898781"/>
       </p:ext>
     </p:extLst>
   </p:cSld>
@@ -9154,10 +10953,6 @@
           </a:bodyPr>
           <a:lstStyle/>
           <a:p>
-            <a:r>
-              <a:rPr lang="en-US" sz="4000" cap="none" dirty="0"/>
-              <a:t>Two ways to implement </a:t>
-            </a:r>
             <a:r>
               <a:rPr lang="en-US" sz="4000" cap="none" dirty="0" err="1"/>
               <a:t>tvOS</a:t>
@@ -9272,23 +11067,7 @@
           <a:p>
             <a:r>
               <a:rPr lang="en-US" dirty="0"/>
-              <a:t>Build </a:t>
-            </a:r>
-            <a:r>
-              <a:rPr lang="en-US" dirty="0" err="1"/>
-              <a:t>tvos</a:t>
-            </a:r>
-            <a:r>
-              <a:rPr lang="en-US" dirty="0"/>
-              <a:t> app on </a:t>
-            </a:r>
-            <a:r>
-              <a:rPr lang="en-US" dirty="0" err="1"/>
-              <a:t>ios</a:t>
-            </a:r>
-            <a:r>
-              <a:rPr lang="en-US" dirty="0"/>
-              <a:t> project</a:t>
+              <a:t>Developing apple tv app</a:t>
             </a:r>
           </a:p>
         </p:txBody>
@@ -9371,15 +11150,7 @@
           <a:p>
             <a:r>
               <a:rPr lang="en-US" dirty="0"/>
-              <a:t>What can reuse from </a:t>
-            </a:r>
-            <a:r>
-              <a:rPr lang="en-US" dirty="0" err="1"/>
-              <a:t>iOs</a:t>
-            </a:r>
-            <a:r>
-              <a:rPr lang="en-US" dirty="0"/>
-              <a:t>?</a:t>
+              <a:t>Project structure</a:t>
             </a:r>
           </a:p>
         </p:txBody>
@@ -10143,7 +11914,7 @@
           <p:cNvPr id="2" name="Title 1">
             <a:extLst>
               <a:ext uri="{FF2B5EF4-FFF2-40B4-BE49-F238E27FC236}">
-                <a16:creationId xmlns:a16="http://schemas.microsoft.com/office/drawing/2014/main" id="{E9564D8B-C7F0-2A49-BA30-FEF953E55AF4}"/>
+                <a16:creationId xmlns:a16="http://schemas.microsoft.com/office/drawing/2014/main" id="{60520854-28F4-0C4A-9648-EE26DB14A378}"/>
               </a:ext>
             </a:extLst>
           </p:cNvPr>
@@ -10151,61 +11922,29 @@
             <a:spLocks noGrp="1"/>
           </p:cNvSpPr>
           <p:nvPr>
-            <p:ph type="ctrTitle"/>
+            <p:ph type="title"/>
           </p:nvPr>
         </p:nvSpPr>
-        <p:spPr>
-          <a:xfrm>
-            <a:off x="2417779" y="802298"/>
-            <a:ext cx="8637073" cy="2541431"/>
-          </a:xfrm>
-        </p:spPr>
+        <p:spPr/>
         <p:txBody>
           <a:bodyPr>
-            <a:normAutofit fontScale="90000"/>
+            <a:normAutofit/>
           </a:bodyPr>
           <a:lstStyle/>
           <a:p>
-            <a:pPr algn="ctr"/>
-            <a:r>
-              <a:rPr lang="en-US" dirty="0"/>
-              <a:t>How to Build a </a:t>
-            </a:r>
-            <a:r>
-              <a:rPr lang="en-US" cap="none" dirty="0" err="1">
-                <a:latin typeface="Gill Sans MT" panose="020B0502020104020203" pitchFamily="34" charset="77"/>
-              </a:rPr>
-              <a:t>tv</a:t>
-            </a:r>
-            <a:r>
-              <a:rPr lang="en-US" dirty="0" err="1"/>
-              <a:t>os</a:t>
-            </a:r>
-            <a:r>
-              <a:rPr lang="en-US" dirty="0"/>
-              <a:t> app on </a:t>
-            </a:r>
-            <a:r>
-              <a:rPr lang="en-US" cap="none" dirty="0" err="1"/>
-              <a:t>i</a:t>
-            </a:r>
-            <a:r>
-              <a:rPr lang="en-US" dirty="0" err="1"/>
-              <a:t>os</a:t>
-            </a:r>
-            <a:r>
-              <a:rPr lang="en-US" dirty="0"/>
-              <a:t> PROJECT</a:t>
+            <a:r>
+              <a:rPr lang="en-US" sz="4800" dirty="0"/>
+              <a:t>Thanh</a:t>
             </a:r>
           </a:p>
         </p:txBody>
       </p:sp>
       <p:sp>
         <p:nvSpPr>
-          <p:cNvPr id="3" name="Subtitle 2">
+          <p:cNvPr id="3" name="Content Placeholder 2">
             <a:extLst>
               <a:ext uri="{FF2B5EF4-FFF2-40B4-BE49-F238E27FC236}">
-                <a16:creationId xmlns:a16="http://schemas.microsoft.com/office/drawing/2014/main" id="{6C66A61E-C536-A442-8F8F-51EFA663ABB4}"/>
+                <a16:creationId xmlns:a16="http://schemas.microsoft.com/office/drawing/2014/main" id="{9F89656E-D126-4941-927C-FC527C0D7694}"/>
               </a:ext>
             </a:extLst>
           </p:cNvPr>
@@ -10213,19 +11952,50 @@
             <a:spLocks noGrp="1"/>
           </p:cNvSpPr>
           <p:nvPr>
-            <p:ph type="subTitle" idx="1"/>
+            <p:ph idx="1"/>
           </p:nvPr>
         </p:nvSpPr>
-        <p:spPr>
-          <a:xfrm>
-            <a:off x="2417780" y="3531204"/>
-            <a:ext cx="8637072" cy="977621"/>
-          </a:xfrm>
-        </p:spPr>
+        <p:spPr/>
         <p:txBody>
-          <a:bodyPr/>
+          <a:bodyPr>
+            <a:normAutofit/>
+          </a:bodyPr>
           <a:lstStyle/>
           <a:p>
+            <a:r>
+              <a:rPr lang="en-US" sz="3200" dirty="0"/>
+              <a:t>Software Engineer</a:t>
+            </a:r>
+          </a:p>
+          <a:p>
+            <a:r>
+              <a:rPr lang="en-US" sz="3200" dirty="0"/>
+              <a:t>Rakuten Viki</a:t>
+            </a:r>
+          </a:p>
+          <a:p>
+            <a:r>
+              <a:rPr lang="en-US" sz="3200" dirty="0" err="1"/>
+              <a:t>linkedin.com</a:t>
+            </a:r>
+            <a:r>
+              <a:rPr lang="en-US" sz="3200" dirty="0"/>
+              <a:t>/in/</a:t>
+            </a:r>
+            <a:r>
+              <a:rPr lang="en-US" sz="3200" dirty="0" err="1"/>
+              <a:t>thanhturin</a:t>
+            </a:r>
+            <a:r>
+              <a:rPr lang="en-US" sz="3200" dirty="0"/>
+              <a:t>/</a:t>
+            </a:r>
+          </a:p>
+          <a:p>
+            <a:r>
+              <a:rPr lang="en-US" sz="3200" dirty="0" err="1"/>
+              <a:t>thanhturin@gmail.com</a:t>
+            </a:r>
             <a:endParaRPr lang="en-US" dirty="0"/>
           </a:p>
         </p:txBody>
@@ -10233,7 +12003,7 @@
     </p:spTree>
     <p:extLst>
       <p:ext uri="{BB962C8B-B14F-4D97-AF65-F5344CB8AC3E}">
-        <p14:creationId xmlns:p14="http://schemas.microsoft.com/office/powerpoint/2010/main" val="1271437351"/>
+        <p14:creationId xmlns:p14="http://schemas.microsoft.com/office/powerpoint/2010/main" val="2612358014"/>
       </p:ext>
     </p:extLst>
   </p:cSld>
@@ -11820,6 +13590,89 @@
 <file path=ppt/slides/slide3.xml><?xml version="1.0" encoding="utf-8"?>
 <p:sld xmlns:a="http://schemas.openxmlformats.org/drawingml/2006/main" xmlns:r="http://schemas.openxmlformats.org/officeDocument/2006/relationships" xmlns:p="http://schemas.openxmlformats.org/presentationml/2006/main">
   <p:cSld>
+    <p:spTree>
+      <p:nvGrpSpPr>
+        <p:cNvPr id="1" name=""/>
+        <p:cNvGrpSpPr/>
+        <p:nvPr/>
+      </p:nvGrpSpPr>
+      <p:grpSpPr>
+        <a:xfrm>
+          <a:off x="0" y="0"/>
+          <a:ext cx="0" cy="0"/>
+          <a:chOff x="0" y="0"/>
+          <a:chExt cx="0" cy="0"/>
+        </a:xfrm>
+      </p:grpSpPr>
+      <p:sp>
+        <p:nvSpPr>
+          <p:cNvPr id="2" name="Title 1">
+            <a:extLst>
+              <a:ext uri="{FF2B5EF4-FFF2-40B4-BE49-F238E27FC236}">
+                <a16:creationId xmlns:a16="http://schemas.microsoft.com/office/drawing/2014/main" id="{7B4C9C58-803D-B344-B812-F6D0AA159F36}"/>
+              </a:ext>
+            </a:extLst>
+          </p:cNvPr>
+          <p:cNvSpPr>
+            <a:spLocks noGrp="1"/>
+          </p:cNvSpPr>
+          <p:nvPr>
+            <p:ph type="title"/>
+          </p:nvPr>
+        </p:nvSpPr>
+        <p:spPr/>
+        <p:txBody>
+          <a:bodyPr/>
+          <a:lstStyle/>
+          <a:p>
+            <a:endParaRPr lang="en-US" dirty="0"/>
+          </a:p>
+        </p:txBody>
+      </p:sp>
+      <p:sp>
+        <p:nvSpPr>
+          <p:cNvPr id="3" name="Content Placeholder 2">
+            <a:extLst>
+              <a:ext uri="{FF2B5EF4-FFF2-40B4-BE49-F238E27FC236}">
+                <a16:creationId xmlns:a16="http://schemas.microsoft.com/office/drawing/2014/main" id="{8D7EC5C5-6DDE-FF49-910A-2BAA490EF99B}"/>
+              </a:ext>
+            </a:extLst>
+          </p:cNvPr>
+          <p:cNvSpPr>
+            <a:spLocks noGrp="1"/>
+          </p:cNvSpPr>
+          <p:nvPr>
+            <p:ph idx="1"/>
+          </p:nvPr>
+        </p:nvSpPr>
+        <p:spPr/>
+        <p:txBody>
+          <a:bodyPr/>
+          <a:lstStyle/>
+          <a:p>
+            <a:r>
+              <a:rPr lang="en-US" dirty="0"/>
+              <a:t>Put logo Apple here</a:t>
+            </a:r>
+          </a:p>
+        </p:txBody>
+      </p:sp>
+    </p:spTree>
+    <p:extLst>
+      <p:ext uri="{BB962C8B-B14F-4D97-AF65-F5344CB8AC3E}">
+        <p14:creationId xmlns:p14="http://schemas.microsoft.com/office/powerpoint/2010/main" val="1240083607"/>
+      </p:ext>
+    </p:extLst>
+  </p:cSld>
+  <p:clrMapOvr>
+    <a:masterClrMapping/>
+  </p:clrMapOvr>
+</p:sld>
+</file>
+
+<file path=ppt/slides/slide4.xml><?xml version="1.0" encoding="utf-8"?>
+<p:sld xmlns:a="http://schemas.openxmlformats.org/drawingml/2006/main" xmlns:r="http://schemas.openxmlformats.org/officeDocument/2006/relationships" xmlns:p="http://schemas.openxmlformats.org/presentationml/2006/main">
+  <p:cSld>
     <p:bg>
       <p:bgPr>
         <a:gradFill rotWithShape="1">
@@ -11985,56 +13838,7 @@
                   <a:srgbClr val="FFFFFE"/>
                 </a:solidFill>
               </a:rPr>
-              <a:t>How to Build a </a:t>
-            </a:r>
-            <a:r>
-              <a:rPr lang="en-US" sz="4100" cap="none" dirty="0" err="1">
-                <a:solidFill>
-                  <a:srgbClr val="FFFFFE"/>
-                </a:solidFill>
-                <a:latin typeface="Gill Sans MT" panose="020B0502020104020203" pitchFamily="34" charset="77"/>
-              </a:rPr>
-              <a:t>tv</a:t>
-            </a:r>
-            <a:r>
-              <a:rPr lang="en-US" sz="4100" dirty="0" err="1">
-                <a:solidFill>
-                  <a:srgbClr val="FFFFFE"/>
-                </a:solidFill>
-              </a:rPr>
-              <a:t>os</a:t>
-            </a:r>
-            <a:r>
-              <a:rPr lang="en-US" sz="4100" dirty="0">
-                <a:solidFill>
-                  <a:srgbClr val="FFFFFE"/>
-                </a:solidFill>
-              </a:rPr>
-              <a:t> app on </a:t>
-            </a:r>
-            <a:r>
-              <a:rPr lang="en-US" sz="4100" cap="none" dirty="0" err="1">
-                <a:solidFill>
-                  <a:srgbClr val="FFFFFE"/>
-                </a:solidFill>
-              </a:rPr>
-              <a:t>i</a:t>
-            </a:r>
-            <a:r>
-              <a:rPr lang="en-US" sz="4100" dirty="0" err="1">
-                <a:solidFill>
-                  <a:srgbClr val="FFFFFE"/>
-                </a:solidFill>
-              </a:rPr>
-              <a:t>os</a:t>
-            </a:r>
-            <a:r>
-              <a:rPr lang="en-US" sz="4100" dirty="0">
-                <a:solidFill>
-                  <a:srgbClr val="FFFFFE"/>
-                </a:solidFill>
-              </a:rPr>
-              <a:t> PROJECT</a:t>
+              <a:t>Developing for apple tv</a:t>
             </a:r>
           </a:p>
         </p:txBody>
@@ -12137,7 +13941,7 @@
 </p:sld>
 </file>
 
-<file path=ppt/slides/slide4.xml><?xml version="1.0" encoding="utf-8"?>
+<file path=ppt/slides/slide5.xml><?xml version="1.0" encoding="utf-8"?>
 <p:sld xmlns:a="http://schemas.openxmlformats.org/drawingml/2006/main" xmlns:r="http://schemas.openxmlformats.org/officeDocument/2006/relationships" xmlns:p="http://schemas.openxmlformats.org/presentationml/2006/main">
   <p:cSld>
     <p:spTree>
@@ -12209,7 +14013,7 @@
           <a:p>
             <a:r>
               <a:rPr lang="en-US" sz="3200" dirty="0"/>
-              <a:t>Introduce about </a:t>
+              <a:t>Introduce about Apple TV and </a:t>
             </a:r>
             <a:r>
               <a:rPr lang="en-US" sz="3200" dirty="0" err="1"/>
@@ -12223,27 +14027,13 @@
           <a:p>
             <a:r>
               <a:rPr lang="en-US" sz="3200" dirty="0"/>
-              <a:t>Product Demo </a:t>
+              <a:t>Developing Apple TV App</a:t>
             </a:r>
           </a:p>
           <a:p>
             <a:r>
               <a:rPr lang="en-US" sz="3200" dirty="0"/>
-              <a:t>How to build a </a:t>
-            </a:r>
-            <a:r>
-              <a:rPr lang="en-US" sz="3200" dirty="0" err="1"/>
-              <a:t>tvOS</a:t>
-            </a:r>
-            <a:r>
-              <a:rPr lang="en-US" sz="3200" dirty="0"/>
-              <a:t> app on iOS project?</a:t>
-            </a:r>
-          </a:p>
-          <a:p>
-            <a:r>
-              <a:rPr lang="en-US" sz="3200" dirty="0"/>
-              <a:t>Code Demo</a:t>
+              <a:t>Demo</a:t>
             </a:r>
           </a:p>
         </p:txBody>
@@ -12261,7 +14051,7 @@
 </p:sld>
 </file>
 
-<file path=ppt/slides/slide5.xml><?xml version="1.0" encoding="utf-8"?>
+<file path=ppt/slides/slide6.xml><?xml version="1.0" encoding="utf-8"?>
 <p:sld xmlns:a="http://schemas.openxmlformats.org/drawingml/2006/main" xmlns:r="http://schemas.openxmlformats.org/officeDocument/2006/relationships" xmlns:p="http://schemas.openxmlformats.org/presentationml/2006/main">
   <p:cSld>
     <p:bg>
@@ -12392,7 +14182,7 @@
           </p:nvPr>
         </p:nvPicPr>
         <p:blipFill rotWithShape="1">
-          <a:blip r:embed="rId2">
+          <a:blip r:embed="rId3">
             <a:extLst>
               <a:ext uri="{28A0092B-C50C-407E-A947-70E740481C1C}">
                 <a14:useLocalDpi xmlns:a14="http://schemas.microsoft.com/office/drawing/2010/main" val="0"/>
@@ -12529,7 +14319,7 @@
           <p:nvPr/>
         </p:nvPicPr>
         <p:blipFill rotWithShape="1">
-          <a:blip r:embed="rId3"/>
+          <a:blip r:embed="rId4"/>
           <a:srcRect t="9256" r="7893" b="1414"/>
           <a:stretch/>
         </p:blipFill>
@@ -12707,359 +14497,7 @@
 </p:sld>
 </file>
 
-<file path=ppt/slides/slide6.xml><?xml version="1.0" encoding="utf-8"?>
-<p:sld xmlns:a="http://schemas.openxmlformats.org/drawingml/2006/main" xmlns:r="http://schemas.openxmlformats.org/officeDocument/2006/relationships" xmlns:p="http://schemas.openxmlformats.org/presentationml/2006/main">
-  <p:cSld>
-    <p:bg>
-      <p:bgPr>
-        <a:gradFill rotWithShape="1">
-          <a:gsLst>
-            <a:gs pos="0">
-              <a:schemeClr val="bg2">
-                <a:tint val="94000"/>
-                <a:satMod val="80000"/>
-                <a:lumMod val="106000"/>
-              </a:schemeClr>
-            </a:gs>
-            <a:gs pos="100000">
-              <a:schemeClr val="bg2">
-                <a:shade val="80000"/>
-              </a:schemeClr>
-            </a:gs>
-          </a:gsLst>
-          <a:path path="circle">
-            <a:fillToRect l="43000" r="43000" b="100000"/>
-          </a:path>
-        </a:gradFill>
-        <a:effectLst/>
-      </p:bgPr>
-    </p:bg>
-    <p:spTree>
-      <p:nvGrpSpPr>
-        <p:cNvPr id="1" name=""/>
-        <p:cNvGrpSpPr/>
-        <p:nvPr/>
-      </p:nvGrpSpPr>
-      <p:grpSpPr>
-        <a:xfrm>
-          <a:off x="0" y="0"/>
-          <a:ext cx="0" cy="0"/>
-          <a:chOff x="0" y="0"/>
-          <a:chExt cx="0" cy="0"/>
-        </a:xfrm>
-      </p:grpSpPr>
-      <p:sp>
-        <p:nvSpPr>
-          <p:cNvPr id="2" name="Title 1">
-            <a:extLst>
-              <a:ext uri="{FF2B5EF4-FFF2-40B4-BE49-F238E27FC236}">
-                <a16:creationId xmlns:a16="http://schemas.microsoft.com/office/drawing/2014/main" id="{81A4953F-5425-F541-9CE0-44B9523162C2}"/>
-              </a:ext>
-            </a:extLst>
-          </p:cNvPr>
-          <p:cNvSpPr>
-            <a:spLocks noGrp="1"/>
-          </p:cNvSpPr>
-          <p:nvPr>
-            <p:ph type="title"/>
-          </p:nvPr>
-        </p:nvSpPr>
-        <p:spPr>
-          <a:xfrm>
-            <a:off x="1451579" y="804519"/>
-            <a:ext cx="9603275" cy="1049235"/>
-          </a:xfrm>
-        </p:spPr>
-        <p:txBody>
-          <a:bodyPr>
-            <a:normAutofit/>
-          </a:bodyPr>
-          <a:lstStyle/>
-          <a:p>
-            <a:r>
-              <a:rPr lang="en-US" cap="none" err="1"/>
-              <a:t>tv</a:t>
-            </a:r>
-            <a:r>
-              <a:rPr lang="en-US" err="1"/>
-              <a:t>OS</a:t>
-            </a:r>
-            <a:endParaRPr lang="en-US"/>
-          </a:p>
-        </p:txBody>
-      </p:sp>
-      <p:pic>
-        <p:nvPicPr>
-          <p:cNvPr id="7" name="Picture 6">
-            <a:extLst>
-              <a:ext uri="{FF2B5EF4-FFF2-40B4-BE49-F238E27FC236}">
-                <a16:creationId xmlns:a16="http://schemas.microsoft.com/office/drawing/2014/main" id="{F4D934D6-B837-C241-A004-621A0B7C57E1}"/>
-              </a:ext>
-            </a:extLst>
-          </p:cNvPr>
-          <p:cNvPicPr>
-            <a:picLocks noChangeAspect="1"/>
-          </p:cNvPicPr>
-          <p:nvPr/>
-        </p:nvPicPr>
-        <p:blipFill>
-          <a:blip r:embed="rId3"/>
-          <a:stretch>
-            <a:fillRect/>
-          </a:stretch>
-        </p:blipFill>
-        <p:spPr>
-          <a:xfrm>
-            <a:off x="1451580" y="2995155"/>
-            <a:ext cx="4432514" cy="1333005"/>
-          </a:xfrm>
-          <a:prstGeom prst="rect">
-            <a:avLst/>
-          </a:prstGeom>
-        </p:spPr>
-      </p:pic>
-      <p:sp>
-        <p:nvSpPr>
-          <p:cNvPr id="3" name="Content Placeholder 2">
-            <a:extLst>
-              <a:ext uri="{FF2B5EF4-FFF2-40B4-BE49-F238E27FC236}">
-                <a16:creationId xmlns:a16="http://schemas.microsoft.com/office/drawing/2014/main" id="{595E0074-C1F1-DF46-ABAE-30EF85BC78C6}"/>
-              </a:ext>
-            </a:extLst>
-          </p:cNvPr>
-          <p:cNvSpPr>
-            <a:spLocks noGrp="1"/>
-          </p:cNvSpPr>
-          <p:nvPr>
-            <p:ph idx="1"/>
-          </p:nvPr>
-        </p:nvSpPr>
-        <p:spPr>
-          <a:xfrm>
-            <a:off x="6065521" y="2015734"/>
-            <a:ext cx="4989334" cy="3450613"/>
-          </a:xfrm>
-        </p:spPr>
-        <p:txBody>
-          <a:bodyPr>
-            <a:normAutofit/>
-          </a:bodyPr>
-          <a:lstStyle/>
-          <a:p>
-            <a:r>
-              <a:rPr lang="en-US" sz="2400" dirty="0"/>
-              <a:t>Specifically for Apple TV</a:t>
-            </a:r>
-          </a:p>
-          <a:p>
-            <a:r>
-              <a:rPr lang="en-US" sz="2400" dirty="0"/>
-              <a:t>2017: 75m Apple TV have been sold </a:t>
-            </a:r>
-          </a:p>
-          <a:p>
-            <a:r>
-              <a:rPr lang="en-US" sz="2400" dirty="0"/>
-              <a:t>2016: 8k apps </a:t>
-            </a:r>
-          </a:p>
-          <a:p>
-            <a:pPr marL="0" indent="0">
-              <a:spcBef>
-                <a:spcPts val="0"/>
-              </a:spcBef>
-              <a:buNone/>
-            </a:pPr>
-            <a:r>
-              <a:rPr lang="en-US" sz="2400" dirty="0">
-                <a:solidFill>
-                  <a:srgbClr val="FF0000"/>
-                </a:solidFill>
-              </a:rPr>
-              <a:t>   (2.1m on iOS)</a:t>
-            </a:r>
-          </a:p>
-          <a:p>
-            <a:endParaRPr lang="en-US" sz="2400" dirty="0"/>
-          </a:p>
-        </p:txBody>
-      </p:sp>
-    </p:spTree>
-    <p:extLst>
-      <p:ext uri="{BB962C8B-B14F-4D97-AF65-F5344CB8AC3E}">
-        <p14:creationId xmlns:p14="http://schemas.microsoft.com/office/powerpoint/2010/main" val="3408919423"/>
-      </p:ext>
-    </p:extLst>
-  </p:cSld>
-  <p:clrMapOvr>
-    <a:masterClrMapping/>
-  </p:clrMapOvr>
-</p:sld>
-</file>
-
 <file path=ppt/slides/slide7.xml><?xml version="1.0" encoding="utf-8"?>
-<p:sld xmlns:a="http://schemas.openxmlformats.org/drawingml/2006/main" xmlns:r="http://schemas.openxmlformats.org/officeDocument/2006/relationships" xmlns:p="http://schemas.openxmlformats.org/presentationml/2006/main">
-  <p:cSld>
-    <p:spTree>
-      <p:nvGrpSpPr>
-        <p:cNvPr id="1" name=""/>
-        <p:cNvGrpSpPr/>
-        <p:nvPr/>
-      </p:nvGrpSpPr>
-      <p:grpSpPr>
-        <a:xfrm>
-          <a:off x="0" y="0"/>
-          <a:ext cx="0" cy="0"/>
-          <a:chOff x="0" y="0"/>
-          <a:chExt cx="0" cy="0"/>
-        </a:xfrm>
-      </p:grpSpPr>
-      <p:sp>
-        <p:nvSpPr>
-          <p:cNvPr id="2" name="Title 1">
-            <a:extLst>
-              <a:ext uri="{FF2B5EF4-FFF2-40B4-BE49-F238E27FC236}">
-                <a16:creationId xmlns:a16="http://schemas.microsoft.com/office/drawing/2014/main" id="{81A4953F-5425-F541-9CE0-44B9523162C2}"/>
-              </a:ext>
-            </a:extLst>
-          </p:cNvPr>
-          <p:cNvSpPr>
-            <a:spLocks noGrp="1"/>
-          </p:cNvSpPr>
-          <p:nvPr>
-            <p:ph type="title"/>
-          </p:nvPr>
-        </p:nvSpPr>
-        <p:spPr>
-          <a:xfrm>
-            <a:off x="1451579" y="804519"/>
-            <a:ext cx="9603275" cy="1049235"/>
-          </a:xfrm>
-        </p:spPr>
-        <p:txBody>
-          <a:bodyPr>
-            <a:normAutofit/>
-          </a:bodyPr>
-          <a:lstStyle/>
-          <a:p>
-            <a:r>
-              <a:rPr lang="en-US" cap="none" dirty="0" err="1"/>
-              <a:t>tv</a:t>
-            </a:r>
-            <a:r>
-              <a:rPr lang="en-US" dirty="0" err="1"/>
-              <a:t>OS</a:t>
-            </a:r>
-            <a:endParaRPr lang="en-US" dirty="0"/>
-          </a:p>
-        </p:txBody>
-      </p:sp>
-      <p:pic>
-        <p:nvPicPr>
-          <p:cNvPr id="7" name="Picture 6">
-            <a:extLst>
-              <a:ext uri="{FF2B5EF4-FFF2-40B4-BE49-F238E27FC236}">
-                <a16:creationId xmlns:a16="http://schemas.microsoft.com/office/drawing/2014/main" id="{F4D934D6-B837-C241-A004-621A0B7C57E1}"/>
-              </a:ext>
-            </a:extLst>
-          </p:cNvPr>
-          <p:cNvPicPr>
-            <a:picLocks noChangeAspect="1"/>
-          </p:cNvPicPr>
-          <p:nvPr/>
-        </p:nvPicPr>
-        <p:blipFill>
-          <a:blip r:embed="rId3"/>
-          <a:stretch>
-            <a:fillRect/>
-          </a:stretch>
-        </p:blipFill>
-        <p:spPr>
-          <a:xfrm>
-            <a:off x="1451580" y="2995155"/>
-            <a:ext cx="4432514" cy="1333005"/>
-          </a:xfrm>
-          <a:prstGeom prst="rect">
-            <a:avLst/>
-          </a:prstGeom>
-        </p:spPr>
-      </p:pic>
-      <p:sp>
-        <p:nvSpPr>
-          <p:cNvPr id="3" name="Content Placeholder 2">
-            <a:extLst>
-              <a:ext uri="{FF2B5EF4-FFF2-40B4-BE49-F238E27FC236}">
-                <a16:creationId xmlns:a16="http://schemas.microsoft.com/office/drawing/2014/main" id="{595E0074-C1F1-DF46-ABAE-30EF85BC78C6}"/>
-              </a:ext>
-            </a:extLst>
-          </p:cNvPr>
-          <p:cNvSpPr>
-            <a:spLocks noGrp="1"/>
-          </p:cNvSpPr>
-          <p:nvPr>
-            <p:ph idx="1"/>
-          </p:nvPr>
-        </p:nvSpPr>
-        <p:spPr>
-          <a:xfrm>
-            <a:off x="6065521" y="2015734"/>
-            <a:ext cx="4989334" cy="3450613"/>
-          </a:xfrm>
-        </p:spPr>
-        <p:txBody>
-          <a:bodyPr>
-            <a:normAutofit/>
-          </a:bodyPr>
-          <a:lstStyle/>
-          <a:p>
-            <a:r>
-              <a:rPr lang="en-US" sz="2400" dirty="0">
-                <a:solidFill>
-                  <a:srgbClr val="FF0000"/>
-                </a:solidFill>
-              </a:rPr>
-              <a:t>Show the growing of Apple TV sold</a:t>
-            </a:r>
-          </a:p>
-          <a:p>
-            <a:r>
-              <a:rPr lang="en-US" sz="2400" dirty="0">
-                <a:solidFill>
-                  <a:srgbClr val="FF0000"/>
-                </a:solidFill>
-              </a:rPr>
-              <a:t>And the growing of the market</a:t>
-            </a:r>
-          </a:p>
-          <a:p>
-            <a:r>
-              <a:rPr lang="en-US" sz="2400" dirty="0">
-                <a:solidFill>
-                  <a:srgbClr val="FF0000"/>
-                </a:solidFill>
-              </a:rPr>
-              <a:t>How much time (money) user spend on TV? </a:t>
-            </a:r>
-          </a:p>
-          <a:p>
-            <a:endParaRPr lang="en-US" sz="2400" dirty="0"/>
-          </a:p>
-        </p:txBody>
-      </p:sp>
-    </p:spTree>
-    <p:extLst>
-      <p:ext uri="{BB962C8B-B14F-4D97-AF65-F5344CB8AC3E}">
-        <p14:creationId xmlns:p14="http://schemas.microsoft.com/office/powerpoint/2010/main" val="914730914"/>
-      </p:ext>
-    </p:extLst>
-  </p:cSld>
-  <p:clrMapOvr>
-    <a:masterClrMapping/>
-  </p:clrMapOvr>
-</p:sld>
-</file>
-
-<file path=ppt/slides/slide8.xml><?xml version="1.0" encoding="utf-8"?>
 <p:sld xmlns:a="http://schemas.openxmlformats.org/drawingml/2006/main" xmlns:r="http://schemas.openxmlformats.org/officeDocument/2006/relationships" xmlns:p="http://schemas.openxmlformats.org/presentationml/2006/main">
   <p:cSld>
     <p:bg>
@@ -13833,7 +15271,7 @@
 </p:sld>
 </file>
 
-<file path=ppt/slides/slide9.xml><?xml version="1.0" encoding="utf-8"?>
+<file path=ppt/slides/slide8.xml><?xml version="1.0" encoding="utf-8"?>
 <p:sld xmlns:a="http://schemas.openxmlformats.org/drawingml/2006/main" xmlns:r="http://schemas.openxmlformats.org/officeDocument/2006/relationships" xmlns:p="http://schemas.openxmlformats.org/presentationml/2006/main">
   <p:cSld>
     <p:bg>
@@ -13964,7 +15402,7 @@
           </p:nvPr>
         </p:nvPicPr>
         <p:blipFill rotWithShape="1">
-          <a:blip r:embed="rId2">
+          <a:blip r:embed="rId3">
             <a:extLst>
               <a:ext uri="{28A0092B-C50C-407E-A947-70E740481C1C}">
                 <a14:useLocalDpi xmlns:a14="http://schemas.microsoft.com/office/drawing/2010/main" val="0"/>
@@ -14300,7 +15738,7 @@
           <p:nvPr/>
         </p:nvPicPr>
         <p:blipFill>
-          <a:blip r:embed="rId3"/>
+          <a:blip r:embed="rId4"/>
           <a:stretch>
             <a:fillRect/>
           </a:stretch>
@@ -14387,7 +15825,7 @@
           </p:nvPr>
         </p:nvPicPr>
         <p:blipFill rotWithShape="1">
-          <a:blip r:embed="rId2">
+          <a:blip r:embed="rId3">
             <a:extLst>
               <a:ext uri="{28A0092B-C50C-407E-A947-70E740481C1C}">
                 <a14:useLocalDpi xmlns:a14="http://schemas.microsoft.com/office/drawing/2010/main" val="0"/>
@@ -14465,6 +15903,647 @@
     <p:extLst>
       <p:ext uri="{BB962C8B-B14F-4D97-AF65-F5344CB8AC3E}">
         <p14:creationId xmlns:p14="http://schemas.microsoft.com/office/powerpoint/2010/main" val="311272790"/>
+      </p:ext>
+    </p:extLst>
+  </p:cSld>
+  <p:clrMapOvr>
+    <a:masterClrMapping/>
+  </p:clrMapOvr>
+</p:sld>
+</file>
+
+<file path=ppt/slides/slide9.xml><?xml version="1.0" encoding="utf-8"?>
+<p:sld xmlns:a="http://schemas.openxmlformats.org/drawingml/2006/main" xmlns:r="http://schemas.openxmlformats.org/officeDocument/2006/relationships" xmlns:p="http://schemas.openxmlformats.org/presentationml/2006/main">
+  <p:cSld>
+    <p:bg>
+      <p:bgPr>
+        <a:gradFill rotWithShape="1">
+          <a:gsLst>
+            <a:gs pos="0">
+              <a:schemeClr val="bg2">
+                <a:tint val="94000"/>
+                <a:satMod val="80000"/>
+                <a:lumMod val="106000"/>
+              </a:schemeClr>
+            </a:gs>
+            <a:gs pos="100000">
+              <a:schemeClr val="bg2">
+                <a:shade val="80000"/>
+              </a:schemeClr>
+            </a:gs>
+          </a:gsLst>
+          <a:path path="circle">
+            <a:fillToRect l="43000" r="43000" b="100000"/>
+          </a:path>
+        </a:gradFill>
+        <a:effectLst/>
+      </p:bgPr>
+    </p:bg>
+    <p:spTree>
+      <p:nvGrpSpPr>
+        <p:cNvPr id="1" name=""/>
+        <p:cNvGrpSpPr/>
+        <p:nvPr/>
+      </p:nvGrpSpPr>
+      <p:grpSpPr>
+        <a:xfrm>
+          <a:off x="0" y="0"/>
+          <a:ext cx="0" cy="0"/>
+          <a:chOff x="0" y="0"/>
+          <a:chExt cx="0" cy="0"/>
+        </a:xfrm>
+      </p:grpSpPr>
+      <p:sp>
+        <p:nvSpPr>
+          <p:cNvPr id="38" name="Rectangle 37">
+            <a:extLst>
+              <a:ext uri="{FF2B5EF4-FFF2-40B4-BE49-F238E27FC236}">
+                <a16:creationId xmlns:a16="http://schemas.microsoft.com/office/drawing/2014/main" id="{0CABCAE3-64FC-4149-819F-2C1812824154}"/>
+              </a:ext>
+              <a:ext uri="{C183D7F6-B498-43B3-948B-1728B52AA6E4}">
+                <adec:decorative xmlns:adec="http://schemas.microsoft.com/office/drawing/2017/decorative" val="1"/>
+              </a:ext>
+            </a:extLst>
+          </p:cNvPr>
+          <p:cNvSpPr>
+            <a:spLocks noGrp="1" noRot="1" noChangeAspect="1" noMove="1" noResize="1" noEditPoints="1" noAdjustHandles="1" noChangeArrowheads="1" noChangeShapeType="1" noTextEdit="1"/>
+          </p:cNvSpPr>
+          <p:nvPr>
+            <p:extLst>
+              <p:ext uri="{386F3935-93C4-4BCD-93E2-E3B085C9AB24}">
+                <p16:designElem xmlns:p16="http://schemas.microsoft.com/office/powerpoint/2015/main" val="1"/>
+              </p:ext>
+            </p:extLst>
+          </p:nvPr>
+        </p:nvSpPr>
+        <p:spPr>
+          <a:xfrm>
+            <a:off x="0" y="2019476"/>
+            <a:ext cx="12192000" cy="4105941"/>
+          </a:xfrm>
+          <a:prstGeom prst="rect">
+            <a:avLst/>
+          </a:prstGeom>
+          <a:gradFill flip="none" rotWithShape="1">
+            <a:gsLst>
+              <a:gs pos="0">
+                <a:schemeClr val="bg2">
+                  <a:alpha val="0"/>
+                </a:schemeClr>
+              </a:gs>
+              <a:gs pos="100000">
+                <a:schemeClr val="bg2"/>
+              </a:gs>
+            </a:gsLst>
+            <a:lin ang="5400000" scaled="0"/>
+            <a:tileRect/>
+          </a:gradFill>
+          <a:ln>
+            <a:noFill/>
+          </a:ln>
+        </p:spPr>
+        <p:style>
+          <a:lnRef idx="2">
+            <a:schemeClr val="accent1">
+              <a:shade val="50000"/>
+            </a:schemeClr>
+          </a:lnRef>
+          <a:fillRef idx="1">
+            <a:schemeClr val="accent1"/>
+          </a:fillRef>
+          <a:effectRef idx="0">
+            <a:schemeClr val="accent1"/>
+          </a:effectRef>
+          <a:fontRef idx="minor">
+            <a:schemeClr val="lt1"/>
+          </a:fontRef>
+        </p:style>
+      </p:sp>
+      <p:pic>
+        <p:nvPicPr>
+          <p:cNvPr id="40" name="Picture 39">
+            <a:extLst>
+              <a:ext uri="{FF2B5EF4-FFF2-40B4-BE49-F238E27FC236}">
+                <a16:creationId xmlns:a16="http://schemas.microsoft.com/office/drawing/2014/main" id="{012FDCFE-9AD2-4D8A-8CBF-B3AA37EBF6DD}"/>
+              </a:ext>
+              <a:ext uri="{C183D7F6-B498-43B3-948B-1728B52AA6E4}">
+                <adec:decorative xmlns:adec="http://schemas.microsoft.com/office/drawing/2017/decorative" val="1"/>
+              </a:ext>
+            </a:extLst>
+          </p:cNvPr>
+          <p:cNvPicPr>
+            <a:picLocks noGrp="1" noRot="1" noChangeAspect="1" noMove="1" noResize="1" noEditPoints="1" noAdjustHandles="1" noChangeArrowheads="1" noChangeShapeType="1" noCrop="1"/>
+          </p:cNvPicPr>
+          <p:nvPr>
+            <p:extLst>
+              <p:ext uri="{386F3935-93C4-4BCD-93E2-E3B085C9AB24}">
+                <p16:designElem xmlns:p16="http://schemas.microsoft.com/office/powerpoint/2015/main" val="1"/>
+              </p:ext>
+            </p:extLst>
+          </p:nvPr>
+        </p:nvPicPr>
+        <p:blipFill rotWithShape="1">
+          <a:blip r:embed="rId3">
+            <a:extLst>
+              <a:ext uri="{28A0092B-C50C-407E-A947-70E740481C1C}">
+                <a14:useLocalDpi xmlns:a14="http://schemas.microsoft.com/office/drawing/2010/main" val="0"/>
+              </a:ext>
+            </a:extLst>
+          </a:blip>
+          <a:srcRect t="1538" b="-1538"/>
+          <a:stretch/>
+        </p:blipFill>
+        <p:spPr bwMode="black">
+          <a:xfrm>
+            <a:off x="0" y="6126480"/>
+            <a:ext cx="12192000" cy="742950"/>
+          </a:xfrm>
+          <a:prstGeom prst="rect">
+            <a:avLst/>
+          </a:prstGeom>
+        </p:spPr>
+      </p:pic>
+      <p:cxnSp>
+        <p:nvCxnSpPr>
+          <p:cNvPr id="42" name="Straight Connector 41">
+            <a:extLst>
+              <a:ext uri="{FF2B5EF4-FFF2-40B4-BE49-F238E27FC236}">
+                <a16:creationId xmlns:a16="http://schemas.microsoft.com/office/drawing/2014/main" id="{FBD463FC-4CA8-4FF4-85A3-AF9F4B98D210}"/>
+              </a:ext>
+              <a:ext uri="{C183D7F6-B498-43B3-948B-1728B52AA6E4}">
+                <adec:decorative xmlns:adec="http://schemas.microsoft.com/office/drawing/2017/decorative" val="1"/>
+              </a:ext>
+            </a:extLst>
+          </p:cNvPr>
+          <p:cNvCxnSpPr>
+            <a:cxnSpLocks noGrp="1" noRot="1" noChangeAspect="1" noMove="1" noResize="1" noEditPoints="1" noAdjustHandles="1" noChangeArrowheads="1" noChangeShapeType="1"/>
+          </p:cNvCxnSpPr>
+          <p:nvPr>
+            <p:extLst>
+              <p:ext uri="{386F3935-93C4-4BCD-93E2-E3B085C9AB24}">
+                <p16:designElem xmlns:p16="http://schemas.microsoft.com/office/powerpoint/2015/main" val="1"/>
+              </p:ext>
+            </p:extLst>
+          </p:nvPr>
+        </p:nvCxnSpPr>
+        <p:spPr>
+          <a:xfrm>
+            <a:off x="0" y="6128413"/>
+            <a:ext cx="12192000" cy="0"/>
+          </a:xfrm>
+          <a:prstGeom prst="line">
+            <a:avLst/>
+          </a:prstGeom>
+          <a:ln w="12700">
+            <a:solidFill>
+              <a:srgbClr val="000001">
+                <a:alpha val="20000"/>
+              </a:srgbClr>
+            </a:solidFill>
+          </a:ln>
+        </p:spPr>
+        <p:style>
+          <a:lnRef idx="1">
+            <a:schemeClr val="accent1"/>
+          </a:lnRef>
+          <a:fillRef idx="0">
+            <a:schemeClr val="accent1"/>
+          </a:fillRef>
+          <a:effectRef idx="0">
+            <a:schemeClr val="accent1"/>
+          </a:effectRef>
+          <a:fontRef idx="minor">
+            <a:schemeClr val="tx1"/>
+          </a:fontRef>
+        </p:style>
+      </p:cxnSp>
+      <p:cxnSp>
+        <p:nvCxnSpPr>
+          <p:cNvPr id="44" name="Straight Connector 43">
+            <a:extLst>
+              <a:ext uri="{FF2B5EF4-FFF2-40B4-BE49-F238E27FC236}">
+                <a16:creationId xmlns:a16="http://schemas.microsoft.com/office/drawing/2014/main" id="{BECF35C3-8B44-4F4B-BD25-4C01823DB22A}"/>
+              </a:ext>
+              <a:ext uri="{C183D7F6-B498-43B3-948B-1728B52AA6E4}">
+                <adec:decorative xmlns:adec="http://schemas.microsoft.com/office/drawing/2017/decorative" val="1"/>
+              </a:ext>
+            </a:extLst>
+          </p:cNvPr>
+          <p:cNvCxnSpPr>
+            <a:cxnSpLocks noGrp="1" noRot="1" noChangeAspect="1" noMove="1" noResize="1" noEditPoints="1" noAdjustHandles="1" noChangeArrowheads="1" noChangeShapeType="1"/>
+          </p:cNvCxnSpPr>
+          <p:nvPr>
+            <p:extLst>
+              <p:ext uri="{386F3935-93C4-4BCD-93E2-E3B085C9AB24}">
+                <p16:designElem xmlns:p16="http://schemas.microsoft.com/office/powerpoint/2015/main" val="1"/>
+              </p:ext>
+            </p:extLst>
+          </p:nvPr>
+        </p:nvCxnSpPr>
+        <p:spPr>
+          <a:xfrm>
+            <a:off x="2417780" y="3528542"/>
+            <a:ext cx="8637072" cy="0"/>
+          </a:xfrm>
+          <a:prstGeom prst="line">
+            <a:avLst/>
+          </a:prstGeom>
+          <a:ln w="31750"/>
+        </p:spPr>
+        <p:style>
+          <a:lnRef idx="3">
+            <a:schemeClr val="accent1"/>
+          </a:lnRef>
+          <a:fillRef idx="0">
+            <a:schemeClr val="accent1"/>
+          </a:fillRef>
+          <a:effectRef idx="2">
+            <a:schemeClr val="accent1"/>
+          </a:effectRef>
+          <a:fontRef idx="minor">
+            <a:schemeClr val="tx1"/>
+          </a:fontRef>
+        </p:style>
+      </p:cxnSp>
+      <p:sp useBgFill="1">
+        <p:nvSpPr>
+          <p:cNvPr id="46" name="Rectangle 45">
+            <a:extLst>
+              <a:ext uri="{FF2B5EF4-FFF2-40B4-BE49-F238E27FC236}">
+                <a16:creationId xmlns:a16="http://schemas.microsoft.com/office/drawing/2014/main" id="{8BC298DB-2D5C-40A1-9A78-6B4A12198A9B}"/>
+              </a:ext>
+              <a:ext uri="{C183D7F6-B498-43B3-948B-1728B52AA6E4}">
+                <adec:decorative xmlns:adec="http://schemas.microsoft.com/office/drawing/2017/decorative" val="1"/>
+              </a:ext>
+            </a:extLst>
+          </p:cNvPr>
+          <p:cNvSpPr>
+            <a:spLocks noGrp="1" noRot="1" noChangeAspect="1" noMove="1" noResize="1" noEditPoints="1" noAdjustHandles="1" noChangeArrowheads="1" noChangeShapeType="1" noTextEdit="1"/>
+          </p:cNvSpPr>
+          <p:nvPr>
+            <p:extLst>
+              <p:ext uri="{386F3935-93C4-4BCD-93E2-E3B085C9AB24}">
+                <p16:designElem xmlns:p16="http://schemas.microsoft.com/office/powerpoint/2015/main" val="1"/>
+              </p:ext>
+            </p:extLst>
+          </p:nvPr>
+        </p:nvSpPr>
+        <p:spPr>
+          <a:xfrm>
+            <a:off x="2" y="0"/>
+            <a:ext cx="12191695" cy="6858000"/>
+          </a:xfrm>
+          <a:prstGeom prst="rect">
+            <a:avLst/>
+          </a:prstGeom>
+          <a:ln>
+            <a:noFill/>
+          </a:ln>
+        </p:spPr>
+        <p:style>
+          <a:lnRef idx="2">
+            <a:schemeClr val="accent1">
+              <a:shade val="50000"/>
+            </a:schemeClr>
+          </a:lnRef>
+          <a:fillRef idx="1">
+            <a:schemeClr val="accent1"/>
+          </a:fillRef>
+          <a:effectRef idx="0">
+            <a:schemeClr val="accent1"/>
+          </a:effectRef>
+          <a:fontRef idx="minor">
+            <a:schemeClr val="lt1"/>
+          </a:fontRef>
+        </p:style>
+        <p:txBody>
+          <a:bodyPr rtlCol="0" anchor="ctr"/>
+          <a:lstStyle/>
+          <a:p>
+            <a:pPr algn="ctr"/>
+            <a:endParaRPr lang="en-US"/>
+          </a:p>
+        </p:txBody>
+      </p:sp>
+      <p:sp>
+        <p:nvSpPr>
+          <p:cNvPr id="48" name="Rectangle 47">
+            <a:extLst>
+              <a:ext uri="{FF2B5EF4-FFF2-40B4-BE49-F238E27FC236}">
+                <a16:creationId xmlns:a16="http://schemas.microsoft.com/office/drawing/2014/main" id="{35C2355B-7CE9-4192-9142-A41CA0A0C08B}"/>
+              </a:ext>
+              <a:ext uri="{C183D7F6-B498-43B3-948B-1728B52AA6E4}">
+                <adec:decorative xmlns:adec="http://schemas.microsoft.com/office/drawing/2017/decorative" val="1"/>
+              </a:ext>
+            </a:extLst>
+          </p:cNvPr>
+          <p:cNvSpPr>
+            <a:spLocks noGrp="1" noRot="1" noChangeAspect="1" noMove="1" noResize="1" noEditPoints="1" noAdjustHandles="1" noChangeArrowheads="1" noChangeShapeType="1" noTextEdit="1"/>
+          </p:cNvSpPr>
+          <p:nvPr>
+            <p:extLst>
+              <p:ext uri="{386F3935-93C4-4BCD-93E2-E3B085C9AB24}">
+                <p16:designElem xmlns:p16="http://schemas.microsoft.com/office/powerpoint/2015/main" val="1"/>
+              </p:ext>
+            </p:extLst>
+          </p:nvPr>
+        </p:nvSpPr>
+        <p:spPr>
+          <a:xfrm>
+            <a:off x="0" y="2019476"/>
+            <a:ext cx="12192000" cy="4105941"/>
+          </a:xfrm>
+          <a:prstGeom prst="rect">
+            <a:avLst/>
+          </a:prstGeom>
+          <a:gradFill flip="none" rotWithShape="1">
+            <a:gsLst>
+              <a:gs pos="0">
+                <a:schemeClr val="bg2">
+                  <a:alpha val="0"/>
+                </a:schemeClr>
+              </a:gs>
+              <a:gs pos="100000">
+                <a:schemeClr val="bg2"/>
+              </a:gs>
+            </a:gsLst>
+            <a:lin ang="5400000" scaled="0"/>
+            <a:tileRect/>
+          </a:gradFill>
+          <a:ln>
+            <a:noFill/>
+          </a:ln>
+        </p:spPr>
+        <p:style>
+          <a:lnRef idx="2">
+            <a:schemeClr val="accent1">
+              <a:shade val="50000"/>
+            </a:schemeClr>
+          </a:lnRef>
+          <a:fillRef idx="1">
+            <a:schemeClr val="accent1"/>
+          </a:fillRef>
+          <a:effectRef idx="0">
+            <a:schemeClr val="accent1"/>
+          </a:effectRef>
+          <a:fontRef idx="minor">
+            <a:schemeClr val="lt1"/>
+          </a:fontRef>
+        </p:style>
+        <p:txBody>
+          <a:bodyPr rtlCol="0" anchor="ctr"/>
+          <a:lstStyle/>
+          <a:p>
+            <a:pPr lvl="0" algn="ctr"/>
+            <a:endParaRPr lang="en-US"/>
+          </a:p>
+        </p:txBody>
+      </p:sp>
+      <p:sp>
+        <p:nvSpPr>
+          <p:cNvPr id="12" name="TextBox 11">
+            <a:extLst>
+              <a:ext uri="{FF2B5EF4-FFF2-40B4-BE49-F238E27FC236}">
+                <a16:creationId xmlns:a16="http://schemas.microsoft.com/office/drawing/2014/main" id="{BFAB766D-A5BE-9048-B7F4-B4157DB3A1D1}"/>
+              </a:ext>
+            </a:extLst>
+          </p:cNvPr>
+          <p:cNvSpPr txBox="1"/>
+          <p:nvPr/>
+        </p:nvSpPr>
+        <p:spPr>
+          <a:xfrm>
+            <a:off x="6585200" y="967167"/>
+            <a:ext cx="4151306" cy="2374516"/>
+          </a:xfrm>
+          <a:prstGeom prst="rect">
+            <a:avLst/>
+          </a:prstGeom>
+        </p:spPr>
+        <p:txBody>
+          <a:bodyPr vert="horz" lIns="91440" tIns="45720" rIns="91440" bIns="0" rtlCol="0" anchor="b">
+            <a:normAutofit/>
+          </a:bodyPr>
+          <a:lstStyle/>
+          <a:p>
+            <a:pPr defTabSz="914400">
+              <a:lnSpc>
+                <a:spcPct val="90000"/>
+              </a:lnSpc>
+              <a:spcBef>
+                <a:spcPct val="0"/>
+              </a:spcBef>
+              <a:spcAft>
+                <a:spcPts val="600"/>
+              </a:spcAft>
+            </a:pPr>
+            <a:r>
+              <a:rPr lang="en-US" sz="4800" cap="all" dirty="0">
+                <a:latin typeface="+mj-lt"/>
+                <a:ea typeface="+mj-ea"/>
+                <a:cs typeface="+mj-cs"/>
+              </a:rPr>
+              <a:t>Apple TV 5</a:t>
+            </a:r>
+            <a:r>
+              <a:rPr lang="en-US" sz="4800" cap="all" baseline="30000" dirty="0">
+                <a:latin typeface="+mj-lt"/>
+                <a:ea typeface="+mj-ea"/>
+                <a:cs typeface="+mj-cs"/>
+              </a:rPr>
+              <a:t>th</a:t>
+            </a:r>
+            <a:r>
+              <a:rPr lang="en-US" sz="4800" cap="all" dirty="0">
+                <a:latin typeface="+mj-lt"/>
+                <a:ea typeface="+mj-ea"/>
+                <a:cs typeface="+mj-cs"/>
+              </a:rPr>
+              <a:t> Gen (2017)</a:t>
+            </a:r>
+          </a:p>
+        </p:txBody>
+      </p:sp>
+      <p:pic>
+        <p:nvPicPr>
+          <p:cNvPr id="14" name="Picture 13">
+            <a:extLst>
+              <a:ext uri="{FF2B5EF4-FFF2-40B4-BE49-F238E27FC236}">
+                <a16:creationId xmlns:a16="http://schemas.microsoft.com/office/drawing/2014/main" id="{CC5112F1-437E-0540-85C3-16749655A384}"/>
+              </a:ext>
+            </a:extLst>
+          </p:cNvPr>
+          <p:cNvPicPr>
+            <a:picLocks noChangeAspect="1"/>
+          </p:cNvPicPr>
+          <p:nvPr/>
+        </p:nvPicPr>
+        <p:blipFill>
+          <a:blip r:embed="rId4"/>
+          <a:stretch>
+            <a:fillRect/>
+          </a:stretch>
+        </p:blipFill>
+        <p:spPr>
+          <a:xfrm>
+            <a:off x="1130029" y="1033977"/>
+            <a:ext cx="4960442" cy="4203974"/>
+          </a:xfrm>
+          <a:prstGeom prst="rect">
+            <a:avLst/>
+          </a:prstGeom>
+        </p:spPr>
+      </p:pic>
+      <p:cxnSp>
+        <p:nvCxnSpPr>
+          <p:cNvPr id="50" name="Straight Connector 49">
+            <a:extLst>
+              <a:ext uri="{FF2B5EF4-FFF2-40B4-BE49-F238E27FC236}">
+                <a16:creationId xmlns:a16="http://schemas.microsoft.com/office/drawing/2014/main" id="{06D05ED8-39E4-42F8-92CB-704C2BD0D215}"/>
+              </a:ext>
+              <a:ext uri="{C183D7F6-B498-43B3-948B-1728B52AA6E4}">
+                <adec:decorative xmlns:adec="http://schemas.microsoft.com/office/drawing/2017/decorative" val="1"/>
+              </a:ext>
+            </a:extLst>
+          </p:cNvPr>
+          <p:cNvCxnSpPr>
+            <a:cxnSpLocks noGrp="1" noRot="1" noChangeAspect="1" noMove="1" noResize="1" noEditPoints="1" noAdjustHandles="1" noChangeArrowheads="1" noChangeShapeType="1"/>
+          </p:cNvCxnSpPr>
+          <p:nvPr>
+            <p:extLst>
+              <p:ext uri="{386F3935-93C4-4BCD-93E2-E3B085C9AB24}">
+                <p16:designElem xmlns:p16="http://schemas.microsoft.com/office/powerpoint/2015/main" val="1"/>
+              </p:ext>
+            </p:extLst>
+          </p:nvPr>
+        </p:nvCxnSpPr>
+        <p:spPr>
+          <a:xfrm>
+            <a:off x="6579647" y="3526496"/>
+            <a:ext cx="4149931" cy="0"/>
+          </a:xfrm>
+          <a:prstGeom prst="line">
+            <a:avLst/>
+          </a:prstGeom>
+          <a:ln w="31750"/>
+        </p:spPr>
+        <p:style>
+          <a:lnRef idx="3">
+            <a:schemeClr val="accent1"/>
+          </a:lnRef>
+          <a:fillRef idx="0">
+            <a:schemeClr val="accent1"/>
+          </a:fillRef>
+          <a:effectRef idx="2">
+            <a:schemeClr val="accent1"/>
+          </a:effectRef>
+          <a:fontRef idx="minor">
+            <a:schemeClr val="tx1"/>
+          </a:fontRef>
+        </p:style>
+      </p:cxnSp>
+      <p:pic>
+        <p:nvPicPr>
+          <p:cNvPr id="52" name="Picture 51">
+            <a:extLst>
+              <a:ext uri="{FF2B5EF4-FFF2-40B4-BE49-F238E27FC236}">
+                <a16:creationId xmlns:a16="http://schemas.microsoft.com/office/drawing/2014/main" id="{45CE2E7C-6AA3-4710-825D-4CDDF788C7BC}"/>
+              </a:ext>
+              <a:ext uri="{C183D7F6-B498-43B3-948B-1728B52AA6E4}">
+                <adec:decorative xmlns:adec="http://schemas.microsoft.com/office/drawing/2017/decorative" val="1"/>
+              </a:ext>
+            </a:extLst>
+          </p:cNvPr>
+          <p:cNvPicPr>
+            <a:picLocks noGrp="1" noRot="1" noChangeAspect="1" noMove="1" noResize="1" noEditPoints="1" noAdjustHandles="1" noChangeArrowheads="1" noChangeShapeType="1" noCrop="1"/>
+          </p:cNvPicPr>
+          <p:nvPr>
+            <p:extLst>
+              <p:ext uri="{386F3935-93C4-4BCD-93E2-E3B085C9AB24}">
+                <p16:designElem xmlns:p16="http://schemas.microsoft.com/office/powerpoint/2015/main" val="1"/>
+              </p:ext>
+            </p:extLst>
+          </p:nvPr>
+        </p:nvPicPr>
+        <p:blipFill rotWithShape="1">
+          <a:blip r:embed="rId3">
+            <a:extLst>
+              <a:ext uri="{28A0092B-C50C-407E-A947-70E740481C1C}">
+                <a14:useLocalDpi xmlns:a14="http://schemas.microsoft.com/office/drawing/2010/main" val="0"/>
+              </a:ext>
+            </a:extLst>
+          </a:blip>
+          <a:srcRect t="1538" b="-1538"/>
+          <a:stretch/>
+        </p:blipFill>
+        <p:spPr bwMode="black">
+          <a:xfrm>
+            <a:off x="0" y="6126480"/>
+            <a:ext cx="12192000" cy="742950"/>
+          </a:xfrm>
+          <a:prstGeom prst="rect">
+            <a:avLst/>
+          </a:prstGeom>
+        </p:spPr>
+      </p:pic>
+      <p:cxnSp>
+        <p:nvCxnSpPr>
+          <p:cNvPr id="54" name="Straight Connector 53">
+            <a:extLst>
+              <a:ext uri="{FF2B5EF4-FFF2-40B4-BE49-F238E27FC236}">
+                <a16:creationId xmlns:a16="http://schemas.microsoft.com/office/drawing/2014/main" id="{3256C6C3-0EDC-4651-AB37-9F26CFAA6C86}"/>
+              </a:ext>
+              <a:ext uri="{C183D7F6-B498-43B3-948B-1728B52AA6E4}">
+                <adec:decorative xmlns:adec="http://schemas.microsoft.com/office/drawing/2017/decorative" val="1"/>
+              </a:ext>
+            </a:extLst>
+          </p:cNvPr>
+          <p:cNvCxnSpPr>
+            <a:cxnSpLocks noGrp="1" noRot="1" noChangeAspect="1" noMove="1" noResize="1" noEditPoints="1" noAdjustHandles="1" noChangeArrowheads="1" noChangeShapeType="1"/>
+          </p:cNvCxnSpPr>
+          <p:nvPr>
+            <p:extLst>
+              <p:ext uri="{386F3935-93C4-4BCD-93E2-E3B085C9AB24}">
+                <p16:designElem xmlns:p16="http://schemas.microsoft.com/office/powerpoint/2015/main" val="1"/>
+              </p:ext>
+            </p:extLst>
+          </p:nvPr>
+        </p:nvCxnSpPr>
+        <p:spPr>
+          <a:xfrm>
+            <a:off x="0" y="6128413"/>
+            <a:ext cx="12192000" cy="0"/>
+          </a:xfrm>
+          <a:prstGeom prst="line">
+            <a:avLst/>
+          </a:prstGeom>
+          <a:ln w="12700">
+            <a:solidFill>
+              <a:srgbClr val="000001">
+                <a:alpha val="20000"/>
+              </a:srgbClr>
+            </a:solidFill>
+          </a:ln>
+        </p:spPr>
+        <p:style>
+          <a:lnRef idx="1">
+            <a:schemeClr val="accent1"/>
+          </a:lnRef>
+          <a:fillRef idx="0">
+            <a:schemeClr val="accent1"/>
+          </a:fillRef>
+          <a:effectRef idx="0">
+            <a:schemeClr val="accent1"/>
+          </a:effectRef>
+          <a:fontRef idx="minor">
+            <a:schemeClr val="tx1"/>
+          </a:fontRef>
+        </p:style>
+      </p:cxnSp>
+    </p:spTree>
+    <p:extLst>
+      <p:ext uri="{BB962C8B-B14F-4D97-AF65-F5344CB8AC3E}">
+        <p14:creationId xmlns:p14="http://schemas.microsoft.com/office/powerpoint/2010/main" val="1785784091"/>
       </p:ext>
     </p:extLst>
   </p:cSld>

--- a/Presentation.pptx
+++ b/Presentation.pptx
@@ -3956,7 +3956,7 @@
         <a:lstStyle/>
         <a:p>
           <a:r>
-            <a:rPr lang="en-US" sz="2200"/>
+            <a:rPr lang="en-US" sz="2200" dirty="0"/>
             <a:t>View, User Action Handler</a:t>
           </a:r>
         </a:p>
@@ -4038,14 +4038,6 @@
           <a:r>
             <a:rPr lang="en-US" sz="2200" dirty="0"/>
             <a:t> Handler, </a:t>
-          </a:r>
-          <a:r>
-            <a:rPr lang="en-US" sz="2200" dirty="0" err="1"/>
-            <a:t>ViewModel</a:t>
-          </a:r>
-          <a:r>
-            <a:rPr lang="en-US" sz="2200" dirty="0"/>
-            <a:t>, </a:t>
           </a:r>
           <a:r>
             <a:rPr lang="en-US" sz="2200" dirty="0" err="1"/>
@@ -5890,14 +5882,6 @@
           </a:r>
           <a:r>
             <a:rPr lang="en-US" sz="2200" kern="1200" dirty="0" err="1"/>
-            <a:t>ViewModel</a:t>
-          </a:r>
-          <a:r>
-            <a:rPr lang="en-US" sz="2200" kern="1200" dirty="0"/>
-            <a:t>, </a:t>
-          </a:r>
-          <a:r>
-            <a:rPr lang="en-US" sz="2200" kern="1200" dirty="0" err="1"/>
             <a:t>etc</a:t>
           </a:r>
           <a:endParaRPr lang="en-US" sz="2200" kern="1200" dirty="0"/>
@@ -6089,7 +6073,7 @@
             <a:buNone/>
           </a:pPr>
           <a:r>
-            <a:rPr lang="en-US" sz="2200" kern="1200"/>
+            <a:rPr lang="en-US" sz="2200" kern="1200" dirty="0"/>
             <a:t>View, User Action Handler</a:t>
           </a:r>
         </a:p>
@@ -10931,7 +10915,7 @@
           <a:p>
             <a:fld id="{72D9CB7B-650F-8246-A3D9-0A62D3A19714}" type="datetimeFigureOut">
               <a:rPr lang="en-US" smtClean="0"/>
-              <a:t>9/23/18</a:t>
+              <a:t>9/27/18</a:t>
             </a:fld>
             <a:endParaRPr lang="en-US"/>
           </a:p>
@@ -12482,6 +12466,65 @@
               <a:tabLst/>
               <a:defRPr/>
             </a:pPr>
+            <a:endParaRPr lang="en-US" sz="1200" b="0" i="0" kern="1200" dirty="0">
+              <a:solidFill>
+                <a:schemeClr val="tx1"/>
+              </a:solidFill>
+              <a:effectLst/>
+              <a:latin typeface="+mn-lt"/>
+              <a:ea typeface="+mn-ea"/>
+              <a:cs typeface="+mn-cs"/>
+            </a:endParaRPr>
+          </a:p>
+          <a:p>
+            <a:pPr marL="0" marR="0" lvl="0" indent="0" algn="l" defTabSz="914400" rtl="0" eaLnBrk="1" fontAlgn="auto" latinLnBrk="0" hangingPunct="1">
+              <a:lnSpc>
+                <a:spcPct val="100000"/>
+              </a:lnSpc>
+              <a:spcBef>
+                <a:spcPts val="0"/>
+              </a:spcBef>
+              <a:spcAft>
+                <a:spcPts val="0"/>
+              </a:spcAft>
+              <a:buClrTx/>
+              <a:buSzTx/>
+              <a:buFontTx/>
+              <a:buNone/>
+              <a:tabLst/>
+              <a:defRPr/>
+            </a:pPr>
+            <a:r>
+              <a:rPr lang="en-US" sz="1200" b="0" i="0" kern="1200" dirty="0">
+                <a:solidFill>
+                  <a:schemeClr val="tx1"/>
+                </a:solidFill>
+                <a:effectLst/>
+                <a:latin typeface="+mn-lt"/>
+                <a:ea typeface="+mn-ea"/>
+                <a:cs typeface="+mn-cs"/>
+              </a:rPr>
+              <a:t>Put the line below to my suggestions</a:t>
+            </a:r>
+          </a:p>
+          <a:p>
+            <a:pPr marL="0" marR="0" lvl="0" indent="0" algn="l" defTabSz="914400" rtl="0" eaLnBrk="1" fontAlgn="auto" latinLnBrk="0" hangingPunct="1">
+              <a:lnSpc>
+                <a:spcPct val="100000"/>
+              </a:lnSpc>
+              <a:spcBef>
+                <a:spcPts val="0"/>
+              </a:spcBef>
+              <a:spcAft>
+                <a:spcPts val="0"/>
+              </a:spcAft>
+              <a:buClrTx/>
+              <a:buSzTx/>
+              <a:buFontTx/>
+              <a:buNone/>
+              <a:tabLst/>
+              <a:defRPr/>
+            </a:pPr>
             <a:r>
               <a:rPr lang="en-US" sz="1200" b="0" i="0" kern="1200" dirty="0">
                 <a:solidFill>
@@ -12548,6 +12591,93 @@
                 <a:cs typeface="+mn-cs"/>
               </a:rPr>
               <a:t> and beside that you need to rewrite lots of tests for both.</a:t>
+            </a:r>
+          </a:p>
+          <a:p>
+            <a:pPr marL="171450" marR="0" lvl="0" indent="-171450" algn="l" defTabSz="914400" rtl="0" eaLnBrk="1" fontAlgn="auto" latinLnBrk="0" hangingPunct="1">
+              <a:lnSpc>
+                <a:spcPct val="100000"/>
+              </a:lnSpc>
+              <a:spcBef>
+                <a:spcPts val="0"/>
+              </a:spcBef>
+              <a:spcAft>
+                <a:spcPts val="0"/>
+              </a:spcAft>
+              <a:buClrTx/>
+              <a:buSzTx/>
+              <a:buFontTx/>
+              <a:buChar char="-"/>
+              <a:tabLst/>
+              <a:defRPr/>
+            </a:pPr>
+            <a:endParaRPr lang="en-US" sz="1200" b="0" i="0" kern="1200" dirty="0">
+              <a:solidFill>
+                <a:schemeClr val="tx1"/>
+              </a:solidFill>
+              <a:effectLst/>
+              <a:latin typeface="+mn-lt"/>
+              <a:ea typeface="+mn-ea"/>
+              <a:cs typeface="+mn-cs"/>
+            </a:endParaRPr>
+          </a:p>
+          <a:p>
+            <a:pPr marL="171450" marR="0" lvl="0" indent="-171450" algn="l" defTabSz="914400" rtl="0" eaLnBrk="1" fontAlgn="auto" latinLnBrk="0" hangingPunct="1">
+              <a:lnSpc>
+                <a:spcPct val="100000"/>
+              </a:lnSpc>
+              <a:spcBef>
+                <a:spcPts val="0"/>
+              </a:spcBef>
+              <a:spcAft>
+                <a:spcPts val="0"/>
+              </a:spcAft>
+              <a:buClrTx/>
+              <a:buSzTx/>
+              <a:buFontTx/>
+              <a:buChar char="-"/>
+              <a:tabLst/>
+              <a:defRPr/>
+            </a:pPr>
+            <a:endParaRPr lang="en-US" sz="1200" b="0" i="0" kern="1200" dirty="0">
+              <a:solidFill>
+                <a:schemeClr val="tx1"/>
+              </a:solidFill>
+              <a:effectLst/>
+              <a:latin typeface="+mn-lt"/>
+              <a:ea typeface="+mn-ea"/>
+              <a:cs typeface="+mn-cs"/>
+            </a:endParaRPr>
+          </a:p>
+          <a:p>
+            <a:pPr marL="171450" marR="0" lvl="0" indent="-171450" algn="l" defTabSz="914400" rtl="0" eaLnBrk="1" fontAlgn="auto" latinLnBrk="0" hangingPunct="1">
+              <a:lnSpc>
+                <a:spcPct val="100000"/>
+              </a:lnSpc>
+              <a:spcBef>
+                <a:spcPts val="0"/>
+              </a:spcBef>
+              <a:spcAft>
+                <a:spcPts val="0"/>
+              </a:spcAft>
+              <a:buClrTx/>
+              <a:buSzTx/>
+              <a:buFontTx/>
+              <a:buChar char="-"/>
+              <a:tabLst/>
+              <a:defRPr/>
+            </a:pPr>
+            <a:r>
+              <a:rPr lang="en-US" sz="1200" b="0" i="0" kern="1200" dirty="0">
+                <a:solidFill>
+                  <a:schemeClr val="tx1"/>
+                </a:solidFill>
+                <a:effectLst/>
+                <a:latin typeface="+mn-lt"/>
+                <a:ea typeface="+mn-ea"/>
+                <a:cs typeface="+mn-cs"/>
+              </a:rPr>
+              <a:t>On Viki we also write both and we learn from the reality.</a:t>
             </a:r>
           </a:p>
         </p:txBody>
@@ -14468,6 +14598,90 @@
           <a:bodyPr/>
           <a:lstStyle/>
           <a:p>
+            <a:endParaRPr lang="en-US" dirty="0"/>
+          </a:p>
+        </p:txBody>
+      </p:sp>
+      <p:sp>
+        <p:nvSpPr>
+          <p:cNvPr id="4" name="Slide Number Placeholder 3"/>
+          <p:cNvSpPr>
+            <a:spLocks noGrp="1"/>
+          </p:cNvSpPr>
+          <p:nvPr>
+            <p:ph type="sldNum" sz="quarter" idx="10"/>
+          </p:nvPr>
+        </p:nvSpPr>
+        <p:spPr/>
+        <p:txBody>
+          <a:bodyPr/>
+          <a:lstStyle/>
+          <a:p>
+            <a:fld id="{021361DD-1E38-BB4A-B605-BA873CC7A43C}" type="slidenum">
+              <a:rPr lang="en-US" smtClean="0"/>
+              <a:t>23</a:t>
+            </a:fld>
+            <a:endParaRPr lang="en-US"/>
+          </a:p>
+        </p:txBody>
+      </p:sp>
+    </p:spTree>
+    <p:extLst>
+      <p:ext uri="{BB962C8B-B14F-4D97-AF65-F5344CB8AC3E}">
+        <p14:creationId xmlns:p14="http://schemas.microsoft.com/office/powerpoint/2010/main" val="82419539"/>
+      </p:ext>
+    </p:extLst>
+  </p:cSld>
+  <p:clrMapOvr>
+    <a:masterClrMapping/>
+  </p:clrMapOvr>
+</p:notes>
+</file>
+
+<file path=ppt/notesSlides/notesSlide21.xml><?xml version="1.0" encoding="utf-8"?>
+<p:notes xmlns:a="http://schemas.openxmlformats.org/drawingml/2006/main" xmlns:r="http://schemas.openxmlformats.org/officeDocument/2006/relationships" xmlns:p="http://schemas.openxmlformats.org/presentationml/2006/main">
+  <p:cSld>
+    <p:spTree>
+      <p:nvGrpSpPr>
+        <p:cNvPr id="1" name=""/>
+        <p:cNvGrpSpPr/>
+        <p:nvPr/>
+      </p:nvGrpSpPr>
+      <p:grpSpPr>
+        <a:xfrm>
+          <a:off x="0" y="0"/>
+          <a:ext cx="0" cy="0"/>
+          <a:chOff x="0" y="0"/>
+          <a:chExt cx="0" cy="0"/>
+        </a:xfrm>
+      </p:grpSpPr>
+      <p:sp>
+        <p:nvSpPr>
+          <p:cNvPr id="2" name="Slide Image Placeholder 1"/>
+          <p:cNvSpPr>
+            <a:spLocks noGrp="1" noRot="1" noChangeAspect="1"/>
+          </p:cNvSpPr>
+          <p:nvPr>
+            <p:ph type="sldImg"/>
+          </p:nvPr>
+        </p:nvSpPr>
+        <p:spPr/>
+      </p:sp>
+      <p:sp>
+        <p:nvSpPr>
+          <p:cNvPr id="3" name="Notes Placeholder 2"/>
+          <p:cNvSpPr>
+            <a:spLocks noGrp="1"/>
+          </p:cNvSpPr>
+          <p:nvPr>
+            <p:ph type="body" idx="1"/>
+          </p:nvPr>
+        </p:nvSpPr>
+        <p:spPr/>
+        <p:txBody>
+          <a:bodyPr/>
+          <a:lstStyle/>
+          <a:p>
             <a:pPr marL="0" marR="0" lvl="0" indent="0" algn="l" defTabSz="914400" rtl="0" eaLnBrk="1" fontAlgn="auto" latinLnBrk="0" hangingPunct="1">
               <a:lnSpc>
                 <a:spcPct val="100000"/>
@@ -14587,7 +14801,7 @@
 </p:notes>
 </file>
 
-<file path=ppt/notesSlides/notesSlide21.xml><?xml version="1.0" encoding="utf-8"?>
+<file path=ppt/notesSlides/notesSlide22.xml><?xml version="1.0" encoding="utf-8"?>
 <p:notes xmlns:a="http://schemas.openxmlformats.org/drawingml/2006/main" xmlns:r="http://schemas.openxmlformats.org/officeDocument/2006/relationships" xmlns:p="http://schemas.openxmlformats.org/presentationml/2006/main">
   <p:cSld>
     <p:spTree>
@@ -14989,6 +15203,58 @@
             <a:r>
               <a:rPr lang="en-US" dirty="0"/>
               <a:t> and how to implement it on scratch or in an iOS application which is already built and already working</a:t>
+            </a:r>
+          </a:p>
+          <a:p>
+            <a:pPr marL="171450" indent="-171450">
+              <a:buFontTx/>
+              <a:buChar char="-"/>
+            </a:pPr>
+            <a:endParaRPr lang="en-US" dirty="0"/>
+          </a:p>
+          <a:p>
+            <a:pPr marL="171450" indent="-171450">
+              <a:buFontTx/>
+              <a:buChar char="-"/>
+            </a:pPr>
+            <a:r>
+              <a:rPr lang="en-US" dirty="0"/>
+              <a:t>We thought there would be only </a:t>
+            </a:r>
+            <a:r>
+              <a:rPr lang="en-US" dirty="0" err="1"/>
+              <a:t>tv</a:t>
+            </a:r>
+            <a:r>
+              <a:rPr lang="en-US" dirty="0"/>
+              <a:t> app on Apple TV but actually there are more than that. There are some other ideas like comic, weather, plane finder</a:t>
+            </a:r>
+          </a:p>
+          <a:p>
+            <a:pPr marL="171450" indent="-171450">
+              <a:buFontTx/>
+              <a:buChar char="-"/>
+            </a:pPr>
+            <a:endParaRPr lang="en-US" dirty="0"/>
+          </a:p>
+          <a:p>
+            <a:pPr marL="171450" indent="-171450">
+              <a:buFontTx/>
+              <a:buChar char="-"/>
+            </a:pPr>
+            <a:r>
+              <a:rPr lang="en-US" dirty="0"/>
+              <a:t>There are not many apps so far on Apple TV so if you implement it you can be a featured partner with Apple </a:t>
+            </a:r>
+          </a:p>
+          <a:p>
+            <a:pPr marL="171450" indent="-171450">
+              <a:buFontTx/>
+              <a:buChar char="-"/>
+            </a:pPr>
+            <a:r>
+              <a:rPr lang="en-US" dirty="0"/>
+              <a:t>Also it is a way to make the commitment with user.</a:t>
             </a:r>
           </a:p>
           <a:p>
@@ -16288,7 +16554,7 @@
           <a:p>
             <a:fld id="{48A87A34-81AB-432B-8DAE-1953F412C126}" type="datetimeFigureOut">
               <a:rPr lang="en-US" smtClean="0"/>
-              <a:t>9/23/18</a:t>
+              <a:t>9/27/18</a:t>
             </a:fld>
             <a:endParaRPr lang="en-US" dirty="0"/>
           </a:p>
@@ -16619,7 +16885,7 @@
             <a:fld id="{48A87A34-81AB-432B-8DAE-1953F412C126}" type="datetimeFigureOut">
               <a:rPr lang="en-US" smtClean="0"/>
               <a:pPr/>
-              <a:t>9/23/18</a:t>
+              <a:t>9/27/18</a:t>
             </a:fld>
             <a:endParaRPr lang="en-US" dirty="0"/>
           </a:p>
@@ -16801,7 +17067,7 @@
             <a:fld id="{48A87A34-81AB-432B-8DAE-1953F412C126}" type="datetimeFigureOut">
               <a:rPr lang="en-US" smtClean="0"/>
               <a:pPr/>
-              <a:t>9/23/18</a:t>
+              <a:t>9/27/18</a:t>
             </a:fld>
             <a:endParaRPr lang="en-US" dirty="0"/>
           </a:p>
@@ -16973,7 +17239,7 @@
             <a:fld id="{48A87A34-81AB-432B-8DAE-1953F412C126}" type="datetimeFigureOut">
               <a:rPr lang="en-US" smtClean="0"/>
               <a:pPr/>
-              <a:t>9/23/18</a:t>
+              <a:t>9/27/18</a:t>
             </a:fld>
             <a:endParaRPr lang="en-US" dirty="0"/>
           </a:p>
@@ -17251,7 +17517,7 @@
           <a:p>
             <a:fld id="{48A87A34-81AB-432B-8DAE-1953F412C126}" type="datetimeFigureOut">
               <a:rPr lang="en-US" smtClean="0"/>
-              <a:t>9/23/18</a:t>
+              <a:t>9/27/18</a:t>
             </a:fld>
             <a:endParaRPr lang="en-US" dirty="0"/>
           </a:p>
@@ -17646,7 +17912,7 @@
             <a:fld id="{48A87A34-81AB-432B-8DAE-1953F412C126}" type="datetimeFigureOut">
               <a:rPr lang="en-US" smtClean="0"/>
               <a:pPr/>
-              <a:t>9/23/18</a:t>
+              <a:t>9/27/18</a:t>
             </a:fld>
             <a:endParaRPr lang="en-US" dirty="0"/>
           </a:p>
@@ -18125,7 +18391,7 @@
             <a:fld id="{48A87A34-81AB-432B-8DAE-1953F412C126}" type="datetimeFigureOut">
               <a:rPr lang="en-US" smtClean="0"/>
               <a:pPr/>
-              <a:t>9/23/18</a:t>
+              <a:t>9/27/18</a:t>
             </a:fld>
             <a:endParaRPr lang="en-US" dirty="0"/>
           </a:p>
@@ -18244,7 +18510,7 @@
           <a:p>
             <a:fld id="{48A87A34-81AB-432B-8DAE-1953F412C126}" type="datetimeFigureOut">
               <a:rPr lang="en-US" smtClean="0"/>
-              <a:t>9/23/18</a:t>
+              <a:t>9/27/18</a:t>
             </a:fld>
             <a:endParaRPr lang="en-US" dirty="0"/>
           </a:p>
@@ -18339,7 +18605,7 @@
           <a:p>
             <a:fld id="{48A87A34-81AB-432B-8DAE-1953F412C126}" type="datetimeFigureOut">
               <a:rPr lang="en-US" smtClean="0"/>
-              <a:t>9/23/18</a:t>
+              <a:t>9/27/18</a:t>
             </a:fld>
             <a:endParaRPr lang="en-US" dirty="0"/>
           </a:p>
@@ -18686,7 +18952,7 @@
             <a:fld id="{48A87A34-81AB-432B-8DAE-1953F412C126}" type="datetimeFigureOut">
               <a:rPr lang="en-US" smtClean="0"/>
               <a:pPr/>
-              <a:t>9/23/18</a:t>
+              <a:t>9/27/18</a:t>
             </a:fld>
             <a:endParaRPr lang="en-US" dirty="0"/>
           </a:p>
@@ -19076,7 +19342,7 @@
             <a:fld id="{48A87A34-81AB-432B-8DAE-1953F412C126}" type="datetimeFigureOut">
               <a:rPr lang="en-US" smtClean="0"/>
               <a:pPr/>
-              <a:t>9/23/18</a:t>
+              <a:t>9/27/18</a:t>
             </a:fld>
             <a:endParaRPr lang="en-US" dirty="0"/>
           </a:p>
@@ -19355,7 +19621,7 @@
             <a:fld id="{48A87A34-81AB-432B-8DAE-1953F412C126}" type="datetimeFigureOut">
               <a:rPr lang="en-US" smtClean="0"/>
               <a:pPr/>
-              <a:t>9/23/18</a:t>
+              <a:t>9/27/18</a:t>
             </a:fld>
             <a:endParaRPr lang="en-US" dirty="0"/>
           </a:p>
@@ -22875,7 +23141,7 @@
             <p:ph idx="1"/>
             <p:extLst>
               <p:ext uri="{D42A27DB-BD31-4B8C-83A1-F6EECF244321}">
-                <p14:modId xmlns:p14="http://schemas.microsoft.com/office/powerpoint/2010/main" val="817803443"/>
+                <p14:modId xmlns:p14="http://schemas.microsoft.com/office/powerpoint/2010/main" val="1116590519"/>
               </p:ext>
             </p:extLst>
           </p:nvPr>
@@ -23916,7 +24182,7 @@
           <a:p>
             <a:r>
               <a:rPr lang="en-US" sz="8800" cap="all" dirty="0"/>
-              <a:t>Notes</a:t>
+              <a:t>conclusion</a:t>
             </a:r>
           </a:p>
         </p:txBody>
